--- a/presentation_finale/prensent_A2_ghaoui.pptx
+++ b/presentation_finale/prensent_A2_ghaoui.pptx
@@ -5383,7 +5383,7 @@
         <p:spPr>
           <a:xfrm>
             <a:off x="360" y="2362680"/>
-            <a:ext cx="9717840" cy="943920"/>
+            <a:ext cx="9717480" cy="943560"/>
           </a:xfrm>
           <a:prstGeom prst="rect">
             <a:avLst/>
@@ -5669,7 +5669,7 @@
         <p:spPr>
           <a:xfrm>
             <a:off x="360" y="135000"/>
-            <a:ext cx="9717840" cy="943920"/>
+            <a:ext cx="9717480" cy="943560"/>
           </a:xfrm>
           <a:prstGeom prst="rect">
             <a:avLst/>
@@ -5697,7 +5697,7 @@
         <p:spPr>
           <a:xfrm>
             <a:off x="7559280" y="5130000"/>
-            <a:ext cx="2518560" cy="403920"/>
+            <a:ext cx="2518200" cy="403560"/>
           </a:xfrm>
           <a:prstGeom prst="rect">
             <a:avLst/>
@@ -5725,7 +5725,7 @@
         <p:spPr>
           <a:xfrm>
             <a:off x="899640" y="5130000"/>
-            <a:ext cx="6478200" cy="403920"/>
+            <a:ext cx="6477840" cy="403560"/>
           </a:xfrm>
           <a:prstGeom prst="rect">
             <a:avLst/>
@@ -5753,7 +5753,7 @@
         <p:spPr>
           <a:xfrm>
             <a:off x="179640" y="5130000"/>
-            <a:ext cx="538560" cy="403920"/>
+            <a:ext cx="538200" cy="403560"/>
           </a:xfrm>
           <a:prstGeom prst="rect">
             <a:avLst/>
@@ -6037,7 +6037,7 @@
         <p:spPr>
           <a:xfrm>
             <a:off x="360" y="135000"/>
-            <a:ext cx="9717840" cy="943920"/>
+            <a:ext cx="9717480" cy="943560"/>
           </a:xfrm>
           <a:prstGeom prst="rect">
             <a:avLst/>
@@ -6065,7 +6065,7 @@
         <p:spPr>
           <a:xfrm>
             <a:off x="7559280" y="5130000"/>
-            <a:ext cx="2518560" cy="403920"/>
+            <a:ext cx="2518200" cy="403560"/>
           </a:xfrm>
           <a:prstGeom prst="rect">
             <a:avLst/>
@@ -6093,7 +6093,7 @@
         <p:spPr>
           <a:xfrm>
             <a:off x="899640" y="5130000"/>
-            <a:ext cx="6478200" cy="403920"/>
+            <a:ext cx="6477840" cy="403560"/>
           </a:xfrm>
           <a:prstGeom prst="rect">
             <a:avLst/>
@@ -6121,7 +6121,7 @@
         <p:spPr>
           <a:xfrm>
             <a:off x="179640" y="5130000"/>
-            <a:ext cx="538560" cy="403920"/>
+            <a:ext cx="538200" cy="403560"/>
           </a:xfrm>
           <a:prstGeom prst="rect">
             <a:avLst/>
@@ -6165,7 +6165,19 @@
               <a:rPr b="0" lang="en-US" sz="4400" spc="-1" strike="noStrike">
                 <a:latin typeface="Arial"/>
               </a:rPr>
-              <a:t>Click to edit the title text format</a:t>
+              <a:t>Click to edit </a:t>
+            </a:r>
+            <a:r>
+              <a:rPr b="0" lang="en-US" sz="4400" spc="-1" strike="noStrike">
+                <a:latin typeface="Arial"/>
+              </a:rPr>
+              <a:t>the title text </a:t>
+            </a:r>
+            <a:r>
+              <a:rPr b="0" lang="en-US" sz="4400" spc="-1" strike="noStrike">
+                <a:latin typeface="Arial"/>
+              </a:rPr>
+              <a:t>format</a:t>
             </a:r>
             <a:endParaRPr b="0" lang="en-US" sz="4400" spc="-1" strike="noStrike">
               <a:latin typeface="Arial"/>
@@ -6405,7 +6417,7 @@
         <p:spPr>
           <a:xfrm>
             <a:off x="360" y="135000"/>
-            <a:ext cx="9717840" cy="943920"/>
+            <a:ext cx="9717480" cy="943560"/>
           </a:xfrm>
           <a:prstGeom prst="rect">
             <a:avLst/>
@@ -6433,7 +6445,7 @@
         <p:spPr>
           <a:xfrm>
             <a:off x="7559280" y="5130000"/>
-            <a:ext cx="2518560" cy="403920"/>
+            <a:ext cx="2518200" cy="403560"/>
           </a:xfrm>
           <a:prstGeom prst="rect">
             <a:avLst/>
@@ -6461,7 +6473,7 @@
         <p:spPr>
           <a:xfrm>
             <a:off x="899640" y="5130000"/>
-            <a:ext cx="6478200" cy="403920"/>
+            <a:ext cx="6477840" cy="403560"/>
           </a:xfrm>
           <a:prstGeom prst="rect">
             <a:avLst/>
@@ -6489,7 +6501,7 @@
         <p:spPr>
           <a:xfrm>
             <a:off x="179640" y="5130000"/>
-            <a:ext cx="538560" cy="403920"/>
+            <a:ext cx="538200" cy="403560"/>
           </a:xfrm>
           <a:prstGeom prst="rect">
             <a:avLst/>
@@ -6518,8 +6530,8 @@
         </p:nvSpPr>
         <p:spPr>
           <a:xfrm>
-            <a:off x="503640" y="225720"/>
-            <a:ext cx="9070920" cy="946080"/>
+            <a:off x="504000" y="226080"/>
+            <a:ext cx="9071640" cy="946080"/>
           </a:xfrm>
           <a:prstGeom prst="rect">
             <a:avLst/>
@@ -6552,8 +6564,8 @@
         </p:nvSpPr>
         <p:spPr>
           <a:xfrm>
-            <a:off x="503640" y="1326240"/>
-            <a:ext cx="4426200" cy="3287880"/>
+            <a:off x="504000" y="1326600"/>
+            <a:ext cx="4426560" cy="3288240"/>
           </a:xfrm>
           <a:prstGeom prst="rect">
             <a:avLst/>
@@ -6731,8 +6743,8 @@
         </p:nvSpPr>
         <p:spPr>
           <a:xfrm>
-            <a:off x="5151960" y="1326240"/>
-            <a:ext cx="4426200" cy="3287880"/>
+            <a:off x="5152680" y="1326600"/>
+            <a:ext cx="4426560" cy="3288240"/>
           </a:xfrm>
           <a:prstGeom prst="rect">
             <a:avLst/>
@@ -6951,7 +6963,7 @@
         <p:spPr>
           <a:xfrm>
             <a:off x="359640" y="2497680"/>
-            <a:ext cx="9357840" cy="673920"/>
+            <a:ext cx="9357480" cy="673560"/>
           </a:xfrm>
           <a:prstGeom prst="rect">
             <a:avLst/>
@@ -6967,29 +6979,6 @@
           <a:effectRef idx="0"/>
           <a:fontRef idx="minor"/>
         </p:style>
-        <p:txBody>
-          <a:bodyPr lIns="0" rIns="0" tIns="0" bIns="0" anchor="b"/>
-          <a:p>
-            <a:pPr>
-              <a:lnSpc>
-                <a:spcPct val="100000"/>
-              </a:lnSpc>
-            </a:pPr>
-            <a:r>
-              <a:rPr b="1" lang="en-US" sz="3200" spc="-1" strike="noStrike">
-                <a:solidFill>
-                  <a:srgbClr val="ffffff"/>
-                </a:solidFill>
-                <a:latin typeface="Noto Sans Black"/>
-                <a:ea typeface="DejaVu Sans"/>
-              </a:rPr>
-              <a:t>Présentation de l’avancement du projet</a:t>
-            </a:r>
-            <a:endParaRPr b="0" lang="en-US" sz="3200" spc="-1" strike="noStrike">
-              <a:latin typeface="Arial"/>
-            </a:endParaRPr>
-          </a:p>
-        </p:txBody>
       </p:sp>
       <p:sp>
         <p:nvSpPr>
@@ -7000,7 +6989,7 @@
         <p:spPr>
           <a:xfrm>
             <a:off x="539640" y="3537000"/>
-            <a:ext cx="3634200" cy="1348920"/>
+            <a:ext cx="3633840" cy="1348560"/>
           </a:xfrm>
           <a:prstGeom prst="rect">
             <a:avLst/>
@@ -7129,7 +7118,7 @@
         <p:spPr>
           <a:xfrm>
             <a:off x="2087640" y="216000"/>
-            <a:ext cx="5902200" cy="378720"/>
+            <a:ext cx="5901840" cy="378360"/>
           </a:xfrm>
           <a:prstGeom prst="rect">
             <a:avLst/>
@@ -7161,7 +7150,7 @@
                 <a:latin typeface="Noto Sans"/>
                 <a:ea typeface="DejaVu Sans"/>
               </a:rPr>
-              <a:t>Université Paris-Saclay</a:t>
+              <a:t>Paris-Saclay University</a:t>
             </a:r>
             <a:endParaRPr b="0" lang="en-US" sz="2400" spc="-1" strike="noStrike">
               <a:latin typeface="Arial"/>
@@ -7178,7 +7167,7 @@
         <p:spPr>
           <a:xfrm>
             <a:off x="6047280" y="3537000"/>
-            <a:ext cx="3166200" cy="638640"/>
+            <a:ext cx="3165840" cy="638280"/>
           </a:xfrm>
           <a:prstGeom prst="rect">
             <a:avLst/>
@@ -7210,7 +7199,17 @@
                 <a:latin typeface="Noto Sans"/>
                 <a:ea typeface="DejaVu Sans"/>
               </a:rPr>
-              <a:t>Le : 28 Janvier 2020</a:t>
+              <a:t> </a:t>
+            </a:r>
+            <a:r>
+              <a:rPr b="0" lang="en-US" sz="2200" spc="-1" strike="noStrike">
+                <a:solidFill>
+                  <a:srgbClr val="000000"/>
+                </a:solidFill>
+                <a:latin typeface="Noto Sans"/>
+                <a:ea typeface="DejaVu Sans"/>
+              </a:rPr>
+              <a:t>2020 February 03</a:t>
             </a:r>
             <a:endParaRPr b="0" lang="en-US" sz="2200" spc="-1" strike="noStrike">
               <a:latin typeface="Arial"/>
@@ -7227,7 +7226,7 @@
         <p:spPr>
           <a:xfrm>
             <a:off x="881640" y="942840"/>
-            <a:ext cx="8313840" cy="837720"/>
+            <a:ext cx="8313480" cy="837360"/>
           </a:xfrm>
           <a:prstGeom prst="rect">
             <a:avLst/>
@@ -7259,9 +7258,56 @@
                 <a:latin typeface="Noto Sans"/>
                 <a:ea typeface="DejaVu Sans"/>
               </a:rPr>
-              <a:t>A2 : Systèmes électroniques embarqués</a:t>
+              <a:t>A2 : Embedded  Electronic Systems</a:t>
             </a:r>
             <a:endParaRPr b="0" lang="en-US" sz="2800" spc="-1" strike="noStrike">
+              <a:latin typeface="Arial"/>
+            </a:endParaRPr>
+          </a:p>
+        </p:txBody>
+      </p:sp>
+      <p:sp>
+        <p:nvSpPr>
+          <p:cNvPr id="171" name="TextShape 6"/>
+          <p:cNvSpPr txBox="1"/>
+          <p:nvPr/>
+        </p:nvSpPr>
+        <p:spPr>
+          <a:xfrm>
+            <a:off x="182880" y="2378160"/>
+            <a:ext cx="9509760" cy="914400"/>
+          </a:xfrm>
+          <a:prstGeom prst="rect">
+            <a:avLst/>
+          </a:prstGeom>
+          <a:noFill/>
+          <a:ln>
+            <a:noFill/>
+          </a:ln>
+        </p:spPr>
+        <p:txBody>
+          <a:bodyPr lIns="90000" rIns="90000" tIns="45000" bIns="45000"/>
+          <a:p>
+            <a:pPr algn="ctr"/>
+            <a:r>
+              <a:rPr b="1" lang="en-US" sz="2600" spc="-1" strike="noStrike">
+                <a:latin typeface="Arial"/>
+              </a:rPr>
+              <a:t>Heterogeneous architecture for Big Data algorithms </a:t>
+            </a:r>
+            <a:endParaRPr b="1" lang="en-US" sz="2600" spc="-1" strike="noStrike">
+              <a:latin typeface="Arial"/>
+            </a:endParaRPr>
+          </a:p>
+          <a:p>
+            <a:pPr algn="ctr"/>
+            <a:r>
+              <a:rPr b="1" lang="en-US" sz="2600" spc="-1" strike="noStrike">
+                <a:latin typeface="Arial"/>
+              </a:rPr>
+              <a:t>Final presentation</a:t>
+            </a:r>
+            <a:endParaRPr b="1" lang="en-US" sz="2600" spc="-1" strike="noStrike">
               <a:latin typeface="Arial"/>
             </a:endParaRPr>
           </a:p>
@@ -7318,14 +7364,14 @@
       </p:grpSpPr>
       <p:sp>
         <p:nvSpPr>
-          <p:cNvPr id="171" name="CustomShape 1"/>
+          <p:cNvPr id="172" name="CustomShape 1"/>
           <p:cNvSpPr/>
           <p:nvPr/>
         </p:nvSpPr>
         <p:spPr>
           <a:xfrm>
             <a:off x="359640" y="270000"/>
-            <a:ext cx="9357840" cy="673920"/>
+            <a:ext cx="9357480" cy="673560"/>
           </a:xfrm>
           <a:prstGeom prst="rect">
             <a:avLst/>
@@ -7350,16 +7396,6 @@
               </a:lnSpc>
             </a:pPr>
             <a:r>
-              <a:rPr b="1" lang="en-US" sz="3600" spc="-1" strike="noStrike">
-                <a:solidFill>
-                  <a:srgbClr val="ffffff"/>
-                </a:solidFill>
-                <a:latin typeface="Noto Sans Black"/>
-                <a:ea typeface="DejaVu Sans"/>
-              </a:rPr>
-              <a:t>Équipe</a:t>
-            </a:r>
-            <a:r>
               <a:rPr b="1" lang="en-US" sz="3200" spc="-1" strike="noStrike">
                 <a:solidFill>
                   <a:srgbClr val="ffffff"/>
@@ -7367,6 +7403,16 @@
                 <a:latin typeface="Noto Sans Black"/>
                 <a:ea typeface="DejaVu Sans"/>
               </a:rPr>
+              <a:t>TEAM</a:t>
+            </a:r>
+            <a:r>
+              <a:rPr b="1" lang="en-US" sz="3200" spc="-1" strike="noStrike">
+                <a:solidFill>
+                  <a:srgbClr val="ffffff"/>
+                </a:solidFill>
+                <a:latin typeface="Noto Sans Black"/>
+                <a:ea typeface="DejaVu Sans"/>
+              </a:rPr>
               <a:t> </a:t>
             </a:r>
             <a:endParaRPr b="0" lang="en-US" sz="3200" spc="-1" strike="noStrike">
@@ -7377,14 +7423,14 @@
       </p:sp>
       <p:sp>
         <p:nvSpPr>
-          <p:cNvPr id="172" name="CustomShape 2"/>
+          <p:cNvPr id="173" name="CustomShape 2"/>
           <p:cNvSpPr/>
           <p:nvPr/>
         </p:nvSpPr>
         <p:spPr>
           <a:xfrm>
             <a:off x="359640" y="1485000"/>
-            <a:ext cx="9177840" cy="3508920"/>
+            <a:ext cx="9177480" cy="3508560"/>
           </a:xfrm>
           <a:prstGeom prst="rect">
             <a:avLst/>
@@ -7405,7 +7451,7 @@
             <a:normAutofit/>
           </a:bodyPr>
           <a:p>
-            <a:pPr marL="216000" indent="-214560">
+            <a:pPr marL="216000" indent="-214200">
               <a:lnSpc>
                 <a:spcPct val="100000"/>
               </a:lnSpc>
@@ -7434,7 +7480,7 @@
             </a:endParaRPr>
           </a:p>
           <a:p>
-            <a:pPr lvl="2" marL="648000" indent="-215280">
+            <a:pPr lvl="2" marL="648000" indent="-214920">
               <a:lnSpc>
                 <a:spcPct val="100000"/>
               </a:lnSpc>
@@ -7463,7 +7509,7 @@
             </a:endParaRPr>
           </a:p>
           <a:p>
-            <a:pPr lvl="2" marL="648000" indent="-215280">
+            <a:pPr lvl="2" marL="648000" indent="-214920">
               <a:lnSpc>
                 <a:spcPct val="100000"/>
               </a:lnSpc>
@@ -7492,7 +7538,7 @@
             </a:endParaRPr>
           </a:p>
           <a:p>
-            <a:pPr marL="216000" indent="-214560">
+            <a:pPr marL="216000" indent="-214200">
               <a:lnSpc>
                 <a:spcPct val="100000"/>
               </a:lnSpc>
@@ -7521,7 +7567,7 @@
             </a:endParaRPr>
           </a:p>
           <a:p>
-            <a:pPr lvl="2" marL="648000" indent="-215280">
+            <a:pPr lvl="2" marL="648000" indent="-214920">
               <a:lnSpc>
                 <a:spcPct val="100000"/>
               </a:lnSpc>
@@ -7550,7 +7596,7 @@
             </a:endParaRPr>
           </a:p>
           <a:p>
-            <a:pPr marL="216000" indent="-214560">
+            <a:pPr marL="216000" indent="-214200">
               <a:lnSpc>
                 <a:spcPct val="100000"/>
               </a:lnSpc>
@@ -7579,7 +7625,7 @@
             </a:endParaRPr>
           </a:p>
           <a:p>
-            <a:pPr lvl="2" marL="648000" indent="-215280">
+            <a:pPr lvl="2" marL="648000" indent="-214920">
               <a:lnSpc>
                 <a:spcPct val="100000"/>
               </a:lnSpc>
@@ -7660,14 +7706,14 @@
       </p:grpSpPr>
       <p:sp>
         <p:nvSpPr>
-          <p:cNvPr id="173" name="CustomShape 1"/>
+          <p:cNvPr id="174" name="CustomShape 1"/>
           <p:cNvSpPr/>
           <p:nvPr/>
         </p:nvSpPr>
         <p:spPr>
           <a:xfrm>
             <a:off x="359640" y="270000"/>
-            <a:ext cx="9357840" cy="673920"/>
+            <a:ext cx="9357480" cy="673560"/>
           </a:xfrm>
           <a:prstGeom prst="rect">
             <a:avLst/>
@@ -7709,14 +7755,14 @@
       </p:sp>
       <p:sp>
         <p:nvSpPr>
-          <p:cNvPr id="174" name="CustomShape 2"/>
+          <p:cNvPr id="175" name="CustomShape 2"/>
           <p:cNvSpPr/>
           <p:nvPr/>
         </p:nvSpPr>
         <p:spPr>
           <a:xfrm>
             <a:off x="359640" y="1485000"/>
-            <a:ext cx="9177840" cy="3508920"/>
+            <a:ext cx="9177480" cy="3508560"/>
           </a:xfrm>
           <a:prstGeom prst="rect">
             <a:avLst/>
@@ -8004,7 +8050,7 @@
       </p:sp>
       <p:pic>
         <p:nvPicPr>
-          <p:cNvPr id="175" name="" descr=""/>
+          <p:cNvPr id="176" name="" descr=""/>
           <p:cNvPicPr/>
           <p:nvPr/>
         </p:nvPicPr>
@@ -8015,7 +8061,7 @@
         <p:spPr>
           <a:xfrm>
             <a:off x="5507280" y="2753280"/>
-            <a:ext cx="2123280" cy="797040"/>
+            <a:ext cx="2122920" cy="796680"/>
           </a:xfrm>
           <a:prstGeom prst="rect">
             <a:avLst/>
@@ -8027,7 +8073,7 @@
       </p:pic>
       <p:pic>
         <p:nvPicPr>
-          <p:cNvPr id="176" name="" descr=""/>
+          <p:cNvPr id="177" name="" descr=""/>
           <p:cNvPicPr/>
           <p:nvPr/>
         </p:nvPicPr>
@@ -8038,7 +8084,7 @@
         <p:spPr>
           <a:xfrm>
             <a:off x="3383640" y="3618000"/>
-            <a:ext cx="1774800" cy="520920"/>
+            <a:ext cx="1774440" cy="520560"/>
           </a:xfrm>
           <a:prstGeom prst="rect">
             <a:avLst/>
@@ -8099,14 +8145,14 @@
       </p:grpSpPr>
       <p:sp>
         <p:nvSpPr>
-          <p:cNvPr id="177" name="CustomShape 1"/>
+          <p:cNvPr id="178" name="CustomShape 1"/>
           <p:cNvSpPr/>
           <p:nvPr/>
         </p:nvSpPr>
         <p:spPr>
           <a:xfrm>
             <a:off x="359640" y="270000"/>
-            <a:ext cx="9357840" cy="673920"/>
+            <a:ext cx="9357480" cy="673560"/>
           </a:xfrm>
           <a:prstGeom prst="rect">
             <a:avLst/>
@@ -8148,14 +8194,14 @@
       </p:sp>
       <p:sp>
         <p:nvSpPr>
-          <p:cNvPr id="178" name="CustomShape 2"/>
+          <p:cNvPr id="179" name="CustomShape 2"/>
           <p:cNvSpPr/>
           <p:nvPr/>
         </p:nvSpPr>
         <p:spPr>
           <a:xfrm>
             <a:off x="359640" y="1341000"/>
-            <a:ext cx="9177840" cy="3508920"/>
+            <a:ext cx="9177480" cy="3508560"/>
           </a:xfrm>
           <a:prstGeom prst="rect">
             <a:avLst/>
@@ -8340,7 +8386,7 @@
       </p:sp>
       <p:pic>
         <p:nvPicPr>
-          <p:cNvPr id="179" name="图片 3" descr=""/>
+          <p:cNvPr id="180" name="图片 3" descr=""/>
           <p:cNvPicPr/>
           <p:nvPr/>
         </p:nvPicPr>
@@ -8351,7 +8397,7 @@
         <p:spPr>
           <a:xfrm>
             <a:off x="1455120" y="2195640"/>
-            <a:ext cx="2306880" cy="1003680"/>
+            <a:ext cx="2306520" cy="1003320"/>
           </a:xfrm>
           <a:prstGeom prst="rect">
             <a:avLst/>
@@ -8363,7 +8409,7 @@
       </p:pic>
       <p:pic>
         <p:nvPicPr>
-          <p:cNvPr id="180" name="图片 4" descr=""/>
+          <p:cNvPr id="181" name="图片 4" descr=""/>
           <p:cNvPicPr/>
           <p:nvPr/>
         </p:nvPicPr>
@@ -8374,7 +8420,7 @@
         <p:spPr>
           <a:xfrm>
             <a:off x="5979600" y="2259720"/>
-            <a:ext cx="1770120" cy="875160"/>
+            <a:ext cx="1769760" cy="874800"/>
           </a:xfrm>
           <a:prstGeom prst="rect">
             <a:avLst/>
@@ -8386,7 +8432,7 @@
       </p:pic>
       <p:pic>
         <p:nvPicPr>
-          <p:cNvPr id="181" name="图片 6" descr=""/>
+          <p:cNvPr id="182" name="图片 6" descr=""/>
           <p:cNvPicPr/>
           <p:nvPr/>
         </p:nvPicPr>
@@ -8397,7 +8443,7 @@
         <p:spPr>
           <a:xfrm>
             <a:off x="1455120" y="3769920"/>
-            <a:ext cx="1751040" cy="1037160"/>
+            <a:ext cx="1750680" cy="1036800"/>
           </a:xfrm>
           <a:prstGeom prst="rect">
             <a:avLst/>
@@ -8409,7 +8455,7 @@
       </p:pic>
       <p:pic>
         <p:nvPicPr>
-          <p:cNvPr id="182" name="图片 7" descr=""/>
+          <p:cNvPr id="183" name="图片 7" descr=""/>
           <p:cNvPicPr/>
           <p:nvPr/>
         </p:nvPicPr>
@@ -8420,7 +8466,7 @@
         <p:spPr>
           <a:xfrm>
             <a:off x="5979600" y="3789360"/>
-            <a:ext cx="1922760" cy="1018080"/>
+            <a:ext cx="1922400" cy="1017720"/>
           </a:xfrm>
           <a:prstGeom prst="rect">
             <a:avLst/>
@@ -8481,14 +8527,14 @@
       </p:grpSpPr>
       <p:sp>
         <p:nvSpPr>
-          <p:cNvPr id="183" name="CustomShape 1"/>
+          <p:cNvPr id="184" name="CustomShape 1"/>
           <p:cNvSpPr/>
           <p:nvPr/>
         </p:nvSpPr>
         <p:spPr>
           <a:xfrm>
             <a:off x="359640" y="270000"/>
-            <a:ext cx="9357840" cy="673920"/>
+            <a:ext cx="9357480" cy="673560"/>
           </a:xfrm>
           <a:prstGeom prst="rect">
             <a:avLst/>
@@ -8530,7 +8576,7 @@
       </p:sp>
       <p:pic>
         <p:nvPicPr>
-          <p:cNvPr id="184" name="Image 4" descr=""/>
+          <p:cNvPr id="185" name="Image 4" descr=""/>
           <p:cNvPicPr/>
           <p:nvPr/>
         </p:nvPicPr>
@@ -8541,7 +8587,7 @@
         <p:spPr>
           <a:xfrm>
             <a:off x="1515960" y="1656000"/>
-            <a:ext cx="8707680" cy="3035160"/>
+            <a:ext cx="8707320" cy="3034800"/>
           </a:xfrm>
           <a:prstGeom prst="rect">
             <a:avLst/>
@@ -8553,14 +8599,14 @@
       </p:pic>
       <p:sp>
         <p:nvSpPr>
-          <p:cNvPr id="185" name="CustomShape 2"/>
+          <p:cNvPr id="186" name="CustomShape 2"/>
           <p:cNvSpPr/>
           <p:nvPr/>
         </p:nvSpPr>
         <p:spPr>
           <a:xfrm>
             <a:off x="359640" y="1485000"/>
-            <a:ext cx="9177840" cy="3508920"/>
+            <a:ext cx="9177480" cy="3508560"/>
           </a:xfrm>
           <a:prstGeom prst="rect">
             <a:avLst/>
@@ -8579,14 +8625,14 @@
       </p:sp>
       <p:sp>
         <p:nvSpPr>
-          <p:cNvPr id="186" name="CustomShape 3"/>
+          <p:cNvPr id="187" name="CustomShape 3"/>
           <p:cNvSpPr/>
           <p:nvPr/>
         </p:nvSpPr>
         <p:spPr>
           <a:xfrm>
             <a:off x="72000" y="3672000"/>
-            <a:ext cx="5112000" cy="3942000"/>
+            <a:ext cx="5111640" cy="3941640"/>
           </a:xfrm>
           <a:prstGeom prst="rect">
             <a:avLst/>
@@ -8607,7 +8653,7 @@
             <a:normAutofit/>
           </a:bodyPr>
           <a:p>
-            <a:pPr marL="432000" indent="-323640">
+            <a:pPr marL="432000" indent="-323280">
               <a:lnSpc>
                 <a:spcPct val="90000"/>
               </a:lnSpc>
@@ -8636,7 +8682,7 @@
             </a:endParaRPr>
           </a:p>
           <a:p>
-            <a:pPr lvl="1" marL="864000" indent="-323640">
+            <a:pPr lvl="1" marL="864000" indent="-323280">
               <a:lnSpc>
                 <a:spcPct val="90000"/>
               </a:lnSpc>
@@ -8665,7 +8711,7 @@
             </a:endParaRPr>
           </a:p>
           <a:p>
-            <a:pPr lvl="1" marL="864000" indent="-323640">
+            <a:pPr lvl="1" marL="864000" indent="-323280">
               <a:lnSpc>
                 <a:spcPct val="90000"/>
               </a:lnSpc>
@@ -8694,7 +8740,7 @@
             </a:endParaRPr>
           </a:p>
           <a:p>
-            <a:pPr lvl="1" marL="864000" indent="-323640">
+            <a:pPr lvl="1" marL="864000" indent="-323280">
               <a:lnSpc>
                 <a:spcPct val="100000"/>
               </a:lnSpc>
@@ -8726,14 +8772,14 @@
       </p:sp>
       <p:sp>
         <p:nvSpPr>
-          <p:cNvPr id="187" name="CustomShape 4"/>
+          <p:cNvPr id="188" name="CustomShape 4"/>
           <p:cNvSpPr/>
           <p:nvPr/>
         </p:nvSpPr>
         <p:spPr>
           <a:xfrm>
             <a:off x="0" y="1080000"/>
-            <a:ext cx="6767640" cy="3167640"/>
+            <a:ext cx="6767280" cy="3167280"/>
           </a:xfrm>
           <a:prstGeom prst="rect">
             <a:avLst/>
@@ -8754,7 +8800,7 @@
             <a:normAutofit/>
           </a:bodyPr>
           <a:p>
-            <a:pPr marL="432000" indent="-323640">
+            <a:pPr marL="432000" indent="-323280">
               <a:lnSpc>
                 <a:spcPct val="90000"/>
               </a:lnSpc>
@@ -8783,7 +8829,7 @@
             </a:endParaRPr>
           </a:p>
           <a:p>
-            <a:pPr marL="432000" indent="-323640">
+            <a:pPr marL="432000" indent="-323280">
               <a:lnSpc>
                 <a:spcPct val="90000"/>
               </a:lnSpc>
@@ -8812,7 +8858,7 @@
             </a:endParaRPr>
           </a:p>
           <a:p>
-            <a:pPr lvl="1" marL="864000" indent="-323640">
+            <a:pPr lvl="1" marL="864000" indent="-323280">
               <a:lnSpc>
                 <a:spcPct val="90000"/>
               </a:lnSpc>
@@ -8841,7 +8887,7 @@
             </a:endParaRPr>
           </a:p>
           <a:p>
-            <a:pPr lvl="1" marL="864000" indent="-323640">
+            <a:pPr lvl="1" marL="864000" indent="-323280">
               <a:lnSpc>
                 <a:spcPct val="90000"/>
               </a:lnSpc>
@@ -8870,7 +8916,7 @@
             </a:endParaRPr>
           </a:p>
           <a:p>
-            <a:pPr lvl="1" marL="864000" indent="-323640">
+            <a:pPr lvl="1" marL="864000" indent="-323280">
               <a:lnSpc>
                 <a:spcPct val="100000"/>
               </a:lnSpc>
@@ -8951,14 +8997,14 @@
       </p:grpSpPr>
       <p:sp>
         <p:nvSpPr>
-          <p:cNvPr id="188" name="CustomShape 1"/>
+          <p:cNvPr id="189" name="CustomShape 1"/>
           <p:cNvSpPr/>
           <p:nvPr/>
         </p:nvSpPr>
         <p:spPr>
           <a:xfrm>
             <a:off x="359640" y="270000"/>
-            <a:ext cx="9357840" cy="673920"/>
+            <a:ext cx="9357480" cy="673560"/>
           </a:xfrm>
           <a:prstGeom prst="rect">
             <a:avLst/>
@@ -9000,14 +9046,14 @@
       </p:sp>
       <p:sp>
         <p:nvSpPr>
-          <p:cNvPr id="189" name="CustomShape 2"/>
+          <p:cNvPr id="190" name="CustomShape 2"/>
           <p:cNvSpPr/>
           <p:nvPr/>
         </p:nvSpPr>
         <p:spPr>
           <a:xfrm>
             <a:off x="359640" y="1485000"/>
-            <a:ext cx="9177840" cy="3508920"/>
+            <a:ext cx="9177480" cy="3508560"/>
           </a:xfrm>
           <a:prstGeom prst="rect">
             <a:avLst/>
@@ -9028,7 +9074,7 @@
             <a:normAutofit/>
           </a:bodyPr>
           <a:p>
-            <a:pPr marL="216000" indent="-216000">
+            <a:pPr marL="216000" indent="-215640">
               <a:lnSpc>
                 <a:spcPct val="100000"/>
               </a:lnSpc>
@@ -9066,7 +9112,7 @@
             </a:endParaRPr>
           </a:p>
           <a:p>
-            <a:pPr marL="216000" indent="-216000">
+            <a:pPr marL="216000" indent="-215640">
               <a:lnSpc>
                 <a:spcPct val="100000"/>
               </a:lnSpc>
@@ -9104,7 +9150,7 @@
             </a:endParaRPr>
           </a:p>
           <a:p>
-            <a:pPr marL="216000" indent="-216000">
+            <a:pPr marL="216000" indent="-215640">
               <a:lnSpc>
                 <a:spcPct val="100000"/>
               </a:lnSpc>
@@ -9142,7 +9188,7 @@
             </a:endParaRPr>
           </a:p>
           <a:p>
-            <a:pPr marL="216000" indent="-216000">
+            <a:pPr marL="216000" indent="-215640">
               <a:lnSpc>
                 <a:spcPct val="100000"/>
               </a:lnSpc>
@@ -9180,7 +9226,7 @@
             </a:endParaRPr>
           </a:p>
           <a:p>
-            <a:pPr marL="216000" indent="-216000">
+            <a:pPr marL="216000" indent="-215640">
               <a:lnSpc>
                 <a:spcPct val="100000"/>
               </a:lnSpc>
@@ -9270,14 +9316,14 @@
       </p:grpSpPr>
       <p:sp>
         <p:nvSpPr>
-          <p:cNvPr id="190" name="CustomShape 1"/>
+          <p:cNvPr id="191" name="CustomShape 1"/>
           <p:cNvSpPr/>
           <p:nvPr/>
         </p:nvSpPr>
         <p:spPr>
           <a:xfrm>
             <a:off x="359640" y="270000"/>
-            <a:ext cx="9357840" cy="673920"/>
+            <a:ext cx="9357480" cy="673560"/>
           </a:xfrm>
           <a:prstGeom prst="rect">
             <a:avLst/>
@@ -9319,14 +9365,14 @@
       </p:sp>
       <p:sp>
         <p:nvSpPr>
-          <p:cNvPr id="191" name="CustomShape 2"/>
+          <p:cNvPr id="192" name="CustomShape 2"/>
           <p:cNvSpPr/>
           <p:nvPr/>
         </p:nvSpPr>
         <p:spPr>
           <a:xfrm>
             <a:off x="359640" y="1485000"/>
-            <a:ext cx="9177840" cy="3508920"/>
+            <a:ext cx="9177480" cy="3508560"/>
           </a:xfrm>
           <a:prstGeom prst="rect">
             <a:avLst/>
@@ -9370,7 +9416,7 @@
             </a:endParaRPr>
           </a:p>
           <a:p>
-            <a:pPr marL="216000" indent="-215640">
+            <a:pPr marL="216000" indent="-215280">
               <a:lnSpc>
                 <a:spcPct val="100000"/>
               </a:lnSpc>
@@ -9399,7 +9445,7 @@
             </a:endParaRPr>
           </a:p>
           <a:p>
-            <a:pPr marL="216000" indent="-215640">
+            <a:pPr marL="216000" indent="-215280">
               <a:lnSpc>
                 <a:spcPct val="100000"/>
               </a:lnSpc>
@@ -9428,7 +9474,7 @@
             </a:endParaRPr>
           </a:p>
           <a:p>
-            <a:pPr marL="216000" indent="-215640">
+            <a:pPr marL="216000" indent="-215280">
               <a:lnSpc>
                 <a:spcPct val="100000"/>
               </a:lnSpc>
@@ -9457,7 +9503,7 @@
             </a:endParaRPr>
           </a:p>
           <a:p>
-            <a:pPr marL="216000" indent="-215640">
+            <a:pPr marL="216000" indent="-215280">
               <a:lnSpc>
                 <a:spcPct val="100000"/>
               </a:lnSpc>
@@ -9486,7 +9532,7 @@
             </a:endParaRPr>
           </a:p>
           <a:p>
-            <a:pPr marL="216000" indent="-215640">
+            <a:pPr marL="216000" indent="-215280">
               <a:lnSpc>
                 <a:spcPct val="100000"/>
               </a:lnSpc>
@@ -9567,14 +9613,14 @@
       </p:grpSpPr>
       <p:sp>
         <p:nvSpPr>
-          <p:cNvPr id="192" name="CustomShape 1"/>
+          <p:cNvPr id="193" name="CustomShape 1"/>
           <p:cNvSpPr/>
           <p:nvPr/>
         </p:nvSpPr>
         <p:spPr>
           <a:xfrm>
             <a:off x="359640" y="270000"/>
-            <a:ext cx="9357840" cy="673920"/>
+            <a:ext cx="9357480" cy="673560"/>
           </a:xfrm>
           <a:prstGeom prst="rect">
             <a:avLst/>
@@ -9616,14 +9662,14 @@
       </p:sp>
       <p:sp>
         <p:nvSpPr>
-          <p:cNvPr id="193" name="CustomShape 2"/>
+          <p:cNvPr id="194" name="CustomShape 2"/>
           <p:cNvSpPr/>
           <p:nvPr/>
         </p:nvSpPr>
         <p:spPr>
           <a:xfrm>
             <a:off x="359640" y="1782000"/>
-            <a:ext cx="9177840" cy="2617920"/>
+            <a:ext cx="9177480" cy="2617560"/>
           </a:xfrm>
           <a:prstGeom prst="rect">
             <a:avLst/>
@@ -9644,7 +9690,7 @@
             <a:normAutofit/>
           </a:bodyPr>
           <a:p>
-            <a:pPr marL="216000" indent="-214560">
+            <a:pPr marL="216000" indent="-214200">
               <a:lnSpc>
                 <a:spcPct val="100000"/>
               </a:lnSpc>
@@ -9673,7 +9719,7 @@
             </a:endParaRPr>
           </a:p>
           <a:p>
-            <a:pPr marL="216000" indent="-214560">
+            <a:pPr marL="216000" indent="-214200">
               <a:lnSpc>
                 <a:spcPct val="100000"/>
               </a:lnSpc>
@@ -9702,7 +9748,7 @@
             </a:endParaRPr>
           </a:p>
           <a:p>
-            <a:pPr marL="216000" indent="-214560">
+            <a:pPr marL="216000" indent="-214200">
               <a:lnSpc>
                 <a:spcPct val="100000"/>
               </a:lnSpc>
@@ -9731,7 +9777,7 @@
             </a:endParaRPr>
           </a:p>
           <a:p>
-            <a:pPr marL="216000" indent="-214560">
+            <a:pPr marL="216000" indent="-214200">
               <a:lnSpc>
                 <a:spcPct val="100000"/>
               </a:lnSpc>
@@ -9760,7 +9806,7 @@
             </a:endParaRPr>
           </a:p>
           <a:p>
-            <a:pPr marL="216000" indent="-214560">
+            <a:pPr marL="216000" indent="-214200">
               <a:lnSpc>
                 <a:spcPct val="100000"/>
               </a:lnSpc>
@@ -9789,7 +9835,7 @@
             </a:endParaRPr>
           </a:p>
           <a:p>
-            <a:pPr marL="216000" indent="-214560">
+            <a:pPr marL="216000" indent="-214200">
               <a:lnSpc>
                 <a:spcPct val="100000"/>
               </a:lnSpc>

--- a/presentation_finale/prensent_A2_ghaoui.pptx
+++ b/presentation_finale/prensent_A2_ghaoui.pptx
@@ -6,16 +6,22 @@
     <p:sldMasterId id="2147483661" r:id="rId3"/>
     <p:sldMasterId id="2147483674" r:id="rId4"/>
     <p:sldMasterId id="2147483687" r:id="rId5"/>
+    <p:sldMasterId id="2147483700" r:id="rId6"/>
   </p:sldMasterIdLst>
   <p:sldIdLst>
-    <p:sldId id="256" r:id="rId6"/>
-    <p:sldId id="257" r:id="rId7"/>
-    <p:sldId id="258" r:id="rId8"/>
-    <p:sldId id="259" r:id="rId9"/>
-    <p:sldId id="260" r:id="rId10"/>
-    <p:sldId id="261" r:id="rId11"/>
-    <p:sldId id="262" r:id="rId12"/>
-    <p:sldId id="263" r:id="rId13"/>
+    <p:sldId id="256" r:id="rId7"/>
+    <p:sldId id="257" r:id="rId8"/>
+    <p:sldId id="258" r:id="rId9"/>
+    <p:sldId id="259" r:id="rId10"/>
+    <p:sldId id="260" r:id="rId11"/>
+    <p:sldId id="261" r:id="rId12"/>
+    <p:sldId id="262" r:id="rId13"/>
+    <p:sldId id="263" r:id="rId14"/>
+    <p:sldId id="264" r:id="rId15"/>
+    <p:sldId id="265" r:id="rId16"/>
+    <p:sldId id="266" r:id="rId17"/>
+    <p:sldId id="267" r:id="rId18"/>
+    <p:sldId id="268" r:id="rId19"/>
   </p:sldIdLst>
   <p:sldSz cx="10080625" cy="5670550"/>
   <p:notesSz cx="7559675" cy="10691812"/>
@@ -4825,6 +4831,28 @@
 </p:sldLayout>
 </file>
 
+<file path=ppt/slideLayouts/slideLayout49.xml><?xml version="1.0" encoding="utf-8"?>
+<p:sldLayout xmlns:a="http://schemas.openxmlformats.org/drawingml/2006/main" xmlns:p="http://schemas.openxmlformats.org/presentationml/2006/main" xmlns:r="http://schemas.openxmlformats.org/officeDocument/2006/relationships" xmlns:p14="http://schemas.microsoft.com/office/powerpoint/2010/main" xmlns:p15="http://schemas.microsoft.com/office/powerpoint/2012/main" xmlns:mc="http://schemas.openxmlformats.org/markup-compatibility/2006" type="blank" preserve="1">
+  <p:cSld name="Blank Slide">
+    <p:spTree>
+      <p:nvGrpSpPr>
+        <p:cNvPr id="1" name=""/>
+        <p:cNvGrpSpPr/>
+        <p:nvPr/>
+      </p:nvGrpSpPr>
+      <p:grpSpPr>
+        <a:xfrm>
+          <a:off x="0" y="0"/>
+          <a:ext cx="0" cy="0"/>
+          <a:chOff x="0" y="0"/>
+          <a:chExt cx="0" cy="0"/>
+        </a:xfrm>
+      </p:grpSpPr>
+    </p:spTree>
+  </p:cSld>
+</p:sldLayout>
+</file>
+
 <file path=ppt/slideLayouts/slideLayout5.xml><?xml version="1.0" encoding="utf-8"?>
 <p:sldLayout xmlns:a="http://schemas.openxmlformats.org/drawingml/2006/main" xmlns:p="http://schemas.openxmlformats.org/presentationml/2006/main" xmlns:r="http://schemas.openxmlformats.org/officeDocument/2006/relationships" xmlns:p14="http://schemas.microsoft.com/office/powerpoint/2010/main" xmlns:p15="http://schemas.microsoft.com/office/powerpoint/2012/main" xmlns:mc="http://schemas.openxmlformats.org/markup-compatibility/2006" type="titleOnly" preserve="1">
   <p:cSld name="Title Only">
@@ -4866,6 +4894,1085 @@
           <a:p>
             <a:pPr algn="ctr"/>
             <a:endParaRPr b="0" lang="en-US" sz="4400" spc="-1" strike="noStrike">
+              <a:latin typeface="Arial"/>
+            </a:endParaRPr>
+          </a:p>
+        </p:txBody>
+      </p:sp>
+    </p:spTree>
+  </p:cSld>
+</p:sldLayout>
+</file>
+
+<file path=ppt/slideLayouts/slideLayout50.xml><?xml version="1.0" encoding="utf-8"?>
+<p:sldLayout xmlns:a="http://schemas.openxmlformats.org/drawingml/2006/main" xmlns:p="http://schemas.openxmlformats.org/presentationml/2006/main" xmlns:r="http://schemas.openxmlformats.org/officeDocument/2006/relationships" xmlns:p14="http://schemas.microsoft.com/office/powerpoint/2010/main" xmlns:p15="http://schemas.microsoft.com/office/powerpoint/2012/main" xmlns:mc="http://schemas.openxmlformats.org/markup-compatibility/2006" type="tx" preserve="1">
+  <p:cSld name="Title Slide">
+    <p:spTree>
+      <p:nvGrpSpPr>
+        <p:cNvPr id="1" name=""/>
+        <p:cNvGrpSpPr/>
+        <p:nvPr/>
+      </p:nvGrpSpPr>
+      <p:grpSpPr>
+        <a:xfrm>
+          <a:off x="0" y="0"/>
+          <a:ext cx="0" cy="0"/>
+          <a:chOff x="0" y="0"/>
+          <a:chExt cx="0" cy="0"/>
+        </a:xfrm>
+      </p:grpSpPr>
+      <p:sp>
+        <p:nvSpPr>
+          <p:cNvPr id="172" name="PlaceHolder 1"/>
+          <p:cNvSpPr>
+            <a:spLocks noGrp="1"/>
+          </p:cNvSpPr>
+          <p:nvPr>
+            <p:ph type="title"/>
+          </p:nvPr>
+        </p:nvSpPr>
+        <p:spPr>
+          <a:xfrm>
+            <a:off x="504000" y="226080"/>
+            <a:ext cx="9072000" cy="946440"/>
+          </a:xfrm>
+          <a:prstGeom prst="rect">
+            <a:avLst/>
+          </a:prstGeom>
+        </p:spPr>
+        <p:txBody>
+          <a:bodyPr lIns="0" rIns="0" tIns="0" bIns="0" anchor="ctr"/>
+          <a:p>
+            <a:pPr algn="ctr"/>
+            <a:endParaRPr b="0" lang="en-US" sz="4400" spc="-1" strike="noStrike">
+              <a:latin typeface="Arial"/>
+            </a:endParaRPr>
+          </a:p>
+        </p:txBody>
+      </p:sp>
+      <p:sp>
+        <p:nvSpPr>
+          <p:cNvPr id="173" name="PlaceHolder 2"/>
+          <p:cNvSpPr>
+            <a:spLocks noGrp="1"/>
+          </p:cNvSpPr>
+          <p:nvPr>
+            <p:ph type="subTitle"/>
+          </p:nvPr>
+        </p:nvSpPr>
+        <p:spPr>
+          <a:xfrm>
+            <a:off x="504000" y="1326600"/>
+            <a:ext cx="9072000" cy="3288600"/>
+          </a:xfrm>
+          <a:prstGeom prst="rect">
+            <a:avLst/>
+          </a:prstGeom>
+        </p:spPr>
+        <p:txBody>
+          <a:bodyPr lIns="0" rIns="0" tIns="0" bIns="0" anchor="ctr"/>
+          <a:p>
+            <a:pPr algn="ctr"/>
+            <a:endParaRPr b="0" lang="en-US" sz="3200" spc="-1" strike="noStrike">
+              <a:latin typeface="Arial"/>
+            </a:endParaRPr>
+          </a:p>
+        </p:txBody>
+      </p:sp>
+    </p:spTree>
+  </p:cSld>
+</p:sldLayout>
+</file>
+
+<file path=ppt/slideLayouts/slideLayout51.xml><?xml version="1.0" encoding="utf-8"?>
+<p:sldLayout xmlns:a="http://schemas.openxmlformats.org/drawingml/2006/main" xmlns:p="http://schemas.openxmlformats.org/presentationml/2006/main" xmlns:r="http://schemas.openxmlformats.org/officeDocument/2006/relationships" xmlns:p14="http://schemas.microsoft.com/office/powerpoint/2010/main" xmlns:p15="http://schemas.microsoft.com/office/powerpoint/2012/main" xmlns:mc="http://schemas.openxmlformats.org/markup-compatibility/2006" type="obj" preserve="1">
+  <p:cSld name="Title, Content">
+    <p:spTree>
+      <p:nvGrpSpPr>
+        <p:cNvPr id="1" name=""/>
+        <p:cNvGrpSpPr/>
+        <p:nvPr/>
+      </p:nvGrpSpPr>
+      <p:grpSpPr>
+        <a:xfrm>
+          <a:off x="0" y="0"/>
+          <a:ext cx="0" cy="0"/>
+          <a:chOff x="0" y="0"/>
+          <a:chExt cx="0" cy="0"/>
+        </a:xfrm>
+      </p:grpSpPr>
+      <p:sp>
+        <p:nvSpPr>
+          <p:cNvPr id="174" name="PlaceHolder 1"/>
+          <p:cNvSpPr>
+            <a:spLocks noGrp="1"/>
+          </p:cNvSpPr>
+          <p:nvPr>
+            <p:ph type="title"/>
+          </p:nvPr>
+        </p:nvSpPr>
+        <p:spPr>
+          <a:xfrm>
+            <a:off x="504000" y="226080"/>
+            <a:ext cx="9072000" cy="946440"/>
+          </a:xfrm>
+          <a:prstGeom prst="rect">
+            <a:avLst/>
+          </a:prstGeom>
+        </p:spPr>
+        <p:txBody>
+          <a:bodyPr lIns="0" rIns="0" tIns="0" bIns="0" anchor="ctr"/>
+          <a:p>
+            <a:pPr algn="ctr"/>
+            <a:endParaRPr b="0" lang="en-US" sz="4400" spc="-1" strike="noStrike">
+              <a:latin typeface="Arial"/>
+            </a:endParaRPr>
+          </a:p>
+        </p:txBody>
+      </p:sp>
+      <p:sp>
+        <p:nvSpPr>
+          <p:cNvPr id="175" name="PlaceHolder 2"/>
+          <p:cNvSpPr>
+            <a:spLocks noGrp="1"/>
+          </p:cNvSpPr>
+          <p:nvPr>
+            <p:ph type="body"/>
+          </p:nvPr>
+        </p:nvSpPr>
+        <p:spPr>
+          <a:xfrm>
+            <a:off x="504000" y="1326600"/>
+            <a:ext cx="9072000" cy="3288600"/>
+          </a:xfrm>
+          <a:prstGeom prst="rect">
+            <a:avLst/>
+          </a:prstGeom>
+        </p:spPr>
+        <p:txBody>
+          <a:bodyPr lIns="0" rIns="0" tIns="0" bIns="0">
+            <a:normAutofit/>
+          </a:bodyPr>
+          <a:p>
+            <a:endParaRPr b="0" lang="en-US" sz="3200" spc="-1" strike="noStrike">
+              <a:latin typeface="Arial"/>
+            </a:endParaRPr>
+          </a:p>
+        </p:txBody>
+      </p:sp>
+    </p:spTree>
+  </p:cSld>
+</p:sldLayout>
+</file>
+
+<file path=ppt/slideLayouts/slideLayout52.xml><?xml version="1.0" encoding="utf-8"?>
+<p:sldLayout xmlns:a="http://schemas.openxmlformats.org/drawingml/2006/main" xmlns:p="http://schemas.openxmlformats.org/presentationml/2006/main" xmlns:r="http://schemas.openxmlformats.org/officeDocument/2006/relationships" xmlns:p14="http://schemas.microsoft.com/office/powerpoint/2010/main" xmlns:p15="http://schemas.microsoft.com/office/powerpoint/2012/main" xmlns:mc="http://schemas.openxmlformats.org/markup-compatibility/2006" type="twoObj" preserve="1">
+  <p:cSld name="Title, 2 Content">
+    <p:spTree>
+      <p:nvGrpSpPr>
+        <p:cNvPr id="1" name=""/>
+        <p:cNvGrpSpPr/>
+        <p:nvPr/>
+      </p:nvGrpSpPr>
+      <p:grpSpPr>
+        <a:xfrm>
+          <a:off x="0" y="0"/>
+          <a:ext cx="0" cy="0"/>
+          <a:chOff x="0" y="0"/>
+          <a:chExt cx="0" cy="0"/>
+        </a:xfrm>
+      </p:grpSpPr>
+      <p:sp>
+        <p:nvSpPr>
+          <p:cNvPr id="176" name="PlaceHolder 1"/>
+          <p:cNvSpPr>
+            <a:spLocks noGrp="1"/>
+          </p:cNvSpPr>
+          <p:nvPr>
+            <p:ph type="title"/>
+          </p:nvPr>
+        </p:nvSpPr>
+        <p:spPr>
+          <a:xfrm>
+            <a:off x="504000" y="226080"/>
+            <a:ext cx="9072000" cy="946440"/>
+          </a:xfrm>
+          <a:prstGeom prst="rect">
+            <a:avLst/>
+          </a:prstGeom>
+        </p:spPr>
+        <p:txBody>
+          <a:bodyPr lIns="0" rIns="0" tIns="0" bIns="0" anchor="ctr"/>
+          <a:p>
+            <a:pPr algn="ctr"/>
+            <a:endParaRPr b="0" lang="en-US" sz="4400" spc="-1" strike="noStrike">
+              <a:latin typeface="Arial"/>
+            </a:endParaRPr>
+          </a:p>
+        </p:txBody>
+      </p:sp>
+      <p:sp>
+        <p:nvSpPr>
+          <p:cNvPr id="177" name="PlaceHolder 2"/>
+          <p:cNvSpPr>
+            <a:spLocks noGrp="1"/>
+          </p:cNvSpPr>
+          <p:nvPr>
+            <p:ph type="body"/>
+          </p:nvPr>
+        </p:nvSpPr>
+        <p:spPr>
+          <a:xfrm>
+            <a:off x="504000" y="1326600"/>
+            <a:ext cx="4426920" cy="3288600"/>
+          </a:xfrm>
+          <a:prstGeom prst="rect">
+            <a:avLst/>
+          </a:prstGeom>
+        </p:spPr>
+        <p:txBody>
+          <a:bodyPr lIns="0" rIns="0" tIns="0" bIns="0">
+            <a:normAutofit/>
+          </a:bodyPr>
+          <a:p>
+            <a:endParaRPr b="0" lang="en-US" sz="3200" spc="-1" strike="noStrike">
+              <a:latin typeface="Arial"/>
+            </a:endParaRPr>
+          </a:p>
+        </p:txBody>
+      </p:sp>
+      <p:sp>
+        <p:nvSpPr>
+          <p:cNvPr id="178" name="PlaceHolder 3"/>
+          <p:cNvSpPr>
+            <a:spLocks noGrp="1"/>
+          </p:cNvSpPr>
+          <p:nvPr>
+            <p:ph type="body"/>
+          </p:nvPr>
+        </p:nvSpPr>
+        <p:spPr>
+          <a:xfrm>
+            <a:off x="5152680" y="1326600"/>
+            <a:ext cx="4426920" cy="3288600"/>
+          </a:xfrm>
+          <a:prstGeom prst="rect">
+            <a:avLst/>
+          </a:prstGeom>
+        </p:spPr>
+        <p:txBody>
+          <a:bodyPr lIns="0" rIns="0" tIns="0" bIns="0">
+            <a:normAutofit/>
+          </a:bodyPr>
+          <a:p>
+            <a:endParaRPr b="0" lang="en-US" sz="3200" spc="-1" strike="noStrike">
+              <a:latin typeface="Arial"/>
+            </a:endParaRPr>
+          </a:p>
+        </p:txBody>
+      </p:sp>
+    </p:spTree>
+  </p:cSld>
+</p:sldLayout>
+</file>
+
+<file path=ppt/slideLayouts/slideLayout53.xml><?xml version="1.0" encoding="utf-8"?>
+<p:sldLayout xmlns:a="http://schemas.openxmlformats.org/drawingml/2006/main" xmlns:p="http://schemas.openxmlformats.org/presentationml/2006/main" xmlns:r="http://schemas.openxmlformats.org/officeDocument/2006/relationships" xmlns:p14="http://schemas.microsoft.com/office/powerpoint/2010/main" xmlns:p15="http://schemas.microsoft.com/office/powerpoint/2012/main" xmlns:mc="http://schemas.openxmlformats.org/markup-compatibility/2006" type="titleOnly" preserve="1">
+  <p:cSld name="Title Only">
+    <p:spTree>
+      <p:nvGrpSpPr>
+        <p:cNvPr id="1" name=""/>
+        <p:cNvGrpSpPr/>
+        <p:nvPr/>
+      </p:nvGrpSpPr>
+      <p:grpSpPr>
+        <a:xfrm>
+          <a:off x="0" y="0"/>
+          <a:ext cx="0" cy="0"/>
+          <a:chOff x="0" y="0"/>
+          <a:chExt cx="0" cy="0"/>
+        </a:xfrm>
+      </p:grpSpPr>
+      <p:sp>
+        <p:nvSpPr>
+          <p:cNvPr id="179" name="PlaceHolder 1"/>
+          <p:cNvSpPr>
+            <a:spLocks noGrp="1"/>
+          </p:cNvSpPr>
+          <p:nvPr>
+            <p:ph type="title"/>
+          </p:nvPr>
+        </p:nvSpPr>
+        <p:spPr>
+          <a:xfrm>
+            <a:off x="504000" y="226080"/>
+            <a:ext cx="9072000" cy="946440"/>
+          </a:xfrm>
+          <a:prstGeom prst="rect">
+            <a:avLst/>
+          </a:prstGeom>
+        </p:spPr>
+        <p:txBody>
+          <a:bodyPr lIns="0" rIns="0" tIns="0" bIns="0" anchor="ctr"/>
+          <a:p>
+            <a:pPr algn="ctr"/>
+            <a:endParaRPr b="0" lang="en-US" sz="4400" spc="-1" strike="noStrike">
+              <a:latin typeface="Arial"/>
+            </a:endParaRPr>
+          </a:p>
+        </p:txBody>
+      </p:sp>
+    </p:spTree>
+  </p:cSld>
+</p:sldLayout>
+</file>
+
+<file path=ppt/slideLayouts/slideLayout54.xml><?xml version="1.0" encoding="utf-8"?>
+<p:sldLayout xmlns:a="http://schemas.openxmlformats.org/drawingml/2006/main" xmlns:p="http://schemas.openxmlformats.org/presentationml/2006/main" xmlns:r="http://schemas.openxmlformats.org/officeDocument/2006/relationships" xmlns:p14="http://schemas.microsoft.com/office/powerpoint/2010/main" xmlns:p15="http://schemas.microsoft.com/office/powerpoint/2012/main" xmlns:mc="http://schemas.openxmlformats.org/markup-compatibility/2006" type="objOnly" preserve="1">
+  <p:cSld name="Centered Text">
+    <p:spTree>
+      <p:nvGrpSpPr>
+        <p:cNvPr id="1" name=""/>
+        <p:cNvGrpSpPr/>
+        <p:nvPr/>
+      </p:nvGrpSpPr>
+      <p:grpSpPr>
+        <a:xfrm>
+          <a:off x="0" y="0"/>
+          <a:ext cx="0" cy="0"/>
+          <a:chOff x="0" y="0"/>
+          <a:chExt cx="0" cy="0"/>
+        </a:xfrm>
+      </p:grpSpPr>
+      <p:sp>
+        <p:nvSpPr>
+          <p:cNvPr id="180" name="PlaceHolder 1"/>
+          <p:cNvSpPr>
+            <a:spLocks noGrp="1"/>
+          </p:cNvSpPr>
+          <p:nvPr>
+            <p:ph type="subTitle"/>
+          </p:nvPr>
+        </p:nvSpPr>
+        <p:spPr>
+          <a:xfrm>
+            <a:off x="504000" y="226080"/>
+            <a:ext cx="9072000" cy="4388400"/>
+          </a:xfrm>
+          <a:prstGeom prst="rect">
+            <a:avLst/>
+          </a:prstGeom>
+        </p:spPr>
+        <p:txBody>
+          <a:bodyPr lIns="0" rIns="0" tIns="0" bIns="0" anchor="ctr"/>
+          <a:p>
+            <a:pPr algn="ctr"/>
+            <a:endParaRPr b="0" lang="en-US" sz="3200" spc="-1" strike="noStrike">
+              <a:latin typeface="Arial"/>
+            </a:endParaRPr>
+          </a:p>
+        </p:txBody>
+      </p:sp>
+    </p:spTree>
+  </p:cSld>
+</p:sldLayout>
+</file>
+
+<file path=ppt/slideLayouts/slideLayout55.xml><?xml version="1.0" encoding="utf-8"?>
+<p:sldLayout xmlns:a="http://schemas.openxmlformats.org/drawingml/2006/main" xmlns:p="http://schemas.openxmlformats.org/presentationml/2006/main" xmlns:r="http://schemas.openxmlformats.org/officeDocument/2006/relationships" xmlns:p14="http://schemas.microsoft.com/office/powerpoint/2010/main" xmlns:p15="http://schemas.microsoft.com/office/powerpoint/2012/main" xmlns:mc="http://schemas.openxmlformats.org/markup-compatibility/2006" type="twoObjAndObj" preserve="1">
+  <p:cSld name="Title, 2 Content and Content">
+    <p:spTree>
+      <p:nvGrpSpPr>
+        <p:cNvPr id="1" name=""/>
+        <p:cNvGrpSpPr/>
+        <p:nvPr/>
+      </p:nvGrpSpPr>
+      <p:grpSpPr>
+        <a:xfrm>
+          <a:off x="0" y="0"/>
+          <a:ext cx="0" cy="0"/>
+          <a:chOff x="0" y="0"/>
+          <a:chExt cx="0" cy="0"/>
+        </a:xfrm>
+      </p:grpSpPr>
+      <p:sp>
+        <p:nvSpPr>
+          <p:cNvPr id="181" name="PlaceHolder 1"/>
+          <p:cNvSpPr>
+            <a:spLocks noGrp="1"/>
+          </p:cNvSpPr>
+          <p:nvPr>
+            <p:ph type="title"/>
+          </p:nvPr>
+        </p:nvSpPr>
+        <p:spPr>
+          <a:xfrm>
+            <a:off x="504000" y="226080"/>
+            <a:ext cx="9072000" cy="946440"/>
+          </a:xfrm>
+          <a:prstGeom prst="rect">
+            <a:avLst/>
+          </a:prstGeom>
+        </p:spPr>
+        <p:txBody>
+          <a:bodyPr lIns="0" rIns="0" tIns="0" bIns="0" anchor="ctr"/>
+          <a:p>
+            <a:pPr algn="ctr"/>
+            <a:endParaRPr b="0" lang="en-US" sz="4400" spc="-1" strike="noStrike">
+              <a:latin typeface="Arial"/>
+            </a:endParaRPr>
+          </a:p>
+        </p:txBody>
+      </p:sp>
+      <p:sp>
+        <p:nvSpPr>
+          <p:cNvPr id="182" name="PlaceHolder 2"/>
+          <p:cNvSpPr>
+            <a:spLocks noGrp="1"/>
+          </p:cNvSpPr>
+          <p:nvPr>
+            <p:ph type="body"/>
+          </p:nvPr>
+        </p:nvSpPr>
+        <p:spPr>
+          <a:xfrm>
+            <a:off x="504000" y="1326600"/>
+            <a:ext cx="4426920" cy="1568520"/>
+          </a:xfrm>
+          <a:prstGeom prst="rect">
+            <a:avLst/>
+          </a:prstGeom>
+        </p:spPr>
+        <p:txBody>
+          <a:bodyPr lIns="0" rIns="0" tIns="0" bIns="0">
+            <a:normAutofit/>
+          </a:bodyPr>
+          <a:p>
+            <a:endParaRPr b="0" lang="en-US" sz="3200" spc="-1" strike="noStrike">
+              <a:latin typeface="Arial"/>
+            </a:endParaRPr>
+          </a:p>
+        </p:txBody>
+      </p:sp>
+      <p:sp>
+        <p:nvSpPr>
+          <p:cNvPr id="183" name="PlaceHolder 3"/>
+          <p:cNvSpPr>
+            <a:spLocks noGrp="1"/>
+          </p:cNvSpPr>
+          <p:nvPr>
+            <p:ph type="body"/>
+          </p:nvPr>
+        </p:nvSpPr>
+        <p:spPr>
+          <a:xfrm>
+            <a:off x="5152680" y="1326600"/>
+            <a:ext cx="4426920" cy="3288600"/>
+          </a:xfrm>
+          <a:prstGeom prst="rect">
+            <a:avLst/>
+          </a:prstGeom>
+        </p:spPr>
+        <p:txBody>
+          <a:bodyPr lIns="0" rIns="0" tIns="0" bIns="0">
+            <a:normAutofit/>
+          </a:bodyPr>
+          <a:p>
+            <a:endParaRPr b="0" lang="en-US" sz="3200" spc="-1" strike="noStrike">
+              <a:latin typeface="Arial"/>
+            </a:endParaRPr>
+          </a:p>
+        </p:txBody>
+      </p:sp>
+      <p:sp>
+        <p:nvSpPr>
+          <p:cNvPr id="184" name="PlaceHolder 4"/>
+          <p:cNvSpPr>
+            <a:spLocks noGrp="1"/>
+          </p:cNvSpPr>
+          <p:nvPr>
+            <p:ph type="body"/>
+          </p:nvPr>
+        </p:nvSpPr>
+        <p:spPr>
+          <a:xfrm>
+            <a:off x="504000" y="3044520"/>
+            <a:ext cx="4426920" cy="1568520"/>
+          </a:xfrm>
+          <a:prstGeom prst="rect">
+            <a:avLst/>
+          </a:prstGeom>
+        </p:spPr>
+        <p:txBody>
+          <a:bodyPr lIns="0" rIns="0" tIns="0" bIns="0">
+            <a:normAutofit/>
+          </a:bodyPr>
+          <a:p>
+            <a:endParaRPr b="0" lang="en-US" sz="3200" spc="-1" strike="noStrike">
+              <a:latin typeface="Arial"/>
+            </a:endParaRPr>
+          </a:p>
+        </p:txBody>
+      </p:sp>
+    </p:spTree>
+  </p:cSld>
+</p:sldLayout>
+</file>
+
+<file path=ppt/slideLayouts/slideLayout56.xml><?xml version="1.0" encoding="utf-8"?>
+<p:sldLayout xmlns:a="http://schemas.openxmlformats.org/drawingml/2006/main" xmlns:p="http://schemas.openxmlformats.org/presentationml/2006/main" xmlns:r="http://schemas.openxmlformats.org/officeDocument/2006/relationships" xmlns:p14="http://schemas.microsoft.com/office/powerpoint/2010/main" xmlns:p15="http://schemas.microsoft.com/office/powerpoint/2012/main" xmlns:mc="http://schemas.openxmlformats.org/markup-compatibility/2006" type="objAndTwoObj" preserve="1">
+  <p:cSld name="Title Content and 2 Content">
+    <p:spTree>
+      <p:nvGrpSpPr>
+        <p:cNvPr id="1" name=""/>
+        <p:cNvGrpSpPr/>
+        <p:nvPr/>
+      </p:nvGrpSpPr>
+      <p:grpSpPr>
+        <a:xfrm>
+          <a:off x="0" y="0"/>
+          <a:ext cx="0" cy="0"/>
+          <a:chOff x="0" y="0"/>
+          <a:chExt cx="0" cy="0"/>
+        </a:xfrm>
+      </p:grpSpPr>
+      <p:sp>
+        <p:nvSpPr>
+          <p:cNvPr id="185" name="PlaceHolder 1"/>
+          <p:cNvSpPr>
+            <a:spLocks noGrp="1"/>
+          </p:cNvSpPr>
+          <p:nvPr>
+            <p:ph type="title"/>
+          </p:nvPr>
+        </p:nvSpPr>
+        <p:spPr>
+          <a:xfrm>
+            <a:off x="504000" y="226080"/>
+            <a:ext cx="9072000" cy="946440"/>
+          </a:xfrm>
+          <a:prstGeom prst="rect">
+            <a:avLst/>
+          </a:prstGeom>
+        </p:spPr>
+        <p:txBody>
+          <a:bodyPr lIns="0" rIns="0" tIns="0" bIns="0" anchor="ctr"/>
+          <a:p>
+            <a:pPr algn="ctr"/>
+            <a:endParaRPr b="0" lang="en-US" sz="4400" spc="-1" strike="noStrike">
+              <a:latin typeface="Arial"/>
+            </a:endParaRPr>
+          </a:p>
+        </p:txBody>
+      </p:sp>
+      <p:sp>
+        <p:nvSpPr>
+          <p:cNvPr id="186" name="PlaceHolder 2"/>
+          <p:cNvSpPr>
+            <a:spLocks noGrp="1"/>
+          </p:cNvSpPr>
+          <p:nvPr>
+            <p:ph type="body"/>
+          </p:nvPr>
+        </p:nvSpPr>
+        <p:spPr>
+          <a:xfrm>
+            <a:off x="504000" y="1326600"/>
+            <a:ext cx="4426920" cy="3288600"/>
+          </a:xfrm>
+          <a:prstGeom prst="rect">
+            <a:avLst/>
+          </a:prstGeom>
+        </p:spPr>
+        <p:txBody>
+          <a:bodyPr lIns="0" rIns="0" tIns="0" bIns="0">
+            <a:normAutofit/>
+          </a:bodyPr>
+          <a:p>
+            <a:endParaRPr b="0" lang="en-US" sz="3200" spc="-1" strike="noStrike">
+              <a:latin typeface="Arial"/>
+            </a:endParaRPr>
+          </a:p>
+        </p:txBody>
+      </p:sp>
+      <p:sp>
+        <p:nvSpPr>
+          <p:cNvPr id="187" name="PlaceHolder 3"/>
+          <p:cNvSpPr>
+            <a:spLocks noGrp="1"/>
+          </p:cNvSpPr>
+          <p:nvPr>
+            <p:ph type="body"/>
+          </p:nvPr>
+        </p:nvSpPr>
+        <p:spPr>
+          <a:xfrm>
+            <a:off x="5152680" y="1326600"/>
+            <a:ext cx="4426920" cy="1568520"/>
+          </a:xfrm>
+          <a:prstGeom prst="rect">
+            <a:avLst/>
+          </a:prstGeom>
+        </p:spPr>
+        <p:txBody>
+          <a:bodyPr lIns="0" rIns="0" tIns="0" bIns="0">
+            <a:normAutofit/>
+          </a:bodyPr>
+          <a:p>
+            <a:endParaRPr b="0" lang="en-US" sz="3200" spc="-1" strike="noStrike">
+              <a:latin typeface="Arial"/>
+            </a:endParaRPr>
+          </a:p>
+        </p:txBody>
+      </p:sp>
+      <p:sp>
+        <p:nvSpPr>
+          <p:cNvPr id="188" name="PlaceHolder 4"/>
+          <p:cNvSpPr>
+            <a:spLocks noGrp="1"/>
+          </p:cNvSpPr>
+          <p:nvPr>
+            <p:ph type="body"/>
+          </p:nvPr>
+        </p:nvSpPr>
+        <p:spPr>
+          <a:xfrm>
+            <a:off x="5152680" y="3044520"/>
+            <a:ext cx="4426920" cy="1568520"/>
+          </a:xfrm>
+          <a:prstGeom prst="rect">
+            <a:avLst/>
+          </a:prstGeom>
+        </p:spPr>
+        <p:txBody>
+          <a:bodyPr lIns="0" rIns="0" tIns="0" bIns="0">
+            <a:normAutofit/>
+          </a:bodyPr>
+          <a:p>
+            <a:endParaRPr b="0" lang="en-US" sz="3200" spc="-1" strike="noStrike">
+              <a:latin typeface="Arial"/>
+            </a:endParaRPr>
+          </a:p>
+        </p:txBody>
+      </p:sp>
+    </p:spTree>
+  </p:cSld>
+</p:sldLayout>
+</file>
+
+<file path=ppt/slideLayouts/slideLayout57.xml><?xml version="1.0" encoding="utf-8"?>
+<p:sldLayout xmlns:a="http://schemas.openxmlformats.org/drawingml/2006/main" xmlns:p="http://schemas.openxmlformats.org/presentationml/2006/main" xmlns:r="http://schemas.openxmlformats.org/officeDocument/2006/relationships" xmlns:p14="http://schemas.microsoft.com/office/powerpoint/2010/main" xmlns:p15="http://schemas.microsoft.com/office/powerpoint/2012/main" xmlns:mc="http://schemas.openxmlformats.org/markup-compatibility/2006" type="twoObjOverTx" preserve="1">
+  <p:cSld name="Title, 2 Content over Content">
+    <p:spTree>
+      <p:nvGrpSpPr>
+        <p:cNvPr id="1" name=""/>
+        <p:cNvGrpSpPr/>
+        <p:nvPr/>
+      </p:nvGrpSpPr>
+      <p:grpSpPr>
+        <a:xfrm>
+          <a:off x="0" y="0"/>
+          <a:ext cx="0" cy="0"/>
+          <a:chOff x="0" y="0"/>
+          <a:chExt cx="0" cy="0"/>
+        </a:xfrm>
+      </p:grpSpPr>
+      <p:sp>
+        <p:nvSpPr>
+          <p:cNvPr id="189" name="PlaceHolder 1"/>
+          <p:cNvSpPr>
+            <a:spLocks noGrp="1"/>
+          </p:cNvSpPr>
+          <p:nvPr>
+            <p:ph type="title"/>
+          </p:nvPr>
+        </p:nvSpPr>
+        <p:spPr>
+          <a:xfrm>
+            <a:off x="504000" y="226080"/>
+            <a:ext cx="9072000" cy="946440"/>
+          </a:xfrm>
+          <a:prstGeom prst="rect">
+            <a:avLst/>
+          </a:prstGeom>
+        </p:spPr>
+        <p:txBody>
+          <a:bodyPr lIns="0" rIns="0" tIns="0" bIns="0" anchor="ctr"/>
+          <a:p>
+            <a:pPr algn="ctr"/>
+            <a:endParaRPr b="0" lang="en-US" sz="4400" spc="-1" strike="noStrike">
+              <a:latin typeface="Arial"/>
+            </a:endParaRPr>
+          </a:p>
+        </p:txBody>
+      </p:sp>
+      <p:sp>
+        <p:nvSpPr>
+          <p:cNvPr id="190" name="PlaceHolder 2"/>
+          <p:cNvSpPr>
+            <a:spLocks noGrp="1"/>
+          </p:cNvSpPr>
+          <p:nvPr>
+            <p:ph type="body"/>
+          </p:nvPr>
+        </p:nvSpPr>
+        <p:spPr>
+          <a:xfrm>
+            <a:off x="504000" y="1326600"/>
+            <a:ext cx="4426920" cy="1568520"/>
+          </a:xfrm>
+          <a:prstGeom prst="rect">
+            <a:avLst/>
+          </a:prstGeom>
+        </p:spPr>
+        <p:txBody>
+          <a:bodyPr lIns="0" rIns="0" tIns="0" bIns="0">
+            <a:normAutofit/>
+          </a:bodyPr>
+          <a:p>
+            <a:endParaRPr b="0" lang="en-US" sz="3200" spc="-1" strike="noStrike">
+              <a:latin typeface="Arial"/>
+            </a:endParaRPr>
+          </a:p>
+        </p:txBody>
+      </p:sp>
+      <p:sp>
+        <p:nvSpPr>
+          <p:cNvPr id="191" name="PlaceHolder 3"/>
+          <p:cNvSpPr>
+            <a:spLocks noGrp="1"/>
+          </p:cNvSpPr>
+          <p:nvPr>
+            <p:ph type="body"/>
+          </p:nvPr>
+        </p:nvSpPr>
+        <p:spPr>
+          <a:xfrm>
+            <a:off x="5152680" y="1326600"/>
+            <a:ext cx="4426920" cy="1568520"/>
+          </a:xfrm>
+          <a:prstGeom prst="rect">
+            <a:avLst/>
+          </a:prstGeom>
+        </p:spPr>
+        <p:txBody>
+          <a:bodyPr lIns="0" rIns="0" tIns="0" bIns="0">
+            <a:normAutofit/>
+          </a:bodyPr>
+          <a:p>
+            <a:endParaRPr b="0" lang="en-US" sz="3200" spc="-1" strike="noStrike">
+              <a:latin typeface="Arial"/>
+            </a:endParaRPr>
+          </a:p>
+        </p:txBody>
+      </p:sp>
+      <p:sp>
+        <p:nvSpPr>
+          <p:cNvPr id="192" name="PlaceHolder 4"/>
+          <p:cNvSpPr>
+            <a:spLocks noGrp="1"/>
+          </p:cNvSpPr>
+          <p:nvPr>
+            <p:ph type="body"/>
+          </p:nvPr>
+        </p:nvSpPr>
+        <p:spPr>
+          <a:xfrm>
+            <a:off x="504000" y="3044520"/>
+            <a:ext cx="9072000" cy="1568520"/>
+          </a:xfrm>
+          <a:prstGeom prst="rect">
+            <a:avLst/>
+          </a:prstGeom>
+        </p:spPr>
+        <p:txBody>
+          <a:bodyPr lIns="0" rIns="0" tIns="0" bIns="0">
+            <a:normAutofit/>
+          </a:bodyPr>
+          <a:p>
+            <a:endParaRPr b="0" lang="en-US" sz="3200" spc="-1" strike="noStrike">
+              <a:latin typeface="Arial"/>
+            </a:endParaRPr>
+          </a:p>
+        </p:txBody>
+      </p:sp>
+    </p:spTree>
+  </p:cSld>
+</p:sldLayout>
+</file>
+
+<file path=ppt/slideLayouts/slideLayout58.xml><?xml version="1.0" encoding="utf-8"?>
+<p:sldLayout xmlns:a="http://schemas.openxmlformats.org/drawingml/2006/main" xmlns:p="http://schemas.openxmlformats.org/presentationml/2006/main" xmlns:r="http://schemas.openxmlformats.org/officeDocument/2006/relationships" xmlns:p14="http://schemas.microsoft.com/office/powerpoint/2010/main" xmlns:p15="http://schemas.microsoft.com/office/powerpoint/2012/main" xmlns:mc="http://schemas.openxmlformats.org/markup-compatibility/2006" type="objOverTx" preserve="1">
+  <p:cSld name="Title, Content over Content">
+    <p:spTree>
+      <p:nvGrpSpPr>
+        <p:cNvPr id="1" name=""/>
+        <p:cNvGrpSpPr/>
+        <p:nvPr/>
+      </p:nvGrpSpPr>
+      <p:grpSpPr>
+        <a:xfrm>
+          <a:off x="0" y="0"/>
+          <a:ext cx="0" cy="0"/>
+          <a:chOff x="0" y="0"/>
+          <a:chExt cx="0" cy="0"/>
+        </a:xfrm>
+      </p:grpSpPr>
+      <p:sp>
+        <p:nvSpPr>
+          <p:cNvPr id="193" name="PlaceHolder 1"/>
+          <p:cNvSpPr>
+            <a:spLocks noGrp="1"/>
+          </p:cNvSpPr>
+          <p:nvPr>
+            <p:ph type="title"/>
+          </p:nvPr>
+        </p:nvSpPr>
+        <p:spPr>
+          <a:xfrm>
+            <a:off x="504000" y="226080"/>
+            <a:ext cx="9072000" cy="946440"/>
+          </a:xfrm>
+          <a:prstGeom prst="rect">
+            <a:avLst/>
+          </a:prstGeom>
+        </p:spPr>
+        <p:txBody>
+          <a:bodyPr lIns="0" rIns="0" tIns="0" bIns="0" anchor="ctr"/>
+          <a:p>
+            <a:pPr algn="ctr"/>
+            <a:endParaRPr b="0" lang="en-US" sz="4400" spc="-1" strike="noStrike">
+              <a:latin typeface="Arial"/>
+            </a:endParaRPr>
+          </a:p>
+        </p:txBody>
+      </p:sp>
+      <p:sp>
+        <p:nvSpPr>
+          <p:cNvPr id="194" name="PlaceHolder 2"/>
+          <p:cNvSpPr>
+            <a:spLocks noGrp="1"/>
+          </p:cNvSpPr>
+          <p:nvPr>
+            <p:ph type="body"/>
+          </p:nvPr>
+        </p:nvSpPr>
+        <p:spPr>
+          <a:xfrm>
+            <a:off x="504000" y="1326600"/>
+            <a:ext cx="9072000" cy="1568520"/>
+          </a:xfrm>
+          <a:prstGeom prst="rect">
+            <a:avLst/>
+          </a:prstGeom>
+        </p:spPr>
+        <p:txBody>
+          <a:bodyPr lIns="0" rIns="0" tIns="0" bIns="0">
+            <a:normAutofit/>
+          </a:bodyPr>
+          <a:p>
+            <a:endParaRPr b="0" lang="en-US" sz="3200" spc="-1" strike="noStrike">
+              <a:latin typeface="Arial"/>
+            </a:endParaRPr>
+          </a:p>
+        </p:txBody>
+      </p:sp>
+      <p:sp>
+        <p:nvSpPr>
+          <p:cNvPr id="195" name="PlaceHolder 3"/>
+          <p:cNvSpPr>
+            <a:spLocks noGrp="1"/>
+          </p:cNvSpPr>
+          <p:nvPr>
+            <p:ph type="body"/>
+          </p:nvPr>
+        </p:nvSpPr>
+        <p:spPr>
+          <a:xfrm>
+            <a:off x="504000" y="3044520"/>
+            <a:ext cx="9072000" cy="1568520"/>
+          </a:xfrm>
+          <a:prstGeom prst="rect">
+            <a:avLst/>
+          </a:prstGeom>
+        </p:spPr>
+        <p:txBody>
+          <a:bodyPr lIns="0" rIns="0" tIns="0" bIns="0">
+            <a:normAutofit/>
+          </a:bodyPr>
+          <a:p>
+            <a:endParaRPr b="0" lang="en-US" sz="3200" spc="-1" strike="noStrike">
+              <a:latin typeface="Arial"/>
+            </a:endParaRPr>
+          </a:p>
+        </p:txBody>
+      </p:sp>
+    </p:spTree>
+  </p:cSld>
+</p:sldLayout>
+</file>
+
+<file path=ppt/slideLayouts/slideLayout59.xml><?xml version="1.0" encoding="utf-8"?>
+<p:sldLayout xmlns:a="http://schemas.openxmlformats.org/drawingml/2006/main" xmlns:p="http://schemas.openxmlformats.org/presentationml/2006/main" xmlns:r="http://schemas.openxmlformats.org/officeDocument/2006/relationships" xmlns:p14="http://schemas.microsoft.com/office/powerpoint/2010/main" xmlns:p15="http://schemas.microsoft.com/office/powerpoint/2012/main" xmlns:mc="http://schemas.openxmlformats.org/markup-compatibility/2006" type="fourObj" preserve="1">
+  <p:cSld name="Title, 4 Content">
+    <p:spTree>
+      <p:nvGrpSpPr>
+        <p:cNvPr id="1" name=""/>
+        <p:cNvGrpSpPr/>
+        <p:nvPr/>
+      </p:nvGrpSpPr>
+      <p:grpSpPr>
+        <a:xfrm>
+          <a:off x="0" y="0"/>
+          <a:ext cx="0" cy="0"/>
+          <a:chOff x="0" y="0"/>
+          <a:chExt cx="0" cy="0"/>
+        </a:xfrm>
+      </p:grpSpPr>
+      <p:sp>
+        <p:nvSpPr>
+          <p:cNvPr id="196" name="PlaceHolder 1"/>
+          <p:cNvSpPr>
+            <a:spLocks noGrp="1"/>
+          </p:cNvSpPr>
+          <p:nvPr>
+            <p:ph type="title"/>
+          </p:nvPr>
+        </p:nvSpPr>
+        <p:spPr>
+          <a:xfrm>
+            <a:off x="504000" y="226080"/>
+            <a:ext cx="9072000" cy="946440"/>
+          </a:xfrm>
+          <a:prstGeom prst="rect">
+            <a:avLst/>
+          </a:prstGeom>
+        </p:spPr>
+        <p:txBody>
+          <a:bodyPr lIns="0" rIns="0" tIns="0" bIns="0" anchor="ctr"/>
+          <a:p>
+            <a:pPr algn="ctr"/>
+            <a:endParaRPr b="0" lang="en-US" sz="4400" spc="-1" strike="noStrike">
+              <a:latin typeface="Arial"/>
+            </a:endParaRPr>
+          </a:p>
+        </p:txBody>
+      </p:sp>
+      <p:sp>
+        <p:nvSpPr>
+          <p:cNvPr id="197" name="PlaceHolder 2"/>
+          <p:cNvSpPr>
+            <a:spLocks noGrp="1"/>
+          </p:cNvSpPr>
+          <p:nvPr>
+            <p:ph type="body"/>
+          </p:nvPr>
+        </p:nvSpPr>
+        <p:spPr>
+          <a:xfrm>
+            <a:off x="504000" y="1326600"/>
+            <a:ext cx="4426920" cy="1568520"/>
+          </a:xfrm>
+          <a:prstGeom prst="rect">
+            <a:avLst/>
+          </a:prstGeom>
+        </p:spPr>
+        <p:txBody>
+          <a:bodyPr lIns="0" rIns="0" tIns="0" bIns="0">
+            <a:normAutofit/>
+          </a:bodyPr>
+          <a:p>
+            <a:endParaRPr b="0" lang="en-US" sz="3200" spc="-1" strike="noStrike">
+              <a:latin typeface="Arial"/>
+            </a:endParaRPr>
+          </a:p>
+        </p:txBody>
+      </p:sp>
+      <p:sp>
+        <p:nvSpPr>
+          <p:cNvPr id="198" name="PlaceHolder 3"/>
+          <p:cNvSpPr>
+            <a:spLocks noGrp="1"/>
+          </p:cNvSpPr>
+          <p:nvPr>
+            <p:ph type="body"/>
+          </p:nvPr>
+        </p:nvSpPr>
+        <p:spPr>
+          <a:xfrm>
+            <a:off x="5152680" y="1326600"/>
+            <a:ext cx="4426920" cy="1568520"/>
+          </a:xfrm>
+          <a:prstGeom prst="rect">
+            <a:avLst/>
+          </a:prstGeom>
+        </p:spPr>
+        <p:txBody>
+          <a:bodyPr lIns="0" rIns="0" tIns="0" bIns="0">
+            <a:normAutofit/>
+          </a:bodyPr>
+          <a:p>
+            <a:endParaRPr b="0" lang="en-US" sz="3200" spc="-1" strike="noStrike">
+              <a:latin typeface="Arial"/>
+            </a:endParaRPr>
+          </a:p>
+        </p:txBody>
+      </p:sp>
+      <p:sp>
+        <p:nvSpPr>
+          <p:cNvPr id="199" name="PlaceHolder 4"/>
+          <p:cNvSpPr>
+            <a:spLocks noGrp="1"/>
+          </p:cNvSpPr>
+          <p:nvPr>
+            <p:ph type="body"/>
+          </p:nvPr>
+        </p:nvSpPr>
+        <p:spPr>
+          <a:xfrm>
+            <a:off x="504000" y="3044520"/>
+            <a:ext cx="4426920" cy="1568520"/>
+          </a:xfrm>
+          <a:prstGeom prst="rect">
+            <a:avLst/>
+          </a:prstGeom>
+        </p:spPr>
+        <p:txBody>
+          <a:bodyPr lIns="0" rIns="0" tIns="0" bIns="0">
+            <a:normAutofit/>
+          </a:bodyPr>
+          <a:p>
+            <a:endParaRPr b="0" lang="en-US" sz="3200" spc="-1" strike="noStrike">
+              <a:latin typeface="Arial"/>
+            </a:endParaRPr>
+          </a:p>
+        </p:txBody>
+      </p:sp>
+      <p:sp>
+        <p:nvSpPr>
+          <p:cNvPr id="200" name="PlaceHolder 5"/>
+          <p:cNvSpPr>
+            <a:spLocks noGrp="1"/>
+          </p:cNvSpPr>
+          <p:nvPr>
+            <p:ph type="body"/>
+          </p:nvPr>
+        </p:nvSpPr>
+        <p:spPr>
+          <a:xfrm>
+            <a:off x="5152680" y="3044520"/>
+            <a:ext cx="4426920" cy="1568520"/>
+          </a:xfrm>
+          <a:prstGeom prst="rect">
+            <a:avLst/>
+          </a:prstGeom>
+        </p:spPr>
+        <p:txBody>
+          <a:bodyPr lIns="0" rIns="0" tIns="0" bIns="0">
+            <a:normAutofit/>
+          </a:bodyPr>
+          <a:p>
+            <a:endParaRPr b="0" lang="en-US" sz="3200" spc="-1" strike="noStrike">
               <a:latin typeface="Arial"/>
             </a:endParaRPr>
           </a:p>
@@ -4916,6 +6023,237 @@
           <a:bodyPr lIns="0" rIns="0" tIns="0" bIns="0" anchor="ctr"/>
           <a:p>
             <a:pPr algn="ctr"/>
+            <a:endParaRPr b="0" lang="en-US" sz="3200" spc="-1" strike="noStrike">
+              <a:latin typeface="Arial"/>
+            </a:endParaRPr>
+          </a:p>
+        </p:txBody>
+      </p:sp>
+    </p:spTree>
+  </p:cSld>
+</p:sldLayout>
+</file>
+
+<file path=ppt/slideLayouts/slideLayout60.xml><?xml version="1.0" encoding="utf-8"?>
+<p:sldLayout xmlns:a="http://schemas.openxmlformats.org/drawingml/2006/main" xmlns:p="http://schemas.openxmlformats.org/presentationml/2006/main" xmlns:r="http://schemas.openxmlformats.org/officeDocument/2006/relationships" xmlns:p14="http://schemas.microsoft.com/office/powerpoint/2010/main" xmlns:p15="http://schemas.microsoft.com/office/powerpoint/2012/main" xmlns:mc="http://schemas.openxmlformats.org/markup-compatibility/2006" type="blank" preserve="1">
+  <p:cSld name="Title, 6 Content">
+    <p:spTree>
+      <p:nvGrpSpPr>
+        <p:cNvPr id="1" name=""/>
+        <p:cNvGrpSpPr/>
+        <p:nvPr/>
+      </p:nvGrpSpPr>
+      <p:grpSpPr>
+        <a:xfrm>
+          <a:off x="0" y="0"/>
+          <a:ext cx="0" cy="0"/>
+          <a:chOff x="0" y="0"/>
+          <a:chExt cx="0" cy="0"/>
+        </a:xfrm>
+      </p:grpSpPr>
+      <p:sp>
+        <p:nvSpPr>
+          <p:cNvPr id="201" name="PlaceHolder 1"/>
+          <p:cNvSpPr>
+            <a:spLocks noGrp="1"/>
+          </p:cNvSpPr>
+          <p:nvPr>
+            <p:ph type="title"/>
+          </p:nvPr>
+        </p:nvSpPr>
+        <p:spPr>
+          <a:xfrm>
+            <a:off x="504000" y="226080"/>
+            <a:ext cx="9072000" cy="946440"/>
+          </a:xfrm>
+          <a:prstGeom prst="rect">
+            <a:avLst/>
+          </a:prstGeom>
+        </p:spPr>
+        <p:txBody>
+          <a:bodyPr lIns="0" rIns="0" tIns="0" bIns="0" anchor="ctr"/>
+          <a:p>
+            <a:pPr algn="ctr"/>
+            <a:endParaRPr b="0" lang="en-US" sz="4400" spc="-1" strike="noStrike">
+              <a:latin typeface="Arial"/>
+            </a:endParaRPr>
+          </a:p>
+        </p:txBody>
+      </p:sp>
+      <p:sp>
+        <p:nvSpPr>
+          <p:cNvPr id="202" name="PlaceHolder 2"/>
+          <p:cNvSpPr>
+            <a:spLocks noGrp="1"/>
+          </p:cNvSpPr>
+          <p:nvPr>
+            <p:ph type="body"/>
+          </p:nvPr>
+        </p:nvSpPr>
+        <p:spPr>
+          <a:xfrm>
+            <a:off x="504000" y="1326600"/>
+            <a:ext cx="2921040" cy="1568520"/>
+          </a:xfrm>
+          <a:prstGeom prst="rect">
+            <a:avLst/>
+          </a:prstGeom>
+        </p:spPr>
+        <p:txBody>
+          <a:bodyPr lIns="0" rIns="0" tIns="0" bIns="0">
+            <a:normAutofit/>
+          </a:bodyPr>
+          <a:p>
+            <a:endParaRPr b="0" lang="en-US" sz="3200" spc="-1" strike="noStrike">
+              <a:latin typeface="Arial"/>
+            </a:endParaRPr>
+          </a:p>
+        </p:txBody>
+      </p:sp>
+      <p:sp>
+        <p:nvSpPr>
+          <p:cNvPr id="203" name="PlaceHolder 3"/>
+          <p:cNvSpPr>
+            <a:spLocks noGrp="1"/>
+          </p:cNvSpPr>
+          <p:nvPr>
+            <p:ph type="body"/>
+          </p:nvPr>
+        </p:nvSpPr>
+        <p:spPr>
+          <a:xfrm>
+            <a:off x="3571560" y="1326600"/>
+            <a:ext cx="2921040" cy="1568520"/>
+          </a:xfrm>
+          <a:prstGeom prst="rect">
+            <a:avLst/>
+          </a:prstGeom>
+        </p:spPr>
+        <p:txBody>
+          <a:bodyPr lIns="0" rIns="0" tIns="0" bIns="0">
+            <a:normAutofit/>
+          </a:bodyPr>
+          <a:p>
+            <a:endParaRPr b="0" lang="en-US" sz="3200" spc="-1" strike="noStrike">
+              <a:latin typeface="Arial"/>
+            </a:endParaRPr>
+          </a:p>
+        </p:txBody>
+      </p:sp>
+      <p:sp>
+        <p:nvSpPr>
+          <p:cNvPr id="204" name="PlaceHolder 4"/>
+          <p:cNvSpPr>
+            <a:spLocks noGrp="1"/>
+          </p:cNvSpPr>
+          <p:nvPr>
+            <p:ph type="body"/>
+          </p:nvPr>
+        </p:nvSpPr>
+        <p:spPr>
+          <a:xfrm>
+            <a:off x="6639120" y="1326600"/>
+            <a:ext cx="2921040" cy="1568520"/>
+          </a:xfrm>
+          <a:prstGeom prst="rect">
+            <a:avLst/>
+          </a:prstGeom>
+        </p:spPr>
+        <p:txBody>
+          <a:bodyPr lIns="0" rIns="0" tIns="0" bIns="0">
+            <a:normAutofit/>
+          </a:bodyPr>
+          <a:p>
+            <a:endParaRPr b="0" lang="en-US" sz="3200" spc="-1" strike="noStrike">
+              <a:latin typeface="Arial"/>
+            </a:endParaRPr>
+          </a:p>
+        </p:txBody>
+      </p:sp>
+      <p:sp>
+        <p:nvSpPr>
+          <p:cNvPr id="205" name="PlaceHolder 5"/>
+          <p:cNvSpPr>
+            <a:spLocks noGrp="1"/>
+          </p:cNvSpPr>
+          <p:nvPr>
+            <p:ph type="body"/>
+          </p:nvPr>
+        </p:nvSpPr>
+        <p:spPr>
+          <a:xfrm>
+            <a:off x="504000" y="3044520"/>
+            <a:ext cx="2921040" cy="1568520"/>
+          </a:xfrm>
+          <a:prstGeom prst="rect">
+            <a:avLst/>
+          </a:prstGeom>
+        </p:spPr>
+        <p:txBody>
+          <a:bodyPr lIns="0" rIns="0" tIns="0" bIns="0">
+            <a:normAutofit/>
+          </a:bodyPr>
+          <a:p>
+            <a:endParaRPr b="0" lang="en-US" sz="3200" spc="-1" strike="noStrike">
+              <a:latin typeface="Arial"/>
+            </a:endParaRPr>
+          </a:p>
+        </p:txBody>
+      </p:sp>
+      <p:sp>
+        <p:nvSpPr>
+          <p:cNvPr id="206" name="PlaceHolder 6"/>
+          <p:cNvSpPr>
+            <a:spLocks noGrp="1"/>
+          </p:cNvSpPr>
+          <p:nvPr>
+            <p:ph type="body"/>
+          </p:nvPr>
+        </p:nvSpPr>
+        <p:spPr>
+          <a:xfrm>
+            <a:off x="3571560" y="3044520"/>
+            <a:ext cx="2921040" cy="1568520"/>
+          </a:xfrm>
+          <a:prstGeom prst="rect">
+            <a:avLst/>
+          </a:prstGeom>
+        </p:spPr>
+        <p:txBody>
+          <a:bodyPr lIns="0" rIns="0" tIns="0" bIns="0">
+            <a:normAutofit/>
+          </a:bodyPr>
+          <a:p>
+            <a:endParaRPr b="0" lang="en-US" sz="3200" spc="-1" strike="noStrike">
+              <a:latin typeface="Arial"/>
+            </a:endParaRPr>
+          </a:p>
+        </p:txBody>
+      </p:sp>
+      <p:sp>
+        <p:nvSpPr>
+          <p:cNvPr id="207" name="PlaceHolder 7"/>
+          <p:cNvSpPr>
+            <a:spLocks noGrp="1"/>
+          </p:cNvSpPr>
+          <p:nvPr>
+            <p:ph type="body"/>
+          </p:nvPr>
+        </p:nvSpPr>
+        <p:spPr>
+          <a:xfrm>
+            <a:off x="6639120" y="3044520"/>
+            <a:ext cx="2921040" cy="1568520"/>
+          </a:xfrm>
+          <a:prstGeom prst="rect">
+            <a:avLst/>
+          </a:prstGeom>
+        </p:spPr>
+        <p:txBody>
+          <a:bodyPr lIns="0" rIns="0" tIns="0" bIns="0">
+            <a:normAutofit/>
+          </a:bodyPr>
+          <a:p>
             <a:endParaRPr b="0" lang="en-US" sz="3200" spc="-1" strike="noStrike">
               <a:latin typeface="Arial"/>
             </a:endParaRPr>
@@ -5383,7 +6721,7 @@
         <p:spPr>
           <a:xfrm>
             <a:off x="360" y="2362680"/>
-            <a:ext cx="9717480" cy="943560"/>
+            <a:ext cx="9717120" cy="943200"/>
           </a:xfrm>
           <a:prstGeom prst="rect">
             <a:avLst/>
@@ -5429,7 +6767,19 @@
               <a:rPr b="0" lang="en-US" sz="4400" spc="-1" strike="noStrike">
                 <a:latin typeface="Arial"/>
               </a:rPr>
-              <a:t>Click to edit the title text format</a:t>
+              <a:t>Click to edit </a:t>
+            </a:r>
+            <a:r>
+              <a:rPr b="0" lang="en-US" sz="4400" spc="-1" strike="noStrike">
+                <a:latin typeface="Arial"/>
+              </a:rPr>
+              <a:t>the title text </a:t>
+            </a:r>
+            <a:r>
+              <a:rPr b="0" lang="en-US" sz="4400" spc="-1" strike="noStrike">
+                <a:latin typeface="Arial"/>
+              </a:rPr>
+              <a:t>format</a:t>
             </a:r>
             <a:endParaRPr b="0" lang="en-US" sz="4400" spc="-1" strike="noStrike">
               <a:latin typeface="Arial"/>
@@ -5669,7 +7019,7 @@
         <p:spPr>
           <a:xfrm>
             <a:off x="360" y="135000"/>
-            <a:ext cx="9717480" cy="943560"/>
+            <a:ext cx="9717120" cy="943200"/>
           </a:xfrm>
           <a:prstGeom prst="rect">
             <a:avLst/>
@@ -5697,7 +7047,7 @@
         <p:spPr>
           <a:xfrm>
             <a:off x="7559280" y="5130000"/>
-            <a:ext cx="2518200" cy="403560"/>
+            <a:ext cx="2517840" cy="403200"/>
           </a:xfrm>
           <a:prstGeom prst="rect">
             <a:avLst/>
@@ -5725,7 +7075,7 @@
         <p:spPr>
           <a:xfrm>
             <a:off x="899640" y="5130000"/>
-            <a:ext cx="6477840" cy="403560"/>
+            <a:ext cx="6477480" cy="403200"/>
           </a:xfrm>
           <a:prstGeom prst="rect">
             <a:avLst/>
@@ -5753,7 +7103,7 @@
         <p:spPr>
           <a:xfrm>
             <a:off x="179640" y="5130000"/>
-            <a:ext cx="538200" cy="403560"/>
+            <a:ext cx="537840" cy="403200"/>
           </a:xfrm>
           <a:prstGeom prst="rect">
             <a:avLst/>
@@ -6037,7 +7387,7 @@
         <p:spPr>
           <a:xfrm>
             <a:off x="360" y="135000"/>
-            <a:ext cx="9717480" cy="943560"/>
+            <a:ext cx="9717120" cy="943200"/>
           </a:xfrm>
           <a:prstGeom prst="rect">
             <a:avLst/>
@@ -6065,7 +7415,7 @@
         <p:spPr>
           <a:xfrm>
             <a:off x="7559280" y="5130000"/>
-            <a:ext cx="2518200" cy="403560"/>
+            <a:ext cx="2517840" cy="403200"/>
           </a:xfrm>
           <a:prstGeom prst="rect">
             <a:avLst/>
@@ -6093,7 +7443,7 @@
         <p:spPr>
           <a:xfrm>
             <a:off x="899640" y="5130000"/>
-            <a:ext cx="6477840" cy="403560"/>
+            <a:ext cx="6477480" cy="403200"/>
           </a:xfrm>
           <a:prstGeom prst="rect">
             <a:avLst/>
@@ -6121,7 +7471,7 @@
         <p:spPr>
           <a:xfrm>
             <a:off x="179640" y="5130000"/>
-            <a:ext cx="538200" cy="403560"/>
+            <a:ext cx="537840" cy="403200"/>
           </a:xfrm>
           <a:prstGeom prst="rect">
             <a:avLst/>
@@ -6165,19 +7515,7 @@
               <a:rPr b="0" lang="en-US" sz="4400" spc="-1" strike="noStrike">
                 <a:latin typeface="Arial"/>
               </a:rPr>
-              <a:t>Click to edit </a:t>
-            </a:r>
-            <a:r>
-              <a:rPr b="0" lang="en-US" sz="4400" spc="-1" strike="noStrike">
-                <a:latin typeface="Arial"/>
-              </a:rPr>
-              <a:t>the title text </a:t>
-            </a:r>
-            <a:r>
-              <a:rPr b="0" lang="en-US" sz="4400" spc="-1" strike="noStrike">
-                <a:latin typeface="Arial"/>
-              </a:rPr>
-              <a:t>format</a:t>
+              <a:t>Click to edit the title text format</a:t>
             </a:r>
             <a:endParaRPr b="0" lang="en-US" sz="4400" spc="-1" strike="noStrike">
               <a:latin typeface="Arial"/>
@@ -6417,7 +7755,7 @@
         <p:spPr>
           <a:xfrm>
             <a:off x="360" y="135000"/>
-            <a:ext cx="9717480" cy="943560"/>
+            <a:ext cx="9717120" cy="943200"/>
           </a:xfrm>
           <a:prstGeom prst="rect">
             <a:avLst/>
@@ -6445,7 +7783,7 @@
         <p:spPr>
           <a:xfrm>
             <a:off x="7559280" y="5130000"/>
-            <a:ext cx="2518200" cy="403560"/>
+            <a:ext cx="2517840" cy="403200"/>
           </a:xfrm>
           <a:prstGeom prst="rect">
             <a:avLst/>
@@ -6473,7 +7811,7 @@
         <p:spPr>
           <a:xfrm>
             <a:off x="899640" y="5130000"/>
-            <a:ext cx="6477840" cy="403560"/>
+            <a:ext cx="6477480" cy="403200"/>
           </a:xfrm>
           <a:prstGeom prst="rect">
             <a:avLst/>
@@ -6501,7 +7839,7 @@
         <p:spPr>
           <a:xfrm>
             <a:off x="179640" y="5130000"/>
-            <a:ext cx="538200" cy="403560"/>
+            <a:ext cx="537840" cy="403200"/>
           </a:xfrm>
           <a:prstGeom prst="rect">
             <a:avLst/>
@@ -6926,6 +8264,421 @@
     <p:sldLayoutId id="2147483697" r:id="rId11"/>
     <p:sldLayoutId id="2147483698" r:id="rId12"/>
     <p:sldLayoutId id="2147483699" r:id="rId13"/>
+  </p:sldLayoutIdLst>
+</p:sldMaster>
+</file>
+
+<file path=ppt/slideMasters/slideMaster5.xml><?xml version="1.0" encoding="utf-8"?>
+<p:sldMaster xmlns:a="http://schemas.openxmlformats.org/drawingml/2006/main" xmlns:p="http://schemas.openxmlformats.org/presentationml/2006/main" xmlns:r="http://schemas.openxmlformats.org/officeDocument/2006/relationships" xmlns:p14="http://schemas.microsoft.com/office/powerpoint/2010/main" xmlns:p15="http://schemas.microsoft.com/office/powerpoint/2012/main" xmlns:mc="http://schemas.openxmlformats.org/markup-compatibility/2006">
+  <p:cSld>
+    <p:bg>
+      <p:bgPr>
+        <a:solidFill>
+          <a:srgbClr val="ffffff"/>
+        </a:solidFill>
+      </p:bgPr>
+    </p:bg>
+    <p:spTree>
+      <p:nvGrpSpPr>
+        <p:cNvPr id="1" name=""/>
+        <p:cNvGrpSpPr/>
+        <p:nvPr/>
+      </p:nvGrpSpPr>
+      <p:grpSpPr>
+        <a:xfrm>
+          <a:off x="0" y="0"/>
+          <a:ext cx="0" cy="0"/>
+          <a:chOff x="0" y="0"/>
+          <a:chExt cx="0" cy="0"/>
+        </a:xfrm>
+      </p:grpSpPr>
+      <p:sp>
+        <p:nvSpPr>
+          <p:cNvPr id="166" name="CustomShape 1"/>
+          <p:cNvSpPr/>
+          <p:nvPr/>
+        </p:nvSpPr>
+        <p:spPr>
+          <a:xfrm>
+            <a:off x="360" y="135000"/>
+            <a:ext cx="9717840" cy="943920"/>
+          </a:xfrm>
+          <a:prstGeom prst="rect">
+            <a:avLst/>
+          </a:prstGeom>
+          <a:solidFill>
+            <a:srgbClr val="e74c3c"/>
+          </a:solidFill>
+          <a:ln w="72000">
+            <a:noFill/>
+          </a:ln>
+        </p:spPr>
+        <p:style>
+          <a:lnRef idx="0"/>
+          <a:fillRef idx="0"/>
+          <a:effectRef idx="0"/>
+          <a:fontRef idx="minor"/>
+        </p:style>
+      </p:sp>
+      <p:sp>
+        <p:nvSpPr>
+          <p:cNvPr id="167" name="CustomShape 2"/>
+          <p:cNvSpPr/>
+          <p:nvPr/>
+        </p:nvSpPr>
+        <p:spPr>
+          <a:xfrm>
+            <a:off x="7559280" y="5130000"/>
+            <a:ext cx="2518560" cy="403920"/>
+          </a:xfrm>
+          <a:prstGeom prst="rect">
+            <a:avLst/>
+          </a:prstGeom>
+          <a:solidFill>
+            <a:srgbClr val="e74c3c"/>
+          </a:solidFill>
+          <a:ln w="72000">
+            <a:noFill/>
+          </a:ln>
+        </p:spPr>
+        <p:style>
+          <a:lnRef idx="0"/>
+          <a:fillRef idx="0"/>
+          <a:effectRef idx="0"/>
+          <a:fontRef idx="minor"/>
+        </p:style>
+      </p:sp>
+      <p:sp>
+        <p:nvSpPr>
+          <p:cNvPr id="168" name="CustomShape 3"/>
+          <p:cNvSpPr/>
+          <p:nvPr/>
+        </p:nvSpPr>
+        <p:spPr>
+          <a:xfrm>
+            <a:off x="899640" y="5130000"/>
+            <a:ext cx="6478200" cy="403920"/>
+          </a:xfrm>
+          <a:prstGeom prst="rect">
+            <a:avLst/>
+          </a:prstGeom>
+          <a:solidFill>
+            <a:srgbClr val="bdc3c7"/>
+          </a:solidFill>
+          <a:ln w="72000">
+            <a:noFill/>
+          </a:ln>
+        </p:spPr>
+        <p:style>
+          <a:lnRef idx="0"/>
+          <a:fillRef idx="0"/>
+          <a:effectRef idx="0"/>
+          <a:fontRef idx="minor"/>
+        </p:style>
+      </p:sp>
+      <p:sp>
+        <p:nvSpPr>
+          <p:cNvPr id="169" name="CustomShape 4"/>
+          <p:cNvSpPr/>
+          <p:nvPr/>
+        </p:nvSpPr>
+        <p:spPr>
+          <a:xfrm>
+            <a:off x="179640" y="5130000"/>
+            <a:ext cx="538560" cy="403920"/>
+          </a:xfrm>
+          <a:prstGeom prst="rect">
+            <a:avLst/>
+          </a:prstGeom>
+          <a:noFill/>
+          <a:ln w="72000">
+            <a:noFill/>
+          </a:ln>
+        </p:spPr>
+        <p:style>
+          <a:lnRef idx="0"/>
+          <a:fillRef idx="0"/>
+          <a:effectRef idx="0"/>
+          <a:fontRef idx="minor"/>
+        </p:style>
+      </p:sp>
+      <p:sp>
+        <p:nvSpPr>
+          <p:cNvPr id="170" name="PlaceHolder 5"/>
+          <p:cNvSpPr>
+            <a:spLocks noGrp="1"/>
+          </p:cNvSpPr>
+          <p:nvPr>
+            <p:ph type="title"/>
+          </p:nvPr>
+        </p:nvSpPr>
+        <p:spPr>
+          <a:xfrm>
+            <a:off x="504000" y="226080"/>
+            <a:ext cx="9072000" cy="946440"/>
+          </a:xfrm>
+          <a:prstGeom prst="rect">
+            <a:avLst/>
+          </a:prstGeom>
+        </p:spPr>
+        <p:txBody>
+          <a:bodyPr lIns="0" rIns="0" tIns="0" bIns="0" anchor="ctr"/>
+          <a:p>
+            <a:r>
+              <a:rPr b="0" lang="en-US" sz="1800" spc="-1" strike="noStrike">
+                <a:solidFill>
+                  <a:srgbClr val="000000"/>
+                </a:solidFill>
+                <a:latin typeface="Arial"/>
+              </a:rPr>
+              <a:t>Click to edit the title text format</a:t>
+            </a:r>
+            <a:endParaRPr b="0" lang="en-US" sz="1800" spc="-1" strike="noStrike">
+              <a:solidFill>
+                <a:srgbClr val="000000"/>
+              </a:solidFill>
+              <a:latin typeface="Arial"/>
+            </a:endParaRPr>
+          </a:p>
+        </p:txBody>
+      </p:sp>
+      <p:sp>
+        <p:nvSpPr>
+          <p:cNvPr id="171" name="PlaceHolder 6"/>
+          <p:cNvSpPr>
+            <a:spLocks noGrp="1"/>
+          </p:cNvSpPr>
+          <p:nvPr>
+            <p:ph type="body"/>
+          </p:nvPr>
+        </p:nvSpPr>
+        <p:spPr>
+          <a:xfrm>
+            <a:off x="504000" y="1326600"/>
+            <a:ext cx="9072000" cy="3288600"/>
+          </a:xfrm>
+          <a:prstGeom prst="rect">
+            <a:avLst/>
+          </a:prstGeom>
+        </p:spPr>
+        <p:txBody>
+          <a:bodyPr lIns="0" rIns="0" tIns="0" bIns="0">
+            <a:normAutofit/>
+          </a:bodyPr>
+          <a:p>
+            <a:pPr marL="432000" indent="-324000">
+              <a:spcBef>
+                <a:spcPts val="1417"/>
+              </a:spcBef>
+              <a:buClr>
+                <a:srgbClr val="000000"/>
+              </a:buClr>
+              <a:buSzPct val="45000"/>
+              <a:buFont typeface="Wingdings" charset="2"/>
+              <a:buChar char=""/>
+            </a:pPr>
+            <a:r>
+              <a:rPr b="0" lang="en-US" sz="1800" spc="-1" strike="noStrike">
+                <a:solidFill>
+                  <a:srgbClr val="000000"/>
+                </a:solidFill>
+                <a:latin typeface="Arial"/>
+              </a:rPr>
+              <a:t>Click to edit the outline text format</a:t>
+            </a:r>
+            <a:endParaRPr b="0" lang="en-US" sz="1800" spc="-1" strike="noStrike">
+              <a:solidFill>
+                <a:srgbClr val="000000"/>
+              </a:solidFill>
+              <a:latin typeface="Arial"/>
+            </a:endParaRPr>
+          </a:p>
+          <a:p>
+            <a:pPr lvl="1" marL="864000" indent="-324000">
+              <a:spcBef>
+                <a:spcPts val="1134"/>
+              </a:spcBef>
+              <a:buClr>
+                <a:srgbClr val="000000"/>
+              </a:buClr>
+              <a:buSzPct val="75000"/>
+              <a:buFont typeface="Symbol" charset="2"/>
+              <a:buChar char=""/>
+            </a:pPr>
+            <a:r>
+              <a:rPr b="0" lang="en-US" sz="1800" spc="-1" strike="noStrike">
+                <a:solidFill>
+                  <a:srgbClr val="000000"/>
+                </a:solidFill>
+                <a:latin typeface="Arial"/>
+              </a:rPr>
+              <a:t>Second Outline Level</a:t>
+            </a:r>
+            <a:endParaRPr b="0" lang="en-US" sz="1800" spc="-1" strike="noStrike">
+              <a:solidFill>
+                <a:srgbClr val="000000"/>
+              </a:solidFill>
+              <a:latin typeface="Arial"/>
+            </a:endParaRPr>
+          </a:p>
+          <a:p>
+            <a:pPr lvl="2" marL="1296000" indent="-288000">
+              <a:spcBef>
+                <a:spcPts val="850"/>
+              </a:spcBef>
+              <a:buClr>
+                <a:srgbClr val="000000"/>
+              </a:buClr>
+              <a:buSzPct val="45000"/>
+              <a:buFont typeface="Wingdings" charset="2"/>
+              <a:buChar char=""/>
+            </a:pPr>
+            <a:r>
+              <a:rPr b="0" lang="en-US" sz="1800" spc="-1" strike="noStrike">
+                <a:solidFill>
+                  <a:srgbClr val="000000"/>
+                </a:solidFill>
+                <a:latin typeface="Arial"/>
+              </a:rPr>
+              <a:t>Third Outline Level</a:t>
+            </a:r>
+            <a:endParaRPr b="0" lang="en-US" sz="1800" spc="-1" strike="noStrike">
+              <a:solidFill>
+                <a:srgbClr val="000000"/>
+              </a:solidFill>
+              <a:latin typeface="Arial"/>
+            </a:endParaRPr>
+          </a:p>
+          <a:p>
+            <a:pPr lvl="3" marL="1728000" indent="-216000">
+              <a:spcBef>
+                <a:spcPts val="567"/>
+              </a:spcBef>
+              <a:buClr>
+                <a:srgbClr val="000000"/>
+              </a:buClr>
+              <a:buSzPct val="75000"/>
+              <a:buFont typeface="Symbol" charset="2"/>
+              <a:buChar char=""/>
+            </a:pPr>
+            <a:r>
+              <a:rPr b="0" lang="en-US" sz="1800" spc="-1" strike="noStrike">
+                <a:solidFill>
+                  <a:srgbClr val="000000"/>
+                </a:solidFill>
+                <a:latin typeface="Arial"/>
+              </a:rPr>
+              <a:t>Fourth Outline Level</a:t>
+            </a:r>
+            <a:endParaRPr b="0" lang="en-US" sz="1800" spc="-1" strike="noStrike">
+              <a:solidFill>
+                <a:srgbClr val="000000"/>
+              </a:solidFill>
+              <a:latin typeface="Arial"/>
+            </a:endParaRPr>
+          </a:p>
+          <a:p>
+            <a:pPr lvl="4" marL="2160000" indent="-216000">
+              <a:spcBef>
+                <a:spcPts val="283"/>
+              </a:spcBef>
+              <a:buClr>
+                <a:srgbClr val="000000"/>
+              </a:buClr>
+              <a:buSzPct val="45000"/>
+              <a:buFont typeface="Wingdings" charset="2"/>
+              <a:buChar char=""/>
+            </a:pPr>
+            <a:r>
+              <a:rPr b="0" lang="en-US" sz="2000" spc="-1" strike="noStrike">
+                <a:solidFill>
+                  <a:srgbClr val="000000"/>
+                </a:solidFill>
+                <a:latin typeface="Arial"/>
+              </a:rPr>
+              <a:t>Fifth Outline Level</a:t>
+            </a:r>
+            <a:endParaRPr b="0" lang="en-US" sz="2000" spc="-1" strike="noStrike">
+              <a:solidFill>
+                <a:srgbClr val="000000"/>
+              </a:solidFill>
+              <a:latin typeface="Arial"/>
+            </a:endParaRPr>
+          </a:p>
+          <a:p>
+            <a:pPr lvl="5" marL="2592000" indent="-216000">
+              <a:spcBef>
+                <a:spcPts val="283"/>
+              </a:spcBef>
+              <a:buClr>
+                <a:srgbClr val="000000"/>
+              </a:buClr>
+              <a:buSzPct val="45000"/>
+              <a:buFont typeface="Wingdings" charset="2"/>
+              <a:buChar char=""/>
+            </a:pPr>
+            <a:r>
+              <a:rPr b="0" lang="en-US" sz="2000" spc="-1" strike="noStrike">
+                <a:solidFill>
+                  <a:srgbClr val="000000"/>
+                </a:solidFill>
+                <a:latin typeface="Arial"/>
+              </a:rPr>
+              <a:t>Sixth Outline Level</a:t>
+            </a:r>
+            <a:endParaRPr b="0" lang="en-US" sz="2000" spc="-1" strike="noStrike">
+              <a:solidFill>
+                <a:srgbClr val="000000"/>
+              </a:solidFill>
+              <a:latin typeface="Arial"/>
+            </a:endParaRPr>
+          </a:p>
+          <a:p>
+            <a:pPr lvl="6" marL="3024000" indent="-216000">
+              <a:spcBef>
+                <a:spcPts val="283"/>
+              </a:spcBef>
+              <a:buClr>
+                <a:srgbClr val="000000"/>
+              </a:buClr>
+              <a:buSzPct val="45000"/>
+              <a:buFont typeface="Wingdings" charset="2"/>
+              <a:buChar char=""/>
+            </a:pPr>
+            <a:r>
+              <a:rPr b="0" lang="en-US" sz="2000" spc="-1" strike="noStrike">
+                <a:solidFill>
+                  <a:srgbClr val="000000"/>
+                </a:solidFill>
+                <a:latin typeface="Arial"/>
+              </a:rPr>
+              <a:t>Seventh Outline Level</a:t>
+            </a:r>
+            <a:endParaRPr b="0" lang="en-US" sz="2000" spc="-1" strike="noStrike">
+              <a:solidFill>
+                <a:srgbClr val="000000"/>
+              </a:solidFill>
+              <a:latin typeface="Arial"/>
+            </a:endParaRPr>
+          </a:p>
+        </p:txBody>
+      </p:sp>
+    </p:spTree>
+  </p:cSld>
+  <p:clrMap bg1="lt1" bg2="lt2" tx1="dk1" tx2="dk2" accent1="accent1" accent2="accent2" accent3="accent3" accent4="accent4" accent5="accent5" accent6="accent6" hlink="hlink" folHlink="folHlink"/>
+  <p:sldLayoutIdLst>
+    <p:sldLayoutId id="2147483701" r:id="rId2"/>
+    <p:sldLayoutId id="2147483702" r:id="rId3"/>
+    <p:sldLayoutId id="2147483703" r:id="rId4"/>
+    <p:sldLayoutId id="2147483704" r:id="rId5"/>
+    <p:sldLayoutId id="2147483705" r:id="rId6"/>
+    <p:sldLayoutId id="2147483706" r:id="rId7"/>
+    <p:sldLayoutId id="2147483707" r:id="rId8"/>
+    <p:sldLayoutId id="2147483708" r:id="rId9"/>
+    <p:sldLayoutId id="2147483709" r:id="rId10"/>
+    <p:sldLayoutId id="2147483710" r:id="rId11"/>
+    <p:sldLayoutId id="2147483711" r:id="rId12"/>
+    <p:sldLayoutId id="2147483712" r:id="rId13"/>
   </p:sldLayoutIdLst>
 </p:sldMaster>
 </file>
@@ -6956,14 +8709,14 @@
       </p:grpSpPr>
       <p:sp>
         <p:nvSpPr>
-          <p:cNvPr id="166" name="CustomShape 1"/>
+          <p:cNvPr id="208" name="CustomShape 1"/>
           <p:cNvSpPr/>
           <p:nvPr/>
         </p:nvSpPr>
         <p:spPr>
           <a:xfrm>
             <a:off x="359640" y="2497680"/>
-            <a:ext cx="9357480" cy="673560"/>
+            <a:ext cx="9357120" cy="673200"/>
           </a:xfrm>
           <a:prstGeom prst="rect">
             <a:avLst/>
@@ -6982,14 +8735,14 @@
       </p:sp>
       <p:sp>
         <p:nvSpPr>
-          <p:cNvPr id="167" name="CustomShape 2"/>
+          <p:cNvPr id="209" name="CustomShape 2"/>
           <p:cNvSpPr/>
           <p:nvPr/>
         </p:nvSpPr>
         <p:spPr>
           <a:xfrm>
             <a:off x="539640" y="3537000"/>
-            <a:ext cx="3633840" cy="1348560"/>
+            <a:ext cx="3633480" cy="1348200"/>
           </a:xfrm>
           <a:prstGeom prst="rect">
             <a:avLst/>
@@ -7111,14 +8864,14 @@
       </p:sp>
       <p:sp>
         <p:nvSpPr>
-          <p:cNvPr id="168" name="CustomShape 3"/>
+          <p:cNvPr id="210" name="CustomShape 3"/>
           <p:cNvSpPr/>
           <p:nvPr/>
         </p:nvSpPr>
         <p:spPr>
           <a:xfrm>
             <a:off x="2087640" y="216000"/>
-            <a:ext cx="5901840" cy="378360"/>
+            <a:ext cx="5901480" cy="378000"/>
           </a:xfrm>
           <a:prstGeom prst="rect">
             <a:avLst/>
@@ -7160,14 +8913,14 @@
       </p:sp>
       <p:sp>
         <p:nvSpPr>
-          <p:cNvPr id="169" name="CustomShape 4"/>
+          <p:cNvPr id="211" name="CustomShape 4"/>
           <p:cNvSpPr/>
           <p:nvPr/>
         </p:nvSpPr>
         <p:spPr>
           <a:xfrm>
             <a:off x="6047280" y="3537000"/>
-            <a:ext cx="3165840" cy="638280"/>
+            <a:ext cx="3165480" cy="637920"/>
           </a:xfrm>
           <a:prstGeom prst="rect">
             <a:avLst/>
@@ -7219,14 +8972,14 @@
       </p:sp>
       <p:sp>
         <p:nvSpPr>
-          <p:cNvPr id="170" name="CustomShape 5"/>
+          <p:cNvPr id="212" name="CustomShape 5"/>
           <p:cNvSpPr/>
           <p:nvPr/>
         </p:nvSpPr>
         <p:spPr>
           <a:xfrm>
             <a:off x="881640" y="942840"/>
-            <a:ext cx="8313480" cy="837360"/>
+            <a:ext cx="8313120" cy="837000"/>
           </a:xfrm>
           <a:prstGeom prst="rect">
             <a:avLst/>
@@ -7268,14 +9021,14 @@
       </p:sp>
       <p:sp>
         <p:nvSpPr>
-          <p:cNvPr id="171" name="TextShape 6"/>
-          <p:cNvSpPr txBox="1"/>
+          <p:cNvPr id="213" name="CustomShape 6"/>
+          <p:cNvSpPr/>
           <p:nvPr/>
         </p:nvSpPr>
         <p:spPr>
           <a:xfrm>
             <a:off x="182880" y="2378160"/>
-            <a:ext cx="9509760" cy="914400"/>
+            <a:ext cx="9509400" cy="914040"/>
           </a:xfrm>
           <a:prstGeom prst="rect">
             <a:avLst/>
@@ -7285,29 +9038,43 @@
             <a:noFill/>
           </a:ln>
         </p:spPr>
+        <p:style>
+          <a:lnRef idx="0"/>
+          <a:fillRef idx="0"/>
+          <a:effectRef idx="0"/>
+          <a:fontRef idx="minor"/>
+        </p:style>
         <p:txBody>
           <a:bodyPr lIns="90000" rIns="90000" tIns="45000" bIns="45000"/>
           <a:p>
-            <a:pPr algn="ctr"/>
+            <a:pPr algn="ctr">
+              <a:lnSpc>
+                <a:spcPct val="100000"/>
+              </a:lnSpc>
+            </a:pPr>
             <a:r>
               <a:rPr b="1" lang="en-US" sz="2600" spc="-1" strike="noStrike">
                 <a:latin typeface="Arial"/>
               </a:rPr>
               <a:t>Heterogeneous architecture for Big Data algorithms </a:t>
             </a:r>
-            <a:endParaRPr b="1" lang="en-US" sz="2600" spc="-1" strike="noStrike">
-              <a:latin typeface="Arial"/>
-            </a:endParaRPr>
-          </a:p>
-          <a:p>
-            <a:pPr algn="ctr"/>
+            <a:endParaRPr b="0" lang="en-US" sz="2600" spc="-1" strike="noStrike">
+              <a:latin typeface="Arial"/>
+            </a:endParaRPr>
+          </a:p>
+          <a:p>
+            <a:pPr algn="ctr">
+              <a:lnSpc>
+                <a:spcPct val="100000"/>
+              </a:lnSpc>
+            </a:pPr>
             <a:r>
               <a:rPr b="1" lang="en-US" sz="2600" spc="-1" strike="noStrike">
                 <a:latin typeface="Arial"/>
               </a:rPr>
               <a:t>Final presentation</a:t>
             </a:r>
-            <a:endParaRPr b="1" lang="en-US" sz="2600" spc="-1" strike="noStrike">
+            <a:endParaRPr b="0" lang="en-US" sz="2600" spc="-1" strike="noStrike">
               <a:latin typeface="Arial"/>
             </a:endParaRPr>
           </a:p>
@@ -7322,6 +9089,1257 @@
           <p:childTnLst>
             <p:seq>
               <p:cTn id="2" dur="indefinite" nodeType="mainSeq"/>
+              <p:prevCondLst>
+                <p:cond delay="0" evt="onPrev">
+                  <p:tgtEl>
+                    <p:sldTgt/>
+                  </p:tgtEl>
+                </p:cond>
+              </p:prevCondLst>
+              <p:nextCondLst>
+                <p:cond delay="0" evt="onNext">
+                  <p:tgtEl>
+                    <p:sldTgt/>
+                  </p:tgtEl>
+                </p:cond>
+              </p:nextCondLst>
+            </p:seq>
+          </p:childTnLst>
+        </p:cTn>
+      </p:par>
+    </p:tnLst>
+  </p:timing>
+</p:sld>
+</file>
+
+<file path=ppt/slides/slide10.xml><?xml version="1.0" encoding="utf-8"?>
+<p:sld xmlns:a="http://schemas.openxmlformats.org/drawingml/2006/main" xmlns:p="http://schemas.openxmlformats.org/presentationml/2006/main" xmlns:r="http://schemas.openxmlformats.org/officeDocument/2006/relationships" xmlns:p14="http://schemas.microsoft.com/office/powerpoint/2010/main" xmlns:p15="http://schemas.microsoft.com/office/powerpoint/2012/main" xmlns:mc="http://schemas.openxmlformats.org/markup-compatibility/2006">
+  <p:cSld>
+    <p:spTree>
+      <p:nvGrpSpPr>
+        <p:cNvPr id="1" name=""/>
+        <p:cNvGrpSpPr/>
+        <p:nvPr/>
+      </p:nvGrpSpPr>
+      <p:grpSpPr>
+        <a:xfrm>
+          <a:off x="0" y="0"/>
+          <a:ext cx="0" cy="0"/>
+          <a:chOff x="0" y="0"/>
+          <a:chExt cx="0" cy="0"/>
+        </a:xfrm>
+      </p:grpSpPr>
+      <p:sp>
+        <p:nvSpPr>
+          <p:cNvPr id="259" name="CustomShape 1"/>
+          <p:cNvSpPr/>
+          <p:nvPr/>
+        </p:nvSpPr>
+        <p:spPr>
+          <a:xfrm>
+            <a:off x="359640" y="270000"/>
+            <a:ext cx="9357120" cy="673200"/>
+          </a:xfrm>
+          <a:prstGeom prst="rect">
+            <a:avLst/>
+          </a:prstGeom>
+          <a:noFill/>
+          <a:ln>
+            <a:noFill/>
+          </a:ln>
+        </p:spPr>
+        <p:style>
+          <a:lnRef idx="0"/>
+          <a:fillRef idx="0"/>
+          <a:effectRef idx="0"/>
+          <a:fontRef idx="minor"/>
+        </p:style>
+        <p:txBody>
+          <a:bodyPr lIns="0" rIns="0" tIns="0" bIns="0" anchor="b"/>
+          <a:p>
+            <a:pPr>
+              <a:lnSpc>
+                <a:spcPct val="100000"/>
+              </a:lnSpc>
+            </a:pPr>
+            <a:r>
+              <a:rPr b="1" lang="en-US" sz="3200" spc="-1" strike="noStrike">
+                <a:solidFill>
+                  <a:srgbClr val="ffffff"/>
+                </a:solidFill>
+                <a:latin typeface="Noto Sans Black"/>
+                <a:ea typeface="DejaVu Sans"/>
+              </a:rPr>
+              <a:t>TEAM </a:t>
+            </a:r>
+            <a:endParaRPr b="0" lang="en-US" sz="3200" spc="-1" strike="noStrike">
+              <a:latin typeface="Arial"/>
+            </a:endParaRPr>
+          </a:p>
+        </p:txBody>
+      </p:sp>
+      <p:sp>
+        <p:nvSpPr>
+          <p:cNvPr id="260" name="CustomShape 2"/>
+          <p:cNvSpPr/>
+          <p:nvPr/>
+        </p:nvSpPr>
+        <p:spPr>
+          <a:xfrm>
+            <a:off x="359640" y="1485000"/>
+            <a:ext cx="9177120" cy="3508200"/>
+          </a:xfrm>
+          <a:prstGeom prst="rect">
+            <a:avLst/>
+          </a:prstGeom>
+          <a:noFill/>
+          <a:ln>
+            <a:noFill/>
+          </a:ln>
+        </p:spPr>
+        <p:style>
+          <a:lnRef idx="0"/>
+          <a:fillRef idx="0"/>
+          <a:effectRef idx="0"/>
+          <a:fontRef idx="minor"/>
+        </p:style>
+        <p:txBody>
+          <a:bodyPr lIns="0" rIns="0" tIns="0" bIns="0">
+            <a:normAutofit/>
+          </a:bodyPr>
+          <a:p>
+            <a:pPr marL="216000" indent="-213840">
+              <a:lnSpc>
+                <a:spcPct val="100000"/>
+              </a:lnSpc>
+              <a:spcAft>
+                <a:spcPts val="1140"/>
+              </a:spcAft>
+              <a:buClr>
+                <a:srgbClr val="000000"/>
+              </a:buClr>
+              <a:buSzPct val="45000"/>
+              <a:buFont typeface="Wingdings" charset="2"/>
+              <a:buChar char=""/>
+            </a:pPr>
+            <a:r>
+              <a:rPr b="1" lang="en-US" sz="2600" spc="-1" strike="noStrike">
+                <a:solidFill>
+                  <a:srgbClr val="1c1c1c"/>
+                </a:solidFill>
+                <a:latin typeface="Noto Sans"/>
+                <a:ea typeface="DejaVu Sans"/>
+              </a:rPr>
+              <a:t>Software:</a:t>
+            </a:r>
+            <a:endParaRPr b="0" lang="en-US" sz="2600" spc="-1" strike="noStrike">
+              <a:latin typeface="Arial"/>
+            </a:endParaRPr>
+          </a:p>
+          <a:p>
+            <a:pPr lvl="2" marL="648000" indent="-214560">
+              <a:lnSpc>
+                <a:spcPct val="100000"/>
+              </a:lnSpc>
+              <a:spcAft>
+                <a:spcPts val="1134"/>
+              </a:spcAft>
+              <a:buClr>
+                <a:srgbClr val="000000"/>
+              </a:buClr>
+              <a:buSzPct val="45000"/>
+              <a:buFont typeface="Wingdings" charset="2"/>
+              <a:buChar char=""/>
+            </a:pPr>
+            <a:r>
+              <a:rPr b="0" lang="en-US" sz="2200" spc="-1" strike="noStrike">
+                <a:solidFill>
+                  <a:srgbClr val="1c1c1c"/>
+                </a:solidFill>
+                <a:latin typeface="Noto Sans"/>
+                <a:ea typeface="DejaVu Sans"/>
+              </a:rPr>
+              <a:t>DOU Yuhan</a:t>
+            </a:r>
+            <a:endParaRPr b="0" lang="en-US" sz="2200" spc="-1" strike="noStrike">
+              <a:latin typeface="Arial"/>
+            </a:endParaRPr>
+          </a:p>
+          <a:p>
+            <a:pPr lvl="2" marL="648000" indent="-214560">
+              <a:lnSpc>
+                <a:spcPct val="100000"/>
+              </a:lnSpc>
+              <a:spcAft>
+                <a:spcPts val="1134"/>
+              </a:spcAft>
+              <a:buClr>
+                <a:srgbClr val="000000"/>
+              </a:buClr>
+              <a:buSzPct val="45000"/>
+              <a:buFont typeface="Wingdings" charset="2"/>
+              <a:buChar char=""/>
+            </a:pPr>
+            <a:r>
+              <a:rPr b="0" lang="en-US" sz="2200" spc="-1" strike="noStrike">
+                <a:solidFill>
+                  <a:srgbClr val="1c1c1c"/>
+                </a:solidFill>
+                <a:latin typeface="Noto Sans"/>
+                <a:ea typeface="DejaVu Sans"/>
+              </a:rPr>
+              <a:t>TERRACHER Audrey</a:t>
+            </a:r>
+            <a:endParaRPr b="0" lang="en-US" sz="2200" spc="-1" strike="noStrike">
+              <a:latin typeface="Arial"/>
+            </a:endParaRPr>
+          </a:p>
+          <a:p>
+            <a:pPr marL="216000" indent="-213840">
+              <a:lnSpc>
+                <a:spcPct val="100000"/>
+              </a:lnSpc>
+              <a:spcAft>
+                <a:spcPts val="1140"/>
+              </a:spcAft>
+              <a:buClr>
+                <a:srgbClr val="000000"/>
+              </a:buClr>
+              <a:buSzPct val="45000"/>
+              <a:buFont typeface="Wingdings" charset="2"/>
+              <a:buChar char=""/>
+            </a:pPr>
+            <a:r>
+              <a:rPr b="1" lang="en-US" sz="2600" spc="-1" strike="noStrike">
+                <a:solidFill>
+                  <a:srgbClr val="1c1c1c"/>
+                </a:solidFill>
+                <a:latin typeface="Noto Sans"/>
+                <a:ea typeface="DejaVu Sans"/>
+              </a:rPr>
+              <a:t>Hardware:</a:t>
+            </a:r>
+            <a:endParaRPr b="0" lang="en-US" sz="2600" spc="-1" strike="noStrike">
+              <a:latin typeface="Arial"/>
+            </a:endParaRPr>
+          </a:p>
+          <a:p>
+            <a:pPr lvl="2" marL="648000" indent="-214560">
+              <a:lnSpc>
+                <a:spcPct val="100000"/>
+              </a:lnSpc>
+              <a:spcAft>
+                <a:spcPts val="1134"/>
+              </a:spcAft>
+              <a:buClr>
+                <a:srgbClr val="000000"/>
+              </a:buClr>
+              <a:buSzPct val="45000"/>
+              <a:buFont typeface="Wingdings" charset="2"/>
+              <a:buChar char=""/>
+            </a:pPr>
+            <a:r>
+              <a:rPr b="0" lang="en-US" sz="2200" spc="-1" strike="noStrike">
+                <a:solidFill>
+                  <a:srgbClr val="1c1c1c"/>
+                </a:solidFill>
+                <a:latin typeface="Noto Sans"/>
+                <a:ea typeface="DejaVu Sans"/>
+              </a:rPr>
+              <a:t>FORCIOLI QUENTIN</a:t>
+            </a:r>
+            <a:endParaRPr b="0" lang="en-US" sz="2200" spc="-1" strike="noStrike">
+              <a:latin typeface="Arial"/>
+            </a:endParaRPr>
+          </a:p>
+          <a:p>
+            <a:pPr marL="216000" indent="-213840">
+              <a:lnSpc>
+                <a:spcPct val="100000"/>
+              </a:lnSpc>
+              <a:spcAft>
+                <a:spcPts val="1140"/>
+              </a:spcAft>
+              <a:buClr>
+                <a:srgbClr val="000000"/>
+              </a:buClr>
+              <a:buSzPct val="45000"/>
+              <a:buFont typeface="Wingdings" charset="2"/>
+              <a:buChar char=""/>
+            </a:pPr>
+            <a:r>
+              <a:rPr b="1" lang="en-US" sz="2600" spc="-1" strike="noStrike">
+                <a:solidFill>
+                  <a:srgbClr val="1c1c1c"/>
+                </a:solidFill>
+                <a:latin typeface="Noto Sans"/>
+                <a:ea typeface="DejaVu Sans"/>
+              </a:rPr>
+              <a:t>HLS and lead :</a:t>
+            </a:r>
+            <a:endParaRPr b="0" lang="en-US" sz="2600" spc="-1" strike="noStrike">
+              <a:latin typeface="Arial"/>
+            </a:endParaRPr>
+          </a:p>
+          <a:p>
+            <a:pPr lvl="2" marL="648000" indent="-214560">
+              <a:lnSpc>
+                <a:spcPct val="100000"/>
+              </a:lnSpc>
+              <a:spcAft>
+                <a:spcPts val="1134"/>
+              </a:spcAft>
+              <a:buClr>
+                <a:srgbClr val="000000"/>
+              </a:buClr>
+              <a:buSzPct val="45000"/>
+              <a:buFont typeface="Wingdings" charset="2"/>
+              <a:buChar char=""/>
+            </a:pPr>
+            <a:r>
+              <a:rPr b="0" lang="en-US" sz="2200" spc="-1" strike="noStrike">
+                <a:solidFill>
+                  <a:srgbClr val="1c1c1c"/>
+                </a:solidFill>
+                <a:latin typeface="Noto Sans"/>
+                <a:ea typeface="DejaVu Sans"/>
+              </a:rPr>
+              <a:t>GHAOUI Mohamed Anis</a:t>
+            </a:r>
+            <a:endParaRPr b="0" lang="en-US" sz="2200" spc="-1" strike="noStrike">
+              <a:latin typeface="Arial"/>
+            </a:endParaRPr>
+          </a:p>
+        </p:txBody>
+      </p:sp>
+    </p:spTree>
+  </p:cSld>
+  <p:timing>
+    <p:tnLst>
+      <p:par>
+        <p:cTn id="19" dur="indefinite" restart="never" nodeType="tmRoot">
+          <p:childTnLst>
+            <p:seq>
+              <p:cTn id="20" dur="indefinite" nodeType="mainSeq"/>
+              <p:prevCondLst>
+                <p:cond delay="0" evt="onPrev">
+                  <p:tgtEl>
+                    <p:sldTgt/>
+                  </p:tgtEl>
+                </p:cond>
+              </p:prevCondLst>
+              <p:nextCondLst>
+                <p:cond delay="0" evt="onNext">
+                  <p:tgtEl>
+                    <p:sldTgt/>
+                  </p:tgtEl>
+                </p:cond>
+              </p:nextCondLst>
+            </p:seq>
+          </p:childTnLst>
+        </p:cTn>
+      </p:par>
+    </p:tnLst>
+  </p:timing>
+</p:sld>
+</file>
+
+<file path=ppt/slides/slide11.xml><?xml version="1.0" encoding="utf-8"?>
+<p:sld xmlns:a="http://schemas.openxmlformats.org/drawingml/2006/main" xmlns:p="http://schemas.openxmlformats.org/presentationml/2006/main" xmlns:r="http://schemas.openxmlformats.org/officeDocument/2006/relationships" xmlns:p14="http://schemas.microsoft.com/office/powerpoint/2010/main" xmlns:p15="http://schemas.microsoft.com/office/powerpoint/2012/main" xmlns:mc="http://schemas.openxmlformats.org/markup-compatibility/2006">
+  <p:cSld>
+    <p:spTree>
+      <p:nvGrpSpPr>
+        <p:cNvPr id="1" name=""/>
+        <p:cNvGrpSpPr/>
+        <p:nvPr/>
+      </p:nvGrpSpPr>
+      <p:grpSpPr>
+        <a:xfrm>
+          <a:off x="0" y="0"/>
+          <a:ext cx="0" cy="0"/>
+          <a:chOff x="0" y="0"/>
+          <a:chExt cx="0" cy="0"/>
+        </a:xfrm>
+      </p:grpSpPr>
+      <p:sp>
+        <p:nvSpPr>
+          <p:cNvPr id="261" name="CustomShape 1"/>
+          <p:cNvSpPr/>
+          <p:nvPr/>
+        </p:nvSpPr>
+        <p:spPr>
+          <a:xfrm>
+            <a:off x="359640" y="270000"/>
+            <a:ext cx="9357120" cy="673200"/>
+          </a:xfrm>
+          <a:prstGeom prst="rect">
+            <a:avLst/>
+          </a:prstGeom>
+          <a:noFill/>
+          <a:ln>
+            <a:noFill/>
+          </a:ln>
+        </p:spPr>
+        <p:style>
+          <a:lnRef idx="0"/>
+          <a:fillRef idx="0"/>
+          <a:effectRef idx="0"/>
+          <a:fontRef idx="minor"/>
+        </p:style>
+        <p:txBody>
+          <a:bodyPr lIns="0" rIns="0" tIns="0" bIns="0" anchor="b"/>
+          <a:p>
+            <a:pPr>
+              <a:lnSpc>
+                <a:spcPct val="100000"/>
+              </a:lnSpc>
+            </a:pPr>
+            <a:r>
+              <a:rPr b="1" lang="en-US" sz="3200" spc="-1" strike="noStrike">
+                <a:solidFill>
+                  <a:srgbClr val="ffffff"/>
+                </a:solidFill>
+                <a:latin typeface="Noto Sans Black"/>
+                <a:ea typeface="DejaVu Sans"/>
+              </a:rPr>
+              <a:t>Sythèse Haut Niveau (HLS)</a:t>
+            </a:r>
+            <a:endParaRPr b="0" lang="en-US" sz="3200" spc="-1" strike="noStrike">
+              <a:latin typeface="Arial"/>
+            </a:endParaRPr>
+          </a:p>
+        </p:txBody>
+      </p:sp>
+      <p:sp>
+        <p:nvSpPr>
+          <p:cNvPr id="262" name="CustomShape 2"/>
+          <p:cNvSpPr/>
+          <p:nvPr/>
+        </p:nvSpPr>
+        <p:spPr>
+          <a:xfrm>
+            <a:off x="359640" y="1485000"/>
+            <a:ext cx="9177120" cy="3508200"/>
+          </a:xfrm>
+          <a:prstGeom prst="rect">
+            <a:avLst/>
+          </a:prstGeom>
+          <a:noFill/>
+          <a:ln>
+            <a:noFill/>
+          </a:ln>
+        </p:spPr>
+        <p:style>
+          <a:lnRef idx="0"/>
+          <a:fillRef idx="0"/>
+          <a:effectRef idx="0"/>
+          <a:fontRef idx="minor"/>
+        </p:style>
+        <p:txBody>
+          <a:bodyPr lIns="0" rIns="0" tIns="0" bIns="0">
+            <a:normAutofit/>
+          </a:bodyPr>
+          <a:p>
+            <a:pPr marL="216000" indent="-215280">
+              <a:lnSpc>
+                <a:spcPct val="100000"/>
+              </a:lnSpc>
+              <a:spcAft>
+                <a:spcPts val="1140"/>
+              </a:spcAft>
+              <a:buClr>
+                <a:srgbClr val="000000"/>
+              </a:buClr>
+              <a:buFont typeface="StarSymbol"/>
+              <a:buAutoNum type="arabicParenR"/>
+            </a:pPr>
+            <a:r>
+              <a:rPr b="1" lang="en-US" sz="1800" spc="-1" strike="noStrike">
+                <a:solidFill>
+                  <a:srgbClr val="1c1c1c"/>
+                </a:solidFill>
+                <a:latin typeface="Noto Sans SemiBold"/>
+                <a:ea typeface="DejaVu Sans"/>
+              </a:rPr>
+              <a:t> </a:t>
+            </a:r>
+            <a:r>
+              <a:rPr b="1" lang="en-US" sz="1800" spc="-1" strike="noStrike">
+                <a:solidFill>
+                  <a:srgbClr val="1c1c1c"/>
+                </a:solidFill>
+                <a:latin typeface="Noto Sans SemiBold"/>
+                <a:ea typeface="DejaVu Sans"/>
+              </a:rPr>
+              <a:t>Réanalyse des algorithmes</a:t>
+            </a:r>
+            <a:endParaRPr b="0" lang="en-US" sz="1800" spc="-1" strike="noStrike">
+              <a:latin typeface="Arial"/>
+            </a:endParaRPr>
+          </a:p>
+          <a:p>
+            <a:pPr marL="216000" indent="-215280">
+              <a:lnSpc>
+                <a:spcPct val="100000"/>
+              </a:lnSpc>
+              <a:spcAft>
+                <a:spcPts val="1140"/>
+              </a:spcAft>
+              <a:buClr>
+                <a:srgbClr val="000000"/>
+              </a:buClr>
+              <a:buFont typeface="StarSymbol"/>
+              <a:buAutoNum type="arabicParenR"/>
+            </a:pPr>
+            <a:r>
+              <a:rPr b="1" lang="en-US" sz="1800" spc="-1" strike="noStrike">
+                <a:solidFill>
+                  <a:srgbClr val="1c1c1c"/>
+                </a:solidFill>
+                <a:latin typeface="Noto Sans SemiBold"/>
+                <a:ea typeface="DejaVu Sans"/>
+              </a:rPr>
+              <a:t> </a:t>
+            </a:r>
+            <a:r>
+              <a:rPr b="1" lang="en-US" sz="1800" spc="-1" strike="noStrike">
+                <a:solidFill>
+                  <a:srgbClr val="1c1c1c"/>
+                </a:solidFill>
+                <a:latin typeface="Noto Sans SemiBold"/>
+                <a:ea typeface="DejaVu Sans"/>
+              </a:rPr>
+              <a:t>Traduction des mécanismes logiciels</a:t>
+            </a:r>
+            <a:endParaRPr b="0" lang="en-US" sz="1800" spc="-1" strike="noStrike">
+              <a:latin typeface="Arial"/>
+            </a:endParaRPr>
+          </a:p>
+          <a:p>
+            <a:pPr marL="216000" indent="-215280">
+              <a:lnSpc>
+                <a:spcPct val="100000"/>
+              </a:lnSpc>
+              <a:spcAft>
+                <a:spcPts val="1140"/>
+              </a:spcAft>
+              <a:buClr>
+                <a:srgbClr val="000000"/>
+              </a:buClr>
+              <a:buFont typeface="StarSymbol"/>
+              <a:buAutoNum type="arabicParenR"/>
+            </a:pPr>
+            <a:r>
+              <a:rPr b="1" lang="en-US" sz="1800" spc="-1" strike="noStrike">
+                <a:solidFill>
+                  <a:srgbClr val="1c1c1c"/>
+                </a:solidFill>
+                <a:latin typeface="Noto Sans SemiBold"/>
+                <a:ea typeface="DejaVu Sans"/>
+              </a:rPr>
+              <a:t> </a:t>
+            </a:r>
+            <a:r>
+              <a:rPr b="1" lang="en-US" sz="1800" spc="-1" strike="noStrike">
+                <a:solidFill>
+                  <a:srgbClr val="1c1c1c"/>
+                </a:solidFill>
+                <a:latin typeface="Noto Sans SemiBold"/>
+                <a:ea typeface="DejaVu Sans"/>
+              </a:rPr>
+              <a:t>Implémenation des interfaces Axilite</a:t>
+            </a:r>
+            <a:endParaRPr b="0" lang="en-US" sz="1800" spc="-1" strike="noStrike">
+              <a:latin typeface="Arial"/>
+            </a:endParaRPr>
+          </a:p>
+          <a:p>
+            <a:pPr marL="216000" indent="-215280">
+              <a:lnSpc>
+                <a:spcPct val="100000"/>
+              </a:lnSpc>
+              <a:spcAft>
+                <a:spcPts val="1140"/>
+              </a:spcAft>
+              <a:buClr>
+                <a:srgbClr val="000000"/>
+              </a:buClr>
+              <a:buFont typeface="StarSymbol"/>
+              <a:buAutoNum type="arabicParenR"/>
+            </a:pPr>
+            <a:r>
+              <a:rPr b="1" lang="en-US" sz="1800" spc="-1" strike="noStrike">
+                <a:solidFill>
+                  <a:srgbClr val="1c1c1c"/>
+                </a:solidFill>
+                <a:latin typeface="Noto Sans SemiBold"/>
+                <a:ea typeface="DejaVu Sans"/>
+              </a:rPr>
+              <a:t> </a:t>
+            </a:r>
+            <a:r>
+              <a:rPr b="1" lang="en-US" sz="1800" spc="-1" strike="noStrike">
+                <a:solidFill>
+                  <a:srgbClr val="1c1c1c"/>
+                </a:solidFill>
+                <a:latin typeface="Noto Sans SemiBold"/>
+                <a:ea typeface="DejaVu Sans"/>
+              </a:rPr>
+              <a:t>Gestion/redimensionnement des accès mémoires</a:t>
+            </a:r>
+            <a:endParaRPr b="0" lang="en-US" sz="1800" spc="-1" strike="noStrike">
+              <a:latin typeface="Arial"/>
+            </a:endParaRPr>
+          </a:p>
+          <a:p>
+            <a:pPr marL="216000" indent="-215280">
+              <a:lnSpc>
+                <a:spcPct val="100000"/>
+              </a:lnSpc>
+              <a:spcAft>
+                <a:spcPts val="1140"/>
+              </a:spcAft>
+              <a:buClr>
+                <a:srgbClr val="000000"/>
+              </a:buClr>
+              <a:buFont typeface="StarSymbol"/>
+              <a:buAutoNum type="arabicParenR"/>
+            </a:pPr>
+            <a:r>
+              <a:rPr b="1" lang="en-US" sz="1800" spc="-1" strike="noStrike">
+                <a:solidFill>
+                  <a:srgbClr val="1c1c1c"/>
+                </a:solidFill>
+                <a:latin typeface="Noto Sans SemiBold"/>
+                <a:ea typeface="DejaVu Sans"/>
+              </a:rPr>
+              <a:t> </a:t>
+            </a:r>
+            <a:r>
+              <a:rPr b="1" lang="en-US" sz="1800" spc="-1" strike="noStrike">
+                <a:solidFill>
+                  <a:srgbClr val="1c1c1c"/>
+                </a:solidFill>
+                <a:latin typeface="Noto Sans SemiBold"/>
+                <a:ea typeface="DejaVu Sans"/>
+              </a:rPr>
+              <a:t>Optimisations matérielles</a:t>
+            </a:r>
+            <a:endParaRPr b="0" lang="en-US" sz="1800" spc="-1" strike="noStrike">
+              <a:latin typeface="Arial"/>
+            </a:endParaRPr>
+          </a:p>
+        </p:txBody>
+      </p:sp>
+    </p:spTree>
+  </p:cSld>
+  <p:timing>
+    <p:tnLst>
+      <p:par>
+        <p:cTn id="21" dur="indefinite" restart="never" nodeType="tmRoot">
+          <p:childTnLst>
+            <p:seq>
+              <p:cTn id="22" dur="indefinite" nodeType="mainSeq"/>
+              <p:prevCondLst>
+                <p:cond delay="0" evt="onPrev">
+                  <p:tgtEl>
+                    <p:sldTgt/>
+                  </p:tgtEl>
+                </p:cond>
+              </p:prevCondLst>
+              <p:nextCondLst>
+                <p:cond delay="0" evt="onNext">
+                  <p:tgtEl>
+                    <p:sldTgt/>
+                  </p:tgtEl>
+                </p:cond>
+              </p:nextCondLst>
+            </p:seq>
+          </p:childTnLst>
+        </p:cTn>
+      </p:par>
+    </p:tnLst>
+  </p:timing>
+</p:sld>
+</file>
+
+<file path=ppt/slides/slide12.xml><?xml version="1.0" encoding="utf-8"?>
+<p:sld xmlns:a="http://schemas.openxmlformats.org/drawingml/2006/main" xmlns:p="http://schemas.openxmlformats.org/presentationml/2006/main" xmlns:r="http://schemas.openxmlformats.org/officeDocument/2006/relationships" xmlns:p14="http://schemas.microsoft.com/office/powerpoint/2010/main" xmlns:p15="http://schemas.microsoft.com/office/powerpoint/2012/main" xmlns:mc="http://schemas.openxmlformats.org/markup-compatibility/2006">
+  <p:cSld>
+    <p:spTree>
+      <p:nvGrpSpPr>
+        <p:cNvPr id="1" name=""/>
+        <p:cNvGrpSpPr/>
+        <p:nvPr/>
+      </p:nvGrpSpPr>
+      <p:grpSpPr>
+        <a:xfrm>
+          <a:off x="0" y="0"/>
+          <a:ext cx="0" cy="0"/>
+          <a:chOff x="0" y="0"/>
+          <a:chExt cx="0" cy="0"/>
+        </a:xfrm>
+      </p:grpSpPr>
+      <p:sp>
+        <p:nvSpPr>
+          <p:cNvPr id="263" name="CustomShape 1"/>
+          <p:cNvSpPr/>
+          <p:nvPr/>
+        </p:nvSpPr>
+        <p:spPr>
+          <a:xfrm>
+            <a:off x="359640" y="270000"/>
+            <a:ext cx="9357120" cy="673200"/>
+          </a:xfrm>
+          <a:prstGeom prst="rect">
+            <a:avLst/>
+          </a:prstGeom>
+          <a:noFill/>
+          <a:ln>
+            <a:noFill/>
+          </a:ln>
+        </p:spPr>
+        <p:style>
+          <a:lnRef idx="0"/>
+          <a:fillRef idx="0"/>
+          <a:effectRef idx="0"/>
+          <a:fontRef idx="minor"/>
+        </p:style>
+        <p:txBody>
+          <a:bodyPr lIns="0" rIns="0" tIns="0" bIns="0" anchor="b"/>
+          <a:p>
+            <a:pPr>
+              <a:lnSpc>
+                <a:spcPct val="100000"/>
+              </a:lnSpc>
+            </a:pPr>
+            <a:r>
+              <a:rPr b="1" lang="en-US" sz="3200" spc="-1" strike="noStrike">
+                <a:solidFill>
+                  <a:srgbClr val="ffffff"/>
+                </a:solidFill>
+                <a:latin typeface="Noto Sans Black"/>
+                <a:ea typeface="DejaVu Sans"/>
+              </a:rPr>
+              <a:t>Sythèse Haut Niveau (HLS)</a:t>
+            </a:r>
+            <a:endParaRPr b="0" lang="en-US" sz="3200" spc="-1" strike="noStrike">
+              <a:latin typeface="Arial"/>
+            </a:endParaRPr>
+          </a:p>
+        </p:txBody>
+      </p:sp>
+      <p:sp>
+        <p:nvSpPr>
+          <p:cNvPr id="264" name="CustomShape 2"/>
+          <p:cNvSpPr/>
+          <p:nvPr/>
+        </p:nvSpPr>
+        <p:spPr>
+          <a:xfrm>
+            <a:off x="359640" y="1485000"/>
+            <a:ext cx="9177120" cy="3508200"/>
+          </a:xfrm>
+          <a:prstGeom prst="rect">
+            <a:avLst/>
+          </a:prstGeom>
+          <a:noFill/>
+          <a:ln>
+            <a:noFill/>
+          </a:ln>
+        </p:spPr>
+        <p:style>
+          <a:lnRef idx="0"/>
+          <a:fillRef idx="0"/>
+          <a:effectRef idx="0"/>
+          <a:fontRef idx="minor"/>
+        </p:style>
+        <p:txBody>
+          <a:bodyPr lIns="0" rIns="0" tIns="0" bIns="0">
+            <a:normAutofit/>
+          </a:bodyPr>
+          <a:p>
+            <a:pPr>
+              <a:lnSpc>
+                <a:spcPct val="100000"/>
+              </a:lnSpc>
+              <a:spcAft>
+                <a:spcPts val="1140"/>
+              </a:spcAft>
+            </a:pPr>
+            <a:r>
+              <a:rPr b="1" lang="en-US" sz="1800" spc="-1" strike="noStrike">
+                <a:solidFill>
+                  <a:srgbClr val="1c1c1c"/>
+                </a:solidFill>
+                <a:latin typeface="Noto Sans SemiBold"/>
+                <a:ea typeface="DejaVu Sans"/>
+              </a:rPr>
+              <a:t>Adaptation :</a:t>
+            </a:r>
+            <a:endParaRPr b="0" lang="en-US" sz="1800" spc="-1" strike="noStrike">
+              <a:latin typeface="Arial"/>
+            </a:endParaRPr>
+          </a:p>
+          <a:p>
+            <a:pPr marL="216000" indent="-214920">
+              <a:lnSpc>
+                <a:spcPct val="100000"/>
+              </a:lnSpc>
+              <a:spcAft>
+                <a:spcPts val="1140"/>
+              </a:spcAft>
+              <a:buClr>
+                <a:srgbClr val="000000"/>
+              </a:buClr>
+              <a:buSzPct val="45000"/>
+              <a:buFont typeface="Wingdings" charset="2"/>
+              <a:buChar char=""/>
+            </a:pPr>
+            <a:r>
+              <a:rPr b="1" lang="en-US" sz="1800" spc="-1" strike="noStrike">
+                <a:solidFill>
+                  <a:srgbClr val="1c1c1c"/>
+                </a:solidFill>
+                <a:latin typeface="Noto Sans SemiBold"/>
+                <a:ea typeface="DejaVu Sans"/>
+              </a:rPr>
+              <a:t>Intégration des implémentations logicielles</a:t>
+            </a:r>
+            <a:endParaRPr b="0" lang="en-US" sz="1800" spc="-1" strike="noStrike">
+              <a:latin typeface="Arial"/>
+            </a:endParaRPr>
+          </a:p>
+          <a:p>
+            <a:pPr marL="216000" indent="-214920">
+              <a:lnSpc>
+                <a:spcPct val="100000"/>
+              </a:lnSpc>
+              <a:spcAft>
+                <a:spcPts val="1140"/>
+              </a:spcAft>
+              <a:buClr>
+                <a:srgbClr val="000000"/>
+              </a:buClr>
+              <a:buSzPct val="45000"/>
+              <a:buFont typeface="Wingdings" charset="2"/>
+              <a:buChar char=""/>
+            </a:pPr>
+            <a:r>
+              <a:rPr b="1" lang="en-US" sz="1800" spc="-1" strike="noStrike">
+                <a:solidFill>
+                  <a:srgbClr val="1c1c1c"/>
+                </a:solidFill>
+                <a:latin typeface="Noto Sans SemiBold"/>
+                <a:ea typeface="DejaVu Sans"/>
+              </a:rPr>
+              <a:t>Correction et modification des programmes</a:t>
+            </a:r>
+            <a:endParaRPr b="0" lang="en-US" sz="1800" spc="-1" strike="noStrike">
+              <a:latin typeface="Arial"/>
+            </a:endParaRPr>
+          </a:p>
+          <a:p>
+            <a:pPr marL="216000" indent="-214920">
+              <a:lnSpc>
+                <a:spcPct val="100000"/>
+              </a:lnSpc>
+              <a:spcAft>
+                <a:spcPts val="1140"/>
+              </a:spcAft>
+              <a:buClr>
+                <a:srgbClr val="000000"/>
+              </a:buClr>
+              <a:buSzPct val="45000"/>
+              <a:buFont typeface="Wingdings" charset="2"/>
+              <a:buChar char=""/>
+            </a:pPr>
+            <a:r>
+              <a:rPr b="1" lang="en-US" sz="1800" spc="-1" strike="noStrike">
+                <a:solidFill>
+                  <a:srgbClr val="1c1c1c"/>
+                </a:solidFill>
+                <a:latin typeface="Noto Sans SemiBold"/>
+                <a:ea typeface="DejaVu Sans"/>
+              </a:rPr>
+              <a:t>Exploration des limites du trans-compilateur</a:t>
+            </a:r>
+            <a:endParaRPr b="0" lang="en-US" sz="1800" spc="-1" strike="noStrike">
+              <a:latin typeface="Arial"/>
+            </a:endParaRPr>
+          </a:p>
+          <a:p>
+            <a:pPr marL="216000" indent="-214920">
+              <a:lnSpc>
+                <a:spcPct val="100000"/>
+              </a:lnSpc>
+              <a:spcAft>
+                <a:spcPts val="1140"/>
+              </a:spcAft>
+              <a:buClr>
+                <a:srgbClr val="000000"/>
+              </a:buClr>
+              <a:buSzPct val="45000"/>
+              <a:buFont typeface="Wingdings" charset="2"/>
+              <a:buChar char=""/>
+            </a:pPr>
+            <a:r>
+              <a:rPr b="1" lang="en-US" sz="1800" spc="-1" strike="noStrike">
+                <a:solidFill>
+                  <a:srgbClr val="1c1c1c"/>
+                </a:solidFill>
+                <a:latin typeface="Noto Sans SemiBold"/>
+                <a:ea typeface="DejaVu Sans"/>
+              </a:rPr>
+              <a:t>Analyse de la « qualité » du code VHDL produit</a:t>
+            </a:r>
+            <a:endParaRPr b="0" lang="en-US" sz="1800" spc="-1" strike="noStrike">
+              <a:latin typeface="Arial"/>
+            </a:endParaRPr>
+          </a:p>
+          <a:p>
+            <a:pPr marL="216000" indent="-214920">
+              <a:lnSpc>
+                <a:spcPct val="100000"/>
+              </a:lnSpc>
+              <a:spcAft>
+                <a:spcPts val="1140"/>
+              </a:spcAft>
+              <a:buClr>
+                <a:srgbClr val="000000"/>
+              </a:buClr>
+              <a:buSzPct val="45000"/>
+              <a:buFont typeface="Wingdings" charset="2"/>
+              <a:buChar char=""/>
+            </a:pPr>
+            <a:r>
+              <a:rPr b="1" lang="en-US" sz="1800" spc="-1" strike="noStrike">
+                <a:solidFill>
+                  <a:srgbClr val="1c1c1c"/>
+                </a:solidFill>
+                <a:latin typeface="Noto Sans SemiBold"/>
+                <a:ea typeface="DejaVu Sans"/>
+              </a:rPr>
+              <a:t>Évaluation des critères de synthèse : surface et fréquence sur le FPGA</a:t>
+            </a:r>
+            <a:endParaRPr b="0" lang="en-US" sz="1800" spc="-1" strike="noStrike">
+              <a:latin typeface="Arial"/>
+            </a:endParaRPr>
+          </a:p>
+        </p:txBody>
+      </p:sp>
+    </p:spTree>
+  </p:cSld>
+  <p:timing>
+    <p:tnLst>
+      <p:par>
+        <p:cTn id="23" dur="indefinite" restart="never" nodeType="tmRoot">
+          <p:childTnLst>
+            <p:seq>
+              <p:cTn id="24" dur="indefinite" nodeType="mainSeq"/>
+              <p:prevCondLst>
+                <p:cond delay="0" evt="onPrev">
+                  <p:tgtEl>
+                    <p:sldTgt/>
+                  </p:tgtEl>
+                </p:cond>
+              </p:prevCondLst>
+              <p:nextCondLst>
+                <p:cond delay="0" evt="onNext">
+                  <p:tgtEl>
+                    <p:sldTgt/>
+                  </p:tgtEl>
+                </p:cond>
+              </p:nextCondLst>
+            </p:seq>
+          </p:childTnLst>
+        </p:cTn>
+      </p:par>
+    </p:tnLst>
+  </p:timing>
+</p:sld>
+</file>
+
+<file path=ppt/slides/slide13.xml><?xml version="1.0" encoding="utf-8"?>
+<p:sld xmlns:a="http://schemas.openxmlformats.org/drawingml/2006/main" xmlns:p="http://schemas.openxmlformats.org/presentationml/2006/main" xmlns:r="http://schemas.openxmlformats.org/officeDocument/2006/relationships" xmlns:p14="http://schemas.microsoft.com/office/powerpoint/2010/main" xmlns:p15="http://schemas.microsoft.com/office/powerpoint/2012/main" xmlns:mc="http://schemas.openxmlformats.org/markup-compatibility/2006">
+  <p:cSld>
+    <p:spTree>
+      <p:nvGrpSpPr>
+        <p:cNvPr id="1" name=""/>
+        <p:cNvGrpSpPr/>
+        <p:nvPr/>
+      </p:nvGrpSpPr>
+      <p:grpSpPr>
+        <a:xfrm>
+          <a:off x="0" y="0"/>
+          <a:ext cx="0" cy="0"/>
+          <a:chOff x="0" y="0"/>
+          <a:chExt cx="0" cy="0"/>
+        </a:xfrm>
+      </p:grpSpPr>
+      <p:sp>
+        <p:nvSpPr>
+          <p:cNvPr id="265" name="CustomShape 1"/>
+          <p:cNvSpPr/>
+          <p:nvPr/>
+        </p:nvSpPr>
+        <p:spPr>
+          <a:xfrm>
+            <a:off x="359640" y="270000"/>
+            <a:ext cx="9357120" cy="673200"/>
+          </a:xfrm>
+          <a:prstGeom prst="rect">
+            <a:avLst/>
+          </a:prstGeom>
+          <a:noFill/>
+          <a:ln>
+            <a:noFill/>
+          </a:ln>
+        </p:spPr>
+        <p:style>
+          <a:lnRef idx="0"/>
+          <a:fillRef idx="0"/>
+          <a:effectRef idx="0"/>
+          <a:fontRef idx="minor"/>
+        </p:style>
+        <p:txBody>
+          <a:bodyPr lIns="0" rIns="0" tIns="0" bIns="0" anchor="b"/>
+          <a:p>
+            <a:pPr>
+              <a:lnSpc>
+                <a:spcPct val="100000"/>
+              </a:lnSpc>
+            </a:pPr>
+            <a:r>
+              <a:rPr b="1" lang="en-US" sz="3200" spc="-1" strike="noStrike">
+                <a:solidFill>
+                  <a:srgbClr val="ffffff"/>
+                </a:solidFill>
+                <a:latin typeface="Noto Sans Black"/>
+                <a:ea typeface="DejaVu Sans"/>
+              </a:rPr>
+              <a:t>Conclusion</a:t>
+            </a:r>
+            <a:endParaRPr b="0" lang="en-US" sz="3200" spc="-1" strike="noStrike">
+              <a:latin typeface="Arial"/>
+            </a:endParaRPr>
+          </a:p>
+        </p:txBody>
+      </p:sp>
+      <p:sp>
+        <p:nvSpPr>
+          <p:cNvPr id="266" name="CustomShape 2"/>
+          <p:cNvSpPr/>
+          <p:nvPr/>
+        </p:nvSpPr>
+        <p:spPr>
+          <a:xfrm>
+            <a:off x="359640" y="1782000"/>
+            <a:ext cx="9177120" cy="2617200"/>
+          </a:xfrm>
+          <a:prstGeom prst="rect">
+            <a:avLst/>
+          </a:prstGeom>
+          <a:noFill/>
+          <a:ln>
+            <a:noFill/>
+          </a:ln>
+        </p:spPr>
+        <p:style>
+          <a:lnRef idx="0"/>
+          <a:fillRef idx="0"/>
+          <a:effectRef idx="0"/>
+          <a:fontRef idx="minor"/>
+        </p:style>
+        <p:txBody>
+          <a:bodyPr lIns="0" rIns="0" tIns="0" bIns="0">
+            <a:normAutofit/>
+          </a:bodyPr>
+          <a:p>
+            <a:pPr marL="216000" indent="-213840">
+              <a:lnSpc>
+                <a:spcPct val="100000"/>
+              </a:lnSpc>
+              <a:spcAft>
+                <a:spcPts val="1140"/>
+              </a:spcAft>
+              <a:buClr>
+                <a:srgbClr val="000000"/>
+              </a:buClr>
+              <a:buSzPct val="45000"/>
+              <a:buFont typeface="Wingdings" charset="2"/>
+              <a:buChar char=""/>
+            </a:pPr>
+            <a:r>
+              <a:rPr b="1" lang="en-US" sz="2800" spc="-1" strike="noStrike">
+                <a:solidFill>
+                  <a:srgbClr val="1c1c1c"/>
+                </a:solidFill>
+                <a:latin typeface="Noto Sans SemiBold"/>
+                <a:ea typeface="DejaVu Sans"/>
+              </a:rPr>
+              <a:t>Difficultés autour des environnements</a:t>
+            </a:r>
+            <a:endParaRPr b="0" lang="en-US" sz="2800" spc="-1" strike="noStrike">
+              <a:latin typeface="Arial"/>
+            </a:endParaRPr>
+          </a:p>
+          <a:p>
+            <a:pPr marL="216000" indent="-213840">
+              <a:lnSpc>
+                <a:spcPct val="100000"/>
+              </a:lnSpc>
+              <a:spcAft>
+                <a:spcPts val="1140"/>
+              </a:spcAft>
+              <a:buClr>
+                <a:srgbClr val="000000"/>
+              </a:buClr>
+              <a:buSzPct val="45000"/>
+              <a:buFont typeface="Wingdings" charset="2"/>
+              <a:buChar char=""/>
+            </a:pPr>
+            <a:r>
+              <a:rPr b="1" lang="en-US" sz="2800" spc="-1" strike="noStrike">
+                <a:solidFill>
+                  <a:srgbClr val="1c1c1c"/>
+                </a:solidFill>
+                <a:latin typeface="Noto Sans SemiBold"/>
+                <a:ea typeface="DejaVu Sans"/>
+              </a:rPr>
+              <a:t>Efforts pour un concept fonctionnel</a:t>
+            </a:r>
+            <a:endParaRPr b="0" lang="en-US" sz="2800" spc="-1" strike="noStrike">
+              <a:latin typeface="Arial"/>
+            </a:endParaRPr>
+          </a:p>
+          <a:p>
+            <a:pPr marL="216000" indent="-213840">
+              <a:lnSpc>
+                <a:spcPct val="100000"/>
+              </a:lnSpc>
+              <a:spcAft>
+                <a:spcPts val="1140"/>
+              </a:spcAft>
+              <a:buClr>
+                <a:srgbClr val="000000"/>
+              </a:buClr>
+              <a:buSzPct val="45000"/>
+              <a:buFont typeface="Wingdings" charset="2"/>
+              <a:buChar char=""/>
+            </a:pPr>
+            <a:r>
+              <a:rPr b="1" lang="en-US" sz="2800" spc="-1" strike="noStrike">
+                <a:solidFill>
+                  <a:srgbClr val="1c1c1c"/>
+                </a:solidFill>
+                <a:latin typeface="Noto Sans SemiBold"/>
+                <a:ea typeface="DejaVu Sans"/>
+              </a:rPr>
+              <a:t>Processus de développement en pipeline</a:t>
+            </a:r>
+            <a:endParaRPr b="0" lang="en-US" sz="2800" spc="-1" strike="noStrike">
+              <a:latin typeface="Arial"/>
+            </a:endParaRPr>
+          </a:p>
+          <a:p>
+            <a:pPr marL="216000" indent="-213840">
+              <a:lnSpc>
+                <a:spcPct val="100000"/>
+              </a:lnSpc>
+              <a:spcAft>
+                <a:spcPts val="1140"/>
+              </a:spcAft>
+              <a:buClr>
+                <a:srgbClr val="000000"/>
+              </a:buClr>
+              <a:buSzPct val="45000"/>
+              <a:buFont typeface="Wingdings" charset="2"/>
+              <a:buChar char=""/>
+            </a:pPr>
+            <a:r>
+              <a:rPr b="1" lang="en-US" sz="2800" spc="-1" strike="noStrike">
+                <a:solidFill>
+                  <a:srgbClr val="1c1c1c"/>
+                </a:solidFill>
+                <a:latin typeface="Noto Sans SemiBold"/>
+                <a:ea typeface="DejaVu Sans"/>
+              </a:rPr>
+              <a:t>Parallélisation des travaux</a:t>
+            </a:r>
+            <a:endParaRPr b="0" lang="en-US" sz="2800" spc="-1" strike="noStrike">
+              <a:latin typeface="Arial"/>
+            </a:endParaRPr>
+          </a:p>
+          <a:p>
+            <a:pPr marL="216000" indent="-213840">
+              <a:lnSpc>
+                <a:spcPct val="100000"/>
+              </a:lnSpc>
+              <a:spcAft>
+                <a:spcPts val="1140"/>
+              </a:spcAft>
+              <a:buClr>
+                <a:srgbClr val="000000"/>
+              </a:buClr>
+              <a:buSzPct val="45000"/>
+              <a:buFont typeface="Wingdings" charset="2"/>
+              <a:buChar char=""/>
+            </a:pPr>
+            <a:r>
+              <a:rPr b="1" lang="en-US" sz="2800" spc="-1" strike="noStrike">
+                <a:solidFill>
+                  <a:srgbClr val="1c1c1c"/>
+                </a:solidFill>
+                <a:latin typeface="Noto Sans SemiBold"/>
+                <a:ea typeface="DejaVu Sans"/>
+              </a:rPr>
+              <a:t>Solutions non évidentes</a:t>
+            </a:r>
+            <a:endParaRPr b="0" lang="en-US" sz="2800" spc="-1" strike="noStrike">
+              <a:latin typeface="Arial"/>
+            </a:endParaRPr>
+          </a:p>
+          <a:p>
+            <a:pPr marL="216000" indent="-213840">
+              <a:lnSpc>
+                <a:spcPct val="100000"/>
+              </a:lnSpc>
+              <a:spcAft>
+                <a:spcPts val="1140"/>
+              </a:spcAft>
+              <a:buClr>
+                <a:srgbClr val="000000"/>
+              </a:buClr>
+              <a:buSzPct val="45000"/>
+              <a:buFont typeface="Wingdings" charset="2"/>
+              <a:buChar char=""/>
+            </a:pPr>
+            <a:r>
+              <a:rPr b="1" lang="en-US" sz="2800" spc="-1" strike="noStrike">
+                <a:solidFill>
+                  <a:srgbClr val="1c1c1c"/>
+                </a:solidFill>
+                <a:latin typeface="Noto Sans SemiBold"/>
+                <a:ea typeface="DejaVu Sans"/>
+              </a:rPr>
+              <a:t>Projet en direction non précise</a:t>
+            </a:r>
+            <a:endParaRPr b="0" lang="en-US" sz="2800" spc="-1" strike="noStrike">
+              <a:latin typeface="Arial"/>
+            </a:endParaRPr>
+          </a:p>
+        </p:txBody>
+      </p:sp>
+    </p:spTree>
+  </p:cSld>
+  <p:timing>
+    <p:tnLst>
+      <p:par>
+        <p:cTn id="25" dur="indefinite" restart="never" nodeType="tmRoot">
+          <p:childTnLst>
+            <p:seq>
+              <p:cTn id="26" dur="indefinite" nodeType="mainSeq"/>
               <p:prevCondLst>
                 <p:cond delay="0" evt="onPrev">
                   <p:tgtEl>
@@ -7364,14 +10382,14 @@
       </p:grpSpPr>
       <p:sp>
         <p:nvSpPr>
-          <p:cNvPr id="172" name="CustomShape 1"/>
+          <p:cNvPr id="214" name="CustomShape 1"/>
           <p:cNvSpPr/>
           <p:nvPr/>
         </p:nvSpPr>
         <p:spPr>
           <a:xfrm>
             <a:off x="359640" y="270000"/>
-            <a:ext cx="9357480" cy="673560"/>
+            <a:ext cx="9357840" cy="673920"/>
           </a:xfrm>
           <a:prstGeom prst="rect">
             <a:avLst/>
@@ -7403,17 +10421,7 @@
                 <a:latin typeface="Noto Sans Black"/>
                 <a:ea typeface="DejaVu Sans"/>
               </a:rPr>
-              <a:t>TEAM</a:t>
-            </a:r>
-            <a:r>
-              <a:rPr b="1" lang="en-US" sz="3200" spc="-1" strike="noStrike">
-                <a:solidFill>
-                  <a:srgbClr val="ffffff"/>
-                </a:solidFill>
-                <a:latin typeface="Noto Sans Black"/>
-                <a:ea typeface="DejaVu Sans"/>
-              </a:rPr>
-              <a:t> </a:t>
+              <a:t>Our approach and algorithms chosen</a:t>
             </a:r>
             <a:endParaRPr b="0" lang="en-US" sz="3200" spc="-1" strike="noStrike">
               <a:latin typeface="Arial"/>
@@ -7423,14 +10431,14 @@
       </p:sp>
       <p:sp>
         <p:nvSpPr>
-          <p:cNvPr id="173" name="CustomShape 2"/>
+          <p:cNvPr id="215" name="CustomShape 2"/>
           <p:cNvSpPr/>
           <p:nvPr/>
         </p:nvSpPr>
         <p:spPr>
           <a:xfrm>
-            <a:off x="359640" y="1485000"/>
-            <a:ext cx="9177480" cy="3508560"/>
+            <a:off x="359280" y="1099800"/>
+            <a:ext cx="9177840" cy="4042080"/>
           </a:xfrm>
           <a:prstGeom prst="rect">
             <a:avLst/>
@@ -7451,205 +10459,408 @@
             <a:normAutofit/>
           </a:bodyPr>
           <a:p>
-            <a:pPr marL="216000" indent="-214200">
+            <a:pPr>
               <a:lnSpc>
                 <a:spcPct val="100000"/>
               </a:lnSpc>
               <a:spcAft>
                 <a:spcPts val="1140"/>
               </a:spcAft>
-              <a:buClr>
-                <a:srgbClr val="000000"/>
-              </a:buClr>
-              <a:buSzPct val="45000"/>
-              <a:buFont typeface="Wingdings" charset="2"/>
-              <a:buChar char=""/>
             </a:pPr>
-            <a:r>
-              <a:rPr b="1" lang="en-US" sz="2600" spc="-1" strike="noStrike">
-                <a:solidFill>
-                  <a:srgbClr val="1c1c1c"/>
-                </a:solidFill>
-                <a:latin typeface="Noto Sans"/>
-                <a:ea typeface="DejaVu Sans"/>
-              </a:rPr>
-              <a:t>Software:</a:t>
-            </a:r>
-            <a:endParaRPr b="0" lang="en-US" sz="2600" spc="-1" strike="noStrike">
-              <a:latin typeface="Arial"/>
-            </a:endParaRPr>
-          </a:p>
-          <a:p>
-            <a:pPr lvl="2" marL="648000" indent="-214920">
-              <a:lnSpc>
-                <a:spcPct val="100000"/>
-              </a:lnSpc>
-              <a:spcAft>
-                <a:spcPts val="1134"/>
-              </a:spcAft>
-              <a:buClr>
-                <a:srgbClr val="000000"/>
-              </a:buClr>
-              <a:buSzPct val="45000"/>
-              <a:buFont typeface="Wingdings" charset="2"/>
-              <a:buChar char=""/>
-            </a:pPr>
-            <a:r>
-              <a:rPr b="0" lang="en-US" sz="2200" spc="-1" strike="noStrike">
-                <a:solidFill>
-                  <a:srgbClr val="1c1c1c"/>
-                </a:solidFill>
-                <a:latin typeface="Noto Sans"/>
-                <a:ea typeface="DejaVu Sans"/>
-              </a:rPr>
-              <a:t>DOU Yuhan</a:t>
-            </a:r>
-            <a:endParaRPr b="0" lang="en-US" sz="2200" spc="-1" strike="noStrike">
-              <a:latin typeface="Arial"/>
-            </a:endParaRPr>
-          </a:p>
-          <a:p>
-            <a:pPr lvl="2" marL="648000" indent="-214920">
-              <a:lnSpc>
-                <a:spcPct val="100000"/>
-              </a:lnSpc>
-              <a:spcAft>
-                <a:spcPts val="1134"/>
-              </a:spcAft>
-              <a:buClr>
-                <a:srgbClr val="000000"/>
-              </a:buClr>
-              <a:buSzPct val="45000"/>
-              <a:buFont typeface="Wingdings" charset="2"/>
-              <a:buChar char=""/>
-            </a:pPr>
-            <a:r>
-              <a:rPr b="0" lang="en-US" sz="2200" spc="-1" strike="noStrike">
-                <a:solidFill>
-                  <a:srgbClr val="1c1c1c"/>
-                </a:solidFill>
-                <a:latin typeface="Noto Sans"/>
-                <a:ea typeface="DejaVu Sans"/>
-              </a:rPr>
-              <a:t>TERRACHER Audrey</a:t>
-            </a:r>
-            <a:endParaRPr b="0" lang="en-US" sz="2200" spc="-1" strike="noStrike">
-              <a:latin typeface="Arial"/>
-            </a:endParaRPr>
-          </a:p>
-          <a:p>
-            <a:pPr marL="216000" indent="-214200">
+            <a:endParaRPr b="0" lang="en-US" sz="1800" spc="-1" strike="noStrike">
+              <a:latin typeface="Arial"/>
+            </a:endParaRPr>
+          </a:p>
+          <a:p>
+            <a:pPr>
               <a:lnSpc>
                 <a:spcPct val="100000"/>
               </a:lnSpc>
               <a:spcAft>
                 <a:spcPts val="1140"/>
               </a:spcAft>
-              <a:buClr>
-                <a:srgbClr val="000000"/>
-              </a:buClr>
-              <a:buSzPct val="45000"/>
-              <a:buFont typeface="Wingdings" charset="2"/>
-              <a:buChar char=""/>
             </a:pPr>
             <a:r>
               <a:rPr b="1" lang="en-US" sz="2600" spc="-1" strike="noStrike">
                 <a:solidFill>
                   <a:srgbClr val="1c1c1c"/>
                 </a:solidFill>
-                <a:latin typeface="Noto Sans"/>
-                <a:ea typeface="DejaVu Sans"/>
-              </a:rPr>
-              <a:t>Hardware:</a:t>
-            </a:r>
-            <a:endParaRPr b="0" lang="en-US" sz="2600" spc="-1" strike="noStrike">
-              <a:latin typeface="Arial"/>
-            </a:endParaRPr>
-          </a:p>
-          <a:p>
-            <a:pPr lvl="2" marL="648000" indent="-214920">
+                <a:latin typeface="Noto Sans SemiBold"/>
+                <a:ea typeface="宋体"/>
+              </a:rPr>
+              <a:t>  </a:t>
+            </a:r>
+            <a:r>
+              <a:rPr b="1" lang="en-US" sz="1800" spc="-1" strike="noStrike">
+                <a:solidFill>
+                  <a:srgbClr val="1c1c1c"/>
+                </a:solidFill>
+                <a:latin typeface="Noto Sans SemiBold"/>
+                <a:ea typeface="宋体"/>
+              </a:rPr>
+              <a:t> </a:t>
+            </a:r>
+            <a:endParaRPr b="0" lang="en-US" sz="1800" spc="-1" strike="noStrike">
+              <a:latin typeface="Arial"/>
+            </a:endParaRPr>
+          </a:p>
+        </p:txBody>
+      </p:sp>
+      <p:pic>
+        <p:nvPicPr>
+          <p:cNvPr id="216" name="Image 4" descr=""/>
+          <p:cNvPicPr/>
+          <p:nvPr/>
+        </p:nvPicPr>
+        <p:blipFill>
+          <a:blip r:embed="rId1"/>
+          <a:stretch/>
+        </p:blipFill>
+        <p:spPr>
+          <a:xfrm>
+            <a:off x="254880" y="1263960"/>
+            <a:ext cx="2742840" cy="1394280"/>
+          </a:xfrm>
+          <a:prstGeom prst="rect">
+            <a:avLst/>
+          </a:prstGeom>
+          <a:ln>
+            <a:noFill/>
+          </a:ln>
+        </p:spPr>
+      </p:pic>
+      <p:pic>
+        <p:nvPicPr>
+          <p:cNvPr id="217" name="Image 6" descr=""/>
+          <p:cNvPicPr/>
+          <p:nvPr/>
+        </p:nvPicPr>
+        <p:blipFill>
+          <a:blip r:embed="rId2"/>
+          <a:stretch/>
+        </p:blipFill>
+        <p:spPr>
+          <a:xfrm>
+            <a:off x="3658320" y="1386000"/>
+            <a:ext cx="3616920" cy="1137600"/>
+          </a:xfrm>
+          <a:prstGeom prst="rect">
+            <a:avLst/>
+          </a:prstGeom>
+          <a:ln>
+            <a:noFill/>
+          </a:ln>
+        </p:spPr>
+      </p:pic>
+      <p:pic>
+        <p:nvPicPr>
+          <p:cNvPr id="218" name="Image 8" descr=""/>
+          <p:cNvPicPr/>
+          <p:nvPr/>
+        </p:nvPicPr>
+        <p:blipFill>
+          <a:blip r:embed="rId3"/>
+          <a:stretch/>
+        </p:blipFill>
+        <p:spPr>
+          <a:xfrm>
+            <a:off x="357840" y="3531960"/>
+            <a:ext cx="2742840" cy="948600"/>
+          </a:xfrm>
+          <a:prstGeom prst="rect">
+            <a:avLst/>
+          </a:prstGeom>
+          <a:ln>
+            <a:noFill/>
+          </a:ln>
+        </p:spPr>
+      </p:pic>
+      <p:sp>
+        <p:nvSpPr>
+          <p:cNvPr id="219" name="CustomShape 3"/>
+          <p:cNvSpPr/>
+          <p:nvPr/>
+        </p:nvSpPr>
+        <p:spPr>
+          <a:xfrm>
+            <a:off x="1218240" y="4620960"/>
+            <a:ext cx="2742840" cy="335160"/>
+          </a:xfrm>
+          <a:prstGeom prst="rect">
+            <a:avLst/>
+          </a:prstGeom>
+          <a:noFill/>
+          <a:ln>
+            <a:noFill/>
+          </a:ln>
+        </p:spPr>
+        <p:style>
+          <a:lnRef idx="0"/>
+          <a:fillRef idx="0"/>
+          <a:effectRef idx="0"/>
+          <a:fontRef idx="minor"/>
+        </p:style>
+        <p:txBody>
+          <a:bodyPr/>
+          <a:p>
+            <a:pPr>
               <a:lnSpc>
                 <a:spcPct val="100000"/>
               </a:lnSpc>
-              <a:spcAft>
-                <a:spcPts val="1134"/>
-              </a:spcAft>
-              <a:buClr>
-                <a:srgbClr val="000000"/>
-              </a:buClr>
-              <a:buSzPct val="45000"/>
-              <a:buFont typeface="Wingdings" charset="2"/>
-              <a:buChar char=""/>
             </a:pPr>
             <a:r>
-              <a:rPr b="0" lang="en-US" sz="2200" spc="-1" strike="noStrike">
+              <a:rPr b="1" lang="en-US" sz="1600" spc="-1" strike="noStrike">
                 <a:solidFill>
                   <a:srgbClr val="1c1c1c"/>
                 </a:solidFill>
-                <a:latin typeface="Noto Sans"/>
+                <a:latin typeface="Noto Sans SemiBold"/>
                 <a:ea typeface="DejaVu Sans"/>
               </a:rPr>
-              <a:t>FORCIOLI QUENTIN</a:t>
-            </a:r>
-            <a:endParaRPr b="0" lang="en-US" sz="2200" spc="-1" strike="noStrike">
-              <a:latin typeface="Arial"/>
-            </a:endParaRPr>
-          </a:p>
-          <a:p>
-            <a:pPr marL="216000" indent="-214200">
+              <a:t>BMM</a:t>
+            </a:r>
+            <a:endParaRPr b="0" lang="en-US" sz="1600" spc="-1" strike="noStrike">
+              <a:latin typeface="Arial"/>
+            </a:endParaRPr>
+          </a:p>
+        </p:txBody>
+      </p:sp>
+      <p:pic>
+        <p:nvPicPr>
+          <p:cNvPr id="220" name="Image 11" descr=""/>
+          <p:cNvPicPr/>
+          <p:nvPr/>
+        </p:nvPicPr>
+        <p:blipFill>
+          <a:blip r:embed="rId4"/>
+          <a:stretch/>
+        </p:blipFill>
+        <p:spPr>
+          <a:xfrm>
+            <a:off x="3856320" y="3161880"/>
+            <a:ext cx="1915200" cy="1460160"/>
+          </a:xfrm>
+          <a:prstGeom prst="rect">
+            <a:avLst/>
+          </a:prstGeom>
+          <a:ln>
+            <a:noFill/>
+          </a:ln>
+        </p:spPr>
+      </p:pic>
+      <p:sp>
+        <p:nvSpPr>
+          <p:cNvPr id="221" name="CustomShape 4"/>
+          <p:cNvSpPr/>
+          <p:nvPr/>
+        </p:nvSpPr>
+        <p:spPr>
+          <a:xfrm>
+            <a:off x="4155120" y="4655160"/>
+            <a:ext cx="2742840" cy="335160"/>
+          </a:xfrm>
+          <a:prstGeom prst="rect">
+            <a:avLst/>
+          </a:prstGeom>
+          <a:noFill/>
+          <a:ln>
+            <a:noFill/>
+          </a:ln>
+        </p:spPr>
+        <p:style>
+          <a:lnRef idx="0"/>
+          <a:fillRef idx="0"/>
+          <a:effectRef idx="0"/>
+          <a:fontRef idx="minor"/>
+        </p:style>
+        <p:txBody>
+          <a:bodyPr/>
+          <a:p>
+            <a:pPr>
               <a:lnSpc>
                 <a:spcPct val="100000"/>
               </a:lnSpc>
-              <a:spcAft>
-                <a:spcPts val="1140"/>
-              </a:spcAft>
-              <a:buClr>
-                <a:srgbClr val="000000"/>
-              </a:buClr>
-              <a:buSzPct val="45000"/>
-              <a:buFont typeface="Wingdings" charset="2"/>
-              <a:buChar char=""/>
             </a:pPr>
             <a:r>
-              <a:rPr b="1" lang="en-US" sz="2600" spc="-1" strike="noStrike">
+              <a:rPr b="1" lang="en-US" sz="1600" spc="-1" strike="noStrike">
                 <a:solidFill>
                   <a:srgbClr val="1c1c1c"/>
                 </a:solidFill>
-                <a:latin typeface="Noto Sans"/>
+                <a:latin typeface="Noto Sans SemiBold"/>
                 <a:ea typeface="DejaVu Sans"/>
               </a:rPr>
-              <a:t>HLS and lead :</a:t>
-            </a:r>
-            <a:endParaRPr b="0" lang="en-US" sz="2600" spc="-1" strike="noStrike">
-              <a:latin typeface="Arial"/>
-            </a:endParaRPr>
-          </a:p>
-          <a:p>
-            <a:pPr lvl="2" marL="648000" indent="-214920">
+              <a:t>Pi Estimator</a:t>
+            </a:r>
+            <a:endParaRPr b="0" lang="en-US" sz="1600" spc="-1" strike="noStrike">
+              <a:latin typeface="Arial"/>
+            </a:endParaRPr>
+          </a:p>
+        </p:txBody>
+      </p:sp>
+      <p:sp>
+        <p:nvSpPr>
+          <p:cNvPr id="222" name="CustomShape 5"/>
+          <p:cNvSpPr/>
+          <p:nvPr/>
+        </p:nvSpPr>
+        <p:spPr>
+          <a:xfrm>
+            <a:off x="1064160" y="2777400"/>
+            <a:ext cx="2742840" cy="335160"/>
+          </a:xfrm>
+          <a:prstGeom prst="rect">
+            <a:avLst/>
+          </a:prstGeom>
+          <a:noFill/>
+          <a:ln>
+            <a:noFill/>
+          </a:ln>
+        </p:spPr>
+        <p:style>
+          <a:lnRef idx="0"/>
+          <a:fillRef idx="0"/>
+          <a:effectRef idx="0"/>
+          <a:fontRef idx="minor"/>
+        </p:style>
+        <p:txBody>
+          <a:bodyPr/>
+          <a:p>
+            <a:pPr>
               <a:lnSpc>
                 <a:spcPct val="100000"/>
               </a:lnSpc>
-              <a:spcAft>
-                <a:spcPts val="1134"/>
-              </a:spcAft>
-              <a:buClr>
-                <a:srgbClr val="000000"/>
-              </a:buClr>
-              <a:buSzPct val="45000"/>
-              <a:buFont typeface="Wingdings" charset="2"/>
-              <a:buChar char=""/>
             </a:pPr>
             <a:r>
-              <a:rPr b="0" lang="en-US" sz="2200" spc="-1" strike="noStrike">
+              <a:rPr b="1" lang="en-US" sz="1600" spc="-1" strike="noStrike">
                 <a:solidFill>
                   <a:srgbClr val="1c1c1c"/>
                 </a:solidFill>
-                <a:latin typeface="Noto Sans"/>
+                <a:latin typeface="Noto Sans SemiBold"/>
                 <a:ea typeface="DejaVu Sans"/>
               </a:rPr>
-              <a:t>GHAOUI Mohamed Anis</a:t>
-            </a:r>
-            <a:endParaRPr b="0" lang="en-US" sz="2200" spc="-1" strike="noStrike">
+              <a:t>K-Means</a:t>
+            </a:r>
+            <a:endParaRPr b="0" lang="en-US" sz="1600" spc="-1" strike="noStrike">
+              <a:latin typeface="Arial"/>
+            </a:endParaRPr>
+          </a:p>
+        </p:txBody>
+      </p:sp>
+      <p:sp>
+        <p:nvSpPr>
+          <p:cNvPr id="223" name="CustomShape 6"/>
+          <p:cNvSpPr/>
+          <p:nvPr/>
+        </p:nvSpPr>
+        <p:spPr>
+          <a:xfrm>
+            <a:off x="5033880" y="2777400"/>
+            <a:ext cx="2742840" cy="335160"/>
+          </a:xfrm>
+          <a:prstGeom prst="rect">
+            <a:avLst/>
+          </a:prstGeom>
+          <a:noFill/>
+          <a:ln>
+            <a:noFill/>
+          </a:ln>
+        </p:spPr>
+        <p:style>
+          <a:lnRef idx="0"/>
+          <a:fillRef idx="0"/>
+          <a:effectRef idx="0"/>
+          <a:fontRef idx="minor"/>
+        </p:style>
+        <p:txBody>
+          <a:bodyPr/>
+          <a:p>
+            <a:pPr>
+              <a:lnSpc>
+                <a:spcPct val="100000"/>
+              </a:lnSpc>
+            </a:pPr>
+            <a:r>
+              <a:rPr b="1" lang="en-US" sz="1600" spc="-1" strike="noStrike">
+                <a:solidFill>
+                  <a:srgbClr val="1c1c1c"/>
+                </a:solidFill>
+                <a:latin typeface="Noto Sans SemiBold"/>
+                <a:ea typeface="DejaVu Sans"/>
+              </a:rPr>
+              <a:t>PCA/SVD</a:t>
+            </a:r>
+            <a:endParaRPr b="0" lang="en-US" sz="1600" spc="-1" strike="noStrike">
+              <a:latin typeface="Arial"/>
+            </a:endParaRPr>
+          </a:p>
+        </p:txBody>
+      </p:sp>
+      <p:pic>
+        <p:nvPicPr>
+          <p:cNvPr id="224" name="Image 13" descr=""/>
+          <p:cNvPicPr/>
+          <p:nvPr/>
+        </p:nvPicPr>
+        <p:blipFill>
+          <a:blip r:embed="rId5"/>
+          <a:stretch/>
+        </p:blipFill>
+        <p:spPr>
+          <a:xfrm>
+            <a:off x="6452280" y="2956680"/>
+            <a:ext cx="2742840" cy="1515240"/>
+          </a:xfrm>
+          <a:prstGeom prst="rect">
+            <a:avLst/>
+          </a:prstGeom>
+          <a:ln>
+            <a:noFill/>
+          </a:ln>
+        </p:spPr>
+      </p:pic>
+      <p:sp>
+        <p:nvSpPr>
+          <p:cNvPr id="225" name="CustomShape 7"/>
+          <p:cNvSpPr/>
+          <p:nvPr/>
+        </p:nvSpPr>
+        <p:spPr>
+          <a:xfrm>
+            <a:off x="6894360" y="4620960"/>
+            <a:ext cx="2742840" cy="335160"/>
+          </a:xfrm>
+          <a:prstGeom prst="rect">
+            <a:avLst/>
+          </a:prstGeom>
+          <a:noFill/>
+          <a:ln>
+            <a:noFill/>
+          </a:ln>
+        </p:spPr>
+        <p:style>
+          <a:lnRef idx="0"/>
+          <a:fillRef idx="0"/>
+          <a:effectRef idx="0"/>
+          <a:fontRef idx="minor"/>
+        </p:style>
+        <p:txBody>
+          <a:bodyPr/>
+          <a:p>
+            <a:pPr>
+              <a:lnSpc>
+                <a:spcPct val="100000"/>
+              </a:lnSpc>
+            </a:pPr>
+            <a:r>
+              <a:rPr b="1" lang="en-US" sz="1600" spc="-1" strike="noStrike">
+                <a:solidFill>
+                  <a:srgbClr val="1c1c1c"/>
+                </a:solidFill>
+                <a:latin typeface="Noto Sans SemiBold"/>
+                <a:ea typeface="DejaVu Sans"/>
+              </a:rPr>
+              <a:t>Pearson correlation</a:t>
+            </a:r>
+            <a:endParaRPr b="0" lang="en-US" sz="1600" spc="-1" strike="noStrike">
               <a:latin typeface="Arial"/>
             </a:endParaRPr>
           </a:p>
@@ -7704,16 +10915,39 @@
           <a:chExt cx="0" cy="0"/>
         </a:xfrm>
       </p:grpSpPr>
-      <p:sp>
-        <p:nvSpPr>
-          <p:cNvPr id="174" name="CustomShape 1"/>
+      <p:pic>
+        <p:nvPicPr>
+          <p:cNvPr id="226" name="图片 1" descr=""/>
+          <p:cNvPicPr/>
+          <p:nvPr/>
+        </p:nvPicPr>
+        <p:blipFill>
+          <a:blip r:embed="rId1"/>
+          <a:stretch/>
+        </p:blipFill>
+        <p:spPr>
+          <a:xfrm>
+            <a:off x="359280" y="1153800"/>
+            <a:ext cx="5843520" cy="2638800"/>
+          </a:xfrm>
+          <a:prstGeom prst="rect">
+            <a:avLst/>
+          </a:prstGeom>
+          <a:ln>
+            <a:noFill/>
+          </a:ln>
+        </p:spPr>
+      </p:pic>
+      <p:sp>
+        <p:nvSpPr>
+          <p:cNvPr id="227" name="CustomShape 1"/>
           <p:cNvSpPr/>
           <p:nvPr/>
         </p:nvSpPr>
         <p:spPr>
           <a:xfrm>
             <a:off x="359640" y="270000"/>
-            <a:ext cx="9357480" cy="673560"/>
+            <a:ext cx="9357840" cy="673920"/>
           </a:xfrm>
           <a:prstGeom prst="rect">
             <a:avLst/>
@@ -7745,7 +10979,7 @@
                 <a:latin typeface="Noto Sans Black"/>
                 <a:ea typeface="DejaVu Sans"/>
               </a:rPr>
-              <a:t>Software</a:t>
+              <a:t>Software – ARM Implementation</a:t>
             </a:r>
             <a:endParaRPr b="0" lang="en-US" sz="3200" spc="-1" strike="noStrike">
               <a:latin typeface="Arial"/>
@@ -7755,14 +10989,14 @@
       </p:sp>
       <p:sp>
         <p:nvSpPr>
-          <p:cNvPr id="175" name="CustomShape 2"/>
+          <p:cNvPr id="228" name="CustomShape 2"/>
           <p:cNvSpPr/>
           <p:nvPr/>
         </p:nvSpPr>
         <p:spPr>
           <a:xfrm>
-            <a:off x="359640" y="1485000"/>
-            <a:ext cx="9177480" cy="3508560"/>
+            <a:off x="359280" y="1099800"/>
+            <a:ext cx="9177840" cy="4042080"/>
           </a:xfrm>
           <a:prstGeom prst="rect">
             <a:avLst/>
@@ -7792,16 +11026,16 @@
               </a:spcAft>
             </a:pPr>
             <a:r>
-              <a:rPr b="1" lang="en-US" sz="2600" spc="-1" strike="noStrike">
+              <a:rPr b="1" lang="en-US" sz="1600" spc="-1" strike="noStrike">
                 <a:solidFill>
                   <a:srgbClr val="1c1c1c"/>
                 </a:solidFill>
                 <a:latin typeface="Noto Sans SemiBold"/>
                 <a:ea typeface="DejaVu Sans"/>
               </a:rPr>
-              <a:t>Algorithme 1 : K-means </a:t>
-            </a:r>
-            <a:endParaRPr b="0" lang="en-US" sz="2600" spc="-1" strike="noStrike">
+              <a:t>Blocks design</a:t>
+            </a:r>
+            <a:endParaRPr b="0" lang="en-US" sz="1600" spc="-1" strike="noStrike">
               <a:latin typeface="Arial"/>
             </a:endParaRPr>
           </a:p>
@@ -7814,37 +11048,7 @@
                 <a:spcPts val="1140"/>
               </a:spcAft>
             </a:pPr>
-            <a:r>
-              <a:rPr b="1" lang="en-US" sz="1800" spc="-1" strike="noStrike">
-                <a:solidFill>
-                  <a:srgbClr val="1c1c1c"/>
-                </a:solidFill>
-                <a:latin typeface="Noto Sans SemiBold"/>
-                <a:ea typeface="宋体"/>
-              </a:rPr>
-              <a:t>①</a:t>
-            </a:r>
-            <a:r>
-              <a:rPr b="1" lang="en-US" sz="1800" spc="-1" strike="noStrike">
-                <a:solidFill>
-                  <a:srgbClr val="0000ff"/>
-                </a:solidFill>
-                <a:latin typeface="Noto Sans SemiBold"/>
-                <a:ea typeface="宋体"/>
-              </a:rPr>
-              <a:t>Initialisation</a:t>
-            </a:r>
-            <a:r>
-              <a:rPr b="1" lang="en-US" sz="1800" spc="-1" strike="noStrike">
-                <a:solidFill>
-                  <a:srgbClr val="1c1c1c"/>
-                </a:solidFill>
-                <a:latin typeface="Noto Sans SemiBold"/>
-                <a:ea typeface="宋体"/>
-              </a:rPr>
-              <a:t> : choisir à priori K centres de clusters par “rand()” </a:t>
-            </a:r>
-            <a:endParaRPr b="0" lang="en-US" sz="1800" spc="-1" strike="noStrike">
+            <a:endParaRPr b="0" lang="en-US" sz="1600" spc="-1" strike="noStrike">
               <a:latin typeface="Arial"/>
             </a:endParaRPr>
           </a:p>
@@ -7857,37 +11061,7 @@
                 <a:spcPts val="1140"/>
               </a:spcAft>
             </a:pPr>
-            <a:r>
-              <a:rPr b="1" lang="en-US" sz="1800" spc="-1" strike="noStrike">
-                <a:solidFill>
-                  <a:srgbClr val="1c1c1c"/>
-                </a:solidFill>
-                <a:latin typeface="Noto Sans SemiBold"/>
-                <a:ea typeface="宋体"/>
-              </a:rPr>
-              <a:t>②</a:t>
-            </a:r>
-            <a:r>
-              <a:rPr b="1" lang="en-US" sz="1800" spc="-1" strike="noStrike">
-                <a:solidFill>
-                  <a:srgbClr val="0000ff"/>
-                </a:solidFill>
-                <a:latin typeface="Noto Sans SemiBold"/>
-                <a:ea typeface="宋体"/>
-              </a:rPr>
-              <a:t>Assigner</a:t>
-            </a:r>
-            <a:r>
-              <a:rPr b="1" lang="en-US" sz="1800" spc="-1" strike="noStrike">
-                <a:solidFill>
-                  <a:srgbClr val="1c1c1c"/>
-                </a:solidFill>
-                <a:latin typeface="Noto Sans SemiBold"/>
-                <a:ea typeface="宋体"/>
-              </a:rPr>
-              <a:t> chaque données au cluster le plus proche (selon distance Euclidienne)</a:t>
-            </a:r>
-            <a:endParaRPr b="0" lang="en-US" sz="1800" spc="-1" strike="noStrike">
+            <a:endParaRPr b="0" lang="en-US" sz="1600" spc="-1" strike="noStrike">
               <a:latin typeface="Arial"/>
             </a:endParaRPr>
           </a:p>
@@ -7900,37 +11074,7 @@
                 <a:spcPts val="1140"/>
               </a:spcAft>
             </a:pPr>
-            <a:r>
-              <a:rPr b="1" lang="en-US" sz="1800" spc="-1" strike="noStrike">
-                <a:solidFill>
-                  <a:srgbClr val="1c1c1c"/>
-                </a:solidFill>
-                <a:latin typeface="Noto Sans SemiBold"/>
-                <a:ea typeface="宋体"/>
-              </a:rPr>
-              <a:t>③</a:t>
-            </a:r>
-            <a:r>
-              <a:rPr b="1" lang="en-US" sz="1800" spc="-1" strike="noStrike">
-                <a:solidFill>
-                  <a:srgbClr val="0000ff"/>
-                </a:solidFill>
-                <a:latin typeface="Noto Sans SemiBold"/>
-                <a:ea typeface="宋体"/>
-              </a:rPr>
-              <a:t>Mise à jour les centres</a:t>
-            </a:r>
-            <a:r>
-              <a:rPr b="1" lang="en-US" sz="1800" spc="-1" strike="noStrike">
-                <a:solidFill>
-                  <a:srgbClr val="1c1c1c"/>
-                </a:solidFill>
-                <a:latin typeface="Noto Sans SemiBold"/>
-                <a:ea typeface="宋体"/>
-              </a:rPr>
-              <a:t> : nouveau centre  </a:t>
-            </a:r>
-            <a:endParaRPr b="0" lang="en-US" sz="1800" spc="-1" strike="noStrike">
+            <a:endParaRPr b="0" lang="en-US" sz="1600" spc="-1" strike="noStrike">
               <a:latin typeface="Arial"/>
             </a:endParaRPr>
           </a:p>
@@ -7943,37 +11087,7 @@
                 <a:spcPts val="1140"/>
               </a:spcAft>
             </a:pPr>
-            <a:r>
-              <a:rPr b="1" lang="en-US" sz="1800" spc="-1" strike="noStrike">
-                <a:solidFill>
-                  <a:srgbClr val="1c1c1c"/>
-                </a:solidFill>
-                <a:latin typeface="Noto Sans SemiBold"/>
-                <a:ea typeface="宋体"/>
-              </a:rPr>
-              <a:t>④</a:t>
-            </a:r>
-            <a:r>
-              <a:rPr b="1" lang="en-US" sz="1800" spc="-1" strike="noStrike">
-                <a:solidFill>
-                  <a:srgbClr val="0000ff"/>
-                </a:solidFill>
-                <a:latin typeface="Noto Sans SemiBold"/>
-                <a:ea typeface="宋体"/>
-              </a:rPr>
-              <a:t>Itération</a:t>
-            </a:r>
-            <a:r>
-              <a:rPr b="1" lang="en-US" sz="1800" spc="-1" strike="noStrike">
-                <a:solidFill>
-                  <a:srgbClr val="1c1c1c"/>
-                </a:solidFill>
-                <a:latin typeface="Noto Sans SemiBold"/>
-                <a:ea typeface="宋体"/>
-              </a:rPr>
-              <a:t> : répéter ②③ jusqu'à </a:t>
-            </a:r>
-            <a:endParaRPr b="0" lang="en-US" sz="1800" spc="-1" strike="noStrike">
+            <a:endParaRPr b="0" lang="en-US" sz="1600" spc="-1" strike="noStrike">
               <a:latin typeface="Arial"/>
             </a:endParaRPr>
           </a:p>
@@ -7986,7 +11100,7 @@
                 <a:spcPts val="1140"/>
               </a:spcAft>
             </a:pPr>
-            <a:endParaRPr b="0" lang="en-US" sz="1800" spc="-1" strike="noStrike">
+            <a:endParaRPr b="0" lang="en-US" sz="1600" spc="-1" strike="noStrike">
               <a:latin typeface="Arial"/>
             </a:endParaRPr>
           </a:p>
@@ -7999,17 +11113,7 @@
                 <a:spcPts val="1140"/>
               </a:spcAft>
             </a:pPr>
-            <a:r>
-              <a:rPr b="1" lang="en-US" sz="2600" spc="-1" strike="noStrike">
-                <a:solidFill>
-                  <a:srgbClr val="1c1c1c"/>
-                </a:solidFill>
-                <a:latin typeface="Noto Sans SemiBold"/>
-                <a:ea typeface="宋体"/>
-              </a:rPr>
-              <a:t>Optimisation :</a:t>
-            </a:r>
-            <a:endParaRPr b="0" lang="en-US" sz="2600" spc="-1" strike="noStrike">
+            <a:endParaRPr b="0" lang="en-US" sz="1600" spc="-1" strike="noStrike">
               <a:latin typeface="Arial"/>
             </a:endParaRPr>
           </a:p>
@@ -8023,6 +11127,39 @@
               </a:spcAft>
             </a:pPr>
             <a:r>
+              <a:rPr b="1" lang="en-US" sz="1600" spc="-1" strike="noStrike">
+                <a:solidFill>
+                  <a:srgbClr val="1c1c1c"/>
+                </a:solidFill>
+                <a:latin typeface="Noto Sans SemiBold"/>
+                <a:ea typeface="DejaVu Sans"/>
+              </a:rPr>
+              <a:t>Report</a:t>
+            </a:r>
+            <a:endParaRPr b="0" lang="en-US" sz="1600" spc="-1" strike="noStrike">
+              <a:latin typeface="Arial"/>
+            </a:endParaRPr>
+          </a:p>
+          <a:p>
+            <a:pPr>
+              <a:lnSpc>
+                <a:spcPct val="100000"/>
+              </a:lnSpc>
+              <a:spcAft>
+                <a:spcPts val="1140"/>
+              </a:spcAft>
+            </a:pPr>
+            <a:r>
+              <a:rPr b="1" lang="en-US" sz="2600" spc="-1" strike="noStrike">
+                <a:solidFill>
+                  <a:srgbClr val="1c1c1c"/>
+                </a:solidFill>
+                <a:latin typeface="Noto Sans SemiBold"/>
+                <a:ea typeface="宋体"/>
+              </a:rPr>
+              <a:t>  </a:t>
+            </a:r>
+            <a:r>
               <a:rPr b="1" lang="en-US" sz="1800" spc="-1" strike="noStrike">
                 <a:solidFill>
                   <a:srgbClr val="1c1c1c"/>
@@ -8030,19 +11167,9 @@
                 <a:latin typeface="Noto Sans SemiBold"/>
                 <a:ea typeface="宋体"/>
               </a:rPr>
-              <a:t>2 dimensions → N dimensions pour “bigdata”</a:t>
-            </a:r>
-            <a:r>
-              <a:rPr b="1" lang="en-US" sz="2600" spc="-1" strike="noStrike">
-                <a:solidFill>
-                  <a:srgbClr val="1c1c1c"/>
-                </a:solidFill>
-                <a:latin typeface="Noto Sans SemiBold"/>
-                <a:ea typeface="DejaVu Sans"/>
-              </a:rPr>
-              <a:t> </a:t>
-            </a:r>
-            <a:endParaRPr b="0" lang="en-US" sz="2600" spc="-1" strike="noStrike">
+              <a:t> </a:t>
+            </a:r>
+            <a:endParaRPr b="0" lang="en-US" sz="1800" spc="-1" strike="noStrike">
               <a:latin typeface="Arial"/>
             </a:endParaRPr>
           </a:p>
@@ -8050,30 +11177,7 @@
       </p:sp>
       <p:pic>
         <p:nvPicPr>
-          <p:cNvPr id="176" name="" descr=""/>
-          <p:cNvPicPr/>
-          <p:nvPr/>
-        </p:nvPicPr>
-        <p:blipFill>
-          <a:blip r:embed="rId1"/>
-          <a:stretch/>
-        </p:blipFill>
-        <p:spPr>
-          <a:xfrm>
-            <a:off x="5507280" y="2753280"/>
-            <a:ext cx="2122920" cy="796680"/>
-          </a:xfrm>
-          <a:prstGeom prst="rect">
-            <a:avLst/>
-          </a:prstGeom>
-          <a:ln>
-            <a:noFill/>
-          </a:ln>
-        </p:spPr>
-      </p:pic>
-      <p:pic>
-        <p:nvPicPr>
-          <p:cNvPr id="177" name="" descr=""/>
+          <p:cNvPr id="229" name="图片 2" descr=""/>
           <p:cNvPicPr/>
           <p:nvPr/>
         </p:nvPicPr>
@@ -8083,8 +11187,55 @@
         </p:blipFill>
         <p:spPr>
           <a:xfrm>
-            <a:off x="3383640" y="3618000"/>
-            <a:ext cx="1774440" cy="520560"/>
+            <a:off x="6873840" y="1287000"/>
+            <a:ext cx="2261520" cy="2188440"/>
+          </a:xfrm>
+          <a:prstGeom prst="rect">
+            <a:avLst/>
+          </a:prstGeom>
+          <a:ln>
+            <a:noFill/>
+          </a:ln>
+        </p:spPr>
+      </p:pic>
+      <p:pic>
+        <p:nvPicPr>
+          <p:cNvPr id="230" name="图片 4" descr=""/>
+          <p:cNvPicPr/>
+          <p:nvPr/>
+        </p:nvPicPr>
+        <p:blipFill>
+          <a:blip r:embed="rId3"/>
+          <a:srcRect l="1259" t="2173" r="0" b="38029"/>
+          <a:stretch/>
+        </p:blipFill>
+        <p:spPr>
+          <a:xfrm>
+            <a:off x="359280" y="3971880"/>
+            <a:ext cx="4230000" cy="1120320"/>
+          </a:xfrm>
+          <a:prstGeom prst="rect">
+            <a:avLst/>
+          </a:prstGeom>
+          <a:ln>
+            <a:noFill/>
+          </a:ln>
+        </p:spPr>
+      </p:pic>
+      <p:pic>
+        <p:nvPicPr>
+          <p:cNvPr id="231" name="图片 1" descr=""/>
+          <p:cNvPicPr/>
+          <p:nvPr/>
+        </p:nvPicPr>
+        <p:blipFill>
+          <a:blip r:embed="rId4"/>
+          <a:stretch/>
+        </p:blipFill>
+        <p:spPr>
+          <a:xfrm>
+            <a:off x="4749120" y="3650760"/>
+            <a:ext cx="4968000" cy="1441800"/>
           </a:xfrm>
           <a:prstGeom prst="rect">
             <a:avLst/>
@@ -8145,14 +11296,14 @@
       </p:grpSpPr>
       <p:sp>
         <p:nvSpPr>
-          <p:cNvPr id="178" name="CustomShape 1"/>
+          <p:cNvPr id="232" name="CustomShape 1"/>
           <p:cNvSpPr/>
           <p:nvPr/>
         </p:nvSpPr>
         <p:spPr>
           <a:xfrm>
             <a:off x="359640" y="270000"/>
-            <a:ext cx="9357480" cy="673560"/>
+            <a:ext cx="9357840" cy="673920"/>
           </a:xfrm>
           <a:prstGeom prst="rect">
             <a:avLst/>
@@ -8184,7 +11335,7 @@
                 <a:latin typeface="Noto Sans Black"/>
                 <a:ea typeface="DejaVu Sans"/>
               </a:rPr>
-              <a:t>Software</a:t>
+              <a:t>Software – ARM Implementation</a:t>
             </a:r>
             <a:endParaRPr b="0" lang="en-US" sz="3200" spc="-1" strike="noStrike">
               <a:latin typeface="Arial"/>
@@ -8194,14 +11345,14 @@
       </p:sp>
       <p:sp>
         <p:nvSpPr>
-          <p:cNvPr id="179" name="CustomShape 2"/>
+          <p:cNvPr id="233" name="CustomShape 2"/>
           <p:cNvSpPr/>
           <p:nvPr/>
         </p:nvSpPr>
         <p:spPr>
           <a:xfrm>
-            <a:off x="359640" y="1341000"/>
-            <a:ext cx="9177480" cy="3508560"/>
+            <a:off x="359280" y="1099800"/>
+            <a:ext cx="9177840" cy="4042080"/>
           </a:xfrm>
           <a:prstGeom prst="rect">
             <a:avLst/>
@@ -8231,67 +11382,14 @@
               </a:spcAft>
             </a:pPr>
             <a:r>
-              <a:rPr b="1" lang="en-US" sz="2600" spc="-1" strike="noStrike">
+              <a:rPr b="1" lang="en-US" sz="1600" spc="-1" strike="noStrike">
                 <a:solidFill>
                   <a:srgbClr val="1c1c1c"/>
                 </a:solidFill>
                 <a:latin typeface="Noto Sans SemiBold"/>
                 <a:ea typeface="DejaVu Sans"/>
               </a:rPr>
-              <a:t>Algorithme 1 : K-means </a:t>
-            </a:r>
-            <a:endParaRPr b="0" lang="en-US" sz="2600" spc="-1" strike="noStrike">
-              <a:latin typeface="Arial"/>
-            </a:endParaRPr>
-          </a:p>
-          <a:p>
-            <a:pPr>
-              <a:lnSpc>
-                <a:spcPct val="100000"/>
-              </a:lnSpc>
-              <a:spcAft>
-                <a:spcPts val="1140"/>
-              </a:spcAft>
-            </a:pPr>
-            <a:r>
-              <a:rPr b="1" lang="en-US" sz="1800" spc="-1" strike="noStrike">
-                <a:solidFill>
-                  <a:srgbClr val="1c1c1c"/>
-                </a:solidFill>
-                <a:latin typeface="Noto Sans SemiBold"/>
-                <a:ea typeface="宋体"/>
-              </a:rPr>
-              <a:t>              </a:t>
-            </a:r>
-            <a:r>
-              <a:rPr b="1" lang="en-US" sz="1600" spc="-1" strike="noStrike">
-                <a:solidFill>
-                  <a:srgbClr val="1c1c1c"/>
-                </a:solidFill>
-                <a:latin typeface="Noto Sans SemiBold"/>
-                <a:ea typeface="宋体"/>
-              </a:rPr>
-              <a:t>Iris.txt (150 données)</a:t>
-            </a:r>
-            <a:r>
-              <a:rPr b="1" lang="en-US" sz="1400" spc="-1" strike="noStrike">
-                <a:solidFill>
-                  <a:srgbClr val="1c1c1c"/>
-                </a:solidFill>
-                <a:latin typeface="Noto Sans SemiBold"/>
-                <a:ea typeface="宋体"/>
-              </a:rPr>
-              <a:t>                            </a:t>
-            </a:r>
-            <a:r>
-              <a:rPr b="1" lang="en-US" sz="1600" spc="-1" strike="noStrike">
-                <a:solidFill>
-                  <a:srgbClr val="1c1c1c"/>
-                </a:solidFill>
-                <a:latin typeface="Noto Sans SemiBold"/>
-                <a:ea typeface="宋体"/>
-              </a:rPr>
-              <a:t>result_Iris.txt (0.57s)</a:t>
+              <a:t>Design on Vivado SDK </a:t>
             </a:r>
             <a:endParaRPr b="0" lang="en-US" sz="1600" spc="-1" strike="noStrike">
               <a:latin typeface="Arial"/>
@@ -8319,7 +11417,17 @@
                 <a:spcPts val="1140"/>
               </a:spcAft>
             </a:pPr>
-            <a:endParaRPr b="0" lang="en-US" sz="1600" spc="-1" strike="noStrike">
+            <a:r>
+              <a:rPr b="1" lang="en-US" sz="1200" spc="-1" strike="noStrike">
+                <a:solidFill>
+                  <a:srgbClr val="1c1c1c"/>
+                </a:solidFill>
+                <a:latin typeface="Noto Sans SemiBold"/>
+                <a:ea typeface="DejaVu Sans"/>
+              </a:rPr>
+              <a:t>1/ Tools Chain : Xilinx ARM v7 GNU Toolchain </a:t>
+            </a:r>
+            <a:endParaRPr b="0" lang="en-US" sz="1200" spc="-1" strike="noStrike">
               <a:latin typeface="Arial"/>
             </a:endParaRPr>
           </a:p>
@@ -8332,7 +11440,27 @@
                 <a:spcPts val="1140"/>
               </a:spcAft>
             </a:pPr>
-            <a:endParaRPr b="0" lang="en-US" sz="1600" spc="-1" strike="noStrike">
+            <a:r>
+              <a:rPr b="1" lang="en-US" sz="1200" spc="-1" strike="noStrike">
+                <a:solidFill>
+                  <a:srgbClr val="1c1c1c"/>
+                </a:solidFill>
+                <a:latin typeface="Noto Sans SemiBold"/>
+                <a:ea typeface="DejaVu Sans"/>
+              </a:rPr>
+              <a:t>    </a:t>
+            </a:r>
+            <a:r>
+              <a:rPr b="1" lang="en-US" sz="1200" spc="-1" strike="noStrike">
+                <a:solidFill>
+                  <a:srgbClr val="1c1c1c"/>
+                </a:solidFill>
+                <a:latin typeface="Noto Sans SemiBold"/>
+                <a:ea typeface="DejaVu Sans"/>
+              </a:rPr>
+              <a:t>Generator : GNU make</a:t>
+            </a:r>
+            <a:endParaRPr b="0" lang="en-US" sz="1200" spc="-1" strike="noStrike">
               <a:latin typeface="Arial"/>
             </a:endParaRPr>
           </a:p>
@@ -8345,27 +11473,7 @@
                 <a:spcPts val="1140"/>
               </a:spcAft>
             </a:pPr>
-            <a:r>
-              <a:rPr b="1" lang="en-US" sz="1600" spc="-1" strike="noStrike">
-                <a:solidFill>
-                  <a:srgbClr val="1c1c1c"/>
-                </a:solidFill>
-                <a:latin typeface="Noto Sans SemiBold"/>
-                <a:ea typeface="宋体"/>
-              </a:rPr>
-              <a:t>               </a:t>
-            </a:r>
-            <a:r>
-              <a:rPr b="1" lang="en-US" sz="1600" spc="-1" strike="noStrike">
-                <a:solidFill>
-                  <a:srgbClr val="1c1c1c"/>
-                </a:solidFill>
-                <a:latin typeface="Noto Sans SemiBold"/>
-                <a:ea typeface="宋体"/>
-              </a:rPr>
-              <a:t>s3.txt (5000 données)                        result_s3.txt (7.48s)</a:t>
-            </a:r>
-            <a:endParaRPr b="0" lang="en-US" sz="1600" spc="-1" strike="noStrike">
+            <a:endParaRPr b="0" lang="en-US" sz="1200" spc="-1" strike="noStrike">
               <a:latin typeface="Arial"/>
             </a:endParaRPr>
           </a:p>
@@ -8378,104 +11486,163 @@
                 <a:spcPts val="1140"/>
               </a:spcAft>
             </a:pPr>
-            <a:endParaRPr b="0" lang="en-US" sz="1600" spc="-1" strike="noStrike">
-              <a:latin typeface="Arial"/>
-            </a:endParaRPr>
-          </a:p>
-        </p:txBody>
-      </p:sp>
-      <p:pic>
-        <p:nvPicPr>
-          <p:cNvPr id="180" name="图片 3" descr=""/>
-          <p:cNvPicPr/>
+            <a:r>
+              <a:rPr b="1" lang="en-US" sz="1200" spc="-1" strike="noStrike">
+                <a:solidFill>
+                  <a:srgbClr val="1c1c1c"/>
+                </a:solidFill>
+                <a:latin typeface="Noto Sans SemiBold"/>
+                <a:ea typeface="DejaVu Sans"/>
+              </a:rPr>
+              <a:t>2/ Modification of heap and stack sizes :</a:t>
+            </a:r>
+            <a:endParaRPr b="0" lang="en-US" sz="1200" spc="-1" strike="noStrike">
+              <a:latin typeface="Arial"/>
+            </a:endParaRPr>
+          </a:p>
+          <a:p>
+            <a:pPr>
+              <a:lnSpc>
+                <a:spcPct val="100000"/>
+              </a:lnSpc>
+              <a:spcAft>
+                <a:spcPts val="1140"/>
+              </a:spcAft>
+            </a:pPr>
+            <a:r>
+              <a:rPr b="1" lang="en-US" sz="1200" spc="-1" strike="noStrike">
+                <a:solidFill>
+                  <a:srgbClr val="1c1c1c"/>
+                </a:solidFill>
+                <a:latin typeface="Noto Sans SemiBold"/>
+                <a:ea typeface="DejaVu Sans"/>
+              </a:rPr>
+              <a:t>    </a:t>
+            </a:r>
+            <a:r>
+              <a:rPr b="1" lang="en-US" sz="1200" spc="-1" strike="noStrike">
+                <a:solidFill>
+                  <a:srgbClr val="1c1c1c"/>
+                </a:solidFill>
+                <a:latin typeface="Noto Sans SemiBold"/>
+                <a:ea typeface="DejaVu Sans"/>
+              </a:rPr>
+              <a:t>1 KB </a:t>
+            </a:r>
+            <a:r>
+              <a:rPr b="1" lang="en-US" sz="1200" spc="-1" strike="noStrike">
+                <a:solidFill>
+                  <a:srgbClr val="1c1c1c"/>
+                </a:solidFill>
+                <a:latin typeface="Noto Sans SemiBold"/>
+                <a:ea typeface="宋体"/>
+              </a:rPr>
+              <a:t>(par défaut) → 250 MB</a:t>
+            </a:r>
+            <a:endParaRPr b="0" lang="en-US" sz="1200" spc="-1" strike="noStrike">
+              <a:latin typeface="Arial"/>
+            </a:endParaRPr>
+          </a:p>
+          <a:p>
+            <a:pPr>
+              <a:lnSpc>
+                <a:spcPct val="100000"/>
+              </a:lnSpc>
+              <a:spcAft>
+                <a:spcPts val="1140"/>
+              </a:spcAft>
+            </a:pPr>
+            <a:r>
+              <a:rPr b="1" lang="en-US" sz="1400" spc="-1" strike="noStrike">
+                <a:solidFill>
+                  <a:srgbClr val="1c1c1c"/>
+                </a:solidFill>
+                <a:latin typeface="Noto Sans SemiBold"/>
+                <a:ea typeface="DejaVu Sans"/>
+              </a:rPr>
+              <a:t>  </a:t>
+            </a:r>
+            <a:endParaRPr b="0" lang="en-US" sz="1400" spc="-1" strike="noStrike">
+              <a:latin typeface="Arial"/>
+            </a:endParaRPr>
+          </a:p>
+        </p:txBody>
+      </p:sp>
+      <p:grpSp>
+        <p:nvGrpSpPr>
+          <p:cNvPr id="234" name="Group 3"/>
+          <p:cNvGrpSpPr/>
           <p:nvPr/>
-        </p:nvPicPr>
-        <p:blipFill>
-          <a:blip r:embed="rId1"/>
-          <a:stretch/>
-        </p:blipFill>
-        <p:spPr>
-          <a:xfrm>
-            <a:off x="1455120" y="2195640"/>
-            <a:ext cx="2306520" cy="1003320"/>
-          </a:xfrm>
-          <a:prstGeom prst="rect">
-            <a:avLst/>
-          </a:prstGeom>
-          <a:ln>
+        </p:nvGrpSpPr>
+        <p:grpSpPr>
+          <a:xfrm>
+            <a:off x="4534560" y="1598400"/>
+            <a:ext cx="5182560" cy="2782800"/>
+            <a:chOff x="4534560" y="1598400"/>
+            <a:chExt cx="5182560" cy="2782800"/>
+          </a:xfrm>
+        </p:grpSpPr>
+        <p:pic>
+          <p:nvPicPr>
+            <p:cNvPr id="235" name="图片 14" descr=""/>
+            <p:cNvPicPr/>
+            <p:nvPr/>
+          </p:nvPicPr>
+          <p:blipFill>
+            <a:blip r:embed="rId1"/>
+            <a:srcRect l="0" t="0" r="324" b="33128"/>
+            <a:stretch/>
+          </p:blipFill>
+          <p:spPr>
+            <a:xfrm>
+              <a:off x="4534560" y="1598400"/>
+              <a:ext cx="5182560" cy="2782800"/>
+            </a:xfrm>
+            <a:prstGeom prst="rect">
+              <a:avLst/>
+            </a:prstGeom>
+            <a:ln>
+              <a:noFill/>
+            </a:ln>
+          </p:spPr>
+        </p:pic>
+        <p:sp>
+          <p:nvSpPr>
+            <p:cNvPr id="236" name="CustomShape 4"/>
+            <p:cNvSpPr/>
+            <p:nvPr/>
+          </p:nvSpPr>
+          <p:spPr>
+            <a:xfrm>
+              <a:off x="7008120" y="3122640"/>
+              <a:ext cx="2132280" cy="450360"/>
+            </a:xfrm>
+            <a:prstGeom prst="ellipse">
+              <a:avLst/>
+            </a:prstGeom>
             <a:noFill/>
-          </a:ln>
-        </p:spPr>
-      </p:pic>
-      <p:pic>
-        <p:nvPicPr>
-          <p:cNvPr id="181" name="图片 4" descr=""/>
-          <p:cNvPicPr/>
-          <p:nvPr/>
-        </p:nvPicPr>
-        <p:blipFill>
-          <a:blip r:embed="rId2"/>
-          <a:stretch/>
-        </p:blipFill>
-        <p:spPr>
-          <a:xfrm>
-            <a:off x="5979600" y="2259720"/>
-            <a:ext cx="1769760" cy="874800"/>
-          </a:xfrm>
-          <a:prstGeom prst="rect">
-            <a:avLst/>
-          </a:prstGeom>
-          <a:ln>
-            <a:noFill/>
-          </a:ln>
-        </p:spPr>
-      </p:pic>
-      <p:pic>
-        <p:nvPicPr>
-          <p:cNvPr id="182" name="图片 6" descr=""/>
-          <p:cNvPicPr/>
-          <p:nvPr/>
-        </p:nvPicPr>
-        <p:blipFill>
-          <a:blip r:embed="rId3"/>
-          <a:stretch/>
-        </p:blipFill>
-        <p:spPr>
-          <a:xfrm>
-            <a:off x="1455120" y="3769920"/>
-            <a:ext cx="1750680" cy="1036800"/>
-          </a:xfrm>
-          <a:prstGeom prst="rect">
-            <a:avLst/>
-          </a:prstGeom>
-          <a:ln>
-            <a:noFill/>
-          </a:ln>
-        </p:spPr>
-      </p:pic>
-      <p:pic>
-        <p:nvPicPr>
-          <p:cNvPr id="183" name="图片 7" descr=""/>
-          <p:cNvPicPr/>
-          <p:nvPr/>
-        </p:nvPicPr>
-        <p:blipFill>
-          <a:blip r:embed="rId4"/>
-          <a:stretch/>
-        </p:blipFill>
-        <p:spPr>
-          <a:xfrm>
-            <a:off x="5979600" y="3789360"/>
-            <a:ext cx="1922400" cy="1017720"/>
-          </a:xfrm>
-          <a:prstGeom prst="rect">
-            <a:avLst/>
-          </a:prstGeom>
-          <a:ln>
-            <a:noFill/>
-          </a:ln>
-        </p:spPr>
-      </p:pic>
+            <a:ln>
+              <a:solidFill>
+                <a:srgbClr val="ff0000"/>
+              </a:solidFill>
+            </a:ln>
+          </p:spPr>
+          <p:style>
+            <a:lnRef idx="2">
+              <a:schemeClr val="accent1">
+                <a:shade val="50000"/>
+              </a:schemeClr>
+            </a:lnRef>
+            <a:fillRef idx="1">
+              <a:schemeClr val="accent1"/>
+            </a:fillRef>
+            <a:effectRef idx="0">
+              <a:schemeClr val="accent1"/>
+            </a:effectRef>
+            <a:fontRef idx="minor"/>
+          </p:style>
+        </p:sp>
+      </p:grpSp>
     </p:spTree>
   </p:cSld>
   <p:timing>
@@ -8525,58 +11692,9 @@
           <a:chExt cx="0" cy="0"/>
         </a:xfrm>
       </p:grpSpPr>
-      <p:sp>
-        <p:nvSpPr>
-          <p:cNvPr id="184" name="CustomShape 1"/>
-          <p:cNvSpPr/>
-          <p:nvPr/>
-        </p:nvSpPr>
-        <p:spPr>
-          <a:xfrm>
-            <a:off x="359640" y="270000"/>
-            <a:ext cx="9357480" cy="673560"/>
-          </a:xfrm>
-          <a:prstGeom prst="rect">
-            <a:avLst/>
-          </a:prstGeom>
-          <a:noFill/>
-          <a:ln>
-            <a:noFill/>
-          </a:ln>
-        </p:spPr>
-        <p:style>
-          <a:lnRef idx="0"/>
-          <a:fillRef idx="0"/>
-          <a:effectRef idx="0"/>
-          <a:fontRef idx="minor"/>
-        </p:style>
-        <p:txBody>
-          <a:bodyPr lIns="0" rIns="0" tIns="0" bIns="0" anchor="b"/>
-          <a:p>
-            <a:pPr>
-              <a:lnSpc>
-                <a:spcPct val="100000"/>
-              </a:lnSpc>
-            </a:pPr>
-            <a:r>
-              <a:rPr b="1" lang="en-US" sz="3200" spc="-1" strike="noStrike">
-                <a:solidFill>
-                  <a:srgbClr val="ffffff"/>
-                </a:solidFill>
-                <a:latin typeface="Noto Sans Black"/>
-                <a:ea typeface="DejaVu Sans"/>
-              </a:rPr>
-              <a:t>Exploration des architectures</a:t>
-            </a:r>
-            <a:endParaRPr b="0" lang="en-US" sz="3200" spc="-1" strike="noStrike">
-              <a:latin typeface="Arial"/>
-            </a:endParaRPr>
-          </a:p>
-        </p:txBody>
-      </p:sp>
       <p:pic>
         <p:nvPicPr>
-          <p:cNvPr id="185" name="Image 4" descr=""/>
+          <p:cNvPr id="237" name="图片 1" descr=""/>
           <p:cNvPicPr/>
           <p:nvPr/>
         </p:nvPicPr>
@@ -8586,8 +11704,8 @@
         </p:blipFill>
         <p:spPr>
           <a:xfrm>
-            <a:off x="1515960" y="1656000"/>
-            <a:ext cx="8707320" cy="3034800"/>
+            <a:off x="1118880" y="1113120"/>
+            <a:ext cx="7393680" cy="3917520"/>
           </a:xfrm>
           <a:prstGeom prst="rect">
             <a:avLst/>
@@ -8599,14 +11717,14 @@
       </p:pic>
       <p:sp>
         <p:nvSpPr>
-          <p:cNvPr id="186" name="CustomShape 2"/>
+          <p:cNvPr id="238" name="CustomShape 1"/>
           <p:cNvSpPr/>
           <p:nvPr/>
         </p:nvSpPr>
         <p:spPr>
           <a:xfrm>
-            <a:off x="359640" y="1485000"/>
-            <a:ext cx="9177480" cy="3508560"/>
+            <a:off x="359640" y="270000"/>
+            <a:ext cx="9357840" cy="673920"/>
           </a:xfrm>
           <a:prstGeom prst="rect">
             <a:avLst/>
@@ -8622,17 +11740,40 @@
           <a:effectRef idx="0"/>
           <a:fontRef idx="minor"/>
         </p:style>
-      </p:sp>
-      <p:sp>
-        <p:nvSpPr>
-          <p:cNvPr id="187" name="CustomShape 3"/>
+        <p:txBody>
+          <a:bodyPr lIns="0" rIns="0" tIns="0" bIns="0" anchor="b"/>
+          <a:p>
+            <a:pPr>
+              <a:lnSpc>
+                <a:spcPct val="100000"/>
+              </a:lnSpc>
+            </a:pPr>
+            <a:r>
+              <a:rPr b="1" lang="en-US" sz="3200" spc="-1" strike="noStrike">
+                <a:solidFill>
+                  <a:srgbClr val="ffffff"/>
+                </a:solidFill>
+                <a:latin typeface="Noto Sans Black"/>
+                <a:ea typeface="DejaVu Sans"/>
+              </a:rPr>
+              <a:t>Software – ARM Implementation</a:t>
+            </a:r>
+            <a:endParaRPr b="0" lang="en-US" sz="3200" spc="-1" strike="noStrike">
+              <a:latin typeface="Arial"/>
+            </a:endParaRPr>
+          </a:p>
+        </p:txBody>
+      </p:sp>
+      <p:sp>
+        <p:nvSpPr>
+          <p:cNvPr id="239" name="CustomShape 2"/>
           <p:cNvSpPr/>
           <p:nvPr/>
         </p:nvSpPr>
         <p:spPr>
           <a:xfrm>
-            <a:off x="72000" y="3672000"/>
-            <a:ext cx="5111640" cy="3941640"/>
+            <a:off x="358920" y="1108080"/>
+            <a:ext cx="9177840" cy="4042080"/>
           </a:xfrm>
           <a:prstGeom prst="rect">
             <a:avLst/>
@@ -8653,294 +11794,48 @@
             <a:normAutofit/>
           </a:bodyPr>
           <a:p>
-            <a:pPr marL="432000" indent="-323280">
-              <a:lnSpc>
-                <a:spcPct val="90000"/>
-              </a:lnSpc>
-              <a:spcBef>
-                <a:spcPts val="1001"/>
-              </a:spcBef>
-              <a:buClr>
-                <a:srgbClr val="000000"/>
-              </a:buClr>
-              <a:buSzPct val="45000"/>
-              <a:buFont typeface="Wingdings" charset="2"/>
-              <a:buChar char=""/>
-            </a:pPr>
-            <a:r>
-              <a:rPr b="0" lang="en-US" sz="2000" spc="-1" strike="noStrike">
-                <a:solidFill>
-                  <a:srgbClr val="000000"/>
-                </a:solidFill>
-                <a:latin typeface="Calibri"/>
-                <a:ea typeface="DejaVu Sans"/>
-              </a:rPr>
-              <a:t>Perspectives :</a:t>
-            </a:r>
-            <a:endParaRPr b="0" lang="en-US" sz="2000" spc="-1" strike="noStrike">
-              <a:latin typeface="Arial"/>
-            </a:endParaRPr>
-          </a:p>
-          <a:p>
-            <a:pPr lvl="1" marL="864000" indent="-323280">
-              <a:lnSpc>
-                <a:spcPct val="90000"/>
-              </a:lnSpc>
-              <a:spcBef>
-                <a:spcPts val="848"/>
-              </a:spcBef>
-              <a:buClr>
-                <a:srgbClr val="000000"/>
-              </a:buClr>
-              <a:buSzPct val="75000"/>
-              <a:buFont typeface="Symbol"/>
-              <a:buChar char=""/>
-            </a:pPr>
-            <a:r>
-              <a:rPr b="0" i="1" lang="en-US" sz="1600" spc="-1" strike="noStrike">
-                <a:solidFill>
-                  <a:srgbClr val="000000"/>
-                </a:solidFill>
-                <a:latin typeface="Calibri"/>
-                <a:ea typeface="DejaVu Sans"/>
-              </a:rPr>
-              <a:t>Contrôle du flot d’exécution depuis le ZYNQ .</a:t>
-            </a:r>
-            <a:endParaRPr b="0" lang="en-US" sz="1600" spc="-1" strike="noStrike">
-              <a:latin typeface="Arial"/>
-            </a:endParaRPr>
-          </a:p>
-          <a:p>
-            <a:pPr lvl="1" marL="864000" indent="-323280">
-              <a:lnSpc>
-                <a:spcPct val="90000"/>
-              </a:lnSpc>
-              <a:spcBef>
-                <a:spcPts val="848"/>
-              </a:spcBef>
-              <a:buClr>
-                <a:srgbClr val="000000"/>
-              </a:buClr>
-              <a:buSzPct val="75000"/>
-              <a:buFont typeface="Symbol"/>
-              <a:buChar char=""/>
-            </a:pPr>
-            <a:r>
-              <a:rPr b="0" i="1" lang="en-US" sz="1600" spc="-1" strike="noStrike">
-                <a:solidFill>
-                  <a:srgbClr val="000000"/>
-                </a:solidFill>
-                <a:latin typeface="Calibri"/>
-                <a:ea typeface="DejaVu Sans"/>
-              </a:rPr>
-              <a:t>Étude des interfaçage avec les accélérateur HLS </a:t>
-            </a:r>
-            <a:endParaRPr b="0" lang="en-US" sz="1600" spc="-1" strike="noStrike">
-              <a:latin typeface="Arial"/>
-            </a:endParaRPr>
-          </a:p>
-          <a:p>
-            <a:pPr lvl="1" marL="864000" indent="-323280">
+            <a:pPr>
               <a:lnSpc>
                 <a:spcPct val="100000"/>
               </a:lnSpc>
-              <a:spcBef>
-                <a:spcPts val="848"/>
-              </a:spcBef>
-              <a:buClr>
-                <a:srgbClr val="000000"/>
-              </a:buClr>
-              <a:buSzPct val="75000"/>
-              <a:buFont typeface="Symbol"/>
-              <a:buChar char=""/>
+              <a:spcAft>
+                <a:spcPts val="1140"/>
+              </a:spcAft>
             </a:pPr>
-            <a:r>
-              <a:rPr b="0" i="1" lang="en-US" sz="1600" spc="-1" strike="noStrike">
-                <a:solidFill>
-                  <a:srgbClr val="000000"/>
-                </a:solidFill>
-                <a:latin typeface="Calibri"/>
-                <a:ea typeface="DejaVu Sans"/>
-              </a:rPr>
-              <a:t>Grande mémoire commune entre les CPUS</a:t>
-            </a:r>
-            <a:endParaRPr b="0" lang="en-US" sz="1600" spc="-1" strike="noStrike">
-              <a:latin typeface="Arial"/>
-            </a:endParaRPr>
-          </a:p>
-        </p:txBody>
-      </p:sp>
-      <p:sp>
-        <p:nvSpPr>
-          <p:cNvPr id="188" name="CustomShape 4"/>
-          <p:cNvSpPr/>
-          <p:nvPr/>
-        </p:nvSpPr>
-        <p:spPr>
-          <a:xfrm>
-            <a:off x="0" y="1080000"/>
-            <a:ext cx="6767280" cy="3167280"/>
-          </a:xfrm>
-          <a:prstGeom prst="rect">
-            <a:avLst/>
-          </a:prstGeom>
-          <a:noFill/>
-          <a:ln>
-            <a:noFill/>
-          </a:ln>
-        </p:spPr>
-        <p:style>
-          <a:lnRef idx="0"/>
-          <a:fillRef idx="0"/>
-          <a:effectRef idx="0"/>
-          <a:fontRef idx="minor"/>
-        </p:style>
-        <p:txBody>
-          <a:bodyPr lIns="0" rIns="0" tIns="0" bIns="0">
-            <a:normAutofit/>
-          </a:bodyPr>
-          <a:p>
-            <a:pPr marL="432000" indent="-323280">
-              <a:lnSpc>
-                <a:spcPct val="90000"/>
-              </a:lnSpc>
-              <a:spcBef>
-                <a:spcPts val="1001"/>
-              </a:spcBef>
-              <a:buClr>
-                <a:srgbClr val="000000"/>
-              </a:buClr>
-              <a:buSzPct val="45000"/>
-              <a:buFont typeface="Wingdings" charset="2"/>
-              <a:buChar char=""/>
-            </a:pPr>
-            <a:r>
-              <a:rPr b="0" lang="en-US" sz="2000" spc="-1" strike="noStrike">
-                <a:solidFill>
-                  <a:srgbClr val="000000"/>
-                </a:solidFill>
-                <a:latin typeface="Calibri"/>
-                <a:ea typeface="DejaVu Sans"/>
-              </a:rPr>
-              <a:t>Test d’architecture avec un softcore (µblaze) et cœur  ARM</a:t>
-            </a:r>
-            <a:endParaRPr b="0" lang="en-US" sz="2000" spc="-1" strike="noStrike">
-              <a:latin typeface="Arial"/>
-            </a:endParaRPr>
-          </a:p>
-          <a:p>
-            <a:pPr marL="432000" indent="-323280">
-              <a:lnSpc>
-                <a:spcPct val="90000"/>
-              </a:lnSpc>
-              <a:spcBef>
-                <a:spcPts val="1001"/>
-              </a:spcBef>
-              <a:buClr>
-                <a:srgbClr val="000000"/>
-              </a:buClr>
-              <a:buSzPct val="45000"/>
-              <a:buFont typeface="Wingdings" charset="2"/>
-              <a:buChar char=""/>
-            </a:pPr>
-            <a:r>
-              <a:rPr b="0" lang="en-US" sz="2000" spc="-1" strike="noStrike">
-                <a:solidFill>
-                  <a:srgbClr val="000000"/>
-                </a:solidFill>
-                <a:latin typeface="Calibri"/>
-                <a:ea typeface="DejaVu Sans"/>
-              </a:rPr>
-              <a:t>Expérimentation des méthodes de développement:</a:t>
-            </a:r>
-            <a:endParaRPr b="0" lang="en-US" sz="2000" spc="-1" strike="noStrike">
-              <a:latin typeface="Arial"/>
-            </a:endParaRPr>
-          </a:p>
-          <a:p>
-            <a:pPr lvl="1" marL="864000" indent="-323280">
-              <a:lnSpc>
-                <a:spcPct val="90000"/>
-              </a:lnSpc>
-              <a:spcBef>
-                <a:spcPts val="848"/>
-              </a:spcBef>
-              <a:buClr>
-                <a:srgbClr val="000000"/>
-              </a:buClr>
-              <a:buSzPct val="75000"/>
-              <a:buFont typeface="Symbol"/>
-              <a:buChar char=""/>
-            </a:pPr>
-            <a:r>
-              <a:rPr b="0" lang="en-US" sz="1600" spc="-1" strike="noStrike">
-                <a:solidFill>
-                  <a:srgbClr val="000000"/>
-                </a:solidFill>
-                <a:latin typeface="Calibri"/>
-                <a:ea typeface="DejaVu Sans"/>
-              </a:rPr>
-              <a:t>Échange de donnée entre les cpus</a:t>
-            </a:r>
-            <a:endParaRPr b="0" lang="en-US" sz="1600" spc="-1" strike="noStrike">
-              <a:latin typeface="Arial"/>
-            </a:endParaRPr>
-          </a:p>
-          <a:p>
-            <a:pPr lvl="1" marL="864000" indent="-323280">
-              <a:lnSpc>
-                <a:spcPct val="90000"/>
-              </a:lnSpc>
-              <a:spcBef>
-                <a:spcPts val="848"/>
-              </a:spcBef>
-              <a:buClr>
-                <a:srgbClr val="000000"/>
-              </a:buClr>
-              <a:buSzPct val="75000"/>
-              <a:buFont typeface="Symbol"/>
-              <a:buChar char=""/>
-            </a:pPr>
-            <a:r>
-              <a:rPr b="0" lang="en-US" sz="1600" spc="-1" strike="noStrike">
-                <a:solidFill>
-                  <a:srgbClr val="000000"/>
-                </a:solidFill>
-                <a:latin typeface="Calibri"/>
-                <a:ea typeface="DejaVu Sans"/>
-              </a:rPr>
-              <a:t>API de parallélisation pour les équipes logicielles</a:t>
-            </a:r>
-            <a:endParaRPr b="0" lang="en-US" sz="1600" spc="-1" strike="noStrike">
-              <a:latin typeface="Arial"/>
-            </a:endParaRPr>
-          </a:p>
-          <a:p>
-            <a:pPr lvl="1" marL="864000" indent="-323280">
+            <a:endParaRPr b="0" lang="en-US" sz="1800" spc="-1" strike="noStrike">
+              <a:latin typeface="Arial"/>
+            </a:endParaRPr>
+          </a:p>
+          <a:p>
+            <a:pPr>
               <a:lnSpc>
                 <a:spcPct val="100000"/>
               </a:lnSpc>
-              <a:spcBef>
-                <a:spcPts val="848"/>
-              </a:spcBef>
-              <a:buClr>
-                <a:srgbClr val="000000"/>
-              </a:buClr>
-              <a:buSzPct val="75000"/>
-              <a:buFont typeface="Symbol"/>
-              <a:buChar char=""/>
+              <a:spcAft>
+                <a:spcPts val="1140"/>
+              </a:spcAft>
             </a:pPr>
             <a:r>
-              <a:rPr b="0" lang="en-US" sz="1600" spc="-1" strike="noStrike">
+              <a:rPr b="1" lang="en-US" sz="2600" spc="-1" strike="noStrike">
                 <a:solidFill>
-                  <a:srgbClr val="000000"/>
+                  <a:srgbClr val="1c1c1c"/>
                 </a:solidFill>
-                <a:latin typeface="Calibri"/>
+                <a:latin typeface="Noto Sans SemiBold"/>
                 <a:ea typeface="DejaVu Sans"/>
               </a:rPr>
-              <a:t>Outil pour débugger les processeurs</a:t>
-            </a:r>
-            <a:endParaRPr b="0" lang="en-US" sz="1600" spc="-1" strike="noStrike">
+              <a:t>  </a:t>
+            </a:r>
+            <a:r>
+              <a:rPr b="1" lang="en-US" sz="1800" spc="-1" strike="noStrike">
+                <a:solidFill>
+                  <a:srgbClr val="1c1c1c"/>
+                </a:solidFill>
+                <a:latin typeface="Noto Sans SemiBold"/>
+                <a:ea typeface="宋体"/>
+              </a:rPr>
+              <a:t> </a:t>
+            </a:r>
+            <a:endParaRPr b="0" lang="en-US" sz="1800" spc="-1" strike="noStrike">
               <a:latin typeface="Arial"/>
             </a:endParaRPr>
           </a:p>
@@ -8995,16 +11890,39 @@
           <a:chExt cx="0" cy="0"/>
         </a:xfrm>
       </p:grpSpPr>
-      <p:sp>
-        <p:nvSpPr>
-          <p:cNvPr id="189" name="CustomShape 1"/>
+      <p:pic>
+        <p:nvPicPr>
+          <p:cNvPr id="240" name="图片 21" descr=""/>
+          <p:cNvPicPr/>
+          <p:nvPr/>
+        </p:nvPicPr>
+        <p:blipFill>
+          <a:blip r:embed="rId1"/>
+          <a:stretch/>
+        </p:blipFill>
+        <p:spPr>
+          <a:xfrm>
+            <a:off x="3601440" y="1099800"/>
+            <a:ext cx="6116040" cy="2948760"/>
+          </a:xfrm>
+          <a:prstGeom prst="rect">
+            <a:avLst/>
+          </a:prstGeom>
+          <a:ln>
+            <a:noFill/>
+          </a:ln>
+        </p:spPr>
+      </p:pic>
+      <p:sp>
+        <p:nvSpPr>
+          <p:cNvPr id="241" name="CustomShape 1"/>
           <p:cNvSpPr/>
           <p:nvPr/>
         </p:nvSpPr>
         <p:spPr>
           <a:xfrm>
             <a:off x="359640" y="270000"/>
-            <a:ext cx="9357480" cy="673560"/>
+            <a:ext cx="9357840" cy="673920"/>
           </a:xfrm>
           <a:prstGeom prst="rect">
             <a:avLst/>
@@ -9036,7 +11954,7 @@
                 <a:latin typeface="Noto Sans Black"/>
                 <a:ea typeface="DejaVu Sans"/>
               </a:rPr>
-              <a:t>Sythèse Haut Niveau (HLS)</a:t>
+              <a:t>Software – ARM Implementation</a:t>
             </a:r>
             <a:endParaRPr b="0" lang="en-US" sz="3200" spc="-1" strike="noStrike">
               <a:latin typeface="Arial"/>
@@ -9046,14 +11964,14 @@
       </p:sp>
       <p:sp>
         <p:nvSpPr>
-          <p:cNvPr id="190" name="CustomShape 2"/>
+          <p:cNvPr id="242" name="CustomShape 2"/>
           <p:cNvSpPr/>
           <p:nvPr/>
         </p:nvSpPr>
         <p:spPr>
           <a:xfrm>
-            <a:off x="359640" y="1485000"/>
-            <a:ext cx="9177480" cy="3508560"/>
+            <a:off x="359280" y="1099800"/>
+            <a:ext cx="9177840" cy="4042080"/>
           </a:xfrm>
           <a:prstGeom prst="rect">
             <a:avLst/>
@@ -9074,192 +11992,358 @@
             <a:normAutofit/>
           </a:bodyPr>
           <a:p>
-            <a:pPr marL="216000" indent="-215640">
+            <a:pPr>
               <a:lnSpc>
                 <a:spcPct val="100000"/>
               </a:lnSpc>
               <a:spcAft>
                 <a:spcPts val="1140"/>
               </a:spcAft>
-              <a:buClr>
-                <a:srgbClr val="000000"/>
-              </a:buClr>
-              <a:buFont typeface="StarSymbol"/>
-              <a:buAutoNum type="arabicParenR"/>
             </a:pPr>
             <a:r>
-              <a:rPr b="1" lang="en-US" sz="1800" spc="-1" strike="noStrike">
+              <a:rPr b="1" lang="en-US" sz="1600" spc="-1" strike="noStrike">
                 <a:solidFill>
                   <a:srgbClr val="1c1c1c"/>
                 </a:solidFill>
                 <a:latin typeface="Noto Sans SemiBold"/>
                 <a:ea typeface="DejaVu Sans"/>
               </a:rPr>
-              <a:t> </a:t>
-            </a:r>
-            <a:r>
-              <a:rPr b="1" lang="en-US" sz="1800" spc="-1" strike="noStrike">
-                <a:solidFill>
-                  <a:srgbClr val="1c1c1c"/>
-                </a:solidFill>
-                <a:latin typeface="Noto Sans SemiBold"/>
-                <a:ea typeface="DejaVu Sans"/>
-              </a:rPr>
-              <a:t>Réanalyse des algorithmes</a:t>
-            </a:r>
-            <a:endParaRPr b="0" lang="en-US" sz="1800" spc="-1" strike="noStrike">
-              <a:latin typeface="Arial"/>
-            </a:endParaRPr>
-          </a:p>
-          <a:p>
-            <a:pPr marL="216000" indent="-215640">
+              <a:t>Software optimization</a:t>
+            </a:r>
+            <a:endParaRPr b="0" lang="en-US" sz="1600" spc="-1" strike="noStrike">
+              <a:latin typeface="Arial"/>
+            </a:endParaRPr>
+          </a:p>
+          <a:p>
+            <a:pPr>
               <a:lnSpc>
                 <a:spcPct val="100000"/>
               </a:lnSpc>
               <a:spcAft>
                 <a:spcPts val="1140"/>
               </a:spcAft>
-              <a:buClr>
-                <a:srgbClr val="000000"/>
-              </a:buClr>
-              <a:buFont typeface="StarSymbol"/>
-              <a:buAutoNum type="arabicParenR"/>
             </a:pPr>
-            <a:r>
-              <a:rPr b="1" lang="en-US" sz="1800" spc="-1" strike="noStrike">
-                <a:solidFill>
-                  <a:srgbClr val="1c1c1c"/>
-                </a:solidFill>
-                <a:latin typeface="Noto Sans SemiBold"/>
-                <a:ea typeface="DejaVu Sans"/>
-              </a:rPr>
-              <a:t> </a:t>
-            </a:r>
-            <a:r>
-              <a:rPr b="1" lang="en-US" sz="1800" spc="-1" strike="noStrike">
-                <a:solidFill>
-                  <a:srgbClr val="1c1c1c"/>
-                </a:solidFill>
-                <a:latin typeface="Noto Sans SemiBold"/>
-                <a:ea typeface="DejaVu Sans"/>
-              </a:rPr>
-              <a:t>Traduction des mécanismes logiciels</a:t>
-            </a:r>
-            <a:endParaRPr b="0" lang="en-US" sz="1800" spc="-1" strike="noStrike">
-              <a:latin typeface="Arial"/>
-            </a:endParaRPr>
-          </a:p>
-          <a:p>
-            <a:pPr marL="216000" indent="-215640">
+            <a:endParaRPr b="0" lang="en-US" sz="1600" spc="-1" strike="noStrike">
+              <a:latin typeface="Arial"/>
+            </a:endParaRPr>
+          </a:p>
+          <a:p>
+            <a:pPr>
               <a:lnSpc>
                 <a:spcPct val="100000"/>
               </a:lnSpc>
               <a:spcAft>
                 <a:spcPts val="1140"/>
               </a:spcAft>
-              <a:buClr>
-                <a:srgbClr val="000000"/>
-              </a:buClr>
-              <a:buFont typeface="StarSymbol"/>
-              <a:buAutoNum type="arabicParenR"/>
             </a:pPr>
             <a:r>
-              <a:rPr b="1" lang="en-US" sz="1800" spc="-1" strike="noStrike">
+              <a:rPr b="1" lang="en-US" sz="1200" spc="-1" strike="noStrike">
+                <a:solidFill>
+                  <a:srgbClr val="0000ff"/>
+                </a:solidFill>
+                <a:latin typeface="Noto Sans SemiBold"/>
+                <a:ea typeface="DejaVu Sans"/>
+              </a:rPr>
+              <a:t>Three main aspects :</a:t>
+            </a:r>
+            <a:r>
+              <a:rPr b="1" lang="en-US" sz="1200" spc="-1" strike="noStrike">
                 <a:solidFill>
                   <a:srgbClr val="1c1c1c"/>
                 </a:solidFill>
                 <a:latin typeface="Noto Sans SemiBold"/>
                 <a:ea typeface="DejaVu Sans"/>
               </a:rPr>
-              <a:t> </a:t>
-            </a:r>
-            <a:r>
-              <a:rPr b="1" lang="en-US" sz="1800" spc="-1" strike="noStrike">
-                <a:solidFill>
-                  <a:srgbClr val="1c1c1c"/>
-                </a:solidFill>
-                <a:latin typeface="Noto Sans SemiBold"/>
-                <a:ea typeface="DejaVu Sans"/>
-              </a:rPr>
-              <a:t>Implémenation des interfaces Axilite</a:t>
-            </a:r>
-            <a:endParaRPr b="0" lang="en-US" sz="1800" spc="-1" strike="noStrike">
-              <a:latin typeface="Arial"/>
-            </a:endParaRPr>
-          </a:p>
-          <a:p>
-            <a:pPr marL="216000" indent="-215640">
+              <a:t>  </a:t>
+            </a:r>
+            <a:endParaRPr b="0" lang="en-US" sz="1200" spc="-1" strike="noStrike">
+              <a:latin typeface="Arial"/>
+            </a:endParaRPr>
+          </a:p>
+          <a:p>
+            <a:pPr>
               <a:lnSpc>
                 <a:spcPct val="100000"/>
               </a:lnSpc>
               <a:spcAft>
                 <a:spcPts val="1140"/>
               </a:spcAft>
-              <a:buClr>
-                <a:srgbClr val="000000"/>
-              </a:buClr>
-              <a:buFont typeface="StarSymbol"/>
-              <a:buAutoNum type="arabicParenR"/>
             </a:pPr>
             <a:r>
-              <a:rPr b="1" lang="en-US" sz="1800" spc="-1" strike="noStrike">
+              <a:rPr b="1" lang="en-US" sz="1200" spc="-1" strike="noStrike">
                 <a:solidFill>
                   <a:srgbClr val="1c1c1c"/>
                 </a:solidFill>
                 <a:latin typeface="Noto Sans SemiBold"/>
                 <a:ea typeface="DejaVu Sans"/>
               </a:rPr>
-              <a:t> </a:t>
-            </a:r>
-            <a:r>
-              <a:rPr b="1" lang="en-US" sz="1800" spc="-1" strike="noStrike">
+              <a:t>    </a:t>
+            </a:r>
+            <a:r>
+              <a:rPr b="1" lang="en-US" sz="1200" spc="-1" strike="noStrike">
                 <a:solidFill>
                   <a:srgbClr val="1c1c1c"/>
                 </a:solidFill>
                 <a:latin typeface="Noto Sans SemiBold"/>
                 <a:ea typeface="DejaVu Sans"/>
               </a:rPr>
-              <a:t>Gestion/redimensionnement des accès mémoires</a:t>
-            </a:r>
-            <a:endParaRPr b="0" lang="en-US" sz="1800" spc="-1" strike="noStrike">
-              <a:latin typeface="Arial"/>
-            </a:endParaRPr>
-          </a:p>
-          <a:p>
-            <a:pPr marL="216000" indent="-215640">
+              <a:t>1/ branches delays</a:t>
+            </a:r>
+            <a:endParaRPr b="0" lang="en-US" sz="1200" spc="-1" strike="noStrike">
+              <a:latin typeface="Arial"/>
+            </a:endParaRPr>
+          </a:p>
+          <a:p>
+            <a:pPr>
               <a:lnSpc>
                 <a:spcPct val="100000"/>
               </a:lnSpc>
               <a:spcAft>
                 <a:spcPts val="1140"/>
               </a:spcAft>
-              <a:buClr>
-                <a:srgbClr val="000000"/>
-              </a:buClr>
-              <a:buFont typeface="StarSymbol"/>
-              <a:buAutoNum type="arabicParenR"/>
             </a:pPr>
             <a:r>
-              <a:rPr b="1" lang="en-US" sz="1800" spc="-1" strike="noStrike">
+              <a:rPr b="1" lang="en-US" sz="1200" spc="-1" strike="noStrike">
                 <a:solidFill>
                   <a:srgbClr val="1c1c1c"/>
                 </a:solidFill>
                 <a:latin typeface="Noto Sans SemiBold"/>
                 <a:ea typeface="DejaVu Sans"/>
               </a:rPr>
-              <a:t> </a:t>
-            </a:r>
-            <a:r>
-              <a:rPr b="1" lang="en-US" sz="1800" spc="-1" strike="noStrike">
+              <a:t>    </a:t>
+            </a:r>
+            <a:r>
+              <a:rPr b="1" lang="en-US" sz="1200" spc="-1" strike="noStrike">
                 <a:solidFill>
                   <a:srgbClr val="1c1c1c"/>
                 </a:solidFill>
                 <a:latin typeface="Noto Sans SemiBold"/>
                 <a:ea typeface="DejaVu Sans"/>
               </a:rPr>
-              <a:t>Optimisations matérielles</a:t>
-            </a:r>
-            <a:endParaRPr b="0" lang="en-US" sz="1800" spc="-1" strike="noStrike">
+              <a:t>2/ use of cache</a:t>
+            </a:r>
+            <a:endParaRPr b="0" lang="en-US" sz="1200" spc="-1" strike="noStrike">
+              <a:latin typeface="Arial"/>
+            </a:endParaRPr>
+          </a:p>
+          <a:p>
+            <a:pPr>
+              <a:lnSpc>
+                <a:spcPct val="100000"/>
+              </a:lnSpc>
+              <a:spcAft>
+                <a:spcPts val="1140"/>
+              </a:spcAft>
+            </a:pPr>
+            <a:r>
+              <a:rPr b="1" lang="en-US" sz="1200" spc="-1" strike="noStrike">
+                <a:solidFill>
+                  <a:srgbClr val="1c1c1c"/>
+                </a:solidFill>
+                <a:latin typeface="Noto Sans SemiBold"/>
+                <a:ea typeface="DejaVu Sans"/>
+              </a:rPr>
+              <a:t>    </a:t>
+            </a:r>
+            <a:r>
+              <a:rPr b="1" lang="en-US" sz="1200" spc="-1" strike="noStrike">
+                <a:solidFill>
+                  <a:srgbClr val="1c1c1c"/>
+                </a:solidFill>
+                <a:latin typeface="Noto Sans SemiBold"/>
+                <a:ea typeface="DejaVu Sans"/>
+              </a:rPr>
+              <a:t>3/ data dependencies </a:t>
+            </a:r>
+            <a:endParaRPr b="0" lang="en-US" sz="1200" spc="-1" strike="noStrike">
+              <a:latin typeface="Arial"/>
+            </a:endParaRPr>
+          </a:p>
+          <a:p>
+            <a:pPr>
+              <a:lnSpc>
+                <a:spcPct val="100000"/>
+              </a:lnSpc>
+              <a:spcAft>
+                <a:spcPts val="1140"/>
+              </a:spcAft>
+            </a:pPr>
+            <a:r>
+              <a:rPr b="1" lang="en-US" sz="1200" spc="-1" strike="noStrike">
+                <a:solidFill>
+                  <a:srgbClr val="0000ff"/>
+                </a:solidFill>
+                <a:latin typeface="Noto Sans SemiBold"/>
+                <a:ea typeface="DejaVu Sans"/>
+              </a:rPr>
+              <a:t>Optimization options for GNU :</a:t>
+            </a:r>
+            <a:endParaRPr b="0" lang="en-US" sz="1200" spc="-1" strike="noStrike">
+              <a:latin typeface="Arial"/>
+            </a:endParaRPr>
+          </a:p>
+          <a:p>
+            <a:pPr>
+              <a:lnSpc>
+                <a:spcPct val="100000"/>
+              </a:lnSpc>
+              <a:spcAft>
+                <a:spcPts val="1140"/>
+              </a:spcAft>
+            </a:pPr>
+            <a:r>
+              <a:rPr b="1" lang="en-US" sz="1200" spc="-1" strike="noStrike">
+                <a:solidFill>
+                  <a:srgbClr val="1c1c1c"/>
+                </a:solidFill>
+                <a:latin typeface="Noto Sans SemiBold"/>
+                <a:ea typeface="DejaVu Sans"/>
+              </a:rPr>
+              <a:t>    </a:t>
+            </a:r>
+            <a:r>
+              <a:rPr b="1" lang="en-US" sz="1200" spc="-1" strike="noStrike">
+                <a:solidFill>
+                  <a:srgbClr val="1c1c1c"/>
+                </a:solidFill>
+                <a:latin typeface="Noto Sans SemiBold"/>
+                <a:ea typeface="DejaVu Sans"/>
+              </a:rPr>
+              <a:t>- O0 : no optimization</a:t>
+            </a:r>
+            <a:endParaRPr b="0" lang="en-US" sz="1200" spc="-1" strike="noStrike">
+              <a:latin typeface="Arial"/>
+            </a:endParaRPr>
+          </a:p>
+          <a:p>
+            <a:pPr>
+              <a:lnSpc>
+                <a:spcPct val="100000"/>
+              </a:lnSpc>
+              <a:spcAft>
+                <a:spcPts val="1140"/>
+              </a:spcAft>
+            </a:pPr>
+            <a:r>
+              <a:rPr b="1" lang="en-US" sz="1200" spc="-1" strike="noStrike">
+                <a:solidFill>
+                  <a:srgbClr val="1c1c1c"/>
+                </a:solidFill>
+                <a:latin typeface="Noto Sans SemiBold"/>
+                <a:ea typeface="DejaVu Sans"/>
+              </a:rPr>
+              <a:t>    </a:t>
+            </a:r>
+            <a:r>
+              <a:rPr b="1" lang="en-US" sz="1200" spc="-1" strike="noStrike">
+                <a:solidFill>
+                  <a:srgbClr val="1c1c1c"/>
+                </a:solidFill>
+                <a:latin typeface="Noto Sans SemiBold"/>
+                <a:ea typeface="DejaVu Sans"/>
+              </a:rPr>
+              <a:t>- O1 : optimization on branches</a:t>
+            </a:r>
+            <a:endParaRPr b="0" lang="en-US" sz="1200" spc="-1" strike="noStrike">
+              <a:latin typeface="Arial"/>
+            </a:endParaRPr>
+          </a:p>
+          <a:p>
+            <a:pPr>
+              <a:lnSpc>
+                <a:spcPct val="100000"/>
+              </a:lnSpc>
+              <a:spcAft>
+                <a:spcPts val="1140"/>
+              </a:spcAft>
+            </a:pPr>
+            <a:r>
+              <a:rPr b="1" lang="en-US" sz="1200" spc="-1" strike="noStrike">
+                <a:solidFill>
+                  <a:srgbClr val="1c1c1c"/>
+                </a:solidFill>
+                <a:latin typeface="Noto Sans SemiBold"/>
+                <a:ea typeface="DejaVu Sans"/>
+              </a:rPr>
+              <a:t>    </a:t>
+            </a:r>
+            <a:r>
+              <a:rPr b="1" lang="en-US" sz="1200" spc="-1" strike="noStrike">
+                <a:solidFill>
+                  <a:srgbClr val="1c1c1c"/>
+                </a:solidFill>
+                <a:latin typeface="Noto Sans SemiBold"/>
+                <a:ea typeface="DejaVu Sans"/>
+              </a:rPr>
+              <a:t>- O2 : optimization at the registers and instruction level</a:t>
+            </a:r>
+            <a:endParaRPr b="0" lang="en-US" sz="1200" spc="-1" strike="noStrike">
+              <a:latin typeface="Arial"/>
+            </a:endParaRPr>
+          </a:p>
+          <a:p>
+            <a:pPr>
+              <a:lnSpc>
+                <a:spcPct val="100000"/>
+              </a:lnSpc>
+              <a:spcAft>
+                <a:spcPts val="1140"/>
+              </a:spcAft>
+            </a:pPr>
+            <a:r>
+              <a:rPr b="1" lang="en-US" sz="1200" spc="-1" strike="noStrike">
+                <a:solidFill>
+                  <a:srgbClr val="1c1c1c"/>
+                </a:solidFill>
+                <a:latin typeface="Noto Sans SemiBold"/>
+                <a:ea typeface="DejaVu Sans"/>
+              </a:rPr>
+              <a:t>    </a:t>
+            </a:r>
+            <a:r>
+              <a:rPr b="1" lang="en-US" sz="1200" spc="-1" strike="noStrike">
+                <a:solidFill>
+                  <a:srgbClr val="1c1c1c"/>
+                </a:solidFill>
+                <a:latin typeface="Noto Sans SemiBold"/>
+                <a:ea typeface="DejaVu Sans"/>
+              </a:rPr>
+              <a:t>- O3 : optimization at the highest level (eSIMD vectorization , “inline”...)</a:t>
+            </a:r>
+            <a:endParaRPr b="0" lang="en-US" sz="1200" spc="-1" strike="noStrike">
+              <a:latin typeface="Arial"/>
+            </a:endParaRPr>
+          </a:p>
+          <a:p>
+            <a:pPr>
+              <a:lnSpc>
+                <a:spcPct val="100000"/>
+              </a:lnSpc>
+              <a:spcAft>
+                <a:spcPts val="1140"/>
+              </a:spcAft>
+            </a:pPr>
+            <a:r>
+              <a:rPr b="1" lang="en-US" sz="1200" spc="-1" strike="noStrike">
+                <a:solidFill>
+                  <a:srgbClr val="1c1c1c"/>
+                </a:solidFill>
+                <a:latin typeface="Noto Sans SemiBold"/>
+                <a:ea typeface="DejaVu Sans"/>
+              </a:rPr>
+              <a:t>    </a:t>
+            </a:r>
+            <a:r>
+              <a:rPr b="1" lang="en-US" sz="1200" spc="-1" strike="noStrike">
+                <a:solidFill>
+                  <a:srgbClr val="1c1c1c"/>
+                </a:solidFill>
+                <a:latin typeface="Noto Sans SemiBold"/>
+                <a:ea typeface="DejaVu Sans"/>
+              </a:rPr>
+              <a:t>- Os : optimization on code size </a:t>
+            </a:r>
+            <a:endParaRPr b="0" lang="en-US" sz="1200" spc="-1" strike="noStrike">
               <a:latin typeface="Arial"/>
             </a:endParaRPr>
           </a:p>
@@ -9316,14 +12400,14 @@
       </p:grpSpPr>
       <p:sp>
         <p:nvSpPr>
-          <p:cNvPr id="191" name="CustomShape 1"/>
+          <p:cNvPr id="243" name="CustomShape 1"/>
           <p:cNvSpPr/>
           <p:nvPr/>
         </p:nvSpPr>
         <p:spPr>
           <a:xfrm>
             <a:off x="359640" y="270000"/>
-            <a:ext cx="9357480" cy="673560"/>
+            <a:ext cx="9357840" cy="673920"/>
           </a:xfrm>
           <a:prstGeom prst="rect">
             <a:avLst/>
@@ -9355,7 +12439,7 @@
                 <a:latin typeface="Noto Sans Black"/>
                 <a:ea typeface="DejaVu Sans"/>
               </a:rPr>
-              <a:t>Sythèse Haut Niveau (HLS)</a:t>
+              <a:t>Software – ARM Implementation</a:t>
             </a:r>
             <a:endParaRPr b="0" lang="en-US" sz="3200" spc="-1" strike="noStrike">
               <a:latin typeface="Arial"/>
@@ -9365,14 +12449,14 @@
       </p:sp>
       <p:sp>
         <p:nvSpPr>
-          <p:cNvPr id="192" name="CustomShape 2"/>
+          <p:cNvPr id="244" name="CustomShape 2"/>
           <p:cNvSpPr/>
           <p:nvPr/>
         </p:nvSpPr>
         <p:spPr>
           <a:xfrm>
-            <a:off x="359640" y="1485000"/>
-            <a:ext cx="9177480" cy="3508560"/>
+            <a:off x="359280" y="1099800"/>
+            <a:ext cx="9177840" cy="4042080"/>
           </a:xfrm>
           <a:prstGeom prst="rect">
             <a:avLst/>
@@ -9402,166 +12486,100 @@
               </a:spcAft>
             </a:pPr>
             <a:r>
-              <a:rPr b="1" lang="en-US" sz="1800" spc="-1" strike="noStrike">
+              <a:rPr b="1" lang="en-US" sz="1600" spc="-1" strike="noStrike">
                 <a:solidFill>
                   <a:srgbClr val="1c1c1c"/>
                 </a:solidFill>
                 <a:latin typeface="Noto Sans SemiBold"/>
                 <a:ea typeface="DejaVu Sans"/>
               </a:rPr>
-              <a:t>Adaptation :</a:t>
-            </a:r>
-            <a:endParaRPr b="0" lang="en-US" sz="1800" spc="-1" strike="noStrike">
-              <a:latin typeface="Arial"/>
-            </a:endParaRPr>
-          </a:p>
-          <a:p>
-            <a:pPr marL="216000" indent="-215280">
+              <a:t>      </a:t>
+            </a:r>
+            <a:r>
+              <a:rPr b="1" lang="en-US" sz="1600" spc="-1" strike="noStrike">
+                <a:solidFill>
+                  <a:srgbClr val="1c1c1c"/>
+                </a:solidFill>
+                <a:latin typeface="Noto Sans SemiBold"/>
+                <a:ea typeface="DejaVu Sans"/>
+              </a:rPr>
+              <a:t>Code size (segmentation “text”)                                         Execution times</a:t>
+            </a:r>
+            <a:endParaRPr b="0" lang="en-US" sz="1600" spc="-1" strike="noStrike">
+              <a:latin typeface="Arial"/>
+            </a:endParaRPr>
+          </a:p>
+          <a:p>
+            <a:pPr>
               <a:lnSpc>
                 <a:spcPct val="100000"/>
               </a:lnSpc>
               <a:spcAft>
                 <a:spcPts val="1140"/>
               </a:spcAft>
-              <a:buClr>
-                <a:srgbClr val="000000"/>
-              </a:buClr>
-              <a:buSzPct val="45000"/>
-              <a:buFont typeface="Wingdings" charset="2"/>
-              <a:buChar char=""/>
             </a:pPr>
             <a:r>
-              <a:rPr b="1" lang="en-US" sz="1800" spc="-1" strike="noStrike">
+              <a:rPr b="1" lang="en-US" sz="1400" spc="-1" strike="noStrike">
                 <a:solidFill>
                   <a:srgbClr val="1c1c1c"/>
                 </a:solidFill>
                 <a:latin typeface="Noto Sans SemiBold"/>
                 <a:ea typeface="DejaVu Sans"/>
               </a:rPr>
-              <a:t>Intégration des implémentations logicielles</a:t>
-            </a:r>
-            <a:endParaRPr b="0" lang="en-US" sz="1800" spc="-1" strike="noStrike">
-              <a:latin typeface="Arial"/>
-            </a:endParaRPr>
-          </a:p>
-          <a:p>
-            <a:pPr marL="216000" indent="-215280">
-              <a:lnSpc>
-                <a:spcPct val="100000"/>
-              </a:lnSpc>
-              <a:spcAft>
-                <a:spcPts val="1140"/>
-              </a:spcAft>
-              <a:buClr>
-                <a:srgbClr val="000000"/>
-              </a:buClr>
-              <a:buSzPct val="45000"/>
-              <a:buFont typeface="Wingdings" charset="2"/>
-              <a:buChar char=""/>
-            </a:pPr>
-            <a:r>
-              <a:rPr b="1" lang="en-US" sz="1800" spc="-1" strike="noStrike">
-                <a:solidFill>
-                  <a:srgbClr val="1c1c1c"/>
-                </a:solidFill>
-                <a:latin typeface="Noto Sans SemiBold"/>
-                <a:ea typeface="DejaVu Sans"/>
-              </a:rPr>
-              <a:t>Correction et modification des programmes</a:t>
-            </a:r>
-            <a:endParaRPr b="0" lang="en-US" sz="1800" spc="-1" strike="noStrike">
-              <a:latin typeface="Arial"/>
-            </a:endParaRPr>
-          </a:p>
-          <a:p>
-            <a:pPr marL="216000" indent="-215280">
-              <a:lnSpc>
-                <a:spcPct val="100000"/>
-              </a:lnSpc>
-              <a:spcAft>
-                <a:spcPts val="1140"/>
-              </a:spcAft>
-              <a:buClr>
-                <a:srgbClr val="000000"/>
-              </a:buClr>
-              <a:buSzPct val="45000"/>
-              <a:buFont typeface="Wingdings" charset="2"/>
-              <a:buChar char=""/>
-            </a:pPr>
-            <a:r>
-              <a:rPr b="1" lang="en-US" sz="1800" spc="-1" strike="noStrike">
-                <a:solidFill>
-                  <a:srgbClr val="1c1c1c"/>
-                </a:solidFill>
-                <a:latin typeface="Noto Sans SemiBold"/>
-                <a:ea typeface="DejaVu Sans"/>
-              </a:rPr>
-              <a:t>Exploration des limites du trans-compilateur</a:t>
-            </a:r>
-            <a:endParaRPr b="0" lang="en-US" sz="1800" spc="-1" strike="noStrike">
-              <a:latin typeface="Arial"/>
-            </a:endParaRPr>
-          </a:p>
-          <a:p>
-            <a:pPr marL="216000" indent="-215280">
-              <a:lnSpc>
-                <a:spcPct val="100000"/>
-              </a:lnSpc>
-              <a:spcAft>
-                <a:spcPts val="1140"/>
-              </a:spcAft>
-              <a:buClr>
-                <a:srgbClr val="000000"/>
-              </a:buClr>
-              <a:buSzPct val="45000"/>
-              <a:buFont typeface="Wingdings" charset="2"/>
-              <a:buChar char=""/>
-            </a:pPr>
-            <a:r>
-              <a:rPr b="1" lang="en-US" sz="1800" spc="-1" strike="noStrike">
-                <a:solidFill>
-                  <a:srgbClr val="1c1c1c"/>
-                </a:solidFill>
-                <a:latin typeface="Noto Sans SemiBold"/>
-                <a:ea typeface="DejaVu Sans"/>
-              </a:rPr>
-              <a:t>Analyse de la « qualité » du code VHDL produit</a:t>
-            </a:r>
-            <a:endParaRPr b="0" lang="en-US" sz="1800" spc="-1" strike="noStrike">
-              <a:latin typeface="Arial"/>
-            </a:endParaRPr>
-          </a:p>
-          <a:p>
-            <a:pPr marL="216000" indent="-215280">
-              <a:lnSpc>
-                <a:spcPct val="100000"/>
-              </a:lnSpc>
-              <a:spcAft>
-                <a:spcPts val="1140"/>
-              </a:spcAft>
-              <a:buClr>
-                <a:srgbClr val="000000"/>
-              </a:buClr>
-              <a:buSzPct val="45000"/>
-              <a:buFont typeface="Wingdings" charset="2"/>
-              <a:buChar char=""/>
-            </a:pPr>
-            <a:r>
-              <a:rPr b="1" lang="en-US" sz="1800" spc="-1" strike="noStrike">
-                <a:solidFill>
-                  <a:srgbClr val="1c1c1c"/>
-                </a:solidFill>
-                <a:latin typeface="Noto Sans SemiBold"/>
-                <a:ea typeface="DejaVu Sans"/>
-              </a:rPr>
-              <a:t>Évaluation des critères de synthèse : surface et fréquence sur le FPGA</a:t>
-            </a:r>
-            <a:endParaRPr b="0" lang="en-US" sz="1800" spc="-1" strike="noStrike">
-              <a:latin typeface="Arial"/>
-            </a:endParaRPr>
-          </a:p>
-        </p:txBody>
-      </p:sp>
+              <a:t>  </a:t>
+            </a:r>
+            <a:endParaRPr b="0" lang="en-US" sz="1400" spc="-1" strike="noStrike">
+              <a:latin typeface="Arial"/>
+            </a:endParaRPr>
+          </a:p>
+        </p:txBody>
+      </p:sp>
+      <p:pic>
+        <p:nvPicPr>
+          <p:cNvPr id="245" name="图片 2" descr=""/>
+          <p:cNvPicPr/>
+          <p:nvPr/>
+        </p:nvPicPr>
+        <p:blipFill>
+          <a:blip r:embed="rId1"/>
+          <a:stretch/>
+        </p:blipFill>
+        <p:spPr>
+          <a:xfrm>
+            <a:off x="4272120" y="1496520"/>
+            <a:ext cx="5377320" cy="3021120"/>
+          </a:xfrm>
+          <a:prstGeom prst="rect">
+            <a:avLst/>
+          </a:prstGeom>
+          <a:ln>
+            <a:noFill/>
+          </a:ln>
+        </p:spPr>
+      </p:pic>
+      <p:pic>
+        <p:nvPicPr>
+          <p:cNvPr id="246" name="图片 9" descr=""/>
+          <p:cNvPicPr/>
+          <p:nvPr/>
+        </p:nvPicPr>
+        <p:blipFill>
+          <a:blip r:embed="rId2"/>
+          <a:stretch/>
+        </p:blipFill>
+        <p:spPr>
+          <a:xfrm>
+            <a:off x="565200" y="1546920"/>
+            <a:ext cx="3393720" cy="2970720"/>
+          </a:xfrm>
+          <a:prstGeom prst="rect">
+            <a:avLst/>
+          </a:prstGeom>
+          <a:ln>
+            <a:noFill/>
+          </a:ln>
+        </p:spPr>
+      </p:pic>
     </p:spTree>
   </p:cSld>
   <p:timing>
@@ -9613,14 +12631,14 @@
       </p:grpSpPr>
       <p:sp>
         <p:nvSpPr>
-          <p:cNvPr id="193" name="CustomShape 1"/>
+          <p:cNvPr id="247" name="CustomShape 1"/>
           <p:cNvSpPr/>
           <p:nvPr/>
         </p:nvSpPr>
         <p:spPr>
           <a:xfrm>
             <a:off x="359640" y="270000"/>
-            <a:ext cx="9357480" cy="673560"/>
+            <a:ext cx="9357840" cy="673920"/>
           </a:xfrm>
           <a:prstGeom prst="rect">
             <a:avLst/>
@@ -9652,7 +12670,7 @@
                 <a:latin typeface="Noto Sans Black"/>
                 <a:ea typeface="DejaVu Sans"/>
               </a:rPr>
-              <a:t>Conclusion</a:t>
+              <a:t>Software – Microblaze Implementation</a:t>
             </a:r>
             <a:endParaRPr b="0" lang="en-US" sz="3200" spc="-1" strike="noStrike">
               <a:latin typeface="Arial"/>
@@ -9662,14 +12680,14 @@
       </p:sp>
       <p:sp>
         <p:nvSpPr>
-          <p:cNvPr id="194" name="CustomShape 2"/>
+          <p:cNvPr id="248" name="CustomShape 2"/>
           <p:cNvSpPr/>
           <p:nvPr/>
         </p:nvSpPr>
         <p:spPr>
           <a:xfrm>
-            <a:off x="359640" y="1782000"/>
-            <a:ext cx="9177480" cy="2617560"/>
+            <a:off x="359280" y="1099800"/>
+            <a:ext cx="9177840" cy="4042080"/>
           </a:xfrm>
           <a:prstGeom prst="rect">
             <a:avLst/>
@@ -9690,181 +12708,256 @@
             <a:normAutofit/>
           </a:bodyPr>
           <a:p>
-            <a:pPr marL="216000" indent="-214200">
+            <a:pPr>
               <a:lnSpc>
                 <a:spcPct val="100000"/>
               </a:lnSpc>
               <a:spcAft>
                 <a:spcPts val="1140"/>
               </a:spcAft>
-              <a:buClr>
-                <a:srgbClr val="000000"/>
-              </a:buClr>
-              <a:buSzPct val="45000"/>
-              <a:buFont typeface="Wingdings" charset="2"/>
-              <a:buChar char=""/>
             </a:pPr>
             <a:r>
-              <a:rPr b="1" lang="en-US" sz="2800" spc="-1" strike="noStrike">
+              <a:rPr b="1" lang="en-US" sz="1600" spc="-1" strike="noStrike">
                 <a:solidFill>
                   <a:srgbClr val="1c1c1c"/>
                 </a:solidFill>
                 <a:latin typeface="Noto Sans SemiBold"/>
                 <a:ea typeface="DejaVu Sans"/>
               </a:rPr>
-              <a:t>Difficultés autour des environnements</a:t>
-            </a:r>
-            <a:endParaRPr b="0" lang="en-US" sz="2800" spc="-1" strike="noStrike">
-              <a:latin typeface="Arial"/>
-            </a:endParaRPr>
-          </a:p>
-          <a:p>
-            <a:pPr marL="216000" indent="-214200">
+              <a:t>Blocks design</a:t>
+            </a:r>
+            <a:endParaRPr b="0" lang="en-US" sz="1600" spc="-1" strike="noStrike">
+              <a:latin typeface="Arial"/>
+            </a:endParaRPr>
+          </a:p>
+          <a:p>
+            <a:pPr>
               <a:lnSpc>
                 <a:spcPct val="100000"/>
               </a:lnSpc>
               <a:spcAft>
                 <a:spcPts val="1140"/>
               </a:spcAft>
-              <a:buClr>
-                <a:srgbClr val="000000"/>
-              </a:buClr>
-              <a:buSzPct val="45000"/>
-              <a:buFont typeface="Wingdings" charset="2"/>
-              <a:buChar char=""/>
             </a:pPr>
-            <a:r>
-              <a:rPr b="1" lang="en-US" sz="2800" spc="-1" strike="noStrike">
-                <a:solidFill>
-                  <a:srgbClr val="1c1c1c"/>
-                </a:solidFill>
-                <a:latin typeface="Noto Sans SemiBold"/>
-                <a:ea typeface="DejaVu Sans"/>
-              </a:rPr>
-              <a:t>Efforts pour un concept fonctionnel</a:t>
-            </a:r>
-            <a:endParaRPr b="0" lang="en-US" sz="2800" spc="-1" strike="noStrike">
-              <a:latin typeface="Arial"/>
-            </a:endParaRPr>
-          </a:p>
-          <a:p>
-            <a:pPr marL="216000" indent="-214200">
+            <a:endParaRPr b="0" lang="en-US" sz="1600" spc="-1" strike="noStrike">
+              <a:latin typeface="Arial"/>
+            </a:endParaRPr>
+          </a:p>
+          <a:p>
+            <a:pPr>
               <a:lnSpc>
                 <a:spcPct val="100000"/>
               </a:lnSpc>
               <a:spcAft>
                 <a:spcPts val="1140"/>
               </a:spcAft>
-              <a:buClr>
-                <a:srgbClr val="000000"/>
-              </a:buClr>
-              <a:buSzPct val="45000"/>
-              <a:buFont typeface="Wingdings" charset="2"/>
-              <a:buChar char=""/>
             </a:pPr>
-            <a:r>
-              <a:rPr b="1" lang="en-US" sz="2800" spc="-1" strike="noStrike">
-                <a:solidFill>
-                  <a:srgbClr val="1c1c1c"/>
-                </a:solidFill>
-                <a:latin typeface="Noto Sans SemiBold"/>
-                <a:ea typeface="DejaVu Sans"/>
-              </a:rPr>
-              <a:t>Processus de développement en pipeline</a:t>
-            </a:r>
-            <a:endParaRPr b="0" lang="en-US" sz="2800" spc="-1" strike="noStrike">
-              <a:latin typeface="Arial"/>
-            </a:endParaRPr>
-          </a:p>
-          <a:p>
-            <a:pPr marL="216000" indent="-214200">
+            <a:endParaRPr b="0" lang="en-US" sz="1600" spc="-1" strike="noStrike">
+              <a:latin typeface="Arial"/>
+            </a:endParaRPr>
+          </a:p>
+          <a:p>
+            <a:pPr>
               <a:lnSpc>
                 <a:spcPct val="100000"/>
               </a:lnSpc>
               <a:spcAft>
                 <a:spcPts val="1140"/>
               </a:spcAft>
-              <a:buClr>
-                <a:srgbClr val="000000"/>
-              </a:buClr>
-              <a:buSzPct val="45000"/>
-              <a:buFont typeface="Wingdings" charset="2"/>
-              <a:buChar char=""/>
             </a:pPr>
-            <a:r>
-              <a:rPr b="1" lang="en-US" sz="2800" spc="-1" strike="noStrike">
-                <a:solidFill>
-                  <a:srgbClr val="1c1c1c"/>
-                </a:solidFill>
-                <a:latin typeface="Noto Sans SemiBold"/>
-                <a:ea typeface="DejaVu Sans"/>
-              </a:rPr>
-              <a:t>Parallélisation des travaux</a:t>
-            </a:r>
-            <a:endParaRPr b="0" lang="en-US" sz="2800" spc="-1" strike="noStrike">
-              <a:latin typeface="Arial"/>
-            </a:endParaRPr>
-          </a:p>
-          <a:p>
-            <a:pPr marL="216000" indent="-214200">
+            <a:endParaRPr b="0" lang="en-US" sz="1600" spc="-1" strike="noStrike">
+              <a:latin typeface="Arial"/>
+            </a:endParaRPr>
+          </a:p>
+          <a:p>
+            <a:pPr>
               <a:lnSpc>
                 <a:spcPct val="100000"/>
               </a:lnSpc>
               <a:spcAft>
                 <a:spcPts val="1140"/>
               </a:spcAft>
-              <a:buClr>
-                <a:srgbClr val="000000"/>
-              </a:buClr>
-              <a:buSzPct val="45000"/>
-              <a:buFont typeface="Wingdings" charset="2"/>
-              <a:buChar char=""/>
             </a:pPr>
-            <a:r>
-              <a:rPr b="1" lang="en-US" sz="2800" spc="-1" strike="noStrike">
-                <a:solidFill>
-                  <a:srgbClr val="1c1c1c"/>
-                </a:solidFill>
-                <a:latin typeface="Noto Sans SemiBold"/>
-                <a:ea typeface="DejaVu Sans"/>
-              </a:rPr>
-              <a:t>Solutions non évidentes</a:t>
-            </a:r>
-            <a:endParaRPr b="0" lang="en-US" sz="2800" spc="-1" strike="noStrike">
-              <a:latin typeface="Arial"/>
-            </a:endParaRPr>
-          </a:p>
-          <a:p>
-            <a:pPr marL="216000" indent="-214200">
+            <a:endParaRPr b="0" lang="en-US" sz="1600" spc="-1" strike="noStrike">
+              <a:latin typeface="Arial"/>
+            </a:endParaRPr>
+          </a:p>
+          <a:p>
+            <a:pPr>
               <a:lnSpc>
                 <a:spcPct val="100000"/>
               </a:lnSpc>
               <a:spcAft>
                 <a:spcPts val="1140"/>
               </a:spcAft>
-              <a:buClr>
-                <a:srgbClr val="000000"/>
-              </a:buClr>
-              <a:buSzPct val="45000"/>
-              <a:buFont typeface="Wingdings" charset="2"/>
-              <a:buChar char=""/>
             </a:pPr>
-            <a:r>
-              <a:rPr b="1" lang="en-US" sz="2800" spc="-1" strike="noStrike">
+            <a:endParaRPr b="0" lang="en-US" sz="1600" spc="-1" strike="noStrike">
+              <a:latin typeface="Arial"/>
+            </a:endParaRPr>
+          </a:p>
+          <a:p>
+            <a:pPr>
+              <a:lnSpc>
+                <a:spcPct val="100000"/>
+              </a:lnSpc>
+              <a:spcAft>
+                <a:spcPts val="1140"/>
+              </a:spcAft>
+            </a:pPr>
+            <a:endParaRPr b="0" lang="en-US" sz="1600" spc="-1" strike="noStrike">
+              <a:latin typeface="Arial"/>
+            </a:endParaRPr>
+          </a:p>
+          <a:p>
+            <a:pPr>
+              <a:lnSpc>
+                <a:spcPct val="100000"/>
+              </a:lnSpc>
+              <a:spcAft>
+                <a:spcPts val="1140"/>
+              </a:spcAft>
+            </a:pPr>
+            <a:r>
+              <a:rPr b="1" lang="en-US" sz="1600" spc="-1" strike="noStrike">
                 <a:solidFill>
                   <a:srgbClr val="1c1c1c"/>
                 </a:solidFill>
                 <a:latin typeface="Noto Sans SemiBold"/>
                 <a:ea typeface="DejaVu Sans"/>
               </a:rPr>
-              <a:t>Projet en direction non précise</a:t>
-            </a:r>
-            <a:endParaRPr b="0" lang="en-US" sz="2800" spc="-1" strike="noStrike">
-              <a:latin typeface="Arial"/>
-            </a:endParaRPr>
-          </a:p>
-        </p:txBody>
-      </p:sp>
+              <a:t>Report</a:t>
+            </a:r>
+            <a:endParaRPr b="0" lang="en-US" sz="1600" spc="-1" strike="noStrike">
+              <a:latin typeface="Arial"/>
+            </a:endParaRPr>
+          </a:p>
+          <a:p>
+            <a:pPr>
+              <a:lnSpc>
+                <a:spcPct val="100000"/>
+              </a:lnSpc>
+              <a:spcAft>
+                <a:spcPts val="1140"/>
+              </a:spcAft>
+            </a:pPr>
+            <a:r>
+              <a:rPr b="1" lang="en-US" sz="2600" spc="-1" strike="noStrike">
+                <a:solidFill>
+                  <a:srgbClr val="1c1c1c"/>
+                </a:solidFill>
+                <a:latin typeface="Noto Sans SemiBold"/>
+                <a:ea typeface="宋体"/>
+              </a:rPr>
+              <a:t>  </a:t>
+            </a:r>
+            <a:r>
+              <a:rPr b="1" lang="en-US" sz="1800" spc="-1" strike="noStrike">
+                <a:solidFill>
+                  <a:srgbClr val="1c1c1c"/>
+                </a:solidFill>
+                <a:latin typeface="Noto Sans SemiBold"/>
+                <a:ea typeface="宋体"/>
+              </a:rPr>
+              <a:t> </a:t>
+            </a:r>
+            <a:endParaRPr b="0" lang="en-US" sz="1800" spc="-1" strike="noStrike">
+              <a:latin typeface="Arial"/>
+            </a:endParaRPr>
+          </a:p>
+        </p:txBody>
+      </p:sp>
+      <p:pic>
+        <p:nvPicPr>
+          <p:cNvPr id="249" name="Image 4" descr=""/>
+          <p:cNvPicPr/>
+          <p:nvPr/>
+        </p:nvPicPr>
+        <p:blipFill>
+          <a:blip r:embed="rId1"/>
+          <a:stretch/>
+        </p:blipFill>
+        <p:spPr>
+          <a:xfrm>
+            <a:off x="273240" y="1415160"/>
+            <a:ext cx="4903200" cy="2117880"/>
+          </a:xfrm>
+          <a:prstGeom prst="rect">
+            <a:avLst/>
+          </a:prstGeom>
+          <a:ln>
+            <a:noFill/>
+          </a:ln>
+        </p:spPr>
+      </p:pic>
+      <p:pic>
+        <p:nvPicPr>
+          <p:cNvPr id="250" name="Image 6" descr=""/>
+          <p:cNvPicPr/>
+          <p:nvPr/>
+        </p:nvPicPr>
+        <p:blipFill>
+          <a:blip r:embed="rId2"/>
+          <a:stretch/>
+        </p:blipFill>
+        <p:spPr>
+          <a:xfrm>
+            <a:off x="6084000" y="1202040"/>
+            <a:ext cx="2604240" cy="2542680"/>
+          </a:xfrm>
+          <a:prstGeom prst="rect">
+            <a:avLst/>
+          </a:prstGeom>
+          <a:ln>
+            <a:noFill/>
+          </a:ln>
+        </p:spPr>
+      </p:pic>
+      <p:pic>
+        <p:nvPicPr>
+          <p:cNvPr id="251" name="Image 8" descr=""/>
+          <p:cNvPicPr/>
+          <p:nvPr/>
+        </p:nvPicPr>
+        <p:blipFill>
+          <a:blip r:embed="rId3"/>
+          <a:stretch/>
+        </p:blipFill>
+        <p:spPr>
+          <a:xfrm>
+            <a:off x="4995720" y="3898800"/>
+            <a:ext cx="4428360" cy="1082520"/>
+          </a:xfrm>
+          <a:prstGeom prst="rect">
+            <a:avLst/>
+          </a:prstGeom>
+          <a:ln>
+            <a:noFill/>
+          </a:ln>
+        </p:spPr>
+      </p:pic>
+      <p:pic>
+        <p:nvPicPr>
+          <p:cNvPr id="252" name="Image 10" descr=""/>
+          <p:cNvPicPr/>
+          <p:nvPr/>
+        </p:nvPicPr>
+        <p:blipFill>
+          <a:blip r:embed="rId4"/>
+          <a:stretch/>
+        </p:blipFill>
+        <p:spPr>
+          <a:xfrm>
+            <a:off x="353880" y="3972960"/>
+            <a:ext cx="3562920" cy="1166400"/>
+          </a:xfrm>
+          <a:prstGeom prst="rect">
+            <a:avLst/>
+          </a:prstGeom>
+          <a:ln>
+            <a:noFill/>
+          </a:ln>
+        </p:spPr>
+      </p:pic>
     </p:spTree>
   </p:cSld>
   <p:timing>
@@ -9874,6 +12967,379 @@
           <p:childTnLst>
             <p:seq>
               <p:cTn id="16" dur="indefinite" nodeType="mainSeq"/>
+              <p:prevCondLst>
+                <p:cond delay="0" evt="onPrev">
+                  <p:tgtEl>
+                    <p:sldTgt/>
+                  </p:tgtEl>
+                </p:cond>
+              </p:prevCondLst>
+              <p:nextCondLst>
+                <p:cond delay="0" evt="onNext">
+                  <p:tgtEl>
+                    <p:sldTgt/>
+                  </p:tgtEl>
+                </p:cond>
+              </p:nextCondLst>
+            </p:seq>
+          </p:childTnLst>
+        </p:cTn>
+      </p:par>
+    </p:tnLst>
+  </p:timing>
+</p:sld>
+</file>
+
+<file path=ppt/slides/slide9.xml><?xml version="1.0" encoding="utf-8"?>
+<p:sld xmlns:a="http://schemas.openxmlformats.org/drawingml/2006/main" xmlns:p="http://schemas.openxmlformats.org/presentationml/2006/main" xmlns:r="http://schemas.openxmlformats.org/officeDocument/2006/relationships" xmlns:p14="http://schemas.microsoft.com/office/powerpoint/2010/main" xmlns:p15="http://schemas.microsoft.com/office/powerpoint/2012/main" xmlns:mc="http://schemas.openxmlformats.org/markup-compatibility/2006">
+  <p:cSld>
+    <p:spTree>
+      <p:nvGrpSpPr>
+        <p:cNvPr id="1" name=""/>
+        <p:cNvGrpSpPr/>
+        <p:nvPr/>
+      </p:nvGrpSpPr>
+      <p:grpSpPr>
+        <a:xfrm>
+          <a:off x="0" y="0"/>
+          <a:ext cx="0" cy="0"/>
+          <a:chOff x="0" y="0"/>
+          <a:chExt cx="0" cy="0"/>
+        </a:xfrm>
+      </p:grpSpPr>
+      <p:sp>
+        <p:nvSpPr>
+          <p:cNvPr id="253" name="CustomShape 1"/>
+          <p:cNvSpPr/>
+          <p:nvPr/>
+        </p:nvSpPr>
+        <p:spPr>
+          <a:xfrm>
+            <a:off x="359640" y="177120"/>
+            <a:ext cx="9357840" cy="673920"/>
+          </a:xfrm>
+          <a:prstGeom prst="rect">
+            <a:avLst/>
+          </a:prstGeom>
+          <a:noFill/>
+          <a:ln>
+            <a:noFill/>
+          </a:ln>
+        </p:spPr>
+        <p:style>
+          <a:lnRef idx="0"/>
+          <a:fillRef idx="0"/>
+          <a:effectRef idx="0"/>
+          <a:fontRef idx="minor"/>
+        </p:style>
+        <p:txBody>
+          <a:bodyPr lIns="0" rIns="0" tIns="0" bIns="0" anchor="b"/>
+          <a:p>
+            <a:pPr>
+              <a:lnSpc>
+                <a:spcPct val="100000"/>
+              </a:lnSpc>
+            </a:pPr>
+            <a:r>
+              <a:rPr b="1" lang="en-US" sz="3200" spc="-1" strike="noStrike">
+                <a:solidFill>
+                  <a:srgbClr val="ffffff"/>
+                </a:solidFill>
+                <a:latin typeface="Noto Sans Black"/>
+                <a:ea typeface="DejaVu Sans"/>
+              </a:rPr>
+              <a:t>Software – Microblaze Implementation</a:t>
+            </a:r>
+            <a:endParaRPr b="0" lang="en-US" sz="3200" spc="-1" strike="noStrike">
+              <a:latin typeface="Arial"/>
+            </a:endParaRPr>
+          </a:p>
+        </p:txBody>
+      </p:sp>
+      <p:sp>
+        <p:nvSpPr>
+          <p:cNvPr id="254" name="CustomShape 2"/>
+          <p:cNvSpPr/>
+          <p:nvPr/>
+        </p:nvSpPr>
+        <p:spPr>
+          <a:xfrm>
+            <a:off x="359280" y="1099800"/>
+            <a:ext cx="9177840" cy="4042080"/>
+          </a:xfrm>
+          <a:prstGeom prst="rect">
+            <a:avLst/>
+          </a:prstGeom>
+          <a:noFill/>
+          <a:ln>
+            <a:noFill/>
+          </a:ln>
+        </p:spPr>
+        <p:style>
+          <a:lnRef idx="0"/>
+          <a:fillRef idx="0"/>
+          <a:effectRef idx="0"/>
+          <a:fontRef idx="minor"/>
+        </p:style>
+        <p:txBody>
+          <a:bodyPr lIns="0" rIns="0" tIns="0" bIns="0">
+            <a:normAutofit/>
+          </a:bodyPr>
+          <a:p>
+            <a:pPr>
+              <a:lnSpc>
+                <a:spcPct val="100000"/>
+              </a:lnSpc>
+              <a:spcAft>
+                <a:spcPts val="1140"/>
+              </a:spcAft>
+            </a:pPr>
+            <a:r>
+              <a:rPr b="1" lang="en-US" sz="1600" spc="-1" strike="noStrike">
+                <a:solidFill>
+                  <a:srgbClr val="1c1c1c"/>
+                </a:solidFill>
+                <a:latin typeface="Noto Sans SemiBold"/>
+                <a:ea typeface="DejaVu Sans"/>
+              </a:rPr>
+              <a:t>Design on Vivado SDK </a:t>
+            </a:r>
+            <a:endParaRPr b="0" lang="en-US" sz="1600" spc="-1" strike="noStrike">
+              <a:latin typeface="Arial"/>
+            </a:endParaRPr>
+          </a:p>
+          <a:p>
+            <a:pPr>
+              <a:lnSpc>
+                <a:spcPct val="100000"/>
+              </a:lnSpc>
+              <a:spcAft>
+                <a:spcPts val="1140"/>
+              </a:spcAft>
+            </a:pPr>
+            <a:r>
+              <a:rPr b="1" lang="en-US" sz="1200" spc="-1" strike="noStrike">
+                <a:solidFill>
+                  <a:srgbClr val="1c1c1c"/>
+                </a:solidFill>
+                <a:latin typeface="Noto Sans SemiBold"/>
+                <a:ea typeface="DejaVu Sans"/>
+              </a:rPr>
+              <a:t>1/ Changes in librairies and functions used for timing :</a:t>
+            </a:r>
+            <a:endParaRPr b="0" lang="en-US" sz="1200" spc="-1" strike="noStrike">
+              <a:latin typeface="Arial"/>
+            </a:endParaRPr>
+          </a:p>
+          <a:p>
+            <a:pPr>
+              <a:lnSpc>
+                <a:spcPct val="100000"/>
+              </a:lnSpc>
+              <a:spcAft>
+                <a:spcPts val="1140"/>
+              </a:spcAft>
+            </a:pPr>
+            <a:r>
+              <a:rPr b="1" lang="en-US" sz="1200" spc="-1" strike="noStrike">
+                <a:solidFill>
+                  <a:srgbClr val="1c1c1c"/>
+                </a:solidFill>
+                <a:latin typeface="Noto Sans SemiBold"/>
+                <a:ea typeface="DejaVu Sans"/>
+              </a:rPr>
+              <a:t>xtime_l.h for ARM Implementation</a:t>
+            </a:r>
+            <a:endParaRPr b="0" lang="en-US" sz="1200" spc="-1" strike="noStrike">
+              <a:latin typeface="Arial"/>
+            </a:endParaRPr>
+          </a:p>
+          <a:p>
+            <a:pPr>
+              <a:lnSpc>
+                <a:spcPct val="100000"/>
+              </a:lnSpc>
+              <a:spcAft>
+                <a:spcPts val="1140"/>
+              </a:spcAft>
+            </a:pPr>
+            <a:r>
+              <a:rPr b="1" lang="en-US" sz="1200" spc="-1" strike="noStrike">
+                <a:solidFill>
+                  <a:srgbClr val="1c1c1c"/>
+                </a:solidFill>
+                <a:latin typeface="Noto Sans SemiBold"/>
+                <a:ea typeface="DejaVu Sans"/>
+              </a:rPr>
+              <a:t>xtmrctr.h for Microblaze Implementation</a:t>
+            </a:r>
+            <a:endParaRPr b="0" lang="en-US" sz="1200" spc="-1" strike="noStrike">
+              <a:latin typeface="Arial"/>
+            </a:endParaRPr>
+          </a:p>
+          <a:p>
+            <a:pPr>
+              <a:lnSpc>
+                <a:spcPct val="100000"/>
+              </a:lnSpc>
+              <a:spcAft>
+                <a:spcPts val="1140"/>
+              </a:spcAft>
+            </a:pPr>
+            <a:endParaRPr b="0" lang="en-US" sz="1200" spc="-1" strike="noStrike">
+              <a:latin typeface="Arial"/>
+            </a:endParaRPr>
+          </a:p>
+          <a:p>
+            <a:pPr>
+              <a:lnSpc>
+                <a:spcPct val="100000"/>
+              </a:lnSpc>
+              <a:spcAft>
+                <a:spcPts val="1140"/>
+              </a:spcAft>
+            </a:pPr>
+            <a:r>
+              <a:rPr b="1" lang="en-US" sz="1200" spc="-1" strike="noStrike">
+                <a:solidFill>
+                  <a:srgbClr val="1c1c1c"/>
+                </a:solidFill>
+                <a:latin typeface="Noto Sans SemiBold"/>
+                <a:ea typeface="宋体"/>
+              </a:rPr>
+              <a:t>2/ Several bugs launching FPGA programmation...</a:t>
+            </a:r>
+            <a:endParaRPr b="0" lang="en-US" sz="1200" spc="-1" strike="noStrike">
+              <a:latin typeface="Arial"/>
+            </a:endParaRPr>
+          </a:p>
+          <a:p>
+            <a:pPr>
+              <a:lnSpc>
+                <a:spcPct val="100000"/>
+              </a:lnSpc>
+              <a:spcAft>
+                <a:spcPts val="1140"/>
+              </a:spcAft>
+            </a:pPr>
+            <a:r>
+              <a:rPr b="1" lang="en-US" sz="1400" spc="-1" strike="noStrike">
+                <a:solidFill>
+                  <a:srgbClr val="1c1c1c"/>
+                </a:solidFill>
+                <a:latin typeface="Noto Sans SemiBold"/>
+                <a:ea typeface="DejaVu Sans"/>
+              </a:rPr>
+              <a:t>  </a:t>
+            </a:r>
+            <a:endParaRPr b="0" lang="en-US" sz="1400" spc="-1" strike="noStrike">
+              <a:latin typeface="Arial"/>
+            </a:endParaRPr>
+          </a:p>
+        </p:txBody>
+      </p:sp>
+      <p:pic>
+        <p:nvPicPr>
+          <p:cNvPr id="255" name="Image 2" descr=""/>
+          <p:cNvPicPr/>
+          <p:nvPr/>
+        </p:nvPicPr>
+        <p:blipFill>
+          <a:blip r:embed="rId1"/>
+          <a:srcRect l="0" t="0" r="3729" b="0"/>
+          <a:stretch/>
+        </p:blipFill>
+        <p:spPr>
+          <a:xfrm>
+            <a:off x="5787720" y="1217520"/>
+            <a:ext cx="3375000" cy="3176640"/>
+          </a:xfrm>
+          <a:prstGeom prst="rect">
+            <a:avLst/>
+          </a:prstGeom>
+          <a:ln>
+            <a:noFill/>
+          </a:ln>
+        </p:spPr>
+      </p:pic>
+      <p:pic>
+        <p:nvPicPr>
+          <p:cNvPr id="256" name="Image 6" descr=""/>
+          <p:cNvPicPr/>
+          <p:nvPr/>
+        </p:nvPicPr>
+        <p:blipFill>
+          <a:blip r:embed="rId2"/>
+          <a:stretch/>
+        </p:blipFill>
+        <p:spPr>
+          <a:xfrm>
+            <a:off x="291960" y="3223080"/>
+            <a:ext cx="2658960" cy="1392120"/>
+          </a:xfrm>
+          <a:prstGeom prst="rect">
+            <a:avLst/>
+          </a:prstGeom>
+          <a:ln>
+            <a:noFill/>
+          </a:ln>
+        </p:spPr>
+      </p:pic>
+      <p:pic>
+        <p:nvPicPr>
+          <p:cNvPr id="257" name="Image 8" descr=""/>
+          <p:cNvPicPr/>
+          <p:nvPr/>
+        </p:nvPicPr>
+        <p:blipFill>
+          <a:blip r:embed="rId3"/>
+          <a:stretch/>
+        </p:blipFill>
+        <p:spPr>
+          <a:xfrm>
+            <a:off x="3005280" y="3224520"/>
+            <a:ext cx="2025360" cy="613440"/>
+          </a:xfrm>
+          <a:prstGeom prst="rect">
+            <a:avLst/>
+          </a:prstGeom>
+          <a:ln>
+            <a:noFill/>
+          </a:ln>
+        </p:spPr>
+      </p:pic>
+      <p:pic>
+        <p:nvPicPr>
+          <p:cNvPr id="258" name="Image 10" descr=""/>
+          <p:cNvPicPr/>
+          <p:nvPr/>
+        </p:nvPicPr>
+        <p:blipFill>
+          <a:blip r:embed="rId4"/>
+          <a:stretch/>
+        </p:blipFill>
+        <p:spPr>
+          <a:xfrm>
+            <a:off x="3005280" y="3921120"/>
+            <a:ext cx="2034360" cy="783360"/>
+          </a:xfrm>
+          <a:prstGeom prst="rect">
+            <a:avLst/>
+          </a:prstGeom>
+          <a:ln>
+            <a:noFill/>
+          </a:ln>
+        </p:spPr>
+      </p:pic>
+    </p:spTree>
+  </p:cSld>
+  <p:timing>
+    <p:tnLst>
+      <p:par>
+        <p:cTn id="17" dur="indefinite" restart="never" nodeType="tmRoot">
+          <p:childTnLst>
+            <p:seq>
+              <p:cTn id="18" dur="indefinite" nodeType="mainSeq"/>
               <p:prevCondLst>
                 <p:cond delay="0" evt="onPrev">
                   <p:tgtEl>
@@ -10787,4 +14253,227 @@
     </a:fmtScheme>
   </a:themeElements>
 </a:theme>
+</file>
+
+<file path=ppt/theme/theme5.xml><?xml version="1.0" encoding="utf-8"?>
+<a:theme xmlns:a="http://schemas.openxmlformats.org/drawingml/2006/main" name="Office Theme">
+  <a:themeElements>
+    <a:clrScheme name="Office">
+      <a:dk1>
+        <a:sysClr val="windowText" lastClr="000000"/>
+      </a:dk1>
+      <a:lt1>
+        <a:sysClr val="window" lastClr="FFFFFF"/>
+      </a:lt1>
+      <a:dk2>
+        <a:srgbClr val="1f497d"/>
+      </a:dk2>
+      <a:lt2>
+        <a:srgbClr val="eeece1"/>
+      </a:lt2>
+      <a:accent1>
+        <a:srgbClr val="4f81bd"/>
+      </a:accent1>
+      <a:accent2>
+        <a:srgbClr val="c0504d"/>
+      </a:accent2>
+      <a:accent3>
+        <a:srgbClr val="9bbb59"/>
+      </a:accent3>
+      <a:accent4>
+        <a:srgbClr val="8064a2"/>
+      </a:accent4>
+      <a:accent5>
+        <a:srgbClr val="4bacc6"/>
+      </a:accent5>
+      <a:accent6>
+        <a:srgbClr val="f79646"/>
+      </a:accent6>
+      <a:hlink>
+        <a:srgbClr val="0000ff"/>
+      </a:hlink>
+      <a:folHlink>
+        <a:srgbClr val="800080"/>
+      </a:folHlink>
+    </a:clrScheme>
+    <a:fontScheme name="Office">
+      <a:majorFont>
+        <a:latin typeface="Arial"/>
+        <a:ea typeface="DejaVu Sans"/>
+        <a:cs typeface="DejaVu Sans"/>
+      </a:majorFont>
+      <a:minorFont>
+        <a:latin typeface="Arial"/>
+        <a:ea typeface="DejaVu Sans"/>
+        <a:cs typeface="DejaVu Sans"/>
+      </a:minorFont>
+    </a:fontScheme>
+    <a:fmtScheme name="Office">
+      <a:fillStyleLst>
+        <a:solidFill>
+          <a:schemeClr val="phClr"/>
+        </a:solidFill>
+        <a:gradFill rotWithShape="1">
+          <a:gsLst>
+            <a:gs pos="0">
+              <a:schemeClr val="phClr">
+                <a:tint val="50000"/>
+                <a:satMod val="300000"/>
+              </a:schemeClr>
+            </a:gs>
+            <a:gs pos="35000">
+              <a:schemeClr val="phClr">
+                <a:tint val="37000"/>
+                <a:satMod val="300000"/>
+              </a:schemeClr>
+            </a:gs>
+            <a:gs pos="100000">
+              <a:schemeClr val="phClr">
+                <a:tint val="15000"/>
+                <a:satMod val="350000"/>
+              </a:schemeClr>
+            </a:gs>
+          </a:gsLst>
+          <a:lin ang="16200000" scaled="1"/>
+        </a:gradFill>
+        <a:gradFill rotWithShape="1">
+          <a:gsLst>
+            <a:gs pos="0">
+              <a:schemeClr val="phClr">
+                <a:shade val="51000"/>
+                <a:satMod val="130000"/>
+              </a:schemeClr>
+            </a:gs>
+            <a:gs pos="80000">
+              <a:schemeClr val="phClr">
+                <a:shade val="93000"/>
+                <a:satMod val="130000"/>
+              </a:schemeClr>
+            </a:gs>
+            <a:gs pos="100000">
+              <a:schemeClr val="phClr">
+                <a:shade val="94000"/>
+                <a:satMod val="135000"/>
+              </a:schemeClr>
+            </a:gs>
+          </a:gsLst>
+          <a:lin ang="16200000" scaled="0"/>
+        </a:gradFill>
+      </a:fillStyleLst>
+      <a:lnStyleLst>
+        <a:ln w="9525" cap="flat" cmpd="sng" algn="ctr">
+          <a:solidFill>
+            <a:schemeClr val="phClr">
+              <a:shade val="95000"/>
+              <a:satMod val="105000"/>
+            </a:schemeClr>
+          </a:solidFill>
+          <a:prstDash val="solid"/>
+        </a:ln>
+        <a:ln w="25400" cap="flat" cmpd="sng" algn="ctr">
+          <a:solidFill>
+            <a:schemeClr val="phClr"/>
+          </a:solidFill>
+          <a:prstDash val="solid"/>
+        </a:ln>
+        <a:ln w="38100" cap="flat" cmpd="sng" algn="ctr">
+          <a:solidFill>
+            <a:schemeClr val="phClr"/>
+          </a:solidFill>
+          <a:prstDash val="solid"/>
+        </a:ln>
+      </a:lnStyleLst>
+      <a:effectStyleLst>
+        <a:effectStyle>
+          <a:effectLst>
+            <a:outerShdw blurRad="40000" dist="20000" dir="5400000" rotWithShape="0">
+              <a:srgbClr val="000000">
+                <a:alpha val="38000"/>
+              </a:srgbClr>
+            </a:outerShdw>
+          </a:effectLst>
+        </a:effectStyle>
+        <a:effectStyle>
+          <a:effectLst>
+            <a:outerShdw blurRad="40000" dist="23000" dir="5400000" rotWithShape="0">
+              <a:srgbClr val="000000">
+                <a:alpha val="35000"/>
+              </a:srgbClr>
+            </a:outerShdw>
+          </a:effectLst>
+        </a:effectStyle>
+        <a:effectStyle>
+          <a:effectLst>
+            <a:outerShdw blurRad="40000" dist="23000" dir="5400000" rotWithShape="0">
+              <a:srgbClr val="000000">
+                <a:alpha val="35000"/>
+              </a:srgbClr>
+            </a:outerShdw>
+          </a:effectLst>
+          <a:scene3d>
+            <a:camera prst="orthographicFront">
+              <a:rot lat="0" lon="0" rev="0"/>
+            </a:camera>
+            <a:lightRig rig="threePt" dir="t">
+              <a:rot lat="0" lon="0" rev="1200000"/>
+            </a:lightRig>
+          </a:scene3d>
+          <a:sp3d>
+            <a:bevelT w="63500" h="25400"/>
+          </a:sp3d>
+        </a:effectStyle>
+      </a:effectStyleLst>
+      <a:bgFillStyleLst>
+        <a:solidFill>
+          <a:schemeClr val="phClr"/>
+        </a:solidFill>
+        <a:gradFill rotWithShape="1">
+          <a:gsLst>
+            <a:gs pos="0">
+              <a:schemeClr val="phClr">
+                <a:tint val="40000"/>
+                <a:satMod val="350000"/>
+              </a:schemeClr>
+            </a:gs>
+            <a:gs pos="40000">
+              <a:schemeClr val="phClr">
+                <a:tint val="45000"/>
+                <a:shade val="99000"/>
+                <a:satMod val="350000"/>
+              </a:schemeClr>
+            </a:gs>
+            <a:gs pos="100000">
+              <a:schemeClr val="phClr">
+                <a:shade val="20000"/>
+                <a:satMod val="255000"/>
+              </a:schemeClr>
+            </a:gs>
+          </a:gsLst>
+          <a:path path="circle">
+            <a:fillToRect l="50000" t="-80000" r="50000" b="180000"/>
+          </a:path>
+        </a:gradFill>
+        <a:gradFill rotWithShape="1">
+          <a:gsLst>
+            <a:gs pos="0">
+              <a:schemeClr val="phClr">
+                <a:tint val="80000"/>
+                <a:satMod val="300000"/>
+              </a:schemeClr>
+            </a:gs>
+            <a:gs pos="100000">
+              <a:schemeClr val="phClr">
+                <a:shade val="30000"/>
+                <a:satMod val="200000"/>
+              </a:schemeClr>
+            </a:gs>
+          </a:gsLst>
+          <a:path path="circle">
+            <a:fillToRect l="50000" t="50000" r="50000" b="50000"/>
+          </a:path>
+        </a:gradFill>
+      </a:bgFillStyleLst>
+    </a:fmtScheme>
+  </a:themeElements>
+</a:theme>
 </file>
--- a/presentation_finale/prensent_A2_ghaoui.pptx
+++ b/presentation_finale/prensent_A2_ghaoui.pptx
@@ -22,6 +22,7 @@
     <p:sldId id="266" r:id="rId17"/>
     <p:sldId id="267" r:id="rId18"/>
     <p:sldId id="268" r:id="rId19"/>
+    <p:sldId id="269" r:id="rId20"/>
   </p:sldIdLst>
   <p:sldSz cx="10080625" cy="5670550"/>
   <p:notesSz cx="7559675" cy="10691812"/>
@@ -604,7 +605,7 @@
       </p:grpSpPr>
       <p:sp>
         <p:nvSpPr>
-          <p:cNvPr id="45" name="PlaceHolder 1"/>
+          <p:cNvPr id="46" name="PlaceHolder 1"/>
           <p:cNvSpPr>
             <a:spLocks noGrp="1"/>
           </p:cNvSpPr>
@@ -633,7 +634,7 @@
       </p:sp>
       <p:sp>
         <p:nvSpPr>
-          <p:cNvPr id="46" name="PlaceHolder 2"/>
+          <p:cNvPr id="47" name="PlaceHolder 2"/>
           <p:cNvSpPr>
             <a:spLocks noGrp="1"/>
           </p:cNvSpPr>
@@ -684,7 +685,7 @@
       </p:grpSpPr>
       <p:sp>
         <p:nvSpPr>
-          <p:cNvPr id="47" name="PlaceHolder 1"/>
+          <p:cNvPr id="48" name="PlaceHolder 1"/>
           <p:cNvSpPr>
             <a:spLocks noGrp="1"/>
           </p:cNvSpPr>
@@ -713,7 +714,7 @@
       </p:sp>
       <p:sp>
         <p:nvSpPr>
-          <p:cNvPr id="48" name="PlaceHolder 2"/>
+          <p:cNvPr id="49" name="PlaceHolder 2"/>
           <p:cNvSpPr>
             <a:spLocks noGrp="1"/>
           </p:cNvSpPr>
@@ -765,7 +766,7 @@
       </p:grpSpPr>
       <p:sp>
         <p:nvSpPr>
-          <p:cNvPr id="49" name="PlaceHolder 1"/>
+          <p:cNvPr id="50" name="PlaceHolder 1"/>
           <p:cNvSpPr>
             <a:spLocks noGrp="1"/>
           </p:cNvSpPr>
@@ -794,7 +795,7 @@
       </p:sp>
       <p:sp>
         <p:nvSpPr>
-          <p:cNvPr id="50" name="PlaceHolder 2"/>
+          <p:cNvPr id="51" name="PlaceHolder 2"/>
           <p:cNvSpPr>
             <a:spLocks noGrp="1"/>
           </p:cNvSpPr>
@@ -824,7 +825,7 @@
       </p:sp>
       <p:sp>
         <p:nvSpPr>
-          <p:cNvPr id="51" name="PlaceHolder 3"/>
+          <p:cNvPr id="52" name="PlaceHolder 3"/>
           <p:cNvSpPr>
             <a:spLocks noGrp="1"/>
           </p:cNvSpPr>
@@ -876,7 +877,7 @@
       </p:grpSpPr>
       <p:sp>
         <p:nvSpPr>
-          <p:cNvPr id="52" name="PlaceHolder 1"/>
+          <p:cNvPr id="53" name="PlaceHolder 1"/>
           <p:cNvSpPr>
             <a:spLocks noGrp="1"/>
           </p:cNvSpPr>
@@ -927,7 +928,7 @@
       </p:grpSpPr>
       <p:sp>
         <p:nvSpPr>
-          <p:cNvPr id="53" name="PlaceHolder 1"/>
+          <p:cNvPr id="54" name="PlaceHolder 1"/>
           <p:cNvSpPr>
             <a:spLocks noGrp="1"/>
           </p:cNvSpPr>
@@ -978,7 +979,7 @@
       </p:grpSpPr>
       <p:sp>
         <p:nvSpPr>
-          <p:cNvPr id="54" name="PlaceHolder 1"/>
+          <p:cNvPr id="55" name="PlaceHolder 1"/>
           <p:cNvSpPr>
             <a:spLocks noGrp="1"/>
           </p:cNvSpPr>
@@ -1007,7 +1008,7 @@
       </p:sp>
       <p:sp>
         <p:nvSpPr>
-          <p:cNvPr id="55" name="PlaceHolder 2"/>
+          <p:cNvPr id="56" name="PlaceHolder 2"/>
           <p:cNvSpPr>
             <a:spLocks noGrp="1"/>
           </p:cNvSpPr>
@@ -1037,7 +1038,7 @@
       </p:sp>
       <p:sp>
         <p:nvSpPr>
-          <p:cNvPr id="56" name="PlaceHolder 3"/>
+          <p:cNvPr id="57" name="PlaceHolder 3"/>
           <p:cNvSpPr>
             <a:spLocks noGrp="1"/>
           </p:cNvSpPr>
@@ -1067,7 +1068,7 @@
       </p:sp>
       <p:sp>
         <p:nvSpPr>
-          <p:cNvPr id="57" name="PlaceHolder 4"/>
+          <p:cNvPr id="58" name="PlaceHolder 4"/>
           <p:cNvSpPr>
             <a:spLocks noGrp="1"/>
           </p:cNvSpPr>
@@ -1199,7 +1200,7 @@
       </p:grpSpPr>
       <p:sp>
         <p:nvSpPr>
-          <p:cNvPr id="58" name="PlaceHolder 1"/>
+          <p:cNvPr id="59" name="PlaceHolder 1"/>
           <p:cNvSpPr>
             <a:spLocks noGrp="1"/>
           </p:cNvSpPr>
@@ -1228,7 +1229,7 @@
       </p:sp>
       <p:sp>
         <p:nvSpPr>
-          <p:cNvPr id="59" name="PlaceHolder 2"/>
+          <p:cNvPr id="60" name="PlaceHolder 2"/>
           <p:cNvSpPr>
             <a:spLocks noGrp="1"/>
           </p:cNvSpPr>
@@ -1258,7 +1259,7 @@
       </p:sp>
       <p:sp>
         <p:nvSpPr>
-          <p:cNvPr id="60" name="PlaceHolder 3"/>
+          <p:cNvPr id="61" name="PlaceHolder 3"/>
           <p:cNvSpPr>
             <a:spLocks noGrp="1"/>
           </p:cNvSpPr>
@@ -1288,7 +1289,7 @@
       </p:sp>
       <p:sp>
         <p:nvSpPr>
-          <p:cNvPr id="61" name="PlaceHolder 4"/>
+          <p:cNvPr id="62" name="PlaceHolder 4"/>
           <p:cNvSpPr>
             <a:spLocks noGrp="1"/>
           </p:cNvSpPr>
@@ -1340,7 +1341,7 @@
       </p:grpSpPr>
       <p:sp>
         <p:nvSpPr>
-          <p:cNvPr id="62" name="PlaceHolder 1"/>
+          <p:cNvPr id="63" name="PlaceHolder 1"/>
           <p:cNvSpPr>
             <a:spLocks noGrp="1"/>
           </p:cNvSpPr>
@@ -1369,7 +1370,7 @@
       </p:sp>
       <p:sp>
         <p:nvSpPr>
-          <p:cNvPr id="63" name="PlaceHolder 2"/>
+          <p:cNvPr id="64" name="PlaceHolder 2"/>
           <p:cNvSpPr>
             <a:spLocks noGrp="1"/>
           </p:cNvSpPr>
@@ -1399,7 +1400,7 @@
       </p:sp>
       <p:sp>
         <p:nvSpPr>
-          <p:cNvPr id="64" name="PlaceHolder 3"/>
+          <p:cNvPr id="65" name="PlaceHolder 3"/>
           <p:cNvSpPr>
             <a:spLocks noGrp="1"/>
           </p:cNvSpPr>
@@ -1429,7 +1430,7 @@
       </p:sp>
       <p:sp>
         <p:nvSpPr>
-          <p:cNvPr id="65" name="PlaceHolder 4"/>
+          <p:cNvPr id="66" name="PlaceHolder 4"/>
           <p:cNvSpPr>
             <a:spLocks noGrp="1"/>
           </p:cNvSpPr>
@@ -1481,7 +1482,7 @@
       </p:grpSpPr>
       <p:sp>
         <p:nvSpPr>
-          <p:cNvPr id="66" name="PlaceHolder 1"/>
+          <p:cNvPr id="67" name="PlaceHolder 1"/>
           <p:cNvSpPr>
             <a:spLocks noGrp="1"/>
           </p:cNvSpPr>
@@ -1510,7 +1511,7 @@
       </p:sp>
       <p:sp>
         <p:nvSpPr>
-          <p:cNvPr id="67" name="PlaceHolder 2"/>
+          <p:cNvPr id="68" name="PlaceHolder 2"/>
           <p:cNvSpPr>
             <a:spLocks noGrp="1"/>
           </p:cNvSpPr>
@@ -1540,7 +1541,7 @@
       </p:sp>
       <p:sp>
         <p:nvSpPr>
-          <p:cNvPr id="68" name="PlaceHolder 3"/>
+          <p:cNvPr id="69" name="PlaceHolder 3"/>
           <p:cNvSpPr>
             <a:spLocks noGrp="1"/>
           </p:cNvSpPr>
@@ -1592,7 +1593,7 @@
       </p:grpSpPr>
       <p:sp>
         <p:nvSpPr>
-          <p:cNvPr id="69" name="PlaceHolder 1"/>
+          <p:cNvPr id="70" name="PlaceHolder 1"/>
           <p:cNvSpPr>
             <a:spLocks noGrp="1"/>
           </p:cNvSpPr>
@@ -1621,7 +1622,7 @@
       </p:sp>
       <p:sp>
         <p:nvSpPr>
-          <p:cNvPr id="70" name="PlaceHolder 2"/>
+          <p:cNvPr id="71" name="PlaceHolder 2"/>
           <p:cNvSpPr>
             <a:spLocks noGrp="1"/>
           </p:cNvSpPr>
@@ -1651,7 +1652,7 @@
       </p:sp>
       <p:sp>
         <p:nvSpPr>
-          <p:cNvPr id="71" name="PlaceHolder 3"/>
+          <p:cNvPr id="72" name="PlaceHolder 3"/>
           <p:cNvSpPr>
             <a:spLocks noGrp="1"/>
           </p:cNvSpPr>
@@ -1681,7 +1682,7 @@
       </p:sp>
       <p:sp>
         <p:nvSpPr>
-          <p:cNvPr id="72" name="PlaceHolder 4"/>
+          <p:cNvPr id="73" name="PlaceHolder 4"/>
           <p:cNvSpPr>
             <a:spLocks noGrp="1"/>
           </p:cNvSpPr>
@@ -1711,7 +1712,7 @@
       </p:sp>
       <p:sp>
         <p:nvSpPr>
-          <p:cNvPr id="73" name="PlaceHolder 5"/>
+          <p:cNvPr id="74" name="PlaceHolder 5"/>
           <p:cNvSpPr>
             <a:spLocks noGrp="1"/>
           </p:cNvSpPr>
@@ -1763,7 +1764,7 @@
       </p:grpSpPr>
       <p:sp>
         <p:nvSpPr>
-          <p:cNvPr id="74" name="PlaceHolder 1"/>
+          <p:cNvPr id="75" name="PlaceHolder 1"/>
           <p:cNvSpPr>
             <a:spLocks noGrp="1"/>
           </p:cNvSpPr>
@@ -1792,7 +1793,7 @@
       </p:sp>
       <p:sp>
         <p:nvSpPr>
-          <p:cNvPr id="75" name="PlaceHolder 2"/>
+          <p:cNvPr id="76" name="PlaceHolder 2"/>
           <p:cNvSpPr>
             <a:spLocks noGrp="1"/>
           </p:cNvSpPr>
@@ -1822,7 +1823,7 @@
       </p:sp>
       <p:sp>
         <p:nvSpPr>
-          <p:cNvPr id="76" name="PlaceHolder 3"/>
+          <p:cNvPr id="77" name="PlaceHolder 3"/>
           <p:cNvSpPr>
             <a:spLocks noGrp="1"/>
           </p:cNvSpPr>
@@ -1852,7 +1853,7 @@
       </p:sp>
       <p:sp>
         <p:nvSpPr>
-          <p:cNvPr id="77" name="PlaceHolder 4"/>
+          <p:cNvPr id="78" name="PlaceHolder 4"/>
           <p:cNvSpPr>
             <a:spLocks noGrp="1"/>
           </p:cNvSpPr>
@@ -1882,7 +1883,7 @@
       </p:sp>
       <p:sp>
         <p:nvSpPr>
-          <p:cNvPr id="78" name="PlaceHolder 5"/>
+          <p:cNvPr id="79" name="PlaceHolder 5"/>
           <p:cNvSpPr>
             <a:spLocks noGrp="1"/>
           </p:cNvSpPr>
@@ -1912,7 +1913,7 @@
       </p:sp>
       <p:sp>
         <p:nvSpPr>
-          <p:cNvPr id="79" name="PlaceHolder 6"/>
+          <p:cNvPr id="80" name="PlaceHolder 6"/>
           <p:cNvSpPr>
             <a:spLocks noGrp="1"/>
           </p:cNvSpPr>
@@ -1942,7 +1943,7 @@
       </p:sp>
       <p:sp>
         <p:nvSpPr>
-          <p:cNvPr id="80" name="PlaceHolder 7"/>
+          <p:cNvPr id="81" name="PlaceHolder 7"/>
           <p:cNvSpPr>
             <a:spLocks noGrp="1"/>
           </p:cNvSpPr>
@@ -2016,7 +2017,7 @@
       </p:grpSpPr>
       <p:sp>
         <p:nvSpPr>
-          <p:cNvPr id="87" name="PlaceHolder 1"/>
+          <p:cNvPr id="88" name="PlaceHolder 1"/>
           <p:cNvSpPr>
             <a:spLocks noGrp="1"/>
           </p:cNvSpPr>
@@ -2045,7 +2046,7 @@
       </p:sp>
       <p:sp>
         <p:nvSpPr>
-          <p:cNvPr id="88" name="PlaceHolder 2"/>
+          <p:cNvPr id="89" name="PlaceHolder 2"/>
           <p:cNvSpPr>
             <a:spLocks noGrp="1"/>
           </p:cNvSpPr>
@@ -2096,7 +2097,7 @@
       </p:grpSpPr>
       <p:sp>
         <p:nvSpPr>
-          <p:cNvPr id="89" name="PlaceHolder 1"/>
+          <p:cNvPr id="90" name="PlaceHolder 1"/>
           <p:cNvSpPr>
             <a:spLocks noGrp="1"/>
           </p:cNvSpPr>
@@ -2125,7 +2126,7 @@
       </p:sp>
       <p:sp>
         <p:nvSpPr>
-          <p:cNvPr id="90" name="PlaceHolder 2"/>
+          <p:cNvPr id="91" name="PlaceHolder 2"/>
           <p:cNvSpPr>
             <a:spLocks noGrp="1"/>
           </p:cNvSpPr>
@@ -2177,7 +2178,7 @@
       </p:grpSpPr>
       <p:sp>
         <p:nvSpPr>
-          <p:cNvPr id="91" name="PlaceHolder 1"/>
+          <p:cNvPr id="92" name="PlaceHolder 1"/>
           <p:cNvSpPr>
             <a:spLocks noGrp="1"/>
           </p:cNvSpPr>
@@ -2206,7 +2207,7 @@
       </p:sp>
       <p:sp>
         <p:nvSpPr>
-          <p:cNvPr id="92" name="PlaceHolder 2"/>
+          <p:cNvPr id="93" name="PlaceHolder 2"/>
           <p:cNvSpPr>
             <a:spLocks noGrp="1"/>
           </p:cNvSpPr>
@@ -2236,7 +2237,7 @@
       </p:sp>
       <p:sp>
         <p:nvSpPr>
-          <p:cNvPr id="93" name="PlaceHolder 3"/>
+          <p:cNvPr id="94" name="PlaceHolder 3"/>
           <p:cNvSpPr>
             <a:spLocks noGrp="1"/>
           </p:cNvSpPr>
@@ -2288,7 +2289,7 @@
       </p:grpSpPr>
       <p:sp>
         <p:nvSpPr>
-          <p:cNvPr id="94" name="PlaceHolder 1"/>
+          <p:cNvPr id="95" name="PlaceHolder 1"/>
           <p:cNvSpPr>
             <a:spLocks noGrp="1"/>
           </p:cNvSpPr>
@@ -2420,7 +2421,7 @@
       </p:grpSpPr>
       <p:sp>
         <p:nvSpPr>
-          <p:cNvPr id="95" name="PlaceHolder 1"/>
+          <p:cNvPr id="96" name="PlaceHolder 1"/>
           <p:cNvSpPr>
             <a:spLocks noGrp="1"/>
           </p:cNvSpPr>
@@ -2471,7 +2472,7 @@
       </p:grpSpPr>
       <p:sp>
         <p:nvSpPr>
-          <p:cNvPr id="96" name="PlaceHolder 1"/>
+          <p:cNvPr id="97" name="PlaceHolder 1"/>
           <p:cNvSpPr>
             <a:spLocks noGrp="1"/>
           </p:cNvSpPr>
@@ -2500,7 +2501,7 @@
       </p:sp>
       <p:sp>
         <p:nvSpPr>
-          <p:cNvPr id="97" name="PlaceHolder 2"/>
+          <p:cNvPr id="98" name="PlaceHolder 2"/>
           <p:cNvSpPr>
             <a:spLocks noGrp="1"/>
           </p:cNvSpPr>
@@ -2530,7 +2531,7 @@
       </p:sp>
       <p:sp>
         <p:nvSpPr>
-          <p:cNvPr id="98" name="PlaceHolder 3"/>
+          <p:cNvPr id="99" name="PlaceHolder 3"/>
           <p:cNvSpPr>
             <a:spLocks noGrp="1"/>
           </p:cNvSpPr>
@@ -2560,7 +2561,7 @@
       </p:sp>
       <p:sp>
         <p:nvSpPr>
-          <p:cNvPr id="99" name="PlaceHolder 4"/>
+          <p:cNvPr id="100" name="PlaceHolder 4"/>
           <p:cNvSpPr>
             <a:spLocks noGrp="1"/>
           </p:cNvSpPr>
@@ -2612,7 +2613,7 @@
       </p:grpSpPr>
       <p:sp>
         <p:nvSpPr>
-          <p:cNvPr id="100" name="PlaceHolder 1"/>
+          <p:cNvPr id="101" name="PlaceHolder 1"/>
           <p:cNvSpPr>
             <a:spLocks noGrp="1"/>
           </p:cNvSpPr>
@@ -2641,7 +2642,7 @@
       </p:sp>
       <p:sp>
         <p:nvSpPr>
-          <p:cNvPr id="101" name="PlaceHolder 2"/>
+          <p:cNvPr id="102" name="PlaceHolder 2"/>
           <p:cNvSpPr>
             <a:spLocks noGrp="1"/>
           </p:cNvSpPr>
@@ -2671,7 +2672,7 @@
       </p:sp>
       <p:sp>
         <p:nvSpPr>
-          <p:cNvPr id="102" name="PlaceHolder 3"/>
+          <p:cNvPr id="103" name="PlaceHolder 3"/>
           <p:cNvSpPr>
             <a:spLocks noGrp="1"/>
           </p:cNvSpPr>
@@ -2701,7 +2702,7 @@
       </p:sp>
       <p:sp>
         <p:nvSpPr>
-          <p:cNvPr id="103" name="PlaceHolder 4"/>
+          <p:cNvPr id="104" name="PlaceHolder 4"/>
           <p:cNvSpPr>
             <a:spLocks noGrp="1"/>
           </p:cNvSpPr>
@@ -2753,7 +2754,7 @@
       </p:grpSpPr>
       <p:sp>
         <p:nvSpPr>
-          <p:cNvPr id="104" name="PlaceHolder 1"/>
+          <p:cNvPr id="105" name="PlaceHolder 1"/>
           <p:cNvSpPr>
             <a:spLocks noGrp="1"/>
           </p:cNvSpPr>
@@ -2782,7 +2783,7 @@
       </p:sp>
       <p:sp>
         <p:nvSpPr>
-          <p:cNvPr id="105" name="PlaceHolder 2"/>
+          <p:cNvPr id="106" name="PlaceHolder 2"/>
           <p:cNvSpPr>
             <a:spLocks noGrp="1"/>
           </p:cNvSpPr>
@@ -2812,7 +2813,7 @@
       </p:sp>
       <p:sp>
         <p:nvSpPr>
-          <p:cNvPr id="106" name="PlaceHolder 3"/>
+          <p:cNvPr id="107" name="PlaceHolder 3"/>
           <p:cNvSpPr>
             <a:spLocks noGrp="1"/>
           </p:cNvSpPr>
@@ -2842,7 +2843,7 @@
       </p:sp>
       <p:sp>
         <p:nvSpPr>
-          <p:cNvPr id="107" name="PlaceHolder 4"/>
+          <p:cNvPr id="108" name="PlaceHolder 4"/>
           <p:cNvSpPr>
             <a:spLocks noGrp="1"/>
           </p:cNvSpPr>
@@ -2894,7 +2895,7 @@
       </p:grpSpPr>
       <p:sp>
         <p:nvSpPr>
-          <p:cNvPr id="108" name="PlaceHolder 1"/>
+          <p:cNvPr id="109" name="PlaceHolder 1"/>
           <p:cNvSpPr>
             <a:spLocks noGrp="1"/>
           </p:cNvSpPr>
@@ -2923,7 +2924,7 @@
       </p:sp>
       <p:sp>
         <p:nvSpPr>
-          <p:cNvPr id="109" name="PlaceHolder 2"/>
+          <p:cNvPr id="110" name="PlaceHolder 2"/>
           <p:cNvSpPr>
             <a:spLocks noGrp="1"/>
           </p:cNvSpPr>
@@ -2953,7 +2954,7 @@
       </p:sp>
       <p:sp>
         <p:nvSpPr>
-          <p:cNvPr id="110" name="PlaceHolder 3"/>
+          <p:cNvPr id="111" name="PlaceHolder 3"/>
           <p:cNvSpPr>
             <a:spLocks noGrp="1"/>
           </p:cNvSpPr>
@@ -3005,7 +3006,7 @@
       </p:grpSpPr>
       <p:sp>
         <p:nvSpPr>
-          <p:cNvPr id="111" name="PlaceHolder 1"/>
+          <p:cNvPr id="112" name="PlaceHolder 1"/>
           <p:cNvSpPr>
             <a:spLocks noGrp="1"/>
           </p:cNvSpPr>
@@ -3034,7 +3035,7 @@
       </p:sp>
       <p:sp>
         <p:nvSpPr>
-          <p:cNvPr id="112" name="PlaceHolder 2"/>
+          <p:cNvPr id="113" name="PlaceHolder 2"/>
           <p:cNvSpPr>
             <a:spLocks noGrp="1"/>
           </p:cNvSpPr>
@@ -3064,7 +3065,7 @@
       </p:sp>
       <p:sp>
         <p:nvSpPr>
-          <p:cNvPr id="113" name="PlaceHolder 3"/>
+          <p:cNvPr id="114" name="PlaceHolder 3"/>
           <p:cNvSpPr>
             <a:spLocks noGrp="1"/>
           </p:cNvSpPr>
@@ -3094,7 +3095,7 @@
       </p:sp>
       <p:sp>
         <p:nvSpPr>
-          <p:cNvPr id="114" name="PlaceHolder 4"/>
+          <p:cNvPr id="115" name="PlaceHolder 4"/>
           <p:cNvSpPr>
             <a:spLocks noGrp="1"/>
           </p:cNvSpPr>
@@ -3124,7 +3125,7 @@
       </p:sp>
       <p:sp>
         <p:nvSpPr>
-          <p:cNvPr id="115" name="PlaceHolder 5"/>
+          <p:cNvPr id="116" name="PlaceHolder 5"/>
           <p:cNvSpPr>
             <a:spLocks noGrp="1"/>
           </p:cNvSpPr>
@@ -3176,7 +3177,7 @@
       </p:grpSpPr>
       <p:sp>
         <p:nvSpPr>
-          <p:cNvPr id="116" name="PlaceHolder 1"/>
+          <p:cNvPr id="117" name="PlaceHolder 1"/>
           <p:cNvSpPr>
             <a:spLocks noGrp="1"/>
           </p:cNvSpPr>
@@ -3205,7 +3206,7 @@
       </p:sp>
       <p:sp>
         <p:nvSpPr>
-          <p:cNvPr id="117" name="PlaceHolder 2"/>
+          <p:cNvPr id="118" name="PlaceHolder 2"/>
           <p:cNvSpPr>
             <a:spLocks noGrp="1"/>
           </p:cNvSpPr>
@@ -3235,7 +3236,7 @@
       </p:sp>
       <p:sp>
         <p:nvSpPr>
-          <p:cNvPr id="118" name="PlaceHolder 3"/>
+          <p:cNvPr id="119" name="PlaceHolder 3"/>
           <p:cNvSpPr>
             <a:spLocks noGrp="1"/>
           </p:cNvSpPr>
@@ -3265,7 +3266,7 @@
       </p:sp>
       <p:sp>
         <p:nvSpPr>
-          <p:cNvPr id="119" name="PlaceHolder 4"/>
+          <p:cNvPr id="120" name="PlaceHolder 4"/>
           <p:cNvSpPr>
             <a:spLocks noGrp="1"/>
           </p:cNvSpPr>
@@ -3295,7 +3296,7 @@
       </p:sp>
       <p:sp>
         <p:nvSpPr>
-          <p:cNvPr id="120" name="PlaceHolder 5"/>
+          <p:cNvPr id="121" name="PlaceHolder 5"/>
           <p:cNvSpPr>
             <a:spLocks noGrp="1"/>
           </p:cNvSpPr>
@@ -3325,7 +3326,7 @@
       </p:sp>
       <p:sp>
         <p:nvSpPr>
-          <p:cNvPr id="121" name="PlaceHolder 6"/>
+          <p:cNvPr id="122" name="PlaceHolder 6"/>
           <p:cNvSpPr>
             <a:spLocks noGrp="1"/>
           </p:cNvSpPr>
@@ -3355,7 +3356,7 @@
       </p:sp>
       <p:sp>
         <p:nvSpPr>
-          <p:cNvPr id="122" name="PlaceHolder 7"/>
+          <p:cNvPr id="123" name="PlaceHolder 7"/>
           <p:cNvSpPr>
             <a:spLocks noGrp="1"/>
           </p:cNvSpPr>
@@ -3429,7 +3430,7 @@
       </p:grpSpPr>
       <p:sp>
         <p:nvSpPr>
-          <p:cNvPr id="130" name="PlaceHolder 1"/>
+          <p:cNvPr id="131" name="PlaceHolder 1"/>
           <p:cNvSpPr>
             <a:spLocks noGrp="1"/>
           </p:cNvSpPr>
@@ -3458,7 +3459,7 @@
       </p:sp>
       <p:sp>
         <p:nvSpPr>
-          <p:cNvPr id="131" name="PlaceHolder 2"/>
+          <p:cNvPr id="132" name="PlaceHolder 2"/>
           <p:cNvSpPr>
             <a:spLocks noGrp="1"/>
           </p:cNvSpPr>
@@ -3509,7 +3510,7 @@
       </p:grpSpPr>
       <p:sp>
         <p:nvSpPr>
-          <p:cNvPr id="132" name="PlaceHolder 1"/>
+          <p:cNvPr id="133" name="PlaceHolder 1"/>
           <p:cNvSpPr>
             <a:spLocks noGrp="1"/>
           </p:cNvSpPr>
@@ -3538,7 +3539,7 @@
       </p:sp>
       <p:sp>
         <p:nvSpPr>
-          <p:cNvPr id="133" name="PlaceHolder 2"/>
+          <p:cNvPr id="134" name="PlaceHolder 2"/>
           <p:cNvSpPr>
             <a:spLocks noGrp="1"/>
           </p:cNvSpPr>
@@ -3701,7 +3702,7 @@
       </p:grpSpPr>
       <p:sp>
         <p:nvSpPr>
-          <p:cNvPr id="134" name="PlaceHolder 1"/>
+          <p:cNvPr id="135" name="PlaceHolder 1"/>
           <p:cNvSpPr>
             <a:spLocks noGrp="1"/>
           </p:cNvSpPr>
@@ -3730,7 +3731,7 @@
       </p:sp>
       <p:sp>
         <p:nvSpPr>
-          <p:cNvPr id="135" name="PlaceHolder 2"/>
+          <p:cNvPr id="136" name="PlaceHolder 2"/>
           <p:cNvSpPr>
             <a:spLocks noGrp="1"/>
           </p:cNvSpPr>
@@ -3760,7 +3761,7 @@
       </p:sp>
       <p:sp>
         <p:nvSpPr>
-          <p:cNvPr id="136" name="PlaceHolder 3"/>
+          <p:cNvPr id="137" name="PlaceHolder 3"/>
           <p:cNvSpPr>
             <a:spLocks noGrp="1"/>
           </p:cNvSpPr>
@@ -3812,7 +3813,7 @@
       </p:grpSpPr>
       <p:sp>
         <p:nvSpPr>
-          <p:cNvPr id="137" name="PlaceHolder 1"/>
+          <p:cNvPr id="138" name="PlaceHolder 1"/>
           <p:cNvSpPr>
             <a:spLocks noGrp="1"/>
           </p:cNvSpPr>
@@ -3863,7 +3864,7 @@
       </p:grpSpPr>
       <p:sp>
         <p:nvSpPr>
-          <p:cNvPr id="138" name="PlaceHolder 1"/>
+          <p:cNvPr id="139" name="PlaceHolder 1"/>
           <p:cNvSpPr>
             <a:spLocks noGrp="1"/>
           </p:cNvSpPr>
@@ -3914,7 +3915,7 @@
       </p:grpSpPr>
       <p:sp>
         <p:nvSpPr>
-          <p:cNvPr id="139" name="PlaceHolder 1"/>
+          <p:cNvPr id="140" name="PlaceHolder 1"/>
           <p:cNvSpPr>
             <a:spLocks noGrp="1"/>
           </p:cNvSpPr>
@@ -3943,7 +3944,7 @@
       </p:sp>
       <p:sp>
         <p:nvSpPr>
-          <p:cNvPr id="140" name="PlaceHolder 2"/>
+          <p:cNvPr id="141" name="PlaceHolder 2"/>
           <p:cNvSpPr>
             <a:spLocks noGrp="1"/>
           </p:cNvSpPr>
@@ -3973,7 +3974,7 @@
       </p:sp>
       <p:sp>
         <p:nvSpPr>
-          <p:cNvPr id="141" name="PlaceHolder 3"/>
+          <p:cNvPr id="142" name="PlaceHolder 3"/>
           <p:cNvSpPr>
             <a:spLocks noGrp="1"/>
           </p:cNvSpPr>
@@ -4003,7 +4004,7 @@
       </p:sp>
       <p:sp>
         <p:nvSpPr>
-          <p:cNvPr id="142" name="PlaceHolder 4"/>
+          <p:cNvPr id="143" name="PlaceHolder 4"/>
           <p:cNvSpPr>
             <a:spLocks noGrp="1"/>
           </p:cNvSpPr>
@@ -4055,7 +4056,7 @@
       </p:grpSpPr>
       <p:sp>
         <p:nvSpPr>
-          <p:cNvPr id="143" name="PlaceHolder 1"/>
+          <p:cNvPr id="144" name="PlaceHolder 1"/>
           <p:cNvSpPr>
             <a:spLocks noGrp="1"/>
           </p:cNvSpPr>
@@ -4084,7 +4085,7 @@
       </p:sp>
       <p:sp>
         <p:nvSpPr>
-          <p:cNvPr id="144" name="PlaceHolder 2"/>
+          <p:cNvPr id="145" name="PlaceHolder 2"/>
           <p:cNvSpPr>
             <a:spLocks noGrp="1"/>
           </p:cNvSpPr>
@@ -4114,7 +4115,7 @@
       </p:sp>
       <p:sp>
         <p:nvSpPr>
-          <p:cNvPr id="145" name="PlaceHolder 3"/>
+          <p:cNvPr id="146" name="PlaceHolder 3"/>
           <p:cNvSpPr>
             <a:spLocks noGrp="1"/>
           </p:cNvSpPr>
@@ -4144,7 +4145,7 @@
       </p:sp>
       <p:sp>
         <p:nvSpPr>
-          <p:cNvPr id="146" name="PlaceHolder 4"/>
+          <p:cNvPr id="147" name="PlaceHolder 4"/>
           <p:cNvSpPr>
             <a:spLocks noGrp="1"/>
           </p:cNvSpPr>
@@ -4196,7 +4197,7 @@
       </p:grpSpPr>
       <p:sp>
         <p:nvSpPr>
-          <p:cNvPr id="147" name="PlaceHolder 1"/>
+          <p:cNvPr id="148" name="PlaceHolder 1"/>
           <p:cNvSpPr>
             <a:spLocks noGrp="1"/>
           </p:cNvSpPr>
@@ -4225,7 +4226,7 @@
       </p:sp>
       <p:sp>
         <p:nvSpPr>
-          <p:cNvPr id="148" name="PlaceHolder 2"/>
+          <p:cNvPr id="149" name="PlaceHolder 2"/>
           <p:cNvSpPr>
             <a:spLocks noGrp="1"/>
           </p:cNvSpPr>
@@ -4255,7 +4256,7 @@
       </p:sp>
       <p:sp>
         <p:nvSpPr>
-          <p:cNvPr id="149" name="PlaceHolder 3"/>
+          <p:cNvPr id="150" name="PlaceHolder 3"/>
           <p:cNvSpPr>
             <a:spLocks noGrp="1"/>
           </p:cNvSpPr>
@@ -4285,7 +4286,7 @@
       </p:sp>
       <p:sp>
         <p:nvSpPr>
-          <p:cNvPr id="150" name="PlaceHolder 4"/>
+          <p:cNvPr id="151" name="PlaceHolder 4"/>
           <p:cNvSpPr>
             <a:spLocks noGrp="1"/>
           </p:cNvSpPr>
@@ -4337,7 +4338,7 @@
       </p:grpSpPr>
       <p:sp>
         <p:nvSpPr>
-          <p:cNvPr id="151" name="PlaceHolder 1"/>
+          <p:cNvPr id="152" name="PlaceHolder 1"/>
           <p:cNvSpPr>
             <a:spLocks noGrp="1"/>
           </p:cNvSpPr>
@@ -4366,7 +4367,7 @@
       </p:sp>
       <p:sp>
         <p:nvSpPr>
-          <p:cNvPr id="152" name="PlaceHolder 2"/>
+          <p:cNvPr id="153" name="PlaceHolder 2"/>
           <p:cNvSpPr>
             <a:spLocks noGrp="1"/>
           </p:cNvSpPr>
@@ -4396,7 +4397,7 @@
       </p:sp>
       <p:sp>
         <p:nvSpPr>
-          <p:cNvPr id="153" name="PlaceHolder 3"/>
+          <p:cNvPr id="154" name="PlaceHolder 3"/>
           <p:cNvSpPr>
             <a:spLocks noGrp="1"/>
           </p:cNvSpPr>
@@ -4448,7 +4449,7 @@
       </p:grpSpPr>
       <p:sp>
         <p:nvSpPr>
-          <p:cNvPr id="154" name="PlaceHolder 1"/>
+          <p:cNvPr id="155" name="PlaceHolder 1"/>
           <p:cNvSpPr>
             <a:spLocks noGrp="1"/>
           </p:cNvSpPr>
@@ -4477,7 +4478,7 @@
       </p:sp>
       <p:sp>
         <p:nvSpPr>
-          <p:cNvPr id="155" name="PlaceHolder 2"/>
+          <p:cNvPr id="156" name="PlaceHolder 2"/>
           <p:cNvSpPr>
             <a:spLocks noGrp="1"/>
           </p:cNvSpPr>
@@ -4507,7 +4508,7 @@
       </p:sp>
       <p:sp>
         <p:nvSpPr>
-          <p:cNvPr id="156" name="PlaceHolder 3"/>
+          <p:cNvPr id="157" name="PlaceHolder 3"/>
           <p:cNvSpPr>
             <a:spLocks noGrp="1"/>
           </p:cNvSpPr>
@@ -4537,7 +4538,7 @@
       </p:sp>
       <p:sp>
         <p:nvSpPr>
-          <p:cNvPr id="157" name="PlaceHolder 4"/>
+          <p:cNvPr id="158" name="PlaceHolder 4"/>
           <p:cNvSpPr>
             <a:spLocks noGrp="1"/>
           </p:cNvSpPr>
@@ -4567,7 +4568,7 @@
       </p:sp>
       <p:sp>
         <p:nvSpPr>
-          <p:cNvPr id="158" name="PlaceHolder 5"/>
+          <p:cNvPr id="159" name="PlaceHolder 5"/>
           <p:cNvSpPr>
             <a:spLocks noGrp="1"/>
           </p:cNvSpPr>
@@ -4619,7 +4620,7 @@
       </p:grpSpPr>
       <p:sp>
         <p:nvSpPr>
-          <p:cNvPr id="159" name="PlaceHolder 1"/>
+          <p:cNvPr id="160" name="PlaceHolder 1"/>
           <p:cNvSpPr>
             <a:spLocks noGrp="1"/>
           </p:cNvSpPr>
@@ -4648,7 +4649,7 @@
       </p:sp>
       <p:sp>
         <p:nvSpPr>
-          <p:cNvPr id="160" name="PlaceHolder 2"/>
+          <p:cNvPr id="161" name="PlaceHolder 2"/>
           <p:cNvSpPr>
             <a:spLocks noGrp="1"/>
           </p:cNvSpPr>
@@ -4678,7 +4679,7 @@
       </p:sp>
       <p:sp>
         <p:nvSpPr>
-          <p:cNvPr id="161" name="PlaceHolder 3"/>
+          <p:cNvPr id="162" name="PlaceHolder 3"/>
           <p:cNvSpPr>
             <a:spLocks noGrp="1"/>
           </p:cNvSpPr>
@@ -4708,7 +4709,7 @@
       </p:sp>
       <p:sp>
         <p:nvSpPr>
-          <p:cNvPr id="162" name="PlaceHolder 4"/>
+          <p:cNvPr id="163" name="PlaceHolder 4"/>
           <p:cNvSpPr>
             <a:spLocks noGrp="1"/>
           </p:cNvSpPr>
@@ -4738,7 +4739,7 @@
       </p:sp>
       <p:sp>
         <p:nvSpPr>
-          <p:cNvPr id="163" name="PlaceHolder 5"/>
+          <p:cNvPr id="164" name="PlaceHolder 5"/>
           <p:cNvSpPr>
             <a:spLocks noGrp="1"/>
           </p:cNvSpPr>
@@ -4768,7 +4769,7 @@
       </p:sp>
       <p:sp>
         <p:nvSpPr>
-          <p:cNvPr id="164" name="PlaceHolder 6"/>
+          <p:cNvPr id="165" name="PlaceHolder 6"/>
           <p:cNvSpPr>
             <a:spLocks noGrp="1"/>
           </p:cNvSpPr>
@@ -4798,7 +4799,7 @@
       </p:sp>
       <p:sp>
         <p:nvSpPr>
-          <p:cNvPr id="165" name="PlaceHolder 7"/>
+          <p:cNvPr id="166" name="PlaceHolder 7"/>
           <p:cNvSpPr>
             <a:spLocks noGrp="1"/>
           </p:cNvSpPr>
@@ -4923,7 +4924,7 @@
       </p:grpSpPr>
       <p:sp>
         <p:nvSpPr>
-          <p:cNvPr id="172" name="PlaceHolder 1"/>
+          <p:cNvPr id="174" name="PlaceHolder 1"/>
           <p:cNvSpPr>
             <a:spLocks noGrp="1"/>
           </p:cNvSpPr>
@@ -4952,7 +4953,7 @@
       </p:sp>
       <p:sp>
         <p:nvSpPr>
-          <p:cNvPr id="173" name="PlaceHolder 2"/>
+          <p:cNvPr id="175" name="PlaceHolder 2"/>
           <p:cNvSpPr>
             <a:spLocks noGrp="1"/>
           </p:cNvSpPr>
@@ -5003,7 +5004,7 @@
       </p:grpSpPr>
       <p:sp>
         <p:nvSpPr>
-          <p:cNvPr id="174" name="PlaceHolder 1"/>
+          <p:cNvPr id="176" name="PlaceHolder 1"/>
           <p:cNvSpPr>
             <a:spLocks noGrp="1"/>
           </p:cNvSpPr>
@@ -5032,7 +5033,7 @@
       </p:sp>
       <p:sp>
         <p:nvSpPr>
-          <p:cNvPr id="175" name="PlaceHolder 2"/>
+          <p:cNvPr id="177" name="PlaceHolder 2"/>
           <p:cNvSpPr>
             <a:spLocks noGrp="1"/>
           </p:cNvSpPr>
@@ -5084,7 +5085,7 @@
       </p:grpSpPr>
       <p:sp>
         <p:nvSpPr>
-          <p:cNvPr id="176" name="PlaceHolder 1"/>
+          <p:cNvPr id="178" name="PlaceHolder 1"/>
           <p:cNvSpPr>
             <a:spLocks noGrp="1"/>
           </p:cNvSpPr>
@@ -5113,7 +5114,7 @@
       </p:sp>
       <p:sp>
         <p:nvSpPr>
-          <p:cNvPr id="177" name="PlaceHolder 2"/>
+          <p:cNvPr id="179" name="PlaceHolder 2"/>
           <p:cNvSpPr>
             <a:spLocks noGrp="1"/>
           </p:cNvSpPr>
@@ -5143,7 +5144,7 @@
       </p:sp>
       <p:sp>
         <p:nvSpPr>
-          <p:cNvPr id="178" name="PlaceHolder 3"/>
+          <p:cNvPr id="180" name="PlaceHolder 3"/>
           <p:cNvSpPr>
             <a:spLocks noGrp="1"/>
           </p:cNvSpPr>
@@ -5195,7 +5196,7 @@
       </p:grpSpPr>
       <p:sp>
         <p:nvSpPr>
-          <p:cNvPr id="179" name="PlaceHolder 1"/>
+          <p:cNvPr id="181" name="PlaceHolder 1"/>
           <p:cNvSpPr>
             <a:spLocks noGrp="1"/>
           </p:cNvSpPr>
@@ -5246,7 +5247,7 @@
       </p:grpSpPr>
       <p:sp>
         <p:nvSpPr>
-          <p:cNvPr id="180" name="PlaceHolder 1"/>
+          <p:cNvPr id="182" name="PlaceHolder 1"/>
           <p:cNvSpPr>
             <a:spLocks noGrp="1"/>
           </p:cNvSpPr>
@@ -5297,7 +5298,7 @@
       </p:grpSpPr>
       <p:sp>
         <p:nvSpPr>
-          <p:cNvPr id="181" name="PlaceHolder 1"/>
+          <p:cNvPr id="183" name="PlaceHolder 1"/>
           <p:cNvSpPr>
             <a:spLocks noGrp="1"/>
           </p:cNvSpPr>
@@ -5326,7 +5327,7 @@
       </p:sp>
       <p:sp>
         <p:nvSpPr>
-          <p:cNvPr id="182" name="PlaceHolder 2"/>
+          <p:cNvPr id="184" name="PlaceHolder 2"/>
           <p:cNvSpPr>
             <a:spLocks noGrp="1"/>
           </p:cNvSpPr>
@@ -5356,7 +5357,7 @@
       </p:sp>
       <p:sp>
         <p:nvSpPr>
-          <p:cNvPr id="183" name="PlaceHolder 3"/>
+          <p:cNvPr id="185" name="PlaceHolder 3"/>
           <p:cNvSpPr>
             <a:spLocks noGrp="1"/>
           </p:cNvSpPr>
@@ -5386,7 +5387,7 @@
       </p:sp>
       <p:sp>
         <p:nvSpPr>
-          <p:cNvPr id="184" name="PlaceHolder 4"/>
+          <p:cNvPr id="186" name="PlaceHolder 4"/>
           <p:cNvSpPr>
             <a:spLocks noGrp="1"/>
           </p:cNvSpPr>
@@ -5438,7 +5439,7 @@
       </p:grpSpPr>
       <p:sp>
         <p:nvSpPr>
-          <p:cNvPr id="185" name="PlaceHolder 1"/>
+          <p:cNvPr id="187" name="PlaceHolder 1"/>
           <p:cNvSpPr>
             <a:spLocks noGrp="1"/>
           </p:cNvSpPr>
@@ -5467,7 +5468,7 @@
       </p:sp>
       <p:sp>
         <p:nvSpPr>
-          <p:cNvPr id="186" name="PlaceHolder 2"/>
+          <p:cNvPr id="188" name="PlaceHolder 2"/>
           <p:cNvSpPr>
             <a:spLocks noGrp="1"/>
           </p:cNvSpPr>
@@ -5497,7 +5498,7 @@
       </p:sp>
       <p:sp>
         <p:nvSpPr>
-          <p:cNvPr id="187" name="PlaceHolder 3"/>
+          <p:cNvPr id="189" name="PlaceHolder 3"/>
           <p:cNvSpPr>
             <a:spLocks noGrp="1"/>
           </p:cNvSpPr>
@@ -5527,7 +5528,7 @@
       </p:sp>
       <p:sp>
         <p:nvSpPr>
-          <p:cNvPr id="188" name="PlaceHolder 4"/>
+          <p:cNvPr id="190" name="PlaceHolder 4"/>
           <p:cNvSpPr>
             <a:spLocks noGrp="1"/>
           </p:cNvSpPr>
@@ -5579,7 +5580,7 @@
       </p:grpSpPr>
       <p:sp>
         <p:nvSpPr>
-          <p:cNvPr id="189" name="PlaceHolder 1"/>
+          <p:cNvPr id="191" name="PlaceHolder 1"/>
           <p:cNvSpPr>
             <a:spLocks noGrp="1"/>
           </p:cNvSpPr>
@@ -5608,7 +5609,7 @@
       </p:sp>
       <p:sp>
         <p:nvSpPr>
-          <p:cNvPr id="190" name="PlaceHolder 2"/>
+          <p:cNvPr id="192" name="PlaceHolder 2"/>
           <p:cNvSpPr>
             <a:spLocks noGrp="1"/>
           </p:cNvSpPr>
@@ -5638,7 +5639,7 @@
       </p:sp>
       <p:sp>
         <p:nvSpPr>
-          <p:cNvPr id="191" name="PlaceHolder 3"/>
+          <p:cNvPr id="193" name="PlaceHolder 3"/>
           <p:cNvSpPr>
             <a:spLocks noGrp="1"/>
           </p:cNvSpPr>
@@ -5668,7 +5669,7 @@
       </p:sp>
       <p:sp>
         <p:nvSpPr>
-          <p:cNvPr id="192" name="PlaceHolder 4"/>
+          <p:cNvPr id="194" name="PlaceHolder 4"/>
           <p:cNvSpPr>
             <a:spLocks noGrp="1"/>
           </p:cNvSpPr>
@@ -5720,7 +5721,7 @@
       </p:grpSpPr>
       <p:sp>
         <p:nvSpPr>
-          <p:cNvPr id="193" name="PlaceHolder 1"/>
+          <p:cNvPr id="195" name="PlaceHolder 1"/>
           <p:cNvSpPr>
             <a:spLocks noGrp="1"/>
           </p:cNvSpPr>
@@ -5749,7 +5750,7 @@
       </p:sp>
       <p:sp>
         <p:nvSpPr>
-          <p:cNvPr id="194" name="PlaceHolder 2"/>
+          <p:cNvPr id="196" name="PlaceHolder 2"/>
           <p:cNvSpPr>
             <a:spLocks noGrp="1"/>
           </p:cNvSpPr>
@@ -5779,7 +5780,7 @@
       </p:sp>
       <p:sp>
         <p:nvSpPr>
-          <p:cNvPr id="195" name="PlaceHolder 3"/>
+          <p:cNvPr id="197" name="PlaceHolder 3"/>
           <p:cNvSpPr>
             <a:spLocks noGrp="1"/>
           </p:cNvSpPr>
@@ -5831,7 +5832,7 @@
       </p:grpSpPr>
       <p:sp>
         <p:nvSpPr>
-          <p:cNvPr id="196" name="PlaceHolder 1"/>
+          <p:cNvPr id="198" name="PlaceHolder 1"/>
           <p:cNvSpPr>
             <a:spLocks noGrp="1"/>
           </p:cNvSpPr>
@@ -5860,7 +5861,7 @@
       </p:sp>
       <p:sp>
         <p:nvSpPr>
-          <p:cNvPr id="197" name="PlaceHolder 2"/>
+          <p:cNvPr id="199" name="PlaceHolder 2"/>
           <p:cNvSpPr>
             <a:spLocks noGrp="1"/>
           </p:cNvSpPr>
@@ -5890,7 +5891,7 @@
       </p:sp>
       <p:sp>
         <p:nvSpPr>
-          <p:cNvPr id="198" name="PlaceHolder 3"/>
+          <p:cNvPr id="200" name="PlaceHolder 3"/>
           <p:cNvSpPr>
             <a:spLocks noGrp="1"/>
           </p:cNvSpPr>
@@ -5920,7 +5921,7 @@
       </p:sp>
       <p:sp>
         <p:nvSpPr>
-          <p:cNvPr id="199" name="PlaceHolder 4"/>
+          <p:cNvPr id="201" name="PlaceHolder 4"/>
           <p:cNvSpPr>
             <a:spLocks noGrp="1"/>
           </p:cNvSpPr>
@@ -5950,7 +5951,7 @@
       </p:sp>
       <p:sp>
         <p:nvSpPr>
-          <p:cNvPr id="200" name="PlaceHolder 5"/>
+          <p:cNvPr id="202" name="PlaceHolder 5"/>
           <p:cNvSpPr>
             <a:spLocks noGrp="1"/>
           </p:cNvSpPr>
@@ -6053,7 +6054,7 @@
       </p:grpSpPr>
       <p:sp>
         <p:nvSpPr>
-          <p:cNvPr id="201" name="PlaceHolder 1"/>
+          <p:cNvPr id="203" name="PlaceHolder 1"/>
           <p:cNvSpPr>
             <a:spLocks noGrp="1"/>
           </p:cNvSpPr>
@@ -6082,7 +6083,7 @@
       </p:sp>
       <p:sp>
         <p:nvSpPr>
-          <p:cNvPr id="202" name="PlaceHolder 2"/>
+          <p:cNvPr id="204" name="PlaceHolder 2"/>
           <p:cNvSpPr>
             <a:spLocks noGrp="1"/>
           </p:cNvSpPr>
@@ -6112,7 +6113,7 @@
       </p:sp>
       <p:sp>
         <p:nvSpPr>
-          <p:cNvPr id="203" name="PlaceHolder 3"/>
+          <p:cNvPr id="205" name="PlaceHolder 3"/>
           <p:cNvSpPr>
             <a:spLocks noGrp="1"/>
           </p:cNvSpPr>
@@ -6142,7 +6143,7 @@
       </p:sp>
       <p:sp>
         <p:nvSpPr>
-          <p:cNvPr id="204" name="PlaceHolder 4"/>
+          <p:cNvPr id="206" name="PlaceHolder 4"/>
           <p:cNvSpPr>
             <a:spLocks noGrp="1"/>
           </p:cNvSpPr>
@@ -6172,7 +6173,7 @@
       </p:sp>
       <p:sp>
         <p:nvSpPr>
-          <p:cNvPr id="205" name="PlaceHolder 5"/>
+          <p:cNvPr id="207" name="PlaceHolder 5"/>
           <p:cNvSpPr>
             <a:spLocks noGrp="1"/>
           </p:cNvSpPr>
@@ -6202,7 +6203,7 @@
       </p:sp>
       <p:sp>
         <p:nvSpPr>
-          <p:cNvPr id="206" name="PlaceHolder 6"/>
+          <p:cNvPr id="208" name="PlaceHolder 6"/>
           <p:cNvSpPr>
             <a:spLocks noGrp="1"/>
           </p:cNvSpPr>
@@ -6232,7 +6233,7 @@
       </p:sp>
       <p:sp>
         <p:nvSpPr>
-          <p:cNvPr id="207" name="PlaceHolder 7"/>
+          <p:cNvPr id="209" name="PlaceHolder 7"/>
           <p:cNvSpPr>
             <a:spLocks noGrp="1"/>
           </p:cNvSpPr>
@@ -6767,13 +6768,19 @@
               <a:rPr b="0" lang="en-US" sz="4400" spc="-1" strike="noStrike">
                 <a:latin typeface="Arial"/>
               </a:rPr>
-              <a:t>Click to edit </a:t>
+              <a:t>Click to </a:t>
             </a:r>
             <a:r>
               <a:rPr b="0" lang="en-US" sz="4400" spc="-1" strike="noStrike">
                 <a:latin typeface="Arial"/>
               </a:rPr>
-              <a:t>the title text </a:t>
+              <a:t>edit the </a:t>
+            </a:r>
+            <a:r>
+              <a:rPr b="0" lang="en-US" sz="4400" spc="-1" strike="noStrike">
+                <a:latin typeface="Arial"/>
+              </a:rPr>
+              <a:t>title text </a:t>
             </a:r>
             <a:r>
               <a:rPr b="0" lang="en-US" sz="4400" spc="-1" strike="noStrike">
@@ -7334,6 +7341,41 @@
           </a:p>
         </p:txBody>
       </p:sp>
+      <p:sp>
+        <p:nvSpPr>
+          <p:cNvPr id="45" name="PlaceHolder 7"/>
+          <p:cNvSpPr>
+            <a:spLocks noGrp="1"/>
+          </p:cNvSpPr>
+          <p:nvPr>
+            <p:ph type="sldNum"/>
+          </p:nvPr>
+        </p:nvSpPr>
+        <p:spPr>
+          <a:xfrm>
+            <a:off x="7227720" y="5166000"/>
+            <a:ext cx="2348280" cy="390600"/>
+          </a:xfrm>
+          <a:prstGeom prst="rect">
+            <a:avLst/>
+          </a:prstGeom>
+        </p:spPr>
+        <p:txBody>
+          <a:bodyPr lIns="0" rIns="0" tIns="0" bIns="0"/>
+          <a:p>
+            <a:pPr algn="r"/>
+            <a:fld id="{906740F5-5E5B-4947-B203-70D4A57F83DE}" type="slidenum">
+              <a:rPr b="0" lang="en-US" sz="1400" spc="-1" strike="noStrike">
+                <a:latin typeface="Times New Roman"/>
+              </a:rPr>
+              <a:t>1</a:t>
+            </a:fld>
+            <a:endParaRPr b="0" lang="en-US" sz="1400" spc="-1" strike="noStrike">
+              <a:latin typeface="Times New Roman"/>
+            </a:endParaRPr>
+          </a:p>
+        </p:txBody>
+      </p:sp>
     </p:spTree>
   </p:cSld>
   <p:clrMap bg1="lt1" bg2="lt2" tx1="dk1" tx2="dk2" accent1="accent1" accent2="accent2" accent3="accent3" accent4="accent4" accent5="accent5" accent6="accent6" hlink="hlink" folHlink="folHlink"/>
@@ -7380,7 +7422,7 @@
       </p:grpSpPr>
       <p:sp>
         <p:nvSpPr>
-          <p:cNvPr id="81" name="CustomShape 1"/>
+          <p:cNvPr id="82" name="CustomShape 1"/>
           <p:cNvSpPr/>
           <p:nvPr/>
         </p:nvSpPr>
@@ -7408,7 +7450,7 @@
       </p:sp>
       <p:sp>
         <p:nvSpPr>
-          <p:cNvPr id="82" name="CustomShape 2"/>
+          <p:cNvPr id="83" name="CustomShape 2"/>
           <p:cNvSpPr/>
           <p:nvPr/>
         </p:nvSpPr>
@@ -7436,7 +7478,7 @@
       </p:sp>
       <p:sp>
         <p:nvSpPr>
-          <p:cNvPr id="83" name="CustomShape 3"/>
+          <p:cNvPr id="84" name="CustomShape 3"/>
           <p:cNvSpPr/>
           <p:nvPr/>
         </p:nvSpPr>
@@ -7464,7 +7506,7 @@
       </p:sp>
       <p:sp>
         <p:nvSpPr>
-          <p:cNvPr id="84" name="CustomShape 4"/>
+          <p:cNvPr id="85" name="CustomShape 4"/>
           <p:cNvSpPr/>
           <p:nvPr/>
         </p:nvSpPr>
@@ -7490,7 +7532,7 @@
       </p:sp>
       <p:sp>
         <p:nvSpPr>
-          <p:cNvPr id="85" name="PlaceHolder 5"/>
+          <p:cNvPr id="86" name="PlaceHolder 5"/>
           <p:cNvSpPr>
             <a:spLocks noGrp="1"/>
           </p:cNvSpPr>
@@ -7525,7 +7567,7 @@
       </p:sp>
       <p:sp>
         <p:nvSpPr>
-          <p:cNvPr id="86" name="PlaceHolder 6"/>
+          <p:cNvPr id="87" name="PlaceHolder 6"/>
           <p:cNvSpPr>
             <a:spLocks noGrp="1"/>
           </p:cNvSpPr>
@@ -7748,7 +7790,7 @@
       </p:grpSpPr>
       <p:sp>
         <p:nvSpPr>
-          <p:cNvPr id="123" name="CustomShape 1"/>
+          <p:cNvPr id="124" name="CustomShape 1"/>
           <p:cNvSpPr/>
           <p:nvPr/>
         </p:nvSpPr>
@@ -7776,7 +7818,7 @@
       </p:sp>
       <p:sp>
         <p:nvSpPr>
-          <p:cNvPr id="124" name="CustomShape 2"/>
+          <p:cNvPr id="125" name="CustomShape 2"/>
           <p:cNvSpPr/>
           <p:nvPr/>
         </p:nvSpPr>
@@ -7804,7 +7846,7 @@
       </p:sp>
       <p:sp>
         <p:nvSpPr>
-          <p:cNvPr id="125" name="CustomShape 3"/>
+          <p:cNvPr id="126" name="CustomShape 3"/>
           <p:cNvSpPr/>
           <p:nvPr/>
         </p:nvSpPr>
@@ -7832,7 +7874,7 @@
       </p:sp>
       <p:sp>
         <p:nvSpPr>
-          <p:cNvPr id="126" name="CustomShape 4"/>
+          <p:cNvPr id="127" name="CustomShape 4"/>
           <p:cNvSpPr/>
           <p:nvPr/>
         </p:nvSpPr>
@@ -7858,7 +7900,7 @@
       </p:sp>
       <p:sp>
         <p:nvSpPr>
-          <p:cNvPr id="127" name="PlaceHolder 5"/>
+          <p:cNvPr id="128" name="PlaceHolder 5"/>
           <p:cNvSpPr>
             <a:spLocks noGrp="1"/>
           </p:cNvSpPr>
@@ -7892,7 +7934,7 @@
       </p:sp>
       <p:sp>
         <p:nvSpPr>
-          <p:cNvPr id="128" name="PlaceHolder 6"/>
+          <p:cNvPr id="129" name="PlaceHolder 6"/>
           <p:cNvSpPr>
             <a:spLocks noGrp="1"/>
           </p:cNvSpPr>
@@ -8071,7 +8113,7 @@
       </p:sp>
       <p:sp>
         <p:nvSpPr>
-          <p:cNvPr id="129" name="PlaceHolder 7"/>
+          <p:cNvPr id="130" name="PlaceHolder 7"/>
           <p:cNvSpPr>
             <a:spLocks noGrp="1"/>
           </p:cNvSpPr>
@@ -8294,7 +8336,7 @@
       </p:grpSpPr>
       <p:sp>
         <p:nvSpPr>
-          <p:cNvPr id="166" name="CustomShape 1"/>
+          <p:cNvPr id="167" name="CustomShape 1"/>
           <p:cNvSpPr/>
           <p:nvPr/>
         </p:nvSpPr>
@@ -8322,7 +8364,7 @@
       </p:sp>
       <p:sp>
         <p:nvSpPr>
-          <p:cNvPr id="167" name="CustomShape 2"/>
+          <p:cNvPr id="168" name="CustomShape 2"/>
           <p:cNvSpPr/>
           <p:nvPr/>
         </p:nvSpPr>
@@ -8350,7 +8392,7 @@
       </p:sp>
       <p:sp>
         <p:nvSpPr>
-          <p:cNvPr id="168" name="CustomShape 3"/>
+          <p:cNvPr id="169" name="CustomShape 3"/>
           <p:cNvSpPr/>
           <p:nvPr/>
         </p:nvSpPr>
@@ -8378,7 +8420,7 @@
       </p:sp>
       <p:sp>
         <p:nvSpPr>
-          <p:cNvPr id="169" name="CustomShape 4"/>
+          <p:cNvPr id="170" name="CustomShape 4"/>
           <p:cNvSpPr/>
           <p:nvPr/>
         </p:nvSpPr>
@@ -8404,7 +8446,7 @@
       </p:sp>
       <p:sp>
         <p:nvSpPr>
-          <p:cNvPr id="170" name="PlaceHolder 5"/>
+          <p:cNvPr id="171" name="PlaceHolder 5"/>
           <p:cNvSpPr>
             <a:spLocks noGrp="1"/>
           </p:cNvSpPr>
@@ -8444,7 +8486,7 @@
       </p:sp>
       <p:sp>
         <p:nvSpPr>
-          <p:cNvPr id="171" name="PlaceHolder 6"/>
+          <p:cNvPr id="172" name="PlaceHolder 6"/>
           <p:cNvSpPr>
             <a:spLocks noGrp="1"/>
           </p:cNvSpPr>
@@ -8659,6 +8701,41 @@
                 <a:srgbClr val="000000"/>
               </a:solidFill>
               <a:latin typeface="Arial"/>
+            </a:endParaRPr>
+          </a:p>
+        </p:txBody>
+      </p:sp>
+      <p:sp>
+        <p:nvSpPr>
+          <p:cNvPr id="173" name="PlaceHolder 7"/>
+          <p:cNvSpPr>
+            <a:spLocks noGrp="1"/>
+          </p:cNvSpPr>
+          <p:nvPr>
+            <p:ph type="sldNum"/>
+          </p:nvPr>
+        </p:nvSpPr>
+        <p:spPr>
+          <a:xfrm>
+            <a:off x="7227720" y="5166000"/>
+            <a:ext cx="2348280" cy="390600"/>
+          </a:xfrm>
+          <a:prstGeom prst="rect">
+            <a:avLst/>
+          </a:prstGeom>
+        </p:spPr>
+        <p:txBody>
+          <a:bodyPr lIns="0" rIns="0" tIns="0" bIns="0"/>
+          <a:p>
+            <a:pPr algn="r"/>
+            <a:fld id="{51A9CD6F-F403-4046-ABD5-19022F73F9AC}" type="slidenum">
+              <a:rPr b="0" lang="en-US" sz="1400" spc="-1" strike="noStrike">
+                <a:latin typeface="Times New Roman"/>
+              </a:rPr>
+              <a:t>1</a:t>
+            </a:fld>
+            <a:endParaRPr b="0" lang="en-US" sz="1400" spc="-1" strike="noStrike">
+              <a:latin typeface="Times New Roman"/>
             </a:endParaRPr>
           </a:p>
         </p:txBody>
@@ -8709,7 +8786,7 @@
       </p:grpSpPr>
       <p:sp>
         <p:nvSpPr>
-          <p:cNvPr id="208" name="CustomShape 1"/>
+          <p:cNvPr id="210" name="CustomShape 1"/>
           <p:cNvSpPr/>
           <p:nvPr/>
         </p:nvSpPr>
@@ -8735,7 +8812,7 @@
       </p:sp>
       <p:sp>
         <p:nvSpPr>
-          <p:cNvPr id="209" name="CustomShape 2"/>
+          <p:cNvPr id="211" name="CustomShape 2"/>
           <p:cNvSpPr/>
           <p:nvPr/>
         </p:nvSpPr>
@@ -8864,7 +8941,7 @@
       </p:sp>
       <p:sp>
         <p:nvSpPr>
-          <p:cNvPr id="210" name="CustomShape 3"/>
+          <p:cNvPr id="212" name="CustomShape 3"/>
           <p:cNvSpPr/>
           <p:nvPr/>
         </p:nvSpPr>
@@ -8913,7 +8990,7 @@
       </p:sp>
       <p:sp>
         <p:nvSpPr>
-          <p:cNvPr id="211" name="CustomShape 4"/>
+          <p:cNvPr id="213" name="CustomShape 4"/>
           <p:cNvSpPr/>
           <p:nvPr/>
         </p:nvSpPr>
@@ -8972,7 +9049,7 @@
       </p:sp>
       <p:sp>
         <p:nvSpPr>
-          <p:cNvPr id="212" name="CustomShape 5"/>
+          <p:cNvPr id="214" name="CustomShape 5"/>
           <p:cNvSpPr/>
           <p:nvPr/>
         </p:nvSpPr>
@@ -9021,7 +9098,7 @@
       </p:sp>
       <p:sp>
         <p:nvSpPr>
-          <p:cNvPr id="213" name="CustomShape 6"/>
+          <p:cNvPr id="215" name="CustomShape 6"/>
           <p:cNvSpPr/>
           <p:nvPr/>
         </p:nvSpPr>
@@ -9131,14 +9208,14 @@
       </p:grpSpPr>
       <p:sp>
         <p:nvSpPr>
-          <p:cNvPr id="259" name="CustomShape 1"/>
+          <p:cNvPr id="255" name="CustomShape 1"/>
           <p:cNvSpPr/>
           <p:nvPr/>
         </p:nvSpPr>
         <p:spPr>
           <a:xfrm>
             <a:off x="359640" y="270000"/>
-            <a:ext cx="9357120" cy="673200"/>
+            <a:ext cx="9357840" cy="673920"/>
           </a:xfrm>
           <a:prstGeom prst="rect">
             <a:avLst/>
@@ -9170,7 +9247,7 @@
                 <a:latin typeface="Noto Sans Black"/>
                 <a:ea typeface="DejaVu Sans"/>
               </a:rPr>
-              <a:t>TEAM </a:t>
+              <a:t>Software – Microblaze Implementation</a:t>
             </a:r>
             <a:endParaRPr b="0" lang="en-US" sz="3200" spc="-1" strike="noStrike">
               <a:latin typeface="Arial"/>
@@ -9180,14 +9257,14 @@
       </p:sp>
       <p:sp>
         <p:nvSpPr>
-          <p:cNvPr id="260" name="CustomShape 2"/>
+          <p:cNvPr id="256" name="CustomShape 2"/>
           <p:cNvSpPr/>
           <p:nvPr/>
         </p:nvSpPr>
         <p:spPr>
           <a:xfrm>
-            <a:off x="359640" y="1485000"/>
-            <a:ext cx="9177120" cy="3508200"/>
+            <a:off x="359280" y="1099800"/>
+            <a:ext cx="9177840" cy="4042080"/>
           </a:xfrm>
           <a:prstGeom prst="rect">
             <a:avLst/>
@@ -9208,210 +9285,256 @@
             <a:normAutofit/>
           </a:bodyPr>
           <a:p>
-            <a:pPr marL="216000" indent="-213840">
+            <a:pPr>
               <a:lnSpc>
                 <a:spcPct val="100000"/>
               </a:lnSpc>
               <a:spcAft>
                 <a:spcPts val="1140"/>
               </a:spcAft>
-              <a:buClr>
-                <a:srgbClr val="000000"/>
-              </a:buClr>
-              <a:buSzPct val="45000"/>
-              <a:buFont typeface="Wingdings" charset="2"/>
-              <a:buChar char=""/>
             </a:pPr>
             <a:r>
-              <a:rPr b="1" lang="en-US" sz="2600" spc="-1" strike="noStrike">
+              <a:rPr b="1" lang="en-US" sz="1600" spc="-1" strike="noStrike">
                 <a:solidFill>
                   <a:srgbClr val="1c1c1c"/>
                 </a:solidFill>
-                <a:latin typeface="Noto Sans"/>
+                <a:latin typeface="Noto Sans SemiBold"/>
                 <a:ea typeface="DejaVu Sans"/>
               </a:rPr>
-              <a:t>Software:</a:t>
-            </a:r>
-            <a:endParaRPr b="0" lang="en-US" sz="2600" spc="-1" strike="noStrike">
-              <a:latin typeface="Arial"/>
-            </a:endParaRPr>
-          </a:p>
-          <a:p>
-            <a:pPr lvl="2" marL="648000" indent="-214560">
-              <a:lnSpc>
-                <a:spcPct val="100000"/>
-              </a:lnSpc>
-              <a:spcAft>
-                <a:spcPts val="1134"/>
-              </a:spcAft>
-              <a:buClr>
-                <a:srgbClr val="000000"/>
-              </a:buClr>
-              <a:buSzPct val="45000"/>
-              <a:buFont typeface="Wingdings" charset="2"/>
-              <a:buChar char=""/>
-            </a:pPr>
-            <a:r>
-              <a:rPr b="0" lang="en-US" sz="2200" spc="-1" strike="noStrike">
-                <a:solidFill>
-                  <a:srgbClr val="1c1c1c"/>
-                </a:solidFill>
-                <a:latin typeface="Noto Sans"/>
-                <a:ea typeface="DejaVu Sans"/>
-              </a:rPr>
-              <a:t>DOU Yuhan</a:t>
-            </a:r>
-            <a:endParaRPr b="0" lang="en-US" sz="2200" spc="-1" strike="noStrike">
-              <a:latin typeface="Arial"/>
-            </a:endParaRPr>
-          </a:p>
-          <a:p>
-            <a:pPr lvl="2" marL="648000" indent="-214560">
-              <a:lnSpc>
-                <a:spcPct val="100000"/>
-              </a:lnSpc>
-              <a:spcAft>
-                <a:spcPts val="1134"/>
-              </a:spcAft>
-              <a:buClr>
-                <a:srgbClr val="000000"/>
-              </a:buClr>
-              <a:buSzPct val="45000"/>
-              <a:buFont typeface="Wingdings" charset="2"/>
-              <a:buChar char=""/>
-            </a:pPr>
-            <a:r>
-              <a:rPr b="0" lang="en-US" sz="2200" spc="-1" strike="noStrike">
-                <a:solidFill>
-                  <a:srgbClr val="1c1c1c"/>
-                </a:solidFill>
-                <a:latin typeface="Noto Sans"/>
-                <a:ea typeface="DejaVu Sans"/>
-              </a:rPr>
-              <a:t>TERRACHER Audrey</a:t>
-            </a:r>
-            <a:endParaRPr b="0" lang="en-US" sz="2200" spc="-1" strike="noStrike">
-              <a:latin typeface="Arial"/>
-            </a:endParaRPr>
-          </a:p>
-          <a:p>
-            <a:pPr marL="216000" indent="-213840">
+              <a:t>Blocks design</a:t>
+            </a:r>
+            <a:endParaRPr b="0" lang="en-US" sz="1600" spc="-1" strike="noStrike">
+              <a:latin typeface="Arial"/>
+            </a:endParaRPr>
+          </a:p>
+          <a:p>
+            <a:pPr>
               <a:lnSpc>
                 <a:spcPct val="100000"/>
               </a:lnSpc>
               <a:spcAft>
                 <a:spcPts val="1140"/>
               </a:spcAft>
-              <a:buClr>
-                <a:srgbClr val="000000"/>
-              </a:buClr>
-              <a:buSzPct val="45000"/>
-              <a:buFont typeface="Wingdings" charset="2"/>
-              <a:buChar char=""/>
             </a:pPr>
-            <a:r>
-              <a:rPr b="1" lang="en-US" sz="2600" spc="-1" strike="noStrike">
-                <a:solidFill>
-                  <a:srgbClr val="1c1c1c"/>
-                </a:solidFill>
-                <a:latin typeface="Noto Sans"/>
-                <a:ea typeface="DejaVu Sans"/>
-              </a:rPr>
-              <a:t>Hardware:</a:t>
-            </a:r>
-            <a:endParaRPr b="0" lang="en-US" sz="2600" spc="-1" strike="noStrike">
-              <a:latin typeface="Arial"/>
-            </a:endParaRPr>
-          </a:p>
-          <a:p>
-            <a:pPr lvl="2" marL="648000" indent="-214560">
-              <a:lnSpc>
-                <a:spcPct val="100000"/>
-              </a:lnSpc>
-              <a:spcAft>
-                <a:spcPts val="1134"/>
-              </a:spcAft>
-              <a:buClr>
-                <a:srgbClr val="000000"/>
-              </a:buClr>
-              <a:buSzPct val="45000"/>
-              <a:buFont typeface="Wingdings" charset="2"/>
-              <a:buChar char=""/>
-            </a:pPr>
-            <a:r>
-              <a:rPr b="0" lang="en-US" sz="2200" spc="-1" strike="noStrike">
-                <a:solidFill>
-                  <a:srgbClr val="1c1c1c"/>
-                </a:solidFill>
-                <a:latin typeface="Noto Sans"/>
-                <a:ea typeface="DejaVu Sans"/>
-              </a:rPr>
-              <a:t>FORCIOLI QUENTIN</a:t>
-            </a:r>
-            <a:endParaRPr b="0" lang="en-US" sz="2200" spc="-1" strike="noStrike">
-              <a:latin typeface="Arial"/>
-            </a:endParaRPr>
-          </a:p>
-          <a:p>
-            <a:pPr marL="216000" indent="-213840">
+            <a:endParaRPr b="0" lang="en-US" sz="1600" spc="-1" strike="noStrike">
+              <a:latin typeface="Arial"/>
+            </a:endParaRPr>
+          </a:p>
+          <a:p>
+            <a:pPr>
               <a:lnSpc>
                 <a:spcPct val="100000"/>
               </a:lnSpc>
               <a:spcAft>
                 <a:spcPts val="1140"/>
               </a:spcAft>
-              <a:buClr>
-                <a:srgbClr val="000000"/>
-              </a:buClr>
-              <a:buSzPct val="45000"/>
-              <a:buFont typeface="Wingdings" charset="2"/>
-              <a:buChar char=""/>
+            </a:pPr>
+            <a:endParaRPr b="0" lang="en-US" sz="1600" spc="-1" strike="noStrike">
+              <a:latin typeface="Arial"/>
+            </a:endParaRPr>
+          </a:p>
+          <a:p>
+            <a:pPr>
+              <a:lnSpc>
+                <a:spcPct val="100000"/>
+              </a:lnSpc>
+              <a:spcAft>
+                <a:spcPts val="1140"/>
+              </a:spcAft>
+            </a:pPr>
+            <a:endParaRPr b="0" lang="en-US" sz="1600" spc="-1" strike="noStrike">
+              <a:latin typeface="Arial"/>
+            </a:endParaRPr>
+          </a:p>
+          <a:p>
+            <a:pPr>
+              <a:lnSpc>
+                <a:spcPct val="100000"/>
+              </a:lnSpc>
+              <a:spcAft>
+                <a:spcPts val="1140"/>
+              </a:spcAft>
+            </a:pPr>
+            <a:endParaRPr b="0" lang="en-US" sz="1600" spc="-1" strike="noStrike">
+              <a:latin typeface="Arial"/>
+            </a:endParaRPr>
+          </a:p>
+          <a:p>
+            <a:pPr>
+              <a:lnSpc>
+                <a:spcPct val="100000"/>
+              </a:lnSpc>
+              <a:spcAft>
+                <a:spcPts val="1140"/>
+              </a:spcAft>
+            </a:pPr>
+            <a:endParaRPr b="0" lang="en-US" sz="1600" spc="-1" strike="noStrike">
+              <a:latin typeface="Arial"/>
+            </a:endParaRPr>
+          </a:p>
+          <a:p>
+            <a:pPr>
+              <a:lnSpc>
+                <a:spcPct val="100000"/>
+              </a:lnSpc>
+              <a:spcAft>
+                <a:spcPts val="1140"/>
+              </a:spcAft>
+            </a:pPr>
+            <a:endParaRPr b="0" lang="en-US" sz="1600" spc="-1" strike="noStrike">
+              <a:latin typeface="Arial"/>
+            </a:endParaRPr>
+          </a:p>
+          <a:p>
+            <a:pPr>
+              <a:lnSpc>
+                <a:spcPct val="100000"/>
+              </a:lnSpc>
+              <a:spcAft>
+                <a:spcPts val="1140"/>
+              </a:spcAft>
+            </a:pPr>
+            <a:r>
+              <a:rPr b="1" lang="en-US" sz="1600" spc="-1" strike="noStrike">
+                <a:solidFill>
+                  <a:srgbClr val="1c1c1c"/>
+                </a:solidFill>
+                <a:latin typeface="Noto Sans SemiBold"/>
+                <a:ea typeface="DejaVu Sans"/>
+              </a:rPr>
+              <a:t>Report</a:t>
+            </a:r>
+            <a:endParaRPr b="0" lang="en-US" sz="1600" spc="-1" strike="noStrike">
+              <a:latin typeface="Arial"/>
+            </a:endParaRPr>
+          </a:p>
+          <a:p>
+            <a:pPr>
+              <a:lnSpc>
+                <a:spcPct val="100000"/>
+              </a:lnSpc>
+              <a:spcAft>
+                <a:spcPts val="1140"/>
+              </a:spcAft>
             </a:pPr>
             <a:r>
               <a:rPr b="1" lang="en-US" sz="2600" spc="-1" strike="noStrike">
                 <a:solidFill>
                   <a:srgbClr val="1c1c1c"/>
                 </a:solidFill>
-                <a:latin typeface="Noto Sans"/>
-                <a:ea typeface="DejaVu Sans"/>
-              </a:rPr>
-              <a:t>HLS and lead :</a:t>
-            </a:r>
-            <a:endParaRPr b="0" lang="en-US" sz="2600" spc="-1" strike="noStrike">
-              <a:latin typeface="Arial"/>
-            </a:endParaRPr>
-          </a:p>
-          <a:p>
-            <a:pPr lvl="2" marL="648000" indent="-214560">
-              <a:lnSpc>
-                <a:spcPct val="100000"/>
-              </a:lnSpc>
-              <a:spcAft>
-                <a:spcPts val="1134"/>
-              </a:spcAft>
-              <a:buClr>
-                <a:srgbClr val="000000"/>
-              </a:buClr>
-              <a:buSzPct val="45000"/>
-              <a:buFont typeface="Wingdings" charset="2"/>
-              <a:buChar char=""/>
-            </a:pPr>
-            <a:r>
-              <a:rPr b="0" lang="en-US" sz="2200" spc="-1" strike="noStrike">
+                <a:latin typeface="Noto Sans SemiBold"/>
+                <a:ea typeface="宋体"/>
+              </a:rPr>
+              <a:t>  </a:t>
+            </a:r>
+            <a:r>
+              <a:rPr b="1" lang="en-US" sz="1800" spc="-1" strike="noStrike">
                 <a:solidFill>
                   <a:srgbClr val="1c1c1c"/>
                 </a:solidFill>
-                <a:latin typeface="Noto Sans"/>
-                <a:ea typeface="DejaVu Sans"/>
-              </a:rPr>
-              <a:t>GHAOUI Mohamed Anis</a:t>
-            </a:r>
-            <a:endParaRPr b="0" lang="en-US" sz="2200" spc="-1" strike="noStrike">
-              <a:latin typeface="Arial"/>
-            </a:endParaRPr>
-          </a:p>
-        </p:txBody>
-      </p:sp>
+                <a:latin typeface="Noto Sans SemiBold"/>
+                <a:ea typeface="宋体"/>
+              </a:rPr>
+              <a:t> </a:t>
+            </a:r>
+            <a:endParaRPr b="0" lang="en-US" sz="1800" spc="-1" strike="noStrike">
+              <a:latin typeface="Arial"/>
+            </a:endParaRPr>
+          </a:p>
+        </p:txBody>
+      </p:sp>
+      <p:pic>
+        <p:nvPicPr>
+          <p:cNvPr id="257" name="Image 4" descr=""/>
+          <p:cNvPicPr/>
+          <p:nvPr/>
+        </p:nvPicPr>
+        <p:blipFill>
+          <a:blip r:embed="rId1"/>
+          <a:stretch/>
+        </p:blipFill>
+        <p:spPr>
+          <a:xfrm>
+            <a:off x="273240" y="1415160"/>
+            <a:ext cx="4903200" cy="2117880"/>
+          </a:xfrm>
+          <a:prstGeom prst="rect">
+            <a:avLst/>
+          </a:prstGeom>
+          <a:ln>
+            <a:noFill/>
+          </a:ln>
+        </p:spPr>
+      </p:pic>
+      <p:pic>
+        <p:nvPicPr>
+          <p:cNvPr id="258" name="Image 6" descr=""/>
+          <p:cNvPicPr/>
+          <p:nvPr/>
+        </p:nvPicPr>
+        <p:blipFill>
+          <a:blip r:embed="rId2"/>
+          <a:stretch/>
+        </p:blipFill>
+        <p:spPr>
+          <a:xfrm>
+            <a:off x="6084000" y="1202040"/>
+            <a:ext cx="2604240" cy="2542680"/>
+          </a:xfrm>
+          <a:prstGeom prst="rect">
+            <a:avLst/>
+          </a:prstGeom>
+          <a:ln>
+            <a:noFill/>
+          </a:ln>
+        </p:spPr>
+      </p:pic>
+      <p:pic>
+        <p:nvPicPr>
+          <p:cNvPr id="259" name="Image 8" descr=""/>
+          <p:cNvPicPr/>
+          <p:nvPr/>
+        </p:nvPicPr>
+        <p:blipFill>
+          <a:blip r:embed="rId3"/>
+          <a:stretch/>
+        </p:blipFill>
+        <p:spPr>
+          <a:xfrm>
+            <a:off x="4995720" y="3898800"/>
+            <a:ext cx="4428360" cy="1082520"/>
+          </a:xfrm>
+          <a:prstGeom prst="rect">
+            <a:avLst/>
+          </a:prstGeom>
+          <a:ln>
+            <a:noFill/>
+          </a:ln>
+        </p:spPr>
+      </p:pic>
+      <p:pic>
+        <p:nvPicPr>
+          <p:cNvPr id="260" name="Image 10" descr=""/>
+          <p:cNvPicPr/>
+          <p:nvPr/>
+        </p:nvPicPr>
+        <p:blipFill>
+          <a:blip r:embed="rId4"/>
+          <a:stretch/>
+        </p:blipFill>
+        <p:spPr>
+          <a:xfrm>
+            <a:off x="353880" y="3972960"/>
+            <a:ext cx="3562920" cy="1166400"/>
+          </a:xfrm>
+          <a:prstGeom prst="rect">
+            <a:avLst/>
+          </a:prstGeom>
+          <a:ln>
+            <a:noFill/>
+          </a:ln>
+        </p:spPr>
+      </p:pic>
     </p:spTree>
   </p:cSld>
   <p:timing>
@@ -9469,8 +9592,8 @@
         </p:nvSpPr>
         <p:spPr>
           <a:xfrm>
-            <a:off x="359640" y="270000"/>
-            <a:ext cx="9357120" cy="673200"/>
+            <a:off x="359640" y="177120"/>
+            <a:ext cx="9357840" cy="673920"/>
           </a:xfrm>
           <a:prstGeom prst="rect">
             <a:avLst/>
@@ -9502,7 +9625,7 @@
                 <a:latin typeface="Noto Sans Black"/>
                 <a:ea typeface="DejaVu Sans"/>
               </a:rPr>
-              <a:t>Sythèse Haut Niveau (HLS)</a:t>
+              <a:t>Software – Microblaze Implementation</a:t>
             </a:r>
             <a:endParaRPr b="0" lang="en-US" sz="3200" spc="-1" strike="noStrike">
               <a:latin typeface="Arial"/>
@@ -9518,8 +9641,8 @@
         </p:nvSpPr>
         <p:spPr>
           <a:xfrm>
-            <a:off x="359640" y="1485000"/>
-            <a:ext cx="9177120" cy="3508200"/>
+            <a:off x="359280" y="1099800"/>
+            <a:ext cx="9177840" cy="4042080"/>
           </a:xfrm>
           <a:prstGeom prst="rect">
             <a:avLst/>
@@ -9540,197 +9663,251 @@
             <a:normAutofit/>
           </a:bodyPr>
           <a:p>
-            <a:pPr marL="216000" indent="-215280">
+            <a:pPr>
               <a:lnSpc>
                 <a:spcPct val="100000"/>
               </a:lnSpc>
               <a:spcAft>
                 <a:spcPts val="1140"/>
               </a:spcAft>
-              <a:buClr>
-                <a:srgbClr val="000000"/>
-              </a:buClr>
-              <a:buFont typeface="StarSymbol"/>
-              <a:buAutoNum type="arabicParenR"/>
             </a:pPr>
             <a:r>
-              <a:rPr b="1" lang="en-US" sz="1800" spc="-1" strike="noStrike">
+              <a:rPr b="1" lang="en-US" sz="1600" spc="-1" strike="noStrike">
                 <a:solidFill>
                   <a:srgbClr val="1c1c1c"/>
                 </a:solidFill>
                 <a:latin typeface="Noto Sans SemiBold"/>
                 <a:ea typeface="DejaVu Sans"/>
               </a:rPr>
-              <a:t> </a:t>
-            </a:r>
-            <a:r>
-              <a:rPr b="1" lang="en-US" sz="1800" spc="-1" strike="noStrike">
-                <a:solidFill>
-                  <a:srgbClr val="1c1c1c"/>
-                </a:solidFill>
-                <a:latin typeface="Noto Sans SemiBold"/>
-                <a:ea typeface="DejaVu Sans"/>
-              </a:rPr>
-              <a:t>Réanalyse des algorithmes</a:t>
-            </a:r>
-            <a:endParaRPr b="0" lang="en-US" sz="1800" spc="-1" strike="noStrike">
-              <a:latin typeface="Arial"/>
-            </a:endParaRPr>
-          </a:p>
-          <a:p>
-            <a:pPr marL="216000" indent="-215280">
+              <a:t>Design on Vivado SDK </a:t>
+            </a:r>
+            <a:endParaRPr b="0" lang="en-US" sz="1600" spc="-1" strike="noStrike">
+              <a:latin typeface="Arial"/>
+            </a:endParaRPr>
+          </a:p>
+          <a:p>
+            <a:pPr>
               <a:lnSpc>
                 <a:spcPct val="100000"/>
               </a:lnSpc>
               <a:spcAft>
                 <a:spcPts val="1140"/>
               </a:spcAft>
-              <a:buClr>
-                <a:srgbClr val="000000"/>
-              </a:buClr>
-              <a:buFont typeface="StarSymbol"/>
-              <a:buAutoNum type="arabicParenR"/>
             </a:pPr>
             <a:r>
-              <a:rPr b="1" lang="en-US" sz="1800" spc="-1" strike="noStrike">
+              <a:rPr b="1" lang="en-US" sz="1200" spc="-1" strike="noStrike">
                 <a:solidFill>
                   <a:srgbClr val="1c1c1c"/>
                 </a:solidFill>
                 <a:latin typeface="Noto Sans SemiBold"/>
                 <a:ea typeface="DejaVu Sans"/>
               </a:rPr>
-              <a:t> </a:t>
-            </a:r>
-            <a:r>
-              <a:rPr b="1" lang="en-US" sz="1800" spc="-1" strike="noStrike">
-                <a:solidFill>
-                  <a:srgbClr val="1c1c1c"/>
-                </a:solidFill>
-                <a:latin typeface="Noto Sans SemiBold"/>
-                <a:ea typeface="DejaVu Sans"/>
-              </a:rPr>
-              <a:t>Traduction des mécanismes logiciels</a:t>
-            </a:r>
-            <a:endParaRPr b="0" lang="en-US" sz="1800" spc="-1" strike="noStrike">
-              <a:latin typeface="Arial"/>
-            </a:endParaRPr>
-          </a:p>
-          <a:p>
-            <a:pPr marL="216000" indent="-215280">
+              <a:t>1/ Changes in libraries and functions used for timing :</a:t>
+            </a:r>
+            <a:endParaRPr b="0" lang="en-US" sz="1200" spc="-1" strike="noStrike">
+              <a:latin typeface="Arial"/>
+            </a:endParaRPr>
+          </a:p>
+          <a:p>
+            <a:pPr>
               <a:lnSpc>
                 <a:spcPct val="100000"/>
               </a:lnSpc>
               <a:spcAft>
                 <a:spcPts val="1140"/>
               </a:spcAft>
-              <a:buClr>
-                <a:srgbClr val="000000"/>
-              </a:buClr>
-              <a:buFont typeface="StarSymbol"/>
-              <a:buAutoNum type="arabicParenR"/>
             </a:pPr>
             <a:r>
-              <a:rPr b="1" lang="en-US" sz="1800" spc="-1" strike="noStrike">
+              <a:rPr b="1" lang="en-US" sz="1200" spc="-1" strike="noStrike">
                 <a:solidFill>
                   <a:srgbClr val="1c1c1c"/>
                 </a:solidFill>
                 <a:latin typeface="Noto Sans SemiBold"/>
                 <a:ea typeface="DejaVu Sans"/>
               </a:rPr>
-              <a:t> </a:t>
-            </a:r>
-            <a:r>
-              <a:rPr b="1" lang="en-US" sz="1800" spc="-1" strike="noStrike">
-                <a:solidFill>
-                  <a:srgbClr val="1c1c1c"/>
-                </a:solidFill>
-                <a:latin typeface="Noto Sans SemiBold"/>
-                <a:ea typeface="DejaVu Sans"/>
-              </a:rPr>
-              <a:t>Implémenation des interfaces Axilite</a:t>
-            </a:r>
-            <a:endParaRPr b="0" lang="en-US" sz="1800" spc="-1" strike="noStrike">
-              <a:latin typeface="Arial"/>
-            </a:endParaRPr>
-          </a:p>
-          <a:p>
-            <a:pPr marL="216000" indent="-215280">
+              <a:t>xtime_l.h for ARM Implementation</a:t>
+            </a:r>
+            <a:endParaRPr b="0" lang="en-US" sz="1200" spc="-1" strike="noStrike">
+              <a:latin typeface="Arial"/>
+            </a:endParaRPr>
+          </a:p>
+          <a:p>
+            <a:pPr>
               <a:lnSpc>
                 <a:spcPct val="100000"/>
               </a:lnSpc>
               <a:spcAft>
                 <a:spcPts val="1140"/>
               </a:spcAft>
-              <a:buClr>
-                <a:srgbClr val="000000"/>
-              </a:buClr>
-              <a:buFont typeface="StarSymbol"/>
-              <a:buAutoNum type="arabicParenR"/>
             </a:pPr>
             <a:r>
-              <a:rPr b="1" lang="en-US" sz="1800" spc="-1" strike="noStrike">
+              <a:rPr b="1" lang="en-US" sz="1200" spc="-1" strike="noStrike">
                 <a:solidFill>
                   <a:srgbClr val="1c1c1c"/>
                 </a:solidFill>
                 <a:latin typeface="Noto Sans SemiBold"/>
                 <a:ea typeface="DejaVu Sans"/>
               </a:rPr>
-              <a:t> </a:t>
-            </a:r>
-            <a:r>
-              <a:rPr b="1" lang="en-US" sz="1800" spc="-1" strike="noStrike">
-                <a:solidFill>
-                  <a:srgbClr val="1c1c1c"/>
-                </a:solidFill>
-                <a:latin typeface="Noto Sans SemiBold"/>
-                <a:ea typeface="DejaVu Sans"/>
-              </a:rPr>
-              <a:t>Gestion/redimensionnement des accès mémoires</a:t>
-            </a:r>
-            <a:endParaRPr b="0" lang="en-US" sz="1800" spc="-1" strike="noStrike">
-              <a:latin typeface="Arial"/>
-            </a:endParaRPr>
-          </a:p>
-          <a:p>
-            <a:pPr marL="216000" indent="-215280">
+              <a:t>xtmrctr.h for Microblaze Implementation</a:t>
+            </a:r>
+            <a:endParaRPr b="0" lang="en-US" sz="1200" spc="-1" strike="noStrike">
+              <a:latin typeface="Arial"/>
+            </a:endParaRPr>
+          </a:p>
+          <a:p>
+            <a:pPr>
               <a:lnSpc>
                 <a:spcPct val="100000"/>
               </a:lnSpc>
               <a:spcAft>
                 <a:spcPts val="1140"/>
               </a:spcAft>
-              <a:buClr>
-                <a:srgbClr val="000000"/>
-              </a:buClr>
-              <a:buFont typeface="StarSymbol"/>
-              <a:buAutoNum type="arabicParenR"/>
             </a:pPr>
-            <a:r>
-              <a:rPr b="1" lang="en-US" sz="1800" spc="-1" strike="noStrike">
+            <a:endParaRPr b="0" lang="en-US" sz="1200" spc="-1" strike="noStrike">
+              <a:latin typeface="Arial"/>
+            </a:endParaRPr>
+          </a:p>
+          <a:p>
+            <a:pPr>
+              <a:lnSpc>
+                <a:spcPct val="100000"/>
+              </a:lnSpc>
+              <a:spcAft>
+                <a:spcPts val="1140"/>
+              </a:spcAft>
+            </a:pPr>
+            <a:r>
+              <a:rPr b="1" lang="en-US" sz="1200" spc="-1" strike="noStrike">
+                <a:solidFill>
+                  <a:srgbClr val="1c1c1c"/>
+                </a:solidFill>
+                <a:latin typeface="Noto Sans SemiBold"/>
+                <a:ea typeface="宋体"/>
+              </a:rPr>
+              <a:t>2/ Several bugs launching FPGA programming..</a:t>
+            </a:r>
+            <a:endParaRPr b="0" lang="en-US" sz="1200" spc="-1" strike="noStrike">
+              <a:latin typeface="Arial"/>
+            </a:endParaRPr>
+          </a:p>
+          <a:p>
+            <a:pPr>
+              <a:lnSpc>
+                <a:spcPct val="100000"/>
+              </a:lnSpc>
+              <a:spcAft>
+                <a:spcPts val="1140"/>
+              </a:spcAft>
+            </a:pPr>
+            <a:r>
+              <a:rPr b="1" lang="en-US" sz="1400" spc="-1" strike="noStrike">
                 <a:solidFill>
                   <a:srgbClr val="1c1c1c"/>
                 </a:solidFill>
                 <a:latin typeface="Noto Sans SemiBold"/>
                 <a:ea typeface="DejaVu Sans"/>
               </a:rPr>
-              <a:t> </a:t>
-            </a:r>
-            <a:r>
-              <a:rPr b="1" lang="en-US" sz="1800" spc="-1" strike="noStrike">
-                <a:solidFill>
-                  <a:srgbClr val="1c1c1c"/>
-                </a:solidFill>
-                <a:latin typeface="Noto Sans SemiBold"/>
-                <a:ea typeface="DejaVu Sans"/>
-              </a:rPr>
-              <a:t>Optimisations matérielles</a:t>
-            </a:r>
-            <a:endParaRPr b="0" lang="en-US" sz="1800" spc="-1" strike="noStrike">
-              <a:latin typeface="Arial"/>
-            </a:endParaRPr>
-          </a:p>
-        </p:txBody>
-      </p:sp>
+              <a:t>  </a:t>
+            </a:r>
+            <a:endParaRPr b="0" lang="en-US" sz="1400" spc="-1" strike="noStrike">
+              <a:latin typeface="Arial"/>
+            </a:endParaRPr>
+          </a:p>
+        </p:txBody>
+      </p:sp>
+      <p:pic>
+        <p:nvPicPr>
+          <p:cNvPr id="263" name="Image 2" descr=""/>
+          <p:cNvPicPr/>
+          <p:nvPr/>
+        </p:nvPicPr>
+        <p:blipFill>
+          <a:blip r:embed="rId1"/>
+          <a:srcRect l="0" t="0" r="3729" b="0"/>
+          <a:stretch/>
+        </p:blipFill>
+        <p:spPr>
+          <a:xfrm>
+            <a:off x="5787720" y="1217520"/>
+            <a:ext cx="3375000" cy="3176640"/>
+          </a:xfrm>
+          <a:prstGeom prst="rect">
+            <a:avLst/>
+          </a:prstGeom>
+          <a:ln>
+            <a:noFill/>
+          </a:ln>
+        </p:spPr>
+      </p:pic>
+      <p:pic>
+        <p:nvPicPr>
+          <p:cNvPr id="264" name="Image 6" descr=""/>
+          <p:cNvPicPr/>
+          <p:nvPr/>
+        </p:nvPicPr>
+        <p:blipFill>
+          <a:blip r:embed="rId2"/>
+          <a:stretch/>
+        </p:blipFill>
+        <p:spPr>
+          <a:xfrm>
+            <a:off x="291960" y="3223080"/>
+            <a:ext cx="2658960" cy="1392120"/>
+          </a:xfrm>
+          <a:prstGeom prst="rect">
+            <a:avLst/>
+          </a:prstGeom>
+          <a:ln>
+            <a:noFill/>
+          </a:ln>
+        </p:spPr>
+      </p:pic>
+      <p:pic>
+        <p:nvPicPr>
+          <p:cNvPr id="265" name="Image 8" descr=""/>
+          <p:cNvPicPr/>
+          <p:nvPr/>
+        </p:nvPicPr>
+        <p:blipFill>
+          <a:blip r:embed="rId3"/>
+          <a:stretch/>
+        </p:blipFill>
+        <p:spPr>
+          <a:xfrm>
+            <a:off x="3005280" y="3224520"/>
+            <a:ext cx="2025360" cy="613440"/>
+          </a:xfrm>
+          <a:prstGeom prst="rect">
+            <a:avLst/>
+          </a:prstGeom>
+          <a:ln>
+            <a:noFill/>
+          </a:ln>
+        </p:spPr>
+      </p:pic>
+      <p:pic>
+        <p:nvPicPr>
+          <p:cNvPr id="266" name="Image 10" descr=""/>
+          <p:cNvPicPr/>
+          <p:nvPr/>
+        </p:nvPicPr>
+        <p:blipFill>
+          <a:blip r:embed="rId4"/>
+          <a:stretch/>
+        </p:blipFill>
+        <p:spPr>
+          <a:xfrm>
+            <a:off x="3005280" y="3921120"/>
+            <a:ext cx="2034360" cy="783360"/>
+          </a:xfrm>
+          <a:prstGeom prst="rect">
+            <a:avLst/>
+          </a:prstGeom>
+          <a:ln>
+            <a:noFill/>
+          </a:ln>
+        </p:spPr>
+      </p:pic>
     </p:spTree>
   </p:cSld>
   <p:timing>
@@ -9782,7 +9959,7 @@
       </p:grpSpPr>
       <p:sp>
         <p:nvSpPr>
-          <p:cNvPr id="263" name="CustomShape 1"/>
+          <p:cNvPr id="267" name="CustomShape 1"/>
           <p:cNvSpPr/>
           <p:nvPr/>
         </p:nvSpPr>
@@ -9831,7 +10008,7 @@
       </p:sp>
       <p:sp>
         <p:nvSpPr>
-          <p:cNvPr id="264" name="CustomShape 2"/>
+          <p:cNvPr id="268" name="CustomShape 2"/>
           <p:cNvSpPr/>
           <p:nvPr/>
         </p:nvSpPr>
@@ -9859,30 +10036,7 @@
             <a:normAutofit/>
           </a:bodyPr>
           <a:p>
-            <a:pPr>
-              <a:lnSpc>
-                <a:spcPct val="100000"/>
-              </a:lnSpc>
-              <a:spcAft>
-                <a:spcPts val="1140"/>
-              </a:spcAft>
-            </a:pPr>
-            <a:r>
-              <a:rPr b="1" lang="en-US" sz="1800" spc="-1" strike="noStrike">
-                <a:solidFill>
-                  <a:srgbClr val="1c1c1c"/>
-                </a:solidFill>
-                <a:latin typeface="Noto Sans SemiBold"/>
-                <a:ea typeface="DejaVu Sans"/>
-              </a:rPr>
-              <a:t>Adaptation :</a:t>
-            </a:r>
-            <a:endParaRPr b="0" lang="en-US" sz="1800" spc="-1" strike="noStrike">
-              <a:latin typeface="Arial"/>
-            </a:endParaRPr>
-          </a:p>
-          <a:p>
-            <a:pPr marL="216000" indent="-214920">
+            <a:pPr marL="216000" indent="-215280">
               <a:lnSpc>
                 <a:spcPct val="100000"/>
               </a:lnSpc>
@@ -9892,9 +10046,8 @@
               <a:buClr>
                 <a:srgbClr val="000000"/>
               </a:buClr>
-              <a:buSzPct val="45000"/>
-              <a:buFont typeface="Wingdings" charset="2"/>
-              <a:buChar char=""/>
+              <a:buFont typeface="StarSymbol"/>
+              <a:buAutoNum type="arabicParenR"/>
             </a:pPr>
             <a:r>
               <a:rPr b="1" lang="en-US" sz="1800" spc="-1" strike="noStrike">
@@ -9904,14 +10057,24 @@
                 <a:latin typeface="Noto Sans SemiBold"/>
                 <a:ea typeface="DejaVu Sans"/>
               </a:rPr>
-              <a:t>Intégration des implémentations logicielles</a:t>
+              <a:t> </a:t>
+            </a:r>
+            <a:r>
+              <a:rPr b="1" lang="en-US" sz="1800" spc="-1" strike="noStrike">
+                <a:solidFill>
+                  <a:srgbClr val="1c1c1c"/>
+                </a:solidFill>
+                <a:latin typeface="Noto Sans SemiBold"/>
+                <a:ea typeface="DejaVu Sans"/>
+              </a:rPr>
+              <a:t>Réanalyse des algorithmes</a:t>
             </a:r>
             <a:endParaRPr b="0" lang="en-US" sz="1800" spc="-1" strike="noStrike">
               <a:latin typeface="Arial"/>
             </a:endParaRPr>
           </a:p>
           <a:p>
-            <a:pPr marL="216000" indent="-214920">
+            <a:pPr marL="216000" indent="-215280">
               <a:lnSpc>
                 <a:spcPct val="100000"/>
               </a:lnSpc>
@@ -9921,9 +10084,8 @@
               <a:buClr>
                 <a:srgbClr val="000000"/>
               </a:buClr>
-              <a:buSzPct val="45000"/>
-              <a:buFont typeface="Wingdings" charset="2"/>
-              <a:buChar char=""/>
+              <a:buFont typeface="StarSymbol"/>
+              <a:buAutoNum type="arabicParenR"/>
             </a:pPr>
             <a:r>
               <a:rPr b="1" lang="en-US" sz="1800" spc="-1" strike="noStrike">
@@ -9933,14 +10095,24 @@
                 <a:latin typeface="Noto Sans SemiBold"/>
                 <a:ea typeface="DejaVu Sans"/>
               </a:rPr>
-              <a:t>Correction et modification des programmes</a:t>
+              <a:t> </a:t>
+            </a:r>
+            <a:r>
+              <a:rPr b="1" lang="en-US" sz="1800" spc="-1" strike="noStrike">
+                <a:solidFill>
+                  <a:srgbClr val="1c1c1c"/>
+                </a:solidFill>
+                <a:latin typeface="Noto Sans SemiBold"/>
+                <a:ea typeface="DejaVu Sans"/>
+              </a:rPr>
+              <a:t>Traduction des mécanismes logiciels</a:t>
             </a:r>
             <a:endParaRPr b="0" lang="en-US" sz="1800" spc="-1" strike="noStrike">
               <a:latin typeface="Arial"/>
             </a:endParaRPr>
           </a:p>
           <a:p>
-            <a:pPr marL="216000" indent="-214920">
+            <a:pPr marL="216000" indent="-215280">
               <a:lnSpc>
                 <a:spcPct val="100000"/>
               </a:lnSpc>
@@ -9950,9 +10122,8 @@
               <a:buClr>
                 <a:srgbClr val="000000"/>
               </a:buClr>
-              <a:buSzPct val="45000"/>
-              <a:buFont typeface="Wingdings" charset="2"/>
-              <a:buChar char=""/>
+              <a:buFont typeface="StarSymbol"/>
+              <a:buAutoNum type="arabicParenR"/>
             </a:pPr>
             <a:r>
               <a:rPr b="1" lang="en-US" sz="1800" spc="-1" strike="noStrike">
@@ -9962,14 +10133,24 @@
                 <a:latin typeface="Noto Sans SemiBold"/>
                 <a:ea typeface="DejaVu Sans"/>
               </a:rPr>
-              <a:t>Exploration des limites du trans-compilateur</a:t>
+              <a:t> </a:t>
+            </a:r>
+            <a:r>
+              <a:rPr b="1" lang="en-US" sz="1800" spc="-1" strike="noStrike">
+                <a:solidFill>
+                  <a:srgbClr val="1c1c1c"/>
+                </a:solidFill>
+                <a:latin typeface="Noto Sans SemiBold"/>
+                <a:ea typeface="DejaVu Sans"/>
+              </a:rPr>
+              <a:t>Implémenation des interfaces Axilite</a:t>
             </a:r>
             <a:endParaRPr b="0" lang="en-US" sz="1800" spc="-1" strike="noStrike">
               <a:latin typeface="Arial"/>
             </a:endParaRPr>
           </a:p>
           <a:p>
-            <a:pPr marL="216000" indent="-214920">
+            <a:pPr marL="216000" indent="-215280">
               <a:lnSpc>
                 <a:spcPct val="100000"/>
               </a:lnSpc>
@@ -9979,9 +10160,8 @@
               <a:buClr>
                 <a:srgbClr val="000000"/>
               </a:buClr>
-              <a:buSzPct val="45000"/>
-              <a:buFont typeface="Wingdings" charset="2"/>
-              <a:buChar char=""/>
+              <a:buFont typeface="StarSymbol"/>
+              <a:buAutoNum type="arabicParenR"/>
             </a:pPr>
             <a:r>
               <a:rPr b="1" lang="en-US" sz="1800" spc="-1" strike="noStrike">
@@ -9991,14 +10171,24 @@
                 <a:latin typeface="Noto Sans SemiBold"/>
                 <a:ea typeface="DejaVu Sans"/>
               </a:rPr>
-              <a:t>Analyse de la « qualité » du code VHDL produit</a:t>
+              <a:t> </a:t>
+            </a:r>
+            <a:r>
+              <a:rPr b="1" lang="en-US" sz="1800" spc="-1" strike="noStrike">
+                <a:solidFill>
+                  <a:srgbClr val="1c1c1c"/>
+                </a:solidFill>
+                <a:latin typeface="Noto Sans SemiBold"/>
+                <a:ea typeface="DejaVu Sans"/>
+              </a:rPr>
+              <a:t>Gestion/redimensionnement des accès mémoires</a:t>
             </a:r>
             <a:endParaRPr b="0" lang="en-US" sz="1800" spc="-1" strike="noStrike">
               <a:latin typeface="Arial"/>
             </a:endParaRPr>
           </a:p>
           <a:p>
-            <a:pPr marL="216000" indent="-214920">
+            <a:pPr marL="216000" indent="-215280">
               <a:lnSpc>
                 <a:spcPct val="100000"/>
               </a:lnSpc>
@@ -10008,9 +10198,8 @@
               <a:buClr>
                 <a:srgbClr val="000000"/>
               </a:buClr>
-              <a:buSzPct val="45000"/>
-              <a:buFont typeface="Wingdings" charset="2"/>
-              <a:buChar char=""/>
+              <a:buFont typeface="StarSymbol"/>
+              <a:buAutoNum type="arabicParenR"/>
             </a:pPr>
             <a:r>
               <a:rPr b="1" lang="en-US" sz="1800" spc="-1" strike="noStrike">
@@ -10020,7 +10209,17 @@
                 <a:latin typeface="Noto Sans SemiBold"/>
                 <a:ea typeface="DejaVu Sans"/>
               </a:rPr>
-              <a:t>Évaluation des critères de synthèse : surface et fréquence sur le FPGA</a:t>
+              <a:t> </a:t>
+            </a:r>
+            <a:r>
+              <a:rPr b="1" lang="en-US" sz="1800" spc="-1" strike="noStrike">
+                <a:solidFill>
+                  <a:srgbClr val="1c1c1c"/>
+                </a:solidFill>
+                <a:latin typeface="Noto Sans SemiBold"/>
+                <a:ea typeface="DejaVu Sans"/>
+              </a:rPr>
+              <a:t>Optimisations matérielles</a:t>
             </a:r>
             <a:endParaRPr b="0" lang="en-US" sz="1800" spc="-1" strike="noStrike">
               <a:latin typeface="Arial"/>
@@ -10079,7 +10278,7 @@
       </p:grpSpPr>
       <p:sp>
         <p:nvSpPr>
-          <p:cNvPr id="265" name="CustomShape 1"/>
+          <p:cNvPr id="269" name="CustomShape 1"/>
           <p:cNvSpPr/>
           <p:nvPr/>
         </p:nvSpPr>
@@ -10118,6 +10317,303 @@
                 <a:latin typeface="Noto Sans Black"/>
                 <a:ea typeface="DejaVu Sans"/>
               </a:rPr>
+              <a:t>Sythèse Haut Niveau (HLS)</a:t>
+            </a:r>
+            <a:endParaRPr b="0" lang="en-US" sz="3200" spc="-1" strike="noStrike">
+              <a:latin typeface="Arial"/>
+            </a:endParaRPr>
+          </a:p>
+        </p:txBody>
+      </p:sp>
+      <p:sp>
+        <p:nvSpPr>
+          <p:cNvPr id="270" name="CustomShape 2"/>
+          <p:cNvSpPr/>
+          <p:nvPr/>
+        </p:nvSpPr>
+        <p:spPr>
+          <a:xfrm>
+            <a:off x="359640" y="1485000"/>
+            <a:ext cx="9177120" cy="3508200"/>
+          </a:xfrm>
+          <a:prstGeom prst="rect">
+            <a:avLst/>
+          </a:prstGeom>
+          <a:noFill/>
+          <a:ln>
+            <a:noFill/>
+          </a:ln>
+        </p:spPr>
+        <p:style>
+          <a:lnRef idx="0"/>
+          <a:fillRef idx="0"/>
+          <a:effectRef idx="0"/>
+          <a:fontRef idx="minor"/>
+        </p:style>
+        <p:txBody>
+          <a:bodyPr lIns="0" rIns="0" tIns="0" bIns="0">
+            <a:normAutofit/>
+          </a:bodyPr>
+          <a:p>
+            <a:pPr>
+              <a:lnSpc>
+                <a:spcPct val="100000"/>
+              </a:lnSpc>
+              <a:spcAft>
+                <a:spcPts val="1140"/>
+              </a:spcAft>
+            </a:pPr>
+            <a:r>
+              <a:rPr b="1" lang="en-US" sz="1800" spc="-1" strike="noStrike">
+                <a:solidFill>
+                  <a:srgbClr val="1c1c1c"/>
+                </a:solidFill>
+                <a:latin typeface="Noto Sans SemiBold"/>
+                <a:ea typeface="DejaVu Sans"/>
+              </a:rPr>
+              <a:t>Adaptation :</a:t>
+            </a:r>
+            <a:endParaRPr b="0" lang="en-US" sz="1800" spc="-1" strike="noStrike">
+              <a:latin typeface="Arial"/>
+            </a:endParaRPr>
+          </a:p>
+          <a:p>
+            <a:pPr marL="216000" indent="-214920">
+              <a:lnSpc>
+                <a:spcPct val="100000"/>
+              </a:lnSpc>
+              <a:spcAft>
+                <a:spcPts val="1140"/>
+              </a:spcAft>
+              <a:buClr>
+                <a:srgbClr val="000000"/>
+              </a:buClr>
+              <a:buSzPct val="45000"/>
+              <a:buFont typeface="Wingdings" charset="2"/>
+              <a:buChar char=""/>
+            </a:pPr>
+            <a:r>
+              <a:rPr b="1" lang="en-US" sz="1800" spc="-1" strike="noStrike">
+                <a:solidFill>
+                  <a:srgbClr val="1c1c1c"/>
+                </a:solidFill>
+                <a:latin typeface="Noto Sans SemiBold"/>
+                <a:ea typeface="DejaVu Sans"/>
+              </a:rPr>
+              <a:t>Intégration des implémentations logicielles</a:t>
+            </a:r>
+            <a:endParaRPr b="0" lang="en-US" sz="1800" spc="-1" strike="noStrike">
+              <a:latin typeface="Arial"/>
+            </a:endParaRPr>
+          </a:p>
+          <a:p>
+            <a:pPr marL="216000" indent="-214920">
+              <a:lnSpc>
+                <a:spcPct val="100000"/>
+              </a:lnSpc>
+              <a:spcAft>
+                <a:spcPts val="1140"/>
+              </a:spcAft>
+              <a:buClr>
+                <a:srgbClr val="000000"/>
+              </a:buClr>
+              <a:buSzPct val="45000"/>
+              <a:buFont typeface="Wingdings" charset="2"/>
+              <a:buChar char=""/>
+            </a:pPr>
+            <a:r>
+              <a:rPr b="1" lang="en-US" sz="1800" spc="-1" strike="noStrike">
+                <a:solidFill>
+                  <a:srgbClr val="1c1c1c"/>
+                </a:solidFill>
+                <a:latin typeface="Noto Sans SemiBold"/>
+                <a:ea typeface="DejaVu Sans"/>
+              </a:rPr>
+              <a:t>Correction et modification des programmes</a:t>
+            </a:r>
+            <a:endParaRPr b="0" lang="en-US" sz="1800" spc="-1" strike="noStrike">
+              <a:latin typeface="Arial"/>
+            </a:endParaRPr>
+          </a:p>
+          <a:p>
+            <a:pPr marL="216000" indent="-214920">
+              <a:lnSpc>
+                <a:spcPct val="100000"/>
+              </a:lnSpc>
+              <a:spcAft>
+                <a:spcPts val="1140"/>
+              </a:spcAft>
+              <a:buClr>
+                <a:srgbClr val="000000"/>
+              </a:buClr>
+              <a:buSzPct val="45000"/>
+              <a:buFont typeface="Wingdings" charset="2"/>
+              <a:buChar char=""/>
+            </a:pPr>
+            <a:r>
+              <a:rPr b="1" lang="en-US" sz="1800" spc="-1" strike="noStrike">
+                <a:solidFill>
+                  <a:srgbClr val="1c1c1c"/>
+                </a:solidFill>
+                <a:latin typeface="Noto Sans SemiBold"/>
+                <a:ea typeface="DejaVu Sans"/>
+              </a:rPr>
+              <a:t>Exploration des limites du trans-compilateur</a:t>
+            </a:r>
+            <a:endParaRPr b="0" lang="en-US" sz="1800" spc="-1" strike="noStrike">
+              <a:latin typeface="Arial"/>
+            </a:endParaRPr>
+          </a:p>
+          <a:p>
+            <a:pPr marL="216000" indent="-214920">
+              <a:lnSpc>
+                <a:spcPct val="100000"/>
+              </a:lnSpc>
+              <a:spcAft>
+                <a:spcPts val="1140"/>
+              </a:spcAft>
+              <a:buClr>
+                <a:srgbClr val="000000"/>
+              </a:buClr>
+              <a:buSzPct val="45000"/>
+              <a:buFont typeface="Wingdings" charset="2"/>
+              <a:buChar char=""/>
+            </a:pPr>
+            <a:r>
+              <a:rPr b="1" lang="en-US" sz="1800" spc="-1" strike="noStrike">
+                <a:solidFill>
+                  <a:srgbClr val="1c1c1c"/>
+                </a:solidFill>
+                <a:latin typeface="Noto Sans SemiBold"/>
+                <a:ea typeface="DejaVu Sans"/>
+              </a:rPr>
+              <a:t>Analyse de la « qualité » du code VHDL produit</a:t>
+            </a:r>
+            <a:endParaRPr b="0" lang="en-US" sz="1800" spc="-1" strike="noStrike">
+              <a:latin typeface="Arial"/>
+            </a:endParaRPr>
+          </a:p>
+          <a:p>
+            <a:pPr marL="216000" indent="-214920">
+              <a:lnSpc>
+                <a:spcPct val="100000"/>
+              </a:lnSpc>
+              <a:spcAft>
+                <a:spcPts val="1140"/>
+              </a:spcAft>
+              <a:buClr>
+                <a:srgbClr val="000000"/>
+              </a:buClr>
+              <a:buSzPct val="45000"/>
+              <a:buFont typeface="Wingdings" charset="2"/>
+              <a:buChar char=""/>
+            </a:pPr>
+            <a:r>
+              <a:rPr b="1" lang="en-US" sz="1800" spc="-1" strike="noStrike">
+                <a:solidFill>
+                  <a:srgbClr val="1c1c1c"/>
+                </a:solidFill>
+                <a:latin typeface="Noto Sans SemiBold"/>
+                <a:ea typeface="DejaVu Sans"/>
+              </a:rPr>
+              <a:t>Évaluation des critères de synthèse : surface et fréquence sur le FPGA</a:t>
+            </a:r>
+            <a:endParaRPr b="0" lang="en-US" sz="1800" spc="-1" strike="noStrike">
+              <a:latin typeface="Arial"/>
+            </a:endParaRPr>
+          </a:p>
+        </p:txBody>
+      </p:sp>
+    </p:spTree>
+  </p:cSld>
+  <p:timing>
+    <p:tnLst>
+      <p:par>
+        <p:cTn id="25" dur="indefinite" restart="never" nodeType="tmRoot">
+          <p:childTnLst>
+            <p:seq>
+              <p:cTn id="26" dur="indefinite" nodeType="mainSeq"/>
+              <p:prevCondLst>
+                <p:cond delay="0" evt="onPrev">
+                  <p:tgtEl>
+                    <p:sldTgt/>
+                  </p:tgtEl>
+                </p:cond>
+              </p:prevCondLst>
+              <p:nextCondLst>
+                <p:cond delay="0" evt="onNext">
+                  <p:tgtEl>
+                    <p:sldTgt/>
+                  </p:tgtEl>
+                </p:cond>
+              </p:nextCondLst>
+            </p:seq>
+          </p:childTnLst>
+        </p:cTn>
+      </p:par>
+    </p:tnLst>
+  </p:timing>
+</p:sld>
+</file>
+
+<file path=ppt/slides/slide14.xml><?xml version="1.0" encoding="utf-8"?>
+<p:sld xmlns:a="http://schemas.openxmlformats.org/drawingml/2006/main" xmlns:p="http://schemas.openxmlformats.org/presentationml/2006/main" xmlns:r="http://schemas.openxmlformats.org/officeDocument/2006/relationships" xmlns:p14="http://schemas.microsoft.com/office/powerpoint/2010/main" xmlns:p15="http://schemas.microsoft.com/office/powerpoint/2012/main" xmlns:mc="http://schemas.openxmlformats.org/markup-compatibility/2006">
+  <p:cSld>
+    <p:spTree>
+      <p:nvGrpSpPr>
+        <p:cNvPr id="1" name=""/>
+        <p:cNvGrpSpPr/>
+        <p:nvPr/>
+      </p:nvGrpSpPr>
+      <p:grpSpPr>
+        <a:xfrm>
+          <a:off x="0" y="0"/>
+          <a:ext cx="0" cy="0"/>
+          <a:chOff x="0" y="0"/>
+          <a:chExt cx="0" cy="0"/>
+        </a:xfrm>
+      </p:grpSpPr>
+      <p:sp>
+        <p:nvSpPr>
+          <p:cNvPr id="271" name="CustomShape 1"/>
+          <p:cNvSpPr/>
+          <p:nvPr/>
+        </p:nvSpPr>
+        <p:spPr>
+          <a:xfrm>
+            <a:off x="359640" y="270000"/>
+            <a:ext cx="9357120" cy="673200"/>
+          </a:xfrm>
+          <a:prstGeom prst="rect">
+            <a:avLst/>
+          </a:prstGeom>
+          <a:noFill/>
+          <a:ln>
+            <a:noFill/>
+          </a:ln>
+        </p:spPr>
+        <p:style>
+          <a:lnRef idx="0"/>
+          <a:fillRef idx="0"/>
+          <a:effectRef idx="0"/>
+          <a:fontRef idx="minor"/>
+        </p:style>
+        <p:txBody>
+          <a:bodyPr lIns="0" rIns="0" tIns="0" bIns="0" anchor="b"/>
+          <a:p>
+            <a:pPr>
+              <a:lnSpc>
+                <a:spcPct val="100000"/>
+              </a:lnSpc>
+            </a:pPr>
+            <a:r>
+              <a:rPr b="1" lang="en-US" sz="3200" spc="-1" strike="noStrike">
+                <a:solidFill>
+                  <a:srgbClr val="ffffff"/>
+                </a:solidFill>
+                <a:latin typeface="Noto Sans Black"/>
+                <a:ea typeface="DejaVu Sans"/>
+              </a:rPr>
               <a:t>Conclusion</a:t>
             </a:r>
             <a:endParaRPr b="0" lang="en-US" sz="3200" spc="-1" strike="noStrike">
@@ -10128,7 +10624,7 @@
       </p:sp>
       <p:sp>
         <p:nvSpPr>
-          <p:cNvPr id="266" name="CustomShape 2"/>
+          <p:cNvPr id="272" name="CustomShape 2"/>
           <p:cNvSpPr/>
           <p:nvPr/>
         </p:nvSpPr>
@@ -10336,10 +10832,10 @@
   <p:timing>
     <p:tnLst>
       <p:par>
-        <p:cTn id="25" dur="indefinite" restart="never" nodeType="tmRoot">
+        <p:cTn id="27" dur="indefinite" restart="never" nodeType="tmRoot">
           <p:childTnLst>
             <p:seq>
-              <p:cTn id="26" dur="indefinite" nodeType="mainSeq"/>
+              <p:cTn id="28" dur="indefinite" nodeType="mainSeq"/>
               <p:prevCondLst>
                 <p:cond delay="0" evt="onPrev">
                   <p:tgtEl>
@@ -10382,14 +10878,14 @@
       </p:grpSpPr>
       <p:sp>
         <p:nvSpPr>
-          <p:cNvPr id="214" name="CustomShape 1"/>
+          <p:cNvPr id="216" name="CustomShape 1"/>
           <p:cNvSpPr/>
           <p:nvPr/>
         </p:nvSpPr>
         <p:spPr>
           <a:xfrm>
             <a:off x="359640" y="270000"/>
-            <a:ext cx="9357840" cy="673920"/>
+            <a:ext cx="9357120" cy="673200"/>
           </a:xfrm>
           <a:prstGeom prst="rect">
             <a:avLst/>
@@ -10421,7 +10917,7 @@
                 <a:latin typeface="Noto Sans Black"/>
                 <a:ea typeface="DejaVu Sans"/>
               </a:rPr>
-              <a:t>Our approach and algorithms chosen</a:t>
+              <a:t>TEAM </a:t>
             </a:r>
             <a:endParaRPr b="0" lang="en-US" sz="3200" spc="-1" strike="noStrike">
               <a:latin typeface="Arial"/>
@@ -10431,14 +10927,14 @@
       </p:sp>
       <p:sp>
         <p:nvSpPr>
-          <p:cNvPr id="215" name="CustomShape 2"/>
+          <p:cNvPr id="217" name="CustomShape 2"/>
           <p:cNvSpPr/>
           <p:nvPr/>
         </p:nvSpPr>
         <p:spPr>
           <a:xfrm>
-            <a:off x="359280" y="1099800"/>
-            <a:ext cx="9177840" cy="4042080"/>
+            <a:off x="359640" y="1485000"/>
+            <a:ext cx="9177120" cy="3508200"/>
           </a:xfrm>
           <a:prstGeom prst="rect">
             <a:avLst/>
@@ -10459,408 +10955,215 @@
             <a:normAutofit/>
           </a:bodyPr>
           <a:p>
-            <a:pPr>
+            <a:pPr marL="216000" indent="-213840">
               <a:lnSpc>
                 <a:spcPct val="100000"/>
               </a:lnSpc>
               <a:spcAft>
                 <a:spcPts val="1140"/>
               </a:spcAft>
+              <a:buClr>
+                <a:srgbClr val="000000"/>
+              </a:buClr>
+              <a:buSzPct val="45000"/>
+              <a:buFont typeface="Wingdings" charset="2"/>
+              <a:buChar char=""/>
             </a:pPr>
-            <a:endParaRPr b="0" lang="en-US" sz="1800" spc="-1" strike="noStrike">
-              <a:latin typeface="Arial"/>
-            </a:endParaRPr>
-          </a:p>
-          <a:p>
-            <a:pPr>
+            <a:r>
+              <a:rPr b="1" lang="en-US" sz="2600" spc="-1" strike="noStrike">
+                <a:solidFill>
+                  <a:srgbClr val="1c1c1c"/>
+                </a:solidFill>
+                <a:latin typeface="Noto Sans"/>
+                <a:ea typeface="DejaVu Sans"/>
+              </a:rPr>
+              <a:t>Software:</a:t>
+            </a:r>
+            <a:endParaRPr b="0" lang="en-US" sz="2600" spc="-1" strike="noStrike">
+              <a:latin typeface="Arial"/>
+            </a:endParaRPr>
+          </a:p>
+          <a:p>
+            <a:pPr lvl="2" marL="648000" indent="-214560">
+              <a:lnSpc>
+                <a:spcPct val="100000"/>
+              </a:lnSpc>
+              <a:spcAft>
+                <a:spcPts val="1134"/>
+              </a:spcAft>
+              <a:buClr>
+                <a:srgbClr val="000000"/>
+              </a:buClr>
+              <a:buSzPct val="45000"/>
+              <a:buFont typeface="Wingdings" charset="2"/>
+              <a:buChar char=""/>
+            </a:pPr>
+            <a:r>
+              <a:rPr b="0" lang="en-US" sz="2200" spc="-1" strike="noStrike">
+                <a:solidFill>
+                  <a:srgbClr val="1c1c1c"/>
+                </a:solidFill>
+                <a:latin typeface="Noto Sans"/>
+                <a:ea typeface="DejaVu Sans"/>
+              </a:rPr>
+              <a:t>DOU Yuhan</a:t>
+            </a:r>
+            <a:endParaRPr b="0" lang="en-US" sz="2200" spc="-1" strike="noStrike">
+              <a:latin typeface="Arial"/>
+            </a:endParaRPr>
+          </a:p>
+          <a:p>
+            <a:pPr lvl="2" marL="648000" indent="-214560">
+              <a:lnSpc>
+                <a:spcPct val="100000"/>
+              </a:lnSpc>
+              <a:spcAft>
+                <a:spcPts val="1134"/>
+              </a:spcAft>
+              <a:buClr>
+                <a:srgbClr val="000000"/>
+              </a:buClr>
+              <a:buSzPct val="45000"/>
+              <a:buFont typeface="Wingdings" charset="2"/>
+              <a:buChar char=""/>
+            </a:pPr>
+            <a:r>
+              <a:rPr b="0" lang="en-US" sz="2200" spc="-1" strike="noStrike">
+                <a:solidFill>
+                  <a:srgbClr val="1c1c1c"/>
+                </a:solidFill>
+                <a:latin typeface="Noto Sans"/>
+                <a:ea typeface="DejaVu Sans"/>
+              </a:rPr>
+              <a:t>TERRACHER Audrey</a:t>
+            </a:r>
+            <a:endParaRPr b="0" lang="en-US" sz="2200" spc="-1" strike="noStrike">
+              <a:latin typeface="Arial"/>
+            </a:endParaRPr>
+          </a:p>
+          <a:p>
+            <a:pPr marL="216000" indent="-213840">
               <a:lnSpc>
                 <a:spcPct val="100000"/>
               </a:lnSpc>
               <a:spcAft>
                 <a:spcPts val="1140"/>
               </a:spcAft>
+              <a:buClr>
+                <a:srgbClr val="000000"/>
+              </a:buClr>
+              <a:buSzPct val="45000"/>
+              <a:buFont typeface="Wingdings" charset="2"/>
+              <a:buChar char=""/>
             </a:pPr>
             <a:r>
               <a:rPr b="1" lang="en-US" sz="2600" spc="-1" strike="noStrike">
                 <a:solidFill>
                   <a:srgbClr val="1c1c1c"/>
                 </a:solidFill>
-                <a:latin typeface="Noto Sans SemiBold"/>
-                <a:ea typeface="宋体"/>
-              </a:rPr>
-              <a:t>  </a:t>
-            </a:r>
-            <a:r>
-              <a:rPr b="1" lang="en-US" sz="1800" spc="-1" strike="noStrike">
+                <a:latin typeface="Noto Sans"/>
+                <a:ea typeface="DejaVu Sans"/>
+              </a:rPr>
+              <a:t>Hardware:</a:t>
+            </a:r>
+            <a:endParaRPr b="0" lang="en-US" sz="2600" spc="-1" strike="noStrike">
+              <a:latin typeface="Arial"/>
+            </a:endParaRPr>
+          </a:p>
+          <a:p>
+            <a:pPr lvl="2" marL="648000" indent="-214560">
+              <a:lnSpc>
+                <a:spcPct val="100000"/>
+              </a:lnSpc>
+              <a:spcAft>
+                <a:spcPts val="1134"/>
+              </a:spcAft>
+              <a:buClr>
+                <a:srgbClr val="000000"/>
+              </a:buClr>
+              <a:buSzPct val="45000"/>
+              <a:buFont typeface="Wingdings" charset="2"/>
+              <a:buChar char=""/>
+            </a:pPr>
+            <a:r>
+              <a:rPr b="0" lang="en-US" sz="2200" spc="-1" strike="noStrike">
                 <a:solidFill>
                   <a:srgbClr val="1c1c1c"/>
                 </a:solidFill>
-                <a:latin typeface="Noto Sans SemiBold"/>
-                <a:ea typeface="宋体"/>
-              </a:rPr>
-              <a:t> </a:t>
-            </a:r>
-            <a:endParaRPr b="0" lang="en-US" sz="1800" spc="-1" strike="noStrike">
-              <a:latin typeface="Arial"/>
-            </a:endParaRPr>
-          </a:p>
-        </p:txBody>
-      </p:sp>
-      <p:pic>
-        <p:nvPicPr>
-          <p:cNvPr id="216" name="Image 4" descr=""/>
-          <p:cNvPicPr/>
-          <p:nvPr/>
-        </p:nvPicPr>
-        <p:blipFill>
-          <a:blip r:embed="rId1"/>
-          <a:stretch/>
-        </p:blipFill>
-        <p:spPr>
-          <a:xfrm>
-            <a:off x="254880" y="1263960"/>
-            <a:ext cx="2742840" cy="1394280"/>
-          </a:xfrm>
-          <a:prstGeom prst="rect">
-            <a:avLst/>
-          </a:prstGeom>
-          <a:ln>
-            <a:noFill/>
-          </a:ln>
-        </p:spPr>
-      </p:pic>
-      <p:pic>
-        <p:nvPicPr>
-          <p:cNvPr id="217" name="Image 6" descr=""/>
-          <p:cNvPicPr/>
-          <p:nvPr/>
-        </p:nvPicPr>
-        <p:blipFill>
-          <a:blip r:embed="rId2"/>
-          <a:stretch/>
-        </p:blipFill>
-        <p:spPr>
-          <a:xfrm>
-            <a:off x="3658320" y="1386000"/>
-            <a:ext cx="3616920" cy="1137600"/>
-          </a:xfrm>
-          <a:prstGeom prst="rect">
-            <a:avLst/>
-          </a:prstGeom>
-          <a:ln>
-            <a:noFill/>
-          </a:ln>
-        </p:spPr>
-      </p:pic>
-      <p:pic>
-        <p:nvPicPr>
-          <p:cNvPr id="218" name="Image 8" descr=""/>
-          <p:cNvPicPr/>
-          <p:nvPr/>
-        </p:nvPicPr>
-        <p:blipFill>
-          <a:blip r:embed="rId3"/>
-          <a:stretch/>
-        </p:blipFill>
-        <p:spPr>
-          <a:xfrm>
-            <a:off x="357840" y="3531960"/>
-            <a:ext cx="2742840" cy="948600"/>
-          </a:xfrm>
-          <a:prstGeom prst="rect">
-            <a:avLst/>
-          </a:prstGeom>
-          <a:ln>
-            <a:noFill/>
-          </a:ln>
-        </p:spPr>
-      </p:pic>
-      <p:sp>
-        <p:nvSpPr>
-          <p:cNvPr id="219" name="CustomShape 3"/>
-          <p:cNvSpPr/>
-          <p:nvPr/>
-        </p:nvSpPr>
-        <p:spPr>
-          <a:xfrm>
-            <a:off x="1218240" y="4620960"/>
-            <a:ext cx="2742840" cy="335160"/>
-          </a:xfrm>
-          <a:prstGeom prst="rect">
-            <a:avLst/>
-          </a:prstGeom>
-          <a:noFill/>
-          <a:ln>
-            <a:noFill/>
-          </a:ln>
-        </p:spPr>
-        <p:style>
-          <a:lnRef idx="0"/>
-          <a:fillRef idx="0"/>
-          <a:effectRef idx="0"/>
-          <a:fontRef idx="minor"/>
-        </p:style>
-        <p:txBody>
-          <a:bodyPr/>
-          <a:p>
-            <a:pPr>
+                <a:latin typeface="Noto Sans"/>
+                <a:ea typeface="DejaVu Sans"/>
+              </a:rPr>
+              <a:t>FORCIOLI QUENTIN</a:t>
+            </a:r>
+            <a:endParaRPr b="0" lang="en-US" sz="2200" spc="-1" strike="noStrike">
+              <a:latin typeface="Arial"/>
+            </a:endParaRPr>
+          </a:p>
+          <a:p>
+            <a:pPr marL="216000" indent="-213840">
               <a:lnSpc>
                 <a:spcPct val="100000"/>
               </a:lnSpc>
+              <a:spcAft>
+                <a:spcPts val="1140"/>
+              </a:spcAft>
+              <a:buClr>
+                <a:srgbClr val="000000"/>
+              </a:buClr>
+              <a:buSzPct val="45000"/>
+              <a:buFont typeface="Wingdings" charset="2"/>
+              <a:buChar char=""/>
             </a:pPr>
             <a:r>
-              <a:rPr b="1" lang="en-US" sz="1600" spc="-1" strike="noStrike">
+              <a:rPr b="1" lang="en-US" sz="2600" spc="-1" strike="noStrike">
                 <a:solidFill>
                   <a:srgbClr val="1c1c1c"/>
                 </a:solidFill>
-                <a:latin typeface="Noto Sans SemiBold"/>
+                <a:latin typeface="Noto Sans"/>
                 <a:ea typeface="DejaVu Sans"/>
               </a:rPr>
-              <a:t>BMM</a:t>
-            </a:r>
-            <a:endParaRPr b="0" lang="en-US" sz="1600" spc="-1" strike="noStrike">
-              <a:latin typeface="Arial"/>
-            </a:endParaRPr>
-          </a:p>
-        </p:txBody>
-      </p:sp>
-      <p:pic>
-        <p:nvPicPr>
-          <p:cNvPr id="220" name="Image 11" descr=""/>
-          <p:cNvPicPr/>
-          <p:nvPr/>
-        </p:nvPicPr>
-        <p:blipFill>
-          <a:blip r:embed="rId4"/>
-          <a:stretch/>
-        </p:blipFill>
-        <p:spPr>
-          <a:xfrm>
-            <a:off x="3856320" y="3161880"/>
-            <a:ext cx="1915200" cy="1460160"/>
-          </a:xfrm>
-          <a:prstGeom prst="rect">
-            <a:avLst/>
-          </a:prstGeom>
-          <a:ln>
-            <a:noFill/>
-          </a:ln>
-        </p:spPr>
-      </p:pic>
-      <p:sp>
-        <p:nvSpPr>
-          <p:cNvPr id="221" name="CustomShape 4"/>
-          <p:cNvSpPr/>
-          <p:nvPr/>
-        </p:nvSpPr>
-        <p:spPr>
-          <a:xfrm>
-            <a:off x="4155120" y="4655160"/>
-            <a:ext cx="2742840" cy="335160"/>
-          </a:xfrm>
-          <a:prstGeom prst="rect">
-            <a:avLst/>
-          </a:prstGeom>
-          <a:noFill/>
-          <a:ln>
-            <a:noFill/>
-          </a:ln>
-        </p:spPr>
-        <p:style>
-          <a:lnRef idx="0"/>
-          <a:fillRef idx="0"/>
-          <a:effectRef idx="0"/>
-          <a:fontRef idx="minor"/>
-        </p:style>
-        <p:txBody>
-          <a:bodyPr/>
-          <a:p>
-            <a:pPr>
+              <a:t>HLS and lead :</a:t>
+            </a:r>
+            <a:endParaRPr b="0" lang="en-US" sz="2600" spc="-1" strike="noStrike">
+              <a:latin typeface="Arial"/>
+            </a:endParaRPr>
+          </a:p>
+          <a:p>
+            <a:pPr lvl="2" marL="648000" indent="-214560">
               <a:lnSpc>
                 <a:spcPct val="100000"/>
               </a:lnSpc>
+              <a:spcAft>
+                <a:spcPts val="1134"/>
+              </a:spcAft>
+              <a:buClr>
+                <a:srgbClr val="000000"/>
+              </a:buClr>
+              <a:buSzPct val="45000"/>
+              <a:buFont typeface="Wingdings" charset="2"/>
+              <a:buChar char=""/>
             </a:pPr>
             <a:r>
-              <a:rPr b="1" lang="en-US" sz="1600" spc="-1" strike="noStrike">
+              <a:rPr b="0" lang="en-US" sz="2200" spc="-1" strike="noStrike">
                 <a:solidFill>
                   <a:srgbClr val="1c1c1c"/>
                 </a:solidFill>
-                <a:latin typeface="Noto Sans SemiBold"/>
+                <a:latin typeface="Noto Sans"/>
                 <a:ea typeface="DejaVu Sans"/>
               </a:rPr>
-              <a:t>Pi Estimator</a:t>
-            </a:r>
-            <a:endParaRPr b="0" lang="en-US" sz="1600" spc="-1" strike="noStrike">
-              <a:latin typeface="Arial"/>
-            </a:endParaRPr>
-          </a:p>
-        </p:txBody>
-      </p:sp>
-      <p:sp>
-        <p:nvSpPr>
-          <p:cNvPr id="222" name="CustomShape 5"/>
-          <p:cNvSpPr/>
-          <p:nvPr/>
-        </p:nvSpPr>
-        <p:spPr>
-          <a:xfrm>
-            <a:off x="1064160" y="2777400"/>
-            <a:ext cx="2742840" cy="335160"/>
-          </a:xfrm>
-          <a:prstGeom prst="rect">
-            <a:avLst/>
-          </a:prstGeom>
-          <a:noFill/>
-          <a:ln>
-            <a:noFill/>
-          </a:ln>
-        </p:spPr>
-        <p:style>
-          <a:lnRef idx="0"/>
-          <a:fillRef idx="0"/>
-          <a:effectRef idx="0"/>
-          <a:fontRef idx="minor"/>
-        </p:style>
-        <p:txBody>
-          <a:bodyPr/>
-          <a:p>
-            <a:pPr>
-              <a:lnSpc>
-                <a:spcPct val="100000"/>
-              </a:lnSpc>
-            </a:pPr>
-            <a:r>
-              <a:rPr b="1" lang="en-US" sz="1600" spc="-1" strike="noStrike">
+              <a:t>GHAOUI Mohamed </a:t>
+            </a:r>
+            <a:r>
+              <a:rPr b="0" lang="en-US" sz="2200" spc="-1" strike="noStrike">
                 <a:solidFill>
                   <a:srgbClr val="1c1c1c"/>
                 </a:solidFill>
-                <a:latin typeface="Noto Sans SemiBold"/>
+                <a:latin typeface="Noto Sans"/>
                 <a:ea typeface="DejaVu Sans"/>
               </a:rPr>
-              <a:t>K-Means</a:t>
-            </a:r>
-            <a:endParaRPr b="0" lang="en-US" sz="1600" spc="-1" strike="noStrike">
-              <a:latin typeface="Arial"/>
-            </a:endParaRPr>
-          </a:p>
-        </p:txBody>
-      </p:sp>
-      <p:sp>
-        <p:nvSpPr>
-          <p:cNvPr id="223" name="CustomShape 6"/>
-          <p:cNvSpPr/>
-          <p:nvPr/>
-        </p:nvSpPr>
-        <p:spPr>
-          <a:xfrm>
-            <a:off x="5033880" y="2777400"/>
-            <a:ext cx="2742840" cy="335160"/>
-          </a:xfrm>
-          <a:prstGeom prst="rect">
-            <a:avLst/>
-          </a:prstGeom>
-          <a:noFill/>
-          <a:ln>
-            <a:noFill/>
-          </a:ln>
-        </p:spPr>
-        <p:style>
-          <a:lnRef idx="0"/>
-          <a:fillRef idx="0"/>
-          <a:effectRef idx="0"/>
-          <a:fontRef idx="minor"/>
-        </p:style>
-        <p:txBody>
-          <a:bodyPr/>
-          <a:p>
-            <a:pPr>
-              <a:lnSpc>
-                <a:spcPct val="100000"/>
-              </a:lnSpc>
-            </a:pPr>
-            <a:r>
-              <a:rPr b="1" lang="en-US" sz="1600" spc="-1" strike="noStrike">
-                <a:solidFill>
-                  <a:srgbClr val="1c1c1c"/>
-                </a:solidFill>
-                <a:latin typeface="Noto Sans SemiBold"/>
-                <a:ea typeface="DejaVu Sans"/>
-              </a:rPr>
-              <a:t>PCA/SVD</a:t>
-            </a:r>
-            <a:endParaRPr b="0" lang="en-US" sz="1600" spc="-1" strike="noStrike">
-              <a:latin typeface="Arial"/>
-            </a:endParaRPr>
-          </a:p>
-        </p:txBody>
-      </p:sp>
-      <p:pic>
-        <p:nvPicPr>
-          <p:cNvPr id="224" name="Image 13" descr=""/>
-          <p:cNvPicPr/>
-          <p:nvPr/>
-        </p:nvPicPr>
-        <p:blipFill>
-          <a:blip r:embed="rId5"/>
-          <a:stretch/>
-        </p:blipFill>
-        <p:spPr>
-          <a:xfrm>
-            <a:off x="6452280" y="2956680"/>
-            <a:ext cx="2742840" cy="1515240"/>
-          </a:xfrm>
-          <a:prstGeom prst="rect">
-            <a:avLst/>
-          </a:prstGeom>
-          <a:ln>
-            <a:noFill/>
-          </a:ln>
-        </p:spPr>
-      </p:pic>
-      <p:sp>
-        <p:nvSpPr>
-          <p:cNvPr id="225" name="CustomShape 7"/>
-          <p:cNvSpPr/>
-          <p:nvPr/>
-        </p:nvSpPr>
-        <p:spPr>
-          <a:xfrm>
-            <a:off x="6894360" y="4620960"/>
-            <a:ext cx="2742840" cy="335160"/>
-          </a:xfrm>
-          <a:prstGeom prst="rect">
-            <a:avLst/>
-          </a:prstGeom>
-          <a:noFill/>
-          <a:ln>
-            <a:noFill/>
-          </a:ln>
-        </p:spPr>
-        <p:style>
-          <a:lnRef idx="0"/>
-          <a:fillRef idx="0"/>
-          <a:effectRef idx="0"/>
-          <a:fontRef idx="minor"/>
-        </p:style>
-        <p:txBody>
-          <a:bodyPr/>
-          <a:p>
-            <a:pPr>
-              <a:lnSpc>
-                <a:spcPct val="100000"/>
-              </a:lnSpc>
-            </a:pPr>
-            <a:r>
-              <a:rPr b="1" lang="en-US" sz="1600" spc="-1" strike="noStrike">
-                <a:solidFill>
-                  <a:srgbClr val="1c1c1c"/>
-                </a:solidFill>
-                <a:latin typeface="Noto Sans SemiBold"/>
-                <a:ea typeface="DejaVu Sans"/>
-              </a:rPr>
-              <a:t>Pearson correlation</a:t>
-            </a:r>
-            <a:endParaRPr b="0" lang="en-US" sz="1600" spc="-1" strike="noStrike">
+              <a:t>Anis</a:t>
+            </a:r>
+            <a:endParaRPr b="0" lang="en-US" sz="2200" spc="-1" strike="noStrike">
               <a:latin typeface="Arial"/>
             </a:endParaRPr>
           </a:p>
@@ -10915,32 +11218,9 @@
           <a:chExt cx="0" cy="0"/>
         </a:xfrm>
       </p:grpSpPr>
-      <p:pic>
-        <p:nvPicPr>
-          <p:cNvPr id="226" name="图片 1" descr=""/>
-          <p:cNvPicPr/>
-          <p:nvPr/>
-        </p:nvPicPr>
-        <p:blipFill>
-          <a:blip r:embed="rId1"/>
-          <a:stretch/>
-        </p:blipFill>
-        <p:spPr>
-          <a:xfrm>
-            <a:off x="359280" y="1153800"/>
-            <a:ext cx="5843520" cy="2638800"/>
-          </a:xfrm>
-          <a:prstGeom prst="rect">
-            <a:avLst/>
-          </a:prstGeom>
-          <a:ln>
-            <a:noFill/>
-          </a:ln>
-        </p:spPr>
-      </p:pic>
-      <p:sp>
-        <p:nvSpPr>
-          <p:cNvPr id="227" name="CustomShape 1"/>
+      <p:sp>
+        <p:nvSpPr>
+          <p:cNvPr id="218" name="CustomShape 1"/>
           <p:cNvSpPr/>
           <p:nvPr/>
         </p:nvSpPr>
@@ -10979,7 +11259,7 @@
                 <a:latin typeface="Noto Sans Black"/>
                 <a:ea typeface="DejaVu Sans"/>
               </a:rPr>
-              <a:t>Software – ARM Implementation</a:t>
+              <a:t>Our approach and algorithms chosen</a:t>
             </a:r>
             <a:endParaRPr b="0" lang="en-US" sz="3200" spc="-1" strike="noStrike">
               <a:latin typeface="Arial"/>
@@ -10989,7 +11269,7 @@
       </p:sp>
       <p:sp>
         <p:nvSpPr>
-          <p:cNvPr id="228" name="CustomShape 2"/>
+          <p:cNvPr id="219" name="CustomShape 2"/>
           <p:cNvSpPr/>
           <p:nvPr/>
         </p:nvSpPr>
@@ -11025,17 +11305,7 @@
                 <a:spcPts val="1140"/>
               </a:spcAft>
             </a:pPr>
-            <a:r>
-              <a:rPr b="1" lang="en-US" sz="1600" spc="-1" strike="noStrike">
-                <a:solidFill>
-                  <a:srgbClr val="1c1c1c"/>
-                </a:solidFill>
-                <a:latin typeface="Noto Sans SemiBold"/>
-                <a:ea typeface="DejaVu Sans"/>
-              </a:rPr>
-              <a:t>Blocks design</a:t>
-            </a:r>
-            <a:endParaRPr b="0" lang="en-US" sz="1600" spc="-1" strike="noStrike">
+            <a:endParaRPr b="0" lang="en-US" sz="1800" spc="-1" strike="noStrike">
               <a:latin typeface="Arial"/>
             </a:endParaRPr>
           </a:p>
@@ -11048,107 +11318,6 @@
                 <a:spcPts val="1140"/>
               </a:spcAft>
             </a:pPr>
-            <a:endParaRPr b="0" lang="en-US" sz="1600" spc="-1" strike="noStrike">
-              <a:latin typeface="Arial"/>
-            </a:endParaRPr>
-          </a:p>
-          <a:p>
-            <a:pPr>
-              <a:lnSpc>
-                <a:spcPct val="100000"/>
-              </a:lnSpc>
-              <a:spcAft>
-                <a:spcPts val="1140"/>
-              </a:spcAft>
-            </a:pPr>
-            <a:endParaRPr b="0" lang="en-US" sz="1600" spc="-1" strike="noStrike">
-              <a:latin typeface="Arial"/>
-            </a:endParaRPr>
-          </a:p>
-          <a:p>
-            <a:pPr>
-              <a:lnSpc>
-                <a:spcPct val="100000"/>
-              </a:lnSpc>
-              <a:spcAft>
-                <a:spcPts val="1140"/>
-              </a:spcAft>
-            </a:pPr>
-            <a:endParaRPr b="0" lang="en-US" sz="1600" spc="-1" strike="noStrike">
-              <a:latin typeface="Arial"/>
-            </a:endParaRPr>
-          </a:p>
-          <a:p>
-            <a:pPr>
-              <a:lnSpc>
-                <a:spcPct val="100000"/>
-              </a:lnSpc>
-              <a:spcAft>
-                <a:spcPts val="1140"/>
-              </a:spcAft>
-            </a:pPr>
-            <a:endParaRPr b="0" lang="en-US" sz="1600" spc="-1" strike="noStrike">
-              <a:latin typeface="Arial"/>
-            </a:endParaRPr>
-          </a:p>
-          <a:p>
-            <a:pPr>
-              <a:lnSpc>
-                <a:spcPct val="100000"/>
-              </a:lnSpc>
-              <a:spcAft>
-                <a:spcPts val="1140"/>
-              </a:spcAft>
-            </a:pPr>
-            <a:endParaRPr b="0" lang="en-US" sz="1600" spc="-1" strike="noStrike">
-              <a:latin typeface="Arial"/>
-            </a:endParaRPr>
-          </a:p>
-          <a:p>
-            <a:pPr>
-              <a:lnSpc>
-                <a:spcPct val="100000"/>
-              </a:lnSpc>
-              <a:spcAft>
-                <a:spcPts val="1140"/>
-              </a:spcAft>
-            </a:pPr>
-            <a:endParaRPr b="0" lang="en-US" sz="1600" spc="-1" strike="noStrike">
-              <a:latin typeface="Arial"/>
-            </a:endParaRPr>
-          </a:p>
-          <a:p>
-            <a:pPr>
-              <a:lnSpc>
-                <a:spcPct val="100000"/>
-              </a:lnSpc>
-              <a:spcAft>
-                <a:spcPts val="1140"/>
-              </a:spcAft>
-            </a:pPr>
-            <a:r>
-              <a:rPr b="1" lang="en-US" sz="1600" spc="-1" strike="noStrike">
-                <a:solidFill>
-                  <a:srgbClr val="1c1c1c"/>
-                </a:solidFill>
-                <a:latin typeface="Noto Sans SemiBold"/>
-                <a:ea typeface="DejaVu Sans"/>
-              </a:rPr>
-              <a:t>Report</a:t>
-            </a:r>
-            <a:endParaRPr b="0" lang="en-US" sz="1600" spc="-1" strike="noStrike">
-              <a:latin typeface="Arial"/>
-            </a:endParaRPr>
-          </a:p>
-          <a:p>
-            <a:pPr>
-              <a:lnSpc>
-                <a:spcPct val="100000"/>
-              </a:lnSpc>
-              <a:spcAft>
-                <a:spcPts val="1140"/>
-              </a:spcAft>
-            </a:pPr>
             <a:r>
               <a:rPr b="1" lang="en-US" sz="2600" spc="-1" strike="noStrike">
                 <a:solidFill>
@@ -11177,7 +11346,30 @@
       </p:sp>
       <p:pic>
         <p:nvPicPr>
-          <p:cNvPr id="229" name="图片 2" descr=""/>
+          <p:cNvPr id="220" name="Image 4" descr=""/>
+          <p:cNvPicPr/>
+          <p:nvPr/>
+        </p:nvPicPr>
+        <p:blipFill>
+          <a:blip r:embed="rId1"/>
+          <a:stretch/>
+        </p:blipFill>
+        <p:spPr>
+          <a:xfrm>
+            <a:off x="254880" y="1263960"/>
+            <a:ext cx="2742840" cy="1394280"/>
+          </a:xfrm>
+          <a:prstGeom prst="rect">
+            <a:avLst/>
+          </a:prstGeom>
+          <a:ln>
+            <a:noFill/>
+          </a:ln>
+        </p:spPr>
+      </p:pic>
+      <p:pic>
+        <p:nvPicPr>
+          <p:cNvPr id="221" name="Image 6" descr=""/>
           <p:cNvPicPr/>
           <p:nvPr/>
         </p:nvPicPr>
@@ -11187,8 +11379,8 @@
         </p:blipFill>
         <p:spPr>
           <a:xfrm>
-            <a:off x="6873840" y="1287000"/>
-            <a:ext cx="2261520" cy="2188440"/>
+            <a:off x="3658320" y="1386000"/>
+            <a:ext cx="3616920" cy="1137600"/>
           </a:xfrm>
           <a:prstGeom prst="rect">
             <a:avLst/>
@@ -11200,19 +11392,18 @@
       </p:pic>
       <p:pic>
         <p:nvPicPr>
-          <p:cNvPr id="230" name="图片 4" descr=""/>
+          <p:cNvPr id="222" name="Image 8" descr=""/>
           <p:cNvPicPr/>
           <p:nvPr/>
         </p:nvPicPr>
         <p:blipFill>
           <a:blip r:embed="rId3"/>
-          <a:srcRect l="1259" t="2173" r="0" b="38029"/>
           <a:stretch/>
         </p:blipFill>
         <p:spPr>
           <a:xfrm>
-            <a:off x="359280" y="3971880"/>
-            <a:ext cx="4230000" cy="1120320"/>
+            <a:off x="357840" y="3531960"/>
+            <a:ext cx="2742840" cy="948600"/>
           </a:xfrm>
           <a:prstGeom prst="rect">
             <a:avLst/>
@@ -11222,9 +11413,58 @@
           </a:ln>
         </p:spPr>
       </p:pic>
+      <p:sp>
+        <p:nvSpPr>
+          <p:cNvPr id="223" name="CustomShape 3"/>
+          <p:cNvSpPr/>
+          <p:nvPr/>
+        </p:nvSpPr>
+        <p:spPr>
+          <a:xfrm>
+            <a:off x="1218240" y="4620960"/>
+            <a:ext cx="2742840" cy="335160"/>
+          </a:xfrm>
+          <a:prstGeom prst="rect">
+            <a:avLst/>
+          </a:prstGeom>
+          <a:noFill/>
+          <a:ln>
+            <a:noFill/>
+          </a:ln>
+        </p:spPr>
+        <p:style>
+          <a:lnRef idx="0"/>
+          <a:fillRef idx="0"/>
+          <a:effectRef idx="0"/>
+          <a:fontRef idx="minor"/>
+        </p:style>
+        <p:txBody>
+          <a:bodyPr/>
+          <a:p>
+            <a:pPr>
+              <a:lnSpc>
+                <a:spcPct val="100000"/>
+              </a:lnSpc>
+            </a:pPr>
+            <a:r>
+              <a:rPr b="1" lang="en-US" sz="1600" spc="-1" strike="noStrike">
+                <a:solidFill>
+                  <a:srgbClr val="1c1c1c"/>
+                </a:solidFill>
+                <a:latin typeface="Noto Sans SemiBold"/>
+                <a:ea typeface="DejaVu Sans"/>
+              </a:rPr>
+              <a:t>BMM</a:t>
+            </a:r>
+            <a:endParaRPr b="0" lang="en-US" sz="1600" spc="-1" strike="noStrike">
+              <a:latin typeface="Arial"/>
+            </a:endParaRPr>
+          </a:p>
+        </p:txBody>
+      </p:sp>
       <p:pic>
         <p:nvPicPr>
-          <p:cNvPr id="231" name="图片 1" descr=""/>
+          <p:cNvPr id="224" name="Image 11" descr=""/>
           <p:cNvPicPr/>
           <p:nvPr/>
         </p:nvPicPr>
@@ -11234,8 +11474,8 @@
         </p:blipFill>
         <p:spPr>
           <a:xfrm>
-            <a:off x="4749120" y="3650760"/>
-            <a:ext cx="4968000" cy="1441800"/>
+            <a:off x="3856320" y="3161880"/>
+            <a:ext cx="1915200" cy="1460160"/>
           </a:xfrm>
           <a:prstGeom prst="rect">
             <a:avLst/>
@@ -11245,6 +11485,225 @@
           </a:ln>
         </p:spPr>
       </p:pic>
+      <p:sp>
+        <p:nvSpPr>
+          <p:cNvPr id="225" name="CustomShape 4"/>
+          <p:cNvSpPr/>
+          <p:nvPr/>
+        </p:nvSpPr>
+        <p:spPr>
+          <a:xfrm>
+            <a:off x="4155120" y="4655160"/>
+            <a:ext cx="2742840" cy="335160"/>
+          </a:xfrm>
+          <a:prstGeom prst="rect">
+            <a:avLst/>
+          </a:prstGeom>
+          <a:noFill/>
+          <a:ln>
+            <a:noFill/>
+          </a:ln>
+        </p:spPr>
+        <p:style>
+          <a:lnRef idx="0"/>
+          <a:fillRef idx="0"/>
+          <a:effectRef idx="0"/>
+          <a:fontRef idx="minor"/>
+        </p:style>
+        <p:txBody>
+          <a:bodyPr/>
+          <a:p>
+            <a:pPr>
+              <a:lnSpc>
+                <a:spcPct val="100000"/>
+              </a:lnSpc>
+            </a:pPr>
+            <a:r>
+              <a:rPr b="1" lang="en-US" sz="1600" spc="-1" strike="noStrike">
+                <a:solidFill>
+                  <a:srgbClr val="1c1c1c"/>
+                </a:solidFill>
+                <a:latin typeface="Noto Sans SemiBold"/>
+                <a:ea typeface="DejaVu Sans"/>
+              </a:rPr>
+              <a:t>Pi Estimator</a:t>
+            </a:r>
+            <a:endParaRPr b="0" lang="en-US" sz="1600" spc="-1" strike="noStrike">
+              <a:latin typeface="Arial"/>
+            </a:endParaRPr>
+          </a:p>
+        </p:txBody>
+      </p:sp>
+      <p:sp>
+        <p:nvSpPr>
+          <p:cNvPr id="226" name="CustomShape 5"/>
+          <p:cNvSpPr/>
+          <p:nvPr/>
+        </p:nvSpPr>
+        <p:spPr>
+          <a:xfrm>
+            <a:off x="1064160" y="2777400"/>
+            <a:ext cx="2742840" cy="335160"/>
+          </a:xfrm>
+          <a:prstGeom prst="rect">
+            <a:avLst/>
+          </a:prstGeom>
+          <a:noFill/>
+          <a:ln>
+            <a:noFill/>
+          </a:ln>
+        </p:spPr>
+        <p:style>
+          <a:lnRef idx="0"/>
+          <a:fillRef idx="0"/>
+          <a:effectRef idx="0"/>
+          <a:fontRef idx="minor"/>
+        </p:style>
+        <p:txBody>
+          <a:bodyPr/>
+          <a:p>
+            <a:pPr>
+              <a:lnSpc>
+                <a:spcPct val="100000"/>
+              </a:lnSpc>
+            </a:pPr>
+            <a:r>
+              <a:rPr b="1" lang="en-US" sz="1600" spc="-1" strike="noStrike">
+                <a:solidFill>
+                  <a:srgbClr val="1c1c1c"/>
+                </a:solidFill>
+                <a:latin typeface="Noto Sans SemiBold"/>
+                <a:ea typeface="DejaVu Sans"/>
+              </a:rPr>
+              <a:t>K-Means</a:t>
+            </a:r>
+            <a:endParaRPr b="0" lang="en-US" sz="1600" spc="-1" strike="noStrike">
+              <a:latin typeface="Arial"/>
+            </a:endParaRPr>
+          </a:p>
+        </p:txBody>
+      </p:sp>
+      <p:sp>
+        <p:nvSpPr>
+          <p:cNvPr id="227" name="CustomShape 6"/>
+          <p:cNvSpPr/>
+          <p:nvPr/>
+        </p:nvSpPr>
+        <p:spPr>
+          <a:xfrm>
+            <a:off x="5033880" y="2777400"/>
+            <a:ext cx="2742840" cy="335160"/>
+          </a:xfrm>
+          <a:prstGeom prst="rect">
+            <a:avLst/>
+          </a:prstGeom>
+          <a:noFill/>
+          <a:ln>
+            <a:noFill/>
+          </a:ln>
+        </p:spPr>
+        <p:style>
+          <a:lnRef idx="0"/>
+          <a:fillRef idx="0"/>
+          <a:effectRef idx="0"/>
+          <a:fontRef idx="minor"/>
+        </p:style>
+        <p:txBody>
+          <a:bodyPr/>
+          <a:p>
+            <a:pPr>
+              <a:lnSpc>
+                <a:spcPct val="100000"/>
+              </a:lnSpc>
+            </a:pPr>
+            <a:r>
+              <a:rPr b="1" lang="en-US" sz="1600" spc="-1" strike="noStrike">
+                <a:solidFill>
+                  <a:srgbClr val="1c1c1c"/>
+                </a:solidFill>
+                <a:latin typeface="Noto Sans SemiBold"/>
+                <a:ea typeface="DejaVu Sans"/>
+              </a:rPr>
+              <a:t>PCA/SVD</a:t>
+            </a:r>
+            <a:endParaRPr b="0" lang="en-US" sz="1600" spc="-1" strike="noStrike">
+              <a:latin typeface="Arial"/>
+            </a:endParaRPr>
+          </a:p>
+        </p:txBody>
+      </p:sp>
+      <p:pic>
+        <p:nvPicPr>
+          <p:cNvPr id="228" name="Image 13" descr=""/>
+          <p:cNvPicPr/>
+          <p:nvPr/>
+        </p:nvPicPr>
+        <p:blipFill>
+          <a:blip r:embed="rId5"/>
+          <a:stretch/>
+        </p:blipFill>
+        <p:spPr>
+          <a:xfrm>
+            <a:off x="6452280" y="2956680"/>
+            <a:ext cx="2742840" cy="1515240"/>
+          </a:xfrm>
+          <a:prstGeom prst="rect">
+            <a:avLst/>
+          </a:prstGeom>
+          <a:ln>
+            <a:noFill/>
+          </a:ln>
+        </p:spPr>
+      </p:pic>
+      <p:sp>
+        <p:nvSpPr>
+          <p:cNvPr id="229" name="CustomShape 7"/>
+          <p:cNvSpPr/>
+          <p:nvPr/>
+        </p:nvSpPr>
+        <p:spPr>
+          <a:xfrm>
+            <a:off x="6894360" y="4620960"/>
+            <a:ext cx="2742840" cy="335160"/>
+          </a:xfrm>
+          <a:prstGeom prst="rect">
+            <a:avLst/>
+          </a:prstGeom>
+          <a:noFill/>
+          <a:ln>
+            <a:noFill/>
+          </a:ln>
+        </p:spPr>
+        <p:style>
+          <a:lnRef idx="0"/>
+          <a:fillRef idx="0"/>
+          <a:effectRef idx="0"/>
+          <a:fontRef idx="minor"/>
+        </p:style>
+        <p:txBody>
+          <a:bodyPr/>
+          <a:p>
+            <a:pPr>
+              <a:lnSpc>
+                <a:spcPct val="100000"/>
+              </a:lnSpc>
+            </a:pPr>
+            <a:r>
+              <a:rPr b="1" lang="en-US" sz="1600" spc="-1" strike="noStrike">
+                <a:solidFill>
+                  <a:srgbClr val="1c1c1c"/>
+                </a:solidFill>
+                <a:latin typeface="Noto Sans SemiBold"/>
+                <a:ea typeface="DejaVu Sans"/>
+              </a:rPr>
+              <a:t>Pearson correlation</a:t>
+            </a:r>
+            <a:endParaRPr b="0" lang="en-US" sz="1600" spc="-1" strike="noStrike">
+              <a:latin typeface="Arial"/>
+            </a:endParaRPr>
+          </a:p>
+        </p:txBody>
+      </p:sp>
     </p:spTree>
   </p:cSld>
   <p:timing>
@@ -11296,7 +11755,7 @@
       </p:grpSpPr>
       <p:sp>
         <p:nvSpPr>
-          <p:cNvPr id="232" name="CustomShape 1"/>
+          <p:cNvPr id="230" name="CustomShape 1"/>
           <p:cNvSpPr/>
           <p:nvPr/>
         </p:nvSpPr>
@@ -11335,7 +11794,7 @@
                 <a:latin typeface="Noto Sans Black"/>
                 <a:ea typeface="DejaVu Sans"/>
               </a:rPr>
-              <a:t>Software – ARM Implementation</a:t>
+              <a:t>Software – PC Implementation</a:t>
             </a:r>
             <a:endParaRPr b="0" lang="en-US" sz="3200" spc="-1" strike="noStrike">
               <a:latin typeface="Arial"/>
@@ -11345,7 +11804,7 @@
       </p:sp>
       <p:sp>
         <p:nvSpPr>
-          <p:cNvPr id="233" name="CustomShape 2"/>
+          <p:cNvPr id="231" name="CustomShape 2"/>
           <p:cNvSpPr/>
           <p:nvPr/>
         </p:nvSpPr>
@@ -11381,17 +11840,7 @@
                 <a:spcPts val="1140"/>
               </a:spcAft>
             </a:pPr>
-            <a:r>
-              <a:rPr b="1" lang="en-US" sz="1600" spc="-1" strike="noStrike">
-                <a:solidFill>
-                  <a:srgbClr val="1c1c1c"/>
-                </a:solidFill>
-                <a:latin typeface="Noto Sans SemiBold"/>
-                <a:ea typeface="DejaVu Sans"/>
-              </a:rPr>
-              <a:t>Design on Vivado SDK </a:t>
-            </a:r>
-            <a:endParaRPr b="0" lang="en-US" sz="1600" spc="-1" strike="noStrike">
+            <a:endParaRPr b="0" lang="en-US" sz="1800" spc="-1" strike="noStrike">
               <a:latin typeface="Arial"/>
             </a:endParaRPr>
           </a:p>
@@ -11404,245 +11853,81 @@
                 <a:spcPts val="1140"/>
               </a:spcAft>
             </a:pPr>
-            <a:endParaRPr b="0" lang="en-US" sz="1600" spc="-1" strike="noStrike">
-              <a:latin typeface="Arial"/>
-            </a:endParaRPr>
-          </a:p>
-          <a:p>
-            <a:pPr>
-              <a:lnSpc>
-                <a:spcPct val="100000"/>
-              </a:lnSpc>
-              <a:spcAft>
-                <a:spcPts val="1140"/>
-              </a:spcAft>
-            </a:pPr>
-            <a:r>
-              <a:rPr b="1" lang="en-US" sz="1200" spc="-1" strike="noStrike">
-                <a:solidFill>
-                  <a:srgbClr val="1c1c1c"/>
-                </a:solidFill>
-                <a:latin typeface="Noto Sans SemiBold"/>
-                <a:ea typeface="DejaVu Sans"/>
-              </a:rPr>
-              <a:t>1/ Tools Chain : Xilinx ARM v7 GNU Toolchain </a:t>
-            </a:r>
-            <a:endParaRPr b="0" lang="en-US" sz="1200" spc="-1" strike="noStrike">
-              <a:latin typeface="Arial"/>
-            </a:endParaRPr>
-          </a:p>
-          <a:p>
-            <a:pPr>
-              <a:lnSpc>
-                <a:spcPct val="100000"/>
-              </a:lnSpc>
-              <a:spcAft>
-                <a:spcPts val="1140"/>
-              </a:spcAft>
-            </a:pPr>
-            <a:r>
-              <a:rPr b="1" lang="en-US" sz="1200" spc="-1" strike="noStrike">
-                <a:solidFill>
-                  <a:srgbClr val="1c1c1c"/>
-                </a:solidFill>
-                <a:latin typeface="Noto Sans SemiBold"/>
-                <a:ea typeface="DejaVu Sans"/>
-              </a:rPr>
-              <a:t>    </a:t>
-            </a:r>
-            <a:r>
-              <a:rPr b="1" lang="en-US" sz="1200" spc="-1" strike="noStrike">
-                <a:solidFill>
-                  <a:srgbClr val="1c1c1c"/>
-                </a:solidFill>
-                <a:latin typeface="Noto Sans SemiBold"/>
-                <a:ea typeface="DejaVu Sans"/>
-              </a:rPr>
-              <a:t>Generator : GNU make</a:t>
-            </a:r>
-            <a:endParaRPr b="0" lang="en-US" sz="1200" spc="-1" strike="noStrike">
-              <a:latin typeface="Arial"/>
-            </a:endParaRPr>
-          </a:p>
-          <a:p>
-            <a:pPr>
-              <a:lnSpc>
-                <a:spcPct val="100000"/>
-              </a:lnSpc>
-              <a:spcAft>
-                <a:spcPts val="1140"/>
-              </a:spcAft>
-            </a:pPr>
-            <a:endParaRPr b="0" lang="en-US" sz="1200" spc="-1" strike="noStrike">
-              <a:latin typeface="Arial"/>
-            </a:endParaRPr>
-          </a:p>
-          <a:p>
-            <a:pPr>
-              <a:lnSpc>
-                <a:spcPct val="100000"/>
-              </a:lnSpc>
-              <a:spcAft>
-                <a:spcPts val="1140"/>
-              </a:spcAft>
-            </a:pPr>
-            <a:r>
-              <a:rPr b="1" lang="en-US" sz="1200" spc="-1" strike="noStrike">
-                <a:solidFill>
-                  <a:srgbClr val="1c1c1c"/>
-                </a:solidFill>
-                <a:latin typeface="Noto Sans SemiBold"/>
-                <a:ea typeface="DejaVu Sans"/>
-              </a:rPr>
-              <a:t>2/ Modification of heap and stack sizes :</a:t>
-            </a:r>
-            <a:endParaRPr b="0" lang="en-US" sz="1200" spc="-1" strike="noStrike">
-              <a:latin typeface="Arial"/>
-            </a:endParaRPr>
-          </a:p>
-          <a:p>
-            <a:pPr>
-              <a:lnSpc>
-                <a:spcPct val="100000"/>
-              </a:lnSpc>
-              <a:spcAft>
-                <a:spcPts val="1140"/>
-              </a:spcAft>
-            </a:pPr>
-            <a:r>
-              <a:rPr b="1" lang="en-US" sz="1200" spc="-1" strike="noStrike">
-                <a:solidFill>
-                  <a:srgbClr val="1c1c1c"/>
-                </a:solidFill>
-                <a:latin typeface="Noto Sans SemiBold"/>
-                <a:ea typeface="DejaVu Sans"/>
-              </a:rPr>
-              <a:t>    </a:t>
-            </a:r>
-            <a:r>
-              <a:rPr b="1" lang="en-US" sz="1200" spc="-1" strike="noStrike">
-                <a:solidFill>
-                  <a:srgbClr val="1c1c1c"/>
-                </a:solidFill>
-                <a:latin typeface="Noto Sans SemiBold"/>
-                <a:ea typeface="DejaVu Sans"/>
-              </a:rPr>
-              <a:t>1 KB </a:t>
-            </a:r>
-            <a:r>
-              <a:rPr b="1" lang="en-US" sz="1200" spc="-1" strike="noStrike">
+            <a:r>
+              <a:rPr b="1" lang="en-US" sz="2600" spc="-1" strike="noStrike">
                 <a:solidFill>
                   <a:srgbClr val="1c1c1c"/>
                 </a:solidFill>
                 <a:latin typeface="Noto Sans SemiBold"/>
                 <a:ea typeface="宋体"/>
               </a:rPr>
-              <a:t>(par défaut) → 250 MB</a:t>
-            </a:r>
-            <a:endParaRPr b="0" lang="en-US" sz="1200" spc="-1" strike="noStrike">
-              <a:latin typeface="Arial"/>
-            </a:endParaRPr>
-          </a:p>
-          <a:p>
-            <a:pPr>
-              <a:lnSpc>
-                <a:spcPct val="100000"/>
-              </a:lnSpc>
-              <a:spcAft>
-                <a:spcPts val="1140"/>
-              </a:spcAft>
-            </a:pPr>
-            <a:r>
-              <a:rPr b="1" lang="en-US" sz="1400" spc="-1" strike="noStrike">
+              <a:t>  </a:t>
+            </a:r>
+            <a:r>
+              <a:rPr b="1" lang="en-US" sz="1800" spc="-1" strike="noStrike">
                 <a:solidFill>
                   <a:srgbClr val="1c1c1c"/>
                 </a:solidFill>
                 <a:latin typeface="Noto Sans SemiBold"/>
-                <a:ea typeface="DejaVu Sans"/>
-              </a:rPr>
-              <a:t>  </a:t>
-            </a:r>
-            <a:endParaRPr b="0" lang="en-US" sz="1400" spc="-1" strike="noStrike">
-              <a:latin typeface="Arial"/>
-            </a:endParaRPr>
-          </a:p>
-        </p:txBody>
-      </p:sp>
-      <p:grpSp>
-        <p:nvGrpSpPr>
-          <p:cNvPr id="234" name="Group 3"/>
-          <p:cNvGrpSpPr/>
+                <a:ea typeface="宋体"/>
+              </a:rPr>
+              <a:t> </a:t>
+            </a:r>
+            <a:endParaRPr b="0" lang="en-US" sz="1800" spc="-1" strike="noStrike">
+              <a:latin typeface="Arial"/>
+            </a:endParaRPr>
+          </a:p>
+        </p:txBody>
+      </p:sp>
+      <p:sp>
+        <p:nvSpPr>
+          <p:cNvPr id="232" name="CustomShape 3"/>
+          <p:cNvSpPr/>
           <p:nvPr/>
-        </p:nvGrpSpPr>
-        <p:grpSpPr>
-          <a:xfrm>
-            <a:off x="4534560" y="1598400"/>
-            <a:ext cx="5182560" cy="2782800"/>
-            <a:chOff x="4534560" y="1598400"/>
-            <a:chExt cx="5182560" cy="2782800"/>
-          </a:xfrm>
-        </p:grpSpPr>
-        <p:pic>
-          <p:nvPicPr>
-            <p:cNvPr id="235" name="图片 14" descr=""/>
-            <p:cNvPicPr/>
-            <p:nvPr/>
-          </p:nvPicPr>
-          <p:blipFill>
-            <a:blip r:embed="rId1"/>
-            <a:srcRect l="0" t="0" r="324" b="33128"/>
-            <a:stretch/>
-          </p:blipFill>
-          <p:spPr>
-            <a:xfrm>
-              <a:off x="4534560" y="1598400"/>
-              <a:ext cx="5182560" cy="2782800"/>
-            </a:xfrm>
-            <a:prstGeom prst="rect">
-              <a:avLst/>
-            </a:prstGeom>
-            <a:ln>
-              <a:noFill/>
-            </a:ln>
-          </p:spPr>
-        </p:pic>
-        <p:sp>
-          <p:nvSpPr>
-            <p:cNvPr id="236" name="CustomShape 4"/>
-            <p:cNvSpPr/>
-            <p:nvPr/>
-          </p:nvSpPr>
-          <p:spPr>
-            <a:xfrm>
-              <a:off x="7008120" y="3122640"/>
-              <a:ext cx="2132280" cy="450360"/>
-            </a:xfrm>
-            <a:prstGeom prst="ellipse">
-              <a:avLst/>
-            </a:prstGeom>
+        </p:nvSpPr>
+        <p:spPr>
+          <a:xfrm>
+            <a:off x="5033880" y="2777400"/>
+            <a:ext cx="2742840" cy="338040"/>
+          </a:xfrm>
+          <a:prstGeom prst="rect">
+            <a:avLst/>
+          </a:prstGeom>
+          <a:noFill/>
+          <a:ln>
             <a:noFill/>
-            <a:ln>
-              <a:solidFill>
-                <a:srgbClr val="ff0000"/>
-              </a:solidFill>
-            </a:ln>
-          </p:spPr>
-          <p:style>
-            <a:lnRef idx="2">
-              <a:schemeClr val="accent1">
-                <a:shade val="50000"/>
-              </a:schemeClr>
-            </a:lnRef>
-            <a:fillRef idx="1">
-              <a:schemeClr val="accent1"/>
-            </a:fillRef>
-            <a:effectRef idx="0">
-              <a:schemeClr val="accent1"/>
-            </a:effectRef>
-            <a:fontRef idx="minor"/>
-          </p:style>
-        </p:sp>
-      </p:grpSp>
+          </a:ln>
+        </p:spPr>
+        <p:style>
+          <a:lnRef idx="0"/>
+          <a:fillRef idx="0"/>
+          <a:effectRef idx="0"/>
+          <a:fontRef idx="minor"/>
+        </p:style>
+      </p:sp>
+      <p:pic>
+        <p:nvPicPr>
+          <p:cNvPr id="233" name="" descr=""/>
+          <p:cNvPicPr/>
+          <p:nvPr/>
+        </p:nvPicPr>
+        <p:blipFill>
+          <a:blip r:embed="rId1"/>
+          <a:stretch/>
+        </p:blipFill>
+        <p:spPr>
+          <a:xfrm>
+            <a:off x="640080" y="1005840"/>
+            <a:ext cx="6766560" cy="4560840"/>
+          </a:xfrm>
+          <a:prstGeom prst="rect">
+            <a:avLst/>
+          </a:prstGeom>
+          <a:ln>
+            <a:noFill/>
+          </a:ln>
+        </p:spPr>
+      </p:pic>
     </p:spTree>
   </p:cSld>
   <p:timing>
@@ -11694,7 +11979,7 @@
       </p:grpSpPr>
       <p:pic>
         <p:nvPicPr>
-          <p:cNvPr id="237" name="图片 1" descr=""/>
+          <p:cNvPr id="234" name="图片 1" descr=""/>
           <p:cNvPicPr/>
           <p:nvPr/>
         </p:nvPicPr>
@@ -11704,8 +11989,8 @@
         </p:blipFill>
         <p:spPr>
           <a:xfrm>
-            <a:off x="1118880" y="1113120"/>
-            <a:ext cx="7393680" cy="3917520"/>
+            <a:off x="359280" y="1153800"/>
+            <a:ext cx="5843520" cy="2638800"/>
           </a:xfrm>
           <a:prstGeom prst="rect">
             <a:avLst/>
@@ -11717,7 +12002,7 @@
       </p:pic>
       <p:sp>
         <p:nvSpPr>
-          <p:cNvPr id="238" name="CustomShape 1"/>
+          <p:cNvPr id="235" name="CustomShape 1"/>
           <p:cNvSpPr/>
           <p:nvPr/>
         </p:nvSpPr>
@@ -11766,13 +12051,13 @@
       </p:sp>
       <p:sp>
         <p:nvSpPr>
-          <p:cNvPr id="239" name="CustomShape 2"/>
+          <p:cNvPr id="236" name="CustomShape 2"/>
           <p:cNvSpPr/>
           <p:nvPr/>
         </p:nvSpPr>
         <p:spPr>
           <a:xfrm>
-            <a:off x="358920" y="1108080"/>
+            <a:off x="359280" y="1099800"/>
             <a:ext cx="9177840" cy="4042080"/>
           </a:xfrm>
           <a:prstGeom prst="rect">
@@ -11802,7 +12087,17 @@
                 <a:spcPts val="1140"/>
               </a:spcAft>
             </a:pPr>
-            <a:endParaRPr b="0" lang="en-US" sz="1800" spc="-1" strike="noStrike">
+            <a:r>
+              <a:rPr b="1" lang="en-US" sz="1600" spc="-1" strike="noStrike">
+                <a:solidFill>
+                  <a:srgbClr val="1c1c1c"/>
+                </a:solidFill>
+                <a:latin typeface="Noto Sans SemiBold"/>
+                <a:ea typeface="DejaVu Sans"/>
+              </a:rPr>
+              <a:t>Blocks design</a:t>
+            </a:r>
+            <a:endParaRPr b="0" lang="en-US" sz="1600" spc="-1" strike="noStrike">
               <a:latin typeface="Arial"/>
             </a:endParaRPr>
           </a:p>
@@ -11815,15 +12110,116 @@
                 <a:spcPts val="1140"/>
               </a:spcAft>
             </a:pPr>
+            <a:endParaRPr b="0" lang="en-US" sz="1600" spc="-1" strike="noStrike">
+              <a:latin typeface="Arial"/>
+            </a:endParaRPr>
+          </a:p>
+          <a:p>
+            <a:pPr>
+              <a:lnSpc>
+                <a:spcPct val="100000"/>
+              </a:lnSpc>
+              <a:spcAft>
+                <a:spcPts val="1140"/>
+              </a:spcAft>
+            </a:pPr>
+            <a:endParaRPr b="0" lang="en-US" sz="1600" spc="-1" strike="noStrike">
+              <a:latin typeface="Arial"/>
+            </a:endParaRPr>
+          </a:p>
+          <a:p>
+            <a:pPr>
+              <a:lnSpc>
+                <a:spcPct val="100000"/>
+              </a:lnSpc>
+              <a:spcAft>
+                <a:spcPts val="1140"/>
+              </a:spcAft>
+            </a:pPr>
+            <a:endParaRPr b="0" lang="en-US" sz="1600" spc="-1" strike="noStrike">
+              <a:latin typeface="Arial"/>
+            </a:endParaRPr>
+          </a:p>
+          <a:p>
+            <a:pPr>
+              <a:lnSpc>
+                <a:spcPct val="100000"/>
+              </a:lnSpc>
+              <a:spcAft>
+                <a:spcPts val="1140"/>
+              </a:spcAft>
+            </a:pPr>
+            <a:endParaRPr b="0" lang="en-US" sz="1600" spc="-1" strike="noStrike">
+              <a:latin typeface="Arial"/>
+            </a:endParaRPr>
+          </a:p>
+          <a:p>
+            <a:pPr>
+              <a:lnSpc>
+                <a:spcPct val="100000"/>
+              </a:lnSpc>
+              <a:spcAft>
+                <a:spcPts val="1140"/>
+              </a:spcAft>
+            </a:pPr>
+            <a:endParaRPr b="0" lang="en-US" sz="1600" spc="-1" strike="noStrike">
+              <a:latin typeface="Arial"/>
+            </a:endParaRPr>
+          </a:p>
+          <a:p>
+            <a:pPr>
+              <a:lnSpc>
+                <a:spcPct val="100000"/>
+              </a:lnSpc>
+              <a:spcAft>
+                <a:spcPts val="1140"/>
+              </a:spcAft>
+            </a:pPr>
+            <a:endParaRPr b="0" lang="en-US" sz="1600" spc="-1" strike="noStrike">
+              <a:latin typeface="Arial"/>
+            </a:endParaRPr>
+          </a:p>
+          <a:p>
+            <a:pPr>
+              <a:lnSpc>
+                <a:spcPct val="100000"/>
+              </a:lnSpc>
+              <a:spcAft>
+                <a:spcPts val="1140"/>
+              </a:spcAft>
+            </a:pPr>
+            <a:r>
+              <a:rPr b="1" lang="en-US" sz="1600" spc="-1" strike="noStrike">
+                <a:solidFill>
+                  <a:srgbClr val="1c1c1c"/>
+                </a:solidFill>
+                <a:latin typeface="Noto Sans SemiBold"/>
+                <a:ea typeface="DejaVu Sans"/>
+              </a:rPr>
+              <a:t>Report</a:t>
+            </a:r>
+            <a:endParaRPr b="0" lang="en-US" sz="1600" spc="-1" strike="noStrike">
+              <a:latin typeface="Arial"/>
+            </a:endParaRPr>
+          </a:p>
+          <a:p>
+            <a:pPr>
+              <a:lnSpc>
+                <a:spcPct val="100000"/>
+              </a:lnSpc>
+              <a:spcAft>
+                <a:spcPts val="1140"/>
+              </a:spcAft>
+            </a:pPr>
             <a:r>
               <a:rPr b="1" lang="en-US" sz="2600" spc="-1" strike="noStrike">
                 <a:solidFill>
                   <a:srgbClr val="1c1c1c"/>
                 </a:solidFill>
                 <a:latin typeface="Noto Sans SemiBold"/>
-                <a:ea typeface="DejaVu Sans"/>
-              </a:rPr>
-              <a:t>  </a:t>
+                <a:ea typeface="宋体"/>
+              </a:rPr>
+              <a:t>  </a:t>
             </a:r>
             <a:r>
               <a:rPr b="1" lang="en-US" sz="1800" spc="-1" strike="noStrike">
@@ -11833,7 +12229,7 @@
                 <a:latin typeface="Noto Sans SemiBold"/>
                 <a:ea typeface="宋体"/>
               </a:rPr>
-              <a:t> </a:t>
+              <a:t> </a:t>
             </a:r>
             <a:endParaRPr b="0" lang="en-US" sz="1800" spc="-1" strike="noStrike">
               <a:latin typeface="Arial"/>
@@ -11841,6 +12237,76 @@
           </a:p>
         </p:txBody>
       </p:sp>
+      <p:pic>
+        <p:nvPicPr>
+          <p:cNvPr id="237" name="图片 2" descr=""/>
+          <p:cNvPicPr/>
+          <p:nvPr/>
+        </p:nvPicPr>
+        <p:blipFill>
+          <a:blip r:embed="rId2"/>
+          <a:stretch/>
+        </p:blipFill>
+        <p:spPr>
+          <a:xfrm>
+            <a:off x="6873840" y="1287000"/>
+            <a:ext cx="2261520" cy="2188440"/>
+          </a:xfrm>
+          <a:prstGeom prst="rect">
+            <a:avLst/>
+          </a:prstGeom>
+          <a:ln>
+            <a:noFill/>
+          </a:ln>
+        </p:spPr>
+      </p:pic>
+      <p:pic>
+        <p:nvPicPr>
+          <p:cNvPr id="238" name="图片 4" descr=""/>
+          <p:cNvPicPr/>
+          <p:nvPr/>
+        </p:nvPicPr>
+        <p:blipFill>
+          <a:blip r:embed="rId3"/>
+          <a:srcRect l="1259" t="2173" r="0" b="38029"/>
+          <a:stretch/>
+        </p:blipFill>
+        <p:spPr>
+          <a:xfrm>
+            <a:off x="359280" y="3971880"/>
+            <a:ext cx="4230000" cy="1120320"/>
+          </a:xfrm>
+          <a:prstGeom prst="rect">
+            <a:avLst/>
+          </a:prstGeom>
+          <a:ln>
+            <a:noFill/>
+          </a:ln>
+        </p:spPr>
+      </p:pic>
+      <p:pic>
+        <p:nvPicPr>
+          <p:cNvPr id="239" name="图片 1" descr=""/>
+          <p:cNvPicPr/>
+          <p:nvPr/>
+        </p:nvPicPr>
+        <p:blipFill>
+          <a:blip r:embed="rId4"/>
+          <a:stretch/>
+        </p:blipFill>
+        <p:spPr>
+          <a:xfrm>
+            <a:off x="4749120" y="3650760"/>
+            <a:ext cx="4968000" cy="1441800"/>
+          </a:xfrm>
+          <a:prstGeom prst="rect">
+            <a:avLst/>
+          </a:prstGeom>
+          <a:ln>
+            <a:noFill/>
+          </a:ln>
+        </p:spPr>
+      </p:pic>
     </p:spTree>
   </p:cSld>
   <p:timing>
@@ -11890,32 +12356,9 @@
           <a:chExt cx="0" cy="0"/>
         </a:xfrm>
       </p:grpSpPr>
-      <p:pic>
-        <p:nvPicPr>
-          <p:cNvPr id="240" name="图片 21" descr=""/>
-          <p:cNvPicPr/>
-          <p:nvPr/>
-        </p:nvPicPr>
-        <p:blipFill>
-          <a:blip r:embed="rId1"/>
-          <a:stretch/>
-        </p:blipFill>
-        <p:spPr>
-          <a:xfrm>
-            <a:off x="3601440" y="1099800"/>
-            <a:ext cx="6116040" cy="2948760"/>
-          </a:xfrm>
-          <a:prstGeom prst="rect">
-            <a:avLst/>
-          </a:prstGeom>
-          <a:ln>
-            <a:noFill/>
-          </a:ln>
-        </p:spPr>
-      </p:pic>
-      <p:sp>
-        <p:nvSpPr>
-          <p:cNvPr id="241" name="CustomShape 1"/>
+      <p:sp>
+        <p:nvSpPr>
+          <p:cNvPr id="240" name="CustomShape 1"/>
           <p:cNvSpPr/>
           <p:nvPr/>
         </p:nvSpPr>
@@ -11964,7 +12407,7 @@
       </p:sp>
       <p:sp>
         <p:nvSpPr>
-          <p:cNvPr id="242" name="CustomShape 2"/>
+          <p:cNvPr id="241" name="CustomShape 2"/>
           <p:cNvSpPr/>
           <p:nvPr/>
         </p:nvSpPr>
@@ -12008,7 +12451,7 @@
                 <a:latin typeface="Noto Sans SemiBold"/>
                 <a:ea typeface="DejaVu Sans"/>
               </a:rPr>
-              <a:t>Software optimization</a:t>
+              <a:t>Design on Vivado SDK </a:t>
             </a:r>
             <a:endParaRPr b="0" lang="en-US" sz="1600" spc="-1" strike="noStrike">
               <a:latin typeface="Arial"/>
@@ -12039,22 +12482,12 @@
             <a:r>
               <a:rPr b="1" lang="en-US" sz="1200" spc="-1" strike="noStrike">
                 <a:solidFill>
-                  <a:srgbClr val="0000ff"/>
-                </a:solidFill>
-                <a:latin typeface="Noto Sans SemiBold"/>
-                <a:ea typeface="DejaVu Sans"/>
-              </a:rPr>
-              <a:t>Three main aspects :</a:t>
-            </a:r>
-            <a:r>
-              <a:rPr b="1" lang="en-US" sz="1200" spc="-1" strike="noStrike">
-                <a:solidFill>
                   <a:srgbClr val="1c1c1c"/>
                 </a:solidFill>
                 <a:latin typeface="Noto Sans SemiBold"/>
                 <a:ea typeface="DejaVu Sans"/>
               </a:rPr>
-              <a:t>  </a:t>
+              <a:t>1/ Tools Chain : Xilinx ARM v7 GNU Toolchain </a:t>
             </a:r>
             <a:endParaRPr b="0" lang="en-US" sz="1200" spc="-1" strike="noStrike">
               <a:latin typeface="Arial"/>
@@ -12087,7 +12520,7 @@
                 <a:latin typeface="Noto Sans SemiBold"/>
                 <a:ea typeface="DejaVu Sans"/>
               </a:rPr>
-              <a:t>1/ branches delays</a:t>
+              <a:t>Generator : GNU make</a:t>
             </a:r>
             <a:endParaRPr b="0" lang="en-US" sz="1200" spc="-1" strike="noStrike">
               <a:latin typeface="Arial"/>
@@ -12102,26 +12535,6 @@
                 <a:spcPts val="1140"/>
               </a:spcAft>
             </a:pPr>
-            <a:r>
-              <a:rPr b="1" lang="en-US" sz="1200" spc="-1" strike="noStrike">
-                <a:solidFill>
-                  <a:srgbClr val="1c1c1c"/>
-                </a:solidFill>
-                <a:latin typeface="Noto Sans SemiBold"/>
-                <a:ea typeface="DejaVu Sans"/>
-              </a:rPr>
-              <a:t>    </a:t>
-            </a:r>
-            <a:r>
-              <a:rPr b="1" lang="en-US" sz="1200" spc="-1" strike="noStrike">
-                <a:solidFill>
-                  <a:srgbClr val="1c1c1c"/>
-                </a:solidFill>
-                <a:latin typeface="Noto Sans SemiBold"/>
-                <a:ea typeface="DejaVu Sans"/>
-              </a:rPr>
-              <a:t>2/ use of cache</a:t>
-            </a:r>
             <a:endParaRPr b="0" lang="en-US" sz="1200" spc="-1" strike="noStrike">
               <a:latin typeface="Arial"/>
             </a:endParaRPr>
@@ -12143,17 +12556,7 @@
                 <a:latin typeface="Noto Sans SemiBold"/>
                 <a:ea typeface="DejaVu Sans"/>
               </a:rPr>
-              <a:t>    </a:t>
-            </a:r>
-            <a:r>
-              <a:rPr b="1" lang="en-US" sz="1200" spc="-1" strike="noStrike">
-                <a:solidFill>
-                  <a:srgbClr val="1c1c1c"/>
-                </a:solidFill>
-                <a:latin typeface="Noto Sans SemiBold"/>
-                <a:ea typeface="DejaVu Sans"/>
-              </a:rPr>
-              <a:t>3/ data dependencies </a:t>
+              <a:t>2/ Modification of heap and stack sizes :</a:t>
             </a:r>
             <a:endParaRPr b="0" lang="en-US" sz="1200" spc="-1" strike="noStrike">
               <a:latin typeface="Arial"/>
@@ -12171,12 +12574,32 @@
             <a:r>
               <a:rPr b="1" lang="en-US" sz="1200" spc="-1" strike="noStrike">
                 <a:solidFill>
-                  <a:srgbClr val="0000ff"/>
+                  <a:srgbClr val="1c1c1c"/>
                 </a:solidFill>
                 <a:latin typeface="Noto Sans SemiBold"/>
                 <a:ea typeface="DejaVu Sans"/>
               </a:rPr>
-              <a:t>Optimization options for GNU :</a:t>
+              <a:t>    </a:t>
+            </a:r>
+            <a:r>
+              <a:rPr b="1" lang="en-US" sz="1200" spc="-1" strike="noStrike">
+                <a:solidFill>
+                  <a:srgbClr val="1c1c1c"/>
+                </a:solidFill>
+                <a:latin typeface="Noto Sans SemiBold"/>
+                <a:ea typeface="DejaVu Sans"/>
+              </a:rPr>
+              <a:t>1 KB </a:t>
+            </a:r>
+            <a:r>
+              <a:rPr b="1" lang="en-US" sz="1200" spc="-1" strike="noStrike">
+                <a:solidFill>
+                  <a:srgbClr val="1c1c1c"/>
+                </a:solidFill>
+                <a:latin typeface="Noto Sans SemiBold"/>
+                <a:ea typeface="宋体"/>
+              </a:rPr>
+              <a:t>(default) → 250 MB</a:t>
             </a:r>
             <a:endParaRPr b="0" lang="en-US" sz="1200" spc="-1" strike="noStrike">
               <a:latin typeface="Arial"/>
@@ -12192,163 +12615,96 @@
               </a:spcAft>
             </a:pPr>
             <a:r>
-              <a:rPr b="1" lang="en-US" sz="1200" spc="-1" strike="noStrike">
+              <a:rPr b="1" lang="en-US" sz="1400" spc="-1" strike="noStrike">
                 <a:solidFill>
                   <a:srgbClr val="1c1c1c"/>
                 </a:solidFill>
                 <a:latin typeface="Noto Sans SemiBold"/>
                 <a:ea typeface="DejaVu Sans"/>
               </a:rPr>
-              <a:t>    </a:t>
-            </a:r>
-            <a:r>
-              <a:rPr b="1" lang="en-US" sz="1200" spc="-1" strike="noStrike">
-                <a:solidFill>
-                  <a:srgbClr val="1c1c1c"/>
-                </a:solidFill>
-                <a:latin typeface="Noto Sans SemiBold"/>
-                <a:ea typeface="DejaVu Sans"/>
-              </a:rPr>
-              <a:t>- O0 : no optimization</a:t>
-            </a:r>
-            <a:endParaRPr b="0" lang="en-US" sz="1200" spc="-1" strike="noStrike">
-              <a:latin typeface="Arial"/>
-            </a:endParaRPr>
-          </a:p>
-          <a:p>
-            <a:pPr>
-              <a:lnSpc>
-                <a:spcPct val="100000"/>
-              </a:lnSpc>
-              <a:spcAft>
-                <a:spcPts val="1140"/>
-              </a:spcAft>
-            </a:pPr>
-            <a:r>
-              <a:rPr b="1" lang="en-US" sz="1200" spc="-1" strike="noStrike">
-                <a:solidFill>
-                  <a:srgbClr val="1c1c1c"/>
-                </a:solidFill>
-                <a:latin typeface="Noto Sans SemiBold"/>
-                <a:ea typeface="DejaVu Sans"/>
-              </a:rPr>
-              <a:t>    </a:t>
-            </a:r>
-            <a:r>
-              <a:rPr b="1" lang="en-US" sz="1200" spc="-1" strike="noStrike">
-                <a:solidFill>
-                  <a:srgbClr val="1c1c1c"/>
-                </a:solidFill>
-                <a:latin typeface="Noto Sans SemiBold"/>
-                <a:ea typeface="DejaVu Sans"/>
-              </a:rPr>
-              <a:t>- O1 : optimization on branches</a:t>
-            </a:r>
-            <a:endParaRPr b="0" lang="en-US" sz="1200" spc="-1" strike="noStrike">
-              <a:latin typeface="Arial"/>
-            </a:endParaRPr>
-          </a:p>
-          <a:p>
-            <a:pPr>
-              <a:lnSpc>
-                <a:spcPct val="100000"/>
-              </a:lnSpc>
-              <a:spcAft>
-                <a:spcPts val="1140"/>
-              </a:spcAft>
-            </a:pPr>
-            <a:r>
-              <a:rPr b="1" lang="en-US" sz="1200" spc="-1" strike="noStrike">
-                <a:solidFill>
-                  <a:srgbClr val="1c1c1c"/>
-                </a:solidFill>
-                <a:latin typeface="Noto Sans SemiBold"/>
-                <a:ea typeface="DejaVu Sans"/>
-              </a:rPr>
-              <a:t>    </a:t>
-            </a:r>
-            <a:r>
-              <a:rPr b="1" lang="en-US" sz="1200" spc="-1" strike="noStrike">
-                <a:solidFill>
-                  <a:srgbClr val="1c1c1c"/>
-                </a:solidFill>
-                <a:latin typeface="Noto Sans SemiBold"/>
-                <a:ea typeface="DejaVu Sans"/>
-              </a:rPr>
-              <a:t>- O2 : optimization at the registers and instruction level</a:t>
-            </a:r>
-            <a:endParaRPr b="0" lang="en-US" sz="1200" spc="-1" strike="noStrike">
-              <a:latin typeface="Arial"/>
-            </a:endParaRPr>
-          </a:p>
-          <a:p>
-            <a:pPr>
-              <a:lnSpc>
-                <a:spcPct val="100000"/>
-              </a:lnSpc>
-              <a:spcAft>
-                <a:spcPts val="1140"/>
-              </a:spcAft>
-            </a:pPr>
-            <a:r>
-              <a:rPr b="1" lang="en-US" sz="1200" spc="-1" strike="noStrike">
-                <a:solidFill>
-                  <a:srgbClr val="1c1c1c"/>
-                </a:solidFill>
-                <a:latin typeface="Noto Sans SemiBold"/>
-                <a:ea typeface="DejaVu Sans"/>
-              </a:rPr>
-              <a:t>    </a:t>
-            </a:r>
-            <a:r>
-              <a:rPr b="1" lang="en-US" sz="1200" spc="-1" strike="noStrike">
-                <a:solidFill>
-                  <a:srgbClr val="1c1c1c"/>
-                </a:solidFill>
-                <a:latin typeface="Noto Sans SemiBold"/>
-                <a:ea typeface="DejaVu Sans"/>
-              </a:rPr>
-              <a:t>- O3 : optimization at the highest level (eSIMD vectorization , “inline”...)</a:t>
-            </a:r>
-            <a:endParaRPr b="0" lang="en-US" sz="1200" spc="-1" strike="noStrike">
-              <a:latin typeface="Arial"/>
-            </a:endParaRPr>
-          </a:p>
-          <a:p>
-            <a:pPr>
-              <a:lnSpc>
-                <a:spcPct val="100000"/>
-              </a:lnSpc>
-              <a:spcAft>
-                <a:spcPts val="1140"/>
-              </a:spcAft>
-            </a:pPr>
-            <a:r>
-              <a:rPr b="1" lang="en-US" sz="1200" spc="-1" strike="noStrike">
-                <a:solidFill>
-                  <a:srgbClr val="1c1c1c"/>
-                </a:solidFill>
-                <a:latin typeface="Noto Sans SemiBold"/>
-                <a:ea typeface="DejaVu Sans"/>
-              </a:rPr>
-              <a:t>    </a:t>
-            </a:r>
-            <a:r>
-              <a:rPr b="1" lang="en-US" sz="1200" spc="-1" strike="noStrike">
-                <a:solidFill>
-                  <a:srgbClr val="1c1c1c"/>
-                </a:solidFill>
-                <a:latin typeface="Noto Sans SemiBold"/>
-                <a:ea typeface="DejaVu Sans"/>
-              </a:rPr>
-              <a:t>- Os : optimization on code size </a:t>
-            </a:r>
-            <a:endParaRPr b="0" lang="en-US" sz="1200" spc="-1" strike="noStrike">
-              <a:latin typeface="Arial"/>
-            </a:endParaRPr>
-          </a:p>
-        </p:txBody>
-      </p:sp>
+              <a:t>  </a:t>
+            </a:r>
+            <a:endParaRPr b="0" lang="en-US" sz="1400" spc="-1" strike="noStrike">
+              <a:latin typeface="Arial"/>
+            </a:endParaRPr>
+          </a:p>
+        </p:txBody>
+      </p:sp>
+      <p:grpSp>
+        <p:nvGrpSpPr>
+          <p:cNvPr id="242" name="Group 3"/>
+          <p:cNvGrpSpPr/>
+          <p:nvPr/>
+        </p:nvGrpSpPr>
+        <p:grpSpPr>
+          <a:xfrm>
+            <a:off x="4534560" y="1598400"/>
+            <a:ext cx="5182560" cy="2782800"/>
+            <a:chOff x="4534560" y="1598400"/>
+            <a:chExt cx="5182560" cy="2782800"/>
+          </a:xfrm>
+        </p:grpSpPr>
+        <p:pic>
+          <p:nvPicPr>
+            <p:cNvPr id="243" name="图片 14" descr=""/>
+            <p:cNvPicPr/>
+            <p:nvPr/>
+          </p:nvPicPr>
+          <p:blipFill>
+            <a:blip r:embed="rId1"/>
+            <a:srcRect l="0" t="0" r="324" b="33128"/>
+            <a:stretch/>
+          </p:blipFill>
+          <p:spPr>
+            <a:xfrm>
+              <a:off x="4534560" y="1598400"/>
+              <a:ext cx="5182560" cy="2782800"/>
+            </a:xfrm>
+            <a:prstGeom prst="rect">
+              <a:avLst/>
+            </a:prstGeom>
+            <a:ln>
+              <a:noFill/>
+            </a:ln>
+          </p:spPr>
+        </p:pic>
+        <p:sp>
+          <p:nvSpPr>
+            <p:cNvPr id="244" name="CustomShape 4"/>
+            <p:cNvSpPr/>
+            <p:nvPr/>
+          </p:nvSpPr>
+          <p:spPr>
+            <a:xfrm>
+              <a:off x="7008120" y="3122640"/>
+              <a:ext cx="2132280" cy="450360"/>
+            </a:xfrm>
+            <a:prstGeom prst="ellipse">
+              <a:avLst/>
+            </a:prstGeom>
+            <a:noFill/>
+            <a:ln>
+              <a:solidFill>
+                <a:srgbClr val="ff0000"/>
+              </a:solidFill>
+            </a:ln>
+          </p:spPr>
+          <p:style>
+            <a:lnRef idx="2">
+              <a:schemeClr val="accent1">
+                <a:shade val="50000"/>
+              </a:schemeClr>
+            </a:lnRef>
+            <a:fillRef idx="1">
+              <a:schemeClr val="accent1"/>
+            </a:fillRef>
+            <a:effectRef idx="0">
+              <a:schemeClr val="accent1"/>
+            </a:effectRef>
+            <a:fontRef idx="minor"/>
+          </p:style>
+        </p:sp>
+      </p:grpSp>
     </p:spTree>
   </p:cSld>
   <p:timing>
@@ -12398,9 +12754,32 @@
           <a:chExt cx="0" cy="0"/>
         </a:xfrm>
       </p:grpSpPr>
-      <p:sp>
-        <p:nvSpPr>
-          <p:cNvPr id="243" name="CustomShape 1"/>
+      <p:pic>
+        <p:nvPicPr>
+          <p:cNvPr id="245" name="图片 1" descr=""/>
+          <p:cNvPicPr/>
+          <p:nvPr/>
+        </p:nvPicPr>
+        <p:blipFill>
+          <a:blip r:embed="rId1"/>
+          <a:stretch/>
+        </p:blipFill>
+        <p:spPr>
+          <a:xfrm>
+            <a:off x="1118880" y="1113120"/>
+            <a:ext cx="7393680" cy="3917520"/>
+          </a:xfrm>
+          <a:prstGeom prst="rect">
+            <a:avLst/>
+          </a:prstGeom>
+          <a:ln>
+            <a:noFill/>
+          </a:ln>
+        </p:spPr>
+      </p:pic>
+      <p:sp>
+        <p:nvSpPr>
+          <p:cNvPr id="246" name="CustomShape 1"/>
           <p:cNvSpPr/>
           <p:nvPr/>
         </p:nvSpPr>
@@ -12449,13 +12828,13 @@
       </p:sp>
       <p:sp>
         <p:nvSpPr>
-          <p:cNvPr id="244" name="CustomShape 2"/>
+          <p:cNvPr id="247" name="CustomShape 2"/>
           <p:cNvSpPr/>
           <p:nvPr/>
         </p:nvSpPr>
         <p:spPr>
           <a:xfrm>
-            <a:off x="359280" y="1099800"/>
+            <a:off x="358920" y="1108080"/>
             <a:ext cx="9177840" cy="4042080"/>
           </a:xfrm>
           <a:prstGeom prst="rect">
@@ -12485,27 +12864,7 @@
                 <a:spcPts val="1140"/>
               </a:spcAft>
             </a:pPr>
-            <a:r>
-              <a:rPr b="1" lang="en-US" sz="1600" spc="-1" strike="noStrike">
-                <a:solidFill>
-                  <a:srgbClr val="1c1c1c"/>
-                </a:solidFill>
-                <a:latin typeface="Noto Sans SemiBold"/>
-                <a:ea typeface="DejaVu Sans"/>
-              </a:rPr>
-              <a:t>      </a:t>
-            </a:r>
-            <a:r>
-              <a:rPr b="1" lang="en-US" sz="1600" spc="-1" strike="noStrike">
-                <a:solidFill>
-                  <a:srgbClr val="1c1c1c"/>
-                </a:solidFill>
-                <a:latin typeface="Noto Sans SemiBold"/>
-                <a:ea typeface="DejaVu Sans"/>
-              </a:rPr>
-              <a:t>Code size (segmentation “text”)                                         Execution times</a:t>
-            </a:r>
-            <a:endParaRPr b="0" lang="en-US" sz="1600" spc="-1" strike="noStrike">
+            <a:endParaRPr b="0" lang="en-US" sz="1800" spc="-1" strike="noStrike">
               <a:latin typeface="Arial"/>
             </a:endParaRPr>
           </a:p>
@@ -12519,67 +12878,31 @@
               </a:spcAft>
             </a:pPr>
             <a:r>
-              <a:rPr b="1" lang="en-US" sz="1400" spc="-1" strike="noStrike">
+              <a:rPr b="1" lang="en-US" sz="2600" spc="-1" strike="noStrike">
                 <a:solidFill>
                   <a:srgbClr val="1c1c1c"/>
                 </a:solidFill>
                 <a:latin typeface="Noto Sans SemiBold"/>
                 <a:ea typeface="DejaVu Sans"/>
               </a:rPr>
-              <a:t>  </a:t>
-            </a:r>
-            <a:endParaRPr b="0" lang="en-US" sz="1400" spc="-1" strike="noStrike">
-              <a:latin typeface="Arial"/>
-            </a:endParaRPr>
-          </a:p>
-        </p:txBody>
-      </p:sp>
-      <p:pic>
-        <p:nvPicPr>
-          <p:cNvPr id="245" name="图片 2" descr=""/>
-          <p:cNvPicPr/>
-          <p:nvPr/>
-        </p:nvPicPr>
-        <p:blipFill>
-          <a:blip r:embed="rId1"/>
-          <a:stretch/>
-        </p:blipFill>
-        <p:spPr>
-          <a:xfrm>
-            <a:off x="4272120" y="1496520"/>
-            <a:ext cx="5377320" cy="3021120"/>
-          </a:xfrm>
-          <a:prstGeom prst="rect">
-            <a:avLst/>
-          </a:prstGeom>
-          <a:ln>
-            <a:noFill/>
-          </a:ln>
-        </p:spPr>
-      </p:pic>
-      <p:pic>
-        <p:nvPicPr>
-          <p:cNvPr id="246" name="图片 9" descr=""/>
-          <p:cNvPicPr/>
-          <p:nvPr/>
-        </p:nvPicPr>
-        <p:blipFill>
-          <a:blip r:embed="rId2"/>
-          <a:stretch/>
-        </p:blipFill>
-        <p:spPr>
-          <a:xfrm>
-            <a:off x="565200" y="1546920"/>
-            <a:ext cx="3393720" cy="2970720"/>
-          </a:xfrm>
-          <a:prstGeom prst="rect">
-            <a:avLst/>
-          </a:prstGeom>
-          <a:ln>
-            <a:noFill/>
-          </a:ln>
-        </p:spPr>
-      </p:pic>
+              <a:t>  </a:t>
+            </a:r>
+            <a:r>
+              <a:rPr b="1" lang="en-US" sz="1800" spc="-1" strike="noStrike">
+                <a:solidFill>
+                  <a:srgbClr val="1c1c1c"/>
+                </a:solidFill>
+                <a:latin typeface="Noto Sans SemiBold"/>
+                <a:ea typeface="宋体"/>
+              </a:rPr>
+              <a:t> </a:t>
+            </a:r>
+            <a:endParaRPr b="0" lang="en-US" sz="1800" spc="-1" strike="noStrike">
+              <a:latin typeface="Arial"/>
+            </a:endParaRPr>
+          </a:p>
+        </p:txBody>
+      </p:sp>
     </p:spTree>
   </p:cSld>
   <p:timing>
@@ -12629,9 +12952,32 @@
           <a:chExt cx="0" cy="0"/>
         </a:xfrm>
       </p:grpSpPr>
-      <p:sp>
-        <p:nvSpPr>
-          <p:cNvPr id="247" name="CustomShape 1"/>
+      <p:pic>
+        <p:nvPicPr>
+          <p:cNvPr id="248" name="图片 21" descr=""/>
+          <p:cNvPicPr/>
+          <p:nvPr/>
+        </p:nvPicPr>
+        <p:blipFill>
+          <a:blip r:embed="rId1"/>
+          <a:stretch/>
+        </p:blipFill>
+        <p:spPr>
+          <a:xfrm>
+            <a:off x="3601440" y="1099800"/>
+            <a:ext cx="6116040" cy="2948760"/>
+          </a:xfrm>
+          <a:prstGeom prst="rect">
+            <a:avLst/>
+          </a:prstGeom>
+          <a:ln>
+            <a:noFill/>
+          </a:ln>
+        </p:spPr>
+      </p:pic>
+      <p:sp>
+        <p:nvSpPr>
+          <p:cNvPr id="249" name="CustomShape 1"/>
           <p:cNvSpPr/>
           <p:nvPr/>
         </p:nvSpPr>
@@ -12670,7 +13016,7 @@
                 <a:latin typeface="Noto Sans Black"/>
                 <a:ea typeface="DejaVu Sans"/>
               </a:rPr>
-              <a:t>Software – Microblaze Implementation</a:t>
+              <a:t>Software – ARM Implementation</a:t>
             </a:r>
             <a:endParaRPr b="0" lang="en-US" sz="3200" spc="-1" strike="noStrike">
               <a:latin typeface="Arial"/>
@@ -12680,7 +13026,7 @@
       </p:sp>
       <p:sp>
         <p:nvSpPr>
-          <p:cNvPr id="248" name="CustomShape 2"/>
+          <p:cNvPr id="250" name="CustomShape 2"/>
           <p:cNvSpPr/>
           <p:nvPr/>
         </p:nvSpPr>
@@ -12724,7 +13070,7 @@
                 <a:latin typeface="Noto Sans SemiBold"/>
                 <a:ea typeface="DejaVu Sans"/>
               </a:rPr>
-              <a:t>Blocks design</a:t>
+              <a:t>Software optimization</a:t>
             </a:r>
             <a:endParaRPr b="0" lang="en-US" sz="1600" spc="-1" strike="noStrike">
               <a:latin typeface="Arial"/>
@@ -12752,7 +13098,27 @@
                 <a:spcPts val="1140"/>
               </a:spcAft>
             </a:pPr>
-            <a:endParaRPr b="0" lang="en-US" sz="1600" spc="-1" strike="noStrike">
+            <a:r>
+              <a:rPr b="1" lang="en-US" sz="1200" spc="-1" strike="noStrike">
+                <a:solidFill>
+                  <a:srgbClr val="0000ff"/>
+                </a:solidFill>
+                <a:latin typeface="Noto Sans SemiBold"/>
+                <a:ea typeface="DejaVu Sans"/>
+              </a:rPr>
+              <a:t>Three main aspects :</a:t>
+            </a:r>
+            <a:r>
+              <a:rPr b="1" lang="en-US" sz="1200" spc="-1" strike="noStrike">
+                <a:solidFill>
+                  <a:srgbClr val="1c1c1c"/>
+                </a:solidFill>
+                <a:latin typeface="Noto Sans SemiBold"/>
+                <a:ea typeface="DejaVu Sans"/>
+              </a:rPr>
+              <a:t>  </a:t>
+            </a:r>
+            <a:endParaRPr b="0" lang="en-US" sz="1200" spc="-1" strike="noStrike">
               <a:latin typeface="Arial"/>
             </a:endParaRPr>
           </a:p>
@@ -12765,7 +13131,27 @@
                 <a:spcPts val="1140"/>
               </a:spcAft>
             </a:pPr>
-            <a:endParaRPr b="0" lang="en-US" sz="1600" spc="-1" strike="noStrike">
+            <a:r>
+              <a:rPr b="1" lang="en-US" sz="1200" spc="-1" strike="noStrike">
+                <a:solidFill>
+                  <a:srgbClr val="1c1c1c"/>
+                </a:solidFill>
+                <a:latin typeface="Noto Sans SemiBold"/>
+                <a:ea typeface="DejaVu Sans"/>
+              </a:rPr>
+              <a:t>    </a:t>
+            </a:r>
+            <a:r>
+              <a:rPr b="1" lang="en-US" sz="1200" spc="-1" strike="noStrike">
+                <a:solidFill>
+                  <a:srgbClr val="1c1c1c"/>
+                </a:solidFill>
+                <a:latin typeface="Noto Sans SemiBold"/>
+                <a:ea typeface="DejaVu Sans"/>
+              </a:rPr>
+              <a:t>1/ branches delays</a:t>
+            </a:r>
+            <a:endParaRPr b="0" lang="en-US" sz="1200" spc="-1" strike="noStrike">
               <a:latin typeface="Arial"/>
             </a:endParaRPr>
           </a:p>
@@ -12778,7 +13164,27 @@
                 <a:spcPts val="1140"/>
               </a:spcAft>
             </a:pPr>
-            <a:endParaRPr b="0" lang="en-US" sz="1600" spc="-1" strike="noStrike">
+            <a:r>
+              <a:rPr b="1" lang="en-US" sz="1200" spc="-1" strike="noStrike">
+                <a:solidFill>
+                  <a:srgbClr val="1c1c1c"/>
+                </a:solidFill>
+                <a:latin typeface="Noto Sans SemiBold"/>
+                <a:ea typeface="DejaVu Sans"/>
+              </a:rPr>
+              <a:t>    </a:t>
+            </a:r>
+            <a:r>
+              <a:rPr b="1" lang="en-US" sz="1200" spc="-1" strike="noStrike">
+                <a:solidFill>
+                  <a:srgbClr val="1c1c1c"/>
+                </a:solidFill>
+                <a:latin typeface="Noto Sans SemiBold"/>
+                <a:ea typeface="DejaVu Sans"/>
+              </a:rPr>
+              <a:t>2/ use of cache</a:t>
+            </a:r>
+            <a:endParaRPr b="0" lang="en-US" sz="1200" spc="-1" strike="noStrike">
               <a:latin typeface="Arial"/>
             </a:endParaRPr>
           </a:p>
@@ -12791,7 +13197,27 @@
                 <a:spcPts val="1140"/>
               </a:spcAft>
             </a:pPr>
-            <a:endParaRPr b="0" lang="en-US" sz="1600" spc="-1" strike="noStrike">
+            <a:r>
+              <a:rPr b="1" lang="en-US" sz="1200" spc="-1" strike="noStrike">
+                <a:solidFill>
+                  <a:srgbClr val="1c1c1c"/>
+                </a:solidFill>
+                <a:latin typeface="Noto Sans SemiBold"/>
+                <a:ea typeface="DejaVu Sans"/>
+              </a:rPr>
+              <a:t>    </a:t>
+            </a:r>
+            <a:r>
+              <a:rPr b="1" lang="en-US" sz="1200" spc="-1" strike="noStrike">
+                <a:solidFill>
+                  <a:srgbClr val="1c1c1c"/>
+                </a:solidFill>
+                <a:latin typeface="Noto Sans SemiBold"/>
+                <a:ea typeface="DejaVu Sans"/>
+              </a:rPr>
+              <a:t>3/ data dependencies </a:t>
+            </a:r>
+            <a:endParaRPr b="0" lang="en-US" sz="1200" spc="-1" strike="noStrike">
               <a:latin typeface="Arial"/>
             </a:endParaRPr>
           </a:p>
@@ -12804,7 +13230,17 @@
                 <a:spcPts val="1140"/>
               </a:spcAft>
             </a:pPr>
-            <a:endParaRPr b="0" lang="en-US" sz="1600" spc="-1" strike="noStrike">
+            <a:r>
+              <a:rPr b="1" lang="en-US" sz="1200" spc="-1" strike="noStrike">
+                <a:solidFill>
+                  <a:srgbClr val="0000ff"/>
+                </a:solidFill>
+                <a:latin typeface="Noto Sans SemiBold"/>
+                <a:ea typeface="DejaVu Sans"/>
+              </a:rPr>
+              <a:t>Optimization options for GNU :</a:t>
+            </a:r>
+            <a:endParaRPr b="0" lang="en-US" sz="1200" spc="-1" strike="noStrike">
               <a:latin typeface="Arial"/>
             </a:endParaRPr>
           </a:p>
@@ -12818,16 +13254,26 @@
               </a:spcAft>
             </a:pPr>
             <a:r>
-              <a:rPr b="1" lang="en-US" sz="1600" spc="-1" strike="noStrike">
+              <a:rPr b="1" lang="en-US" sz="1200" spc="-1" strike="noStrike">
                 <a:solidFill>
                   <a:srgbClr val="1c1c1c"/>
                 </a:solidFill>
                 <a:latin typeface="Noto Sans SemiBold"/>
                 <a:ea typeface="DejaVu Sans"/>
               </a:rPr>
-              <a:t>Report</a:t>
-            </a:r>
-            <a:endParaRPr b="0" lang="en-US" sz="1600" spc="-1" strike="noStrike">
+              <a:t>    </a:t>
+            </a:r>
+            <a:r>
+              <a:rPr b="1" lang="en-US" sz="1200" spc="-1" strike="noStrike">
+                <a:solidFill>
+                  <a:srgbClr val="1c1c1c"/>
+                </a:solidFill>
+                <a:latin typeface="Noto Sans SemiBold"/>
+                <a:ea typeface="DejaVu Sans"/>
+              </a:rPr>
+              <a:t>- O0 : no optimization</a:t>
+            </a:r>
+            <a:endParaRPr b="0" lang="en-US" sz="1200" spc="-1" strike="noStrike">
               <a:latin typeface="Arial"/>
             </a:endParaRPr>
           </a:p>
@@ -12841,123 +13287,130 @@
               </a:spcAft>
             </a:pPr>
             <a:r>
-              <a:rPr b="1" lang="en-US" sz="2600" spc="-1" strike="noStrike">
+              <a:rPr b="1" lang="en-US" sz="1200" spc="-1" strike="noStrike">
                 <a:solidFill>
                   <a:srgbClr val="1c1c1c"/>
                 </a:solidFill>
                 <a:latin typeface="Noto Sans SemiBold"/>
-                <a:ea typeface="宋体"/>
-              </a:rPr>
-              <a:t>  </a:t>
-            </a:r>
-            <a:r>
-              <a:rPr b="1" lang="en-US" sz="1800" spc="-1" strike="noStrike">
+                <a:ea typeface="DejaVu Sans"/>
+              </a:rPr>
+              <a:t>    </a:t>
+            </a:r>
+            <a:r>
+              <a:rPr b="1" lang="en-US" sz="1200" spc="-1" strike="noStrike">
                 <a:solidFill>
                   <a:srgbClr val="1c1c1c"/>
                 </a:solidFill>
                 <a:latin typeface="Noto Sans SemiBold"/>
-                <a:ea typeface="宋体"/>
-              </a:rPr>
-              <a:t> </a:t>
-            </a:r>
-            <a:endParaRPr b="0" lang="en-US" sz="1800" spc="-1" strike="noStrike">
-              <a:latin typeface="Arial"/>
-            </a:endParaRPr>
-          </a:p>
-        </p:txBody>
-      </p:sp>
-      <p:pic>
-        <p:nvPicPr>
-          <p:cNvPr id="249" name="Image 4" descr=""/>
-          <p:cNvPicPr/>
-          <p:nvPr/>
-        </p:nvPicPr>
-        <p:blipFill>
-          <a:blip r:embed="rId1"/>
-          <a:stretch/>
-        </p:blipFill>
-        <p:spPr>
-          <a:xfrm>
-            <a:off x="273240" y="1415160"/>
-            <a:ext cx="4903200" cy="2117880"/>
-          </a:xfrm>
-          <a:prstGeom prst="rect">
-            <a:avLst/>
-          </a:prstGeom>
-          <a:ln>
-            <a:noFill/>
-          </a:ln>
-        </p:spPr>
-      </p:pic>
-      <p:pic>
-        <p:nvPicPr>
-          <p:cNvPr id="250" name="Image 6" descr=""/>
-          <p:cNvPicPr/>
-          <p:nvPr/>
-        </p:nvPicPr>
-        <p:blipFill>
-          <a:blip r:embed="rId2"/>
-          <a:stretch/>
-        </p:blipFill>
-        <p:spPr>
-          <a:xfrm>
-            <a:off x="6084000" y="1202040"/>
-            <a:ext cx="2604240" cy="2542680"/>
-          </a:xfrm>
-          <a:prstGeom prst="rect">
-            <a:avLst/>
-          </a:prstGeom>
-          <a:ln>
-            <a:noFill/>
-          </a:ln>
-        </p:spPr>
-      </p:pic>
-      <p:pic>
-        <p:nvPicPr>
-          <p:cNvPr id="251" name="Image 8" descr=""/>
-          <p:cNvPicPr/>
-          <p:nvPr/>
-        </p:nvPicPr>
-        <p:blipFill>
-          <a:blip r:embed="rId3"/>
-          <a:stretch/>
-        </p:blipFill>
-        <p:spPr>
-          <a:xfrm>
-            <a:off x="4995720" y="3898800"/>
-            <a:ext cx="4428360" cy="1082520"/>
-          </a:xfrm>
-          <a:prstGeom prst="rect">
-            <a:avLst/>
-          </a:prstGeom>
-          <a:ln>
-            <a:noFill/>
-          </a:ln>
-        </p:spPr>
-      </p:pic>
-      <p:pic>
-        <p:nvPicPr>
-          <p:cNvPr id="252" name="Image 10" descr=""/>
-          <p:cNvPicPr/>
-          <p:nvPr/>
-        </p:nvPicPr>
-        <p:blipFill>
-          <a:blip r:embed="rId4"/>
-          <a:stretch/>
-        </p:blipFill>
-        <p:spPr>
-          <a:xfrm>
-            <a:off x="353880" y="3972960"/>
-            <a:ext cx="3562920" cy="1166400"/>
-          </a:xfrm>
-          <a:prstGeom prst="rect">
-            <a:avLst/>
-          </a:prstGeom>
-          <a:ln>
-            <a:noFill/>
-          </a:ln>
-        </p:spPr>
-      </p:pic>
+                <a:ea typeface="DejaVu Sans"/>
+              </a:rPr>
+              <a:t>- O1 : optimization on branches</a:t>
+            </a:r>
+            <a:endParaRPr b="0" lang="en-US" sz="1200" spc="-1" strike="noStrike">
+              <a:latin typeface="Arial"/>
+            </a:endParaRPr>
+          </a:p>
+          <a:p>
+            <a:pPr>
+              <a:lnSpc>
+                <a:spcPct val="100000"/>
+              </a:lnSpc>
+              <a:spcAft>
+                <a:spcPts val="1140"/>
+              </a:spcAft>
+            </a:pPr>
+            <a:r>
+              <a:rPr b="1" lang="en-US" sz="1200" spc="-1" strike="noStrike">
+                <a:solidFill>
+                  <a:srgbClr val="1c1c1c"/>
+                </a:solidFill>
+                <a:latin typeface="Noto Sans SemiBold"/>
+                <a:ea typeface="DejaVu Sans"/>
+              </a:rPr>
+              <a:t>    </a:t>
+            </a:r>
+            <a:r>
+              <a:rPr b="1" lang="en-US" sz="1200" spc="-1" strike="noStrike">
+                <a:solidFill>
+                  <a:srgbClr val="1c1c1c"/>
+                </a:solidFill>
+                <a:latin typeface="Noto Sans SemiBold"/>
+                <a:ea typeface="DejaVu Sans"/>
+              </a:rPr>
+              <a:t>- O2 : optimization at the registers and instruction level</a:t>
+            </a:r>
+            <a:endParaRPr b="0" lang="en-US" sz="1200" spc="-1" strike="noStrike">
+              <a:latin typeface="Arial"/>
+            </a:endParaRPr>
+          </a:p>
+          <a:p>
+            <a:pPr>
+              <a:lnSpc>
+                <a:spcPct val="100000"/>
+              </a:lnSpc>
+              <a:spcAft>
+                <a:spcPts val="1140"/>
+              </a:spcAft>
+            </a:pPr>
+            <a:r>
+              <a:rPr b="1" lang="en-US" sz="1200" spc="-1" strike="noStrike">
+                <a:solidFill>
+                  <a:srgbClr val="1c1c1c"/>
+                </a:solidFill>
+                <a:latin typeface="Noto Sans SemiBold"/>
+                <a:ea typeface="DejaVu Sans"/>
+              </a:rPr>
+              <a:t>    </a:t>
+            </a:r>
+            <a:r>
+              <a:rPr b="1" lang="en-US" sz="1200" spc="-1" strike="noStrike">
+                <a:solidFill>
+                  <a:srgbClr val="1c1c1c"/>
+                </a:solidFill>
+                <a:latin typeface="Noto Sans SemiBold"/>
+                <a:ea typeface="DejaVu Sans"/>
+              </a:rPr>
+              <a:t>- O3 : optimization at the highest level (eSIMD vectorization , “inline”...)</a:t>
+            </a:r>
+            <a:endParaRPr b="0" lang="en-US" sz="1200" spc="-1" strike="noStrike">
+              <a:latin typeface="Arial"/>
+            </a:endParaRPr>
+          </a:p>
+          <a:p>
+            <a:pPr>
+              <a:lnSpc>
+                <a:spcPct val="100000"/>
+              </a:lnSpc>
+              <a:spcAft>
+                <a:spcPts val="1140"/>
+              </a:spcAft>
+            </a:pPr>
+            <a:r>
+              <a:rPr b="1" lang="en-US" sz="1200" spc="-1" strike="noStrike">
+                <a:solidFill>
+                  <a:srgbClr val="1c1c1c"/>
+                </a:solidFill>
+                <a:latin typeface="Noto Sans SemiBold"/>
+                <a:ea typeface="DejaVu Sans"/>
+              </a:rPr>
+              <a:t>    </a:t>
+            </a:r>
+            <a:r>
+              <a:rPr b="1" lang="en-US" sz="1200" spc="-1" strike="noStrike">
+                <a:solidFill>
+                  <a:srgbClr val="1c1c1c"/>
+                </a:solidFill>
+                <a:latin typeface="Noto Sans SemiBold"/>
+                <a:ea typeface="DejaVu Sans"/>
+              </a:rPr>
+              <a:t>- Os : optimization on code size </a:t>
+            </a:r>
+            <a:endParaRPr b="0" lang="en-US" sz="1200" spc="-1" strike="noStrike">
+              <a:latin typeface="Arial"/>
+            </a:endParaRPr>
+          </a:p>
+        </p:txBody>
+      </p:sp>
     </p:spTree>
   </p:cSld>
   <p:timing>
@@ -13009,13 +13462,13 @@
       </p:grpSpPr>
       <p:sp>
         <p:nvSpPr>
-          <p:cNvPr id="253" name="CustomShape 1"/>
+          <p:cNvPr id="251" name="CustomShape 1"/>
           <p:cNvSpPr/>
           <p:nvPr/>
         </p:nvSpPr>
         <p:spPr>
           <a:xfrm>
-            <a:off x="359640" y="177120"/>
+            <a:off x="359640" y="270000"/>
             <a:ext cx="9357840" cy="673920"/>
           </a:xfrm>
           <a:prstGeom prst="rect">
@@ -13048,7 +13501,7 @@
                 <a:latin typeface="Noto Sans Black"/>
                 <a:ea typeface="DejaVu Sans"/>
               </a:rPr>
-              <a:t>Software – Microblaze Implementation</a:t>
+              <a:t>Software – ARM Implementation</a:t>
             </a:r>
             <a:endParaRPr b="0" lang="en-US" sz="3200" spc="-1" strike="noStrike">
               <a:latin typeface="Arial"/>
@@ -13058,7 +13511,7 @@
       </p:sp>
       <p:sp>
         <p:nvSpPr>
-          <p:cNvPr id="254" name="CustomShape 2"/>
+          <p:cNvPr id="252" name="CustomShape 2"/>
           <p:cNvSpPr/>
           <p:nvPr/>
         </p:nvSpPr>
@@ -13102,7 +13555,17 @@
                 <a:latin typeface="Noto Sans SemiBold"/>
                 <a:ea typeface="DejaVu Sans"/>
               </a:rPr>
-              <a:t>Design on Vivado SDK </a:t>
+              <a:t>      </a:t>
+            </a:r>
+            <a:r>
+              <a:rPr b="1" lang="en-US" sz="1600" spc="-1" strike="noStrike">
+                <a:solidFill>
+                  <a:srgbClr val="1c1c1c"/>
+                </a:solidFill>
+                <a:latin typeface="Noto Sans SemiBold"/>
+                <a:ea typeface="DejaVu Sans"/>
+              </a:rPr>
+              <a:t>Code size (segmentation “text”)                                         Execution times</a:t>
             </a:r>
             <a:endParaRPr b="0" lang="en-US" sz="1600" spc="-1" strike="noStrike">
               <a:latin typeface="Arial"/>
@@ -13118,111 +13581,6 @@
               </a:spcAft>
             </a:pPr>
             <a:r>
-              <a:rPr b="1" lang="en-US" sz="1200" spc="-1" strike="noStrike">
-                <a:solidFill>
-                  <a:srgbClr val="1c1c1c"/>
-                </a:solidFill>
-                <a:latin typeface="Noto Sans SemiBold"/>
-                <a:ea typeface="DejaVu Sans"/>
-              </a:rPr>
-              <a:t>1/ Changes in librairies and functions used for timing :</a:t>
-            </a:r>
-            <a:endParaRPr b="0" lang="en-US" sz="1200" spc="-1" strike="noStrike">
-              <a:latin typeface="Arial"/>
-            </a:endParaRPr>
-          </a:p>
-          <a:p>
-            <a:pPr>
-              <a:lnSpc>
-                <a:spcPct val="100000"/>
-              </a:lnSpc>
-              <a:spcAft>
-                <a:spcPts val="1140"/>
-              </a:spcAft>
-            </a:pPr>
-            <a:r>
-              <a:rPr b="1" lang="en-US" sz="1200" spc="-1" strike="noStrike">
-                <a:solidFill>
-                  <a:srgbClr val="1c1c1c"/>
-                </a:solidFill>
-                <a:latin typeface="Noto Sans SemiBold"/>
-                <a:ea typeface="DejaVu Sans"/>
-              </a:rPr>
-              <a:t>xtime_l.h for ARM Implementation</a:t>
-            </a:r>
-            <a:endParaRPr b="0" lang="en-US" sz="1200" spc="-1" strike="noStrike">
-              <a:latin typeface="Arial"/>
-            </a:endParaRPr>
-          </a:p>
-          <a:p>
-            <a:pPr>
-              <a:lnSpc>
-                <a:spcPct val="100000"/>
-              </a:lnSpc>
-              <a:spcAft>
-                <a:spcPts val="1140"/>
-              </a:spcAft>
-            </a:pPr>
-            <a:r>
-              <a:rPr b="1" lang="en-US" sz="1200" spc="-1" strike="noStrike">
-                <a:solidFill>
-                  <a:srgbClr val="1c1c1c"/>
-                </a:solidFill>
-                <a:latin typeface="Noto Sans SemiBold"/>
-                <a:ea typeface="DejaVu Sans"/>
-              </a:rPr>
-              <a:t>xtmrctr.h for Microblaze Implementation</a:t>
-            </a:r>
-            <a:endParaRPr b="0" lang="en-US" sz="1200" spc="-1" strike="noStrike">
-              <a:latin typeface="Arial"/>
-            </a:endParaRPr>
-          </a:p>
-          <a:p>
-            <a:pPr>
-              <a:lnSpc>
-                <a:spcPct val="100000"/>
-              </a:lnSpc>
-              <a:spcAft>
-                <a:spcPts val="1140"/>
-              </a:spcAft>
-            </a:pPr>
-            <a:endParaRPr b="0" lang="en-US" sz="1200" spc="-1" strike="noStrike">
-              <a:latin typeface="Arial"/>
-            </a:endParaRPr>
-          </a:p>
-          <a:p>
-            <a:pPr>
-              <a:lnSpc>
-                <a:spcPct val="100000"/>
-              </a:lnSpc>
-              <a:spcAft>
-                <a:spcPts val="1140"/>
-              </a:spcAft>
-            </a:pPr>
-            <a:r>
-              <a:rPr b="1" lang="en-US" sz="1200" spc="-1" strike="noStrike">
-                <a:solidFill>
-                  <a:srgbClr val="1c1c1c"/>
-                </a:solidFill>
-                <a:latin typeface="Noto Sans SemiBold"/>
-                <a:ea typeface="宋体"/>
-              </a:rPr>
-              <a:t>2/ Several bugs launching FPGA programmation...</a:t>
-            </a:r>
-            <a:endParaRPr b="0" lang="en-US" sz="1200" spc="-1" strike="noStrike">
-              <a:latin typeface="Arial"/>
-            </a:endParaRPr>
-          </a:p>
-          <a:p>
-            <a:pPr>
-              <a:lnSpc>
-                <a:spcPct val="100000"/>
-              </a:lnSpc>
-              <a:spcAft>
-                <a:spcPts val="1140"/>
-              </a:spcAft>
-            </a:pPr>
-            <a:r>
               <a:rPr b="1" lang="en-US" sz="1400" spc="-1" strike="noStrike">
                 <a:solidFill>
                   <a:srgbClr val="1c1c1c"/>
@@ -13240,19 +13598,18 @@
       </p:sp>
       <p:pic>
         <p:nvPicPr>
-          <p:cNvPr id="255" name="Image 2" descr=""/>
+          <p:cNvPr id="253" name="图片 2" descr=""/>
           <p:cNvPicPr/>
           <p:nvPr/>
         </p:nvPicPr>
         <p:blipFill>
           <a:blip r:embed="rId1"/>
-          <a:srcRect l="0" t="0" r="3729" b="0"/>
           <a:stretch/>
         </p:blipFill>
         <p:spPr>
           <a:xfrm>
-            <a:off x="5787720" y="1217520"/>
-            <a:ext cx="3375000" cy="3176640"/>
+            <a:off x="4272120" y="1496520"/>
+            <a:ext cx="5377320" cy="3021120"/>
           </a:xfrm>
           <a:prstGeom prst="rect">
             <a:avLst/>
@@ -13264,7 +13621,7 @@
       </p:pic>
       <p:pic>
         <p:nvPicPr>
-          <p:cNvPr id="256" name="Image 6" descr=""/>
+          <p:cNvPr id="254" name="图片 9" descr=""/>
           <p:cNvPicPr/>
           <p:nvPr/>
         </p:nvPicPr>
@@ -13274,54 +13631,8 @@
         </p:blipFill>
         <p:spPr>
           <a:xfrm>
-            <a:off x="291960" y="3223080"/>
-            <a:ext cx="2658960" cy="1392120"/>
-          </a:xfrm>
-          <a:prstGeom prst="rect">
-            <a:avLst/>
-          </a:prstGeom>
-          <a:ln>
-            <a:noFill/>
-          </a:ln>
-        </p:spPr>
-      </p:pic>
-      <p:pic>
-        <p:nvPicPr>
-          <p:cNvPr id="257" name="Image 8" descr=""/>
-          <p:cNvPicPr/>
-          <p:nvPr/>
-        </p:nvPicPr>
-        <p:blipFill>
-          <a:blip r:embed="rId3"/>
-          <a:stretch/>
-        </p:blipFill>
-        <p:spPr>
-          <a:xfrm>
-            <a:off x="3005280" y="3224520"/>
-            <a:ext cx="2025360" cy="613440"/>
-          </a:xfrm>
-          <a:prstGeom prst="rect">
-            <a:avLst/>
-          </a:prstGeom>
-          <a:ln>
-            <a:noFill/>
-          </a:ln>
-        </p:spPr>
-      </p:pic>
-      <p:pic>
-        <p:nvPicPr>
-          <p:cNvPr id="258" name="Image 10" descr=""/>
-          <p:cNvPicPr/>
-          <p:nvPr/>
-        </p:nvPicPr>
-        <p:blipFill>
-          <a:blip r:embed="rId4"/>
-          <a:stretch/>
-        </p:blipFill>
-        <p:spPr>
-          <a:xfrm>
-            <a:off x="3005280" y="3921120"/>
-            <a:ext cx="2034360" cy="783360"/>
+            <a:off x="565200" y="1546920"/>
+            <a:ext cx="3393720" cy="2970720"/>
           </a:xfrm>
           <a:prstGeom prst="rect">
             <a:avLst/>

--- a/presentation_finale/prensent_A2_ghaoui.pptx
+++ b/presentation_finale/prensent_A2_ghaoui.pptx
@@ -5,24 +5,22 @@
     <p:sldMasterId id="2147483648" r:id="rId2"/>
     <p:sldMasterId id="2147483661" r:id="rId3"/>
     <p:sldMasterId id="2147483674" r:id="rId4"/>
-    <p:sldMasterId id="2147483687" r:id="rId5"/>
-    <p:sldMasterId id="2147483700" r:id="rId6"/>
   </p:sldMasterIdLst>
   <p:sldIdLst>
-    <p:sldId id="256" r:id="rId7"/>
-    <p:sldId id="257" r:id="rId8"/>
-    <p:sldId id="258" r:id="rId9"/>
-    <p:sldId id="259" r:id="rId10"/>
-    <p:sldId id="260" r:id="rId11"/>
-    <p:sldId id="261" r:id="rId12"/>
-    <p:sldId id="262" r:id="rId13"/>
-    <p:sldId id="263" r:id="rId14"/>
-    <p:sldId id="264" r:id="rId15"/>
-    <p:sldId id="265" r:id="rId16"/>
-    <p:sldId id="266" r:id="rId17"/>
-    <p:sldId id="267" r:id="rId18"/>
-    <p:sldId id="268" r:id="rId19"/>
-    <p:sldId id="269" r:id="rId20"/>
+    <p:sldId id="256" r:id="rId5"/>
+    <p:sldId id="257" r:id="rId6"/>
+    <p:sldId id="258" r:id="rId7"/>
+    <p:sldId id="259" r:id="rId8"/>
+    <p:sldId id="260" r:id="rId9"/>
+    <p:sldId id="261" r:id="rId10"/>
+    <p:sldId id="262" r:id="rId11"/>
+    <p:sldId id="263" r:id="rId12"/>
+    <p:sldId id="264" r:id="rId13"/>
+    <p:sldId id="265" r:id="rId14"/>
+    <p:sldId id="266" r:id="rId15"/>
+    <p:sldId id="267" r:id="rId16"/>
+    <p:sldId id="268" r:id="rId17"/>
+    <p:sldId id="269" r:id="rId18"/>
   </p:sldIdLst>
   <p:sldSz cx="10080625" cy="5670550"/>
   <p:notesSz cx="7559675" cy="10691812"/>
@@ -605,7 +603,7 @@
       </p:grpSpPr>
       <p:sp>
         <p:nvSpPr>
-          <p:cNvPr id="46" name="PlaceHolder 1"/>
+          <p:cNvPr id="45" name="PlaceHolder 1"/>
           <p:cNvSpPr>
             <a:spLocks noGrp="1"/>
           </p:cNvSpPr>
@@ -634,7 +632,7 @@
       </p:sp>
       <p:sp>
         <p:nvSpPr>
-          <p:cNvPr id="47" name="PlaceHolder 2"/>
+          <p:cNvPr id="46" name="PlaceHolder 2"/>
           <p:cNvSpPr>
             <a:spLocks noGrp="1"/>
           </p:cNvSpPr>
@@ -685,7 +683,7 @@
       </p:grpSpPr>
       <p:sp>
         <p:nvSpPr>
-          <p:cNvPr id="48" name="PlaceHolder 1"/>
+          <p:cNvPr id="47" name="PlaceHolder 1"/>
           <p:cNvSpPr>
             <a:spLocks noGrp="1"/>
           </p:cNvSpPr>
@@ -714,7 +712,7 @@
       </p:sp>
       <p:sp>
         <p:nvSpPr>
-          <p:cNvPr id="49" name="PlaceHolder 2"/>
+          <p:cNvPr id="48" name="PlaceHolder 2"/>
           <p:cNvSpPr>
             <a:spLocks noGrp="1"/>
           </p:cNvSpPr>
@@ -766,7 +764,7 @@
       </p:grpSpPr>
       <p:sp>
         <p:nvSpPr>
-          <p:cNvPr id="50" name="PlaceHolder 1"/>
+          <p:cNvPr id="49" name="PlaceHolder 1"/>
           <p:cNvSpPr>
             <a:spLocks noGrp="1"/>
           </p:cNvSpPr>
@@ -795,7 +793,7 @@
       </p:sp>
       <p:sp>
         <p:nvSpPr>
-          <p:cNvPr id="51" name="PlaceHolder 2"/>
+          <p:cNvPr id="50" name="PlaceHolder 2"/>
           <p:cNvSpPr>
             <a:spLocks noGrp="1"/>
           </p:cNvSpPr>
@@ -825,7 +823,7 @@
       </p:sp>
       <p:sp>
         <p:nvSpPr>
-          <p:cNvPr id="52" name="PlaceHolder 3"/>
+          <p:cNvPr id="51" name="PlaceHolder 3"/>
           <p:cNvSpPr>
             <a:spLocks noGrp="1"/>
           </p:cNvSpPr>
@@ -877,7 +875,7 @@
       </p:grpSpPr>
       <p:sp>
         <p:nvSpPr>
-          <p:cNvPr id="53" name="PlaceHolder 1"/>
+          <p:cNvPr id="52" name="PlaceHolder 1"/>
           <p:cNvSpPr>
             <a:spLocks noGrp="1"/>
           </p:cNvSpPr>
@@ -928,7 +926,7 @@
       </p:grpSpPr>
       <p:sp>
         <p:nvSpPr>
-          <p:cNvPr id="54" name="PlaceHolder 1"/>
+          <p:cNvPr id="53" name="PlaceHolder 1"/>
           <p:cNvSpPr>
             <a:spLocks noGrp="1"/>
           </p:cNvSpPr>
@@ -979,7 +977,7 @@
       </p:grpSpPr>
       <p:sp>
         <p:nvSpPr>
-          <p:cNvPr id="55" name="PlaceHolder 1"/>
+          <p:cNvPr id="54" name="PlaceHolder 1"/>
           <p:cNvSpPr>
             <a:spLocks noGrp="1"/>
           </p:cNvSpPr>
@@ -1008,7 +1006,7 @@
       </p:sp>
       <p:sp>
         <p:nvSpPr>
-          <p:cNvPr id="56" name="PlaceHolder 2"/>
+          <p:cNvPr id="55" name="PlaceHolder 2"/>
           <p:cNvSpPr>
             <a:spLocks noGrp="1"/>
           </p:cNvSpPr>
@@ -1038,7 +1036,7 @@
       </p:sp>
       <p:sp>
         <p:nvSpPr>
-          <p:cNvPr id="57" name="PlaceHolder 3"/>
+          <p:cNvPr id="56" name="PlaceHolder 3"/>
           <p:cNvSpPr>
             <a:spLocks noGrp="1"/>
           </p:cNvSpPr>
@@ -1068,7 +1066,7 @@
       </p:sp>
       <p:sp>
         <p:nvSpPr>
-          <p:cNvPr id="58" name="PlaceHolder 4"/>
+          <p:cNvPr id="57" name="PlaceHolder 4"/>
           <p:cNvSpPr>
             <a:spLocks noGrp="1"/>
           </p:cNvSpPr>
@@ -1200,7 +1198,7 @@
       </p:grpSpPr>
       <p:sp>
         <p:nvSpPr>
-          <p:cNvPr id="59" name="PlaceHolder 1"/>
+          <p:cNvPr id="58" name="PlaceHolder 1"/>
           <p:cNvSpPr>
             <a:spLocks noGrp="1"/>
           </p:cNvSpPr>
@@ -1229,7 +1227,7 @@
       </p:sp>
       <p:sp>
         <p:nvSpPr>
-          <p:cNvPr id="60" name="PlaceHolder 2"/>
+          <p:cNvPr id="59" name="PlaceHolder 2"/>
           <p:cNvSpPr>
             <a:spLocks noGrp="1"/>
           </p:cNvSpPr>
@@ -1259,7 +1257,7 @@
       </p:sp>
       <p:sp>
         <p:nvSpPr>
-          <p:cNvPr id="61" name="PlaceHolder 3"/>
+          <p:cNvPr id="60" name="PlaceHolder 3"/>
           <p:cNvSpPr>
             <a:spLocks noGrp="1"/>
           </p:cNvSpPr>
@@ -1289,7 +1287,7 @@
       </p:sp>
       <p:sp>
         <p:nvSpPr>
-          <p:cNvPr id="62" name="PlaceHolder 4"/>
+          <p:cNvPr id="61" name="PlaceHolder 4"/>
           <p:cNvSpPr>
             <a:spLocks noGrp="1"/>
           </p:cNvSpPr>
@@ -1341,7 +1339,7 @@
       </p:grpSpPr>
       <p:sp>
         <p:nvSpPr>
-          <p:cNvPr id="63" name="PlaceHolder 1"/>
+          <p:cNvPr id="62" name="PlaceHolder 1"/>
           <p:cNvSpPr>
             <a:spLocks noGrp="1"/>
           </p:cNvSpPr>
@@ -1370,7 +1368,7 @@
       </p:sp>
       <p:sp>
         <p:nvSpPr>
-          <p:cNvPr id="64" name="PlaceHolder 2"/>
+          <p:cNvPr id="63" name="PlaceHolder 2"/>
           <p:cNvSpPr>
             <a:spLocks noGrp="1"/>
           </p:cNvSpPr>
@@ -1400,7 +1398,7 @@
       </p:sp>
       <p:sp>
         <p:nvSpPr>
-          <p:cNvPr id="65" name="PlaceHolder 3"/>
+          <p:cNvPr id="64" name="PlaceHolder 3"/>
           <p:cNvSpPr>
             <a:spLocks noGrp="1"/>
           </p:cNvSpPr>
@@ -1430,7 +1428,7 @@
       </p:sp>
       <p:sp>
         <p:nvSpPr>
-          <p:cNvPr id="66" name="PlaceHolder 4"/>
+          <p:cNvPr id="65" name="PlaceHolder 4"/>
           <p:cNvSpPr>
             <a:spLocks noGrp="1"/>
           </p:cNvSpPr>
@@ -1482,7 +1480,7 @@
       </p:grpSpPr>
       <p:sp>
         <p:nvSpPr>
-          <p:cNvPr id="67" name="PlaceHolder 1"/>
+          <p:cNvPr id="66" name="PlaceHolder 1"/>
           <p:cNvSpPr>
             <a:spLocks noGrp="1"/>
           </p:cNvSpPr>
@@ -1511,7 +1509,7 @@
       </p:sp>
       <p:sp>
         <p:nvSpPr>
-          <p:cNvPr id="68" name="PlaceHolder 2"/>
+          <p:cNvPr id="67" name="PlaceHolder 2"/>
           <p:cNvSpPr>
             <a:spLocks noGrp="1"/>
           </p:cNvSpPr>
@@ -1541,7 +1539,7 @@
       </p:sp>
       <p:sp>
         <p:nvSpPr>
-          <p:cNvPr id="69" name="PlaceHolder 3"/>
+          <p:cNvPr id="68" name="PlaceHolder 3"/>
           <p:cNvSpPr>
             <a:spLocks noGrp="1"/>
           </p:cNvSpPr>
@@ -1593,7 +1591,7 @@
       </p:grpSpPr>
       <p:sp>
         <p:nvSpPr>
-          <p:cNvPr id="70" name="PlaceHolder 1"/>
+          <p:cNvPr id="69" name="PlaceHolder 1"/>
           <p:cNvSpPr>
             <a:spLocks noGrp="1"/>
           </p:cNvSpPr>
@@ -1622,7 +1620,7 @@
       </p:sp>
       <p:sp>
         <p:nvSpPr>
-          <p:cNvPr id="71" name="PlaceHolder 2"/>
+          <p:cNvPr id="70" name="PlaceHolder 2"/>
           <p:cNvSpPr>
             <a:spLocks noGrp="1"/>
           </p:cNvSpPr>
@@ -1652,7 +1650,7 @@
       </p:sp>
       <p:sp>
         <p:nvSpPr>
-          <p:cNvPr id="72" name="PlaceHolder 3"/>
+          <p:cNvPr id="71" name="PlaceHolder 3"/>
           <p:cNvSpPr>
             <a:spLocks noGrp="1"/>
           </p:cNvSpPr>
@@ -1682,7 +1680,7 @@
       </p:sp>
       <p:sp>
         <p:nvSpPr>
-          <p:cNvPr id="73" name="PlaceHolder 4"/>
+          <p:cNvPr id="72" name="PlaceHolder 4"/>
           <p:cNvSpPr>
             <a:spLocks noGrp="1"/>
           </p:cNvSpPr>
@@ -1712,7 +1710,7 @@
       </p:sp>
       <p:sp>
         <p:nvSpPr>
-          <p:cNvPr id="74" name="PlaceHolder 5"/>
+          <p:cNvPr id="73" name="PlaceHolder 5"/>
           <p:cNvSpPr>
             <a:spLocks noGrp="1"/>
           </p:cNvSpPr>
@@ -1764,7 +1762,7 @@
       </p:grpSpPr>
       <p:sp>
         <p:nvSpPr>
-          <p:cNvPr id="75" name="PlaceHolder 1"/>
+          <p:cNvPr id="74" name="PlaceHolder 1"/>
           <p:cNvSpPr>
             <a:spLocks noGrp="1"/>
           </p:cNvSpPr>
@@ -1793,7 +1791,7 @@
       </p:sp>
       <p:sp>
         <p:nvSpPr>
-          <p:cNvPr id="76" name="PlaceHolder 2"/>
+          <p:cNvPr id="75" name="PlaceHolder 2"/>
           <p:cNvSpPr>
             <a:spLocks noGrp="1"/>
           </p:cNvSpPr>
@@ -1823,7 +1821,7 @@
       </p:sp>
       <p:sp>
         <p:nvSpPr>
-          <p:cNvPr id="77" name="PlaceHolder 3"/>
+          <p:cNvPr id="76" name="PlaceHolder 3"/>
           <p:cNvSpPr>
             <a:spLocks noGrp="1"/>
           </p:cNvSpPr>
@@ -1853,7 +1851,7 @@
       </p:sp>
       <p:sp>
         <p:nvSpPr>
-          <p:cNvPr id="78" name="PlaceHolder 4"/>
+          <p:cNvPr id="77" name="PlaceHolder 4"/>
           <p:cNvSpPr>
             <a:spLocks noGrp="1"/>
           </p:cNvSpPr>
@@ -1883,7 +1881,7 @@
       </p:sp>
       <p:sp>
         <p:nvSpPr>
-          <p:cNvPr id="79" name="PlaceHolder 5"/>
+          <p:cNvPr id="78" name="PlaceHolder 5"/>
           <p:cNvSpPr>
             <a:spLocks noGrp="1"/>
           </p:cNvSpPr>
@@ -1913,7 +1911,7 @@
       </p:sp>
       <p:sp>
         <p:nvSpPr>
-          <p:cNvPr id="80" name="PlaceHolder 6"/>
+          <p:cNvPr id="79" name="PlaceHolder 6"/>
           <p:cNvSpPr>
             <a:spLocks noGrp="1"/>
           </p:cNvSpPr>
@@ -1943,7 +1941,7 @@
       </p:sp>
       <p:sp>
         <p:nvSpPr>
-          <p:cNvPr id="81" name="PlaceHolder 7"/>
+          <p:cNvPr id="80" name="PlaceHolder 7"/>
           <p:cNvSpPr>
             <a:spLocks noGrp="1"/>
           </p:cNvSpPr>
@@ -2017,7 +2015,7 @@
       </p:grpSpPr>
       <p:sp>
         <p:nvSpPr>
-          <p:cNvPr id="88" name="PlaceHolder 1"/>
+          <p:cNvPr id="87" name="PlaceHolder 1"/>
           <p:cNvSpPr>
             <a:spLocks noGrp="1"/>
           </p:cNvSpPr>
@@ -2046,7 +2044,7 @@
       </p:sp>
       <p:sp>
         <p:nvSpPr>
-          <p:cNvPr id="89" name="PlaceHolder 2"/>
+          <p:cNvPr id="88" name="PlaceHolder 2"/>
           <p:cNvSpPr>
             <a:spLocks noGrp="1"/>
           </p:cNvSpPr>
@@ -2097,7 +2095,7 @@
       </p:grpSpPr>
       <p:sp>
         <p:nvSpPr>
-          <p:cNvPr id="90" name="PlaceHolder 1"/>
+          <p:cNvPr id="89" name="PlaceHolder 1"/>
           <p:cNvSpPr>
             <a:spLocks noGrp="1"/>
           </p:cNvSpPr>
@@ -2126,7 +2124,7 @@
       </p:sp>
       <p:sp>
         <p:nvSpPr>
-          <p:cNvPr id="91" name="PlaceHolder 2"/>
+          <p:cNvPr id="90" name="PlaceHolder 2"/>
           <p:cNvSpPr>
             <a:spLocks noGrp="1"/>
           </p:cNvSpPr>
@@ -2178,7 +2176,7 @@
       </p:grpSpPr>
       <p:sp>
         <p:nvSpPr>
-          <p:cNvPr id="92" name="PlaceHolder 1"/>
+          <p:cNvPr id="91" name="PlaceHolder 1"/>
           <p:cNvSpPr>
             <a:spLocks noGrp="1"/>
           </p:cNvSpPr>
@@ -2207,7 +2205,7 @@
       </p:sp>
       <p:sp>
         <p:nvSpPr>
-          <p:cNvPr id="93" name="PlaceHolder 2"/>
+          <p:cNvPr id="92" name="PlaceHolder 2"/>
           <p:cNvSpPr>
             <a:spLocks noGrp="1"/>
           </p:cNvSpPr>
@@ -2237,7 +2235,7 @@
       </p:sp>
       <p:sp>
         <p:nvSpPr>
-          <p:cNvPr id="94" name="PlaceHolder 3"/>
+          <p:cNvPr id="93" name="PlaceHolder 3"/>
           <p:cNvSpPr>
             <a:spLocks noGrp="1"/>
           </p:cNvSpPr>
@@ -2289,7 +2287,7 @@
       </p:grpSpPr>
       <p:sp>
         <p:nvSpPr>
-          <p:cNvPr id="95" name="PlaceHolder 1"/>
+          <p:cNvPr id="94" name="PlaceHolder 1"/>
           <p:cNvSpPr>
             <a:spLocks noGrp="1"/>
           </p:cNvSpPr>
@@ -2421,7 +2419,7 @@
       </p:grpSpPr>
       <p:sp>
         <p:nvSpPr>
-          <p:cNvPr id="96" name="PlaceHolder 1"/>
+          <p:cNvPr id="95" name="PlaceHolder 1"/>
           <p:cNvSpPr>
             <a:spLocks noGrp="1"/>
           </p:cNvSpPr>
@@ -2472,7 +2470,7 @@
       </p:grpSpPr>
       <p:sp>
         <p:nvSpPr>
-          <p:cNvPr id="97" name="PlaceHolder 1"/>
+          <p:cNvPr id="96" name="PlaceHolder 1"/>
           <p:cNvSpPr>
             <a:spLocks noGrp="1"/>
           </p:cNvSpPr>
@@ -2501,7 +2499,7 @@
       </p:sp>
       <p:sp>
         <p:nvSpPr>
-          <p:cNvPr id="98" name="PlaceHolder 2"/>
+          <p:cNvPr id="97" name="PlaceHolder 2"/>
           <p:cNvSpPr>
             <a:spLocks noGrp="1"/>
           </p:cNvSpPr>
@@ -2531,7 +2529,7 @@
       </p:sp>
       <p:sp>
         <p:nvSpPr>
-          <p:cNvPr id="99" name="PlaceHolder 3"/>
+          <p:cNvPr id="98" name="PlaceHolder 3"/>
           <p:cNvSpPr>
             <a:spLocks noGrp="1"/>
           </p:cNvSpPr>
@@ -2561,7 +2559,7 @@
       </p:sp>
       <p:sp>
         <p:nvSpPr>
-          <p:cNvPr id="100" name="PlaceHolder 4"/>
+          <p:cNvPr id="99" name="PlaceHolder 4"/>
           <p:cNvSpPr>
             <a:spLocks noGrp="1"/>
           </p:cNvSpPr>
@@ -2613,7 +2611,7 @@
       </p:grpSpPr>
       <p:sp>
         <p:nvSpPr>
-          <p:cNvPr id="101" name="PlaceHolder 1"/>
+          <p:cNvPr id="100" name="PlaceHolder 1"/>
           <p:cNvSpPr>
             <a:spLocks noGrp="1"/>
           </p:cNvSpPr>
@@ -2642,7 +2640,7 @@
       </p:sp>
       <p:sp>
         <p:nvSpPr>
-          <p:cNvPr id="102" name="PlaceHolder 2"/>
+          <p:cNvPr id="101" name="PlaceHolder 2"/>
           <p:cNvSpPr>
             <a:spLocks noGrp="1"/>
           </p:cNvSpPr>
@@ -2672,7 +2670,7 @@
       </p:sp>
       <p:sp>
         <p:nvSpPr>
-          <p:cNvPr id="103" name="PlaceHolder 3"/>
+          <p:cNvPr id="102" name="PlaceHolder 3"/>
           <p:cNvSpPr>
             <a:spLocks noGrp="1"/>
           </p:cNvSpPr>
@@ -2702,7 +2700,7 @@
       </p:sp>
       <p:sp>
         <p:nvSpPr>
-          <p:cNvPr id="104" name="PlaceHolder 4"/>
+          <p:cNvPr id="103" name="PlaceHolder 4"/>
           <p:cNvSpPr>
             <a:spLocks noGrp="1"/>
           </p:cNvSpPr>
@@ -2754,7 +2752,7 @@
       </p:grpSpPr>
       <p:sp>
         <p:nvSpPr>
-          <p:cNvPr id="105" name="PlaceHolder 1"/>
+          <p:cNvPr id="104" name="PlaceHolder 1"/>
           <p:cNvSpPr>
             <a:spLocks noGrp="1"/>
           </p:cNvSpPr>
@@ -2783,7 +2781,7 @@
       </p:sp>
       <p:sp>
         <p:nvSpPr>
-          <p:cNvPr id="106" name="PlaceHolder 2"/>
+          <p:cNvPr id="105" name="PlaceHolder 2"/>
           <p:cNvSpPr>
             <a:spLocks noGrp="1"/>
           </p:cNvSpPr>
@@ -2813,7 +2811,7 @@
       </p:sp>
       <p:sp>
         <p:nvSpPr>
-          <p:cNvPr id="107" name="PlaceHolder 3"/>
+          <p:cNvPr id="106" name="PlaceHolder 3"/>
           <p:cNvSpPr>
             <a:spLocks noGrp="1"/>
           </p:cNvSpPr>
@@ -2843,7 +2841,7 @@
       </p:sp>
       <p:sp>
         <p:nvSpPr>
-          <p:cNvPr id="108" name="PlaceHolder 4"/>
+          <p:cNvPr id="107" name="PlaceHolder 4"/>
           <p:cNvSpPr>
             <a:spLocks noGrp="1"/>
           </p:cNvSpPr>
@@ -2895,7 +2893,7 @@
       </p:grpSpPr>
       <p:sp>
         <p:nvSpPr>
-          <p:cNvPr id="109" name="PlaceHolder 1"/>
+          <p:cNvPr id="108" name="PlaceHolder 1"/>
           <p:cNvSpPr>
             <a:spLocks noGrp="1"/>
           </p:cNvSpPr>
@@ -2924,7 +2922,7 @@
       </p:sp>
       <p:sp>
         <p:nvSpPr>
-          <p:cNvPr id="110" name="PlaceHolder 2"/>
+          <p:cNvPr id="109" name="PlaceHolder 2"/>
           <p:cNvSpPr>
             <a:spLocks noGrp="1"/>
           </p:cNvSpPr>
@@ -2954,7 +2952,7 @@
       </p:sp>
       <p:sp>
         <p:nvSpPr>
-          <p:cNvPr id="111" name="PlaceHolder 3"/>
+          <p:cNvPr id="110" name="PlaceHolder 3"/>
           <p:cNvSpPr>
             <a:spLocks noGrp="1"/>
           </p:cNvSpPr>
@@ -3006,7 +3004,7 @@
       </p:grpSpPr>
       <p:sp>
         <p:nvSpPr>
-          <p:cNvPr id="112" name="PlaceHolder 1"/>
+          <p:cNvPr id="111" name="PlaceHolder 1"/>
           <p:cNvSpPr>
             <a:spLocks noGrp="1"/>
           </p:cNvSpPr>
@@ -3035,7 +3033,7 @@
       </p:sp>
       <p:sp>
         <p:nvSpPr>
-          <p:cNvPr id="113" name="PlaceHolder 2"/>
+          <p:cNvPr id="112" name="PlaceHolder 2"/>
           <p:cNvSpPr>
             <a:spLocks noGrp="1"/>
           </p:cNvSpPr>
@@ -3065,7 +3063,7 @@
       </p:sp>
       <p:sp>
         <p:nvSpPr>
-          <p:cNvPr id="114" name="PlaceHolder 3"/>
+          <p:cNvPr id="113" name="PlaceHolder 3"/>
           <p:cNvSpPr>
             <a:spLocks noGrp="1"/>
           </p:cNvSpPr>
@@ -3095,7 +3093,7 @@
       </p:sp>
       <p:sp>
         <p:nvSpPr>
-          <p:cNvPr id="115" name="PlaceHolder 4"/>
+          <p:cNvPr id="114" name="PlaceHolder 4"/>
           <p:cNvSpPr>
             <a:spLocks noGrp="1"/>
           </p:cNvSpPr>
@@ -3125,7 +3123,7 @@
       </p:sp>
       <p:sp>
         <p:nvSpPr>
-          <p:cNvPr id="116" name="PlaceHolder 5"/>
+          <p:cNvPr id="115" name="PlaceHolder 5"/>
           <p:cNvSpPr>
             <a:spLocks noGrp="1"/>
           </p:cNvSpPr>
@@ -3177,7 +3175,7 @@
       </p:grpSpPr>
       <p:sp>
         <p:nvSpPr>
-          <p:cNvPr id="117" name="PlaceHolder 1"/>
+          <p:cNvPr id="116" name="PlaceHolder 1"/>
           <p:cNvSpPr>
             <a:spLocks noGrp="1"/>
           </p:cNvSpPr>
@@ -3206,7 +3204,7 @@
       </p:sp>
       <p:sp>
         <p:nvSpPr>
-          <p:cNvPr id="118" name="PlaceHolder 2"/>
+          <p:cNvPr id="117" name="PlaceHolder 2"/>
           <p:cNvSpPr>
             <a:spLocks noGrp="1"/>
           </p:cNvSpPr>
@@ -3236,7 +3234,7 @@
       </p:sp>
       <p:sp>
         <p:nvSpPr>
-          <p:cNvPr id="119" name="PlaceHolder 3"/>
+          <p:cNvPr id="118" name="PlaceHolder 3"/>
           <p:cNvSpPr>
             <a:spLocks noGrp="1"/>
           </p:cNvSpPr>
@@ -3266,7 +3264,7 @@
       </p:sp>
       <p:sp>
         <p:nvSpPr>
-          <p:cNvPr id="120" name="PlaceHolder 4"/>
+          <p:cNvPr id="119" name="PlaceHolder 4"/>
           <p:cNvSpPr>
             <a:spLocks noGrp="1"/>
           </p:cNvSpPr>
@@ -3296,7 +3294,7 @@
       </p:sp>
       <p:sp>
         <p:nvSpPr>
-          <p:cNvPr id="121" name="PlaceHolder 5"/>
+          <p:cNvPr id="120" name="PlaceHolder 5"/>
           <p:cNvSpPr>
             <a:spLocks noGrp="1"/>
           </p:cNvSpPr>
@@ -3326,7 +3324,7 @@
       </p:sp>
       <p:sp>
         <p:nvSpPr>
-          <p:cNvPr id="122" name="PlaceHolder 6"/>
+          <p:cNvPr id="121" name="PlaceHolder 6"/>
           <p:cNvSpPr>
             <a:spLocks noGrp="1"/>
           </p:cNvSpPr>
@@ -3356,7 +3354,7 @@
       </p:sp>
       <p:sp>
         <p:nvSpPr>
-          <p:cNvPr id="123" name="PlaceHolder 7"/>
+          <p:cNvPr id="122" name="PlaceHolder 7"/>
           <p:cNvSpPr>
             <a:spLocks noGrp="1"/>
           </p:cNvSpPr>
@@ -3368,189 +3366,6 @@
           <a:xfrm>
             <a:off x="6639120" y="3044520"/>
             <a:ext cx="2921040" cy="1568520"/>
-          </a:xfrm>
-          <a:prstGeom prst="rect">
-            <a:avLst/>
-          </a:prstGeom>
-        </p:spPr>
-        <p:txBody>
-          <a:bodyPr lIns="0" rIns="0" tIns="0" bIns="0">
-            <a:normAutofit/>
-          </a:bodyPr>
-          <a:p>
-            <a:endParaRPr b="0" lang="en-US" sz="3200" spc="-1" strike="noStrike">
-              <a:latin typeface="Arial"/>
-            </a:endParaRPr>
-          </a:p>
-        </p:txBody>
-      </p:sp>
-    </p:spTree>
-  </p:cSld>
-</p:sldLayout>
-</file>
-
-<file path=ppt/slideLayouts/slideLayout37.xml><?xml version="1.0" encoding="utf-8"?>
-<p:sldLayout xmlns:a="http://schemas.openxmlformats.org/drawingml/2006/main" xmlns:p="http://schemas.openxmlformats.org/presentationml/2006/main" xmlns:r="http://schemas.openxmlformats.org/officeDocument/2006/relationships" xmlns:p14="http://schemas.microsoft.com/office/powerpoint/2010/main" xmlns:p15="http://schemas.microsoft.com/office/powerpoint/2012/main" xmlns:mc="http://schemas.openxmlformats.org/markup-compatibility/2006" type="blank" preserve="1">
-  <p:cSld name="Blank Slide">
-    <p:spTree>
-      <p:nvGrpSpPr>
-        <p:cNvPr id="1" name=""/>
-        <p:cNvGrpSpPr/>
-        <p:nvPr/>
-      </p:nvGrpSpPr>
-      <p:grpSpPr>
-        <a:xfrm>
-          <a:off x="0" y="0"/>
-          <a:ext cx="0" cy="0"/>
-          <a:chOff x="0" y="0"/>
-          <a:chExt cx="0" cy="0"/>
-        </a:xfrm>
-      </p:grpSpPr>
-    </p:spTree>
-  </p:cSld>
-</p:sldLayout>
-</file>
-
-<file path=ppt/slideLayouts/slideLayout38.xml><?xml version="1.0" encoding="utf-8"?>
-<p:sldLayout xmlns:a="http://schemas.openxmlformats.org/drawingml/2006/main" xmlns:p="http://schemas.openxmlformats.org/presentationml/2006/main" xmlns:r="http://schemas.openxmlformats.org/officeDocument/2006/relationships" xmlns:p14="http://schemas.microsoft.com/office/powerpoint/2010/main" xmlns:p15="http://schemas.microsoft.com/office/powerpoint/2012/main" xmlns:mc="http://schemas.openxmlformats.org/markup-compatibility/2006" type="tx" preserve="1">
-  <p:cSld name="Title Slide">
-    <p:spTree>
-      <p:nvGrpSpPr>
-        <p:cNvPr id="1" name=""/>
-        <p:cNvGrpSpPr/>
-        <p:nvPr/>
-      </p:nvGrpSpPr>
-      <p:grpSpPr>
-        <a:xfrm>
-          <a:off x="0" y="0"/>
-          <a:ext cx="0" cy="0"/>
-          <a:chOff x="0" y="0"/>
-          <a:chExt cx="0" cy="0"/>
-        </a:xfrm>
-      </p:grpSpPr>
-      <p:sp>
-        <p:nvSpPr>
-          <p:cNvPr id="131" name="PlaceHolder 1"/>
-          <p:cNvSpPr>
-            <a:spLocks noGrp="1"/>
-          </p:cNvSpPr>
-          <p:nvPr>
-            <p:ph type="title"/>
-          </p:nvPr>
-        </p:nvSpPr>
-        <p:spPr>
-          <a:xfrm>
-            <a:off x="504000" y="226080"/>
-            <a:ext cx="9072000" cy="946440"/>
-          </a:xfrm>
-          <a:prstGeom prst="rect">
-            <a:avLst/>
-          </a:prstGeom>
-        </p:spPr>
-        <p:txBody>
-          <a:bodyPr lIns="0" rIns="0" tIns="0" bIns="0" anchor="ctr"/>
-          <a:p>
-            <a:pPr algn="ctr"/>
-            <a:endParaRPr b="0" lang="en-US" sz="4400" spc="-1" strike="noStrike">
-              <a:latin typeface="Arial"/>
-            </a:endParaRPr>
-          </a:p>
-        </p:txBody>
-      </p:sp>
-      <p:sp>
-        <p:nvSpPr>
-          <p:cNvPr id="132" name="PlaceHolder 2"/>
-          <p:cNvSpPr>
-            <a:spLocks noGrp="1"/>
-          </p:cNvSpPr>
-          <p:nvPr>
-            <p:ph type="subTitle"/>
-          </p:nvPr>
-        </p:nvSpPr>
-        <p:spPr>
-          <a:xfrm>
-            <a:off x="504000" y="1326600"/>
-            <a:ext cx="9072000" cy="3288600"/>
-          </a:xfrm>
-          <a:prstGeom prst="rect">
-            <a:avLst/>
-          </a:prstGeom>
-        </p:spPr>
-        <p:txBody>
-          <a:bodyPr lIns="0" rIns="0" tIns="0" bIns="0" anchor="ctr"/>
-          <a:p>
-            <a:pPr algn="ctr"/>
-            <a:endParaRPr b="0" lang="en-US" sz="3200" spc="-1" strike="noStrike">
-              <a:latin typeface="Arial"/>
-            </a:endParaRPr>
-          </a:p>
-        </p:txBody>
-      </p:sp>
-    </p:spTree>
-  </p:cSld>
-</p:sldLayout>
-</file>
-
-<file path=ppt/slideLayouts/slideLayout39.xml><?xml version="1.0" encoding="utf-8"?>
-<p:sldLayout xmlns:a="http://schemas.openxmlformats.org/drawingml/2006/main" xmlns:p="http://schemas.openxmlformats.org/presentationml/2006/main" xmlns:r="http://schemas.openxmlformats.org/officeDocument/2006/relationships" xmlns:p14="http://schemas.microsoft.com/office/powerpoint/2010/main" xmlns:p15="http://schemas.microsoft.com/office/powerpoint/2012/main" xmlns:mc="http://schemas.openxmlformats.org/markup-compatibility/2006" type="obj" preserve="1">
-  <p:cSld name="Title, Content">
-    <p:spTree>
-      <p:nvGrpSpPr>
-        <p:cNvPr id="1" name=""/>
-        <p:cNvGrpSpPr/>
-        <p:nvPr/>
-      </p:nvGrpSpPr>
-      <p:grpSpPr>
-        <a:xfrm>
-          <a:off x="0" y="0"/>
-          <a:ext cx="0" cy="0"/>
-          <a:chOff x="0" y="0"/>
-          <a:chExt cx="0" cy="0"/>
-        </a:xfrm>
-      </p:grpSpPr>
-      <p:sp>
-        <p:nvSpPr>
-          <p:cNvPr id="133" name="PlaceHolder 1"/>
-          <p:cNvSpPr>
-            <a:spLocks noGrp="1"/>
-          </p:cNvSpPr>
-          <p:nvPr>
-            <p:ph type="title"/>
-          </p:nvPr>
-        </p:nvSpPr>
-        <p:spPr>
-          <a:xfrm>
-            <a:off x="504000" y="226080"/>
-            <a:ext cx="9072000" cy="946440"/>
-          </a:xfrm>
-          <a:prstGeom prst="rect">
-            <a:avLst/>
-          </a:prstGeom>
-        </p:spPr>
-        <p:txBody>
-          <a:bodyPr lIns="0" rIns="0" tIns="0" bIns="0" anchor="ctr"/>
-          <a:p>
-            <a:pPr algn="ctr"/>
-            <a:endParaRPr b="0" lang="en-US" sz="4400" spc="-1" strike="noStrike">
-              <a:latin typeface="Arial"/>
-            </a:endParaRPr>
-          </a:p>
-        </p:txBody>
-      </p:sp>
-      <p:sp>
-        <p:nvSpPr>
-          <p:cNvPr id="134" name="PlaceHolder 2"/>
-          <p:cNvSpPr>
-            <a:spLocks noGrp="1"/>
-          </p:cNvSpPr>
-          <p:nvPr>
-            <p:ph type="body"/>
-          </p:nvPr>
-        </p:nvSpPr>
-        <p:spPr>
-          <a:xfrm>
-            <a:off x="504000" y="1326600"/>
-            <a:ext cx="9072000" cy="3288600"/>
           </a:xfrm>
           <a:prstGeom prst="rect">
             <a:avLst/>
@@ -3683,1177 +3498,6 @@
 </p:sldLayout>
 </file>
 
-<file path=ppt/slideLayouts/slideLayout40.xml><?xml version="1.0" encoding="utf-8"?>
-<p:sldLayout xmlns:a="http://schemas.openxmlformats.org/drawingml/2006/main" xmlns:p="http://schemas.openxmlformats.org/presentationml/2006/main" xmlns:r="http://schemas.openxmlformats.org/officeDocument/2006/relationships" xmlns:p14="http://schemas.microsoft.com/office/powerpoint/2010/main" xmlns:p15="http://schemas.microsoft.com/office/powerpoint/2012/main" xmlns:mc="http://schemas.openxmlformats.org/markup-compatibility/2006" type="twoObj" preserve="1">
-  <p:cSld name="Title, 2 Content">
-    <p:spTree>
-      <p:nvGrpSpPr>
-        <p:cNvPr id="1" name=""/>
-        <p:cNvGrpSpPr/>
-        <p:nvPr/>
-      </p:nvGrpSpPr>
-      <p:grpSpPr>
-        <a:xfrm>
-          <a:off x="0" y="0"/>
-          <a:ext cx="0" cy="0"/>
-          <a:chOff x="0" y="0"/>
-          <a:chExt cx="0" cy="0"/>
-        </a:xfrm>
-      </p:grpSpPr>
-      <p:sp>
-        <p:nvSpPr>
-          <p:cNvPr id="135" name="PlaceHolder 1"/>
-          <p:cNvSpPr>
-            <a:spLocks noGrp="1"/>
-          </p:cNvSpPr>
-          <p:nvPr>
-            <p:ph type="title"/>
-          </p:nvPr>
-        </p:nvSpPr>
-        <p:spPr>
-          <a:xfrm>
-            <a:off x="504000" y="226080"/>
-            <a:ext cx="9072000" cy="946440"/>
-          </a:xfrm>
-          <a:prstGeom prst="rect">
-            <a:avLst/>
-          </a:prstGeom>
-        </p:spPr>
-        <p:txBody>
-          <a:bodyPr lIns="0" rIns="0" tIns="0" bIns="0" anchor="ctr"/>
-          <a:p>
-            <a:pPr algn="ctr"/>
-            <a:endParaRPr b="0" lang="en-US" sz="4400" spc="-1" strike="noStrike">
-              <a:latin typeface="Arial"/>
-            </a:endParaRPr>
-          </a:p>
-        </p:txBody>
-      </p:sp>
-      <p:sp>
-        <p:nvSpPr>
-          <p:cNvPr id="136" name="PlaceHolder 2"/>
-          <p:cNvSpPr>
-            <a:spLocks noGrp="1"/>
-          </p:cNvSpPr>
-          <p:nvPr>
-            <p:ph type="body"/>
-          </p:nvPr>
-        </p:nvSpPr>
-        <p:spPr>
-          <a:xfrm>
-            <a:off x="504000" y="1326600"/>
-            <a:ext cx="4426920" cy="3288600"/>
-          </a:xfrm>
-          <a:prstGeom prst="rect">
-            <a:avLst/>
-          </a:prstGeom>
-        </p:spPr>
-        <p:txBody>
-          <a:bodyPr lIns="0" rIns="0" tIns="0" bIns="0">
-            <a:normAutofit/>
-          </a:bodyPr>
-          <a:p>
-            <a:endParaRPr b="0" lang="en-US" sz="3200" spc="-1" strike="noStrike">
-              <a:latin typeface="Arial"/>
-            </a:endParaRPr>
-          </a:p>
-        </p:txBody>
-      </p:sp>
-      <p:sp>
-        <p:nvSpPr>
-          <p:cNvPr id="137" name="PlaceHolder 3"/>
-          <p:cNvSpPr>
-            <a:spLocks noGrp="1"/>
-          </p:cNvSpPr>
-          <p:nvPr>
-            <p:ph type="body"/>
-          </p:nvPr>
-        </p:nvSpPr>
-        <p:spPr>
-          <a:xfrm>
-            <a:off x="5152680" y="1326600"/>
-            <a:ext cx="4426920" cy="3288600"/>
-          </a:xfrm>
-          <a:prstGeom prst="rect">
-            <a:avLst/>
-          </a:prstGeom>
-        </p:spPr>
-        <p:txBody>
-          <a:bodyPr lIns="0" rIns="0" tIns="0" bIns="0">
-            <a:normAutofit/>
-          </a:bodyPr>
-          <a:p>
-            <a:endParaRPr b="0" lang="en-US" sz="3200" spc="-1" strike="noStrike">
-              <a:latin typeface="Arial"/>
-            </a:endParaRPr>
-          </a:p>
-        </p:txBody>
-      </p:sp>
-    </p:spTree>
-  </p:cSld>
-</p:sldLayout>
-</file>
-
-<file path=ppt/slideLayouts/slideLayout41.xml><?xml version="1.0" encoding="utf-8"?>
-<p:sldLayout xmlns:a="http://schemas.openxmlformats.org/drawingml/2006/main" xmlns:p="http://schemas.openxmlformats.org/presentationml/2006/main" xmlns:r="http://schemas.openxmlformats.org/officeDocument/2006/relationships" xmlns:p14="http://schemas.microsoft.com/office/powerpoint/2010/main" xmlns:p15="http://schemas.microsoft.com/office/powerpoint/2012/main" xmlns:mc="http://schemas.openxmlformats.org/markup-compatibility/2006" type="titleOnly" preserve="1">
-  <p:cSld name="Title Only">
-    <p:spTree>
-      <p:nvGrpSpPr>
-        <p:cNvPr id="1" name=""/>
-        <p:cNvGrpSpPr/>
-        <p:nvPr/>
-      </p:nvGrpSpPr>
-      <p:grpSpPr>
-        <a:xfrm>
-          <a:off x="0" y="0"/>
-          <a:ext cx="0" cy="0"/>
-          <a:chOff x="0" y="0"/>
-          <a:chExt cx="0" cy="0"/>
-        </a:xfrm>
-      </p:grpSpPr>
-      <p:sp>
-        <p:nvSpPr>
-          <p:cNvPr id="138" name="PlaceHolder 1"/>
-          <p:cNvSpPr>
-            <a:spLocks noGrp="1"/>
-          </p:cNvSpPr>
-          <p:nvPr>
-            <p:ph type="title"/>
-          </p:nvPr>
-        </p:nvSpPr>
-        <p:spPr>
-          <a:xfrm>
-            <a:off x="504000" y="226080"/>
-            <a:ext cx="9072000" cy="946440"/>
-          </a:xfrm>
-          <a:prstGeom prst="rect">
-            <a:avLst/>
-          </a:prstGeom>
-        </p:spPr>
-        <p:txBody>
-          <a:bodyPr lIns="0" rIns="0" tIns="0" bIns="0" anchor="ctr"/>
-          <a:p>
-            <a:pPr algn="ctr"/>
-            <a:endParaRPr b="0" lang="en-US" sz="4400" spc="-1" strike="noStrike">
-              <a:latin typeface="Arial"/>
-            </a:endParaRPr>
-          </a:p>
-        </p:txBody>
-      </p:sp>
-    </p:spTree>
-  </p:cSld>
-</p:sldLayout>
-</file>
-
-<file path=ppt/slideLayouts/slideLayout42.xml><?xml version="1.0" encoding="utf-8"?>
-<p:sldLayout xmlns:a="http://schemas.openxmlformats.org/drawingml/2006/main" xmlns:p="http://schemas.openxmlformats.org/presentationml/2006/main" xmlns:r="http://schemas.openxmlformats.org/officeDocument/2006/relationships" xmlns:p14="http://schemas.microsoft.com/office/powerpoint/2010/main" xmlns:p15="http://schemas.microsoft.com/office/powerpoint/2012/main" xmlns:mc="http://schemas.openxmlformats.org/markup-compatibility/2006" type="objOnly" preserve="1">
-  <p:cSld name="Centered Text">
-    <p:spTree>
-      <p:nvGrpSpPr>
-        <p:cNvPr id="1" name=""/>
-        <p:cNvGrpSpPr/>
-        <p:nvPr/>
-      </p:nvGrpSpPr>
-      <p:grpSpPr>
-        <a:xfrm>
-          <a:off x="0" y="0"/>
-          <a:ext cx="0" cy="0"/>
-          <a:chOff x="0" y="0"/>
-          <a:chExt cx="0" cy="0"/>
-        </a:xfrm>
-      </p:grpSpPr>
-      <p:sp>
-        <p:nvSpPr>
-          <p:cNvPr id="139" name="PlaceHolder 1"/>
-          <p:cNvSpPr>
-            <a:spLocks noGrp="1"/>
-          </p:cNvSpPr>
-          <p:nvPr>
-            <p:ph type="subTitle"/>
-          </p:nvPr>
-        </p:nvSpPr>
-        <p:spPr>
-          <a:xfrm>
-            <a:off x="504000" y="226080"/>
-            <a:ext cx="9072000" cy="4388400"/>
-          </a:xfrm>
-          <a:prstGeom prst="rect">
-            <a:avLst/>
-          </a:prstGeom>
-        </p:spPr>
-        <p:txBody>
-          <a:bodyPr lIns="0" rIns="0" tIns="0" bIns="0" anchor="ctr"/>
-          <a:p>
-            <a:pPr algn="ctr"/>
-            <a:endParaRPr b="0" lang="en-US" sz="3200" spc="-1" strike="noStrike">
-              <a:latin typeface="Arial"/>
-            </a:endParaRPr>
-          </a:p>
-        </p:txBody>
-      </p:sp>
-    </p:spTree>
-  </p:cSld>
-</p:sldLayout>
-</file>
-
-<file path=ppt/slideLayouts/slideLayout43.xml><?xml version="1.0" encoding="utf-8"?>
-<p:sldLayout xmlns:a="http://schemas.openxmlformats.org/drawingml/2006/main" xmlns:p="http://schemas.openxmlformats.org/presentationml/2006/main" xmlns:r="http://schemas.openxmlformats.org/officeDocument/2006/relationships" xmlns:p14="http://schemas.microsoft.com/office/powerpoint/2010/main" xmlns:p15="http://schemas.microsoft.com/office/powerpoint/2012/main" xmlns:mc="http://schemas.openxmlformats.org/markup-compatibility/2006" type="twoObjAndObj" preserve="1">
-  <p:cSld name="Title, 2 Content and Content">
-    <p:spTree>
-      <p:nvGrpSpPr>
-        <p:cNvPr id="1" name=""/>
-        <p:cNvGrpSpPr/>
-        <p:nvPr/>
-      </p:nvGrpSpPr>
-      <p:grpSpPr>
-        <a:xfrm>
-          <a:off x="0" y="0"/>
-          <a:ext cx="0" cy="0"/>
-          <a:chOff x="0" y="0"/>
-          <a:chExt cx="0" cy="0"/>
-        </a:xfrm>
-      </p:grpSpPr>
-      <p:sp>
-        <p:nvSpPr>
-          <p:cNvPr id="140" name="PlaceHolder 1"/>
-          <p:cNvSpPr>
-            <a:spLocks noGrp="1"/>
-          </p:cNvSpPr>
-          <p:nvPr>
-            <p:ph type="title"/>
-          </p:nvPr>
-        </p:nvSpPr>
-        <p:spPr>
-          <a:xfrm>
-            <a:off x="504000" y="226080"/>
-            <a:ext cx="9072000" cy="946440"/>
-          </a:xfrm>
-          <a:prstGeom prst="rect">
-            <a:avLst/>
-          </a:prstGeom>
-        </p:spPr>
-        <p:txBody>
-          <a:bodyPr lIns="0" rIns="0" tIns="0" bIns="0" anchor="ctr"/>
-          <a:p>
-            <a:pPr algn="ctr"/>
-            <a:endParaRPr b="0" lang="en-US" sz="4400" spc="-1" strike="noStrike">
-              <a:latin typeface="Arial"/>
-            </a:endParaRPr>
-          </a:p>
-        </p:txBody>
-      </p:sp>
-      <p:sp>
-        <p:nvSpPr>
-          <p:cNvPr id="141" name="PlaceHolder 2"/>
-          <p:cNvSpPr>
-            <a:spLocks noGrp="1"/>
-          </p:cNvSpPr>
-          <p:nvPr>
-            <p:ph type="body"/>
-          </p:nvPr>
-        </p:nvSpPr>
-        <p:spPr>
-          <a:xfrm>
-            <a:off x="504000" y="1326600"/>
-            <a:ext cx="4426920" cy="1568520"/>
-          </a:xfrm>
-          <a:prstGeom prst="rect">
-            <a:avLst/>
-          </a:prstGeom>
-        </p:spPr>
-        <p:txBody>
-          <a:bodyPr lIns="0" rIns="0" tIns="0" bIns="0">
-            <a:normAutofit/>
-          </a:bodyPr>
-          <a:p>
-            <a:endParaRPr b="0" lang="en-US" sz="3200" spc="-1" strike="noStrike">
-              <a:latin typeface="Arial"/>
-            </a:endParaRPr>
-          </a:p>
-        </p:txBody>
-      </p:sp>
-      <p:sp>
-        <p:nvSpPr>
-          <p:cNvPr id="142" name="PlaceHolder 3"/>
-          <p:cNvSpPr>
-            <a:spLocks noGrp="1"/>
-          </p:cNvSpPr>
-          <p:nvPr>
-            <p:ph type="body"/>
-          </p:nvPr>
-        </p:nvSpPr>
-        <p:spPr>
-          <a:xfrm>
-            <a:off x="5152680" y="1326600"/>
-            <a:ext cx="4426920" cy="3288600"/>
-          </a:xfrm>
-          <a:prstGeom prst="rect">
-            <a:avLst/>
-          </a:prstGeom>
-        </p:spPr>
-        <p:txBody>
-          <a:bodyPr lIns="0" rIns="0" tIns="0" bIns="0">
-            <a:normAutofit/>
-          </a:bodyPr>
-          <a:p>
-            <a:endParaRPr b="0" lang="en-US" sz="3200" spc="-1" strike="noStrike">
-              <a:latin typeface="Arial"/>
-            </a:endParaRPr>
-          </a:p>
-        </p:txBody>
-      </p:sp>
-      <p:sp>
-        <p:nvSpPr>
-          <p:cNvPr id="143" name="PlaceHolder 4"/>
-          <p:cNvSpPr>
-            <a:spLocks noGrp="1"/>
-          </p:cNvSpPr>
-          <p:nvPr>
-            <p:ph type="body"/>
-          </p:nvPr>
-        </p:nvSpPr>
-        <p:spPr>
-          <a:xfrm>
-            <a:off x="504000" y="3044520"/>
-            <a:ext cx="4426920" cy="1568520"/>
-          </a:xfrm>
-          <a:prstGeom prst="rect">
-            <a:avLst/>
-          </a:prstGeom>
-        </p:spPr>
-        <p:txBody>
-          <a:bodyPr lIns="0" rIns="0" tIns="0" bIns="0">
-            <a:normAutofit/>
-          </a:bodyPr>
-          <a:p>
-            <a:endParaRPr b="0" lang="en-US" sz="3200" spc="-1" strike="noStrike">
-              <a:latin typeface="Arial"/>
-            </a:endParaRPr>
-          </a:p>
-        </p:txBody>
-      </p:sp>
-    </p:spTree>
-  </p:cSld>
-</p:sldLayout>
-</file>
-
-<file path=ppt/slideLayouts/slideLayout44.xml><?xml version="1.0" encoding="utf-8"?>
-<p:sldLayout xmlns:a="http://schemas.openxmlformats.org/drawingml/2006/main" xmlns:p="http://schemas.openxmlformats.org/presentationml/2006/main" xmlns:r="http://schemas.openxmlformats.org/officeDocument/2006/relationships" xmlns:p14="http://schemas.microsoft.com/office/powerpoint/2010/main" xmlns:p15="http://schemas.microsoft.com/office/powerpoint/2012/main" xmlns:mc="http://schemas.openxmlformats.org/markup-compatibility/2006" type="objAndTwoObj" preserve="1">
-  <p:cSld name="Title Content and 2 Content">
-    <p:spTree>
-      <p:nvGrpSpPr>
-        <p:cNvPr id="1" name=""/>
-        <p:cNvGrpSpPr/>
-        <p:nvPr/>
-      </p:nvGrpSpPr>
-      <p:grpSpPr>
-        <a:xfrm>
-          <a:off x="0" y="0"/>
-          <a:ext cx="0" cy="0"/>
-          <a:chOff x="0" y="0"/>
-          <a:chExt cx="0" cy="0"/>
-        </a:xfrm>
-      </p:grpSpPr>
-      <p:sp>
-        <p:nvSpPr>
-          <p:cNvPr id="144" name="PlaceHolder 1"/>
-          <p:cNvSpPr>
-            <a:spLocks noGrp="1"/>
-          </p:cNvSpPr>
-          <p:nvPr>
-            <p:ph type="title"/>
-          </p:nvPr>
-        </p:nvSpPr>
-        <p:spPr>
-          <a:xfrm>
-            <a:off x="504000" y="226080"/>
-            <a:ext cx="9072000" cy="946440"/>
-          </a:xfrm>
-          <a:prstGeom prst="rect">
-            <a:avLst/>
-          </a:prstGeom>
-        </p:spPr>
-        <p:txBody>
-          <a:bodyPr lIns="0" rIns="0" tIns="0" bIns="0" anchor="ctr"/>
-          <a:p>
-            <a:pPr algn="ctr"/>
-            <a:endParaRPr b="0" lang="en-US" sz="4400" spc="-1" strike="noStrike">
-              <a:latin typeface="Arial"/>
-            </a:endParaRPr>
-          </a:p>
-        </p:txBody>
-      </p:sp>
-      <p:sp>
-        <p:nvSpPr>
-          <p:cNvPr id="145" name="PlaceHolder 2"/>
-          <p:cNvSpPr>
-            <a:spLocks noGrp="1"/>
-          </p:cNvSpPr>
-          <p:nvPr>
-            <p:ph type="body"/>
-          </p:nvPr>
-        </p:nvSpPr>
-        <p:spPr>
-          <a:xfrm>
-            <a:off x="504000" y="1326600"/>
-            <a:ext cx="4426920" cy="3288600"/>
-          </a:xfrm>
-          <a:prstGeom prst="rect">
-            <a:avLst/>
-          </a:prstGeom>
-        </p:spPr>
-        <p:txBody>
-          <a:bodyPr lIns="0" rIns="0" tIns="0" bIns="0">
-            <a:normAutofit/>
-          </a:bodyPr>
-          <a:p>
-            <a:endParaRPr b="0" lang="en-US" sz="3200" spc="-1" strike="noStrike">
-              <a:latin typeface="Arial"/>
-            </a:endParaRPr>
-          </a:p>
-        </p:txBody>
-      </p:sp>
-      <p:sp>
-        <p:nvSpPr>
-          <p:cNvPr id="146" name="PlaceHolder 3"/>
-          <p:cNvSpPr>
-            <a:spLocks noGrp="1"/>
-          </p:cNvSpPr>
-          <p:nvPr>
-            <p:ph type="body"/>
-          </p:nvPr>
-        </p:nvSpPr>
-        <p:spPr>
-          <a:xfrm>
-            <a:off x="5152680" y="1326600"/>
-            <a:ext cx="4426920" cy="1568520"/>
-          </a:xfrm>
-          <a:prstGeom prst="rect">
-            <a:avLst/>
-          </a:prstGeom>
-        </p:spPr>
-        <p:txBody>
-          <a:bodyPr lIns="0" rIns="0" tIns="0" bIns="0">
-            <a:normAutofit/>
-          </a:bodyPr>
-          <a:p>
-            <a:endParaRPr b="0" lang="en-US" sz="3200" spc="-1" strike="noStrike">
-              <a:latin typeface="Arial"/>
-            </a:endParaRPr>
-          </a:p>
-        </p:txBody>
-      </p:sp>
-      <p:sp>
-        <p:nvSpPr>
-          <p:cNvPr id="147" name="PlaceHolder 4"/>
-          <p:cNvSpPr>
-            <a:spLocks noGrp="1"/>
-          </p:cNvSpPr>
-          <p:nvPr>
-            <p:ph type="body"/>
-          </p:nvPr>
-        </p:nvSpPr>
-        <p:spPr>
-          <a:xfrm>
-            <a:off x="5152680" y="3044520"/>
-            <a:ext cx="4426920" cy="1568520"/>
-          </a:xfrm>
-          <a:prstGeom prst="rect">
-            <a:avLst/>
-          </a:prstGeom>
-        </p:spPr>
-        <p:txBody>
-          <a:bodyPr lIns="0" rIns="0" tIns="0" bIns="0">
-            <a:normAutofit/>
-          </a:bodyPr>
-          <a:p>
-            <a:endParaRPr b="0" lang="en-US" sz="3200" spc="-1" strike="noStrike">
-              <a:latin typeface="Arial"/>
-            </a:endParaRPr>
-          </a:p>
-        </p:txBody>
-      </p:sp>
-    </p:spTree>
-  </p:cSld>
-</p:sldLayout>
-</file>
-
-<file path=ppt/slideLayouts/slideLayout45.xml><?xml version="1.0" encoding="utf-8"?>
-<p:sldLayout xmlns:a="http://schemas.openxmlformats.org/drawingml/2006/main" xmlns:p="http://schemas.openxmlformats.org/presentationml/2006/main" xmlns:r="http://schemas.openxmlformats.org/officeDocument/2006/relationships" xmlns:p14="http://schemas.microsoft.com/office/powerpoint/2010/main" xmlns:p15="http://schemas.microsoft.com/office/powerpoint/2012/main" xmlns:mc="http://schemas.openxmlformats.org/markup-compatibility/2006" type="twoObjOverTx" preserve="1">
-  <p:cSld name="Title, 2 Content over Content">
-    <p:spTree>
-      <p:nvGrpSpPr>
-        <p:cNvPr id="1" name=""/>
-        <p:cNvGrpSpPr/>
-        <p:nvPr/>
-      </p:nvGrpSpPr>
-      <p:grpSpPr>
-        <a:xfrm>
-          <a:off x="0" y="0"/>
-          <a:ext cx="0" cy="0"/>
-          <a:chOff x="0" y="0"/>
-          <a:chExt cx="0" cy="0"/>
-        </a:xfrm>
-      </p:grpSpPr>
-      <p:sp>
-        <p:nvSpPr>
-          <p:cNvPr id="148" name="PlaceHolder 1"/>
-          <p:cNvSpPr>
-            <a:spLocks noGrp="1"/>
-          </p:cNvSpPr>
-          <p:nvPr>
-            <p:ph type="title"/>
-          </p:nvPr>
-        </p:nvSpPr>
-        <p:spPr>
-          <a:xfrm>
-            <a:off x="504000" y="226080"/>
-            <a:ext cx="9072000" cy="946440"/>
-          </a:xfrm>
-          <a:prstGeom prst="rect">
-            <a:avLst/>
-          </a:prstGeom>
-        </p:spPr>
-        <p:txBody>
-          <a:bodyPr lIns="0" rIns="0" tIns="0" bIns="0" anchor="ctr"/>
-          <a:p>
-            <a:pPr algn="ctr"/>
-            <a:endParaRPr b="0" lang="en-US" sz="4400" spc="-1" strike="noStrike">
-              <a:latin typeface="Arial"/>
-            </a:endParaRPr>
-          </a:p>
-        </p:txBody>
-      </p:sp>
-      <p:sp>
-        <p:nvSpPr>
-          <p:cNvPr id="149" name="PlaceHolder 2"/>
-          <p:cNvSpPr>
-            <a:spLocks noGrp="1"/>
-          </p:cNvSpPr>
-          <p:nvPr>
-            <p:ph type="body"/>
-          </p:nvPr>
-        </p:nvSpPr>
-        <p:spPr>
-          <a:xfrm>
-            <a:off x="504000" y="1326600"/>
-            <a:ext cx="4426920" cy="1568520"/>
-          </a:xfrm>
-          <a:prstGeom prst="rect">
-            <a:avLst/>
-          </a:prstGeom>
-        </p:spPr>
-        <p:txBody>
-          <a:bodyPr lIns="0" rIns="0" tIns="0" bIns="0">
-            <a:normAutofit/>
-          </a:bodyPr>
-          <a:p>
-            <a:endParaRPr b="0" lang="en-US" sz="3200" spc="-1" strike="noStrike">
-              <a:latin typeface="Arial"/>
-            </a:endParaRPr>
-          </a:p>
-        </p:txBody>
-      </p:sp>
-      <p:sp>
-        <p:nvSpPr>
-          <p:cNvPr id="150" name="PlaceHolder 3"/>
-          <p:cNvSpPr>
-            <a:spLocks noGrp="1"/>
-          </p:cNvSpPr>
-          <p:nvPr>
-            <p:ph type="body"/>
-          </p:nvPr>
-        </p:nvSpPr>
-        <p:spPr>
-          <a:xfrm>
-            <a:off x="5152680" y="1326600"/>
-            <a:ext cx="4426920" cy="1568520"/>
-          </a:xfrm>
-          <a:prstGeom prst="rect">
-            <a:avLst/>
-          </a:prstGeom>
-        </p:spPr>
-        <p:txBody>
-          <a:bodyPr lIns="0" rIns="0" tIns="0" bIns="0">
-            <a:normAutofit/>
-          </a:bodyPr>
-          <a:p>
-            <a:endParaRPr b="0" lang="en-US" sz="3200" spc="-1" strike="noStrike">
-              <a:latin typeface="Arial"/>
-            </a:endParaRPr>
-          </a:p>
-        </p:txBody>
-      </p:sp>
-      <p:sp>
-        <p:nvSpPr>
-          <p:cNvPr id="151" name="PlaceHolder 4"/>
-          <p:cNvSpPr>
-            <a:spLocks noGrp="1"/>
-          </p:cNvSpPr>
-          <p:nvPr>
-            <p:ph type="body"/>
-          </p:nvPr>
-        </p:nvSpPr>
-        <p:spPr>
-          <a:xfrm>
-            <a:off x="504000" y="3044520"/>
-            <a:ext cx="9072000" cy="1568520"/>
-          </a:xfrm>
-          <a:prstGeom prst="rect">
-            <a:avLst/>
-          </a:prstGeom>
-        </p:spPr>
-        <p:txBody>
-          <a:bodyPr lIns="0" rIns="0" tIns="0" bIns="0">
-            <a:normAutofit/>
-          </a:bodyPr>
-          <a:p>
-            <a:endParaRPr b="0" lang="en-US" sz="3200" spc="-1" strike="noStrike">
-              <a:latin typeface="Arial"/>
-            </a:endParaRPr>
-          </a:p>
-        </p:txBody>
-      </p:sp>
-    </p:spTree>
-  </p:cSld>
-</p:sldLayout>
-</file>
-
-<file path=ppt/slideLayouts/slideLayout46.xml><?xml version="1.0" encoding="utf-8"?>
-<p:sldLayout xmlns:a="http://schemas.openxmlformats.org/drawingml/2006/main" xmlns:p="http://schemas.openxmlformats.org/presentationml/2006/main" xmlns:r="http://schemas.openxmlformats.org/officeDocument/2006/relationships" xmlns:p14="http://schemas.microsoft.com/office/powerpoint/2010/main" xmlns:p15="http://schemas.microsoft.com/office/powerpoint/2012/main" xmlns:mc="http://schemas.openxmlformats.org/markup-compatibility/2006" type="objOverTx" preserve="1">
-  <p:cSld name="Title, Content over Content">
-    <p:spTree>
-      <p:nvGrpSpPr>
-        <p:cNvPr id="1" name=""/>
-        <p:cNvGrpSpPr/>
-        <p:nvPr/>
-      </p:nvGrpSpPr>
-      <p:grpSpPr>
-        <a:xfrm>
-          <a:off x="0" y="0"/>
-          <a:ext cx="0" cy="0"/>
-          <a:chOff x="0" y="0"/>
-          <a:chExt cx="0" cy="0"/>
-        </a:xfrm>
-      </p:grpSpPr>
-      <p:sp>
-        <p:nvSpPr>
-          <p:cNvPr id="152" name="PlaceHolder 1"/>
-          <p:cNvSpPr>
-            <a:spLocks noGrp="1"/>
-          </p:cNvSpPr>
-          <p:nvPr>
-            <p:ph type="title"/>
-          </p:nvPr>
-        </p:nvSpPr>
-        <p:spPr>
-          <a:xfrm>
-            <a:off x="504000" y="226080"/>
-            <a:ext cx="9072000" cy="946440"/>
-          </a:xfrm>
-          <a:prstGeom prst="rect">
-            <a:avLst/>
-          </a:prstGeom>
-        </p:spPr>
-        <p:txBody>
-          <a:bodyPr lIns="0" rIns="0" tIns="0" bIns="0" anchor="ctr"/>
-          <a:p>
-            <a:pPr algn="ctr"/>
-            <a:endParaRPr b="0" lang="en-US" sz="4400" spc="-1" strike="noStrike">
-              <a:latin typeface="Arial"/>
-            </a:endParaRPr>
-          </a:p>
-        </p:txBody>
-      </p:sp>
-      <p:sp>
-        <p:nvSpPr>
-          <p:cNvPr id="153" name="PlaceHolder 2"/>
-          <p:cNvSpPr>
-            <a:spLocks noGrp="1"/>
-          </p:cNvSpPr>
-          <p:nvPr>
-            <p:ph type="body"/>
-          </p:nvPr>
-        </p:nvSpPr>
-        <p:spPr>
-          <a:xfrm>
-            <a:off x="504000" y="1326600"/>
-            <a:ext cx="9072000" cy="1568520"/>
-          </a:xfrm>
-          <a:prstGeom prst="rect">
-            <a:avLst/>
-          </a:prstGeom>
-        </p:spPr>
-        <p:txBody>
-          <a:bodyPr lIns="0" rIns="0" tIns="0" bIns="0">
-            <a:normAutofit/>
-          </a:bodyPr>
-          <a:p>
-            <a:endParaRPr b="0" lang="en-US" sz="3200" spc="-1" strike="noStrike">
-              <a:latin typeface="Arial"/>
-            </a:endParaRPr>
-          </a:p>
-        </p:txBody>
-      </p:sp>
-      <p:sp>
-        <p:nvSpPr>
-          <p:cNvPr id="154" name="PlaceHolder 3"/>
-          <p:cNvSpPr>
-            <a:spLocks noGrp="1"/>
-          </p:cNvSpPr>
-          <p:nvPr>
-            <p:ph type="body"/>
-          </p:nvPr>
-        </p:nvSpPr>
-        <p:spPr>
-          <a:xfrm>
-            <a:off x="504000" y="3044520"/>
-            <a:ext cx="9072000" cy="1568520"/>
-          </a:xfrm>
-          <a:prstGeom prst="rect">
-            <a:avLst/>
-          </a:prstGeom>
-        </p:spPr>
-        <p:txBody>
-          <a:bodyPr lIns="0" rIns="0" tIns="0" bIns="0">
-            <a:normAutofit/>
-          </a:bodyPr>
-          <a:p>
-            <a:endParaRPr b="0" lang="en-US" sz="3200" spc="-1" strike="noStrike">
-              <a:latin typeface="Arial"/>
-            </a:endParaRPr>
-          </a:p>
-        </p:txBody>
-      </p:sp>
-    </p:spTree>
-  </p:cSld>
-</p:sldLayout>
-</file>
-
-<file path=ppt/slideLayouts/slideLayout47.xml><?xml version="1.0" encoding="utf-8"?>
-<p:sldLayout xmlns:a="http://schemas.openxmlformats.org/drawingml/2006/main" xmlns:p="http://schemas.openxmlformats.org/presentationml/2006/main" xmlns:r="http://schemas.openxmlformats.org/officeDocument/2006/relationships" xmlns:p14="http://schemas.microsoft.com/office/powerpoint/2010/main" xmlns:p15="http://schemas.microsoft.com/office/powerpoint/2012/main" xmlns:mc="http://schemas.openxmlformats.org/markup-compatibility/2006" type="fourObj" preserve="1">
-  <p:cSld name="Title, 4 Content">
-    <p:spTree>
-      <p:nvGrpSpPr>
-        <p:cNvPr id="1" name=""/>
-        <p:cNvGrpSpPr/>
-        <p:nvPr/>
-      </p:nvGrpSpPr>
-      <p:grpSpPr>
-        <a:xfrm>
-          <a:off x="0" y="0"/>
-          <a:ext cx="0" cy="0"/>
-          <a:chOff x="0" y="0"/>
-          <a:chExt cx="0" cy="0"/>
-        </a:xfrm>
-      </p:grpSpPr>
-      <p:sp>
-        <p:nvSpPr>
-          <p:cNvPr id="155" name="PlaceHolder 1"/>
-          <p:cNvSpPr>
-            <a:spLocks noGrp="1"/>
-          </p:cNvSpPr>
-          <p:nvPr>
-            <p:ph type="title"/>
-          </p:nvPr>
-        </p:nvSpPr>
-        <p:spPr>
-          <a:xfrm>
-            <a:off x="504000" y="226080"/>
-            <a:ext cx="9072000" cy="946440"/>
-          </a:xfrm>
-          <a:prstGeom prst="rect">
-            <a:avLst/>
-          </a:prstGeom>
-        </p:spPr>
-        <p:txBody>
-          <a:bodyPr lIns="0" rIns="0" tIns="0" bIns="0" anchor="ctr"/>
-          <a:p>
-            <a:pPr algn="ctr"/>
-            <a:endParaRPr b="0" lang="en-US" sz="4400" spc="-1" strike="noStrike">
-              <a:latin typeface="Arial"/>
-            </a:endParaRPr>
-          </a:p>
-        </p:txBody>
-      </p:sp>
-      <p:sp>
-        <p:nvSpPr>
-          <p:cNvPr id="156" name="PlaceHolder 2"/>
-          <p:cNvSpPr>
-            <a:spLocks noGrp="1"/>
-          </p:cNvSpPr>
-          <p:nvPr>
-            <p:ph type="body"/>
-          </p:nvPr>
-        </p:nvSpPr>
-        <p:spPr>
-          <a:xfrm>
-            <a:off x="504000" y="1326600"/>
-            <a:ext cx="4426920" cy="1568520"/>
-          </a:xfrm>
-          <a:prstGeom prst="rect">
-            <a:avLst/>
-          </a:prstGeom>
-        </p:spPr>
-        <p:txBody>
-          <a:bodyPr lIns="0" rIns="0" tIns="0" bIns="0">
-            <a:normAutofit/>
-          </a:bodyPr>
-          <a:p>
-            <a:endParaRPr b="0" lang="en-US" sz="3200" spc="-1" strike="noStrike">
-              <a:latin typeface="Arial"/>
-            </a:endParaRPr>
-          </a:p>
-        </p:txBody>
-      </p:sp>
-      <p:sp>
-        <p:nvSpPr>
-          <p:cNvPr id="157" name="PlaceHolder 3"/>
-          <p:cNvSpPr>
-            <a:spLocks noGrp="1"/>
-          </p:cNvSpPr>
-          <p:nvPr>
-            <p:ph type="body"/>
-          </p:nvPr>
-        </p:nvSpPr>
-        <p:spPr>
-          <a:xfrm>
-            <a:off x="5152680" y="1326600"/>
-            <a:ext cx="4426920" cy="1568520"/>
-          </a:xfrm>
-          <a:prstGeom prst="rect">
-            <a:avLst/>
-          </a:prstGeom>
-        </p:spPr>
-        <p:txBody>
-          <a:bodyPr lIns="0" rIns="0" tIns="0" bIns="0">
-            <a:normAutofit/>
-          </a:bodyPr>
-          <a:p>
-            <a:endParaRPr b="0" lang="en-US" sz="3200" spc="-1" strike="noStrike">
-              <a:latin typeface="Arial"/>
-            </a:endParaRPr>
-          </a:p>
-        </p:txBody>
-      </p:sp>
-      <p:sp>
-        <p:nvSpPr>
-          <p:cNvPr id="158" name="PlaceHolder 4"/>
-          <p:cNvSpPr>
-            <a:spLocks noGrp="1"/>
-          </p:cNvSpPr>
-          <p:nvPr>
-            <p:ph type="body"/>
-          </p:nvPr>
-        </p:nvSpPr>
-        <p:spPr>
-          <a:xfrm>
-            <a:off x="504000" y="3044520"/>
-            <a:ext cx="4426920" cy="1568520"/>
-          </a:xfrm>
-          <a:prstGeom prst="rect">
-            <a:avLst/>
-          </a:prstGeom>
-        </p:spPr>
-        <p:txBody>
-          <a:bodyPr lIns="0" rIns="0" tIns="0" bIns="0">
-            <a:normAutofit/>
-          </a:bodyPr>
-          <a:p>
-            <a:endParaRPr b="0" lang="en-US" sz="3200" spc="-1" strike="noStrike">
-              <a:latin typeface="Arial"/>
-            </a:endParaRPr>
-          </a:p>
-        </p:txBody>
-      </p:sp>
-      <p:sp>
-        <p:nvSpPr>
-          <p:cNvPr id="159" name="PlaceHolder 5"/>
-          <p:cNvSpPr>
-            <a:spLocks noGrp="1"/>
-          </p:cNvSpPr>
-          <p:nvPr>
-            <p:ph type="body"/>
-          </p:nvPr>
-        </p:nvSpPr>
-        <p:spPr>
-          <a:xfrm>
-            <a:off x="5152680" y="3044520"/>
-            <a:ext cx="4426920" cy="1568520"/>
-          </a:xfrm>
-          <a:prstGeom prst="rect">
-            <a:avLst/>
-          </a:prstGeom>
-        </p:spPr>
-        <p:txBody>
-          <a:bodyPr lIns="0" rIns="0" tIns="0" bIns="0">
-            <a:normAutofit/>
-          </a:bodyPr>
-          <a:p>
-            <a:endParaRPr b="0" lang="en-US" sz="3200" spc="-1" strike="noStrike">
-              <a:latin typeface="Arial"/>
-            </a:endParaRPr>
-          </a:p>
-        </p:txBody>
-      </p:sp>
-    </p:spTree>
-  </p:cSld>
-</p:sldLayout>
-</file>
-
-<file path=ppt/slideLayouts/slideLayout48.xml><?xml version="1.0" encoding="utf-8"?>
-<p:sldLayout xmlns:a="http://schemas.openxmlformats.org/drawingml/2006/main" xmlns:p="http://schemas.openxmlformats.org/presentationml/2006/main" xmlns:r="http://schemas.openxmlformats.org/officeDocument/2006/relationships" xmlns:p14="http://schemas.microsoft.com/office/powerpoint/2010/main" xmlns:p15="http://schemas.microsoft.com/office/powerpoint/2012/main" xmlns:mc="http://schemas.openxmlformats.org/markup-compatibility/2006" type="blank" preserve="1">
-  <p:cSld name="Title, 6 Content">
-    <p:spTree>
-      <p:nvGrpSpPr>
-        <p:cNvPr id="1" name=""/>
-        <p:cNvGrpSpPr/>
-        <p:nvPr/>
-      </p:nvGrpSpPr>
-      <p:grpSpPr>
-        <a:xfrm>
-          <a:off x="0" y="0"/>
-          <a:ext cx="0" cy="0"/>
-          <a:chOff x="0" y="0"/>
-          <a:chExt cx="0" cy="0"/>
-        </a:xfrm>
-      </p:grpSpPr>
-      <p:sp>
-        <p:nvSpPr>
-          <p:cNvPr id="160" name="PlaceHolder 1"/>
-          <p:cNvSpPr>
-            <a:spLocks noGrp="1"/>
-          </p:cNvSpPr>
-          <p:nvPr>
-            <p:ph type="title"/>
-          </p:nvPr>
-        </p:nvSpPr>
-        <p:spPr>
-          <a:xfrm>
-            <a:off x="504000" y="226080"/>
-            <a:ext cx="9072000" cy="946440"/>
-          </a:xfrm>
-          <a:prstGeom prst="rect">
-            <a:avLst/>
-          </a:prstGeom>
-        </p:spPr>
-        <p:txBody>
-          <a:bodyPr lIns="0" rIns="0" tIns="0" bIns="0" anchor="ctr"/>
-          <a:p>
-            <a:pPr algn="ctr"/>
-            <a:endParaRPr b="0" lang="en-US" sz="4400" spc="-1" strike="noStrike">
-              <a:latin typeface="Arial"/>
-            </a:endParaRPr>
-          </a:p>
-        </p:txBody>
-      </p:sp>
-      <p:sp>
-        <p:nvSpPr>
-          <p:cNvPr id="161" name="PlaceHolder 2"/>
-          <p:cNvSpPr>
-            <a:spLocks noGrp="1"/>
-          </p:cNvSpPr>
-          <p:nvPr>
-            <p:ph type="body"/>
-          </p:nvPr>
-        </p:nvSpPr>
-        <p:spPr>
-          <a:xfrm>
-            <a:off x="504000" y="1326600"/>
-            <a:ext cx="2921040" cy="1568520"/>
-          </a:xfrm>
-          <a:prstGeom prst="rect">
-            <a:avLst/>
-          </a:prstGeom>
-        </p:spPr>
-        <p:txBody>
-          <a:bodyPr lIns="0" rIns="0" tIns="0" bIns="0">
-            <a:normAutofit/>
-          </a:bodyPr>
-          <a:p>
-            <a:endParaRPr b="0" lang="en-US" sz="3200" spc="-1" strike="noStrike">
-              <a:latin typeface="Arial"/>
-            </a:endParaRPr>
-          </a:p>
-        </p:txBody>
-      </p:sp>
-      <p:sp>
-        <p:nvSpPr>
-          <p:cNvPr id="162" name="PlaceHolder 3"/>
-          <p:cNvSpPr>
-            <a:spLocks noGrp="1"/>
-          </p:cNvSpPr>
-          <p:nvPr>
-            <p:ph type="body"/>
-          </p:nvPr>
-        </p:nvSpPr>
-        <p:spPr>
-          <a:xfrm>
-            <a:off x="3571560" y="1326600"/>
-            <a:ext cx="2921040" cy="1568520"/>
-          </a:xfrm>
-          <a:prstGeom prst="rect">
-            <a:avLst/>
-          </a:prstGeom>
-        </p:spPr>
-        <p:txBody>
-          <a:bodyPr lIns="0" rIns="0" tIns="0" bIns="0">
-            <a:normAutofit/>
-          </a:bodyPr>
-          <a:p>
-            <a:endParaRPr b="0" lang="en-US" sz="3200" spc="-1" strike="noStrike">
-              <a:latin typeface="Arial"/>
-            </a:endParaRPr>
-          </a:p>
-        </p:txBody>
-      </p:sp>
-      <p:sp>
-        <p:nvSpPr>
-          <p:cNvPr id="163" name="PlaceHolder 4"/>
-          <p:cNvSpPr>
-            <a:spLocks noGrp="1"/>
-          </p:cNvSpPr>
-          <p:nvPr>
-            <p:ph type="body"/>
-          </p:nvPr>
-        </p:nvSpPr>
-        <p:spPr>
-          <a:xfrm>
-            <a:off x="6639120" y="1326600"/>
-            <a:ext cx="2921040" cy="1568520"/>
-          </a:xfrm>
-          <a:prstGeom prst="rect">
-            <a:avLst/>
-          </a:prstGeom>
-        </p:spPr>
-        <p:txBody>
-          <a:bodyPr lIns="0" rIns="0" tIns="0" bIns="0">
-            <a:normAutofit/>
-          </a:bodyPr>
-          <a:p>
-            <a:endParaRPr b="0" lang="en-US" sz="3200" spc="-1" strike="noStrike">
-              <a:latin typeface="Arial"/>
-            </a:endParaRPr>
-          </a:p>
-        </p:txBody>
-      </p:sp>
-      <p:sp>
-        <p:nvSpPr>
-          <p:cNvPr id="164" name="PlaceHolder 5"/>
-          <p:cNvSpPr>
-            <a:spLocks noGrp="1"/>
-          </p:cNvSpPr>
-          <p:nvPr>
-            <p:ph type="body"/>
-          </p:nvPr>
-        </p:nvSpPr>
-        <p:spPr>
-          <a:xfrm>
-            <a:off x="504000" y="3044520"/>
-            <a:ext cx="2921040" cy="1568520"/>
-          </a:xfrm>
-          <a:prstGeom prst="rect">
-            <a:avLst/>
-          </a:prstGeom>
-        </p:spPr>
-        <p:txBody>
-          <a:bodyPr lIns="0" rIns="0" tIns="0" bIns="0">
-            <a:normAutofit/>
-          </a:bodyPr>
-          <a:p>
-            <a:endParaRPr b="0" lang="en-US" sz="3200" spc="-1" strike="noStrike">
-              <a:latin typeface="Arial"/>
-            </a:endParaRPr>
-          </a:p>
-        </p:txBody>
-      </p:sp>
-      <p:sp>
-        <p:nvSpPr>
-          <p:cNvPr id="165" name="PlaceHolder 6"/>
-          <p:cNvSpPr>
-            <a:spLocks noGrp="1"/>
-          </p:cNvSpPr>
-          <p:nvPr>
-            <p:ph type="body"/>
-          </p:nvPr>
-        </p:nvSpPr>
-        <p:spPr>
-          <a:xfrm>
-            <a:off x="3571560" y="3044520"/>
-            <a:ext cx="2921040" cy="1568520"/>
-          </a:xfrm>
-          <a:prstGeom prst="rect">
-            <a:avLst/>
-          </a:prstGeom>
-        </p:spPr>
-        <p:txBody>
-          <a:bodyPr lIns="0" rIns="0" tIns="0" bIns="0">
-            <a:normAutofit/>
-          </a:bodyPr>
-          <a:p>
-            <a:endParaRPr b="0" lang="en-US" sz="3200" spc="-1" strike="noStrike">
-              <a:latin typeface="Arial"/>
-            </a:endParaRPr>
-          </a:p>
-        </p:txBody>
-      </p:sp>
-      <p:sp>
-        <p:nvSpPr>
-          <p:cNvPr id="166" name="PlaceHolder 7"/>
-          <p:cNvSpPr>
-            <a:spLocks noGrp="1"/>
-          </p:cNvSpPr>
-          <p:nvPr>
-            <p:ph type="body"/>
-          </p:nvPr>
-        </p:nvSpPr>
-        <p:spPr>
-          <a:xfrm>
-            <a:off x="6639120" y="3044520"/>
-            <a:ext cx="2921040" cy="1568520"/>
-          </a:xfrm>
-          <a:prstGeom prst="rect">
-            <a:avLst/>
-          </a:prstGeom>
-        </p:spPr>
-        <p:txBody>
-          <a:bodyPr lIns="0" rIns="0" tIns="0" bIns="0">
-            <a:normAutofit/>
-          </a:bodyPr>
-          <a:p>
-            <a:endParaRPr b="0" lang="en-US" sz="3200" spc="-1" strike="noStrike">
-              <a:latin typeface="Arial"/>
-            </a:endParaRPr>
-          </a:p>
-        </p:txBody>
-      </p:sp>
-    </p:spTree>
-  </p:cSld>
-</p:sldLayout>
-</file>
-
-<file path=ppt/slideLayouts/slideLayout49.xml><?xml version="1.0" encoding="utf-8"?>
-<p:sldLayout xmlns:a="http://schemas.openxmlformats.org/drawingml/2006/main" xmlns:p="http://schemas.openxmlformats.org/presentationml/2006/main" xmlns:r="http://schemas.openxmlformats.org/officeDocument/2006/relationships" xmlns:p14="http://schemas.microsoft.com/office/powerpoint/2010/main" xmlns:p15="http://schemas.microsoft.com/office/powerpoint/2012/main" xmlns:mc="http://schemas.openxmlformats.org/markup-compatibility/2006" type="blank" preserve="1">
-  <p:cSld name="Blank Slide">
-    <p:spTree>
-      <p:nvGrpSpPr>
-        <p:cNvPr id="1" name=""/>
-        <p:cNvGrpSpPr/>
-        <p:nvPr/>
-      </p:nvGrpSpPr>
-      <p:grpSpPr>
-        <a:xfrm>
-          <a:off x="0" y="0"/>
-          <a:ext cx="0" cy="0"/>
-          <a:chOff x="0" y="0"/>
-          <a:chExt cx="0" cy="0"/>
-        </a:xfrm>
-      </p:grpSpPr>
-    </p:spTree>
-  </p:cSld>
-</p:sldLayout>
-</file>
-
 <file path=ppt/slideLayouts/slideLayout5.xml><?xml version="1.0" encoding="utf-8"?>
 <p:sldLayout xmlns:a="http://schemas.openxmlformats.org/drawingml/2006/main" xmlns:p="http://schemas.openxmlformats.org/presentationml/2006/main" xmlns:r="http://schemas.openxmlformats.org/officeDocument/2006/relationships" xmlns:p14="http://schemas.microsoft.com/office/powerpoint/2010/main" xmlns:p15="http://schemas.microsoft.com/office/powerpoint/2012/main" xmlns:mc="http://schemas.openxmlformats.org/markup-compatibility/2006" type="titleOnly" preserve="1">
   <p:cSld name="Title Only">
@@ -4895,1085 +3539,6 @@
           <a:p>
             <a:pPr algn="ctr"/>
             <a:endParaRPr b="0" lang="en-US" sz="4400" spc="-1" strike="noStrike">
-              <a:latin typeface="Arial"/>
-            </a:endParaRPr>
-          </a:p>
-        </p:txBody>
-      </p:sp>
-    </p:spTree>
-  </p:cSld>
-</p:sldLayout>
-</file>
-
-<file path=ppt/slideLayouts/slideLayout50.xml><?xml version="1.0" encoding="utf-8"?>
-<p:sldLayout xmlns:a="http://schemas.openxmlformats.org/drawingml/2006/main" xmlns:p="http://schemas.openxmlformats.org/presentationml/2006/main" xmlns:r="http://schemas.openxmlformats.org/officeDocument/2006/relationships" xmlns:p14="http://schemas.microsoft.com/office/powerpoint/2010/main" xmlns:p15="http://schemas.microsoft.com/office/powerpoint/2012/main" xmlns:mc="http://schemas.openxmlformats.org/markup-compatibility/2006" type="tx" preserve="1">
-  <p:cSld name="Title Slide">
-    <p:spTree>
-      <p:nvGrpSpPr>
-        <p:cNvPr id="1" name=""/>
-        <p:cNvGrpSpPr/>
-        <p:nvPr/>
-      </p:nvGrpSpPr>
-      <p:grpSpPr>
-        <a:xfrm>
-          <a:off x="0" y="0"/>
-          <a:ext cx="0" cy="0"/>
-          <a:chOff x="0" y="0"/>
-          <a:chExt cx="0" cy="0"/>
-        </a:xfrm>
-      </p:grpSpPr>
-      <p:sp>
-        <p:nvSpPr>
-          <p:cNvPr id="174" name="PlaceHolder 1"/>
-          <p:cNvSpPr>
-            <a:spLocks noGrp="1"/>
-          </p:cNvSpPr>
-          <p:nvPr>
-            <p:ph type="title"/>
-          </p:nvPr>
-        </p:nvSpPr>
-        <p:spPr>
-          <a:xfrm>
-            <a:off x="504000" y="226080"/>
-            <a:ext cx="9072000" cy="946440"/>
-          </a:xfrm>
-          <a:prstGeom prst="rect">
-            <a:avLst/>
-          </a:prstGeom>
-        </p:spPr>
-        <p:txBody>
-          <a:bodyPr lIns="0" rIns="0" tIns="0" bIns="0" anchor="ctr"/>
-          <a:p>
-            <a:pPr algn="ctr"/>
-            <a:endParaRPr b="0" lang="en-US" sz="4400" spc="-1" strike="noStrike">
-              <a:latin typeface="Arial"/>
-            </a:endParaRPr>
-          </a:p>
-        </p:txBody>
-      </p:sp>
-      <p:sp>
-        <p:nvSpPr>
-          <p:cNvPr id="175" name="PlaceHolder 2"/>
-          <p:cNvSpPr>
-            <a:spLocks noGrp="1"/>
-          </p:cNvSpPr>
-          <p:nvPr>
-            <p:ph type="subTitle"/>
-          </p:nvPr>
-        </p:nvSpPr>
-        <p:spPr>
-          <a:xfrm>
-            <a:off x="504000" y="1326600"/>
-            <a:ext cx="9072000" cy="3288600"/>
-          </a:xfrm>
-          <a:prstGeom prst="rect">
-            <a:avLst/>
-          </a:prstGeom>
-        </p:spPr>
-        <p:txBody>
-          <a:bodyPr lIns="0" rIns="0" tIns="0" bIns="0" anchor="ctr"/>
-          <a:p>
-            <a:pPr algn="ctr"/>
-            <a:endParaRPr b="0" lang="en-US" sz="3200" spc="-1" strike="noStrike">
-              <a:latin typeface="Arial"/>
-            </a:endParaRPr>
-          </a:p>
-        </p:txBody>
-      </p:sp>
-    </p:spTree>
-  </p:cSld>
-</p:sldLayout>
-</file>
-
-<file path=ppt/slideLayouts/slideLayout51.xml><?xml version="1.0" encoding="utf-8"?>
-<p:sldLayout xmlns:a="http://schemas.openxmlformats.org/drawingml/2006/main" xmlns:p="http://schemas.openxmlformats.org/presentationml/2006/main" xmlns:r="http://schemas.openxmlformats.org/officeDocument/2006/relationships" xmlns:p14="http://schemas.microsoft.com/office/powerpoint/2010/main" xmlns:p15="http://schemas.microsoft.com/office/powerpoint/2012/main" xmlns:mc="http://schemas.openxmlformats.org/markup-compatibility/2006" type="obj" preserve="1">
-  <p:cSld name="Title, Content">
-    <p:spTree>
-      <p:nvGrpSpPr>
-        <p:cNvPr id="1" name=""/>
-        <p:cNvGrpSpPr/>
-        <p:nvPr/>
-      </p:nvGrpSpPr>
-      <p:grpSpPr>
-        <a:xfrm>
-          <a:off x="0" y="0"/>
-          <a:ext cx="0" cy="0"/>
-          <a:chOff x="0" y="0"/>
-          <a:chExt cx="0" cy="0"/>
-        </a:xfrm>
-      </p:grpSpPr>
-      <p:sp>
-        <p:nvSpPr>
-          <p:cNvPr id="176" name="PlaceHolder 1"/>
-          <p:cNvSpPr>
-            <a:spLocks noGrp="1"/>
-          </p:cNvSpPr>
-          <p:nvPr>
-            <p:ph type="title"/>
-          </p:nvPr>
-        </p:nvSpPr>
-        <p:spPr>
-          <a:xfrm>
-            <a:off x="504000" y="226080"/>
-            <a:ext cx="9072000" cy="946440"/>
-          </a:xfrm>
-          <a:prstGeom prst="rect">
-            <a:avLst/>
-          </a:prstGeom>
-        </p:spPr>
-        <p:txBody>
-          <a:bodyPr lIns="0" rIns="0" tIns="0" bIns="0" anchor="ctr"/>
-          <a:p>
-            <a:pPr algn="ctr"/>
-            <a:endParaRPr b="0" lang="en-US" sz="4400" spc="-1" strike="noStrike">
-              <a:latin typeface="Arial"/>
-            </a:endParaRPr>
-          </a:p>
-        </p:txBody>
-      </p:sp>
-      <p:sp>
-        <p:nvSpPr>
-          <p:cNvPr id="177" name="PlaceHolder 2"/>
-          <p:cNvSpPr>
-            <a:spLocks noGrp="1"/>
-          </p:cNvSpPr>
-          <p:nvPr>
-            <p:ph type="body"/>
-          </p:nvPr>
-        </p:nvSpPr>
-        <p:spPr>
-          <a:xfrm>
-            <a:off x="504000" y="1326600"/>
-            <a:ext cx="9072000" cy="3288600"/>
-          </a:xfrm>
-          <a:prstGeom prst="rect">
-            <a:avLst/>
-          </a:prstGeom>
-        </p:spPr>
-        <p:txBody>
-          <a:bodyPr lIns="0" rIns="0" tIns="0" bIns="0">
-            <a:normAutofit/>
-          </a:bodyPr>
-          <a:p>
-            <a:endParaRPr b="0" lang="en-US" sz="3200" spc="-1" strike="noStrike">
-              <a:latin typeface="Arial"/>
-            </a:endParaRPr>
-          </a:p>
-        </p:txBody>
-      </p:sp>
-    </p:spTree>
-  </p:cSld>
-</p:sldLayout>
-</file>
-
-<file path=ppt/slideLayouts/slideLayout52.xml><?xml version="1.0" encoding="utf-8"?>
-<p:sldLayout xmlns:a="http://schemas.openxmlformats.org/drawingml/2006/main" xmlns:p="http://schemas.openxmlformats.org/presentationml/2006/main" xmlns:r="http://schemas.openxmlformats.org/officeDocument/2006/relationships" xmlns:p14="http://schemas.microsoft.com/office/powerpoint/2010/main" xmlns:p15="http://schemas.microsoft.com/office/powerpoint/2012/main" xmlns:mc="http://schemas.openxmlformats.org/markup-compatibility/2006" type="twoObj" preserve="1">
-  <p:cSld name="Title, 2 Content">
-    <p:spTree>
-      <p:nvGrpSpPr>
-        <p:cNvPr id="1" name=""/>
-        <p:cNvGrpSpPr/>
-        <p:nvPr/>
-      </p:nvGrpSpPr>
-      <p:grpSpPr>
-        <a:xfrm>
-          <a:off x="0" y="0"/>
-          <a:ext cx="0" cy="0"/>
-          <a:chOff x="0" y="0"/>
-          <a:chExt cx="0" cy="0"/>
-        </a:xfrm>
-      </p:grpSpPr>
-      <p:sp>
-        <p:nvSpPr>
-          <p:cNvPr id="178" name="PlaceHolder 1"/>
-          <p:cNvSpPr>
-            <a:spLocks noGrp="1"/>
-          </p:cNvSpPr>
-          <p:nvPr>
-            <p:ph type="title"/>
-          </p:nvPr>
-        </p:nvSpPr>
-        <p:spPr>
-          <a:xfrm>
-            <a:off x="504000" y="226080"/>
-            <a:ext cx="9072000" cy="946440"/>
-          </a:xfrm>
-          <a:prstGeom prst="rect">
-            <a:avLst/>
-          </a:prstGeom>
-        </p:spPr>
-        <p:txBody>
-          <a:bodyPr lIns="0" rIns="0" tIns="0" bIns="0" anchor="ctr"/>
-          <a:p>
-            <a:pPr algn="ctr"/>
-            <a:endParaRPr b="0" lang="en-US" sz="4400" spc="-1" strike="noStrike">
-              <a:latin typeface="Arial"/>
-            </a:endParaRPr>
-          </a:p>
-        </p:txBody>
-      </p:sp>
-      <p:sp>
-        <p:nvSpPr>
-          <p:cNvPr id="179" name="PlaceHolder 2"/>
-          <p:cNvSpPr>
-            <a:spLocks noGrp="1"/>
-          </p:cNvSpPr>
-          <p:nvPr>
-            <p:ph type="body"/>
-          </p:nvPr>
-        </p:nvSpPr>
-        <p:spPr>
-          <a:xfrm>
-            <a:off x="504000" y="1326600"/>
-            <a:ext cx="4426920" cy="3288600"/>
-          </a:xfrm>
-          <a:prstGeom prst="rect">
-            <a:avLst/>
-          </a:prstGeom>
-        </p:spPr>
-        <p:txBody>
-          <a:bodyPr lIns="0" rIns="0" tIns="0" bIns="0">
-            <a:normAutofit/>
-          </a:bodyPr>
-          <a:p>
-            <a:endParaRPr b="0" lang="en-US" sz="3200" spc="-1" strike="noStrike">
-              <a:latin typeface="Arial"/>
-            </a:endParaRPr>
-          </a:p>
-        </p:txBody>
-      </p:sp>
-      <p:sp>
-        <p:nvSpPr>
-          <p:cNvPr id="180" name="PlaceHolder 3"/>
-          <p:cNvSpPr>
-            <a:spLocks noGrp="1"/>
-          </p:cNvSpPr>
-          <p:nvPr>
-            <p:ph type="body"/>
-          </p:nvPr>
-        </p:nvSpPr>
-        <p:spPr>
-          <a:xfrm>
-            <a:off x="5152680" y="1326600"/>
-            <a:ext cx="4426920" cy="3288600"/>
-          </a:xfrm>
-          <a:prstGeom prst="rect">
-            <a:avLst/>
-          </a:prstGeom>
-        </p:spPr>
-        <p:txBody>
-          <a:bodyPr lIns="0" rIns="0" tIns="0" bIns="0">
-            <a:normAutofit/>
-          </a:bodyPr>
-          <a:p>
-            <a:endParaRPr b="0" lang="en-US" sz="3200" spc="-1" strike="noStrike">
-              <a:latin typeface="Arial"/>
-            </a:endParaRPr>
-          </a:p>
-        </p:txBody>
-      </p:sp>
-    </p:spTree>
-  </p:cSld>
-</p:sldLayout>
-</file>
-
-<file path=ppt/slideLayouts/slideLayout53.xml><?xml version="1.0" encoding="utf-8"?>
-<p:sldLayout xmlns:a="http://schemas.openxmlformats.org/drawingml/2006/main" xmlns:p="http://schemas.openxmlformats.org/presentationml/2006/main" xmlns:r="http://schemas.openxmlformats.org/officeDocument/2006/relationships" xmlns:p14="http://schemas.microsoft.com/office/powerpoint/2010/main" xmlns:p15="http://schemas.microsoft.com/office/powerpoint/2012/main" xmlns:mc="http://schemas.openxmlformats.org/markup-compatibility/2006" type="titleOnly" preserve="1">
-  <p:cSld name="Title Only">
-    <p:spTree>
-      <p:nvGrpSpPr>
-        <p:cNvPr id="1" name=""/>
-        <p:cNvGrpSpPr/>
-        <p:nvPr/>
-      </p:nvGrpSpPr>
-      <p:grpSpPr>
-        <a:xfrm>
-          <a:off x="0" y="0"/>
-          <a:ext cx="0" cy="0"/>
-          <a:chOff x="0" y="0"/>
-          <a:chExt cx="0" cy="0"/>
-        </a:xfrm>
-      </p:grpSpPr>
-      <p:sp>
-        <p:nvSpPr>
-          <p:cNvPr id="181" name="PlaceHolder 1"/>
-          <p:cNvSpPr>
-            <a:spLocks noGrp="1"/>
-          </p:cNvSpPr>
-          <p:nvPr>
-            <p:ph type="title"/>
-          </p:nvPr>
-        </p:nvSpPr>
-        <p:spPr>
-          <a:xfrm>
-            <a:off x="504000" y="226080"/>
-            <a:ext cx="9072000" cy="946440"/>
-          </a:xfrm>
-          <a:prstGeom prst="rect">
-            <a:avLst/>
-          </a:prstGeom>
-        </p:spPr>
-        <p:txBody>
-          <a:bodyPr lIns="0" rIns="0" tIns="0" bIns="0" anchor="ctr"/>
-          <a:p>
-            <a:pPr algn="ctr"/>
-            <a:endParaRPr b="0" lang="en-US" sz="4400" spc="-1" strike="noStrike">
-              <a:latin typeface="Arial"/>
-            </a:endParaRPr>
-          </a:p>
-        </p:txBody>
-      </p:sp>
-    </p:spTree>
-  </p:cSld>
-</p:sldLayout>
-</file>
-
-<file path=ppt/slideLayouts/slideLayout54.xml><?xml version="1.0" encoding="utf-8"?>
-<p:sldLayout xmlns:a="http://schemas.openxmlformats.org/drawingml/2006/main" xmlns:p="http://schemas.openxmlformats.org/presentationml/2006/main" xmlns:r="http://schemas.openxmlformats.org/officeDocument/2006/relationships" xmlns:p14="http://schemas.microsoft.com/office/powerpoint/2010/main" xmlns:p15="http://schemas.microsoft.com/office/powerpoint/2012/main" xmlns:mc="http://schemas.openxmlformats.org/markup-compatibility/2006" type="objOnly" preserve="1">
-  <p:cSld name="Centered Text">
-    <p:spTree>
-      <p:nvGrpSpPr>
-        <p:cNvPr id="1" name=""/>
-        <p:cNvGrpSpPr/>
-        <p:nvPr/>
-      </p:nvGrpSpPr>
-      <p:grpSpPr>
-        <a:xfrm>
-          <a:off x="0" y="0"/>
-          <a:ext cx="0" cy="0"/>
-          <a:chOff x="0" y="0"/>
-          <a:chExt cx="0" cy="0"/>
-        </a:xfrm>
-      </p:grpSpPr>
-      <p:sp>
-        <p:nvSpPr>
-          <p:cNvPr id="182" name="PlaceHolder 1"/>
-          <p:cNvSpPr>
-            <a:spLocks noGrp="1"/>
-          </p:cNvSpPr>
-          <p:nvPr>
-            <p:ph type="subTitle"/>
-          </p:nvPr>
-        </p:nvSpPr>
-        <p:spPr>
-          <a:xfrm>
-            <a:off x="504000" y="226080"/>
-            <a:ext cx="9072000" cy="4388400"/>
-          </a:xfrm>
-          <a:prstGeom prst="rect">
-            <a:avLst/>
-          </a:prstGeom>
-        </p:spPr>
-        <p:txBody>
-          <a:bodyPr lIns="0" rIns="0" tIns="0" bIns="0" anchor="ctr"/>
-          <a:p>
-            <a:pPr algn="ctr"/>
-            <a:endParaRPr b="0" lang="en-US" sz="3200" spc="-1" strike="noStrike">
-              <a:latin typeface="Arial"/>
-            </a:endParaRPr>
-          </a:p>
-        </p:txBody>
-      </p:sp>
-    </p:spTree>
-  </p:cSld>
-</p:sldLayout>
-</file>
-
-<file path=ppt/slideLayouts/slideLayout55.xml><?xml version="1.0" encoding="utf-8"?>
-<p:sldLayout xmlns:a="http://schemas.openxmlformats.org/drawingml/2006/main" xmlns:p="http://schemas.openxmlformats.org/presentationml/2006/main" xmlns:r="http://schemas.openxmlformats.org/officeDocument/2006/relationships" xmlns:p14="http://schemas.microsoft.com/office/powerpoint/2010/main" xmlns:p15="http://schemas.microsoft.com/office/powerpoint/2012/main" xmlns:mc="http://schemas.openxmlformats.org/markup-compatibility/2006" type="twoObjAndObj" preserve="1">
-  <p:cSld name="Title, 2 Content and Content">
-    <p:spTree>
-      <p:nvGrpSpPr>
-        <p:cNvPr id="1" name=""/>
-        <p:cNvGrpSpPr/>
-        <p:nvPr/>
-      </p:nvGrpSpPr>
-      <p:grpSpPr>
-        <a:xfrm>
-          <a:off x="0" y="0"/>
-          <a:ext cx="0" cy="0"/>
-          <a:chOff x="0" y="0"/>
-          <a:chExt cx="0" cy="0"/>
-        </a:xfrm>
-      </p:grpSpPr>
-      <p:sp>
-        <p:nvSpPr>
-          <p:cNvPr id="183" name="PlaceHolder 1"/>
-          <p:cNvSpPr>
-            <a:spLocks noGrp="1"/>
-          </p:cNvSpPr>
-          <p:nvPr>
-            <p:ph type="title"/>
-          </p:nvPr>
-        </p:nvSpPr>
-        <p:spPr>
-          <a:xfrm>
-            <a:off x="504000" y="226080"/>
-            <a:ext cx="9072000" cy="946440"/>
-          </a:xfrm>
-          <a:prstGeom prst="rect">
-            <a:avLst/>
-          </a:prstGeom>
-        </p:spPr>
-        <p:txBody>
-          <a:bodyPr lIns="0" rIns="0" tIns="0" bIns="0" anchor="ctr"/>
-          <a:p>
-            <a:pPr algn="ctr"/>
-            <a:endParaRPr b="0" lang="en-US" sz="4400" spc="-1" strike="noStrike">
-              <a:latin typeface="Arial"/>
-            </a:endParaRPr>
-          </a:p>
-        </p:txBody>
-      </p:sp>
-      <p:sp>
-        <p:nvSpPr>
-          <p:cNvPr id="184" name="PlaceHolder 2"/>
-          <p:cNvSpPr>
-            <a:spLocks noGrp="1"/>
-          </p:cNvSpPr>
-          <p:nvPr>
-            <p:ph type="body"/>
-          </p:nvPr>
-        </p:nvSpPr>
-        <p:spPr>
-          <a:xfrm>
-            <a:off x="504000" y="1326600"/>
-            <a:ext cx="4426920" cy="1568520"/>
-          </a:xfrm>
-          <a:prstGeom prst="rect">
-            <a:avLst/>
-          </a:prstGeom>
-        </p:spPr>
-        <p:txBody>
-          <a:bodyPr lIns="0" rIns="0" tIns="0" bIns="0">
-            <a:normAutofit/>
-          </a:bodyPr>
-          <a:p>
-            <a:endParaRPr b="0" lang="en-US" sz="3200" spc="-1" strike="noStrike">
-              <a:latin typeface="Arial"/>
-            </a:endParaRPr>
-          </a:p>
-        </p:txBody>
-      </p:sp>
-      <p:sp>
-        <p:nvSpPr>
-          <p:cNvPr id="185" name="PlaceHolder 3"/>
-          <p:cNvSpPr>
-            <a:spLocks noGrp="1"/>
-          </p:cNvSpPr>
-          <p:nvPr>
-            <p:ph type="body"/>
-          </p:nvPr>
-        </p:nvSpPr>
-        <p:spPr>
-          <a:xfrm>
-            <a:off x="5152680" y="1326600"/>
-            <a:ext cx="4426920" cy="3288600"/>
-          </a:xfrm>
-          <a:prstGeom prst="rect">
-            <a:avLst/>
-          </a:prstGeom>
-        </p:spPr>
-        <p:txBody>
-          <a:bodyPr lIns="0" rIns="0" tIns="0" bIns="0">
-            <a:normAutofit/>
-          </a:bodyPr>
-          <a:p>
-            <a:endParaRPr b="0" lang="en-US" sz="3200" spc="-1" strike="noStrike">
-              <a:latin typeface="Arial"/>
-            </a:endParaRPr>
-          </a:p>
-        </p:txBody>
-      </p:sp>
-      <p:sp>
-        <p:nvSpPr>
-          <p:cNvPr id="186" name="PlaceHolder 4"/>
-          <p:cNvSpPr>
-            <a:spLocks noGrp="1"/>
-          </p:cNvSpPr>
-          <p:nvPr>
-            <p:ph type="body"/>
-          </p:nvPr>
-        </p:nvSpPr>
-        <p:spPr>
-          <a:xfrm>
-            <a:off x="504000" y="3044520"/>
-            <a:ext cx="4426920" cy="1568520"/>
-          </a:xfrm>
-          <a:prstGeom prst="rect">
-            <a:avLst/>
-          </a:prstGeom>
-        </p:spPr>
-        <p:txBody>
-          <a:bodyPr lIns="0" rIns="0" tIns="0" bIns="0">
-            <a:normAutofit/>
-          </a:bodyPr>
-          <a:p>
-            <a:endParaRPr b="0" lang="en-US" sz="3200" spc="-1" strike="noStrike">
-              <a:latin typeface="Arial"/>
-            </a:endParaRPr>
-          </a:p>
-        </p:txBody>
-      </p:sp>
-    </p:spTree>
-  </p:cSld>
-</p:sldLayout>
-</file>
-
-<file path=ppt/slideLayouts/slideLayout56.xml><?xml version="1.0" encoding="utf-8"?>
-<p:sldLayout xmlns:a="http://schemas.openxmlformats.org/drawingml/2006/main" xmlns:p="http://schemas.openxmlformats.org/presentationml/2006/main" xmlns:r="http://schemas.openxmlformats.org/officeDocument/2006/relationships" xmlns:p14="http://schemas.microsoft.com/office/powerpoint/2010/main" xmlns:p15="http://schemas.microsoft.com/office/powerpoint/2012/main" xmlns:mc="http://schemas.openxmlformats.org/markup-compatibility/2006" type="objAndTwoObj" preserve="1">
-  <p:cSld name="Title Content and 2 Content">
-    <p:spTree>
-      <p:nvGrpSpPr>
-        <p:cNvPr id="1" name=""/>
-        <p:cNvGrpSpPr/>
-        <p:nvPr/>
-      </p:nvGrpSpPr>
-      <p:grpSpPr>
-        <a:xfrm>
-          <a:off x="0" y="0"/>
-          <a:ext cx="0" cy="0"/>
-          <a:chOff x="0" y="0"/>
-          <a:chExt cx="0" cy="0"/>
-        </a:xfrm>
-      </p:grpSpPr>
-      <p:sp>
-        <p:nvSpPr>
-          <p:cNvPr id="187" name="PlaceHolder 1"/>
-          <p:cNvSpPr>
-            <a:spLocks noGrp="1"/>
-          </p:cNvSpPr>
-          <p:nvPr>
-            <p:ph type="title"/>
-          </p:nvPr>
-        </p:nvSpPr>
-        <p:spPr>
-          <a:xfrm>
-            <a:off x="504000" y="226080"/>
-            <a:ext cx="9072000" cy="946440"/>
-          </a:xfrm>
-          <a:prstGeom prst="rect">
-            <a:avLst/>
-          </a:prstGeom>
-        </p:spPr>
-        <p:txBody>
-          <a:bodyPr lIns="0" rIns="0" tIns="0" bIns="0" anchor="ctr"/>
-          <a:p>
-            <a:pPr algn="ctr"/>
-            <a:endParaRPr b="0" lang="en-US" sz="4400" spc="-1" strike="noStrike">
-              <a:latin typeface="Arial"/>
-            </a:endParaRPr>
-          </a:p>
-        </p:txBody>
-      </p:sp>
-      <p:sp>
-        <p:nvSpPr>
-          <p:cNvPr id="188" name="PlaceHolder 2"/>
-          <p:cNvSpPr>
-            <a:spLocks noGrp="1"/>
-          </p:cNvSpPr>
-          <p:nvPr>
-            <p:ph type="body"/>
-          </p:nvPr>
-        </p:nvSpPr>
-        <p:spPr>
-          <a:xfrm>
-            <a:off x="504000" y="1326600"/>
-            <a:ext cx="4426920" cy="3288600"/>
-          </a:xfrm>
-          <a:prstGeom prst="rect">
-            <a:avLst/>
-          </a:prstGeom>
-        </p:spPr>
-        <p:txBody>
-          <a:bodyPr lIns="0" rIns="0" tIns="0" bIns="0">
-            <a:normAutofit/>
-          </a:bodyPr>
-          <a:p>
-            <a:endParaRPr b="0" lang="en-US" sz="3200" spc="-1" strike="noStrike">
-              <a:latin typeface="Arial"/>
-            </a:endParaRPr>
-          </a:p>
-        </p:txBody>
-      </p:sp>
-      <p:sp>
-        <p:nvSpPr>
-          <p:cNvPr id="189" name="PlaceHolder 3"/>
-          <p:cNvSpPr>
-            <a:spLocks noGrp="1"/>
-          </p:cNvSpPr>
-          <p:nvPr>
-            <p:ph type="body"/>
-          </p:nvPr>
-        </p:nvSpPr>
-        <p:spPr>
-          <a:xfrm>
-            <a:off x="5152680" y="1326600"/>
-            <a:ext cx="4426920" cy="1568520"/>
-          </a:xfrm>
-          <a:prstGeom prst="rect">
-            <a:avLst/>
-          </a:prstGeom>
-        </p:spPr>
-        <p:txBody>
-          <a:bodyPr lIns="0" rIns="0" tIns="0" bIns="0">
-            <a:normAutofit/>
-          </a:bodyPr>
-          <a:p>
-            <a:endParaRPr b="0" lang="en-US" sz="3200" spc="-1" strike="noStrike">
-              <a:latin typeface="Arial"/>
-            </a:endParaRPr>
-          </a:p>
-        </p:txBody>
-      </p:sp>
-      <p:sp>
-        <p:nvSpPr>
-          <p:cNvPr id="190" name="PlaceHolder 4"/>
-          <p:cNvSpPr>
-            <a:spLocks noGrp="1"/>
-          </p:cNvSpPr>
-          <p:nvPr>
-            <p:ph type="body"/>
-          </p:nvPr>
-        </p:nvSpPr>
-        <p:spPr>
-          <a:xfrm>
-            <a:off x="5152680" y="3044520"/>
-            <a:ext cx="4426920" cy="1568520"/>
-          </a:xfrm>
-          <a:prstGeom prst="rect">
-            <a:avLst/>
-          </a:prstGeom>
-        </p:spPr>
-        <p:txBody>
-          <a:bodyPr lIns="0" rIns="0" tIns="0" bIns="0">
-            <a:normAutofit/>
-          </a:bodyPr>
-          <a:p>
-            <a:endParaRPr b="0" lang="en-US" sz="3200" spc="-1" strike="noStrike">
-              <a:latin typeface="Arial"/>
-            </a:endParaRPr>
-          </a:p>
-        </p:txBody>
-      </p:sp>
-    </p:spTree>
-  </p:cSld>
-</p:sldLayout>
-</file>
-
-<file path=ppt/slideLayouts/slideLayout57.xml><?xml version="1.0" encoding="utf-8"?>
-<p:sldLayout xmlns:a="http://schemas.openxmlformats.org/drawingml/2006/main" xmlns:p="http://schemas.openxmlformats.org/presentationml/2006/main" xmlns:r="http://schemas.openxmlformats.org/officeDocument/2006/relationships" xmlns:p14="http://schemas.microsoft.com/office/powerpoint/2010/main" xmlns:p15="http://schemas.microsoft.com/office/powerpoint/2012/main" xmlns:mc="http://schemas.openxmlformats.org/markup-compatibility/2006" type="twoObjOverTx" preserve="1">
-  <p:cSld name="Title, 2 Content over Content">
-    <p:spTree>
-      <p:nvGrpSpPr>
-        <p:cNvPr id="1" name=""/>
-        <p:cNvGrpSpPr/>
-        <p:nvPr/>
-      </p:nvGrpSpPr>
-      <p:grpSpPr>
-        <a:xfrm>
-          <a:off x="0" y="0"/>
-          <a:ext cx="0" cy="0"/>
-          <a:chOff x="0" y="0"/>
-          <a:chExt cx="0" cy="0"/>
-        </a:xfrm>
-      </p:grpSpPr>
-      <p:sp>
-        <p:nvSpPr>
-          <p:cNvPr id="191" name="PlaceHolder 1"/>
-          <p:cNvSpPr>
-            <a:spLocks noGrp="1"/>
-          </p:cNvSpPr>
-          <p:nvPr>
-            <p:ph type="title"/>
-          </p:nvPr>
-        </p:nvSpPr>
-        <p:spPr>
-          <a:xfrm>
-            <a:off x="504000" y="226080"/>
-            <a:ext cx="9072000" cy="946440"/>
-          </a:xfrm>
-          <a:prstGeom prst="rect">
-            <a:avLst/>
-          </a:prstGeom>
-        </p:spPr>
-        <p:txBody>
-          <a:bodyPr lIns="0" rIns="0" tIns="0" bIns="0" anchor="ctr"/>
-          <a:p>
-            <a:pPr algn="ctr"/>
-            <a:endParaRPr b="0" lang="en-US" sz="4400" spc="-1" strike="noStrike">
-              <a:latin typeface="Arial"/>
-            </a:endParaRPr>
-          </a:p>
-        </p:txBody>
-      </p:sp>
-      <p:sp>
-        <p:nvSpPr>
-          <p:cNvPr id="192" name="PlaceHolder 2"/>
-          <p:cNvSpPr>
-            <a:spLocks noGrp="1"/>
-          </p:cNvSpPr>
-          <p:nvPr>
-            <p:ph type="body"/>
-          </p:nvPr>
-        </p:nvSpPr>
-        <p:spPr>
-          <a:xfrm>
-            <a:off x="504000" y="1326600"/>
-            <a:ext cx="4426920" cy="1568520"/>
-          </a:xfrm>
-          <a:prstGeom prst="rect">
-            <a:avLst/>
-          </a:prstGeom>
-        </p:spPr>
-        <p:txBody>
-          <a:bodyPr lIns="0" rIns="0" tIns="0" bIns="0">
-            <a:normAutofit/>
-          </a:bodyPr>
-          <a:p>
-            <a:endParaRPr b="0" lang="en-US" sz="3200" spc="-1" strike="noStrike">
-              <a:latin typeface="Arial"/>
-            </a:endParaRPr>
-          </a:p>
-        </p:txBody>
-      </p:sp>
-      <p:sp>
-        <p:nvSpPr>
-          <p:cNvPr id="193" name="PlaceHolder 3"/>
-          <p:cNvSpPr>
-            <a:spLocks noGrp="1"/>
-          </p:cNvSpPr>
-          <p:nvPr>
-            <p:ph type="body"/>
-          </p:nvPr>
-        </p:nvSpPr>
-        <p:spPr>
-          <a:xfrm>
-            <a:off x="5152680" y="1326600"/>
-            <a:ext cx="4426920" cy="1568520"/>
-          </a:xfrm>
-          <a:prstGeom prst="rect">
-            <a:avLst/>
-          </a:prstGeom>
-        </p:spPr>
-        <p:txBody>
-          <a:bodyPr lIns="0" rIns="0" tIns="0" bIns="0">
-            <a:normAutofit/>
-          </a:bodyPr>
-          <a:p>
-            <a:endParaRPr b="0" lang="en-US" sz="3200" spc="-1" strike="noStrike">
-              <a:latin typeface="Arial"/>
-            </a:endParaRPr>
-          </a:p>
-        </p:txBody>
-      </p:sp>
-      <p:sp>
-        <p:nvSpPr>
-          <p:cNvPr id="194" name="PlaceHolder 4"/>
-          <p:cNvSpPr>
-            <a:spLocks noGrp="1"/>
-          </p:cNvSpPr>
-          <p:nvPr>
-            <p:ph type="body"/>
-          </p:nvPr>
-        </p:nvSpPr>
-        <p:spPr>
-          <a:xfrm>
-            <a:off x="504000" y="3044520"/>
-            <a:ext cx="9072000" cy="1568520"/>
-          </a:xfrm>
-          <a:prstGeom prst="rect">
-            <a:avLst/>
-          </a:prstGeom>
-        </p:spPr>
-        <p:txBody>
-          <a:bodyPr lIns="0" rIns="0" tIns="0" bIns="0">
-            <a:normAutofit/>
-          </a:bodyPr>
-          <a:p>
-            <a:endParaRPr b="0" lang="en-US" sz="3200" spc="-1" strike="noStrike">
-              <a:latin typeface="Arial"/>
-            </a:endParaRPr>
-          </a:p>
-        </p:txBody>
-      </p:sp>
-    </p:spTree>
-  </p:cSld>
-</p:sldLayout>
-</file>
-
-<file path=ppt/slideLayouts/slideLayout58.xml><?xml version="1.0" encoding="utf-8"?>
-<p:sldLayout xmlns:a="http://schemas.openxmlformats.org/drawingml/2006/main" xmlns:p="http://schemas.openxmlformats.org/presentationml/2006/main" xmlns:r="http://schemas.openxmlformats.org/officeDocument/2006/relationships" xmlns:p14="http://schemas.microsoft.com/office/powerpoint/2010/main" xmlns:p15="http://schemas.microsoft.com/office/powerpoint/2012/main" xmlns:mc="http://schemas.openxmlformats.org/markup-compatibility/2006" type="objOverTx" preserve="1">
-  <p:cSld name="Title, Content over Content">
-    <p:spTree>
-      <p:nvGrpSpPr>
-        <p:cNvPr id="1" name=""/>
-        <p:cNvGrpSpPr/>
-        <p:nvPr/>
-      </p:nvGrpSpPr>
-      <p:grpSpPr>
-        <a:xfrm>
-          <a:off x="0" y="0"/>
-          <a:ext cx="0" cy="0"/>
-          <a:chOff x="0" y="0"/>
-          <a:chExt cx="0" cy="0"/>
-        </a:xfrm>
-      </p:grpSpPr>
-      <p:sp>
-        <p:nvSpPr>
-          <p:cNvPr id="195" name="PlaceHolder 1"/>
-          <p:cNvSpPr>
-            <a:spLocks noGrp="1"/>
-          </p:cNvSpPr>
-          <p:nvPr>
-            <p:ph type="title"/>
-          </p:nvPr>
-        </p:nvSpPr>
-        <p:spPr>
-          <a:xfrm>
-            <a:off x="504000" y="226080"/>
-            <a:ext cx="9072000" cy="946440"/>
-          </a:xfrm>
-          <a:prstGeom prst="rect">
-            <a:avLst/>
-          </a:prstGeom>
-        </p:spPr>
-        <p:txBody>
-          <a:bodyPr lIns="0" rIns="0" tIns="0" bIns="0" anchor="ctr"/>
-          <a:p>
-            <a:pPr algn="ctr"/>
-            <a:endParaRPr b="0" lang="en-US" sz="4400" spc="-1" strike="noStrike">
-              <a:latin typeface="Arial"/>
-            </a:endParaRPr>
-          </a:p>
-        </p:txBody>
-      </p:sp>
-      <p:sp>
-        <p:nvSpPr>
-          <p:cNvPr id="196" name="PlaceHolder 2"/>
-          <p:cNvSpPr>
-            <a:spLocks noGrp="1"/>
-          </p:cNvSpPr>
-          <p:nvPr>
-            <p:ph type="body"/>
-          </p:nvPr>
-        </p:nvSpPr>
-        <p:spPr>
-          <a:xfrm>
-            <a:off x="504000" y="1326600"/>
-            <a:ext cx="9072000" cy="1568520"/>
-          </a:xfrm>
-          <a:prstGeom prst="rect">
-            <a:avLst/>
-          </a:prstGeom>
-        </p:spPr>
-        <p:txBody>
-          <a:bodyPr lIns="0" rIns="0" tIns="0" bIns="0">
-            <a:normAutofit/>
-          </a:bodyPr>
-          <a:p>
-            <a:endParaRPr b="0" lang="en-US" sz="3200" spc="-1" strike="noStrike">
-              <a:latin typeface="Arial"/>
-            </a:endParaRPr>
-          </a:p>
-        </p:txBody>
-      </p:sp>
-      <p:sp>
-        <p:nvSpPr>
-          <p:cNvPr id="197" name="PlaceHolder 3"/>
-          <p:cNvSpPr>
-            <a:spLocks noGrp="1"/>
-          </p:cNvSpPr>
-          <p:nvPr>
-            <p:ph type="body"/>
-          </p:nvPr>
-        </p:nvSpPr>
-        <p:spPr>
-          <a:xfrm>
-            <a:off x="504000" y="3044520"/>
-            <a:ext cx="9072000" cy="1568520"/>
-          </a:xfrm>
-          <a:prstGeom prst="rect">
-            <a:avLst/>
-          </a:prstGeom>
-        </p:spPr>
-        <p:txBody>
-          <a:bodyPr lIns="0" rIns="0" tIns="0" bIns="0">
-            <a:normAutofit/>
-          </a:bodyPr>
-          <a:p>
-            <a:endParaRPr b="0" lang="en-US" sz="3200" spc="-1" strike="noStrike">
-              <a:latin typeface="Arial"/>
-            </a:endParaRPr>
-          </a:p>
-        </p:txBody>
-      </p:sp>
-    </p:spTree>
-  </p:cSld>
-</p:sldLayout>
-</file>
-
-<file path=ppt/slideLayouts/slideLayout59.xml><?xml version="1.0" encoding="utf-8"?>
-<p:sldLayout xmlns:a="http://schemas.openxmlformats.org/drawingml/2006/main" xmlns:p="http://schemas.openxmlformats.org/presentationml/2006/main" xmlns:r="http://schemas.openxmlformats.org/officeDocument/2006/relationships" xmlns:p14="http://schemas.microsoft.com/office/powerpoint/2010/main" xmlns:p15="http://schemas.microsoft.com/office/powerpoint/2012/main" xmlns:mc="http://schemas.openxmlformats.org/markup-compatibility/2006" type="fourObj" preserve="1">
-  <p:cSld name="Title, 4 Content">
-    <p:spTree>
-      <p:nvGrpSpPr>
-        <p:cNvPr id="1" name=""/>
-        <p:cNvGrpSpPr/>
-        <p:nvPr/>
-      </p:nvGrpSpPr>
-      <p:grpSpPr>
-        <a:xfrm>
-          <a:off x="0" y="0"/>
-          <a:ext cx="0" cy="0"/>
-          <a:chOff x="0" y="0"/>
-          <a:chExt cx="0" cy="0"/>
-        </a:xfrm>
-      </p:grpSpPr>
-      <p:sp>
-        <p:nvSpPr>
-          <p:cNvPr id="198" name="PlaceHolder 1"/>
-          <p:cNvSpPr>
-            <a:spLocks noGrp="1"/>
-          </p:cNvSpPr>
-          <p:nvPr>
-            <p:ph type="title"/>
-          </p:nvPr>
-        </p:nvSpPr>
-        <p:spPr>
-          <a:xfrm>
-            <a:off x="504000" y="226080"/>
-            <a:ext cx="9072000" cy="946440"/>
-          </a:xfrm>
-          <a:prstGeom prst="rect">
-            <a:avLst/>
-          </a:prstGeom>
-        </p:spPr>
-        <p:txBody>
-          <a:bodyPr lIns="0" rIns="0" tIns="0" bIns="0" anchor="ctr"/>
-          <a:p>
-            <a:pPr algn="ctr"/>
-            <a:endParaRPr b="0" lang="en-US" sz="4400" spc="-1" strike="noStrike">
-              <a:latin typeface="Arial"/>
-            </a:endParaRPr>
-          </a:p>
-        </p:txBody>
-      </p:sp>
-      <p:sp>
-        <p:nvSpPr>
-          <p:cNvPr id="199" name="PlaceHolder 2"/>
-          <p:cNvSpPr>
-            <a:spLocks noGrp="1"/>
-          </p:cNvSpPr>
-          <p:nvPr>
-            <p:ph type="body"/>
-          </p:nvPr>
-        </p:nvSpPr>
-        <p:spPr>
-          <a:xfrm>
-            <a:off x="504000" y="1326600"/>
-            <a:ext cx="4426920" cy="1568520"/>
-          </a:xfrm>
-          <a:prstGeom prst="rect">
-            <a:avLst/>
-          </a:prstGeom>
-        </p:spPr>
-        <p:txBody>
-          <a:bodyPr lIns="0" rIns="0" tIns="0" bIns="0">
-            <a:normAutofit/>
-          </a:bodyPr>
-          <a:p>
-            <a:endParaRPr b="0" lang="en-US" sz="3200" spc="-1" strike="noStrike">
-              <a:latin typeface="Arial"/>
-            </a:endParaRPr>
-          </a:p>
-        </p:txBody>
-      </p:sp>
-      <p:sp>
-        <p:nvSpPr>
-          <p:cNvPr id="200" name="PlaceHolder 3"/>
-          <p:cNvSpPr>
-            <a:spLocks noGrp="1"/>
-          </p:cNvSpPr>
-          <p:nvPr>
-            <p:ph type="body"/>
-          </p:nvPr>
-        </p:nvSpPr>
-        <p:spPr>
-          <a:xfrm>
-            <a:off x="5152680" y="1326600"/>
-            <a:ext cx="4426920" cy="1568520"/>
-          </a:xfrm>
-          <a:prstGeom prst="rect">
-            <a:avLst/>
-          </a:prstGeom>
-        </p:spPr>
-        <p:txBody>
-          <a:bodyPr lIns="0" rIns="0" tIns="0" bIns="0">
-            <a:normAutofit/>
-          </a:bodyPr>
-          <a:p>
-            <a:endParaRPr b="0" lang="en-US" sz="3200" spc="-1" strike="noStrike">
-              <a:latin typeface="Arial"/>
-            </a:endParaRPr>
-          </a:p>
-        </p:txBody>
-      </p:sp>
-      <p:sp>
-        <p:nvSpPr>
-          <p:cNvPr id="201" name="PlaceHolder 4"/>
-          <p:cNvSpPr>
-            <a:spLocks noGrp="1"/>
-          </p:cNvSpPr>
-          <p:nvPr>
-            <p:ph type="body"/>
-          </p:nvPr>
-        </p:nvSpPr>
-        <p:spPr>
-          <a:xfrm>
-            <a:off x="504000" y="3044520"/>
-            <a:ext cx="4426920" cy="1568520"/>
-          </a:xfrm>
-          <a:prstGeom prst="rect">
-            <a:avLst/>
-          </a:prstGeom>
-        </p:spPr>
-        <p:txBody>
-          <a:bodyPr lIns="0" rIns="0" tIns="0" bIns="0">
-            <a:normAutofit/>
-          </a:bodyPr>
-          <a:p>
-            <a:endParaRPr b="0" lang="en-US" sz="3200" spc="-1" strike="noStrike">
-              <a:latin typeface="Arial"/>
-            </a:endParaRPr>
-          </a:p>
-        </p:txBody>
-      </p:sp>
-      <p:sp>
-        <p:nvSpPr>
-          <p:cNvPr id="202" name="PlaceHolder 5"/>
-          <p:cNvSpPr>
-            <a:spLocks noGrp="1"/>
-          </p:cNvSpPr>
-          <p:nvPr>
-            <p:ph type="body"/>
-          </p:nvPr>
-        </p:nvSpPr>
-        <p:spPr>
-          <a:xfrm>
-            <a:off x="5152680" y="3044520"/>
-            <a:ext cx="4426920" cy="1568520"/>
-          </a:xfrm>
-          <a:prstGeom prst="rect">
-            <a:avLst/>
-          </a:prstGeom>
-        </p:spPr>
-        <p:txBody>
-          <a:bodyPr lIns="0" rIns="0" tIns="0" bIns="0">
-            <a:normAutofit/>
-          </a:bodyPr>
-          <a:p>
-            <a:endParaRPr b="0" lang="en-US" sz="3200" spc="-1" strike="noStrike">
               <a:latin typeface="Arial"/>
             </a:endParaRPr>
           </a:p>
@@ -6024,237 +3589,6 @@
           <a:bodyPr lIns="0" rIns="0" tIns="0" bIns="0" anchor="ctr"/>
           <a:p>
             <a:pPr algn="ctr"/>
-            <a:endParaRPr b="0" lang="en-US" sz="3200" spc="-1" strike="noStrike">
-              <a:latin typeface="Arial"/>
-            </a:endParaRPr>
-          </a:p>
-        </p:txBody>
-      </p:sp>
-    </p:spTree>
-  </p:cSld>
-</p:sldLayout>
-</file>
-
-<file path=ppt/slideLayouts/slideLayout60.xml><?xml version="1.0" encoding="utf-8"?>
-<p:sldLayout xmlns:a="http://schemas.openxmlformats.org/drawingml/2006/main" xmlns:p="http://schemas.openxmlformats.org/presentationml/2006/main" xmlns:r="http://schemas.openxmlformats.org/officeDocument/2006/relationships" xmlns:p14="http://schemas.microsoft.com/office/powerpoint/2010/main" xmlns:p15="http://schemas.microsoft.com/office/powerpoint/2012/main" xmlns:mc="http://schemas.openxmlformats.org/markup-compatibility/2006" type="blank" preserve="1">
-  <p:cSld name="Title, 6 Content">
-    <p:spTree>
-      <p:nvGrpSpPr>
-        <p:cNvPr id="1" name=""/>
-        <p:cNvGrpSpPr/>
-        <p:nvPr/>
-      </p:nvGrpSpPr>
-      <p:grpSpPr>
-        <a:xfrm>
-          <a:off x="0" y="0"/>
-          <a:ext cx="0" cy="0"/>
-          <a:chOff x="0" y="0"/>
-          <a:chExt cx="0" cy="0"/>
-        </a:xfrm>
-      </p:grpSpPr>
-      <p:sp>
-        <p:nvSpPr>
-          <p:cNvPr id="203" name="PlaceHolder 1"/>
-          <p:cNvSpPr>
-            <a:spLocks noGrp="1"/>
-          </p:cNvSpPr>
-          <p:nvPr>
-            <p:ph type="title"/>
-          </p:nvPr>
-        </p:nvSpPr>
-        <p:spPr>
-          <a:xfrm>
-            <a:off x="504000" y="226080"/>
-            <a:ext cx="9072000" cy="946440"/>
-          </a:xfrm>
-          <a:prstGeom prst="rect">
-            <a:avLst/>
-          </a:prstGeom>
-        </p:spPr>
-        <p:txBody>
-          <a:bodyPr lIns="0" rIns="0" tIns="0" bIns="0" anchor="ctr"/>
-          <a:p>
-            <a:pPr algn="ctr"/>
-            <a:endParaRPr b="0" lang="en-US" sz="4400" spc="-1" strike="noStrike">
-              <a:latin typeface="Arial"/>
-            </a:endParaRPr>
-          </a:p>
-        </p:txBody>
-      </p:sp>
-      <p:sp>
-        <p:nvSpPr>
-          <p:cNvPr id="204" name="PlaceHolder 2"/>
-          <p:cNvSpPr>
-            <a:spLocks noGrp="1"/>
-          </p:cNvSpPr>
-          <p:nvPr>
-            <p:ph type="body"/>
-          </p:nvPr>
-        </p:nvSpPr>
-        <p:spPr>
-          <a:xfrm>
-            <a:off x="504000" y="1326600"/>
-            <a:ext cx="2921040" cy="1568520"/>
-          </a:xfrm>
-          <a:prstGeom prst="rect">
-            <a:avLst/>
-          </a:prstGeom>
-        </p:spPr>
-        <p:txBody>
-          <a:bodyPr lIns="0" rIns="0" tIns="0" bIns="0">
-            <a:normAutofit/>
-          </a:bodyPr>
-          <a:p>
-            <a:endParaRPr b="0" lang="en-US" sz="3200" spc="-1" strike="noStrike">
-              <a:latin typeface="Arial"/>
-            </a:endParaRPr>
-          </a:p>
-        </p:txBody>
-      </p:sp>
-      <p:sp>
-        <p:nvSpPr>
-          <p:cNvPr id="205" name="PlaceHolder 3"/>
-          <p:cNvSpPr>
-            <a:spLocks noGrp="1"/>
-          </p:cNvSpPr>
-          <p:nvPr>
-            <p:ph type="body"/>
-          </p:nvPr>
-        </p:nvSpPr>
-        <p:spPr>
-          <a:xfrm>
-            <a:off x="3571560" y="1326600"/>
-            <a:ext cx="2921040" cy="1568520"/>
-          </a:xfrm>
-          <a:prstGeom prst="rect">
-            <a:avLst/>
-          </a:prstGeom>
-        </p:spPr>
-        <p:txBody>
-          <a:bodyPr lIns="0" rIns="0" tIns="0" bIns="0">
-            <a:normAutofit/>
-          </a:bodyPr>
-          <a:p>
-            <a:endParaRPr b="0" lang="en-US" sz="3200" spc="-1" strike="noStrike">
-              <a:latin typeface="Arial"/>
-            </a:endParaRPr>
-          </a:p>
-        </p:txBody>
-      </p:sp>
-      <p:sp>
-        <p:nvSpPr>
-          <p:cNvPr id="206" name="PlaceHolder 4"/>
-          <p:cNvSpPr>
-            <a:spLocks noGrp="1"/>
-          </p:cNvSpPr>
-          <p:nvPr>
-            <p:ph type="body"/>
-          </p:nvPr>
-        </p:nvSpPr>
-        <p:spPr>
-          <a:xfrm>
-            <a:off x="6639120" y="1326600"/>
-            <a:ext cx="2921040" cy="1568520"/>
-          </a:xfrm>
-          <a:prstGeom prst="rect">
-            <a:avLst/>
-          </a:prstGeom>
-        </p:spPr>
-        <p:txBody>
-          <a:bodyPr lIns="0" rIns="0" tIns="0" bIns="0">
-            <a:normAutofit/>
-          </a:bodyPr>
-          <a:p>
-            <a:endParaRPr b="0" lang="en-US" sz="3200" spc="-1" strike="noStrike">
-              <a:latin typeface="Arial"/>
-            </a:endParaRPr>
-          </a:p>
-        </p:txBody>
-      </p:sp>
-      <p:sp>
-        <p:nvSpPr>
-          <p:cNvPr id="207" name="PlaceHolder 5"/>
-          <p:cNvSpPr>
-            <a:spLocks noGrp="1"/>
-          </p:cNvSpPr>
-          <p:nvPr>
-            <p:ph type="body"/>
-          </p:nvPr>
-        </p:nvSpPr>
-        <p:spPr>
-          <a:xfrm>
-            <a:off x="504000" y="3044520"/>
-            <a:ext cx="2921040" cy="1568520"/>
-          </a:xfrm>
-          <a:prstGeom prst="rect">
-            <a:avLst/>
-          </a:prstGeom>
-        </p:spPr>
-        <p:txBody>
-          <a:bodyPr lIns="0" rIns="0" tIns="0" bIns="0">
-            <a:normAutofit/>
-          </a:bodyPr>
-          <a:p>
-            <a:endParaRPr b="0" lang="en-US" sz="3200" spc="-1" strike="noStrike">
-              <a:latin typeface="Arial"/>
-            </a:endParaRPr>
-          </a:p>
-        </p:txBody>
-      </p:sp>
-      <p:sp>
-        <p:nvSpPr>
-          <p:cNvPr id="208" name="PlaceHolder 6"/>
-          <p:cNvSpPr>
-            <a:spLocks noGrp="1"/>
-          </p:cNvSpPr>
-          <p:nvPr>
-            <p:ph type="body"/>
-          </p:nvPr>
-        </p:nvSpPr>
-        <p:spPr>
-          <a:xfrm>
-            <a:off x="3571560" y="3044520"/>
-            <a:ext cx="2921040" cy="1568520"/>
-          </a:xfrm>
-          <a:prstGeom prst="rect">
-            <a:avLst/>
-          </a:prstGeom>
-        </p:spPr>
-        <p:txBody>
-          <a:bodyPr lIns="0" rIns="0" tIns="0" bIns="0">
-            <a:normAutofit/>
-          </a:bodyPr>
-          <a:p>
-            <a:endParaRPr b="0" lang="en-US" sz="3200" spc="-1" strike="noStrike">
-              <a:latin typeface="Arial"/>
-            </a:endParaRPr>
-          </a:p>
-        </p:txBody>
-      </p:sp>
-      <p:sp>
-        <p:nvSpPr>
-          <p:cNvPr id="209" name="PlaceHolder 7"/>
-          <p:cNvSpPr>
-            <a:spLocks noGrp="1"/>
-          </p:cNvSpPr>
-          <p:nvPr>
-            <p:ph type="body"/>
-          </p:nvPr>
-        </p:nvSpPr>
-        <p:spPr>
-          <a:xfrm>
-            <a:off x="6639120" y="3044520"/>
-            <a:ext cx="2921040" cy="1568520"/>
-          </a:xfrm>
-          <a:prstGeom prst="rect">
-            <a:avLst/>
-          </a:prstGeom>
-        </p:spPr>
-        <p:txBody>
-          <a:bodyPr lIns="0" rIns="0" tIns="0" bIns="0">
-            <a:normAutofit/>
-          </a:bodyPr>
-          <a:p>
             <a:endParaRPr b="0" lang="en-US" sz="3200" spc="-1" strike="noStrike">
               <a:latin typeface="Arial"/>
             </a:endParaRPr>
@@ -6722,7 +4056,7 @@
         <p:spPr>
           <a:xfrm>
             <a:off x="360" y="2362680"/>
-            <a:ext cx="9717120" cy="943200"/>
+            <a:ext cx="9716760" cy="942840"/>
           </a:xfrm>
           <a:prstGeom prst="rect">
             <a:avLst/>
@@ -6768,25 +4102,7 @@
               <a:rPr b="0" lang="en-US" sz="4400" spc="-1" strike="noStrike">
                 <a:latin typeface="Arial"/>
               </a:rPr>
-              <a:t>Click to </a:t>
-            </a:r>
-            <a:r>
-              <a:rPr b="0" lang="en-US" sz="4400" spc="-1" strike="noStrike">
-                <a:latin typeface="Arial"/>
-              </a:rPr>
-              <a:t>edit the </a:t>
-            </a:r>
-            <a:r>
-              <a:rPr b="0" lang="en-US" sz="4400" spc="-1" strike="noStrike">
-                <a:latin typeface="Arial"/>
-              </a:rPr>
-              <a:t>title text </a:t>
-            </a:r>
-            <a:r>
-              <a:rPr b="0" lang="en-US" sz="4400" spc="-1" strike="noStrike">
-                <a:latin typeface="Arial"/>
-              </a:rPr>
-              <a:t>format</a:t>
+              <a:t>Click to edit the title text format</a:t>
             </a:r>
             <a:endParaRPr b="0" lang="en-US" sz="4400" spc="-1" strike="noStrike">
               <a:latin typeface="Arial"/>
@@ -7026,7 +4342,7 @@
         <p:spPr>
           <a:xfrm>
             <a:off x="360" y="135000"/>
-            <a:ext cx="9717120" cy="943200"/>
+            <a:ext cx="9716760" cy="942840"/>
           </a:xfrm>
           <a:prstGeom prst="rect">
             <a:avLst/>
@@ -7054,7 +4370,7 @@
         <p:spPr>
           <a:xfrm>
             <a:off x="7559280" y="5130000"/>
-            <a:ext cx="2517840" cy="403200"/>
+            <a:ext cx="2517480" cy="402840"/>
           </a:xfrm>
           <a:prstGeom prst="rect">
             <a:avLst/>
@@ -7082,7 +4398,7 @@
         <p:spPr>
           <a:xfrm>
             <a:off x="899640" y="5130000"/>
-            <a:ext cx="6477480" cy="403200"/>
+            <a:ext cx="6477120" cy="402840"/>
           </a:xfrm>
           <a:prstGeom prst="rect">
             <a:avLst/>
@@ -7110,7 +4426,7 @@
         <p:spPr>
           <a:xfrm>
             <a:off x="179640" y="5130000"/>
-            <a:ext cx="537840" cy="403200"/>
+            <a:ext cx="537480" cy="402840"/>
           </a:xfrm>
           <a:prstGeom prst="rect">
             <a:avLst/>
@@ -7337,41 +4653,6 @@
             </a:r>
             <a:endParaRPr b="0" lang="en-US" sz="2000" spc="-1" strike="noStrike">
               <a:latin typeface="Arial"/>
-            </a:endParaRPr>
-          </a:p>
-        </p:txBody>
-      </p:sp>
-      <p:sp>
-        <p:nvSpPr>
-          <p:cNvPr id="45" name="PlaceHolder 7"/>
-          <p:cNvSpPr>
-            <a:spLocks noGrp="1"/>
-          </p:cNvSpPr>
-          <p:nvPr>
-            <p:ph type="sldNum"/>
-          </p:nvPr>
-        </p:nvSpPr>
-        <p:spPr>
-          <a:xfrm>
-            <a:off x="7227720" y="5166000"/>
-            <a:ext cx="2348280" cy="390600"/>
-          </a:xfrm>
-          <a:prstGeom prst="rect">
-            <a:avLst/>
-          </a:prstGeom>
-        </p:spPr>
-        <p:txBody>
-          <a:bodyPr lIns="0" rIns="0" tIns="0" bIns="0"/>
-          <a:p>
-            <a:pPr algn="r"/>
-            <a:fld id="{906740F5-5E5B-4947-B203-70D4A57F83DE}" type="slidenum">
-              <a:rPr b="0" lang="en-US" sz="1400" spc="-1" strike="noStrike">
-                <a:latin typeface="Times New Roman"/>
-              </a:rPr>
-              <a:t>1</a:t>
-            </a:fld>
-            <a:endParaRPr b="0" lang="en-US" sz="1400" spc="-1" strike="noStrike">
-              <a:latin typeface="Times New Roman"/>
             </a:endParaRPr>
           </a:p>
         </p:txBody>
@@ -7422,14 +4703,14 @@
       </p:grpSpPr>
       <p:sp>
         <p:nvSpPr>
-          <p:cNvPr id="82" name="CustomShape 1"/>
+          <p:cNvPr id="81" name="CustomShape 1"/>
           <p:cNvSpPr/>
           <p:nvPr/>
         </p:nvSpPr>
         <p:spPr>
           <a:xfrm>
             <a:off x="360" y="135000"/>
-            <a:ext cx="9717120" cy="943200"/>
+            <a:ext cx="9717480" cy="943560"/>
           </a:xfrm>
           <a:prstGeom prst="rect">
             <a:avLst/>
@@ -7450,14 +4731,14 @@
       </p:sp>
       <p:sp>
         <p:nvSpPr>
-          <p:cNvPr id="83" name="CustomShape 2"/>
+          <p:cNvPr id="82" name="CustomShape 2"/>
           <p:cNvSpPr/>
           <p:nvPr/>
         </p:nvSpPr>
         <p:spPr>
           <a:xfrm>
             <a:off x="7559280" y="5130000"/>
-            <a:ext cx="2517840" cy="403200"/>
+            <a:ext cx="2518200" cy="403560"/>
           </a:xfrm>
           <a:prstGeom prst="rect">
             <a:avLst/>
@@ -7478,14 +4759,14 @@
       </p:sp>
       <p:sp>
         <p:nvSpPr>
-          <p:cNvPr id="84" name="CustomShape 3"/>
+          <p:cNvPr id="83" name="CustomShape 3"/>
           <p:cNvSpPr/>
           <p:nvPr/>
         </p:nvSpPr>
         <p:spPr>
           <a:xfrm>
             <a:off x="899640" y="5130000"/>
-            <a:ext cx="6477480" cy="403200"/>
+            <a:ext cx="6477840" cy="403560"/>
           </a:xfrm>
           <a:prstGeom prst="rect">
             <a:avLst/>
@@ -7506,14 +4787,14 @@
       </p:sp>
       <p:sp>
         <p:nvSpPr>
-          <p:cNvPr id="85" name="CustomShape 4"/>
+          <p:cNvPr id="84" name="CustomShape 4"/>
           <p:cNvSpPr/>
           <p:nvPr/>
         </p:nvSpPr>
         <p:spPr>
           <a:xfrm>
             <a:off x="179640" y="5130000"/>
-            <a:ext cx="537840" cy="403200"/>
+            <a:ext cx="538200" cy="403560"/>
           </a:xfrm>
           <a:prstGeom prst="rect">
             <a:avLst/>
@@ -7532,7 +4813,7 @@
       </p:sp>
       <p:sp>
         <p:nvSpPr>
-          <p:cNvPr id="86" name="PlaceHolder 5"/>
+          <p:cNvPr id="85" name="PlaceHolder 5"/>
           <p:cNvSpPr>
             <a:spLocks noGrp="1"/>
           </p:cNvSpPr>
@@ -7567,7 +4848,7 @@
       </p:sp>
       <p:sp>
         <p:nvSpPr>
-          <p:cNvPr id="87" name="PlaceHolder 6"/>
+          <p:cNvPr id="86" name="PlaceHolder 6"/>
           <p:cNvSpPr>
             <a:spLocks noGrp="1"/>
           </p:cNvSpPr>
@@ -7760,1002 +5041,6 @@
     <p:sldLayoutId id="2147483684" r:id="rId11"/>
     <p:sldLayoutId id="2147483685" r:id="rId12"/>
     <p:sldLayoutId id="2147483686" r:id="rId13"/>
-  </p:sldLayoutIdLst>
-</p:sldMaster>
-</file>
-
-<file path=ppt/slideMasters/slideMaster4.xml><?xml version="1.0" encoding="utf-8"?>
-<p:sldMaster xmlns:a="http://schemas.openxmlformats.org/drawingml/2006/main" xmlns:p="http://schemas.openxmlformats.org/presentationml/2006/main" xmlns:r="http://schemas.openxmlformats.org/officeDocument/2006/relationships" xmlns:p14="http://schemas.microsoft.com/office/powerpoint/2010/main" xmlns:p15="http://schemas.microsoft.com/office/powerpoint/2012/main" xmlns:mc="http://schemas.openxmlformats.org/markup-compatibility/2006">
-  <p:cSld>
-    <p:bg>
-      <p:bgPr>
-        <a:solidFill>
-          <a:srgbClr val="ffffff"/>
-        </a:solidFill>
-      </p:bgPr>
-    </p:bg>
-    <p:spTree>
-      <p:nvGrpSpPr>
-        <p:cNvPr id="1" name=""/>
-        <p:cNvGrpSpPr/>
-        <p:nvPr/>
-      </p:nvGrpSpPr>
-      <p:grpSpPr>
-        <a:xfrm>
-          <a:off x="0" y="0"/>
-          <a:ext cx="0" cy="0"/>
-          <a:chOff x="0" y="0"/>
-          <a:chExt cx="0" cy="0"/>
-        </a:xfrm>
-      </p:grpSpPr>
-      <p:sp>
-        <p:nvSpPr>
-          <p:cNvPr id="124" name="CustomShape 1"/>
-          <p:cNvSpPr/>
-          <p:nvPr/>
-        </p:nvSpPr>
-        <p:spPr>
-          <a:xfrm>
-            <a:off x="360" y="135000"/>
-            <a:ext cx="9717120" cy="943200"/>
-          </a:xfrm>
-          <a:prstGeom prst="rect">
-            <a:avLst/>
-          </a:prstGeom>
-          <a:solidFill>
-            <a:srgbClr val="e74c3c"/>
-          </a:solidFill>
-          <a:ln w="72000">
-            <a:noFill/>
-          </a:ln>
-        </p:spPr>
-        <p:style>
-          <a:lnRef idx="0"/>
-          <a:fillRef idx="0"/>
-          <a:effectRef idx="0"/>
-          <a:fontRef idx="minor"/>
-        </p:style>
-      </p:sp>
-      <p:sp>
-        <p:nvSpPr>
-          <p:cNvPr id="125" name="CustomShape 2"/>
-          <p:cNvSpPr/>
-          <p:nvPr/>
-        </p:nvSpPr>
-        <p:spPr>
-          <a:xfrm>
-            <a:off x="7559280" y="5130000"/>
-            <a:ext cx="2517840" cy="403200"/>
-          </a:xfrm>
-          <a:prstGeom prst="rect">
-            <a:avLst/>
-          </a:prstGeom>
-          <a:solidFill>
-            <a:srgbClr val="e74c3c"/>
-          </a:solidFill>
-          <a:ln w="72000">
-            <a:noFill/>
-          </a:ln>
-        </p:spPr>
-        <p:style>
-          <a:lnRef idx="0"/>
-          <a:fillRef idx="0"/>
-          <a:effectRef idx="0"/>
-          <a:fontRef idx="minor"/>
-        </p:style>
-      </p:sp>
-      <p:sp>
-        <p:nvSpPr>
-          <p:cNvPr id="126" name="CustomShape 3"/>
-          <p:cNvSpPr/>
-          <p:nvPr/>
-        </p:nvSpPr>
-        <p:spPr>
-          <a:xfrm>
-            <a:off x="899640" y="5130000"/>
-            <a:ext cx="6477480" cy="403200"/>
-          </a:xfrm>
-          <a:prstGeom prst="rect">
-            <a:avLst/>
-          </a:prstGeom>
-          <a:solidFill>
-            <a:srgbClr val="bdc3c7"/>
-          </a:solidFill>
-          <a:ln w="72000">
-            <a:noFill/>
-          </a:ln>
-        </p:spPr>
-        <p:style>
-          <a:lnRef idx="0"/>
-          <a:fillRef idx="0"/>
-          <a:effectRef idx="0"/>
-          <a:fontRef idx="minor"/>
-        </p:style>
-      </p:sp>
-      <p:sp>
-        <p:nvSpPr>
-          <p:cNvPr id="127" name="CustomShape 4"/>
-          <p:cNvSpPr/>
-          <p:nvPr/>
-        </p:nvSpPr>
-        <p:spPr>
-          <a:xfrm>
-            <a:off x="179640" y="5130000"/>
-            <a:ext cx="537840" cy="403200"/>
-          </a:xfrm>
-          <a:prstGeom prst="rect">
-            <a:avLst/>
-          </a:prstGeom>
-          <a:noFill/>
-          <a:ln w="72000">
-            <a:noFill/>
-          </a:ln>
-        </p:spPr>
-        <p:style>
-          <a:lnRef idx="0"/>
-          <a:fillRef idx="0"/>
-          <a:effectRef idx="0"/>
-          <a:fontRef idx="minor"/>
-        </p:style>
-      </p:sp>
-      <p:sp>
-        <p:nvSpPr>
-          <p:cNvPr id="128" name="PlaceHolder 5"/>
-          <p:cNvSpPr>
-            <a:spLocks noGrp="1"/>
-          </p:cNvSpPr>
-          <p:nvPr>
-            <p:ph type="title"/>
-          </p:nvPr>
-        </p:nvSpPr>
-        <p:spPr>
-          <a:xfrm>
-            <a:off x="504000" y="226080"/>
-            <a:ext cx="9071640" cy="946080"/>
-          </a:xfrm>
-          <a:prstGeom prst="rect">
-            <a:avLst/>
-          </a:prstGeom>
-        </p:spPr>
-        <p:txBody>
-          <a:bodyPr lIns="0" rIns="0" tIns="0" bIns="0" anchor="ctr"/>
-          <a:p>
-            <a:r>
-              <a:rPr b="0" lang="en-US" sz="1800" spc="-1" strike="noStrike">
-                <a:latin typeface="Arial"/>
-              </a:rPr>
-              <a:t>Click to edit the title text format</a:t>
-            </a:r>
-            <a:endParaRPr b="0" lang="en-US" sz="1800" spc="-1" strike="noStrike">
-              <a:latin typeface="Arial"/>
-            </a:endParaRPr>
-          </a:p>
-        </p:txBody>
-      </p:sp>
-      <p:sp>
-        <p:nvSpPr>
-          <p:cNvPr id="129" name="PlaceHolder 6"/>
-          <p:cNvSpPr>
-            <a:spLocks noGrp="1"/>
-          </p:cNvSpPr>
-          <p:nvPr>
-            <p:ph type="body"/>
-          </p:nvPr>
-        </p:nvSpPr>
-        <p:spPr>
-          <a:xfrm>
-            <a:off x="504000" y="1326600"/>
-            <a:ext cx="4426560" cy="3288240"/>
-          </a:xfrm>
-          <a:prstGeom prst="rect">
-            <a:avLst/>
-          </a:prstGeom>
-        </p:spPr>
-        <p:txBody>
-          <a:bodyPr lIns="0" rIns="0" tIns="0" bIns="0">
-            <a:normAutofit/>
-          </a:bodyPr>
-          <a:p>
-            <a:pPr marL="432000" indent="-324000">
-              <a:spcBef>
-                <a:spcPts val="1417"/>
-              </a:spcBef>
-              <a:buClr>
-                <a:srgbClr val="000000"/>
-              </a:buClr>
-              <a:buSzPct val="45000"/>
-              <a:buFont typeface="Wingdings" charset="2"/>
-              <a:buChar char=""/>
-            </a:pPr>
-            <a:r>
-              <a:rPr b="0" lang="en-US" sz="1800" spc="-1" strike="noStrike">
-                <a:latin typeface="Arial"/>
-              </a:rPr>
-              <a:t>Click to edit the outline text format</a:t>
-            </a:r>
-            <a:endParaRPr b="0" lang="en-US" sz="1800" spc="-1" strike="noStrike">
-              <a:latin typeface="Arial"/>
-            </a:endParaRPr>
-          </a:p>
-          <a:p>
-            <a:pPr lvl="1" marL="864000" indent="-324000">
-              <a:spcBef>
-                <a:spcPts val="1134"/>
-              </a:spcBef>
-              <a:buClr>
-                <a:srgbClr val="000000"/>
-              </a:buClr>
-              <a:buSzPct val="75000"/>
-              <a:buFont typeface="Symbol" charset="2"/>
-              <a:buChar char=""/>
-            </a:pPr>
-            <a:r>
-              <a:rPr b="0" lang="en-US" sz="1800" spc="-1" strike="noStrike">
-                <a:latin typeface="Arial"/>
-              </a:rPr>
-              <a:t>Second Outline Level</a:t>
-            </a:r>
-            <a:endParaRPr b="0" lang="en-US" sz="1800" spc="-1" strike="noStrike">
-              <a:latin typeface="Arial"/>
-            </a:endParaRPr>
-          </a:p>
-          <a:p>
-            <a:pPr lvl="2" marL="1296000" indent="-288000">
-              <a:spcBef>
-                <a:spcPts val="850"/>
-              </a:spcBef>
-              <a:buClr>
-                <a:srgbClr val="000000"/>
-              </a:buClr>
-              <a:buSzPct val="45000"/>
-              <a:buFont typeface="Wingdings" charset="2"/>
-              <a:buChar char=""/>
-            </a:pPr>
-            <a:r>
-              <a:rPr b="0" lang="en-US" sz="1800" spc="-1" strike="noStrike">
-                <a:latin typeface="Arial"/>
-              </a:rPr>
-              <a:t>Third Outline Level</a:t>
-            </a:r>
-            <a:endParaRPr b="0" lang="en-US" sz="1800" spc="-1" strike="noStrike">
-              <a:latin typeface="Arial"/>
-            </a:endParaRPr>
-          </a:p>
-          <a:p>
-            <a:pPr lvl="3" marL="1728000" indent="-216000">
-              <a:spcBef>
-                <a:spcPts val="567"/>
-              </a:spcBef>
-              <a:buClr>
-                <a:srgbClr val="000000"/>
-              </a:buClr>
-              <a:buSzPct val="75000"/>
-              <a:buFont typeface="Symbol" charset="2"/>
-              <a:buChar char=""/>
-            </a:pPr>
-            <a:r>
-              <a:rPr b="0" lang="en-US" sz="1800" spc="-1" strike="noStrike">
-                <a:latin typeface="Arial"/>
-              </a:rPr>
-              <a:t>Fourth Outline Level</a:t>
-            </a:r>
-            <a:endParaRPr b="0" lang="en-US" sz="1800" spc="-1" strike="noStrike">
-              <a:latin typeface="Arial"/>
-            </a:endParaRPr>
-          </a:p>
-          <a:p>
-            <a:pPr lvl="4" marL="2160000" indent="-216000">
-              <a:spcBef>
-                <a:spcPts val="283"/>
-              </a:spcBef>
-              <a:buClr>
-                <a:srgbClr val="000000"/>
-              </a:buClr>
-              <a:buSzPct val="45000"/>
-              <a:buFont typeface="Wingdings" charset="2"/>
-              <a:buChar char=""/>
-            </a:pPr>
-            <a:r>
-              <a:rPr b="0" lang="en-US" sz="1800" spc="-1" strike="noStrike">
-                <a:latin typeface="Arial"/>
-              </a:rPr>
-              <a:t>Fifth Outline Level</a:t>
-            </a:r>
-            <a:endParaRPr b="0" lang="en-US" sz="1800" spc="-1" strike="noStrike">
-              <a:latin typeface="Arial"/>
-            </a:endParaRPr>
-          </a:p>
-          <a:p>
-            <a:pPr lvl="5" marL="2592000" indent="-216000">
-              <a:spcBef>
-                <a:spcPts val="283"/>
-              </a:spcBef>
-              <a:buClr>
-                <a:srgbClr val="000000"/>
-              </a:buClr>
-              <a:buSzPct val="45000"/>
-              <a:buFont typeface="Wingdings" charset="2"/>
-              <a:buChar char=""/>
-            </a:pPr>
-            <a:r>
-              <a:rPr b="0" lang="en-US" sz="1800" spc="-1" strike="noStrike">
-                <a:latin typeface="Arial"/>
-              </a:rPr>
-              <a:t>Sixth Outline Level</a:t>
-            </a:r>
-            <a:endParaRPr b="0" lang="en-US" sz="1800" spc="-1" strike="noStrike">
-              <a:latin typeface="Arial"/>
-            </a:endParaRPr>
-          </a:p>
-          <a:p>
-            <a:pPr lvl="6" marL="3024000" indent="-216000">
-              <a:spcBef>
-                <a:spcPts val="283"/>
-              </a:spcBef>
-              <a:buClr>
-                <a:srgbClr val="000000"/>
-              </a:buClr>
-              <a:buSzPct val="45000"/>
-              <a:buFont typeface="Wingdings" charset="2"/>
-              <a:buChar char=""/>
-            </a:pPr>
-            <a:r>
-              <a:rPr b="0" lang="en-US" sz="1800" spc="-1" strike="noStrike">
-                <a:latin typeface="Arial"/>
-              </a:rPr>
-              <a:t>Seventh Outline Level</a:t>
-            </a:r>
-            <a:endParaRPr b="0" lang="en-US" sz="1800" spc="-1" strike="noStrike">
-              <a:latin typeface="Arial"/>
-            </a:endParaRPr>
-          </a:p>
-        </p:txBody>
-      </p:sp>
-      <p:sp>
-        <p:nvSpPr>
-          <p:cNvPr id="130" name="PlaceHolder 7"/>
-          <p:cNvSpPr>
-            <a:spLocks noGrp="1"/>
-          </p:cNvSpPr>
-          <p:nvPr>
-            <p:ph type="body"/>
-          </p:nvPr>
-        </p:nvSpPr>
-        <p:spPr>
-          <a:xfrm>
-            <a:off x="5152680" y="1326600"/>
-            <a:ext cx="4426560" cy="3288240"/>
-          </a:xfrm>
-          <a:prstGeom prst="rect">
-            <a:avLst/>
-          </a:prstGeom>
-        </p:spPr>
-        <p:txBody>
-          <a:bodyPr lIns="0" rIns="0" tIns="0" bIns="0">
-            <a:normAutofit/>
-          </a:bodyPr>
-          <a:p>
-            <a:pPr marL="432000" indent="-324000">
-              <a:spcBef>
-                <a:spcPts val="1417"/>
-              </a:spcBef>
-              <a:buClr>
-                <a:srgbClr val="000000"/>
-              </a:buClr>
-              <a:buSzPct val="45000"/>
-              <a:buFont typeface="Wingdings" charset="2"/>
-              <a:buChar char=""/>
-            </a:pPr>
-            <a:r>
-              <a:rPr b="0" lang="en-US" sz="1800" spc="-1" strike="noStrike">
-                <a:latin typeface="Arial"/>
-              </a:rPr>
-              <a:t>Click to edit the outline text format</a:t>
-            </a:r>
-            <a:endParaRPr b="0" lang="en-US" sz="1800" spc="-1" strike="noStrike">
-              <a:latin typeface="Arial"/>
-            </a:endParaRPr>
-          </a:p>
-          <a:p>
-            <a:pPr lvl="1" marL="864000" indent="-324000">
-              <a:spcBef>
-                <a:spcPts val="1134"/>
-              </a:spcBef>
-              <a:buClr>
-                <a:srgbClr val="000000"/>
-              </a:buClr>
-              <a:buSzPct val="75000"/>
-              <a:buFont typeface="Symbol" charset="2"/>
-              <a:buChar char=""/>
-            </a:pPr>
-            <a:r>
-              <a:rPr b="0" lang="en-US" sz="1800" spc="-1" strike="noStrike">
-                <a:latin typeface="Arial"/>
-              </a:rPr>
-              <a:t>Second Outline Level</a:t>
-            </a:r>
-            <a:endParaRPr b="0" lang="en-US" sz="1800" spc="-1" strike="noStrike">
-              <a:latin typeface="Arial"/>
-            </a:endParaRPr>
-          </a:p>
-          <a:p>
-            <a:pPr lvl="2" marL="1296000" indent="-288000">
-              <a:spcBef>
-                <a:spcPts val="850"/>
-              </a:spcBef>
-              <a:buClr>
-                <a:srgbClr val="000000"/>
-              </a:buClr>
-              <a:buSzPct val="45000"/>
-              <a:buFont typeface="Wingdings" charset="2"/>
-              <a:buChar char=""/>
-            </a:pPr>
-            <a:r>
-              <a:rPr b="0" lang="en-US" sz="1800" spc="-1" strike="noStrike">
-                <a:latin typeface="Arial"/>
-              </a:rPr>
-              <a:t>Third Outline Level</a:t>
-            </a:r>
-            <a:endParaRPr b="0" lang="en-US" sz="1800" spc="-1" strike="noStrike">
-              <a:latin typeface="Arial"/>
-            </a:endParaRPr>
-          </a:p>
-          <a:p>
-            <a:pPr lvl="3" marL="1728000" indent="-216000">
-              <a:spcBef>
-                <a:spcPts val="567"/>
-              </a:spcBef>
-              <a:buClr>
-                <a:srgbClr val="000000"/>
-              </a:buClr>
-              <a:buSzPct val="75000"/>
-              <a:buFont typeface="Symbol" charset="2"/>
-              <a:buChar char=""/>
-            </a:pPr>
-            <a:r>
-              <a:rPr b="0" lang="en-US" sz="1800" spc="-1" strike="noStrike">
-                <a:latin typeface="Arial"/>
-              </a:rPr>
-              <a:t>Fourth Outline Level</a:t>
-            </a:r>
-            <a:endParaRPr b="0" lang="en-US" sz="1800" spc="-1" strike="noStrike">
-              <a:latin typeface="Arial"/>
-            </a:endParaRPr>
-          </a:p>
-          <a:p>
-            <a:pPr lvl="4" marL="2160000" indent="-216000">
-              <a:spcBef>
-                <a:spcPts val="283"/>
-              </a:spcBef>
-              <a:buClr>
-                <a:srgbClr val="000000"/>
-              </a:buClr>
-              <a:buSzPct val="45000"/>
-              <a:buFont typeface="Wingdings" charset="2"/>
-              <a:buChar char=""/>
-            </a:pPr>
-            <a:r>
-              <a:rPr b="0" lang="en-US" sz="1800" spc="-1" strike="noStrike">
-                <a:latin typeface="Arial"/>
-              </a:rPr>
-              <a:t>Fifth Outline Level</a:t>
-            </a:r>
-            <a:endParaRPr b="0" lang="en-US" sz="1800" spc="-1" strike="noStrike">
-              <a:latin typeface="Arial"/>
-            </a:endParaRPr>
-          </a:p>
-          <a:p>
-            <a:pPr lvl="5" marL="2592000" indent="-216000">
-              <a:spcBef>
-                <a:spcPts val="283"/>
-              </a:spcBef>
-              <a:buClr>
-                <a:srgbClr val="000000"/>
-              </a:buClr>
-              <a:buSzPct val="45000"/>
-              <a:buFont typeface="Wingdings" charset="2"/>
-              <a:buChar char=""/>
-            </a:pPr>
-            <a:r>
-              <a:rPr b="0" lang="en-US" sz="1800" spc="-1" strike="noStrike">
-                <a:latin typeface="Arial"/>
-              </a:rPr>
-              <a:t>Sixth Outline Level</a:t>
-            </a:r>
-            <a:endParaRPr b="0" lang="en-US" sz="1800" spc="-1" strike="noStrike">
-              <a:latin typeface="Arial"/>
-            </a:endParaRPr>
-          </a:p>
-          <a:p>
-            <a:pPr lvl="6" marL="3024000" indent="-216000">
-              <a:spcBef>
-                <a:spcPts val="283"/>
-              </a:spcBef>
-              <a:buClr>
-                <a:srgbClr val="000000"/>
-              </a:buClr>
-              <a:buSzPct val="45000"/>
-              <a:buFont typeface="Wingdings" charset="2"/>
-              <a:buChar char=""/>
-            </a:pPr>
-            <a:r>
-              <a:rPr b="0" lang="en-US" sz="1800" spc="-1" strike="noStrike">
-                <a:latin typeface="Arial"/>
-              </a:rPr>
-              <a:t>Seventh Outline Level</a:t>
-            </a:r>
-            <a:endParaRPr b="0" lang="en-US" sz="1800" spc="-1" strike="noStrike">
-              <a:latin typeface="Arial"/>
-            </a:endParaRPr>
-          </a:p>
-        </p:txBody>
-      </p:sp>
-    </p:spTree>
-  </p:cSld>
-  <p:clrMap bg1="lt1" bg2="lt2" tx1="dk1" tx2="dk2" accent1="accent1" accent2="accent2" accent3="accent3" accent4="accent4" accent5="accent5" accent6="accent6" hlink="hlink" folHlink="folHlink"/>
-  <p:sldLayoutIdLst>
-    <p:sldLayoutId id="2147483688" r:id="rId2"/>
-    <p:sldLayoutId id="2147483689" r:id="rId3"/>
-    <p:sldLayoutId id="2147483690" r:id="rId4"/>
-    <p:sldLayoutId id="2147483691" r:id="rId5"/>
-    <p:sldLayoutId id="2147483692" r:id="rId6"/>
-    <p:sldLayoutId id="2147483693" r:id="rId7"/>
-    <p:sldLayoutId id="2147483694" r:id="rId8"/>
-    <p:sldLayoutId id="2147483695" r:id="rId9"/>
-    <p:sldLayoutId id="2147483696" r:id="rId10"/>
-    <p:sldLayoutId id="2147483697" r:id="rId11"/>
-    <p:sldLayoutId id="2147483698" r:id="rId12"/>
-    <p:sldLayoutId id="2147483699" r:id="rId13"/>
-  </p:sldLayoutIdLst>
-</p:sldMaster>
-</file>
-
-<file path=ppt/slideMasters/slideMaster5.xml><?xml version="1.0" encoding="utf-8"?>
-<p:sldMaster xmlns:a="http://schemas.openxmlformats.org/drawingml/2006/main" xmlns:p="http://schemas.openxmlformats.org/presentationml/2006/main" xmlns:r="http://schemas.openxmlformats.org/officeDocument/2006/relationships" xmlns:p14="http://schemas.microsoft.com/office/powerpoint/2010/main" xmlns:p15="http://schemas.microsoft.com/office/powerpoint/2012/main" xmlns:mc="http://schemas.openxmlformats.org/markup-compatibility/2006">
-  <p:cSld>
-    <p:bg>
-      <p:bgPr>
-        <a:solidFill>
-          <a:srgbClr val="ffffff"/>
-        </a:solidFill>
-      </p:bgPr>
-    </p:bg>
-    <p:spTree>
-      <p:nvGrpSpPr>
-        <p:cNvPr id="1" name=""/>
-        <p:cNvGrpSpPr/>
-        <p:nvPr/>
-      </p:nvGrpSpPr>
-      <p:grpSpPr>
-        <a:xfrm>
-          <a:off x="0" y="0"/>
-          <a:ext cx="0" cy="0"/>
-          <a:chOff x="0" y="0"/>
-          <a:chExt cx="0" cy="0"/>
-        </a:xfrm>
-      </p:grpSpPr>
-      <p:sp>
-        <p:nvSpPr>
-          <p:cNvPr id="167" name="CustomShape 1"/>
-          <p:cNvSpPr/>
-          <p:nvPr/>
-        </p:nvSpPr>
-        <p:spPr>
-          <a:xfrm>
-            <a:off x="360" y="135000"/>
-            <a:ext cx="9717840" cy="943920"/>
-          </a:xfrm>
-          <a:prstGeom prst="rect">
-            <a:avLst/>
-          </a:prstGeom>
-          <a:solidFill>
-            <a:srgbClr val="e74c3c"/>
-          </a:solidFill>
-          <a:ln w="72000">
-            <a:noFill/>
-          </a:ln>
-        </p:spPr>
-        <p:style>
-          <a:lnRef idx="0"/>
-          <a:fillRef idx="0"/>
-          <a:effectRef idx="0"/>
-          <a:fontRef idx="minor"/>
-        </p:style>
-      </p:sp>
-      <p:sp>
-        <p:nvSpPr>
-          <p:cNvPr id="168" name="CustomShape 2"/>
-          <p:cNvSpPr/>
-          <p:nvPr/>
-        </p:nvSpPr>
-        <p:spPr>
-          <a:xfrm>
-            <a:off x="7559280" y="5130000"/>
-            <a:ext cx="2518560" cy="403920"/>
-          </a:xfrm>
-          <a:prstGeom prst="rect">
-            <a:avLst/>
-          </a:prstGeom>
-          <a:solidFill>
-            <a:srgbClr val="e74c3c"/>
-          </a:solidFill>
-          <a:ln w="72000">
-            <a:noFill/>
-          </a:ln>
-        </p:spPr>
-        <p:style>
-          <a:lnRef idx="0"/>
-          <a:fillRef idx="0"/>
-          <a:effectRef idx="0"/>
-          <a:fontRef idx="minor"/>
-        </p:style>
-      </p:sp>
-      <p:sp>
-        <p:nvSpPr>
-          <p:cNvPr id="169" name="CustomShape 3"/>
-          <p:cNvSpPr/>
-          <p:nvPr/>
-        </p:nvSpPr>
-        <p:spPr>
-          <a:xfrm>
-            <a:off x="899640" y="5130000"/>
-            <a:ext cx="6478200" cy="403920"/>
-          </a:xfrm>
-          <a:prstGeom prst="rect">
-            <a:avLst/>
-          </a:prstGeom>
-          <a:solidFill>
-            <a:srgbClr val="bdc3c7"/>
-          </a:solidFill>
-          <a:ln w="72000">
-            <a:noFill/>
-          </a:ln>
-        </p:spPr>
-        <p:style>
-          <a:lnRef idx="0"/>
-          <a:fillRef idx="0"/>
-          <a:effectRef idx="0"/>
-          <a:fontRef idx="minor"/>
-        </p:style>
-      </p:sp>
-      <p:sp>
-        <p:nvSpPr>
-          <p:cNvPr id="170" name="CustomShape 4"/>
-          <p:cNvSpPr/>
-          <p:nvPr/>
-        </p:nvSpPr>
-        <p:spPr>
-          <a:xfrm>
-            <a:off x="179640" y="5130000"/>
-            <a:ext cx="538560" cy="403920"/>
-          </a:xfrm>
-          <a:prstGeom prst="rect">
-            <a:avLst/>
-          </a:prstGeom>
-          <a:noFill/>
-          <a:ln w="72000">
-            <a:noFill/>
-          </a:ln>
-        </p:spPr>
-        <p:style>
-          <a:lnRef idx="0"/>
-          <a:fillRef idx="0"/>
-          <a:effectRef idx="0"/>
-          <a:fontRef idx="minor"/>
-        </p:style>
-      </p:sp>
-      <p:sp>
-        <p:nvSpPr>
-          <p:cNvPr id="171" name="PlaceHolder 5"/>
-          <p:cNvSpPr>
-            <a:spLocks noGrp="1"/>
-          </p:cNvSpPr>
-          <p:nvPr>
-            <p:ph type="title"/>
-          </p:nvPr>
-        </p:nvSpPr>
-        <p:spPr>
-          <a:xfrm>
-            <a:off x="504000" y="226080"/>
-            <a:ext cx="9072000" cy="946440"/>
-          </a:xfrm>
-          <a:prstGeom prst="rect">
-            <a:avLst/>
-          </a:prstGeom>
-        </p:spPr>
-        <p:txBody>
-          <a:bodyPr lIns="0" rIns="0" tIns="0" bIns="0" anchor="ctr"/>
-          <a:p>
-            <a:r>
-              <a:rPr b="0" lang="en-US" sz="1800" spc="-1" strike="noStrike">
-                <a:solidFill>
-                  <a:srgbClr val="000000"/>
-                </a:solidFill>
-                <a:latin typeface="Arial"/>
-              </a:rPr>
-              <a:t>Click to edit the title text format</a:t>
-            </a:r>
-            <a:endParaRPr b="0" lang="en-US" sz="1800" spc="-1" strike="noStrike">
-              <a:solidFill>
-                <a:srgbClr val="000000"/>
-              </a:solidFill>
-              <a:latin typeface="Arial"/>
-            </a:endParaRPr>
-          </a:p>
-        </p:txBody>
-      </p:sp>
-      <p:sp>
-        <p:nvSpPr>
-          <p:cNvPr id="172" name="PlaceHolder 6"/>
-          <p:cNvSpPr>
-            <a:spLocks noGrp="1"/>
-          </p:cNvSpPr>
-          <p:nvPr>
-            <p:ph type="body"/>
-          </p:nvPr>
-        </p:nvSpPr>
-        <p:spPr>
-          <a:xfrm>
-            <a:off x="504000" y="1326600"/>
-            <a:ext cx="9072000" cy="3288600"/>
-          </a:xfrm>
-          <a:prstGeom prst="rect">
-            <a:avLst/>
-          </a:prstGeom>
-        </p:spPr>
-        <p:txBody>
-          <a:bodyPr lIns="0" rIns="0" tIns="0" bIns="0">
-            <a:normAutofit/>
-          </a:bodyPr>
-          <a:p>
-            <a:pPr marL="432000" indent="-324000">
-              <a:spcBef>
-                <a:spcPts val="1417"/>
-              </a:spcBef>
-              <a:buClr>
-                <a:srgbClr val="000000"/>
-              </a:buClr>
-              <a:buSzPct val="45000"/>
-              <a:buFont typeface="Wingdings" charset="2"/>
-              <a:buChar char=""/>
-            </a:pPr>
-            <a:r>
-              <a:rPr b="0" lang="en-US" sz="1800" spc="-1" strike="noStrike">
-                <a:solidFill>
-                  <a:srgbClr val="000000"/>
-                </a:solidFill>
-                <a:latin typeface="Arial"/>
-              </a:rPr>
-              <a:t>Click to edit the outline text format</a:t>
-            </a:r>
-            <a:endParaRPr b="0" lang="en-US" sz="1800" spc="-1" strike="noStrike">
-              <a:solidFill>
-                <a:srgbClr val="000000"/>
-              </a:solidFill>
-              <a:latin typeface="Arial"/>
-            </a:endParaRPr>
-          </a:p>
-          <a:p>
-            <a:pPr lvl="1" marL="864000" indent="-324000">
-              <a:spcBef>
-                <a:spcPts val="1134"/>
-              </a:spcBef>
-              <a:buClr>
-                <a:srgbClr val="000000"/>
-              </a:buClr>
-              <a:buSzPct val="75000"/>
-              <a:buFont typeface="Symbol" charset="2"/>
-              <a:buChar char=""/>
-            </a:pPr>
-            <a:r>
-              <a:rPr b="0" lang="en-US" sz="1800" spc="-1" strike="noStrike">
-                <a:solidFill>
-                  <a:srgbClr val="000000"/>
-                </a:solidFill>
-                <a:latin typeface="Arial"/>
-              </a:rPr>
-              <a:t>Second Outline Level</a:t>
-            </a:r>
-            <a:endParaRPr b="0" lang="en-US" sz="1800" spc="-1" strike="noStrike">
-              <a:solidFill>
-                <a:srgbClr val="000000"/>
-              </a:solidFill>
-              <a:latin typeface="Arial"/>
-            </a:endParaRPr>
-          </a:p>
-          <a:p>
-            <a:pPr lvl="2" marL="1296000" indent="-288000">
-              <a:spcBef>
-                <a:spcPts val="850"/>
-              </a:spcBef>
-              <a:buClr>
-                <a:srgbClr val="000000"/>
-              </a:buClr>
-              <a:buSzPct val="45000"/>
-              <a:buFont typeface="Wingdings" charset="2"/>
-              <a:buChar char=""/>
-            </a:pPr>
-            <a:r>
-              <a:rPr b="0" lang="en-US" sz="1800" spc="-1" strike="noStrike">
-                <a:solidFill>
-                  <a:srgbClr val="000000"/>
-                </a:solidFill>
-                <a:latin typeface="Arial"/>
-              </a:rPr>
-              <a:t>Third Outline Level</a:t>
-            </a:r>
-            <a:endParaRPr b="0" lang="en-US" sz="1800" spc="-1" strike="noStrike">
-              <a:solidFill>
-                <a:srgbClr val="000000"/>
-              </a:solidFill>
-              <a:latin typeface="Arial"/>
-            </a:endParaRPr>
-          </a:p>
-          <a:p>
-            <a:pPr lvl="3" marL="1728000" indent="-216000">
-              <a:spcBef>
-                <a:spcPts val="567"/>
-              </a:spcBef>
-              <a:buClr>
-                <a:srgbClr val="000000"/>
-              </a:buClr>
-              <a:buSzPct val="75000"/>
-              <a:buFont typeface="Symbol" charset="2"/>
-              <a:buChar char=""/>
-            </a:pPr>
-            <a:r>
-              <a:rPr b="0" lang="en-US" sz="1800" spc="-1" strike="noStrike">
-                <a:solidFill>
-                  <a:srgbClr val="000000"/>
-                </a:solidFill>
-                <a:latin typeface="Arial"/>
-              </a:rPr>
-              <a:t>Fourth Outline Level</a:t>
-            </a:r>
-            <a:endParaRPr b="0" lang="en-US" sz="1800" spc="-1" strike="noStrike">
-              <a:solidFill>
-                <a:srgbClr val="000000"/>
-              </a:solidFill>
-              <a:latin typeface="Arial"/>
-            </a:endParaRPr>
-          </a:p>
-          <a:p>
-            <a:pPr lvl="4" marL="2160000" indent="-216000">
-              <a:spcBef>
-                <a:spcPts val="283"/>
-              </a:spcBef>
-              <a:buClr>
-                <a:srgbClr val="000000"/>
-              </a:buClr>
-              <a:buSzPct val="45000"/>
-              <a:buFont typeface="Wingdings" charset="2"/>
-              <a:buChar char=""/>
-            </a:pPr>
-            <a:r>
-              <a:rPr b="0" lang="en-US" sz="2000" spc="-1" strike="noStrike">
-                <a:solidFill>
-                  <a:srgbClr val="000000"/>
-                </a:solidFill>
-                <a:latin typeface="Arial"/>
-              </a:rPr>
-              <a:t>Fifth Outline Level</a:t>
-            </a:r>
-            <a:endParaRPr b="0" lang="en-US" sz="2000" spc="-1" strike="noStrike">
-              <a:solidFill>
-                <a:srgbClr val="000000"/>
-              </a:solidFill>
-              <a:latin typeface="Arial"/>
-            </a:endParaRPr>
-          </a:p>
-          <a:p>
-            <a:pPr lvl="5" marL="2592000" indent="-216000">
-              <a:spcBef>
-                <a:spcPts val="283"/>
-              </a:spcBef>
-              <a:buClr>
-                <a:srgbClr val="000000"/>
-              </a:buClr>
-              <a:buSzPct val="45000"/>
-              <a:buFont typeface="Wingdings" charset="2"/>
-              <a:buChar char=""/>
-            </a:pPr>
-            <a:r>
-              <a:rPr b="0" lang="en-US" sz="2000" spc="-1" strike="noStrike">
-                <a:solidFill>
-                  <a:srgbClr val="000000"/>
-                </a:solidFill>
-                <a:latin typeface="Arial"/>
-              </a:rPr>
-              <a:t>Sixth Outline Level</a:t>
-            </a:r>
-            <a:endParaRPr b="0" lang="en-US" sz="2000" spc="-1" strike="noStrike">
-              <a:solidFill>
-                <a:srgbClr val="000000"/>
-              </a:solidFill>
-              <a:latin typeface="Arial"/>
-            </a:endParaRPr>
-          </a:p>
-          <a:p>
-            <a:pPr lvl="6" marL="3024000" indent="-216000">
-              <a:spcBef>
-                <a:spcPts val="283"/>
-              </a:spcBef>
-              <a:buClr>
-                <a:srgbClr val="000000"/>
-              </a:buClr>
-              <a:buSzPct val="45000"/>
-              <a:buFont typeface="Wingdings" charset="2"/>
-              <a:buChar char=""/>
-            </a:pPr>
-            <a:r>
-              <a:rPr b="0" lang="en-US" sz="2000" spc="-1" strike="noStrike">
-                <a:solidFill>
-                  <a:srgbClr val="000000"/>
-                </a:solidFill>
-                <a:latin typeface="Arial"/>
-              </a:rPr>
-              <a:t>Seventh Outline Level</a:t>
-            </a:r>
-            <a:endParaRPr b="0" lang="en-US" sz="2000" spc="-1" strike="noStrike">
-              <a:solidFill>
-                <a:srgbClr val="000000"/>
-              </a:solidFill>
-              <a:latin typeface="Arial"/>
-            </a:endParaRPr>
-          </a:p>
-        </p:txBody>
-      </p:sp>
-      <p:sp>
-        <p:nvSpPr>
-          <p:cNvPr id="173" name="PlaceHolder 7"/>
-          <p:cNvSpPr>
-            <a:spLocks noGrp="1"/>
-          </p:cNvSpPr>
-          <p:nvPr>
-            <p:ph type="sldNum"/>
-          </p:nvPr>
-        </p:nvSpPr>
-        <p:spPr>
-          <a:xfrm>
-            <a:off x="7227720" y="5166000"/>
-            <a:ext cx="2348280" cy="390600"/>
-          </a:xfrm>
-          <a:prstGeom prst="rect">
-            <a:avLst/>
-          </a:prstGeom>
-        </p:spPr>
-        <p:txBody>
-          <a:bodyPr lIns="0" rIns="0" tIns="0" bIns="0"/>
-          <a:p>
-            <a:pPr algn="r"/>
-            <a:fld id="{51A9CD6F-F403-4046-ABD5-19022F73F9AC}" type="slidenum">
-              <a:rPr b="0" lang="en-US" sz="1400" spc="-1" strike="noStrike">
-                <a:latin typeface="Times New Roman"/>
-              </a:rPr>
-              <a:t>1</a:t>
-            </a:fld>
-            <a:endParaRPr b="0" lang="en-US" sz="1400" spc="-1" strike="noStrike">
-              <a:latin typeface="Times New Roman"/>
-            </a:endParaRPr>
-          </a:p>
-        </p:txBody>
-      </p:sp>
-    </p:spTree>
-  </p:cSld>
-  <p:clrMap bg1="lt1" bg2="lt2" tx1="dk1" tx2="dk2" accent1="accent1" accent2="accent2" accent3="accent3" accent4="accent4" accent5="accent5" accent6="accent6" hlink="hlink" folHlink="folHlink"/>
-  <p:sldLayoutIdLst>
-    <p:sldLayoutId id="2147483701" r:id="rId2"/>
-    <p:sldLayoutId id="2147483702" r:id="rId3"/>
-    <p:sldLayoutId id="2147483703" r:id="rId4"/>
-    <p:sldLayoutId id="2147483704" r:id="rId5"/>
-    <p:sldLayoutId id="2147483705" r:id="rId6"/>
-    <p:sldLayoutId id="2147483706" r:id="rId7"/>
-    <p:sldLayoutId id="2147483707" r:id="rId8"/>
-    <p:sldLayoutId id="2147483708" r:id="rId9"/>
-    <p:sldLayoutId id="2147483709" r:id="rId10"/>
-    <p:sldLayoutId id="2147483710" r:id="rId11"/>
-    <p:sldLayoutId id="2147483711" r:id="rId12"/>
-    <p:sldLayoutId id="2147483712" r:id="rId13"/>
   </p:sldLayoutIdLst>
 </p:sldMaster>
 </file>
@@ -8786,14 +5071,14 @@
       </p:grpSpPr>
       <p:sp>
         <p:nvSpPr>
-          <p:cNvPr id="210" name="CustomShape 1"/>
+          <p:cNvPr id="123" name="CustomShape 1"/>
           <p:cNvSpPr/>
           <p:nvPr/>
         </p:nvSpPr>
         <p:spPr>
           <a:xfrm>
             <a:off x="359640" y="2497680"/>
-            <a:ext cx="9357120" cy="673200"/>
+            <a:ext cx="9356760" cy="672840"/>
           </a:xfrm>
           <a:prstGeom prst="rect">
             <a:avLst/>
@@ -8812,14 +5097,14 @@
       </p:sp>
       <p:sp>
         <p:nvSpPr>
-          <p:cNvPr id="211" name="CustomShape 2"/>
+          <p:cNvPr id="124" name="CustomShape 2"/>
           <p:cNvSpPr/>
           <p:nvPr/>
         </p:nvSpPr>
         <p:spPr>
           <a:xfrm>
             <a:off x="539640" y="3537000"/>
-            <a:ext cx="3633480" cy="1348200"/>
+            <a:ext cx="3633120" cy="1347840"/>
           </a:xfrm>
           <a:prstGeom prst="rect">
             <a:avLst/>
@@ -8851,7 +5136,7 @@
                 <a:latin typeface="Noto Sans"/>
                 <a:ea typeface="DejaVu Sans"/>
               </a:rPr>
-              <a:t>Présentée par :</a:t>
+              <a:t>Presented by:</a:t>
             </a:r>
             <a:endParaRPr b="0" lang="en-US" sz="2200" spc="-1" strike="noStrike">
               <a:latin typeface="Arial"/>
@@ -8941,14 +5226,14 @@
       </p:sp>
       <p:sp>
         <p:nvSpPr>
-          <p:cNvPr id="212" name="CustomShape 3"/>
+          <p:cNvPr id="125" name="CustomShape 3"/>
           <p:cNvSpPr/>
           <p:nvPr/>
         </p:nvSpPr>
         <p:spPr>
           <a:xfrm>
             <a:off x="2087640" y="216000"/>
-            <a:ext cx="5901480" cy="378000"/>
+            <a:ext cx="5901120" cy="377640"/>
           </a:xfrm>
           <a:prstGeom prst="rect">
             <a:avLst/>
@@ -8990,14 +5275,14 @@
       </p:sp>
       <p:sp>
         <p:nvSpPr>
-          <p:cNvPr id="213" name="CustomShape 4"/>
+          <p:cNvPr id="126" name="CustomShape 4"/>
           <p:cNvSpPr/>
           <p:nvPr/>
         </p:nvSpPr>
         <p:spPr>
           <a:xfrm>
             <a:off x="6047280" y="3537000"/>
-            <a:ext cx="3165480" cy="637920"/>
+            <a:ext cx="3165120" cy="637560"/>
           </a:xfrm>
           <a:prstGeom prst="rect">
             <a:avLst/>
@@ -9049,14 +5334,14 @@
       </p:sp>
       <p:sp>
         <p:nvSpPr>
-          <p:cNvPr id="214" name="CustomShape 5"/>
+          <p:cNvPr id="127" name="CustomShape 5"/>
           <p:cNvSpPr/>
           <p:nvPr/>
         </p:nvSpPr>
         <p:spPr>
           <a:xfrm>
             <a:off x="881640" y="942840"/>
-            <a:ext cx="8313120" cy="837000"/>
+            <a:ext cx="8312760" cy="836640"/>
           </a:xfrm>
           <a:prstGeom prst="rect">
             <a:avLst/>
@@ -9098,14 +5383,14 @@
       </p:sp>
       <p:sp>
         <p:nvSpPr>
-          <p:cNvPr id="215" name="CustomShape 6"/>
+          <p:cNvPr id="128" name="CustomShape 6"/>
           <p:cNvSpPr/>
           <p:nvPr/>
         </p:nvSpPr>
         <p:spPr>
           <a:xfrm>
             <a:off x="182880" y="2378160"/>
-            <a:ext cx="9509400" cy="914040"/>
+            <a:ext cx="9509040" cy="913680"/>
           </a:xfrm>
           <a:prstGeom prst="rect">
             <a:avLst/>
@@ -9131,7 +5416,11 @@
             </a:pPr>
             <a:r>
               <a:rPr b="1" lang="en-US" sz="2600" spc="-1" strike="noStrike">
+                <a:solidFill>
+                  <a:srgbClr val="000000"/>
+                </a:solidFill>
                 <a:latin typeface="Arial"/>
+                <a:ea typeface="DejaVu Sans"/>
               </a:rPr>
               <a:t>Heterogeneous architecture for Big Data algorithms </a:t>
             </a:r>
@@ -9147,7 +5436,11 @@
             </a:pPr>
             <a:r>
               <a:rPr b="1" lang="en-US" sz="2600" spc="-1" strike="noStrike">
+                <a:solidFill>
+                  <a:srgbClr val="000000"/>
+                </a:solidFill>
                 <a:latin typeface="Arial"/>
+                <a:ea typeface="DejaVu Sans"/>
               </a:rPr>
               <a:t>Final presentation</a:t>
             </a:r>
@@ -9208,14 +5501,14 @@
       </p:grpSpPr>
       <p:sp>
         <p:nvSpPr>
-          <p:cNvPr id="255" name="CustomShape 1"/>
+          <p:cNvPr id="168" name="CustomShape 1"/>
           <p:cNvSpPr/>
           <p:nvPr/>
         </p:nvSpPr>
         <p:spPr>
           <a:xfrm>
             <a:off x="359640" y="270000"/>
-            <a:ext cx="9357840" cy="673920"/>
+            <a:ext cx="9357480" cy="673560"/>
           </a:xfrm>
           <a:prstGeom prst="rect">
             <a:avLst/>
@@ -9257,14 +5550,14 @@
       </p:sp>
       <p:sp>
         <p:nvSpPr>
-          <p:cNvPr id="256" name="CustomShape 2"/>
+          <p:cNvPr id="169" name="CustomShape 2"/>
           <p:cNvSpPr/>
           <p:nvPr/>
         </p:nvSpPr>
         <p:spPr>
           <a:xfrm>
             <a:off x="359280" y="1099800"/>
-            <a:ext cx="9177840" cy="4042080"/>
+            <a:ext cx="9177480" cy="4041720"/>
           </a:xfrm>
           <a:prstGeom prst="rect">
             <a:avLst/>
@@ -9445,7 +5738,7 @@
       </p:sp>
       <p:pic>
         <p:nvPicPr>
-          <p:cNvPr id="257" name="Image 4" descr=""/>
+          <p:cNvPr id="170" name="Image 4" descr=""/>
           <p:cNvPicPr/>
           <p:nvPr/>
         </p:nvPicPr>
@@ -9456,7 +5749,7 @@
         <p:spPr>
           <a:xfrm>
             <a:off x="273240" y="1415160"/>
-            <a:ext cx="4903200" cy="2117880"/>
+            <a:ext cx="4902840" cy="2117520"/>
           </a:xfrm>
           <a:prstGeom prst="rect">
             <a:avLst/>
@@ -9468,7 +5761,7 @@
       </p:pic>
       <p:pic>
         <p:nvPicPr>
-          <p:cNvPr id="258" name="Image 6" descr=""/>
+          <p:cNvPr id="171" name="Image 6" descr=""/>
           <p:cNvPicPr/>
           <p:nvPr/>
         </p:nvPicPr>
@@ -9479,7 +5772,7 @@
         <p:spPr>
           <a:xfrm>
             <a:off x="6084000" y="1202040"/>
-            <a:ext cx="2604240" cy="2542680"/>
+            <a:ext cx="2603880" cy="2542320"/>
           </a:xfrm>
           <a:prstGeom prst="rect">
             <a:avLst/>
@@ -9491,7 +5784,7 @@
       </p:pic>
       <p:pic>
         <p:nvPicPr>
-          <p:cNvPr id="259" name="Image 8" descr=""/>
+          <p:cNvPr id="172" name="Image 8" descr=""/>
           <p:cNvPicPr/>
           <p:nvPr/>
         </p:nvPicPr>
@@ -9502,7 +5795,7 @@
         <p:spPr>
           <a:xfrm>
             <a:off x="4995720" y="3898800"/>
-            <a:ext cx="4428360" cy="1082520"/>
+            <a:ext cx="4428000" cy="1082160"/>
           </a:xfrm>
           <a:prstGeom prst="rect">
             <a:avLst/>
@@ -9514,7 +5807,7 @@
       </p:pic>
       <p:pic>
         <p:nvPicPr>
-          <p:cNvPr id="260" name="Image 10" descr=""/>
+          <p:cNvPr id="173" name="Image 10" descr=""/>
           <p:cNvPicPr/>
           <p:nvPr/>
         </p:nvPicPr>
@@ -9525,7 +5818,7 @@
         <p:spPr>
           <a:xfrm>
             <a:off x="353880" y="3972960"/>
-            <a:ext cx="3562920" cy="1166400"/>
+            <a:ext cx="3562560" cy="1166040"/>
           </a:xfrm>
           <a:prstGeom prst="rect">
             <a:avLst/>
@@ -9586,14 +5879,14 @@
       </p:grpSpPr>
       <p:sp>
         <p:nvSpPr>
-          <p:cNvPr id="261" name="CustomShape 1"/>
+          <p:cNvPr id="174" name="CustomShape 1"/>
           <p:cNvSpPr/>
           <p:nvPr/>
         </p:nvSpPr>
         <p:spPr>
           <a:xfrm>
             <a:off x="359640" y="177120"/>
-            <a:ext cx="9357840" cy="673920"/>
+            <a:ext cx="9357480" cy="673560"/>
           </a:xfrm>
           <a:prstGeom prst="rect">
             <a:avLst/>
@@ -9635,14 +5928,14 @@
       </p:sp>
       <p:sp>
         <p:nvSpPr>
-          <p:cNvPr id="262" name="CustomShape 2"/>
+          <p:cNvPr id="175" name="CustomShape 2"/>
           <p:cNvSpPr/>
           <p:nvPr/>
         </p:nvSpPr>
         <p:spPr>
           <a:xfrm>
             <a:off x="359280" y="1099800"/>
-            <a:ext cx="9177840" cy="4042080"/>
+            <a:ext cx="9177480" cy="4041720"/>
           </a:xfrm>
           <a:prstGeom prst="rect">
             <a:avLst/>
@@ -9817,7 +6110,7 @@
       </p:sp>
       <p:pic>
         <p:nvPicPr>
-          <p:cNvPr id="263" name="Image 2" descr=""/>
+          <p:cNvPr id="176" name="Image 2" descr=""/>
           <p:cNvPicPr/>
           <p:nvPr/>
         </p:nvPicPr>
@@ -9829,7 +6122,7 @@
         <p:spPr>
           <a:xfrm>
             <a:off x="5787720" y="1217520"/>
-            <a:ext cx="3375000" cy="3176640"/>
+            <a:ext cx="3374640" cy="3176280"/>
           </a:xfrm>
           <a:prstGeom prst="rect">
             <a:avLst/>
@@ -9841,7 +6134,7 @@
       </p:pic>
       <p:pic>
         <p:nvPicPr>
-          <p:cNvPr id="264" name="Image 6" descr=""/>
+          <p:cNvPr id="177" name="Image 6" descr=""/>
           <p:cNvPicPr/>
           <p:nvPr/>
         </p:nvPicPr>
@@ -9852,7 +6145,7 @@
         <p:spPr>
           <a:xfrm>
             <a:off x="291960" y="3223080"/>
-            <a:ext cx="2658960" cy="1392120"/>
+            <a:ext cx="2658600" cy="1391760"/>
           </a:xfrm>
           <a:prstGeom prst="rect">
             <a:avLst/>
@@ -9864,7 +6157,7 @@
       </p:pic>
       <p:pic>
         <p:nvPicPr>
-          <p:cNvPr id="265" name="Image 8" descr=""/>
+          <p:cNvPr id="178" name="Image 8" descr=""/>
           <p:cNvPicPr/>
           <p:nvPr/>
         </p:nvPicPr>
@@ -9875,7 +6168,7 @@
         <p:spPr>
           <a:xfrm>
             <a:off x="3005280" y="3224520"/>
-            <a:ext cx="2025360" cy="613440"/>
+            <a:ext cx="2025000" cy="613080"/>
           </a:xfrm>
           <a:prstGeom prst="rect">
             <a:avLst/>
@@ -9887,7 +6180,7 @@
       </p:pic>
       <p:pic>
         <p:nvPicPr>
-          <p:cNvPr id="266" name="Image 10" descr=""/>
+          <p:cNvPr id="179" name="Image 10" descr=""/>
           <p:cNvPicPr/>
           <p:nvPr/>
         </p:nvPicPr>
@@ -9898,7 +6191,7 @@
         <p:spPr>
           <a:xfrm>
             <a:off x="3005280" y="3921120"/>
-            <a:ext cx="2034360" cy="783360"/>
+            <a:ext cx="2034000" cy="783000"/>
           </a:xfrm>
           <a:prstGeom prst="rect">
             <a:avLst/>
@@ -9959,14 +6252,14 @@
       </p:grpSpPr>
       <p:sp>
         <p:nvSpPr>
-          <p:cNvPr id="267" name="CustomShape 1"/>
+          <p:cNvPr id="180" name="CustomShape 1"/>
           <p:cNvSpPr/>
           <p:nvPr/>
         </p:nvSpPr>
         <p:spPr>
           <a:xfrm>
             <a:off x="359640" y="270000"/>
-            <a:ext cx="9357120" cy="673200"/>
+            <a:ext cx="9356760" cy="672840"/>
           </a:xfrm>
           <a:prstGeom prst="rect">
             <a:avLst/>
@@ -10008,14 +6301,14 @@
       </p:sp>
       <p:sp>
         <p:nvSpPr>
-          <p:cNvPr id="268" name="CustomShape 2"/>
+          <p:cNvPr id="181" name="CustomShape 2"/>
           <p:cNvSpPr/>
           <p:nvPr/>
         </p:nvSpPr>
         <p:spPr>
           <a:xfrm>
             <a:off x="359640" y="1485000"/>
-            <a:ext cx="9177120" cy="3508200"/>
+            <a:ext cx="9176760" cy="3507840"/>
           </a:xfrm>
           <a:prstGeom prst="rect">
             <a:avLst/>
@@ -10036,7 +6329,7 @@
             <a:normAutofit/>
           </a:bodyPr>
           <a:p>
-            <a:pPr marL="216000" indent="-215280">
+            <a:pPr marL="216000" indent="-214920">
               <a:lnSpc>
                 <a:spcPct val="100000"/>
               </a:lnSpc>
@@ -10074,7 +6367,7 @@
             </a:endParaRPr>
           </a:p>
           <a:p>
-            <a:pPr marL="216000" indent="-215280">
+            <a:pPr marL="216000" indent="-214920">
               <a:lnSpc>
                 <a:spcPct val="100000"/>
               </a:lnSpc>
@@ -10112,7 +6405,7 @@
             </a:endParaRPr>
           </a:p>
           <a:p>
-            <a:pPr marL="216000" indent="-215280">
+            <a:pPr marL="216000" indent="-214920">
               <a:lnSpc>
                 <a:spcPct val="100000"/>
               </a:lnSpc>
@@ -10150,7 +6443,7 @@
             </a:endParaRPr>
           </a:p>
           <a:p>
-            <a:pPr marL="216000" indent="-215280">
+            <a:pPr marL="216000" indent="-214920">
               <a:lnSpc>
                 <a:spcPct val="100000"/>
               </a:lnSpc>
@@ -10188,7 +6481,7 @@
             </a:endParaRPr>
           </a:p>
           <a:p>
-            <a:pPr marL="216000" indent="-215280">
+            <a:pPr marL="216000" indent="-214920">
               <a:lnSpc>
                 <a:spcPct val="100000"/>
               </a:lnSpc>
@@ -10278,14 +6571,14 @@
       </p:grpSpPr>
       <p:sp>
         <p:nvSpPr>
-          <p:cNvPr id="269" name="CustomShape 1"/>
+          <p:cNvPr id="182" name="CustomShape 1"/>
           <p:cNvSpPr/>
           <p:nvPr/>
         </p:nvSpPr>
         <p:spPr>
           <a:xfrm>
             <a:off x="359640" y="270000"/>
-            <a:ext cx="9357120" cy="673200"/>
+            <a:ext cx="9356760" cy="672840"/>
           </a:xfrm>
           <a:prstGeom prst="rect">
             <a:avLst/>
@@ -10327,14 +6620,14 @@
       </p:sp>
       <p:sp>
         <p:nvSpPr>
-          <p:cNvPr id="270" name="CustomShape 2"/>
+          <p:cNvPr id="183" name="CustomShape 2"/>
           <p:cNvSpPr/>
           <p:nvPr/>
         </p:nvSpPr>
         <p:spPr>
           <a:xfrm>
             <a:off x="359640" y="1485000"/>
-            <a:ext cx="9177120" cy="3508200"/>
+            <a:ext cx="9176760" cy="3507840"/>
           </a:xfrm>
           <a:prstGeom prst="rect">
             <a:avLst/>
@@ -10378,7 +6671,7 @@
             </a:endParaRPr>
           </a:p>
           <a:p>
-            <a:pPr marL="216000" indent="-214920">
+            <a:pPr marL="216000" indent="-214560">
               <a:lnSpc>
                 <a:spcPct val="100000"/>
               </a:lnSpc>
@@ -10407,7 +6700,7 @@
             </a:endParaRPr>
           </a:p>
           <a:p>
-            <a:pPr marL="216000" indent="-214920">
+            <a:pPr marL="216000" indent="-214560">
               <a:lnSpc>
                 <a:spcPct val="100000"/>
               </a:lnSpc>
@@ -10436,7 +6729,7 @@
             </a:endParaRPr>
           </a:p>
           <a:p>
-            <a:pPr marL="216000" indent="-214920">
+            <a:pPr marL="216000" indent="-214560">
               <a:lnSpc>
                 <a:spcPct val="100000"/>
               </a:lnSpc>
@@ -10465,7 +6758,7 @@
             </a:endParaRPr>
           </a:p>
           <a:p>
-            <a:pPr marL="216000" indent="-214920">
+            <a:pPr marL="216000" indent="-214560">
               <a:lnSpc>
                 <a:spcPct val="100000"/>
               </a:lnSpc>
@@ -10494,7 +6787,7 @@
             </a:endParaRPr>
           </a:p>
           <a:p>
-            <a:pPr marL="216000" indent="-214920">
+            <a:pPr marL="216000" indent="-214560">
               <a:lnSpc>
                 <a:spcPct val="100000"/>
               </a:lnSpc>
@@ -10575,14 +6868,14 @@
       </p:grpSpPr>
       <p:sp>
         <p:nvSpPr>
-          <p:cNvPr id="271" name="CustomShape 1"/>
+          <p:cNvPr id="184" name="CustomShape 1"/>
           <p:cNvSpPr/>
           <p:nvPr/>
         </p:nvSpPr>
         <p:spPr>
           <a:xfrm>
             <a:off x="359640" y="270000"/>
-            <a:ext cx="9357120" cy="673200"/>
+            <a:ext cx="9356760" cy="672840"/>
           </a:xfrm>
           <a:prstGeom prst="rect">
             <a:avLst/>
@@ -10624,14 +6917,14 @@
       </p:sp>
       <p:sp>
         <p:nvSpPr>
-          <p:cNvPr id="272" name="CustomShape 2"/>
+          <p:cNvPr id="185" name="CustomShape 2"/>
           <p:cNvSpPr/>
           <p:nvPr/>
         </p:nvSpPr>
         <p:spPr>
           <a:xfrm>
             <a:off x="359640" y="1782000"/>
-            <a:ext cx="9177120" cy="2617200"/>
+            <a:ext cx="9176760" cy="2616840"/>
           </a:xfrm>
           <a:prstGeom prst="rect">
             <a:avLst/>
@@ -10652,7 +6945,7 @@
             <a:normAutofit/>
           </a:bodyPr>
           <a:p>
-            <a:pPr marL="216000" indent="-213840">
+            <a:pPr marL="216000" indent="-213480">
               <a:lnSpc>
                 <a:spcPct val="100000"/>
               </a:lnSpc>
@@ -10681,7 +6974,7 @@
             </a:endParaRPr>
           </a:p>
           <a:p>
-            <a:pPr marL="216000" indent="-213840">
+            <a:pPr marL="216000" indent="-213480">
               <a:lnSpc>
                 <a:spcPct val="100000"/>
               </a:lnSpc>
@@ -10710,7 +7003,7 @@
             </a:endParaRPr>
           </a:p>
           <a:p>
-            <a:pPr marL="216000" indent="-213840">
+            <a:pPr marL="216000" indent="-213480">
               <a:lnSpc>
                 <a:spcPct val="100000"/>
               </a:lnSpc>
@@ -10739,7 +7032,7 @@
             </a:endParaRPr>
           </a:p>
           <a:p>
-            <a:pPr marL="216000" indent="-213840">
+            <a:pPr marL="216000" indent="-213480">
               <a:lnSpc>
                 <a:spcPct val="100000"/>
               </a:lnSpc>
@@ -10768,7 +7061,7 @@
             </a:endParaRPr>
           </a:p>
           <a:p>
-            <a:pPr marL="216000" indent="-213840">
+            <a:pPr marL="216000" indent="-213480">
               <a:lnSpc>
                 <a:spcPct val="100000"/>
               </a:lnSpc>
@@ -10797,7 +7090,7 @@
             </a:endParaRPr>
           </a:p>
           <a:p>
-            <a:pPr marL="216000" indent="-213840">
+            <a:pPr marL="216000" indent="-213480">
               <a:lnSpc>
                 <a:spcPct val="100000"/>
               </a:lnSpc>
@@ -10878,14 +7171,14 @@
       </p:grpSpPr>
       <p:sp>
         <p:nvSpPr>
-          <p:cNvPr id="216" name="CustomShape 1"/>
+          <p:cNvPr id="129" name="CustomShape 1"/>
           <p:cNvSpPr/>
           <p:nvPr/>
         </p:nvSpPr>
         <p:spPr>
           <a:xfrm>
             <a:off x="359640" y="270000"/>
-            <a:ext cx="9357120" cy="673200"/>
+            <a:ext cx="9356760" cy="672840"/>
           </a:xfrm>
           <a:prstGeom prst="rect">
             <a:avLst/>
@@ -10927,14 +7220,14 @@
       </p:sp>
       <p:sp>
         <p:nvSpPr>
-          <p:cNvPr id="217" name="CustomShape 2"/>
+          <p:cNvPr id="130" name="CustomShape 2"/>
           <p:cNvSpPr/>
           <p:nvPr/>
         </p:nvSpPr>
         <p:spPr>
           <a:xfrm>
             <a:off x="359640" y="1485000"/>
-            <a:ext cx="9177120" cy="3508200"/>
+            <a:ext cx="9176760" cy="3507840"/>
           </a:xfrm>
           <a:prstGeom prst="rect">
             <a:avLst/>
@@ -10955,7 +7248,7 @@
             <a:normAutofit/>
           </a:bodyPr>
           <a:p>
-            <a:pPr marL="216000" indent="-213840">
+            <a:pPr marL="216000" indent="-213480">
               <a:lnSpc>
                 <a:spcPct val="100000"/>
               </a:lnSpc>
@@ -10984,7 +7277,7 @@
             </a:endParaRPr>
           </a:p>
           <a:p>
-            <a:pPr lvl="2" marL="648000" indent="-214560">
+            <a:pPr lvl="2" marL="648000" indent="-214200">
               <a:lnSpc>
                 <a:spcPct val="100000"/>
               </a:lnSpc>
@@ -11013,7 +7306,7 @@
             </a:endParaRPr>
           </a:p>
           <a:p>
-            <a:pPr lvl="2" marL="648000" indent="-214560">
+            <a:pPr lvl="2" marL="648000" indent="-214200">
               <a:lnSpc>
                 <a:spcPct val="100000"/>
               </a:lnSpc>
@@ -11042,7 +7335,7 @@
             </a:endParaRPr>
           </a:p>
           <a:p>
-            <a:pPr marL="216000" indent="-213840">
+            <a:pPr marL="216000" indent="-213480">
               <a:lnSpc>
                 <a:spcPct val="100000"/>
               </a:lnSpc>
@@ -11071,7 +7364,7 @@
             </a:endParaRPr>
           </a:p>
           <a:p>
-            <a:pPr lvl="2" marL="648000" indent="-214560">
+            <a:pPr lvl="2" marL="648000" indent="-214200">
               <a:lnSpc>
                 <a:spcPct val="100000"/>
               </a:lnSpc>
@@ -11100,7 +7393,7 @@
             </a:endParaRPr>
           </a:p>
           <a:p>
-            <a:pPr marL="216000" indent="-213840">
+            <a:pPr marL="216000" indent="-213480">
               <a:lnSpc>
                 <a:spcPct val="100000"/>
               </a:lnSpc>
@@ -11129,7 +7422,7 @@
             </a:endParaRPr>
           </a:p>
           <a:p>
-            <a:pPr lvl="2" marL="648000" indent="-214560">
+            <a:pPr lvl="2" marL="648000" indent="-214200">
               <a:lnSpc>
                 <a:spcPct val="100000"/>
               </a:lnSpc>
@@ -11151,17 +7444,7 @@
                 <a:latin typeface="Noto Sans"/>
                 <a:ea typeface="DejaVu Sans"/>
               </a:rPr>
-              <a:t>GHAOUI Mohamed </a:t>
-            </a:r>
-            <a:r>
-              <a:rPr b="0" lang="en-US" sz="2200" spc="-1" strike="noStrike">
-                <a:solidFill>
-                  <a:srgbClr val="1c1c1c"/>
-                </a:solidFill>
-                <a:latin typeface="Noto Sans"/>
-                <a:ea typeface="DejaVu Sans"/>
-              </a:rPr>
-              <a:t>Anis</a:t>
+              <a:t>GHAOUI Mohamed Anis</a:t>
             </a:r>
             <a:endParaRPr b="0" lang="en-US" sz="2200" spc="-1" strike="noStrike">
               <a:latin typeface="Arial"/>
@@ -11220,14 +7503,14 @@
       </p:grpSpPr>
       <p:sp>
         <p:nvSpPr>
-          <p:cNvPr id="218" name="CustomShape 1"/>
+          <p:cNvPr id="131" name="CustomShape 1"/>
           <p:cNvSpPr/>
           <p:nvPr/>
         </p:nvSpPr>
         <p:spPr>
           <a:xfrm>
             <a:off x="359640" y="270000"/>
-            <a:ext cx="9357840" cy="673920"/>
+            <a:ext cx="9357480" cy="673560"/>
           </a:xfrm>
           <a:prstGeom prst="rect">
             <a:avLst/>
@@ -11269,14 +7552,14 @@
       </p:sp>
       <p:sp>
         <p:nvSpPr>
-          <p:cNvPr id="219" name="CustomShape 2"/>
+          <p:cNvPr id="132" name="CustomShape 2"/>
           <p:cNvSpPr/>
           <p:nvPr/>
         </p:nvSpPr>
         <p:spPr>
           <a:xfrm>
             <a:off x="359280" y="1099800"/>
-            <a:ext cx="9177840" cy="4042080"/>
+            <a:ext cx="9177480" cy="4041720"/>
           </a:xfrm>
           <a:prstGeom prst="rect">
             <a:avLst/>
@@ -11346,7 +7629,7 @@
       </p:sp>
       <p:pic>
         <p:nvPicPr>
-          <p:cNvPr id="220" name="Image 4" descr=""/>
+          <p:cNvPr id="133" name="Image 4" descr=""/>
           <p:cNvPicPr/>
           <p:nvPr/>
         </p:nvPicPr>
@@ -11357,7 +7640,7 @@
         <p:spPr>
           <a:xfrm>
             <a:off x="254880" y="1263960"/>
-            <a:ext cx="2742840" cy="1394280"/>
+            <a:ext cx="2742480" cy="1393920"/>
           </a:xfrm>
           <a:prstGeom prst="rect">
             <a:avLst/>
@@ -11369,7 +7652,7 @@
       </p:pic>
       <p:pic>
         <p:nvPicPr>
-          <p:cNvPr id="221" name="Image 6" descr=""/>
+          <p:cNvPr id="134" name="Image 6" descr=""/>
           <p:cNvPicPr/>
           <p:nvPr/>
         </p:nvPicPr>
@@ -11380,7 +7663,7 @@
         <p:spPr>
           <a:xfrm>
             <a:off x="3658320" y="1386000"/>
-            <a:ext cx="3616920" cy="1137600"/>
+            <a:ext cx="3616560" cy="1137240"/>
           </a:xfrm>
           <a:prstGeom prst="rect">
             <a:avLst/>
@@ -11392,7 +7675,7 @@
       </p:pic>
       <p:pic>
         <p:nvPicPr>
-          <p:cNvPr id="222" name="Image 8" descr=""/>
+          <p:cNvPr id="135" name="Image 8" descr=""/>
           <p:cNvPicPr/>
           <p:nvPr/>
         </p:nvPicPr>
@@ -11403,7 +7686,7 @@
         <p:spPr>
           <a:xfrm>
             <a:off x="357840" y="3531960"/>
-            <a:ext cx="2742840" cy="948600"/>
+            <a:ext cx="2742480" cy="948240"/>
           </a:xfrm>
           <a:prstGeom prst="rect">
             <a:avLst/>
@@ -11415,14 +7698,14 @@
       </p:pic>
       <p:sp>
         <p:nvSpPr>
-          <p:cNvPr id="223" name="CustomShape 3"/>
+          <p:cNvPr id="136" name="CustomShape 3"/>
           <p:cNvSpPr/>
           <p:nvPr/>
         </p:nvSpPr>
         <p:spPr>
           <a:xfrm>
             <a:off x="1218240" y="4620960"/>
-            <a:ext cx="2742840" cy="335160"/>
+            <a:ext cx="2742480" cy="334800"/>
           </a:xfrm>
           <a:prstGeom prst="rect">
             <a:avLst/>
@@ -11439,7 +7722,7 @@
           <a:fontRef idx="minor"/>
         </p:style>
         <p:txBody>
-          <a:bodyPr/>
+          <a:bodyPr lIns="90000" rIns="90000" tIns="45000" bIns="45000"/>
           <a:p>
             <a:pPr>
               <a:lnSpc>
@@ -11464,7 +7747,7 @@
       </p:sp>
       <p:pic>
         <p:nvPicPr>
-          <p:cNvPr id="224" name="Image 11" descr=""/>
+          <p:cNvPr id="137" name="Image 11" descr=""/>
           <p:cNvPicPr/>
           <p:nvPr/>
         </p:nvPicPr>
@@ -11475,7 +7758,7 @@
         <p:spPr>
           <a:xfrm>
             <a:off x="3856320" y="3161880"/>
-            <a:ext cx="1915200" cy="1460160"/>
+            <a:ext cx="1914840" cy="1459800"/>
           </a:xfrm>
           <a:prstGeom prst="rect">
             <a:avLst/>
@@ -11487,14 +7770,14 @@
       </p:pic>
       <p:sp>
         <p:nvSpPr>
-          <p:cNvPr id="225" name="CustomShape 4"/>
+          <p:cNvPr id="138" name="CustomShape 4"/>
           <p:cNvSpPr/>
           <p:nvPr/>
         </p:nvSpPr>
         <p:spPr>
           <a:xfrm>
             <a:off x="4155120" y="4655160"/>
-            <a:ext cx="2742840" cy="335160"/>
+            <a:ext cx="2742480" cy="334800"/>
           </a:xfrm>
           <a:prstGeom prst="rect">
             <a:avLst/>
@@ -11511,7 +7794,7 @@
           <a:fontRef idx="minor"/>
         </p:style>
         <p:txBody>
-          <a:bodyPr/>
+          <a:bodyPr lIns="90000" rIns="90000" tIns="45000" bIns="45000"/>
           <a:p>
             <a:pPr>
               <a:lnSpc>
@@ -11536,14 +7819,14 @@
       </p:sp>
       <p:sp>
         <p:nvSpPr>
-          <p:cNvPr id="226" name="CustomShape 5"/>
+          <p:cNvPr id="139" name="CustomShape 5"/>
           <p:cNvSpPr/>
           <p:nvPr/>
         </p:nvSpPr>
         <p:spPr>
           <a:xfrm>
             <a:off x="1064160" y="2777400"/>
-            <a:ext cx="2742840" cy="335160"/>
+            <a:ext cx="2742480" cy="334800"/>
           </a:xfrm>
           <a:prstGeom prst="rect">
             <a:avLst/>
@@ -11560,7 +7843,7 @@
           <a:fontRef idx="minor"/>
         </p:style>
         <p:txBody>
-          <a:bodyPr/>
+          <a:bodyPr lIns="90000" rIns="90000" tIns="45000" bIns="45000"/>
           <a:p>
             <a:pPr>
               <a:lnSpc>
@@ -11585,14 +7868,14 @@
       </p:sp>
       <p:sp>
         <p:nvSpPr>
-          <p:cNvPr id="227" name="CustomShape 6"/>
+          <p:cNvPr id="140" name="CustomShape 6"/>
           <p:cNvSpPr/>
           <p:nvPr/>
         </p:nvSpPr>
         <p:spPr>
           <a:xfrm>
             <a:off x="5033880" y="2777400"/>
-            <a:ext cx="2742840" cy="335160"/>
+            <a:ext cx="2742480" cy="334800"/>
           </a:xfrm>
           <a:prstGeom prst="rect">
             <a:avLst/>
@@ -11609,7 +7892,7 @@
           <a:fontRef idx="minor"/>
         </p:style>
         <p:txBody>
-          <a:bodyPr/>
+          <a:bodyPr lIns="90000" rIns="90000" tIns="45000" bIns="45000"/>
           <a:p>
             <a:pPr>
               <a:lnSpc>
@@ -11634,7 +7917,7 @@
       </p:sp>
       <p:pic>
         <p:nvPicPr>
-          <p:cNvPr id="228" name="Image 13" descr=""/>
+          <p:cNvPr id="141" name="Image 13" descr=""/>
           <p:cNvPicPr/>
           <p:nvPr/>
         </p:nvPicPr>
@@ -11645,7 +7928,7 @@
         <p:spPr>
           <a:xfrm>
             <a:off x="6452280" y="2956680"/>
-            <a:ext cx="2742840" cy="1515240"/>
+            <a:ext cx="2742480" cy="1514880"/>
           </a:xfrm>
           <a:prstGeom prst="rect">
             <a:avLst/>
@@ -11657,14 +7940,14 @@
       </p:pic>
       <p:sp>
         <p:nvSpPr>
-          <p:cNvPr id="229" name="CustomShape 7"/>
+          <p:cNvPr id="142" name="CustomShape 7"/>
           <p:cNvSpPr/>
           <p:nvPr/>
         </p:nvSpPr>
         <p:spPr>
           <a:xfrm>
             <a:off x="6894360" y="4620960"/>
-            <a:ext cx="2742840" cy="335160"/>
+            <a:ext cx="2742480" cy="334800"/>
           </a:xfrm>
           <a:prstGeom prst="rect">
             <a:avLst/>
@@ -11681,7 +7964,7 @@
           <a:fontRef idx="minor"/>
         </p:style>
         <p:txBody>
-          <a:bodyPr/>
+          <a:bodyPr lIns="90000" rIns="90000" tIns="45000" bIns="45000"/>
           <a:p>
             <a:pPr>
               <a:lnSpc>
@@ -11755,14 +8038,14 @@
       </p:grpSpPr>
       <p:sp>
         <p:nvSpPr>
-          <p:cNvPr id="230" name="CustomShape 1"/>
+          <p:cNvPr id="143" name="CustomShape 1"/>
           <p:cNvSpPr/>
           <p:nvPr/>
         </p:nvSpPr>
         <p:spPr>
           <a:xfrm>
             <a:off x="359640" y="270000"/>
-            <a:ext cx="9357840" cy="673920"/>
+            <a:ext cx="9357480" cy="673560"/>
           </a:xfrm>
           <a:prstGeom prst="rect">
             <a:avLst/>
@@ -11804,14 +8087,14 @@
       </p:sp>
       <p:sp>
         <p:nvSpPr>
-          <p:cNvPr id="231" name="CustomShape 2"/>
+          <p:cNvPr id="144" name="CustomShape 2"/>
           <p:cNvSpPr/>
           <p:nvPr/>
         </p:nvSpPr>
         <p:spPr>
           <a:xfrm>
             <a:off x="359280" y="1099800"/>
-            <a:ext cx="9177840" cy="4042080"/>
+            <a:ext cx="9177480" cy="4041720"/>
           </a:xfrm>
           <a:prstGeom prst="rect">
             <a:avLst/>
@@ -11881,14 +8164,14 @@
       </p:sp>
       <p:sp>
         <p:nvSpPr>
-          <p:cNvPr id="232" name="CustomShape 3"/>
+          <p:cNvPr id="145" name="CustomShape 3"/>
           <p:cNvSpPr/>
           <p:nvPr/>
         </p:nvSpPr>
         <p:spPr>
           <a:xfrm>
             <a:off x="5033880" y="2777400"/>
-            <a:ext cx="2742840" cy="338040"/>
+            <a:ext cx="2742480" cy="337680"/>
           </a:xfrm>
           <a:prstGeom prst="rect">
             <a:avLst/>
@@ -11907,7 +8190,7 @@
       </p:sp>
       <p:pic>
         <p:nvPicPr>
-          <p:cNvPr id="233" name="" descr=""/>
+          <p:cNvPr id="146" name="" descr=""/>
           <p:cNvPicPr/>
           <p:nvPr/>
         </p:nvPicPr>
@@ -11918,7 +8201,7 @@
         <p:spPr>
           <a:xfrm>
             <a:off x="640080" y="1005840"/>
-            <a:ext cx="6766560" cy="4560840"/>
+            <a:ext cx="6766200" cy="4560480"/>
           </a:xfrm>
           <a:prstGeom prst="rect">
             <a:avLst/>
@@ -11979,7 +8262,7 @@
       </p:grpSpPr>
       <p:pic>
         <p:nvPicPr>
-          <p:cNvPr id="234" name="图片 1" descr=""/>
+          <p:cNvPr id="147" name="图片 1" descr=""/>
           <p:cNvPicPr/>
           <p:nvPr/>
         </p:nvPicPr>
@@ -11990,7 +8273,7 @@
         <p:spPr>
           <a:xfrm>
             <a:off x="359280" y="1153800"/>
-            <a:ext cx="5843520" cy="2638800"/>
+            <a:ext cx="5843160" cy="2638440"/>
           </a:xfrm>
           <a:prstGeom prst="rect">
             <a:avLst/>
@@ -12002,14 +8285,14 @@
       </p:pic>
       <p:sp>
         <p:nvSpPr>
-          <p:cNvPr id="235" name="CustomShape 1"/>
+          <p:cNvPr id="148" name="CustomShape 1"/>
           <p:cNvSpPr/>
           <p:nvPr/>
         </p:nvSpPr>
         <p:spPr>
           <a:xfrm>
             <a:off x="359640" y="270000"/>
-            <a:ext cx="9357840" cy="673920"/>
+            <a:ext cx="9357480" cy="673560"/>
           </a:xfrm>
           <a:prstGeom prst="rect">
             <a:avLst/>
@@ -12051,14 +8334,14 @@
       </p:sp>
       <p:sp>
         <p:nvSpPr>
-          <p:cNvPr id="236" name="CustomShape 2"/>
+          <p:cNvPr id="149" name="CustomShape 2"/>
           <p:cNvSpPr/>
           <p:nvPr/>
         </p:nvSpPr>
         <p:spPr>
           <a:xfrm>
             <a:off x="359280" y="1099800"/>
-            <a:ext cx="9177840" cy="4042080"/>
+            <a:ext cx="9177480" cy="4041720"/>
           </a:xfrm>
           <a:prstGeom prst="rect">
             <a:avLst/>
@@ -12239,7 +8522,7 @@
       </p:sp>
       <p:pic>
         <p:nvPicPr>
-          <p:cNvPr id="237" name="图片 2" descr=""/>
+          <p:cNvPr id="150" name="图片 2" descr=""/>
           <p:cNvPicPr/>
           <p:nvPr/>
         </p:nvPicPr>
@@ -12250,7 +8533,7 @@
         <p:spPr>
           <a:xfrm>
             <a:off x="6873840" y="1287000"/>
-            <a:ext cx="2261520" cy="2188440"/>
+            <a:ext cx="2261160" cy="2188080"/>
           </a:xfrm>
           <a:prstGeom prst="rect">
             <a:avLst/>
@@ -12262,7 +8545,7 @@
       </p:pic>
       <p:pic>
         <p:nvPicPr>
-          <p:cNvPr id="238" name="图片 4" descr=""/>
+          <p:cNvPr id="151" name="图片 4" descr=""/>
           <p:cNvPicPr/>
           <p:nvPr/>
         </p:nvPicPr>
@@ -12274,7 +8557,7 @@
         <p:spPr>
           <a:xfrm>
             <a:off x="359280" y="3971880"/>
-            <a:ext cx="4230000" cy="1120320"/>
+            <a:ext cx="4229640" cy="1119960"/>
           </a:xfrm>
           <a:prstGeom prst="rect">
             <a:avLst/>
@@ -12286,7 +8569,7 @@
       </p:pic>
       <p:pic>
         <p:nvPicPr>
-          <p:cNvPr id="239" name="图片 1" descr=""/>
+          <p:cNvPr id="152" name="图片 1" descr=""/>
           <p:cNvPicPr/>
           <p:nvPr/>
         </p:nvPicPr>
@@ -12297,7 +8580,7 @@
         <p:spPr>
           <a:xfrm>
             <a:off x="4749120" y="3650760"/>
-            <a:ext cx="4968000" cy="1441800"/>
+            <a:ext cx="4967640" cy="1441440"/>
           </a:xfrm>
           <a:prstGeom prst="rect">
             <a:avLst/>
@@ -12358,14 +8641,14 @@
       </p:grpSpPr>
       <p:sp>
         <p:nvSpPr>
-          <p:cNvPr id="240" name="CustomShape 1"/>
+          <p:cNvPr id="153" name="CustomShape 1"/>
           <p:cNvSpPr/>
           <p:nvPr/>
         </p:nvSpPr>
         <p:spPr>
           <a:xfrm>
             <a:off x="359640" y="270000"/>
-            <a:ext cx="9357840" cy="673920"/>
+            <a:ext cx="9357480" cy="673560"/>
           </a:xfrm>
           <a:prstGeom prst="rect">
             <a:avLst/>
@@ -12407,14 +8690,14 @@
       </p:sp>
       <p:sp>
         <p:nvSpPr>
-          <p:cNvPr id="241" name="CustomShape 2"/>
+          <p:cNvPr id="154" name="CustomShape 2"/>
           <p:cNvSpPr/>
           <p:nvPr/>
         </p:nvSpPr>
         <p:spPr>
           <a:xfrm>
             <a:off x="359280" y="1099800"/>
-            <a:ext cx="9177840" cy="4042080"/>
+            <a:ext cx="9177480" cy="4041720"/>
           </a:xfrm>
           <a:prstGeom prst="rect">
             <a:avLst/>
@@ -12632,21 +8915,21 @@
       </p:sp>
       <p:grpSp>
         <p:nvGrpSpPr>
-          <p:cNvPr id="242" name="Group 3"/>
+          <p:cNvPr id="155" name="Group 3"/>
           <p:cNvGrpSpPr/>
           <p:nvPr/>
         </p:nvGrpSpPr>
         <p:grpSpPr>
           <a:xfrm>
             <a:off x="4534560" y="1598400"/>
-            <a:ext cx="5182560" cy="2782800"/>
+            <a:ext cx="5182200" cy="2782440"/>
             <a:chOff x="4534560" y="1598400"/>
-            <a:chExt cx="5182560" cy="2782800"/>
+            <a:chExt cx="5182200" cy="2782440"/>
           </a:xfrm>
         </p:grpSpPr>
         <p:pic>
           <p:nvPicPr>
-            <p:cNvPr id="243" name="图片 14" descr=""/>
+            <p:cNvPr id="156" name="图片 14" descr=""/>
             <p:cNvPicPr/>
             <p:nvPr/>
           </p:nvPicPr>
@@ -12658,7 +8941,7 @@
           <p:spPr>
             <a:xfrm>
               <a:off x="4534560" y="1598400"/>
-              <a:ext cx="5182560" cy="2782800"/>
+              <a:ext cx="5182200" cy="2782440"/>
             </a:xfrm>
             <a:prstGeom prst="rect">
               <a:avLst/>
@@ -12670,14 +8953,14 @@
         </p:pic>
         <p:sp>
           <p:nvSpPr>
-            <p:cNvPr id="244" name="CustomShape 4"/>
+            <p:cNvPr id="157" name="CustomShape 4"/>
             <p:cNvSpPr/>
             <p:nvPr/>
           </p:nvSpPr>
           <p:spPr>
             <a:xfrm>
               <a:off x="7008120" y="3122640"/>
-              <a:ext cx="2132280" cy="450360"/>
+              <a:ext cx="2131920" cy="450000"/>
             </a:xfrm>
             <a:prstGeom prst="ellipse">
               <a:avLst/>
@@ -12687,6 +8970,7 @@
               <a:solidFill>
                 <a:srgbClr val="ff0000"/>
               </a:solidFill>
+              <a:round/>
             </a:ln>
           </p:spPr>
           <p:style>
@@ -12756,7 +9040,7 @@
       </p:grpSpPr>
       <p:pic>
         <p:nvPicPr>
-          <p:cNvPr id="245" name="图片 1" descr=""/>
+          <p:cNvPr id="158" name="图片 1" descr=""/>
           <p:cNvPicPr/>
           <p:nvPr/>
         </p:nvPicPr>
@@ -12767,7 +9051,7 @@
         <p:spPr>
           <a:xfrm>
             <a:off x="1118880" y="1113120"/>
-            <a:ext cx="7393680" cy="3917520"/>
+            <a:ext cx="7393320" cy="3917160"/>
           </a:xfrm>
           <a:prstGeom prst="rect">
             <a:avLst/>
@@ -12779,14 +9063,14 @@
       </p:pic>
       <p:sp>
         <p:nvSpPr>
-          <p:cNvPr id="246" name="CustomShape 1"/>
+          <p:cNvPr id="159" name="CustomShape 1"/>
           <p:cNvSpPr/>
           <p:nvPr/>
         </p:nvSpPr>
         <p:spPr>
           <a:xfrm>
             <a:off x="359640" y="270000"/>
-            <a:ext cx="9357840" cy="673920"/>
+            <a:ext cx="9357480" cy="673560"/>
           </a:xfrm>
           <a:prstGeom prst="rect">
             <a:avLst/>
@@ -12828,14 +9112,14 @@
       </p:sp>
       <p:sp>
         <p:nvSpPr>
-          <p:cNvPr id="247" name="CustomShape 2"/>
+          <p:cNvPr id="160" name="CustomShape 2"/>
           <p:cNvSpPr/>
           <p:nvPr/>
         </p:nvSpPr>
         <p:spPr>
           <a:xfrm>
             <a:off x="358920" y="1108080"/>
-            <a:ext cx="9177840" cy="4042080"/>
+            <a:ext cx="9177480" cy="4041720"/>
           </a:xfrm>
           <a:prstGeom prst="rect">
             <a:avLst/>
@@ -12954,7 +9238,7 @@
       </p:grpSpPr>
       <p:pic>
         <p:nvPicPr>
-          <p:cNvPr id="248" name="图片 21" descr=""/>
+          <p:cNvPr id="161" name="图片 21" descr=""/>
           <p:cNvPicPr/>
           <p:nvPr/>
         </p:nvPicPr>
@@ -12965,7 +9249,7 @@
         <p:spPr>
           <a:xfrm>
             <a:off x="3601440" y="1099800"/>
-            <a:ext cx="6116040" cy="2948760"/>
+            <a:ext cx="6115680" cy="2948400"/>
           </a:xfrm>
           <a:prstGeom prst="rect">
             <a:avLst/>
@@ -12977,14 +9261,14 @@
       </p:pic>
       <p:sp>
         <p:nvSpPr>
-          <p:cNvPr id="249" name="CustomShape 1"/>
+          <p:cNvPr id="162" name="CustomShape 1"/>
           <p:cNvSpPr/>
           <p:nvPr/>
         </p:nvSpPr>
         <p:spPr>
           <a:xfrm>
             <a:off x="359640" y="270000"/>
-            <a:ext cx="9357840" cy="673920"/>
+            <a:ext cx="9357480" cy="673560"/>
           </a:xfrm>
           <a:prstGeom prst="rect">
             <a:avLst/>
@@ -13026,14 +9310,14 @@
       </p:sp>
       <p:sp>
         <p:nvSpPr>
-          <p:cNvPr id="250" name="CustomShape 2"/>
+          <p:cNvPr id="163" name="CustomShape 2"/>
           <p:cNvSpPr/>
           <p:nvPr/>
         </p:nvSpPr>
         <p:spPr>
           <a:xfrm>
             <a:off x="359280" y="1099800"/>
-            <a:ext cx="9177840" cy="4042080"/>
+            <a:ext cx="9177480" cy="4041720"/>
           </a:xfrm>
           <a:prstGeom prst="rect">
             <a:avLst/>
@@ -13462,14 +9746,14 @@
       </p:grpSpPr>
       <p:sp>
         <p:nvSpPr>
-          <p:cNvPr id="251" name="CustomShape 1"/>
+          <p:cNvPr id="164" name="CustomShape 1"/>
           <p:cNvSpPr/>
           <p:nvPr/>
         </p:nvSpPr>
         <p:spPr>
           <a:xfrm>
             <a:off x="359640" y="270000"/>
-            <a:ext cx="9357840" cy="673920"/>
+            <a:ext cx="9357480" cy="673560"/>
           </a:xfrm>
           <a:prstGeom prst="rect">
             <a:avLst/>
@@ -13511,14 +9795,14 @@
       </p:sp>
       <p:sp>
         <p:nvSpPr>
-          <p:cNvPr id="252" name="CustomShape 2"/>
+          <p:cNvPr id="165" name="CustomShape 2"/>
           <p:cNvSpPr/>
           <p:nvPr/>
         </p:nvSpPr>
         <p:spPr>
           <a:xfrm>
             <a:off x="359280" y="1099800"/>
-            <a:ext cx="9177840" cy="4042080"/>
+            <a:ext cx="9177480" cy="4041720"/>
           </a:xfrm>
           <a:prstGeom prst="rect">
             <a:avLst/>
@@ -13598,7 +9882,7 @@
       </p:sp>
       <p:pic>
         <p:nvPicPr>
-          <p:cNvPr id="253" name="图片 2" descr=""/>
+          <p:cNvPr id="166" name="图片 2" descr=""/>
           <p:cNvPicPr/>
           <p:nvPr/>
         </p:nvPicPr>
@@ -13609,7 +9893,7 @@
         <p:spPr>
           <a:xfrm>
             <a:off x="4272120" y="1496520"/>
-            <a:ext cx="5377320" cy="3021120"/>
+            <a:ext cx="5376960" cy="3020760"/>
           </a:xfrm>
           <a:prstGeom prst="rect">
             <a:avLst/>
@@ -13621,7 +9905,7 @@
       </p:pic>
       <p:pic>
         <p:nvPicPr>
-          <p:cNvPr id="254" name="图片 9" descr=""/>
+          <p:cNvPr id="167" name="图片 9" descr=""/>
           <p:cNvPicPr/>
           <p:nvPr/>
         </p:nvPicPr>
@@ -13632,7 +9916,7 @@
         <p:spPr>
           <a:xfrm>
             <a:off x="565200" y="1546920"/>
-            <a:ext cx="3393720" cy="2970720"/>
+            <a:ext cx="3393360" cy="2970360"/>
           </a:xfrm>
           <a:prstGeom prst="rect">
             <a:avLst/>
@@ -14341,450 +10625,4 @@
     </a:fmtScheme>
   </a:themeElements>
 </a:theme>
-</file>
-
-<file path=ppt/theme/theme4.xml><?xml version="1.0" encoding="utf-8"?>
-<a:theme xmlns:a="http://schemas.openxmlformats.org/drawingml/2006/main" name="Office Theme">
-  <a:themeElements>
-    <a:clrScheme name="Office">
-      <a:dk1>
-        <a:sysClr val="windowText" lastClr="000000"/>
-      </a:dk1>
-      <a:lt1>
-        <a:sysClr val="window" lastClr="FFFFFF"/>
-      </a:lt1>
-      <a:dk2>
-        <a:srgbClr val="1f497d"/>
-      </a:dk2>
-      <a:lt2>
-        <a:srgbClr val="eeece1"/>
-      </a:lt2>
-      <a:accent1>
-        <a:srgbClr val="4f81bd"/>
-      </a:accent1>
-      <a:accent2>
-        <a:srgbClr val="c0504d"/>
-      </a:accent2>
-      <a:accent3>
-        <a:srgbClr val="9bbb59"/>
-      </a:accent3>
-      <a:accent4>
-        <a:srgbClr val="8064a2"/>
-      </a:accent4>
-      <a:accent5>
-        <a:srgbClr val="4bacc6"/>
-      </a:accent5>
-      <a:accent6>
-        <a:srgbClr val="f79646"/>
-      </a:accent6>
-      <a:hlink>
-        <a:srgbClr val="0000ff"/>
-      </a:hlink>
-      <a:folHlink>
-        <a:srgbClr val="800080"/>
-      </a:folHlink>
-    </a:clrScheme>
-    <a:fontScheme name="Office">
-      <a:majorFont>
-        <a:latin typeface="Arial"/>
-        <a:ea typeface="DejaVu Sans"/>
-        <a:cs typeface="DejaVu Sans"/>
-      </a:majorFont>
-      <a:minorFont>
-        <a:latin typeface="Arial"/>
-        <a:ea typeface="DejaVu Sans"/>
-        <a:cs typeface="DejaVu Sans"/>
-      </a:minorFont>
-    </a:fontScheme>
-    <a:fmtScheme name="Office">
-      <a:fillStyleLst>
-        <a:solidFill>
-          <a:schemeClr val="phClr"/>
-        </a:solidFill>
-        <a:gradFill rotWithShape="1">
-          <a:gsLst>
-            <a:gs pos="0">
-              <a:schemeClr val="phClr">
-                <a:tint val="50000"/>
-                <a:satMod val="300000"/>
-              </a:schemeClr>
-            </a:gs>
-            <a:gs pos="35000">
-              <a:schemeClr val="phClr">
-                <a:tint val="37000"/>
-                <a:satMod val="300000"/>
-              </a:schemeClr>
-            </a:gs>
-            <a:gs pos="100000">
-              <a:schemeClr val="phClr">
-                <a:tint val="15000"/>
-                <a:satMod val="350000"/>
-              </a:schemeClr>
-            </a:gs>
-          </a:gsLst>
-          <a:lin ang="16200000" scaled="1"/>
-        </a:gradFill>
-        <a:gradFill rotWithShape="1">
-          <a:gsLst>
-            <a:gs pos="0">
-              <a:schemeClr val="phClr">
-                <a:shade val="51000"/>
-                <a:satMod val="130000"/>
-              </a:schemeClr>
-            </a:gs>
-            <a:gs pos="80000">
-              <a:schemeClr val="phClr">
-                <a:shade val="93000"/>
-                <a:satMod val="130000"/>
-              </a:schemeClr>
-            </a:gs>
-            <a:gs pos="100000">
-              <a:schemeClr val="phClr">
-                <a:shade val="94000"/>
-                <a:satMod val="135000"/>
-              </a:schemeClr>
-            </a:gs>
-          </a:gsLst>
-          <a:lin ang="16200000" scaled="0"/>
-        </a:gradFill>
-      </a:fillStyleLst>
-      <a:lnStyleLst>
-        <a:ln w="9525" cap="flat" cmpd="sng" algn="ctr">
-          <a:solidFill>
-            <a:schemeClr val="phClr">
-              <a:shade val="95000"/>
-              <a:satMod val="105000"/>
-            </a:schemeClr>
-          </a:solidFill>
-          <a:prstDash val="solid"/>
-        </a:ln>
-        <a:ln w="25400" cap="flat" cmpd="sng" algn="ctr">
-          <a:solidFill>
-            <a:schemeClr val="phClr"/>
-          </a:solidFill>
-          <a:prstDash val="solid"/>
-        </a:ln>
-        <a:ln w="38100" cap="flat" cmpd="sng" algn="ctr">
-          <a:solidFill>
-            <a:schemeClr val="phClr"/>
-          </a:solidFill>
-          <a:prstDash val="solid"/>
-        </a:ln>
-      </a:lnStyleLst>
-      <a:effectStyleLst>
-        <a:effectStyle>
-          <a:effectLst>
-            <a:outerShdw blurRad="40000" dist="20000" dir="5400000" rotWithShape="0">
-              <a:srgbClr val="000000">
-                <a:alpha val="38000"/>
-              </a:srgbClr>
-            </a:outerShdw>
-          </a:effectLst>
-        </a:effectStyle>
-        <a:effectStyle>
-          <a:effectLst>
-            <a:outerShdw blurRad="40000" dist="23000" dir="5400000" rotWithShape="0">
-              <a:srgbClr val="000000">
-                <a:alpha val="35000"/>
-              </a:srgbClr>
-            </a:outerShdw>
-          </a:effectLst>
-        </a:effectStyle>
-        <a:effectStyle>
-          <a:effectLst>
-            <a:outerShdw blurRad="40000" dist="23000" dir="5400000" rotWithShape="0">
-              <a:srgbClr val="000000">
-                <a:alpha val="35000"/>
-              </a:srgbClr>
-            </a:outerShdw>
-          </a:effectLst>
-          <a:scene3d>
-            <a:camera prst="orthographicFront">
-              <a:rot lat="0" lon="0" rev="0"/>
-            </a:camera>
-            <a:lightRig rig="threePt" dir="t">
-              <a:rot lat="0" lon="0" rev="1200000"/>
-            </a:lightRig>
-          </a:scene3d>
-          <a:sp3d>
-            <a:bevelT w="63500" h="25400"/>
-          </a:sp3d>
-        </a:effectStyle>
-      </a:effectStyleLst>
-      <a:bgFillStyleLst>
-        <a:solidFill>
-          <a:schemeClr val="phClr"/>
-        </a:solidFill>
-        <a:gradFill rotWithShape="1">
-          <a:gsLst>
-            <a:gs pos="0">
-              <a:schemeClr val="phClr">
-                <a:tint val="40000"/>
-                <a:satMod val="350000"/>
-              </a:schemeClr>
-            </a:gs>
-            <a:gs pos="40000">
-              <a:schemeClr val="phClr">
-                <a:tint val="45000"/>
-                <a:shade val="99000"/>
-                <a:satMod val="350000"/>
-              </a:schemeClr>
-            </a:gs>
-            <a:gs pos="100000">
-              <a:schemeClr val="phClr">
-                <a:shade val="20000"/>
-                <a:satMod val="255000"/>
-              </a:schemeClr>
-            </a:gs>
-          </a:gsLst>
-          <a:path path="circle">
-            <a:fillToRect l="50000" t="-80000" r="50000" b="180000"/>
-          </a:path>
-        </a:gradFill>
-        <a:gradFill rotWithShape="1">
-          <a:gsLst>
-            <a:gs pos="0">
-              <a:schemeClr val="phClr">
-                <a:tint val="80000"/>
-                <a:satMod val="300000"/>
-              </a:schemeClr>
-            </a:gs>
-            <a:gs pos="100000">
-              <a:schemeClr val="phClr">
-                <a:shade val="30000"/>
-                <a:satMod val="200000"/>
-              </a:schemeClr>
-            </a:gs>
-          </a:gsLst>
-          <a:path path="circle">
-            <a:fillToRect l="50000" t="50000" r="50000" b="50000"/>
-          </a:path>
-        </a:gradFill>
-      </a:bgFillStyleLst>
-    </a:fmtScheme>
-  </a:themeElements>
-</a:theme>
-</file>
-
-<file path=ppt/theme/theme5.xml><?xml version="1.0" encoding="utf-8"?>
-<a:theme xmlns:a="http://schemas.openxmlformats.org/drawingml/2006/main" name="Office Theme">
-  <a:themeElements>
-    <a:clrScheme name="Office">
-      <a:dk1>
-        <a:sysClr val="windowText" lastClr="000000"/>
-      </a:dk1>
-      <a:lt1>
-        <a:sysClr val="window" lastClr="FFFFFF"/>
-      </a:lt1>
-      <a:dk2>
-        <a:srgbClr val="1f497d"/>
-      </a:dk2>
-      <a:lt2>
-        <a:srgbClr val="eeece1"/>
-      </a:lt2>
-      <a:accent1>
-        <a:srgbClr val="4f81bd"/>
-      </a:accent1>
-      <a:accent2>
-        <a:srgbClr val="c0504d"/>
-      </a:accent2>
-      <a:accent3>
-        <a:srgbClr val="9bbb59"/>
-      </a:accent3>
-      <a:accent4>
-        <a:srgbClr val="8064a2"/>
-      </a:accent4>
-      <a:accent5>
-        <a:srgbClr val="4bacc6"/>
-      </a:accent5>
-      <a:accent6>
-        <a:srgbClr val="f79646"/>
-      </a:accent6>
-      <a:hlink>
-        <a:srgbClr val="0000ff"/>
-      </a:hlink>
-      <a:folHlink>
-        <a:srgbClr val="800080"/>
-      </a:folHlink>
-    </a:clrScheme>
-    <a:fontScheme name="Office">
-      <a:majorFont>
-        <a:latin typeface="Arial"/>
-        <a:ea typeface="DejaVu Sans"/>
-        <a:cs typeface="DejaVu Sans"/>
-      </a:majorFont>
-      <a:minorFont>
-        <a:latin typeface="Arial"/>
-        <a:ea typeface="DejaVu Sans"/>
-        <a:cs typeface="DejaVu Sans"/>
-      </a:minorFont>
-    </a:fontScheme>
-    <a:fmtScheme name="Office">
-      <a:fillStyleLst>
-        <a:solidFill>
-          <a:schemeClr val="phClr"/>
-        </a:solidFill>
-        <a:gradFill rotWithShape="1">
-          <a:gsLst>
-            <a:gs pos="0">
-              <a:schemeClr val="phClr">
-                <a:tint val="50000"/>
-                <a:satMod val="300000"/>
-              </a:schemeClr>
-            </a:gs>
-            <a:gs pos="35000">
-              <a:schemeClr val="phClr">
-                <a:tint val="37000"/>
-                <a:satMod val="300000"/>
-              </a:schemeClr>
-            </a:gs>
-            <a:gs pos="100000">
-              <a:schemeClr val="phClr">
-                <a:tint val="15000"/>
-                <a:satMod val="350000"/>
-              </a:schemeClr>
-            </a:gs>
-          </a:gsLst>
-          <a:lin ang="16200000" scaled="1"/>
-        </a:gradFill>
-        <a:gradFill rotWithShape="1">
-          <a:gsLst>
-            <a:gs pos="0">
-              <a:schemeClr val="phClr">
-                <a:shade val="51000"/>
-                <a:satMod val="130000"/>
-              </a:schemeClr>
-            </a:gs>
-            <a:gs pos="80000">
-              <a:schemeClr val="phClr">
-                <a:shade val="93000"/>
-                <a:satMod val="130000"/>
-              </a:schemeClr>
-            </a:gs>
-            <a:gs pos="100000">
-              <a:schemeClr val="phClr">
-                <a:shade val="94000"/>
-                <a:satMod val="135000"/>
-              </a:schemeClr>
-            </a:gs>
-          </a:gsLst>
-          <a:lin ang="16200000" scaled="0"/>
-        </a:gradFill>
-      </a:fillStyleLst>
-      <a:lnStyleLst>
-        <a:ln w="9525" cap="flat" cmpd="sng" algn="ctr">
-          <a:solidFill>
-            <a:schemeClr val="phClr">
-              <a:shade val="95000"/>
-              <a:satMod val="105000"/>
-            </a:schemeClr>
-          </a:solidFill>
-          <a:prstDash val="solid"/>
-        </a:ln>
-        <a:ln w="25400" cap="flat" cmpd="sng" algn="ctr">
-          <a:solidFill>
-            <a:schemeClr val="phClr"/>
-          </a:solidFill>
-          <a:prstDash val="solid"/>
-        </a:ln>
-        <a:ln w="38100" cap="flat" cmpd="sng" algn="ctr">
-          <a:solidFill>
-            <a:schemeClr val="phClr"/>
-          </a:solidFill>
-          <a:prstDash val="solid"/>
-        </a:ln>
-      </a:lnStyleLst>
-      <a:effectStyleLst>
-        <a:effectStyle>
-          <a:effectLst>
-            <a:outerShdw blurRad="40000" dist="20000" dir="5400000" rotWithShape="0">
-              <a:srgbClr val="000000">
-                <a:alpha val="38000"/>
-              </a:srgbClr>
-            </a:outerShdw>
-          </a:effectLst>
-        </a:effectStyle>
-        <a:effectStyle>
-          <a:effectLst>
-            <a:outerShdw blurRad="40000" dist="23000" dir="5400000" rotWithShape="0">
-              <a:srgbClr val="000000">
-                <a:alpha val="35000"/>
-              </a:srgbClr>
-            </a:outerShdw>
-          </a:effectLst>
-        </a:effectStyle>
-        <a:effectStyle>
-          <a:effectLst>
-            <a:outerShdw blurRad="40000" dist="23000" dir="5400000" rotWithShape="0">
-              <a:srgbClr val="000000">
-                <a:alpha val="35000"/>
-              </a:srgbClr>
-            </a:outerShdw>
-          </a:effectLst>
-          <a:scene3d>
-            <a:camera prst="orthographicFront">
-              <a:rot lat="0" lon="0" rev="0"/>
-            </a:camera>
-            <a:lightRig rig="threePt" dir="t">
-              <a:rot lat="0" lon="0" rev="1200000"/>
-            </a:lightRig>
-          </a:scene3d>
-          <a:sp3d>
-            <a:bevelT w="63500" h="25400"/>
-          </a:sp3d>
-        </a:effectStyle>
-      </a:effectStyleLst>
-      <a:bgFillStyleLst>
-        <a:solidFill>
-          <a:schemeClr val="phClr"/>
-        </a:solidFill>
-        <a:gradFill rotWithShape="1">
-          <a:gsLst>
-            <a:gs pos="0">
-              <a:schemeClr val="phClr">
-                <a:tint val="40000"/>
-                <a:satMod val="350000"/>
-              </a:schemeClr>
-            </a:gs>
-            <a:gs pos="40000">
-              <a:schemeClr val="phClr">
-                <a:tint val="45000"/>
-                <a:shade val="99000"/>
-                <a:satMod val="350000"/>
-              </a:schemeClr>
-            </a:gs>
-            <a:gs pos="100000">
-              <a:schemeClr val="phClr">
-                <a:shade val="20000"/>
-                <a:satMod val="255000"/>
-              </a:schemeClr>
-            </a:gs>
-          </a:gsLst>
-          <a:path path="circle">
-            <a:fillToRect l="50000" t="-80000" r="50000" b="180000"/>
-          </a:path>
-        </a:gradFill>
-        <a:gradFill rotWithShape="1">
-          <a:gsLst>
-            <a:gs pos="0">
-              <a:schemeClr val="phClr">
-                <a:tint val="80000"/>
-                <a:satMod val="300000"/>
-              </a:schemeClr>
-            </a:gs>
-            <a:gs pos="100000">
-              <a:schemeClr val="phClr">
-                <a:shade val="30000"/>
-                <a:satMod val="200000"/>
-              </a:schemeClr>
-            </a:gs>
-          </a:gsLst>
-          <a:path path="circle">
-            <a:fillToRect l="50000" t="50000" r="50000" b="50000"/>
-          </a:path>
-        </a:gradFill>
-      </a:bgFillStyleLst>
-    </a:fmtScheme>
-  </a:themeElements>
-</a:theme>
 </file>
--- a/presentation_finale/prensent_A2_ghaoui.pptx
+++ b/presentation_finale/prensent_A2_ghaoui.pptx
@@ -5,22 +5,29 @@
     <p:sldMasterId id="2147483648" r:id="rId2"/>
     <p:sldMasterId id="2147483661" r:id="rId3"/>
     <p:sldMasterId id="2147483674" r:id="rId4"/>
+    <p:sldMasterId id="2147483687" r:id="rId5"/>
   </p:sldMasterIdLst>
   <p:sldIdLst>
-    <p:sldId id="256" r:id="rId5"/>
-    <p:sldId id="257" r:id="rId6"/>
-    <p:sldId id="258" r:id="rId7"/>
-    <p:sldId id="259" r:id="rId8"/>
-    <p:sldId id="260" r:id="rId9"/>
-    <p:sldId id="261" r:id="rId10"/>
-    <p:sldId id="262" r:id="rId11"/>
-    <p:sldId id="263" r:id="rId12"/>
-    <p:sldId id="264" r:id="rId13"/>
-    <p:sldId id="265" r:id="rId14"/>
-    <p:sldId id="266" r:id="rId15"/>
-    <p:sldId id="267" r:id="rId16"/>
-    <p:sldId id="268" r:id="rId17"/>
-    <p:sldId id="269" r:id="rId18"/>
+    <p:sldId id="256" r:id="rId6"/>
+    <p:sldId id="257" r:id="rId7"/>
+    <p:sldId id="258" r:id="rId8"/>
+    <p:sldId id="259" r:id="rId9"/>
+    <p:sldId id="260" r:id="rId10"/>
+    <p:sldId id="261" r:id="rId11"/>
+    <p:sldId id="262" r:id="rId12"/>
+    <p:sldId id="263" r:id="rId13"/>
+    <p:sldId id="264" r:id="rId14"/>
+    <p:sldId id="265" r:id="rId15"/>
+    <p:sldId id="266" r:id="rId16"/>
+    <p:sldId id="267" r:id="rId17"/>
+    <p:sldId id="268" r:id="rId18"/>
+    <p:sldId id="269" r:id="rId19"/>
+    <p:sldId id="270" r:id="rId20"/>
+    <p:sldId id="271" r:id="rId21"/>
+    <p:sldId id="272" r:id="rId22"/>
+    <p:sldId id="273" r:id="rId23"/>
+    <p:sldId id="274" r:id="rId24"/>
+    <p:sldId id="275" r:id="rId25"/>
   </p:sldIdLst>
   <p:sldSz cx="10080625" cy="5670550"/>
   <p:notesSz cx="7559675" cy="10691812"/>
@@ -68,7 +75,7 @@
       </p:grpSpPr>
       <p:sp>
         <p:nvSpPr>
-          <p:cNvPr id="24" name="PlaceHolder 1"/>
+          <p:cNvPr id="25" name="PlaceHolder 1"/>
           <p:cNvSpPr>
             <a:spLocks noGrp="1"/>
           </p:cNvSpPr>
@@ -97,7 +104,7 @@
       </p:sp>
       <p:sp>
         <p:nvSpPr>
-          <p:cNvPr id="25" name="PlaceHolder 2"/>
+          <p:cNvPr id="26" name="PlaceHolder 2"/>
           <p:cNvSpPr>
             <a:spLocks noGrp="1"/>
           </p:cNvSpPr>
@@ -127,7 +134,7 @@
       </p:sp>
       <p:sp>
         <p:nvSpPr>
-          <p:cNvPr id="26" name="PlaceHolder 3"/>
+          <p:cNvPr id="27" name="PlaceHolder 3"/>
           <p:cNvSpPr>
             <a:spLocks noGrp="1"/>
           </p:cNvSpPr>
@@ -179,7 +186,7 @@
       </p:grpSpPr>
       <p:sp>
         <p:nvSpPr>
-          <p:cNvPr id="27" name="PlaceHolder 1"/>
+          <p:cNvPr id="28" name="PlaceHolder 1"/>
           <p:cNvSpPr>
             <a:spLocks noGrp="1"/>
           </p:cNvSpPr>
@@ -208,7 +215,7 @@
       </p:sp>
       <p:sp>
         <p:nvSpPr>
-          <p:cNvPr id="28" name="PlaceHolder 2"/>
+          <p:cNvPr id="29" name="PlaceHolder 2"/>
           <p:cNvSpPr>
             <a:spLocks noGrp="1"/>
           </p:cNvSpPr>
@@ -238,7 +245,7 @@
       </p:sp>
       <p:sp>
         <p:nvSpPr>
-          <p:cNvPr id="29" name="PlaceHolder 3"/>
+          <p:cNvPr id="30" name="PlaceHolder 3"/>
           <p:cNvSpPr>
             <a:spLocks noGrp="1"/>
           </p:cNvSpPr>
@@ -268,7 +275,7 @@
       </p:sp>
       <p:sp>
         <p:nvSpPr>
-          <p:cNvPr id="30" name="PlaceHolder 4"/>
+          <p:cNvPr id="31" name="PlaceHolder 4"/>
           <p:cNvSpPr>
             <a:spLocks noGrp="1"/>
           </p:cNvSpPr>
@@ -298,7 +305,7 @@
       </p:sp>
       <p:sp>
         <p:nvSpPr>
-          <p:cNvPr id="31" name="PlaceHolder 5"/>
+          <p:cNvPr id="32" name="PlaceHolder 5"/>
           <p:cNvSpPr>
             <a:spLocks noGrp="1"/>
           </p:cNvSpPr>
@@ -350,7 +357,7 @@
       </p:grpSpPr>
       <p:sp>
         <p:nvSpPr>
-          <p:cNvPr id="32" name="PlaceHolder 1"/>
+          <p:cNvPr id="33" name="PlaceHolder 1"/>
           <p:cNvSpPr>
             <a:spLocks noGrp="1"/>
           </p:cNvSpPr>
@@ -379,7 +386,7 @@
       </p:sp>
       <p:sp>
         <p:nvSpPr>
-          <p:cNvPr id="33" name="PlaceHolder 2"/>
+          <p:cNvPr id="34" name="PlaceHolder 2"/>
           <p:cNvSpPr>
             <a:spLocks noGrp="1"/>
           </p:cNvSpPr>
@@ -409,7 +416,7 @@
       </p:sp>
       <p:sp>
         <p:nvSpPr>
-          <p:cNvPr id="34" name="PlaceHolder 3"/>
+          <p:cNvPr id="35" name="PlaceHolder 3"/>
           <p:cNvSpPr>
             <a:spLocks noGrp="1"/>
           </p:cNvSpPr>
@@ -439,7 +446,7 @@
       </p:sp>
       <p:sp>
         <p:nvSpPr>
-          <p:cNvPr id="35" name="PlaceHolder 4"/>
+          <p:cNvPr id="36" name="PlaceHolder 4"/>
           <p:cNvSpPr>
             <a:spLocks noGrp="1"/>
           </p:cNvSpPr>
@@ -469,7 +476,7 @@
       </p:sp>
       <p:sp>
         <p:nvSpPr>
-          <p:cNvPr id="36" name="PlaceHolder 5"/>
+          <p:cNvPr id="37" name="PlaceHolder 5"/>
           <p:cNvSpPr>
             <a:spLocks noGrp="1"/>
           </p:cNvSpPr>
@@ -499,7 +506,7 @@
       </p:sp>
       <p:sp>
         <p:nvSpPr>
-          <p:cNvPr id="37" name="PlaceHolder 6"/>
+          <p:cNvPr id="38" name="PlaceHolder 6"/>
           <p:cNvSpPr>
             <a:spLocks noGrp="1"/>
           </p:cNvSpPr>
@@ -529,7 +536,7 @@
       </p:sp>
       <p:sp>
         <p:nvSpPr>
-          <p:cNvPr id="38" name="PlaceHolder 7"/>
+          <p:cNvPr id="39" name="PlaceHolder 7"/>
           <p:cNvSpPr>
             <a:spLocks noGrp="1"/>
           </p:cNvSpPr>
@@ -603,7 +610,7 @@
       </p:grpSpPr>
       <p:sp>
         <p:nvSpPr>
-          <p:cNvPr id="45" name="PlaceHolder 1"/>
+          <p:cNvPr id="47" name="PlaceHolder 1"/>
           <p:cNvSpPr>
             <a:spLocks noGrp="1"/>
           </p:cNvSpPr>
@@ -632,7 +639,7 @@
       </p:sp>
       <p:sp>
         <p:nvSpPr>
-          <p:cNvPr id="46" name="PlaceHolder 2"/>
+          <p:cNvPr id="48" name="PlaceHolder 2"/>
           <p:cNvSpPr>
             <a:spLocks noGrp="1"/>
           </p:cNvSpPr>
@@ -683,7 +690,7 @@
       </p:grpSpPr>
       <p:sp>
         <p:nvSpPr>
-          <p:cNvPr id="47" name="PlaceHolder 1"/>
+          <p:cNvPr id="49" name="PlaceHolder 1"/>
           <p:cNvSpPr>
             <a:spLocks noGrp="1"/>
           </p:cNvSpPr>
@@ -712,7 +719,7 @@
       </p:sp>
       <p:sp>
         <p:nvSpPr>
-          <p:cNvPr id="48" name="PlaceHolder 2"/>
+          <p:cNvPr id="50" name="PlaceHolder 2"/>
           <p:cNvSpPr>
             <a:spLocks noGrp="1"/>
           </p:cNvSpPr>
@@ -764,7 +771,7 @@
       </p:grpSpPr>
       <p:sp>
         <p:nvSpPr>
-          <p:cNvPr id="49" name="PlaceHolder 1"/>
+          <p:cNvPr id="51" name="PlaceHolder 1"/>
           <p:cNvSpPr>
             <a:spLocks noGrp="1"/>
           </p:cNvSpPr>
@@ -793,7 +800,7 @@
       </p:sp>
       <p:sp>
         <p:nvSpPr>
-          <p:cNvPr id="50" name="PlaceHolder 2"/>
+          <p:cNvPr id="52" name="PlaceHolder 2"/>
           <p:cNvSpPr>
             <a:spLocks noGrp="1"/>
           </p:cNvSpPr>
@@ -823,7 +830,7 @@
       </p:sp>
       <p:sp>
         <p:nvSpPr>
-          <p:cNvPr id="51" name="PlaceHolder 3"/>
+          <p:cNvPr id="53" name="PlaceHolder 3"/>
           <p:cNvSpPr>
             <a:spLocks noGrp="1"/>
           </p:cNvSpPr>
@@ -875,7 +882,7 @@
       </p:grpSpPr>
       <p:sp>
         <p:nvSpPr>
-          <p:cNvPr id="52" name="PlaceHolder 1"/>
+          <p:cNvPr id="54" name="PlaceHolder 1"/>
           <p:cNvSpPr>
             <a:spLocks noGrp="1"/>
           </p:cNvSpPr>
@@ -926,7 +933,7 @@
       </p:grpSpPr>
       <p:sp>
         <p:nvSpPr>
-          <p:cNvPr id="53" name="PlaceHolder 1"/>
+          <p:cNvPr id="55" name="PlaceHolder 1"/>
           <p:cNvSpPr>
             <a:spLocks noGrp="1"/>
           </p:cNvSpPr>
@@ -977,7 +984,7 @@
       </p:grpSpPr>
       <p:sp>
         <p:nvSpPr>
-          <p:cNvPr id="54" name="PlaceHolder 1"/>
+          <p:cNvPr id="56" name="PlaceHolder 1"/>
           <p:cNvSpPr>
             <a:spLocks noGrp="1"/>
           </p:cNvSpPr>
@@ -1006,7 +1013,7 @@
       </p:sp>
       <p:sp>
         <p:nvSpPr>
-          <p:cNvPr id="55" name="PlaceHolder 2"/>
+          <p:cNvPr id="57" name="PlaceHolder 2"/>
           <p:cNvSpPr>
             <a:spLocks noGrp="1"/>
           </p:cNvSpPr>
@@ -1036,7 +1043,7 @@
       </p:sp>
       <p:sp>
         <p:nvSpPr>
-          <p:cNvPr id="56" name="PlaceHolder 3"/>
+          <p:cNvPr id="58" name="PlaceHolder 3"/>
           <p:cNvSpPr>
             <a:spLocks noGrp="1"/>
           </p:cNvSpPr>
@@ -1066,7 +1073,7 @@
       </p:sp>
       <p:sp>
         <p:nvSpPr>
-          <p:cNvPr id="57" name="PlaceHolder 4"/>
+          <p:cNvPr id="59" name="PlaceHolder 4"/>
           <p:cNvSpPr>
             <a:spLocks noGrp="1"/>
           </p:cNvSpPr>
@@ -1118,7 +1125,7 @@
       </p:grpSpPr>
       <p:sp>
         <p:nvSpPr>
-          <p:cNvPr id="3" name="PlaceHolder 1"/>
+          <p:cNvPr id="4" name="PlaceHolder 1"/>
           <p:cNvSpPr>
             <a:spLocks noGrp="1"/>
           </p:cNvSpPr>
@@ -1147,7 +1154,7 @@
       </p:sp>
       <p:sp>
         <p:nvSpPr>
-          <p:cNvPr id="4" name="PlaceHolder 2"/>
+          <p:cNvPr id="5" name="PlaceHolder 2"/>
           <p:cNvSpPr>
             <a:spLocks noGrp="1"/>
           </p:cNvSpPr>
@@ -1198,7 +1205,7 @@
       </p:grpSpPr>
       <p:sp>
         <p:nvSpPr>
-          <p:cNvPr id="58" name="PlaceHolder 1"/>
+          <p:cNvPr id="60" name="PlaceHolder 1"/>
           <p:cNvSpPr>
             <a:spLocks noGrp="1"/>
           </p:cNvSpPr>
@@ -1227,7 +1234,7 @@
       </p:sp>
       <p:sp>
         <p:nvSpPr>
-          <p:cNvPr id="59" name="PlaceHolder 2"/>
+          <p:cNvPr id="61" name="PlaceHolder 2"/>
           <p:cNvSpPr>
             <a:spLocks noGrp="1"/>
           </p:cNvSpPr>
@@ -1257,7 +1264,7 @@
       </p:sp>
       <p:sp>
         <p:nvSpPr>
-          <p:cNvPr id="60" name="PlaceHolder 3"/>
+          <p:cNvPr id="62" name="PlaceHolder 3"/>
           <p:cNvSpPr>
             <a:spLocks noGrp="1"/>
           </p:cNvSpPr>
@@ -1287,7 +1294,7 @@
       </p:sp>
       <p:sp>
         <p:nvSpPr>
-          <p:cNvPr id="61" name="PlaceHolder 4"/>
+          <p:cNvPr id="63" name="PlaceHolder 4"/>
           <p:cNvSpPr>
             <a:spLocks noGrp="1"/>
           </p:cNvSpPr>
@@ -1339,7 +1346,7 @@
       </p:grpSpPr>
       <p:sp>
         <p:nvSpPr>
-          <p:cNvPr id="62" name="PlaceHolder 1"/>
+          <p:cNvPr id="64" name="PlaceHolder 1"/>
           <p:cNvSpPr>
             <a:spLocks noGrp="1"/>
           </p:cNvSpPr>
@@ -1368,7 +1375,7 @@
       </p:sp>
       <p:sp>
         <p:nvSpPr>
-          <p:cNvPr id="63" name="PlaceHolder 2"/>
+          <p:cNvPr id="65" name="PlaceHolder 2"/>
           <p:cNvSpPr>
             <a:spLocks noGrp="1"/>
           </p:cNvSpPr>
@@ -1398,7 +1405,7 @@
       </p:sp>
       <p:sp>
         <p:nvSpPr>
-          <p:cNvPr id="64" name="PlaceHolder 3"/>
+          <p:cNvPr id="66" name="PlaceHolder 3"/>
           <p:cNvSpPr>
             <a:spLocks noGrp="1"/>
           </p:cNvSpPr>
@@ -1428,7 +1435,7 @@
       </p:sp>
       <p:sp>
         <p:nvSpPr>
-          <p:cNvPr id="65" name="PlaceHolder 4"/>
+          <p:cNvPr id="67" name="PlaceHolder 4"/>
           <p:cNvSpPr>
             <a:spLocks noGrp="1"/>
           </p:cNvSpPr>
@@ -1480,7 +1487,7 @@
       </p:grpSpPr>
       <p:sp>
         <p:nvSpPr>
-          <p:cNvPr id="66" name="PlaceHolder 1"/>
+          <p:cNvPr id="68" name="PlaceHolder 1"/>
           <p:cNvSpPr>
             <a:spLocks noGrp="1"/>
           </p:cNvSpPr>
@@ -1509,7 +1516,7 @@
       </p:sp>
       <p:sp>
         <p:nvSpPr>
-          <p:cNvPr id="67" name="PlaceHolder 2"/>
+          <p:cNvPr id="69" name="PlaceHolder 2"/>
           <p:cNvSpPr>
             <a:spLocks noGrp="1"/>
           </p:cNvSpPr>
@@ -1539,7 +1546,7 @@
       </p:sp>
       <p:sp>
         <p:nvSpPr>
-          <p:cNvPr id="68" name="PlaceHolder 3"/>
+          <p:cNvPr id="70" name="PlaceHolder 3"/>
           <p:cNvSpPr>
             <a:spLocks noGrp="1"/>
           </p:cNvSpPr>
@@ -1591,7 +1598,7 @@
       </p:grpSpPr>
       <p:sp>
         <p:nvSpPr>
-          <p:cNvPr id="69" name="PlaceHolder 1"/>
+          <p:cNvPr id="71" name="PlaceHolder 1"/>
           <p:cNvSpPr>
             <a:spLocks noGrp="1"/>
           </p:cNvSpPr>
@@ -1620,7 +1627,7 @@
       </p:sp>
       <p:sp>
         <p:nvSpPr>
-          <p:cNvPr id="70" name="PlaceHolder 2"/>
+          <p:cNvPr id="72" name="PlaceHolder 2"/>
           <p:cNvSpPr>
             <a:spLocks noGrp="1"/>
           </p:cNvSpPr>
@@ -1650,7 +1657,7 @@
       </p:sp>
       <p:sp>
         <p:nvSpPr>
-          <p:cNvPr id="71" name="PlaceHolder 3"/>
+          <p:cNvPr id="73" name="PlaceHolder 3"/>
           <p:cNvSpPr>
             <a:spLocks noGrp="1"/>
           </p:cNvSpPr>
@@ -1680,7 +1687,7 @@
       </p:sp>
       <p:sp>
         <p:nvSpPr>
-          <p:cNvPr id="72" name="PlaceHolder 4"/>
+          <p:cNvPr id="74" name="PlaceHolder 4"/>
           <p:cNvSpPr>
             <a:spLocks noGrp="1"/>
           </p:cNvSpPr>
@@ -1710,7 +1717,7 @@
       </p:sp>
       <p:sp>
         <p:nvSpPr>
-          <p:cNvPr id="73" name="PlaceHolder 5"/>
+          <p:cNvPr id="75" name="PlaceHolder 5"/>
           <p:cNvSpPr>
             <a:spLocks noGrp="1"/>
           </p:cNvSpPr>
@@ -1762,7 +1769,7 @@
       </p:grpSpPr>
       <p:sp>
         <p:nvSpPr>
-          <p:cNvPr id="74" name="PlaceHolder 1"/>
+          <p:cNvPr id="76" name="PlaceHolder 1"/>
           <p:cNvSpPr>
             <a:spLocks noGrp="1"/>
           </p:cNvSpPr>
@@ -1791,7 +1798,7 @@
       </p:sp>
       <p:sp>
         <p:nvSpPr>
-          <p:cNvPr id="75" name="PlaceHolder 2"/>
+          <p:cNvPr id="77" name="PlaceHolder 2"/>
           <p:cNvSpPr>
             <a:spLocks noGrp="1"/>
           </p:cNvSpPr>
@@ -1821,7 +1828,7 @@
       </p:sp>
       <p:sp>
         <p:nvSpPr>
-          <p:cNvPr id="76" name="PlaceHolder 3"/>
+          <p:cNvPr id="78" name="PlaceHolder 3"/>
           <p:cNvSpPr>
             <a:spLocks noGrp="1"/>
           </p:cNvSpPr>
@@ -1851,7 +1858,7 @@
       </p:sp>
       <p:sp>
         <p:nvSpPr>
-          <p:cNvPr id="77" name="PlaceHolder 4"/>
+          <p:cNvPr id="79" name="PlaceHolder 4"/>
           <p:cNvSpPr>
             <a:spLocks noGrp="1"/>
           </p:cNvSpPr>
@@ -1881,7 +1888,7 @@
       </p:sp>
       <p:sp>
         <p:nvSpPr>
-          <p:cNvPr id="78" name="PlaceHolder 5"/>
+          <p:cNvPr id="80" name="PlaceHolder 5"/>
           <p:cNvSpPr>
             <a:spLocks noGrp="1"/>
           </p:cNvSpPr>
@@ -1911,7 +1918,7 @@
       </p:sp>
       <p:sp>
         <p:nvSpPr>
-          <p:cNvPr id="79" name="PlaceHolder 6"/>
+          <p:cNvPr id="81" name="PlaceHolder 6"/>
           <p:cNvSpPr>
             <a:spLocks noGrp="1"/>
           </p:cNvSpPr>
@@ -1941,7 +1948,7 @@
       </p:sp>
       <p:sp>
         <p:nvSpPr>
-          <p:cNvPr id="80" name="PlaceHolder 7"/>
+          <p:cNvPr id="82" name="PlaceHolder 7"/>
           <p:cNvSpPr>
             <a:spLocks noGrp="1"/>
           </p:cNvSpPr>
@@ -2015,7 +2022,7 @@
       </p:grpSpPr>
       <p:sp>
         <p:nvSpPr>
-          <p:cNvPr id="87" name="PlaceHolder 1"/>
+          <p:cNvPr id="90" name="PlaceHolder 1"/>
           <p:cNvSpPr>
             <a:spLocks noGrp="1"/>
           </p:cNvSpPr>
@@ -2044,7 +2051,7 @@
       </p:sp>
       <p:sp>
         <p:nvSpPr>
-          <p:cNvPr id="88" name="PlaceHolder 2"/>
+          <p:cNvPr id="91" name="PlaceHolder 2"/>
           <p:cNvSpPr>
             <a:spLocks noGrp="1"/>
           </p:cNvSpPr>
@@ -2095,7 +2102,7 @@
       </p:grpSpPr>
       <p:sp>
         <p:nvSpPr>
-          <p:cNvPr id="89" name="PlaceHolder 1"/>
+          <p:cNvPr id="92" name="PlaceHolder 1"/>
           <p:cNvSpPr>
             <a:spLocks noGrp="1"/>
           </p:cNvSpPr>
@@ -2124,7 +2131,7 @@
       </p:sp>
       <p:sp>
         <p:nvSpPr>
-          <p:cNvPr id="90" name="PlaceHolder 2"/>
+          <p:cNvPr id="93" name="PlaceHolder 2"/>
           <p:cNvSpPr>
             <a:spLocks noGrp="1"/>
           </p:cNvSpPr>
@@ -2176,7 +2183,7 @@
       </p:grpSpPr>
       <p:sp>
         <p:nvSpPr>
-          <p:cNvPr id="91" name="PlaceHolder 1"/>
+          <p:cNvPr id="94" name="PlaceHolder 1"/>
           <p:cNvSpPr>
             <a:spLocks noGrp="1"/>
           </p:cNvSpPr>
@@ -2205,7 +2212,7 @@
       </p:sp>
       <p:sp>
         <p:nvSpPr>
-          <p:cNvPr id="92" name="PlaceHolder 2"/>
+          <p:cNvPr id="95" name="PlaceHolder 2"/>
           <p:cNvSpPr>
             <a:spLocks noGrp="1"/>
           </p:cNvSpPr>
@@ -2235,7 +2242,7 @@
       </p:sp>
       <p:sp>
         <p:nvSpPr>
-          <p:cNvPr id="93" name="PlaceHolder 3"/>
+          <p:cNvPr id="96" name="PlaceHolder 3"/>
           <p:cNvSpPr>
             <a:spLocks noGrp="1"/>
           </p:cNvSpPr>
@@ -2287,7 +2294,7 @@
       </p:grpSpPr>
       <p:sp>
         <p:nvSpPr>
-          <p:cNvPr id="94" name="PlaceHolder 1"/>
+          <p:cNvPr id="97" name="PlaceHolder 1"/>
           <p:cNvSpPr>
             <a:spLocks noGrp="1"/>
           </p:cNvSpPr>
@@ -2338,7 +2345,7 @@
       </p:grpSpPr>
       <p:sp>
         <p:nvSpPr>
-          <p:cNvPr id="5" name="PlaceHolder 1"/>
+          <p:cNvPr id="6" name="PlaceHolder 1"/>
           <p:cNvSpPr>
             <a:spLocks noGrp="1"/>
           </p:cNvSpPr>
@@ -2367,7 +2374,7 @@
       </p:sp>
       <p:sp>
         <p:nvSpPr>
-          <p:cNvPr id="6" name="PlaceHolder 2"/>
+          <p:cNvPr id="7" name="PlaceHolder 2"/>
           <p:cNvSpPr>
             <a:spLocks noGrp="1"/>
           </p:cNvSpPr>
@@ -2419,7 +2426,7 @@
       </p:grpSpPr>
       <p:sp>
         <p:nvSpPr>
-          <p:cNvPr id="95" name="PlaceHolder 1"/>
+          <p:cNvPr id="98" name="PlaceHolder 1"/>
           <p:cNvSpPr>
             <a:spLocks noGrp="1"/>
           </p:cNvSpPr>
@@ -2470,7 +2477,7 @@
       </p:grpSpPr>
       <p:sp>
         <p:nvSpPr>
-          <p:cNvPr id="96" name="PlaceHolder 1"/>
+          <p:cNvPr id="99" name="PlaceHolder 1"/>
           <p:cNvSpPr>
             <a:spLocks noGrp="1"/>
           </p:cNvSpPr>
@@ -2499,7 +2506,7 @@
       </p:sp>
       <p:sp>
         <p:nvSpPr>
-          <p:cNvPr id="97" name="PlaceHolder 2"/>
+          <p:cNvPr id="100" name="PlaceHolder 2"/>
           <p:cNvSpPr>
             <a:spLocks noGrp="1"/>
           </p:cNvSpPr>
@@ -2529,7 +2536,7 @@
       </p:sp>
       <p:sp>
         <p:nvSpPr>
-          <p:cNvPr id="98" name="PlaceHolder 3"/>
+          <p:cNvPr id="101" name="PlaceHolder 3"/>
           <p:cNvSpPr>
             <a:spLocks noGrp="1"/>
           </p:cNvSpPr>
@@ -2559,7 +2566,7 @@
       </p:sp>
       <p:sp>
         <p:nvSpPr>
-          <p:cNvPr id="99" name="PlaceHolder 4"/>
+          <p:cNvPr id="102" name="PlaceHolder 4"/>
           <p:cNvSpPr>
             <a:spLocks noGrp="1"/>
           </p:cNvSpPr>
@@ -2611,7 +2618,7 @@
       </p:grpSpPr>
       <p:sp>
         <p:nvSpPr>
-          <p:cNvPr id="100" name="PlaceHolder 1"/>
+          <p:cNvPr id="103" name="PlaceHolder 1"/>
           <p:cNvSpPr>
             <a:spLocks noGrp="1"/>
           </p:cNvSpPr>
@@ -2640,7 +2647,7 @@
       </p:sp>
       <p:sp>
         <p:nvSpPr>
-          <p:cNvPr id="101" name="PlaceHolder 2"/>
+          <p:cNvPr id="104" name="PlaceHolder 2"/>
           <p:cNvSpPr>
             <a:spLocks noGrp="1"/>
           </p:cNvSpPr>
@@ -2670,7 +2677,7 @@
       </p:sp>
       <p:sp>
         <p:nvSpPr>
-          <p:cNvPr id="102" name="PlaceHolder 3"/>
+          <p:cNvPr id="105" name="PlaceHolder 3"/>
           <p:cNvSpPr>
             <a:spLocks noGrp="1"/>
           </p:cNvSpPr>
@@ -2700,7 +2707,7 @@
       </p:sp>
       <p:sp>
         <p:nvSpPr>
-          <p:cNvPr id="103" name="PlaceHolder 4"/>
+          <p:cNvPr id="106" name="PlaceHolder 4"/>
           <p:cNvSpPr>
             <a:spLocks noGrp="1"/>
           </p:cNvSpPr>
@@ -2752,7 +2759,7 @@
       </p:grpSpPr>
       <p:sp>
         <p:nvSpPr>
-          <p:cNvPr id="104" name="PlaceHolder 1"/>
+          <p:cNvPr id="107" name="PlaceHolder 1"/>
           <p:cNvSpPr>
             <a:spLocks noGrp="1"/>
           </p:cNvSpPr>
@@ -2781,7 +2788,7 @@
       </p:sp>
       <p:sp>
         <p:nvSpPr>
-          <p:cNvPr id="105" name="PlaceHolder 2"/>
+          <p:cNvPr id="108" name="PlaceHolder 2"/>
           <p:cNvSpPr>
             <a:spLocks noGrp="1"/>
           </p:cNvSpPr>
@@ -2811,7 +2818,7 @@
       </p:sp>
       <p:sp>
         <p:nvSpPr>
-          <p:cNvPr id="106" name="PlaceHolder 3"/>
+          <p:cNvPr id="109" name="PlaceHolder 3"/>
           <p:cNvSpPr>
             <a:spLocks noGrp="1"/>
           </p:cNvSpPr>
@@ -2841,7 +2848,7 @@
       </p:sp>
       <p:sp>
         <p:nvSpPr>
-          <p:cNvPr id="107" name="PlaceHolder 4"/>
+          <p:cNvPr id="110" name="PlaceHolder 4"/>
           <p:cNvSpPr>
             <a:spLocks noGrp="1"/>
           </p:cNvSpPr>
@@ -2893,7 +2900,7 @@
       </p:grpSpPr>
       <p:sp>
         <p:nvSpPr>
-          <p:cNvPr id="108" name="PlaceHolder 1"/>
+          <p:cNvPr id="111" name="PlaceHolder 1"/>
           <p:cNvSpPr>
             <a:spLocks noGrp="1"/>
           </p:cNvSpPr>
@@ -2922,7 +2929,7 @@
       </p:sp>
       <p:sp>
         <p:nvSpPr>
-          <p:cNvPr id="109" name="PlaceHolder 2"/>
+          <p:cNvPr id="112" name="PlaceHolder 2"/>
           <p:cNvSpPr>
             <a:spLocks noGrp="1"/>
           </p:cNvSpPr>
@@ -2952,7 +2959,7 @@
       </p:sp>
       <p:sp>
         <p:nvSpPr>
-          <p:cNvPr id="110" name="PlaceHolder 3"/>
+          <p:cNvPr id="113" name="PlaceHolder 3"/>
           <p:cNvSpPr>
             <a:spLocks noGrp="1"/>
           </p:cNvSpPr>
@@ -3004,7 +3011,7 @@
       </p:grpSpPr>
       <p:sp>
         <p:nvSpPr>
-          <p:cNvPr id="111" name="PlaceHolder 1"/>
+          <p:cNvPr id="114" name="PlaceHolder 1"/>
           <p:cNvSpPr>
             <a:spLocks noGrp="1"/>
           </p:cNvSpPr>
@@ -3033,7 +3040,7 @@
       </p:sp>
       <p:sp>
         <p:nvSpPr>
-          <p:cNvPr id="112" name="PlaceHolder 2"/>
+          <p:cNvPr id="115" name="PlaceHolder 2"/>
           <p:cNvSpPr>
             <a:spLocks noGrp="1"/>
           </p:cNvSpPr>
@@ -3063,7 +3070,7 @@
       </p:sp>
       <p:sp>
         <p:nvSpPr>
-          <p:cNvPr id="113" name="PlaceHolder 3"/>
+          <p:cNvPr id="116" name="PlaceHolder 3"/>
           <p:cNvSpPr>
             <a:spLocks noGrp="1"/>
           </p:cNvSpPr>
@@ -3093,7 +3100,7 @@
       </p:sp>
       <p:sp>
         <p:nvSpPr>
-          <p:cNvPr id="114" name="PlaceHolder 4"/>
+          <p:cNvPr id="117" name="PlaceHolder 4"/>
           <p:cNvSpPr>
             <a:spLocks noGrp="1"/>
           </p:cNvSpPr>
@@ -3123,7 +3130,7 @@
       </p:sp>
       <p:sp>
         <p:nvSpPr>
-          <p:cNvPr id="115" name="PlaceHolder 5"/>
+          <p:cNvPr id="118" name="PlaceHolder 5"/>
           <p:cNvSpPr>
             <a:spLocks noGrp="1"/>
           </p:cNvSpPr>
@@ -3175,7 +3182,7 @@
       </p:grpSpPr>
       <p:sp>
         <p:nvSpPr>
-          <p:cNvPr id="116" name="PlaceHolder 1"/>
+          <p:cNvPr id="119" name="PlaceHolder 1"/>
           <p:cNvSpPr>
             <a:spLocks noGrp="1"/>
           </p:cNvSpPr>
@@ -3204,7 +3211,7 @@
       </p:sp>
       <p:sp>
         <p:nvSpPr>
-          <p:cNvPr id="117" name="PlaceHolder 2"/>
+          <p:cNvPr id="120" name="PlaceHolder 2"/>
           <p:cNvSpPr>
             <a:spLocks noGrp="1"/>
           </p:cNvSpPr>
@@ -3234,7 +3241,7 @@
       </p:sp>
       <p:sp>
         <p:nvSpPr>
-          <p:cNvPr id="118" name="PlaceHolder 3"/>
+          <p:cNvPr id="121" name="PlaceHolder 3"/>
           <p:cNvSpPr>
             <a:spLocks noGrp="1"/>
           </p:cNvSpPr>
@@ -3264,7 +3271,7 @@
       </p:sp>
       <p:sp>
         <p:nvSpPr>
-          <p:cNvPr id="119" name="PlaceHolder 4"/>
+          <p:cNvPr id="122" name="PlaceHolder 4"/>
           <p:cNvSpPr>
             <a:spLocks noGrp="1"/>
           </p:cNvSpPr>
@@ -3294,7 +3301,7 @@
       </p:sp>
       <p:sp>
         <p:nvSpPr>
-          <p:cNvPr id="120" name="PlaceHolder 5"/>
+          <p:cNvPr id="123" name="PlaceHolder 5"/>
           <p:cNvSpPr>
             <a:spLocks noGrp="1"/>
           </p:cNvSpPr>
@@ -3324,7 +3331,7 @@
       </p:sp>
       <p:sp>
         <p:nvSpPr>
-          <p:cNvPr id="121" name="PlaceHolder 6"/>
+          <p:cNvPr id="124" name="PlaceHolder 6"/>
           <p:cNvSpPr>
             <a:spLocks noGrp="1"/>
           </p:cNvSpPr>
@@ -3354,7 +3361,7 @@
       </p:sp>
       <p:sp>
         <p:nvSpPr>
-          <p:cNvPr id="122" name="PlaceHolder 7"/>
+          <p:cNvPr id="125" name="PlaceHolder 7"/>
           <p:cNvSpPr>
             <a:spLocks noGrp="1"/>
           </p:cNvSpPr>
@@ -3366,6 +3373,189 @@
           <a:xfrm>
             <a:off x="6639120" y="3044520"/>
             <a:ext cx="2921040" cy="1568520"/>
+          </a:xfrm>
+          <a:prstGeom prst="rect">
+            <a:avLst/>
+          </a:prstGeom>
+        </p:spPr>
+        <p:txBody>
+          <a:bodyPr lIns="0" rIns="0" tIns="0" bIns="0">
+            <a:normAutofit/>
+          </a:bodyPr>
+          <a:p>
+            <a:endParaRPr b="0" lang="en-US" sz="3200" spc="-1" strike="noStrike">
+              <a:latin typeface="Arial"/>
+            </a:endParaRPr>
+          </a:p>
+        </p:txBody>
+      </p:sp>
+    </p:spTree>
+  </p:cSld>
+</p:sldLayout>
+</file>
+
+<file path=ppt/slideLayouts/slideLayout37.xml><?xml version="1.0" encoding="utf-8"?>
+<p:sldLayout xmlns:a="http://schemas.openxmlformats.org/drawingml/2006/main" xmlns:p="http://schemas.openxmlformats.org/presentationml/2006/main" xmlns:r="http://schemas.openxmlformats.org/officeDocument/2006/relationships" xmlns:p14="http://schemas.microsoft.com/office/powerpoint/2010/main" xmlns:p15="http://schemas.microsoft.com/office/powerpoint/2012/main" xmlns:mc="http://schemas.openxmlformats.org/markup-compatibility/2006" type="blank" preserve="1">
+  <p:cSld name="Blank Slide">
+    <p:spTree>
+      <p:nvGrpSpPr>
+        <p:cNvPr id="1" name=""/>
+        <p:cNvGrpSpPr/>
+        <p:nvPr/>
+      </p:nvGrpSpPr>
+      <p:grpSpPr>
+        <a:xfrm>
+          <a:off x="0" y="0"/>
+          <a:ext cx="0" cy="0"/>
+          <a:chOff x="0" y="0"/>
+          <a:chExt cx="0" cy="0"/>
+        </a:xfrm>
+      </p:grpSpPr>
+    </p:spTree>
+  </p:cSld>
+</p:sldLayout>
+</file>
+
+<file path=ppt/slideLayouts/slideLayout38.xml><?xml version="1.0" encoding="utf-8"?>
+<p:sldLayout xmlns:a="http://schemas.openxmlformats.org/drawingml/2006/main" xmlns:p="http://schemas.openxmlformats.org/presentationml/2006/main" xmlns:r="http://schemas.openxmlformats.org/officeDocument/2006/relationships" xmlns:p14="http://schemas.microsoft.com/office/powerpoint/2010/main" xmlns:p15="http://schemas.microsoft.com/office/powerpoint/2012/main" xmlns:mc="http://schemas.openxmlformats.org/markup-compatibility/2006" type="tx" preserve="1">
+  <p:cSld name="Title Slide">
+    <p:spTree>
+      <p:nvGrpSpPr>
+        <p:cNvPr id="1" name=""/>
+        <p:cNvGrpSpPr/>
+        <p:nvPr/>
+      </p:nvGrpSpPr>
+      <p:grpSpPr>
+        <a:xfrm>
+          <a:off x="0" y="0"/>
+          <a:ext cx="0" cy="0"/>
+          <a:chOff x="0" y="0"/>
+          <a:chExt cx="0" cy="0"/>
+        </a:xfrm>
+      </p:grpSpPr>
+      <p:sp>
+        <p:nvSpPr>
+          <p:cNvPr id="133" name="PlaceHolder 1"/>
+          <p:cNvSpPr>
+            <a:spLocks noGrp="1"/>
+          </p:cNvSpPr>
+          <p:nvPr>
+            <p:ph type="title"/>
+          </p:nvPr>
+        </p:nvSpPr>
+        <p:spPr>
+          <a:xfrm>
+            <a:off x="504000" y="226080"/>
+            <a:ext cx="9072000" cy="946440"/>
+          </a:xfrm>
+          <a:prstGeom prst="rect">
+            <a:avLst/>
+          </a:prstGeom>
+        </p:spPr>
+        <p:txBody>
+          <a:bodyPr lIns="0" rIns="0" tIns="0" bIns="0" anchor="ctr"/>
+          <a:p>
+            <a:pPr algn="ctr"/>
+            <a:endParaRPr b="0" lang="en-US" sz="4400" spc="-1" strike="noStrike">
+              <a:latin typeface="Arial"/>
+            </a:endParaRPr>
+          </a:p>
+        </p:txBody>
+      </p:sp>
+      <p:sp>
+        <p:nvSpPr>
+          <p:cNvPr id="134" name="PlaceHolder 2"/>
+          <p:cNvSpPr>
+            <a:spLocks noGrp="1"/>
+          </p:cNvSpPr>
+          <p:nvPr>
+            <p:ph type="subTitle"/>
+          </p:nvPr>
+        </p:nvSpPr>
+        <p:spPr>
+          <a:xfrm>
+            <a:off x="504000" y="1326600"/>
+            <a:ext cx="9072000" cy="3288600"/>
+          </a:xfrm>
+          <a:prstGeom prst="rect">
+            <a:avLst/>
+          </a:prstGeom>
+        </p:spPr>
+        <p:txBody>
+          <a:bodyPr lIns="0" rIns="0" tIns="0" bIns="0" anchor="ctr"/>
+          <a:p>
+            <a:pPr algn="ctr"/>
+            <a:endParaRPr b="0" lang="en-US" sz="3200" spc="-1" strike="noStrike">
+              <a:latin typeface="Arial"/>
+            </a:endParaRPr>
+          </a:p>
+        </p:txBody>
+      </p:sp>
+    </p:spTree>
+  </p:cSld>
+</p:sldLayout>
+</file>
+
+<file path=ppt/slideLayouts/slideLayout39.xml><?xml version="1.0" encoding="utf-8"?>
+<p:sldLayout xmlns:a="http://schemas.openxmlformats.org/drawingml/2006/main" xmlns:p="http://schemas.openxmlformats.org/presentationml/2006/main" xmlns:r="http://schemas.openxmlformats.org/officeDocument/2006/relationships" xmlns:p14="http://schemas.microsoft.com/office/powerpoint/2010/main" xmlns:p15="http://schemas.microsoft.com/office/powerpoint/2012/main" xmlns:mc="http://schemas.openxmlformats.org/markup-compatibility/2006" type="obj" preserve="1">
+  <p:cSld name="Title, Content">
+    <p:spTree>
+      <p:nvGrpSpPr>
+        <p:cNvPr id="1" name=""/>
+        <p:cNvGrpSpPr/>
+        <p:nvPr/>
+      </p:nvGrpSpPr>
+      <p:grpSpPr>
+        <a:xfrm>
+          <a:off x="0" y="0"/>
+          <a:ext cx="0" cy="0"/>
+          <a:chOff x="0" y="0"/>
+          <a:chExt cx="0" cy="0"/>
+        </a:xfrm>
+      </p:grpSpPr>
+      <p:sp>
+        <p:nvSpPr>
+          <p:cNvPr id="135" name="PlaceHolder 1"/>
+          <p:cNvSpPr>
+            <a:spLocks noGrp="1"/>
+          </p:cNvSpPr>
+          <p:nvPr>
+            <p:ph type="title"/>
+          </p:nvPr>
+        </p:nvSpPr>
+        <p:spPr>
+          <a:xfrm>
+            <a:off x="504000" y="226080"/>
+            <a:ext cx="9072000" cy="946440"/>
+          </a:xfrm>
+          <a:prstGeom prst="rect">
+            <a:avLst/>
+          </a:prstGeom>
+        </p:spPr>
+        <p:txBody>
+          <a:bodyPr lIns="0" rIns="0" tIns="0" bIns="0" anchor="ctr"/>
+          <a:p>
+            <a:pPr algn="ctr"/>
+            <a:endParaRPr b="0" lang="en-US" sz="4400" spc="-1" strike="noStrike">
+              <a:latin typeface="Arial"/>
+            </a:endParaRPr>
+          </a:p>
+        </p:txBody>
+      </p:sp>
+      <p:sp>
+        <p:nvSpPr>
+          <p:cNvPr id="136" name="PlaceHolder 2"/>
+          <p:cNvSpPr>
+            <a:spLocks noGrp="1"/>
+          </p:cNvSpPr>
+          <p:nvPr>
+            <p:ph type="body"/>
+          </p:nvPr>
+        </p:nvSpPr>
+        <p:spPr>
+          <a:xfrm>
+            <a:off x="504000" y="1326600"/>
+            <a:ext cx="9072000" cy="3288600"/>
           </a:xfrm>
           <a:prstGeom prst="rect">
             <a:avLst/>
@@ -3406,7 +3596,7 @@
       </p:grpSpPr>
       <p:sp>
         <p:nvSpPr>
-          <p:cNvPr id="7" name="PlaceHolder 1"/>
+          <p:cNvPr id="8" name="PlaceHolder 1"/>
           <p:cNvSpPr>
             <a:spLocks noGrp="1"/>
           </p:cNvSpPr>
@@ -3435,7 +3625,7 @@
       </p:sp>
       <p:sp>
         <p:nvSpPr>
-          <p:cNvPr id="8" name="PlaceHolder 2"/>
+          <p:cNvPr id="9" name="PlaceHolder 2"/>
           <p:cNvSpPr>
             <a:spLocks noGrp="1"/>
           </p:cNvSpPr>
@@ -3465,7 +3655,7 @@
       </p:sp>
       <p:sp>
         <p:nvSpPr>
-          <p:cNvPr id="9" name="PlaceHolder 3"/>
+          <p:cNvPr id="10" name="PlaceHolder 3"/>
           <p:cNvSpPr>
             <a:spLocks noGrp="1"/>
           </p:cNvSpPr>
@@ -3477,6 +3667,1155 @@
           <a:xfrm>
             <a:off x="5152680" y="1326600"/>
             <a:ext cx="4426920" cy="3288600"/>
+          </a:xfrm>
+          <a:prstGeom prst="rect">
+            <a:avLst/>
+          </a:prstGeom>
+        </p:spPr>
+        <p:txBody>
+          <a:bodyPr lIns="0" rIns="0" tIns="0" bIns="0">
+            <a:normAutofit/>
+          </a:bodyPr>
+          <a:p>
+            <a:endParaRPr b="0" lang="en-US" sz="3200" spc="-1" strike="noStrike">
+              <a:latin typeface="Arial"/>
+            </a:endParaRPr>
+          </a:p>
+        </p:txBody>
+      </p:sp>
+    </p:spTree>
+  </p:cSld>
+</p:sldLayout>
+</file>
+
+<file path=ppt/slideLayouts/slideLayout40.xml><?xml version="1.0" encoding="utf-8"?>
+<p:sldLayout xmlns:a="http://schemas.openxmlformats.org/drawingml/2006/main" xmlns:p="http://schemas.openxmlformats.org/presentationml/2006/main" xmlns:r="http://schemas.openxmlformats.org/officeDocument/2006/relationships" xmlns:p14="http://schemas.microsoft.com/office/powerpoint/2010/main" xmlns:p15="http://schemas.microsoft.com/office/powerpoint/2012/main" xmlns:mc="http://schemas.openxmlformats.org/markup-compatibility/2006" type="twoObj" preserve="1">
+  <p:cSld name="Title, 2 Content">
+    <p:spTree>
+      <p:nvGrpSpPr>
+        <p:cNvPr id="1" name=""/>
+        <p:cNvGrpSpPr/>
+        <p:nvPr/>
+      </p:nvGrpSpPr>
+      <p:grpSpPr>
+        <a:xfrm>
+          <a:off x="0" y="0"/>
+          <a:ext cx="0" cy="0"/>
+          <a:chOff x="0" y="0"/>
+          <a:chExt cx="0" cy="0"/>
+        </a:xfrm>
+      </p:grpSpPr>
+      <p:sp>
+        <p:nvSpPr>
+          <p:cNvPr id="137" name="PlaceHolder 1"/>
+          <p:cNvSpPr>
+            <a:spLocks noGrp="1"/>
+          </p:cNvSpPr>
+          <p:nvPr>
+            <p:ph type="title"/>
+          </p:nvPr>
+        </p:nvSpPr>
+        <p:spPr>
+          <a:xfrm>
+            <a:off x="504000" y="226080"/>
+            <a:ext cx="9072000" cy="946440"/>
+          </a:xfrm>
+          <a:prstGeom prst="rect">
+            <a:avLst/>
+          </a:prstGeom>
+        </p:spPr>
+        <p:txBody>
+          <a:bodyPr lIns="0" rIns="0" tIns="0" bIns="0" anchor="ctr"/>
+          <a:p>
+            <a:pPr algn="ctr"/>
+            <a:endParaRPr b="0" lang="en-US" sz="4400" spc="-1" strike="noStrike">
+              <a:latin typeface="Arial"/>
+            </a:endParaRPr>
+          </a:p>
+        </p:txBody>
+      </p:sp>
+      <p:sp>
+        <p:nvSpPr>
+          <p:cNvPr id="138" name="PlaceHolder 2"/>
+          <p:cNvSpPr>
+            <a:spLocks noGrp="1"/>
+          </p:cNvSpPr>
+          <p:nvPr>
+            <p:ph type="body"/>
+          </p:nvPr>
+        </p:nvSpPr>
+        <p:spPr>
+          <a:xfrm>
+            <a:off x="504000" y="1326600"/>
+            <a:ext cx="4426920" cy="3288600"/>
+          </a:xfrm>
+          <a:prstGeom prst="rect">
+            <a:avLst/>
+          </a:prstGeom>
+        </p:spPr>
+        <p:txBody>
+          <a:bodyPr lIns="0" rIns="0" tIns="0" bIns="0">
+            <a:normAutofit/>
+          </a:bodyPr>
+          <a:p>
+            <a:endParaRPr b="0" lang="en-US" sz="3200" spc="-1" strike="noStrike">
+              <a:latin typeface="Arial"/>
+            </a:endParaRPr>
+          </a:p>
+        </p:txBody>
+      </p:sp>
+      <p:sp>
+        <p:nvSpPr>
+          <p:cNvPr id="139" name="PlaceHolder 3"/>
+          <p:cNvSpPr>
+            <a:spLocks noGrp="1"/>
+          </p:cNvSpPr>
+          <p:nvPr>
+            <p:ph type="body"/>
+          </p:nvPr>
+        </p:nvSpPr>
+        <p:spPr>
+          <a:xfrm>
+            <a:off x="5152680" y="1326600"/>
+            <a:ext cx="4426920" cy="3288600"/>
+          </a:xfrm>
+          <a:prstGeom prst="rect">
+            <a:avLst/>
+          </a:prstGeom>
+        </p:spPr>
+        <p:txBody>
+          <a:bodyPr lIns="0" rIns="0" tIns="0" bIns="0">
+            <a:normAutofit/>
+          </a:bodyPr>
+          <a:p>
+            <a:endParaRPr b="0" lang="en-US" sz="3200" spc="-1" strike="noStrike">
+              <a:latin typeface="Arial"/>
+            </a:endParaRPr>
+          </a:p>
+        </p:txBody>
+      </p:sp>
+    </p:spTree>
+  </p:cSld>
+</p:sldLayout>
+</file>
+
+<file path=ppt/slideLayouts/slideLayout41.xml><?xml version="1.0" encoding="utf-8"?>
+<p:sldLayout xmlns:a="http://schemas.openxmlformats.org/drawingml/2006/main" xmlns:p="http://schemas.openxmlformats.org/presentationml/2006/main" xmlns:r="http://schemas.openxmlformats.org/officeDocument/2006/relationships" xmlns:p14="http://schemas.microsoft.com/office/powerpoint/2010/main" xmlns:p15="http://schemas.microsoft.com/office/powerpoint/2012/main" xmlns:mc="http://schemas.openxmlformats.org/markup-compatibility/2006" type="titleOnly" preserve="1">
+  <p:cSld name="Title Only">
+    <p:spTree>
+      <p:nvGrpSpPr>
+        <p:cNvPr id="1" name=""/>
+        <p:cNvGrpSpPr/>
+        <p:nvPr/>
+      </p:nvGrpSpPr>
+      <p:grpSpPr>
+        <a:xfrm>
+          <a:off x="0" y="0"/>
+          <a:ext cx="0" cy="0"/>
+          <a:chOff x="0" y="0"/>
+          <a:chExt cx="0" cy="0"/>
+        </a:xfrm>
+      </p:grpSpPr>
+      <p:sp>
+        <p:nvSpPr>
+          <p:cNvPr id="140" name="PlaceHolder 1"/>
+          <p:cNvSpPr>
+            <a:spLocks noGrp="1"/>
+          </p:cNvSpPr>
+          <p:nvPr>
+            <p:ph type="title"/>
+          </p:nvPr>
+        </p:nvSpPr>
+        <p:spPr>
+          <a:xfrm>
+            <a:off x="504000" y="226080"/>
+            <a:ext cx="9072000" cy="946440"/>
+          </a:xfrm>
+          <a:prstGeom prst="rect">
+            <a:avLst/>
+          </a:prstGeom>
+        </p:spPr>
+        <p:txBody>
+          <a:bodyPr lIns="0" rIns="0" tIns="0" bIns="0" anchor="ctr"/>
+          <a:p>
+            <a:pPr algn="ctr"/>
+            <a:endParaRPr b="0" lang="en-US" sz="4400" spc="-1" strike="noStrike">
+              <a:latin typeface="Arial"/>
+            </a:endParaRPr>
+          </a:p>
+        </p:txBody>
+      </p:sp>
+    </p:spTree>
+  </p:cSld>
+</p:sldLayout>
+</file>
+
+<file path=ppt/slideLayouts/slideLayout42.xml><?xml version="1.0" encoding="utf-8"?>
+<p:sldLayout xmlns:a="http://schemas.openxmlformats.org/drawingml/2006/main" xmlns:p="http://schemas.openxmlformats.org/presentationml/2006/main" xmlns:r="http://schemas.openxmlformats.org/officeDocument/2006/relationships" xmlns:p14="http://schemas.microsoft.com/office/powerpoint/2010/main" xmlns:p15="http://schemas.microsoft.com/office/powerpoint/2012/main" xmlns:mc="http://schemas.openxmlformats.org/markup-compatibility/2006" type="objOnly" preserve="1">
+  <p:cSld name="Centered Text">
+    <p:spTree>
+      <p:nvGrpSpPr>
+        <p:cNvPr id="1" name=""/>
+        <p:cNvGrpSpPr/>
+        <p:nvPr/>
+      </p:nvGrpSpPr>
+      <p:grpSpPr>
+        <a:xfrm>
+          <a:off x="0" y="0"/>
+          <a:ext cx="0" cy="0"/>
+          <a:chOff x="0" y="0"/>
+          <a:chExt cx="0" cy="0"/>
+        </a:xfrm>
+      </p:grpSpPr>
+      <p:sp>
+        <p:nvSpPr>
+          <p:cNvPr id="141" name="PlaceHolder 1"/>
+          <p:cNvSpPr>
+            <a:spLocks noGrp="1"/>
+          </p:cNvSpPr>
+          <p:nvPr>
+            <p:ph type="subTitle"/>
+          </p:nvPr>
+        </p:nvSpPr>
+        <p:spPr>
+          <a:xfrm>
+            <a:off x="504000" y="226080"/>
+            <a:ext cx="9072000" cy="4388400"/>
+          </a:xfrm>
+          <a:prstGeom prst="rect">
+            <a:avLst/>
+          </a:prstGeom>
+        </p:spPr>
+        <p:txBody>
+          <a:bodyPr lIns="0" rIns="0" tIns="0" bIns="0" anchor="ctr"/>
+          <a:p>
+            <a:pPr algn="ctr"/>
+            <a:endParaRPr b="0" lang="en-US" sz="3200" spc="-1" strike="noStrike">
+              <a:latin typeface="Arial"/>
+            </a:endParaRPr>
+          </a:p>
+        </p:txBody>
+      </p:sp>
+    </p:spTree>
+  </p:cSld>
+</p:sldLayout>
+</file>
+
+<file path=ppt/slideLayouts/slideLayout43.xml><?xml version="1.0" encoding="utf-8"?>
+<p:sldLayout xmlns:a="http://schemas.openxmlformats.org/drawingml/2006/main" xmlns:p="http://schemas.openxmlformats.org/presentationml/2006/main" xmlns:r="http://schemas.openxmlformats.org/officeDocument/2006/relationships" xmlns:p14="http://schemas.microsoft.com/office/powerpoint/2010/main" xmlns:p15="http://schemas.microsoft.com/office/powerpoint/2012/main" xmlns:mc="http://schemas.openxmlformats.org/markup-compatibility/2006" type="twoObjAndObj" preserve="1">
+  <p:cSld name="Title, 2 Content and Content">
+    <p:spTree>
+      <p:nvGrpSpPr>
+        <p:cNvPr id="1" name=""/>
+        <p:cNvGrpSpPr/>
+        <p:nvPr/>
+      </p:nvGrpSpPr>
+      <p:grpSpPr>
+        <a:xfrm>
+          <a:off x="0" y="0"/>
+          <a:ext cx="0" cy="0"/>
+          <a:chOff x="0" y="0"/>
+          <a:chExt cx="0" cy="0"/>
+        </a:xfrm>
+      </p:grpSpPr>
+      <p:sp>
+        <p:nvSpPr>
+          <p:cNvPr id="142" name="PlaceHolder 1"/>
+          <p:cNvSpPr>
+            <a:spLocks noGrp="1"/>
+          </p:cNvSpPr>
+          <p:nvPr>
+            <p:ph type="title"/>
+          </p:nvPr>
+        </p:nvSpPr>
+        <p:spPr>
+          <a:xfrm>
+            <a:off x="504000" y="226080"/>
+            <a:ext cx="9072000" cy="946440"/>
+          </a:xfrm>
+          <a:prstGeom prst="rect">
+            <a:avLst/>
+          </a:prstGeom>
+        </p:spPr>
+        <p:txBody>
+          <a:bodyPr lIns="0" rIns="0" tIns="0" bIns="0" anchor="ctr"/>
+          <a:p>
+            <a:pPr algn="ctr"/>
+            <a:endParaRPr b="0" lang="en-US" sz="4400" spc="-1" strike="noStrike">
+              <a:latin typeface="Arial"/>
+            </a:endParaRPr>
+          </a:p>
+        </p:txBody>
+      </p:sp>
+      <p:sp>
+        <p:nvSpPr>
+          <p:cNvPr id="143" name="PlaceHolder 2"/>
+          <p:cNvSpPr>
+            <a:spLocks noGrp="1"/>
+          </p:cNvSpPr>
+          <p:nvPr>
+            <p:ph type="body"/>
+          </p:nvPr>
+        </p:nvSpPr>
+        <p:spPr>
+          <a:xfrm>
+            <a:off x="504000" y="1326600"/>
+            <a:ext cx="4426920" cy="1568520"/>
+          </a:xfrm>
+          <a:prstGeom prst="rect">
+            <a:avLst/>
+          </a:prstGeom>
+        </p:spPr>
+        <p:txBody>
+          <a:bodyPr lIns="0" rIns="0" tIns="0" bIns="0">
+            <a:normAutofit/>
+          </a:bodyPr>
+          <a:p>
+            <a:endParaRPr b="0" lang="en-US" sz="3200" spc="-1" strike="noStrike">
+              <a:latin typeface="Arial"/>
+            </a:endParaRPr>
+          </a:p>
+        </p:txBody>
+      </p:sp>
+      <p:sp>
+        <p:nvSpPr>
+          <p:cNvPr id="144" name="PlaceHolder 3"/>
+          <p:cNvSpPr>
+            <a:spLocks noGrp="1"/>
+          </p:cNvSpPr>
+          <p:nvPr>
+            <p:ph type="body"/>
+          </p:nvPr>
+        </p:nvSpPr>
+        <p:spPr>
+          <a:xfrm>
+            <a:off x="5152680" y="1326600"/>
+            <a:ext cx="4426920" cy="3288600"/>
+          </a:xfrm>
+          <a:prstGeom prst="rect">
+            <a:avLst/>
+          </a:prstGeom>
+        </p:spPr>
+        <p:txBody>
+          <a:bodyPr lIns="0" rIns="0" tIns="0" bIns="0">
+            <a:normAutofit/>
+          </a:bodyPr>
+          <a:p>
+            <a:endParaRPr b="0" lang="en-US" sz="3200" spc="-1" strike="noStrike">
+              <a:latin typeface="Arial"/>
+            </a:endParaRPr>
+          </a:p>
+        </p:txBody>
+      </p:sp>
+      <p:sp>
+        <p:nvSpPr>
+          <p:cNvPr id="145" name="PlaceHolder 4"/>
+          <p:cNvSpPr>
+            <a:spLocks noGrp="1"/>
+          </p:cNvSpPr>
+          <p:nvPr>
+            <p:ph type="body"/>
+          </p:nvPr>
+        </p:nvSpPr>
+        <p:spPr>
+          <a:xfrm>
+            <a:off x="504000" y="3044520"/>
+            <a:ext cx="4426920" cy="1568520"/>
+          </a:xfrm>
+          <a:prstGeom prst="rect">
+            <a:avLst/>
+          </a:prstGeom>
+        </p:spPr>
+        <p:txBody>
+          <a:bodyPr lIns="0" rIns="0" tIns="0" bIns="0">
+            <a:normAutofit/>
+          </a:bodyPr>
+          <a:p>
+            <a:endParaRPr b="0" lang="en-US" sz="3200" spc="-1" strike="noStrike">
+              <a:latin typeface="Arial"/>
+            </a:endParaRPr>
+          </a:p>
+        </p:txBody>
+      </p:sp>
+    </p:spTree>
+  </p:cSld>
+</p:sldLayout>
+</file>
+
+<file path=ppt/slideLayouts/slideLayout44.xml><?xml version="1.0" encoding="utf-8"?>
+<p:sldLayout xmlns:a="http://schemas.openxmlformats.org/drawingml/2006/main" xmlns:p="http://schemas.openxmlformats.org/presentationml/2006/main" xmlns:r="http://schemas.openxmlformats.org/officeDocument/2006/relationships" xmlns:p14="http://schemas.microsoft.com/office/powerpoint/2010/main" xmlns:p15="http://schemas.microsoft.com/office/powerpoint/2012/main" xmlns:mc="http://schemas.openxmlformats.org/markup-compatibility/2006" type="objAndTwoObj" preserve="1">
+  <p:cSld name="Title Content and 2 Content">
+    <p:spTree>
+      <p:nvGrpSpPr>
+        <p:cNvPr id="1" name=""/>
+        <p:cNvGrpSpPr/>
+        <p:nvPr/>
+      </p:nvGrpSpPr>
+      <p:grpSpPr>
+        <a:xfrm>
+          <a:off x="0" y="0"/>
+          <a:ext cx="0" cy="0"/>
+          <a:chOff x="0" y="0"/>
+          <a:chExt cx="0" cy="0"/>
+        </a:xfrm>
+      </p:grpSpPr>
+      <p:sp>
+        <p:nvSpPr>
+          <p:cNvPr id="146" name="PlaceHolder 1"/>
+          <p:cNvSpPr>
+            <a:spLocks noGrp="1"/>
+          </p:cNvSpPr>
+          <p:nvPr>
+            <p:ph type="title"/>
+          </p:nvPr>
+        </p:nvSpPr>
+        <p:spPr>
+          <a:xfrm>
+            <a:off x="504000" y="226080"/>
+            <a:ext cx="9072000" cy="946440"/>
+          </a:xfrm>
+          <a:prstGeom prst="rect">
+            <a:avLst/>
+          </a:prstGeom>
+        </p:spPr>
+        <p:txBody>
+          <a:bodyPr lIns="0" rIns="0" tIns="0" bIns="0" anchor="ctr"/>
+          <a:p>
+            <a:pPr algn="ctr"/>
+            <a:endParaRPr b="0" lang="en-US" sz="4400" spc="-1" strike="noStrike">
+              <a:latin typeface="Arial"/>
+            </a:endParaRPr>
+          </a:p>
+        </p:txBody>
+      </p:sp>
+      <p:sp>
+        <p:nvSpPr>
+          <p:cNvPr id="147" name="PlaceHolder 2"/>
+          <p:cNvSpPr>
+            <a:spLocks noGrp="1"/>
+          </p:cNvSpPr>
+          <p:nvPr>
+            <p:ph type="body"/>
+          </p:nvPr>
+        </p:nvSpPr>
+        <p:spPr>
+          <a:xfrm>
+            <a:off x="504000" y="1326600"/>
+            <a:ext cx="4426920" cy="3288600"/>
+          </a:xfrm>
+          <a:prstGeom prst="rect">
+            <a:avLst/>
+          </a:prstGeom>
+        </p:spPr>
+        <p:txBody>
+          <a:bodyPr lIns="0" rIns="0" tIns="0" bIns="0">
+            <a:normAutofit/>
+          </a:bodyPr>
+          <a:p>
+            <a:endParaRPr b="0" lang="en-US" sz="3200" spc="-1" strike="noStrike">
+              <a:latin typeface="Arial"/>
+            </a:endParaRPr>
+          </a:p>
+        </p:txBody>
+      </p:sp>
+      <p:sp>
+        <p:nvSpPr>
+          <p:cNvPr id="148" name="PlaceHolder 3"/>
+          <p:cNvSpPr>
+            <a:spLocks noGrp="1"/>
+          </p:cNvSpPr>
+          <p:nvPr>
+            <p:ph type="body"/>
+          </p:nvPr>
+        </p:nvSpPr>
+        <p:spPr>
+          <a:xfrm>
+            <a:off x="5152680" y="1326600"/>
+            <a:ext cx="4426920" cy="1568520"/>
+          </a:xfrm>
+          <a:prstGeom prst="rect">
+            <a:avLst/>
+          </a:prstGeom>
+        </p:spPr>
+        <p:txBody>
+          <a:bodyPr lIns="0" rIns="0" tIns="0" bIns="0">
+            <a:normAutofit/>
+          </a:bodyPr>
+          <a:p>
+            <a:endParaRPr b="0" lang="en-US" sz="3200" spc="-1" strike="noStrike">
+              <a:latin typeface="Arial"/>
+            </a:endParaRPr>
+          </a:p>
+        </p:txBody>
+      </p:sp>
+      <p:sp>
+        <p:nvSpPr>
+          <p:cNvPr id="149" name="PlaceHolder 4"/>
+          <p:cNvSpPr>
+            <a:spLocks noGrp="1"/>
+          </p:cNvSpPr>
+          <p:nvPr>
+            <p:ph type="body"/>
+          </p:nvPr>
+        </p:nvSpPr>
+        <p:spPr>
+          <a:xfrm>
+            <a:off x="5152680" y="3044520"/>
+            <a:ext cx="4426920" cy="1568520"/>
+          </a:xfrm>
+          <a:prstGeom prst="rect">
+            <a:avLst/>
+          </a:prstGeom>
+        </p:spPr>
+        <p:txBody>
+          <a:bodyPr lIns="0" rIns="0" tIns="0" bIns="0">
+            <a:normAutofit/>
+          </a:bodyPr>
+          <a:p>
+            <a:endParaRPr b="0" lang="en-US" sz="3200" spc="-1" strike="noStrike">
+              <a:latin typeface="Arial"/>
+            </a:endParaRPr>
+          </a:p>
+        </p:txBody>
+      </p:sp>
+    </p:spTree>
+  </p:cSld>
+</p:sldLayout>
+</file>
+
+<file path=ppt/slideLayouts/slideLayout45.xml><?xml version="1.0" encoding="utf-8"?>
+<p:sldLayout xmlns:a="http://schemas.openxmlformats.org/drawingml/2006/main" xmlns:p="http://schemas.openxmlformats.org/presentationml/2006/main" xmlns:r="http://schemas.openxmlformats.org/officeDocument/2006/relationships" xmlns:p14="http://schemas.microsoft.com/office/powerpoint/2010/main" xmlns:p15="http://schemas.microsoft.com/office/powerpoint/2012/main" xmlns:mc="http://schemas.openxmlformats.org/markup-compatibility/2006" type="twoObjOverTx" preserve="1">
+  <p:cSld name="Title, 2 Content over Content">
+    <p:spTree>
+      <p:nvGrpSpPr>
+        <p:cNvPr id="1" name=""/>
+        <p:cNvGrpSpPr/>
+        <p:nvPr/>
+      </p:nvGrpSpPr>
+      <p:grpSpPr>
+        <a:xfrm>
+          <a:off x="0" y="0"/>
+          <a:ext cx="0" cy="0"/>
+          <a:chOff x="0" y="0"/>
+          <a:chExt cx="0" cy="0"/>
+        </a:xfrm>
+      </p:grpSpPr>
+      <p:sp>
+        <p:nvSpPr>
+          <p:cNvPr id="150" name="PlaceHolder 1"/>
+          <p:cNvSpPr>
+            <a:spLocks noGrp="1"/>
+          </p:cNvSpPr>
+          <p:nvPr>
+            <p:ph type="title"/>
+          </p:nvPr>
+        </p:nvSpPr>
+        <p:spPr>
+          <a:xfrm>
+            <a:off x="504000" y="226080"/>
+            <a:ext cx="9072000" cy="946440"/>
+          </a:xfrm>
+          <a:prstGeom prst="rect">
+            <a:avLst/>
+          </a:prstGeom>
+        </p:spPr>
+        <p:txBody>
+          <a:bodyPr lIns="0" rIns="0" tIns="0" bIns="0" anchor="ctr"/>
+          <a:p>
+            <a:pPr algn="ctr"/>
+            <a:endParaRPr b="0" lang="en-US" sz="4400" spc="-1" strike="noStrike">
+              <a:latin typeface="Arial"/>
+            </a:endParaRPr>
+          </a:p>
+        </p:txBody>
+      </p:sp>
+      <p:sp>
+        <p:nvSpPr>
+          <p:cNvPr id="151" name="PlaceHolder 2"/>
+          <p:cNvSpPr>
+            <a:spLocks noGrp="1"/>
+          </p:cNvSpPr>
+          <p:nvPr>
+            <p:ph type="body"/>
+          </p:nvPr>
+        </p:nvSpPr>
+        <p:spPr>
+          <a:xfrm>
+            <a:off x="504000" y="1326600"/>
+            <a:ext cx="4426920" cy="1568520"/>
+          </a:xfrm>
+          <a:prstGeom prst="rect">
+            <a:avLst/>
+          </a:prstGeom>
+        </p:spPr>
+        <p:txBody>
+          <a:bodyPr lIns="0" rIns="0" tIns="0" bIns="0">
+            <a:normAutofit/>
+          </a:bodyPr>
+          <a:p>
+            <a:endParaRPr b="0" lang="en-US" sz="3200" spc="-1" strike="noStrike">
+              <a:latin typeface="Arial"/>
+            </a:endParaRPr>
+          </a:p>
+        </p:txBody>
+      </p:sp>
+      <p:sp>
+        <p:nvSpPr>
+          <p:cNvPr id="152" name="PlaceHolder 3"/>
+          <p:cNvSpPr>
+            <a:spLocks noGrp="1"/>
+          </p:cNvSpPr>
+          <p:nvPr>
+            <p:ph type="body"/>
+          </p:nvPr>
+        </p:nvSpPr>
+        <p:spPr>
+          <a:xfrm>
+            <a:off x="5152680" y="1326600"/>
+            <a:ext cx="4426920" cy="1568520"/>
+          </a:xfrm>
+          <a:prstGeom prst="rect">
+            <a:avLst/>
+          </a:prstGeom>
+        </p:spPr>
+        <p:txBody>
+          <a:bodyPr lIns="0" rIns="0" tIns="0" bIns="0">
+            <a:normAutofit/>
+          </a:bodyPr>
+          <a:p>
+            <a:endParaRPr b="0" lang="en-US" sz="3200" spc="-1" strike="noStrike">
+              <a:latin typeface="Arial"/>
+            </a:endParaRPr>
+          </a:p>
+        </p:txBody>
+      </p:sp>
+      <p:sp>
+        <p:nvSpPr>
+          <p:cNvPr id="153" name="PlaceHolder 4"/>
+          <p:cNvSpPr>
+            <a:spLocks noGrp="1"/>
+          </p:cNvSpPr>
+          <p:nvPr>
+            <p:ph type="body"/>
+          </p:nvPr>
+        </p:nvSpPr>
+        <p:spPr>
+          <a:xfrm>
+            <a:off x="504000" y="3044520"/>
+            <a:ext cx="9072000" cy="1568520"/>
+          </a:xfrm>
+          <a:prstGeom prst="rect">
+            <a:avLst/>
+          </a:prstGeom>
+        </p:spPr>
+        <p:txBody>
+          <a:bodyPr lIns="0" rIns="0" tIns="0" bIns="0">
+            <a:normAutofit/>
+          </a:bodyPr>
+          <a:p>
+            <a:endParaRPr b="0" lang="en-US" sz="3200" spc="-1" strike="noStrike">
+              <a:latin typeface="Arial"/>
+            </a:endParaRPr>
+          </a:p>
+        </p:txBody>
+      </p:sp>
+    </p:spTree>
+  </p:cSld>
+</p:sldLayout>
+</file>
+
+<file path=ppt/slideLayouts/slideLayout46.xml><?xml version="1.0" encoding="utf-8"?>
+<p:sldLayout xmlns:a="http://schemas.openxmlformats.org/drawingml/2006/main" xmlns:p="http://schemas.openxmlformats.org/presentationml/2006/main" xmlns:r="http://schemas.openxmlformats.org/officeDocument/2006/relationships" xmlns:p14="http://schemas.microsoft.com/office/powerpoint/2010/main" xmlns:p15="http://schemas.microsoft.com/office/powerpoint/2012/main" xmlns:mc="http://schemas.openxmlformats.org/markup-compatibility/2006" type="objOverTx" preserve="1">
+  <p:cSld name="Title, Content over Content">
+    <p:spTree>
+      <p:nvGrpSpPr>
+        <p:cNvPr id="1" name=""/>
+        <p:cNvGrpSpPr/>
+        <p:nvPr/>
+      </p:nvGrpSpPr>
+      <p:grpSpPr>
+        <a:xfrm>
+          <a:off x="0" y="0"/>
+          <a:ext cx="0" cy="0"/>
+          <a:chOff x="0" y="0"/>
+          <a:chExt cx="0" cy="0"/>
+        </a:xfrm>
+      </p:grpSpPr>
+      <p:sp>
+        <p:nvSpPr>
+          <p:cNvPr id="154" name="PlaceHolder 1"/>
+          <p:cNvSpPr>
+            <a:spLocks noGrp="1"/>
+          </p:cNvSpPr>
+          <p:nvPr>
+            <p:ph type="title"/>
+          </p:nvPr>
+        </p:nvSpPr>
+        <p:spPr>
+          <a:xfrm>
+            <a:off x="504000" y="226080"/>
+            <a:ext cx="9072000" cy="946440"/>
+          </a:xfrm>
+          <a:prstGeom prst="rect">
+            <a:avLst/>
+          </a:prstGeom>
+        </p:spPr>
+        <p:txBody>
+          <a:bodyPr lIns="0" rIns="0" tIns="0" bIns="0" anchor="ctr"/>
+          <a:p>
+            <a:pPr algn="ctr"/>
+            <a:endParaRPr b="0" lang="en-US" sz="4400" spc="-1" strike="noStrike">
+              <a:latin typeface="Arial"/>
+            </a:endParaRPr>
+          </a:p>
+        </p:txBody>
+      </p:sp>
+      <p:sp>
+        <p:nvSpPr>
+          <p:cNvPr id="155" name="PlaceHolder 2"/>
+          <p:cNvSpPr>
+            <a:spLocks noGrp="1"/>
+          </p:cNvSpPr>
+          <p:nvPr>
+            <p:ph type="body"/>
+          </p:nvPr>
+        </p:nvSpPr>
+        <p:spPr>
+          <a:xfrm>
+            <a:off x="504000" y="1326600"/>
+            <a:ext cx="9072000" cy="1568520"/>
+          </a:xfrm>
+          <a:prstGeom prst="rect">
+            <a:avLst/>
+          </a:prstGeom>
+        </p:spPr>
+        <p:txBody>
+          <a:bodyPr lIns="0" rIns="0" tIns="0" bIns="0">
+            <a:normAutofit/>
+          </a:bodyPr>
+          <a:p>
+            <a:endParaRPr b="0" lang="en-US" sz="3200" spc="-1" strike="noStrike">
+              <a:latin typeface="Arial"/>
+            </a:endParaRPr>
+          </a:p>
+        </p:txBody>
+      </p:sp>
+      <p:sp>
+        <p:nvSpPr>
+          <p:cNvPr id="156" name="PlaceHolder 3"/>
+          <p:cNvSpPr>
+            <a:spLocks noGrp="1"/>
+          </p:cNvSpPr>
+          <p:nvPr>
+            <p:ph type="body"/>
+          </p:nvPr>
+        </p:nvSpPr>
+        <p:spPr>
+          <a:xfrm>
+            <a:off x="504000" y="3044520"/>
+            <a:ext cx="9072000" cy="1568520"/>
+          </a:xfrm>
+          <a:prstGeom prst="rect">
+            <a:avLst/>
+          </a:prstGeom>
+        </p:spPr>
+        <p:txBody>
+          <a:bodyPr lIns="0" rIns="0" tIns="0" bIns="0">
+            <a:normAutofit/>
+          </a:bodyPr>
+          <a:p>
+            <a:endParaRPr b="0" lang="en-US" sz="3200" spc="-1" strike="noStrike">
+              <a:latin typeface="Arial"/>
+            </a:endParaRPr>
+          </a:p>
+        </p:txBody>
+      </p:sp>
+    </p:spTree>
+  </p:cSld>
+</p:sldLayout>
+</file>
+
+<file path=ppt/slideLayouts/slideLayout47.xml><?xml version="1.0" encoding="utf-8"?>
+<p:sldLayout xmlns:a="http://schemas.openxmlformats.org/drawingml/2006/main" xmlns:p="http://schemas.openxmlformats.org/presentationml/2006/main" xmlns:r="http://schemas.openxmlformats.org/officeDocument/2006/relationships" xmlns:p14="http://schemas.microsoft.com/office/powerpoint/2010/main" xmlns:p15="http://schemas.microsoft.com/office/powerpoint/2012/main" xmlns:mc="http://schemas.openxmlformats.org/markup-compatibility/2006" type="fourObj" preserve="1">
+  <p:cSld name="Title, 4 Content">
+    <p:spTree>
+      <p:nvGrpSpPr>
+        <p:cNvPr id="1" name=""/>
+        <p:cNvGrpSpPr/>
+        <p:nvPr/>
+      </p:nvGrpSpPr>
+      <p:grpSpPr>
+        <a:xfrm>
+          <a:off x="0" y="0"/>
+          <a:ext cx="0" cy="0"/>
+          <a:chOff x="0" y="0"/>
+          <a:chExt cx="0" cy="0"/>
+        </a:xfrm>
+      </p:grpSpPr>
+      <p:sp>
+        <p:nvSpPr>
+          <p:cNvPr id="157" name="PlaceHolder 1"/>
+          <p:cNvSpPr>
+            <a:spLocks noGrp="1"/>
+          </p:cNvSpPr>
+          <p:nvPr>
+            <p:ph type="title"/>
+          </p:nvPr>
+        </p:nvSpPr>
+        <p:spPr>
+          <a:xfrm>
+            <a:off x="504000" y="226080"/>
+            <a:ext cx="9072000" cy="946440"/>
+          </a:xfrm>
+          <a:prstGeom prst="rect">
+            <a:avLst/>
+          </a:prstGeom>
+        </p:spPr>
+        <p:txBody>
+          <a:bodyPr lIns="0" rIns="0" tIns="0" bIns="0" anchor="ctr"/>
+          <a:p>
+            <a:pPr algn="ctr"/>
+            <a:endParaRPr b="0" lang="en-US" sz="4400" spc="-1" strike="noStrike">
+              <a:latin typeface="Arial"/>
+            </a:endParaRPr>
+          </a:p>
+        </p:txBody>
+      </p:sp>
+      <p:sp>
+        <p:nvSpPr>
+          <p:cNvPr id="158" name="PlaceHolder 2"/>
+          <p:cNvSpPr>
+            <a:spLocks noGrp="1"/>
+          </p:cNvSpPr>
+          <p:nvPr>
+            <p:ph type="body"/>
+          </p:nvPr>
+        </p:nvSpPr>
+        <p:spPr>
+          <a:xfrm>
+            <a:off x="504000" y="1326600"/>
+            <a:ext cx="4426920" cy="1568520"/>
+          </a:xfrm>
+          <a:prstGeom prst="rect">
+            <a:avLst/>
+          </a:prstGeom>
+        </p:spPr>
+        <p:txBody>
+          <a:bodyPr lIns="0" rIns="0" tIns="0" bIns="0">
+            <a:normAutofit/>
+          </a:bodyPr>
+          <a:p>
+            <a:endParaRPr b="0" lang="en-US" sz="3200" spc="-1" strike="noStrike">
+              <a:latin typeface="Arial"/>
+            </a:endParaRPr>
+          </a:p>
+        </p:txBody>
+      </p:sp>
+      <p:sp>
+        <p:nvSpPr>
+          <p:cNvPr id="159" name="PlaceHolder 3"/>
+          <p:cNvSpPr>
+            <a:spLocks noGrp="1"/>
+          </p:cNvSpPr>
+          <p:nvPr>
+            <p:ph type="body"/>
+          </p:nvPr>
+        </p:nvSpPr>
+        <p:spPr>
+          <a:xfrm>
+            <a:off x="5152680" y="1326600"/>
+            <a:ext cx="4426920" cy="1568520"/>
+          </a:xfrm>
+          <a:prstGeom prst="rect">
+            <a:avLst/>
+          </a:prstGeom>
+        </p:spPr>
+        <p:txBody>
+          <a:bodyPr lIns="0" rIns="0" tIns="0" bIns="0">
+            <a:normAutofit/>
+          </a:bodyPr>
+          <a:p>
+            <a:endParaRPr b="0" lang="en-US" sz="3200" spc="-1" strike="noStrike">
+              <a:latin typeface="Arial"/>
+            </a:endParaRPr>
+          </a:p>
+        </p:txBody>
+      </p:sp>
+      <p:sp>
+        <p:nvSpPr>
+          <p:cNvPr id="160" name="PlaceHolder 4"/>
+          <p:cNvSpPr>
+            <a:spLocks noGrp="1"/>
+          </p:cNvSpPr>
+          <p:nvPr>
+            <p:ph type="body"/>
+          </p:nvPr>
+        </p:nvSpPr>
+        <p:spPr>
+          <a:xfrm>
+            <a:off x="504000" y="3044520"/>
+            <a:ext cx="4426920" cy="1568520"/>
+          </a:xfrm>
+          <a:prstGeom prst="rect">
+            <a:avLst/>
+          </a:prstGeom>
+        </p:spPr>
+        <p:txBody>
+          <a:bodyPr lIns="0" rIns="0" tIns="0" bIns="0">
+            <a:normAutofit/>
+          </a:bodyPr>
+          <a:p>
+            <a:endParaRPr b="0" lang="en-US" sz="3200" spc="-1" strike="noStrike">
+              <a:latin typeface="Arial"/>
+            </a:endParaRPr>
+          </a:p>
+        </p:txBody>
+      </p:sp>
+      <p:sp>
+        <p:nvSpPr>
+          <p:cNvPr id="161" name="PlaceHolder 5"/>
+          <p:cNvSpPr>
+            <a:spLocks noGrp="1"/>
+          </p:cNvSpPr>
+          <p:nvPr>
+            <p:ph type="body"/>
+          </p:nvPr>
+        </p:nvSpPr>
+        <p:spPr>
+          <a:xfrm>
+            <a:off x="5152680" y="3044520"/>
+            <a:ext cx="4426920" cy="1568520"/>
+          </a:xfrm>
+          <a:prstGeom prst="rect">
+            <a:avLst/>
+          </a:prstGeom>
+        </p:spPr>
+        <p:txBody>
+          <a:bodyPr lIns="0" rIns="0" tIns="0" bIns="0">
+            <a:normAutofit/>
+          </a:bodyPr>
+          <a:p>
+            <a:endParaRPr b="0" lang="en-US" sz="3200" spc="-1" strike="noStrike">
+              <a:latin typeface="Arial"/>
+            </a:endParaRPr>
+          </a:p>
+        </p:txBody>
+      </p:sp>
+    </p:spTree>
+  </p:cSld>
+</p:sldLayout>
+</file>
+
+<file path=ppt/slideLayouts/slideLayout48.xml><?xml version="1.0" encoding="utf-8"?>
+<p:sldLayout xmlns:a="http://schemas.openxmlformats.org/drawingml/2006/main" xmlns:p="http://schemas.openxmlformats.org/presentationml/2006/main" xmlns:r="http://schemas.openxmlformats.org/officeDocument/2006/relationships" xmlns:p14="http://schemas.microsoft.com/office/powerpoint/2010/main" xmlns:p15="http://schemas.microsoft.com/office/powerpoint/2012/main" xmlns:mc="http://schemas.openxmlformats.org/markup-compatibility/2006" type="blank" preserve="1">
+  <p:cSld name="Title, 6 Content">
+    <p:spTree>
+      <p:nvGrpSpPr>
+        <p:cNvPr id="1" name=""/>
+        <p:cNvGrpSpPr/>
+        <p:nvPr/>
+      </p:nvGrpSpPr>
+      <p:grpSpPr>
+        <a:xfrm>
+          <a:off x="0" y="0"/>
+          <a:ext cx="0" cy="0"/>
+          <a:chOff x="0" y="0"/>
+          <a:chExt cx="0" cy="0"/>
+        </a:xfrm>
+      </p:grpSpPr>
+      <p:sp>
+        <p:nvSpPr>
+          <p:cNvPr id="162" name="PlaceHolder 1"/>
+          <p:cNvSpPr>
+            <a:spLocks noGrp="1"/>
+          </p:cNvSpPr>
+          <p:nvPr>
+            <p:ph type="title"/>
+          </p:nvPr>
+        </p:nvSpPr>
+        <p:spPr>
+          <a:xfrm>
+            <a:off x="504000" y="226080"/>
+            <a:ext cx="9072000" cy="946440"/>
+          </a:xfrm>
+          <a:prstGeom prst="rect">
+            <a:avLst/>
+          </a:prstGeom>
+        </p:spPr>
+        <p:txBody>
+          <a:bodyPr lIns="0" rIns="0" tIns="0" bIns="0" anchor="ctr"/>
+          <a:p>
+            <a:pPr algn="ctr"/>
+            <a:endParaRPr b="0" lang="en-US" sz="4400" spc="-1" strike="noStrike">
+              <a:latin typeface="Arial"/>
+            </a:endParaRPr>
+          </a:p>
+        </p:txBody>
+      </p:sp>
+      <p:sp>
+        <p:nvSpPr>
+          <p:cNvPr id="163" name="PlaceHolder 2"/>
+          <p:cNvSpPr>
+            <a:spLocks noGrp="1"/>
+          </p:cNvSpPr>
+          <p:nvPr>
+            <p:ph type="body"/>
+          </p:nvPr>
+        </p:nvSpPr>
+        <p:spPr>
+          <a:xfrm>
+            <a:off x="504000" y="1326600"/>
+            <a:ext cx="2921040" cy="1568520"/>
+          </a:xfrm>
+          <a:prstGeom prst="rect">
+            <a:avLst/>
+          </a:prstGeom>
+        </p:spPr>
+        <p:txBody>
+          <a:bodyPr lIns="0" rIns="0" tIns="0" bIns="0">
+            <a:normAutofit/>
+          </a:bodyPr>
+          <a:p>
+            <a:endParaRPr b="0" lang="en-US" sz="3200" spc="-1" strike="noStrike">
+              <a:latin typeface="Arial"/>
+            </a:endParaRPr>
+          </a:p>
+        </p:txBody>
+      </p:sp>
+      <p:sp>
+        <p:nvSpPr>
+          <p:cNvPr id="164" name="PlaceHolder 3"/>
+          <p:cNvSpPr>
+            <a:spLocks noGrp="1"/>
+          </p:cNvSpPr>
+          <p:nvPr>
+            <p:ph type="body"/>
+          </p:nvPr>
+        </p:nvSpPr>
+        <p:spPr>
+          <a:xfrm>
+            <a:off x="3571560" y="1326600"/>
+            <a:ext cx="2921040" cy="1568520"/>
+          </a:xfrm>
+          <a:prstGeom prst="rect">
+            <a:avLst/>
+          </a:prstGeom>
+        </p:spPr>
+        <p:txBody>
+          <a:bodyPr lIns="0" rIns="0" tIns="0" bIns="0">
+            <a:normAutofit/>
+          </a:bodyPr>
+          <a:p>
+            <a:endParaRPr b="0" lang="en-US" sz="3200" spc="-1" strike="noStrike">
+              <a:latin typeface="Arial"/>
+            </a:endParaRPr>
+          </a:p>
+        </p:txBody>
+      </p:sp>
+      <p:sp>
+        <p:nvSpPr>
+          <p:cNvPr id="165" name="PlaceHolder 4"/>
+          <p:cNvSpPr>
+            <a:spLocks noGrp="1"/>
+          </p:cNvSpPr>
+          <p:nvPr>
+            <p:ph type="body"/>
+          </p:nvPr>
+        </p:nvSpPr>
+        <p:spPr>
+          <a:xfrm>
+            <a:off x="6639120" y="1326600"/>
+            <a:ext cx="2921040" cy="1568520"/>
+          </a:xfrm>
+          <a:prstGeom prst="rect">
+            <a:avLst/>
+          </a:prstGeom>
+        </p:spPr>
+        <p:txBody>
+          <a:bodyPr lIns="0" rIns="0" tIns="0" bIns="0">
+            <a:normAutofit/>
+          </a:bodyPr>
+          <a:p>
+            <a:endParaRPr b="0" lang="en-US" sz="3200" spc="-1" strike="noStrike">
+              <a:latin typeface="Arial"/>
+            </a:endParaRPr>
+          </a:p>
+        </p:txBody>
+      </p:sp>
+      <p:sp>
+        <p:nvSpPr>
+          <p:cNvPr id="166" name="PlaceHolder 5"/>
+          <p:cNvSpPr>
+            <a:spLocks noGrp="1"/>
+          </p:cNvSpPr>
+          <p:nvPr>
+            <p:ph type="body"/>
+          </p:nvPr>
+        </p:nvSpPr>
+        <p:spPr>
+          <a:xfrm>
+            <a:off x="504000" y="3044520"/>
+            <a:ext cx="2921040" cy="1568520"/>
+          </a:xfrm>
+          <a:prstGeom prst="rect">
+            <a:avLst/>
+          </a:prstGeom>
+        </p:spPr>
+        <p:txBody>
+          <a:bodyPr lIns="0" rIns="0" tIns="0" bIns="0">
+            <a:normAutofit/>
+          </a:bodyPr>
+          <a:p>
+            <a:endParaRPr b="0" lang="en-US" sz="3200" spc="-1" strike="noStrike">
+              <a:latin typeface="Arial"/>
+            </a:endParaRPr>
+          </a:p>
+        </p:txBody>
+      </p:sp>
+      <p:sp>
+        <p:nvSpPr>
+          <p:cNvPr id="167" name="PlaceHolder 6"/>
+          <p:cNvSpPr>
+            <a:spLocks noGrp="1"/>
+          </p:cNvSpPr>
+          <p:nvPr>
+            <p:ph type="body"/>
+          </p:nvPr>
+        </p:nvSpPr>
+        <p:spPr>
+          <a:xfrm>
+            <a:off x="3571560" y="3044520"/>
+            <a:ext cx="2921040" cy="1568520"/>
+          </a:xfrm>
+          <a:prstGeom prst="rect">
+            <a:avLst/>
+          </a:prstGeom>
+        </p:spPr>
+        <p:txBody>
+          <a:bodyPr lIns="0" rIns="0" tIns="0" bIns="0">
+            <a:normAutofit/>
+          </a:bodyPr>
+          <a:p>
+            <a:endParaRPr b="0" lang="en-US" sz="3200" spc="-1" strike="noStrike">
+              <a:latin typeface="Arial"/>
+            </a:endParaRPr>
+          </a:p>
+        </p:txBody>
+      </p:sp>
+      <p:sp>
+        <p:nvSpPr>
+          <p:cNvPr id="168" name="PlaceHolder 7"/>
+          <p:cNvSpPr>
+            <a:spLocks noGrp="1"/>
+          </p:cNvSpPr>
+          <p:nvPr>
+            <p:ph type="body"/>
+          </p:nvPr>
+        </p:nvSpPr>
+        <p:spPr>
+          <a:xfrm>
+            <a:off x="6639120" y="3044520"/>
+            <a:ext cx="2921040" cy="1568520"/>
           </a:xfrm>
           <a:prstGeom prst="rect">
             <a:avLst/>
@@ -3517,7 +4856,7 @@
       </p:grpSpPr>
       <p:sp>
         <p:nvSpPr>
-          <p:cNvPr id="10" name="PlaceHolder 1"/>
+          <p:cNvPr id="11" name="PlaceHolder 1"/>
           <p:cNvSpPr>
             <a:spLocks noGrp="1"/>
           </p:cNvSpPr>
@@ -3568,7 +4907,7 @@
       </p:grpSpPr>
       <p:sp>
         <p:nvSpPr>
-          <p:cNvPr id="11" name="PlaceHolder 1"/>
+          <p:cNvPr id="12" name="PlaceHolder 1"/>
           <p:cNvSpPr>
             <a:spLocks noGrp="1"/>
           </p:cNvSpPr>
@@ -3619,7 +4958,7 @@
       </p:grpSpPr>
       <p:sp>
         <p:nvSpPr>
-          <p:cNvPr id="12" name="PlaceHolder 1"/>
+          <p:cNvPr id="13" name="PlaceHolder 1"/>
           <p:cNvSpPr>
             <a:spLocks noGrp="1"/>
           </p:cNvSpPr>
@@ -3648,7 +4987,7 @@
       </p:sp>
       <p:sp>
         <p:nvSpPr>
-          <p:cNvPr id="13" name="PlaceHolder 2"/>
+          <p:cNvPr id="14" name="PlaceHolder 2"/>
           <p:cNvSpPr>
             <a:spLocks noGrp="1"/>
           </p:cNvSpPr>
@@ -3678,7 +5017,7 @@
       </p:sp>
       <p:sp>
         <p:nvSpPr>
-          <p:cNvPr id="14" name="PlaceHolder 3"/>
+          <p:cNvPr id="15" name="PlaceHolder 3"/>
           <p:cNvSpPr>
             <a:spLocks noGrp="1"/>
           </p:cNvSpPr>
@@ -3708,7 +5047,7 @@
       </p:sp>
       <p:sp>
         <p:nvSpPr>
-          <p:cNvPr id="15" name="PlaceHolder 4"/>
+          <p:cNvPr id="16" name="PlaceHolder 4"/>
           <p:cNvSpPr>
             <a:spLocks noGrp="1"/>
           </p:cNvSpPr>
@@ -3760,7 +5099,7 @@
       </p:grpSpPr>
       <p:sp>
         <p:nvSpPr>
-          <p:cNvPr id="16" name="PlaceHolder 1"/>
+          <p:cNvPr id="17" name="PlaceHolder 1"/>
           <p:cNvSpPr>
             <a:spLocks noGrp="1"/>
           </p:cNvSpPr>
@@ -3789,7 +5128,7 @@
       </p:sp>
       <p:sp>
         <p:nvSpPr>
-          <p:cNvPr id="17" name="PlaceHolder 2"/>
+          <p:cNvPr id="18" name="PlaceHolder 2"/>
           <p:cNvSpPr>
             <a:spLocks noGrp="1"/>
           </p:cNvSpPr>
@@ -3819,7 +5158,7 @@
       </p:sp>
       <p:sp>
         <p:nvSpPr>
-          <p:cNvPr id="18" name="PlaceHolder 3"/>
+          <p:cNvPr id="19" name="PlaceHolder 3"/>
           <p:cNvSpPr>
             <a:spLocks noGrp="1"/>
           </p:cNvSpPr>
@@ -3849,7 +5188,7 @@
       </p:sp>
       <p:sp>
         <p:nvSpPr>
-          <p:cNvPr id="19" name="PlaceHolder 4"/>
+          <p:cNvPr id="20" name="PlaceHolder 4"/>
           <p:cNvSpPr>
             <a:spLocks noGrp="1"/>
           </p:cNvSpPr>
@@ -3901,7 +5240,7 @@
       </p:grpSpPr>
       <p:sp>
         <p:nvSpPr>
-          <p:cNvPr id="20" name="PlaceHolder 1"/>
+          <p:cNvPr id="21" name="PlaceHolder 1"/>
           <p:cNvSpPr>
             <a:spLocks noGrp="1"/>
           </p:cNvSpPr>
@@ -3930,7 +5269,7 @@
       </p:sp>
       <p:sp>
         <p:nvSpPr>
-          <p:cNvPr id="21" name="PlaceHolder 2"/>
+          <p:cNvPr id="22" name="PlaceHolder 2"/>
           <p:cNvSpPr>
             <a:spLocks noGrp="1"/>
           </p:cNvSpPr>
@@ -3960,7 +5299,7 @@
       </p:sp>
       <p:sp>
         <p:nvSpPr>
-          <p:cNvPr id="22" name="PlaceHolder 3"/>
+          <p:cNvPr id="23" name="PlaceHolder 3"/>
           <p:cNvSpPr>
             <a:spLocks noGrp="1"/>
           </p:cNvSpPr>
@@ -3990,7 +5329,7 @@
       </p:sp>
       <p:sp>
         <p:nvSpPr>
-          <p:cNvPr id="23" name="PlaceHolder 4"/>
+          <p:cNvPr id="24" name="PlaceHolder 4"/>
           <p:cNvSpPr>
             <a:spLocks noGrp="1"/>
           </p:cNvSpPr>
@@ -4056,7 +5395,7 @@
         <p:spPr>
           <a:xfrm>
             <a:off x="360" y="2362680"/>
-            <a:ext cx="9716760" cy="942840"/>
+            <a:ext cx="9716400" cy="942480"/>
           </a:xfrm>
           <a:prstGeom prst="rect">
             <a:avLst/>
@@ -4102,7 +5441,97 @@
               <a:rPr b="0" lang="en-US" sz="4400" spc="-1" strike="noStrike">
                 <a:latin typeface="Arial"/>
               </a:rPr>
-              <a:t>Click to edit the title text format</a:t>
+              <a:t>Cl</a:t>
+            </a:r>
+            <a:r>
+              <a:rPr b="0" lang="en-US" sz="4400" spc="-1" strike="noStrike">
+                <a:latin typeface="Arial"/>
+              </a:rPr>
+              <a:t>ic</a:t>
+            </a:r>
+            <a:r>
+              <a:rPr b="0" lang="en-US" sz="4400" spc="-1" strike="noStrike">
+                <a:latin typeface="Arial"/>
+              </a:rPr>
+              <a:t>k </a:t>
+            </a:r>
+            <a:r>
+              <a:rPr b="0" lang="en-US" sz="4400" spc="-1" strike="noStrike">
+                <a:latin typeface="Arial"/>
+              </a:rPr>
+              <a:t>to </a:t>
+            </a:r>
+            <a:r>
+              <a:rPr b="0" lang="en-US" sz="4400" spc="-1" strike="noStrike">
+                <a:latin typeface="Arial"/>
+              </a:rPr>
+              <a:t>ed</a:t>
+            </a:r>
+            <a:r>
+              <a:rPr b="0" lang="en-US" sz="4400" spc="-1" strike="noStrike">
+                <a:latin typeface="Arial"/>
+              </a:rPr>
+              <a:t>it </a:t>
+            </a:r>
+            <a:r>
+              <a:rPr b="0" lang="en-US" sz="4400" spc="-1" strike="noStrike">
+                <a:latin typeface="Arial"/>
+              </a:rPr>
+              <a:t>th</a:t>
+            </a:r>
+            <a:r>
+              <a:rPr b="0" lang="en-US" sz="4400" spc="-1" strike="noStrike">
+                <a:latin typeface="Arial"/>
+              </a:rPr>
+              <a:t>e </a:t>
+            </a:r>
+            <a:r>
+              <a:rPr b="0" lang="en-US" sz="4400" spc="-1" strike="noStrike">
+                <a:latin typeface="Arial"/>
+              </a:rPr>
+              <a:t>titl</a:t>
+            </a:r>
+            <a:r>
+              <a:rPr b="0" lang="en-US" sz="4400" spc="-1" strike="noStrike">
+                <a:latin typeface="Arial"/>
+              </a:rPr>
+              <a:t>e </a:t>
+            </a:r>
+            <a:r>
+              <a:rPr b="0" lang="en-US" sz="4400" spc="-1" strike="noStrike">
+                <a:latin typeface="Arial"/>
+              </a:rPr>
+              <a:t>te</a:t>
+            </a:r>
+            <a:r>
+              <a:rPr b="0" lang="en-US" sz="4400" spc="-1" strike="noStrike">
+                <a:latin typeface="Arial"/>
+              </a:rPr>
+              <a:t>xt </a:t>
+            </a:r>
+            <a:r>
+              <a:rPr b="0" lang="en-US" sz="4400" spc="-1" strike="noStrike">
+                <a:latin typeface="Arial"/>
+              </a:rPr>
+              <a:t>fo</a:t>
+            </a:r>
+            <a:r>
+              <a:rPr b="0" lang="en-US" sz="4400" spc="-1" strike="noStrike">
+                <a:latin typeface="Arial"/>
+              </a:rPr>
+              <a:t>r</a:t>
+            </a:r>
+            <a:r>
+              <a:rPr b="0" lang="en-US" sz="4400" spc="-1" strike="noStrike">
+                <a:latin typeface="Arial"/>
+              </a:rPr>
+              <a:t>m</a:t>
+            </a:r>
+            <a:r>
+              <a:rPr b="0" lang="en-US" sz="4400" spc="-1" strike="noStrike">
+                <a:latin typeface="Arial"/>
+              </a:rPr>
+              <a:t>at</a:t>
             </a:r>
             <a:endParaRPr b="0" lang="en-US" sz="4400" spc="-1" strike="noStrike">
               <a:latin typeface="Arial"/>
@@ -4285,6 +5714,41 @@
             </a:r>
             <a:endParaRPr b="0" lang="en-US" sz="2000" spc="-1" strike="noStrike">
               <a:latin typeface="Arial"/>
+            </a:endParaRPr>
+          </a:p>
+        </p:txBody>
+      </p:sp>
+      <p:sp>
+        <p:nvSpPr>
+          <p:cNvPr id="3" name="PlaceHolder 4"/>
+          <p:cNvSpPr>
+            <a:spLocks noGrp="1"/>
+          </p:cNvSpPr>
+          <p:nvPr>
+            <p:ph type="sldNum"/>
+          </p:nvPr>
+        </p:nvSpPr>
+        <p:spPr>
+          <a:xfrm>
+            <a:off x="7227720" y="5166000"/>
+            <a:ext cx="2348280" cy="390600"/>
+          </a:xfrm>
+          <a:prstGeom prst="rect">
+            <a:avLst/>
+          </a:prstGeom>
+        </p:spPr>
+        <p:txBody>
+          <a:bodyPr lIns="0" rIns="0" tIns="0" bIns="0"/>
+          <a:p>
+            <a:pPr algn="r"/>
+            <a:fld id="{2F2019D0-4B21-436E-A43B-17A29531D587}" type="slidenum">
+              <a:rPr b="0" lang="en-US" sz="1400" spc="-1" strike="noStrike">
+                <a:latin typeface="Times New Roman"/>
+              </a:rPr>
+              <a:t>&lt;number&gt;</a:t>
+            </a:fld>
+            <a:endParaRPr b="0" lang="en-US" sz="1400" spc="-1" strike="noStrike">
+              <a:latin typeface="Times New Roman"/>
             </a:endParaRPr>
           </a:p>
         </p:txBody>
@@ -4335,14 +5799,14 @@
       </p:grpSpPr>
       <p:sp>
         <p:nvSpPr>
-          <p:cNvPr id="39" name="CustomShape 1"/>
+          <p:cNvPr id="40" name="CustomShape 1"/>
           <p:cNvSpPr/>
           <p:nvPr/>
         </p:nvSpPr>
         <p:spPr>
           <a:xfrm>
             <a:off x="360" y="135000"/>
-            <a:ext cx="9716760" cy="942840"/>
+            <a:ext cx="9716400" cy="942480"/>
           </a:xfrm>
           <a:prstGeom prst="rect">
             <a:avLst/>
@@ -4363,14 +5827,14 @@
       </p:sp>
       <p:sp>
         <p:nvSpPr>
-          <p:cNvPr id="40" name="CustomShape 2"/>
+          <p:cNvPr id="41" name="CustomShape 2"/>
           <p:cNvSpPr/>
           <p:nvPr/>
         </p:nvSpPr>
         <p:spPr>
           <a:xfrm>
             <a:off x="7559280" y="5130000"/>
-            <a:ext cx="2517480" cy="402840"/>
+            <a:ext cx="2517120" cy="402480"/>
           </a:xfrm>
           <a:prstGeom prst="rect">
             <a:avLst/>
@@ -4391,14 +5855,14 @@
       </p:sp>
       <p:sp>
         <p:nvSpPr>
-          <p:cNvPr id="41" name="CustomShape 3"/>
+          <p:cNvPr id="42" name="CustomShape 3"/>
           <p:cNvSpPr/>
           <p:nvPr/>
         </p:nvSpPr>
         <p:spPr>
           <a:xfrm>
             <a:off x="899640" y="5130000"/>
-            <a:ext cx="6477120" cy="402840"/>
+            <a:ext cx="6476760" cy="402480"/>
           </a:xfrm>
           <a:prstGeom prst="rect">
             <a:avLst/>
@@ -4419,14 +5883,14 @@
       </p:sp>
       <p:sp>
         <p:nvSpPr>
-          <p:cNvPr id="42" name="CustomShape 4"/>
+          <p:cNvPr id="43" name="CustomShape 4"/>
           <p:cNvSpPr/>
           <p:nvPr/>
         </p:nvSpPr>
         <p:spPr>
           <a:xfrm>
             <a:off x="179640" y="5130000"/>
-            <a:ext cx="537480" cy="402840"/>
+            <a:ext cx="537120" cy="402480"/>
           </a:xfrm>
           <a:prstGeom prst="rect">
             <a:avLst/>
@@ -4445,7 +5909,7 @@
       </p:sp>
       <p:sp>
         <p:nvSpPr>
-          <p:cNvPr id="43" name="PlaceHolder 5"/>
+          <p:cNvPr id="44" name="PlaceHolder 5"/>
           <p:cNvSpPr>
             <a:spLocks noGrp="1"/>
           </p:cNvSpPr>
@@ -4480,7 +5944,7 @@
       </p:sp>
       <p:sp>
         <p:nvSpPr>
-          <p:cNvPr id="44" name="PlaceHolder 6"/>
+          <p:cNvPr id="45" name="PlaceHolder 6"/>
           <p:cNvSpPr>
             <a:spLocks noGrp="1"/>
           </p:cNvSpPr>
@@ -4653,6 +6117,41 @@
             </a:r>
             <a:endParaRPr b="0" lang="en-US" sz="2000" spc="-1" strike="noStrike">
               <a:latin typeface="Arial"/>
+            </a:endParaRPr>
+          </a:p>
+        </p:txBody>
+      </p:sp>
+      <p:sp>
+        <p:nvSpPr>
+          <p:cNvPr id="46" name="PlaceHolder 7"/>
+          <p:cNvSpPr>
+            <a:spLocks noGrp="1"/>
+          </p:cNvSpPr>
+          <p:nvPr>
+            <p:ph type="sldNum"/>
+          </p:nvPr>
+        </p:nvSpPr>
+        <p:spPr>
+          <a:xfrm>
+            <a:off x="7227720" y="5166000"/>
+            <a:ext cx="2348280" cy="390600"/>
+          </a:xfrm>
+          <a:prstGeom prst="rect">
+            <a:avLst/>
+          </a:prstGeom>
+        </p:spPr>
+        <p:txBody>
+          <a:bodyPr lIns="0" rIns="0" tIns="0" bIns="0"/>
+          <a:p>
+            <a:pPr algn="r"/>
+            <a:fld id="{546B46AF-6C83-4C80-8686-142B90802F25}" type="slidenum">
+              <a:rPr b="0" lang="en-US" sz="1400" spc="-1" strike="noStrike">
+                <a:latin typeface="Times New Roman"/>
+              </a:rPr>
+              <a:t>&lt;number&gt;</a:t>
+            </a:fld>
+            <a:endParaRPr b="0" lang="en-US" sz="1400" spc="-1" strike="noStrike">
+              <a:latin typeface="Times New Roman"/>
             </a:endParaRPr>
           </a:p>
         </p:txBody>
@@ -4703,14 +6202,14 @@
       </p:grpSpPr>
       <p:sp>
         <p:nvSpPr>
-          <p:cNvPr id="81" name="CustomShape 1"/>
+          <p:cNvPr id="83" name="CustomShape 1"/>
           <p:cNvSpPr/>
           <p:nvPr/>
         </p:nvSpPr>
         <p:spPr>
           <a:xfrm>
             <a:off x="360" y="135000"/>
-            <a:ext cx="9717480" cy="943560"/>
+            <a:ext cx="9717120" cy="943200"/>
           </a:xfrm>
           <a:prstGeom prst="rect">
             <a:avLst/>
@@ -4731,14 +6230,14 @@
       </p:sp>
       <p:sp>
         <p:nvSpPr>
-          <p:cNvPr id="82" name="CustomShape 2"/>
+          <p:cNvPr id="84" name="CustomShape 2"/>
           <p:cNvSpPr/>
           <p:nvPr/>
         </p:nvSpPr>
         <p:spPr>
           <a:xfrm>
             <a:off x="7559280" y="5130000"/>
-            <a:ext cx="2518200" cy="403560"/>
+            <a:ext cx="2517840" cy="403200"/>
           </a:xfrm>
           <a:prstGeom prst="rect">
             <a:avLst/>
@@ -4759,14 +6258,14 @@
       </p:sp>
       <p:sp>
         <p:nvSpPr>
-          <p:cNvPr id="83" name="CustomShape 3"/>
+          <p:cNvPr id="85" name="CustomShape 3"/>
           <p:cNvSpPr/>
           <p:nvPr/>
         </p:nvSpPr>
         <p:spPr>
           <a:xfrm>
             <a:off x="899640" y="5130000"/>
-            <a:ext cx="6477840" cy="403560"/>
+            <a:ext cx="6477480" cy="403200"/>
           </a:xfrm>
           <a:prstGeom prst="rect">
             <a:avLst/>
@@ -4787,14 +6286,14 @@
       </p:sp>
       <p:sp>
         <p:nvSpPr>
-          <p:cNvPr id="84" name="CustomShape 4"/>
+          <p:cNvPr id="86" name="CustomShape 4"/>
           <p:cNvSpPr/>
           <p:nvPr/>
         </p:nvSpPr>
         <p:spPr>
           <a:xfrm>
             <a:off x="179640" y="5130000"/>
-            <a:ext cx="538200" cy="403560"/>
+            <a:ext cx="537840" cy="403200"/>
           </a:xfrm>
           <a:prstGeom prst="rect">
             <a:avLst/>
@@ -4813,7 +6312,7 @@
       </p:sp>
       <p:sp>
         <p:nvSpPr>
-          <p:cNvPr id="85" name="PlaceHolder 5"/>
+          <p:cNvPr id="87" name="PlaceHolder 5"/>
           <p:cNvSpPr>
             <a:spLocks noGrp="1"/>
           </p:cNvSpPr>
@@ -4838,7 +6337,97 @@
               <a:rPr b="0" lang="en-US" sz="4400" spc="-1" strike="noStrike">
                 <a:latin typeface="Arial"/>
               </a:rPr>
-              <a:t>Click to edit the title text format</a:t>
+              <a:t>Cl</a:t>
+            </a:r>
+            <a:r>
+              <a:rPr b="0" lang="en-US" sz="4400" spc="-1" strike="noStrike">
+                <a:latin typeface="Arial"/>
+              </a:rPr>
+              <a:t>ic</a:t>
+            </a:r>
+            <a:r>
+              <a:rPr b="0" lang="en-US" sz="4400" spc="-1" strike="noStrike">
+                <a:latin typeface="Arial"/>
+              </a:rPr>
+              <a:t>k </a:t>
+            </a:r>
+            <a:r>
+              <a:rPr b="0" lang="en-US" sz="4400" spc="-1" strike="noStrike">
+                <a:latin typeface="Arial"/>
+              </a:rPr>
+              <a:t>to </a:t>
+            </a:r>
+            <a:r>
+              <a:rPr b="0" lang="en-US" sz="4400" spc="-1" strike="noStrike">
+                <a:latin typeface="Arial"/>
+              </a:rPr>
+              <a:t>ed</a:t>
+            </a:r>
+            <a:r>
+              <a:rPr b="0" lang="en-US" sz="4400" spc="-1" strike="noStrike">
+                <a:latin typeface="Arial"/>
+              </a:rPr>
+              <a:t>it </a:t>
+            </a:r>
+            <a:r>
+              <a:rPr b="0" lang="en-US" sz="4400" spc="-1" strike="noStrike">
+                <a:latin typeface="Arial"/>
+              </a:rPr>
+              <a:t>th</a:t>
+            </a:r>
+            <a:r>
+              <a:rPr b="0" lang="en-US" sz="4400" spc="-1" strike="noStrike">
+                <a:latin typeface="Arial"/>
+              </a:rPr>
+              <a:t>e </a:t>
+            </a:r>
+            <a:r>
+              <a:rPr b="0" lang="en-US" sz="4400" spc="-1" strike="noStrike">
+                <a:latin typeface="Arial"/>
+              </a:rPr>
+              <a:t>titl</a:t>
+            </a:r>
+            <a:r>
+              <a:rPr b="0" lang="en-US" sz="4400" spc="-1" strike="noStrike">
+                <a:latin typeface="Arial"/>
+              </a:rPr>
+              <a:t>e </a:t>
+            </a:r>
+            <a:r>
+              <a:rPr b="0" lang="en-US" sz="4400" spc="-1" strike="noStrike">
+                <a:latin typeface="Arial"/>
+              </a:rPr>
+              <a:t>te</a:t>
+            </a:r>
+            <a:r>
+              <a:rPr b="0" lang="en-US" sz="4400" spc="-1" strike="noStrike">
+                <a:latin typeface="Arial"/>
+              </a:rPr>
+              <a:t>xt </a:t>
+            </a:r>
+            <a:r>
+              <a:rPr b="0" lang="en-US" sz="4400" spc="-1" strike="noStrike">
+                <a:latin typeface="Arial"/>
+              </a:rPr>
+              <a:t>fo</a:t>
+            </a:r>
+            <a:r>
+              <a:rPr b="0" lang="en-US" sz="4400" spc="-1" strike="noStrike">
+                <a:latin typeface="Arial"/>
+              </a:rPr>
+              <a:t>r</a:t>
+            </a:r>
+            <a:r>
+              <a:rPr b="0" lang="en-US" sz="4400" spc="-1" strike="noStrike">
+                <a:latin typeface="Arial"/>
+              </a:rPr>
+              <a:t>m</a:t>
+            </a:r>
+            <a:r>
+              <a:rPr b="0" lang="en-US" sz="4400" spc="-1" strike="noStrike">
+                <a:latin typeface="Arial"/>
+              </a:rPr>
+              <a:t>at</a:t>
             </a:r>
             <a:endParaRPr b="0" lang="en-US" sz="4400" spc="-1" strike="noStrike">
               <a:latin typeface="Arial"/>
@@ -4848,7 +6437,7 @@
       </p:sp>
       <p:sp>
         <p:nvSpPr>
-          <p:cNvPr id="86" name="PlaceHolder 6"/>
+          <p:cNvPr id="88" name="PlaceHolder 6"/>
           <p:cNvSpPr>
             <a:spLocks noGrp="1"/>
           </p:cNvSpPr>
@@ -5021,6 +6610,41 @@
             </a:r>
             <a:endParaRPr b="0" lang="en-US" sz="2000" spc="-1" strike="noStrike">
               <a:latin typeface="Arial"/>
+            </a:endParaRPr>
+          </a:p>
+        </p:txBody>
+      </p:sp>
+      <p:sp>
+        <p:nvSpPr>
+          <p:cNvPr id="89" name="PlaceHolder 7"/>
+          <p:cNvSpPr>
+            <a:spLocks noGrp="1"/>
+          </p:cNvSpPr>
+          <p:nvPr>
+            <p:ph type="sldNum"/>
+          </p:nvPr>
+        </p:nvSpPr>
+        <p:spPr>
+          <a:xfrm>
+            <a:off x="7227720" y="5166000"/>
+            <a:ext cx="2348280" cy="390600"/>
+          </a:xfrm>
+          <a:prstGeom prst="rect">
+            <a:avLst/>
+          </a:prstGeom>
+        </p:spPr>
+        <p:txBody>
+          <a:bodyPr lIns="0" rIns="0" tIns="0" bIns="0"/>
+          <a:p>
+            <a:pPr algn="r"/>
+            <a:fld id="{D4C0EA05-8B5C-46C7-9E89-7BFC4627F2B0}" type="slidenum">
+              <a:rPr b="0" lang="en-US" sz="1400" spc="-1" strike="noStrike">
+                <a:latin typeface="Times New Roman"/>
+              </a:rPr>
+              <a:t>&lt;number&gt;</a:t>
+            </a:fld>
+            <a:endParaRPr b="0" lang="en-US" sz="1400" spc="-1" strike="noStrike">
+              <a:latin typeface="Times New Roman"/>
             </a:endParaRPr>
           </a:p>
         </p:txBody>
@@ -5041,6 +6665,456 @@
     <p:sldLayoutId id="2147483684" r:id="rId11"/>
     <p:sldLayoutId id="2147483685" r:id="rId12"/>
     <p:sldLayoutId id="2147483686" r:id="rId13"/>
+  </p:sldLayoutIdLst>
+</p:sldMaster>
+</file>
+
+<file path=ppt/slideMasters/slideMaster4.xml><?xml version="1.0" encoding="utf-8"?>
+<p:sldMaster xmlns:a="http://schemas.openxmlformats.org/drawingml/2006/main" xmlns:p="http://schemas.openxmlformats.org/presentationml/2006/main" xmlns:r="http://schemas.openxmlformats.org/officeDocument/2006/relationships" xmlns:p14="http://schemas.microsoft.com/office/powerpoint/2010/main" xmlns:p15="http://schemas.microsoft.com/office/powerpoint/2012/main" xmlns:mc="http://schemas.openxmlformats.org/markup-compatibility/2006">
+  <p:cSld>
+    <p:bg>
+      <p:bgPr>
+        <a:solidFill>
+          <a:srgbClr val="ffffff"/>
+        </a:solidFill>
+      </p:bgPr>
+    </p:bg>
+    <p:spTree>
+      <p:nvGrpSpPr>
+        <p:cNvPr id="1" name=""/>
+        <p:cNvGrpSpPr/>
+        <p:nvPr/>
+      </p:nvGrpSpPr>
+      <p:grpSpPr>
+        <a:xfrm>
+          <a:off x="0" y="0"/>
+          <a:ext cx="0" cy="0"/>
+          <a:chOff x="0" y="0"/>
+          <a:chExt cx="0" cy="0"/>
+        </a:xfrm>
+      </p:grpSpPr>
+      <p:sp>
+        <p:nvSpPr>
+          <p:cNvPr id="126" name="CustomShape 1"/>
+          <p:cNvSpPr/>
+          <p:nvPr/>
+        </p:nvSpPr>
+        <p:spPr>
+          <a:xfrm>
+            <a:off x="360" y="135000"/>
+            <a:ext cx="9716760" cy="942840"/>
+          </a:xfrm>
+          <a:prstGeom prst="rect">
+            <a:avLst/>
+          </a:prstGeom>
+          <a:solidFill>
+            <a:srgbClr val="e74c3c"/>
+          </a:solidFill>
+          <a:ln w="72000">
+            <a:noFill/>
+          </a:ln>
+        </p:spPr>
+        <p:style>
+          <a:lnRef idx="0"/>
+          <a:fillRef idx="0"/>
+          <a:effectRef idx="0"/>
+          <a:fontRef idx="minor"/>
+        </p:style>
+      </p:sp>
+      <p:sp>
+        <p:nvSpPr>
+          <p:cNvPr id="127" name="CustomShape 2"/>
+          <p:cNvSpPr/>
+          <p:nvPr/>
+        </p:nvSpPr>
+        <p:spPr>
+          <a:xfrm>
+            <a:off x="7559280" y="5130000"/>
+            <a:ext cx="2517480" cy="402840"/>
+          </a:xfrm>
+          <a:prstGeom prst="rect">
+            <a:avLst/>
+          </a:prstGeom>
+          <a:solidFill>
+            <a:srgbClr val="e74c3c"/>
+          </a:solidFill>
+          <a:ln w="72000">
+            <a:noFill/>
+          </a:ln>
+        </p:spPr>
+        <p:style>
+          <a:lnRef idx="0"/>
+          <a:fillRef idx="0"/>
+          <a:effectRef idx="0"/>
+          <a:fontRef idx="minor"/>
+        </p:style>
+      </p:sp>
+      <p:sp>
+        <p:nvSpPr>
+          <p:cNvPr id="128" name="CustomShape 3"/>
+          <p:cNvSpPr/>
+          <p:nvPr/>
+        </p:nvSpPr>
+        <p:spPr>
+          <a:xfrm>
+            <a:off x="899640" y="5130000"/>
+            <a:ext cx="6477120" cy="402840"/>
+          </a:xfrm>
+          <a:prstGeom prst="rect">
+            <a:avLst/>
+          </a:prstGeom>
+          <a:solidFill>
+            <a:srgbClr val="bdc3c7"/>
+          </a:solidFill>
+          <a:ln w="72000">
+            <a:noFill/>
+          </a:ln>
+        </p:spPr>
+        <p:style>
+          <a:lnRef idx="0"/>
+          <a:fillRef idx="0"/>
+          <a:effectRef idx="0"/>
+          <a:fontRef idx="minor"/>
+        </p:style>
+      </p:sp>
+      <p:sp>
+        <p:nvSpPr>
+          <p:cNvPr id="129" name="CustomShape 4"/>
+          <p:cNvSpPr/>
+          <p:nvPr/>
+        </p:nvSpPr>
+        <p:spPr>
+          <a:xfrm>
+            <a:off x="179640" y="5130000"/>
+            <a:ext cx="537480" cy="402840"/>
+          </a:xfrm>
+          <a:prstGeom prst="rect">
+            <a:avLst/>
+          </a:prstGeom>
+          <a:noFill/>
+          <a:ln w="72000">
+            <a:noFill/>
+          </a:ln>
+        </p:spPr>
+        <p:style>
+          <a:lnRef idx="0"/>
+          <a:fillRef idx="0"/>
+          <a:effectRef idx="0"/>
+          <a:fontRef idx="minor"/>
+        </p:style>
+      </p:sp>
+      <p:sp>
+        <p:nvSpPr>
+          <p:cNvPr id="130" name="PlaceHolder 5"/>
+          <p:cNvSpPr>
+            <a:spLocks noGrp="1"/>
+          </p:cNvSpPr>
+          <p:nvPr>
+            <p:ph type="title"/>
+          </p:nvPr>
+        </p:nvSpPr>
+        <p:spPr>
+          <a:xfrm>
+            <a:off x="504000" y="226080"/>
+            <a:ext cx="9072000" cy="946440"/>
+          </a:xfrm>
+          <a:prstGeom prst="rect">
+            <a:avLst/>
+          </a:prstGeom>
+        </p:spPr>
+        <p:txBody>
+          <a:bodyPr lIns="0" rIns="0" tIns="0" bIns="0" anchor="ctr"/>
+          <a:p>
+            <a:r>
+              <a:rPr b="0" lang="fr-FR" sz="1800" spc="-1" strike="noStrike">
+                <a:solidFill>
+                  <a:srgbClr val="000000"/>
+                </a:solidFill>
+                <a:latin typeface="Arial"/>
+              </a:rPr>
+              <a:t>Click to edit the title text format</a:t>
+            </a:r>
+            <a:endParaRPr b="0" lang="fr-FR" sz="1800" spc="-1" strike="noStrike">
+              <a:solidFill>
+                <a:srgbClr val="000000"/>
+              </a:solidFill>
+              <a:latin typeface="Arial"/>
+            </a:endParaRPr>
+          </a:p>
+        </p:txBody>
+      </p:sp>
+      <p:sp>
+        <p:nvSpPr>
+          <p:cNvPr id="131" name="PlaceHolder 6"/>
+          <p:cNvSpPr>
+            <a:spLocks noGrp="1"/>
+          </p:cNvSpPr>
+          <p:nvPr>
+            <p:ph type="body"/>
+          </p:nvPr>
+        </p:nvSpPr>
+        <p:spPr>
+          <a:xfrm>
+            <a:off x="504000" y="1326600"/>
+            <a:ext cx="9072000" cy="3288600"/>
+          </a:xfrm>
+          <a:prstGeom prst="rect">
+            <a:avLst/>
+          </a:prstGeom>
+        </p:spPr>
+        <p:txBody>
+          <a:bodyPr lIns="0" rIns="0" tIns="0" bIns="0">
+            <a:normAutofit/>
+          </a:bodyPr>
+          <a:p>
+            <a:pPr marL="432000" indent="-324000">
+              <a:spcBef>
+                <a:spcPts val="1417"/>
+              </a:spcBef>
+              <a:buClr>
+                <a:srgbClr val="000000"/>
+              </a:buClr>
+              <a:buSzPct val="45000"/>
+              <a:buFont typeface="Wingdings" charset="2"/>
+              <a:buChar char=""/>
+            </a:pPr>
+            <a:r>
+              <a:rPr b="0" lang="fr-FR" sz="2800" spc="-1" strike="noStrike">
+                <a:solidFill>
+                  <a:srgbClr val="000000"/>
+                </a:solidFill>
+                <a:latin typeface="Arial"/>
+              </a:rPr>
+              <a:t>Click to edit the outline text format</a:t>
+            </a:r>
+            <a:endParaRPr b="0" lang="fr-FR" sz="2800" spc="-1" strike="noStrike">
+              <a:solidFill>
+                <a:srgbClr val="000000"/>
+              </a:solidFill>
+              <a:latin typeface="Arial"/>
+            </a:endParaRPr>
+          </a:p>
+          <a:p>
+            <a:pPr lvl="1" marL="864000" indent="-324000">
+              <a:spcBef>
+                <a:spcPts val="1134"/>
+              </a:spcBef>
+              <a:buClr>
+                <a:srgbClr val="000000"/>
+              </a:buClr>
+              <a:buSzPct val="75000"/>
+              <a:buFont typeface="Symbol" charset="2"/>
+              <a:buChar char=""/>
+            </a:pPr>
+            <a:r>
+              <a:rPr b="0" lang="fr-FR" sz="2000" spc="-1" strike="noStrike">
+                <a:solidFill>
+                  <a:srgbClr val="000000"/>
+                </a:solidFill>
+                <a:latin typeface="Arial"/>
+              </a:rPr>
+              <a:t>Second Outline Level</a:t>
+            </a:r>
+            <a:endParaRPr b="0" lang="fr-FR" sz="2000" spc="-1" strike="noStrike">
+              <a:solidFill>
+                <a:srgbClr val="000000"/>
+              </a:solidFill>
+              <a:latin typeface="Arial"/>
+            </a:endParaRPr>
+          </a:p>
+          <a:p>
+            <a:pPr lvl="2" marL="1296000" indent="-288000">
+              <a:spcBef>
+                <a:spcPts val="850"/>
+              </a:spcBef>
+              <a:buClr>
+                <a:srgbClr val="000000"/>
+              </a:buClr>
+              <a:buSzPct val="45000"/>
+              <a:buFont typeface="Wingdings" charset="2"/>
+              <a:buChar char=""/>
+            </a:pPr>
+            <a:r>
+              <a:rPr b="0" lang="fr-FR" sz="1800" spc="-1" strike="noStrike">
+                <a:solidFill>
+                  <a:srgbClr val="000000"/>
+                </a:solidFill>
+                <a:latin typeface="Arial"/>
+              </a:rPr>
+              <a:t>Third Outline Level</a:t>
+            </a:r>
+            <a:endParaRPr b="0" lang="fr-FR" sz="1800" spc="-1" strike="noStrike">
+              <a:solidFill>
+                <a:srgbClr val="000000"/>
+              </a:solidFill>
+              <a:latin typeface="Arial"/>
+            </a:endParaRPr>
+          </a:p>
+          <a:p>
+            <a:pPr lvl="3" marL="1728000" indent="-216000">
+              <a:spcBef>
+                <a:spcPts val="567"/>
+              </a:spcBef>
+              <a:buClr>
+                <a:srgbClr val="000000"/>
+              </a:buClr>
+              <a:buSzPct val="75000"/>
+              <a:buFont typeface="Symbol" charset="2"/>
+              <a:buChar char=""/>
+            </a:pPr>
+            <a:r>
+              <a:rPr b="0" lang="fr-FR" sz="1800" spc="-1" strike="noStrike">
+                <a:solidFill>
+                  <a:srgbClr val="000000"/>
+                </a:solidFill>
+                <a:latin typeface="Arial"/>
+              </a:rPr>
+              <a:t>Fourth Outline Level</a:t>
+            </a:r>
+            <a:endParaRPr b="0" lang="fr-FR" sz="1800" spc="-1" strike="noStrike">
+              <a:solidFill>
+                <a:srgbClr val="000000"/>
+              </a:solidFill>
+              <a:latin typeface="Arial"/>
+            </a:endParaRPr>
+          </a:p>
+          <a:p>
+            <a:pPr lvl="4" marL="2160000" indent="-216000">
+              <a:spcBef>
+                <a:spcPts val="283"/>
+              </a:spcBef>
+              <a:buClr>
+                <a:srgbClr val="000000"/>
+              </a:buClr>
+              <a:buSzPct val="45000"/>
+              <a:buFont typeface="Wingdings" charset="2"/>
+              <a:buChar char=""/>
+            </a:pPr>
+            <a:r>
+              <a:rPr b="0" lang="fr-FR" sz="2000" spc="-1" strike="noStrike">
+                <a:solidFill>
+                  <a:srgbClr val="000000"/>
+                </a:solidFill>
+                <a:latin typeface="Arial"/>
+              </a:rPr>
+              <a:t>Fifth Outline Level</a:t>
+            </a:r>
+            <a:endParaRPr b="0" lang="fr-FR" sz="2000" spc="-1" strike="noStrike">
+              <a:solidFill>
+                <a:srgbClr val="000000"/>
+              </a:solidFill>
+              <a:latin typeface="Arial"/>
+            </a:endParaRPr>
+          </a:p>
+          <a:p>
+            <a:pPr lvl="5" marL="2592000" indent="-216000">
+              <a:spcBef>
+                <a:spcPts val="283"/>
+              </a:spcBef>
+              <a:buClr>
+                <a:srgbClr val="000000"/>
+              </a:buClr>
+              <a:buSzPct val="45000"/>
+              <a:buFont typeface="Wingdings" charset="2"/>
+              <a:buChar char=""/>
+            </a:pPr>
+            <a:r>
+              <a:rPr b="0" lang="fr-FR" sz="2000" spc="-1" strike="noStrike">
+                <a:solidFill>
+                  <a:srgbClr val="000000"/>
+                </a:solidFill>
+                <a:latin typeface="Arial"/>
+              </a:rPr>
+              <a:t>Sixth Outline Level</a:t>
+            </a:r>
+            <a:endParaRPr b="0" lang="fr-FR" sz="2000" spc="-1" strike="noStrike">
+              <a:solidFill>
+                <a:srgbClr val="000000"/>
+              </a:solidFill>
+              <a:latin typeface="Arial"/>
+            </a:endParaRPr>
+          </a:p>
+          <a:p>
+            <a:pPr lvl="6" marL="3024000" indent="-216000">
+              <a:spcBef>
+                <a:spcPts val="283"/>
+              </a:spcBef>
+              <a:buClr>
+                <a:srgbClr val="000000"/>
+              </a:buClr>
+              <a:buSzPct val="45000"/>
+              <a:buFont typeface="Wingdings" charset="2"/>
+              <a:buChar char=""/>
+            </a:pPr>
+            <a:r>
+              <a:rPr b="0" lang="fr-FR" sz="2000" spc="-1" strike="noStrike">
+                <a:solidFill>
+                  <a:srgbClr val="000000"/>
+                </a:solidFill>
+                <a:latin typeface="Arial"/>
+              </a:rPr>
+              <a:t>Seventh Outline Level</a:t>
+            </a:r>
+            <a:endParaRPr b="0" lang="fr-FR" sz="2000" spc="-1" strike="noStrike">
+              <a:solidFill>
+                <a:srgbClr val="000000"/>
+              </a:solidFill>
+              <a:latin typeface="Arial"/>
+            </a:endParaRPr>
+          </a:p>
+        </p:txBody>
+      </p:sp>
+      <p:sp>
+        <p:nvSpPr>
+          <p:cNvPr id="132" name="PlaceHolder 7"/>
+          <p:cNvSpPr>
+            <a:spLocks noGrp="1"/>
+          </p:cNvSpPr>
+          <p:nvPr>
+            <p:ph type="sldNum"/>
+          </p:nvPr>
+        </p:nvSpPr>
+        <p:spPr>
+          <a:xfrm>
+            <a:off x="7227720" y="5166000"/>
+            <a:ext cx="2348280" cy="390600"/>
+          </a:xfrm>
+          <a:prstGeom prst="rect">
+            <a:avLst/>
+          </a:prstGeom>
+        </p:spPr>
+        <p:txBody>
+          <a:bodyPr lIns="0" rIns="0" tIns="0" bIns="0"/>
+          <a:p>
+            <a:pPr algn="r"/>
+            <a:fld id="{1A2858BC-7AC8-4760-B746-EAA43197E518}" type="slidenum">
+              <a:rPr b="0" lang="en-US" sz="1400" spc="-1" strike="noStrike">
+                <a:latin typeface="Times New Roman"/>
+              </a:rPr>
+              <a:t>&lt;number&gt;</a:t>
+            </a:fld>
+            <a:endParaRPr b="0" lang="en-US" sz="1400" spc="-1" strike="noStrike">
+              <a:latin typeface="Times New Roman"/>
+            </a:endParaRPr>
+          </a:p>
+        </p:txBody>
+      </p:sp>
+    </p:spTree>
+  </p:cSld>
+  <p:clrMap bg1="lt1" bg2="lt2" tx1="dk1" tx2="dk2" accent1="accent1" accent2="accent2" accent3="accent3" accent4="accent4" accent5="accent5" accent6="accent6" hlink="hlink" folHlink="folHlink"/>
+  <p:sldLayoutIdLst>
+    <p:sldLayoutId id="2147483688" r:id="rId2"/>
+    <p:sldLayoutId id="2147483689" r:id="rId3"/>
+    <p:sldLayoutId id="2147483690" r:id="rId4"/>
+    <p:sldLayoutId id="2147483691" r:id="rId5"/>
+    <p:sldLayoutId id="2147483692" r:id="rId6"/>
+    <p:sldLayoutId id="2147483693" r:id="rId7"/>
+    <p:sldLayoutId id="2147483694" r:id="rId8"/>
+    <p:sldLayoutId id="2147483695" r:id="rId9"/>
+    <p:sldLayoutId id="2147483696" r:id="rId10"/>
+    <p:sldLayoutId id="2147483697" r:id="rId11"/>
+    <p:sldLayoutId id="2147483698" r:id="rId12"/>
+    <p:sldLayoutId id="2147483699" r:id="rId13"/>
   </p:sldLayoutIdLst>
 </p:sldMaster>
 </file>
@@ -5071,14 +7145,14 @@
       </p:grpSpPr>
       <p:sp>
         <p:nvSpPr>
-          <p:cNvPr id="123" name="CustomShape 1"/>
+          <p:cNvPr id="169" name="CustomShape 1"/>
           <p:cNvSpPr/>
           <p:nvPr/>
         </p:nvSpPr>
         <p:spPr>
           <a:xfrm>
             <a:off x="359640" y="2497680"/>
-            <a:ext cx="9356760" cy="672840"/>
+            <a:ext cx="9356400" cy="672480"/>
           </a:xfrm>
           <a:prstGeom prst="rect">
             <a:avLst/>
@@ -5097,14 +7171,14 @@
       </p:sp>
       <p:sp>
         <p:nvSpPr>
-          <p:cNvPr id="124" name="CustomShape 2"/>
+          <p:cNvPr id="170" name="CustomShape 2"/>
           <p:cNvSpPr/>
           <p:nvPr/>
         </p:nvSpPr>
         <p:spPr>
           <a:xfrm>
             <a:off x="539640" y="3537000"/>
-            <a:ext cx="3633120" cy="1347840"/>
+            <a:ext cx="3632760" cy="1347480"/>
           </a:xfrm>
           <a:prstGeom prst="rect">
             <a:avLst/>
@@ -5226,14 +7300,14 @@
       </p:sp>
       <p:sp>
         <p:nvSpPr>
-          <p:cNvPr id="125" name="CustomShape 3"/>
+          <p:cNvPr id="171" name="CustomShape 3"/>
           <p:cNvSpPr/>
           <p:nvPr/>
         </p:nvSpPr>
         <p:spPr>
           <a:xfrm>
             <a:off x="2087640" y="216000"/>
-            <a:ext cx="5901120" cy="377640"/>
+            <a:ext cx="5900760" cy="377280"/>
           </a:xfrm>
           <a:prstGeom prst="rect">
             <a:avLst/>
@@ -5275,14 +7349,14 @@
       </p:sp>
       <p:sp>
         <p:nvSpPr>
-          <p:cNvPr id="126" name="CustomShape 4"/>
+          <p:cNvPr id="172" name="CustomShape 4"/>
           <p:cNvSpPr/>
           <p:nvPr/>
         </p:nvSpPr>
         <p:spPr>
           <a:xfrm>
             <a:off x="6047280" y="3537000"/>
-            <a:ext cx="3165120" cy="637560"/>
+            <a:ext cx="3164760" cy="637200"/>
           </a:xfrm>
           <a:prstGeom prst="rect">
             <a:avLst/>
@@ -5334,14 +7408,14 @@
       </p:sp>
       <p:sp>
         <p:nvSpPr>
-          <p:cNvPr id="127" name="CustomShape 5"/>
+          <p:cNvPr id="173" name="CustomShape 5"/>
           <p:cNvSpPr/>
           <p:nvPr/>
         </p:nvSpPr>
         <p:spPr>
           <a:xfrm>
             <a:off x="881640" y="942840"/>
-            <a:ext cx="8312760" cy="836640"/>
+            <a:ext cx="8312400" cy="836280"/>
           </a:xfrm>
           <a:prstGeom prst="rect">
             <a:avLst/>
@@ -5383,14 +7457,14 @@
       </p:sp>
       <p:sp>
         <p:nvSpPr>
-          <p:cNvPr id="128" name="CustomShape 6"/>
+          <p:cNvPr id="174" name="CustomShape 6"/>
           <p:cNvSpPr/>
           <p:nvPr/>
         </p:nvSpPr>
         <p:spPr>
           <a:xfrm>
             <a:off x="182880" y="2378160"/>
-            <a:ext cx="9509040" cy="913680"/>
+            <a:ext cx="9508680" cy="913320"/>
           </a:xfrm>
           <a:prstGeom prst="rect">
             <a:avLst/>
@@ -5501,14 +7575,14 @@
       </p:grpSpPr>
       <p:sp>
         <p:nvSpPr>
-          <p:cNvPr id="168" name="CustomShape 1"/>
+          <p:cNvPr id="214" name="CustomShape 1"/>
           <p:cNvSpPr/>
           <p:nvPr/>
         </p:nvSpPr>
         <p:spPr>
           <a:xfrm>
             <a:off x="359640" y="270000"/>
-            <a:ext cx="9357480" cy="673560"/>
+            <a:ext cx="9357120" cy="673200"/>
           </a:xfrm>
           <a:prstGeom prst="rect">
             <a:avLst/>
@@ -5550,14 +7624,14 @@
       </p:sp>
       <p:sp>
         <p:nvSpPr>
-          <p:cNvPr id="169" name="CustomShape 2"/>
+          <p:cNvPr id="215" name="CustomShape 2"/>
           <p:cNvSpPr/>
           <p:nvPr/>
         </p:nvSpPr>
         <p:spPr>
           <a:xfrm>
             <a:off x="359280" y="1099800"/>
-            <a:ext cx="9177480" cy="4041720"/>
+            <a:ext cx="9177120" cy="4041360"/>
           </a:xfrm>
           <a:prstGeom prst="rect">
             <a:avLst/>
@@ -5738,7 +7812,7 @@
       </p:sp>
       <p:pic>
         <p:nvPicPr>
-          <p:cNvPr id="170" name="Image 4" descr=""/>
+          <p:cNvPr id="216" name="Image 4" descr=""/>
           <p:cNvPicPr/>
           <p:nvPr/>
         </p:nvPicPr>
@@ -5749,7 +7823,7 @@
         <p:spPr>
           <a:xfrm>
             <a:off x="273240" y="1415160"/>
-            <a:ext cx="4902840" cy="2117520"/>
+            <a:ext cx="4902480" cy="2117160"/>
           </a:xfrm>
           <a:prstGeom prst="rect">
             <a:avLst/>
@@ -5761,7 +7835,7 @@
       </p:pic>
       <p:pic>
         <p:nvPicPr>
-          <p:cNvPr id="171" name="Image 6" descr=""/>
+          <p:cNvPr id="217" name="Image 6" descr=""/>
           <p:cNvPicPr/>
           <p:nvPr/>
         </p:nvPicPr>
@@ -5772,7 +7846,7 @@
         <p:spPr>
           <a:xfrm>
             <a:off x="6084000" y="1202040"/>
-            <a:ext cx="2603880" cy="2542320"/>
+            <a:ext cx="2603520" cy="2541960"/>
           </a:xfrm>
           <a:prstGeom prst="rect">
             <a:avLst/>
@@ -5784,7 +7858,7 @@
       </p:pic>
       <p:pic>
         <p:nvPicPr>
-          <p:cNvPr id="172" name="Image 8" descr=""/>
+          <p:cNvPr id="218" name="Image 8" descr=""/>
           <p:cNvPicPr/>
           <p:nvPr/>
         </p:nvPicPr>
@@ -5795,7 +7869,7 @@
         <p:spPr>
           <a:xfrm>
             <a:off x="4995720" y="3898800"/>
-            <a:ext cx="4428000" cy="1082160"/>
+            <a:ext cx="4427640" cy="1081800"/>
           </a:xfrm>
           <a:prstGeom prst="rect">
             <a:avLst/>
@@ -5807,7 +7881,7 @@
       </p:pic>
       <p:pic>
         <p:nvPicPr>
-          <p:cNvPr id="173" name="Image 10" descr=""/>
+          <p:cNvPr id="219" name="Image 10" descr=""/>
           <p:cNvPicPr/>
           <p:nvPr/>
         </p:nvPicPr>
@@ -5818,7 +7892,7 @@
         <p:spPr>
           <a:xfrm>
             <a:off x="353880" y="3972960"/>
-            <a:ext cx="3562560" cy="1166040"/>
+            <a:ext cx="3562200" cy="1165680"/>
           </a:xfrm>
           <a:prstGeom prst="rect">
             <a:avLst/>
@@ -5879,14 +7953,14 @@
       </p:grpSpPr>
       <p:sp>
         <p:nvSpPr>
-          <p:cNvPr id="174" name="CustomShape 1"/>
+          <p:cNvPr id="220" name="CustomShape 1"/>
           <p:cNvSpPr/>
           <p:nvPr/>
         </p:nvSpPr>
         <p:spPr>
           <a:xfrm>
             <a:off x="359640" y="177120"/>
-            <a:ext cx="9357480" cy="673560"/>
+            <a:ext cx="9357120" cy="673200"/>
           </a:xfrm>
           <a:prstGeom prst="rect">
             <a:avLst/>
@@ -5928,14 +8002,14 @@
       </p:sp>
       <p:sp>
         <p:nvSpPr>
-          <p:cNvPr id="175" name="CustomShape 2"/>
+          <p:cNvPr id="221" name="CustomShape 2"/>
           <p:cNvSpPr/>
           <p:nvPr/>
         </p:nvSpPr>
         <p:spPr>
           <a:xfrm>
             <a:off x="359280" y="1099800"/>
-            <a:ext cx="9177480" cy="4041720"/>
+            <a:ext cx="9177120" cy="4041360"/>
           </a:xfrm>
           <a:prstGeom prst="rect">
             <a:avLst/>
@@ -6110,7 +8184,7 @@
       </p:sp>
       <p:pic>
         <p:nvPicPr>
-          <p:cNvPr id="176" name="Image 2" descr=""/>
+          <p:cNvPr id="222" name="Image 2" descr=""/>
           <p:cNvPicPr/>
           <p:nvPr/>
         </p:nvPicPr>
@@ -6122,7 +8196,7 @@
         <p:spPr>
           <a:xfrm>
             <a:off x="5787720" y="1217520"/>
-            <a:ext cx="3374640" cy="3176280"/>
+            <a:ext cx="3374280" cy="3175920"/>
           </a:xfrm>
           <a:prstGeom prst="rect">
             <a:avLst/>
@@ -6134,7 +8208,7 @@
       </p:pic>
       <p:pic>
         <p:nvPicPr>
-          <p:cNvPr id="177" name="Image 6" descr=""/>
+          <p:cNvPr id="223" name="Image 6" descr=""/>
           <p:cNvPicPr/>
           <p:nvPr/>
         </p:nvPicPr>
@@ -6145,7 +8219,7 @@
         <p:spPr>
           <a:xfrm>
             <a:off x="291960" y="3223080"/>
-            <a:ext cx="2658600" cy="1391760"/>
+            <a:ext cx="2658240" cy="1391400"/>
           </a:xfrm>
           <a:prstGeom prst="rect">
             <a:avLst/>
@@ -6157,7 +8231,7 @@
       </p:pic>
       <p:pic>
         <p:nvPicPr>
-          <p:cNvPr id="178" name="Image 8" descr=""/>
+          <p:cNvPr id="224" name="Image 8" descr=""/>
           <p:cNvPicPr/>
           <p:nvPr/>
         </p:nvPicPr>
@@ -6168,7 +8242,7 @@
         <p:spPr>
           <a:xfrm>
             <a:off x="3005280" y="3224520"/>
-            <a:ext cx="2025000" cy="613080"/>
+            <a:ext cx="2024640" cy="612720"/>
           </a:xfrm>
           <a:prstGeom prst="rect">
             <a:avLst/>
@@ -6180,7 +8254,7 @@
       </p:pic>
       <p:pic>
         <p:nvPicPr>
-          <p:cNvPr id="179" name="Image 10" descr=""/>
+          <p:cNvPr id="225" name="Image 10" descr=""/>
           <p:cNvPicPr/>
           <p:nvPr/>
         </p:nvPicPr>
@@ -6191,7 +8265,7 @@
         <p:spPr>
           <a:xfrm>
             <a:off x="3005280" y="3921120"/>
-            <a:ext cx="2034000" cy="783000"/>
+            <a:ext cx="2033640" cy="782640"/>
           </a:xfrm>
           <a:prstGeom prst="rect">
             <a:avLst/>
@@ -6252,14 +8326,14 @@
       </p:grpSpPr>
       <p:sp>
         <p:nvSpPr>
-          <p:cNvPr id="180" name="CustomShape 1"/>
+          <p:cNvPr id="226" name="CustomShape 1"/>
           <p:cNvSpPr/>
           <p:nvPr/>
         </p:nvSpPr>
         <p:spPr>
           <a:xfrm>
             <a:off x="359640" y="270000"/>
-            <a:ext cx="9356760" cy="672840"/>
+            <a:ext cx="9356400" cy="672480"/>
           </a:xfrm>
           <a:prstGeom prst="rect">
             <a:avLst/>
@@ -6291,7 +8365,7 @@
                 <a:latin typeface="Noto Sans Black"/>
                 <a:ea typeface="DejaVu Sans"/>
               </a:rPr>
-              <a:t>Sythèse Haut Niveau (HLS)</a:t>
+              <a:t>High – Level Synthesis</a:t>
             </a:r>
             <a:endParaRPr b="0" lang="en-US" sz="3200" spc="-1" strike="noStrike">
               <a:latin typeface="Arial"/>
@@ -6301,14 +8375,14 @@
       </p:sp>
       <p:sp>
         <p:nvSpPr>
-          <p:cNvPr id="181" name="CustomShape 2"/>
+          <p:cNvPr id="227" name="CustomShape 2"/>
           <p:cNvSpPr/>
           <p:nvPr/>
         </p:nvSpPr>
         <p:spPr>
           <a:xfrm>
-            <a:off x="359640" y="1485000"/>
-            <a:ext cx="9176760" cy="3507840"/>
+            <a:off x="359640" y="1809000"/>
+            <a:ext cx="9176400" cy="3507480"/>
           </a:xfrm>
           <a:prstGeom prst="rect">
             <a:avLst/>
@@ -6329,7 +8403,7 @@
             <a:normAutofit/>
           </a:bodyPr>
           <a:p>
-            <a:pPr marL="216000" indent="-214920">
+            <a:pPr marL="216000" indent="-214560">
               <a:lnSpc>
                 <a:spcPct val="100000"/>
               </a:lnSpc>
@@ -6360,14 +8434,14 @@
                 <a:latin typeface="Noto Sans SemiBold"/>
                 <a:ea typeface="DejaVu Sans"/>
               </a:rPr>
-              <a:t>Réanalyse des algorithmes</a:t>
+              <a:t>Reanalyse the algorithms</a:t>
             </a:r>
             <a:endParaRPr b="0" lang="en-US" sz="1800" spc="-1" strike="noStrike">
               <a:latin typeface="Arial"/>
             </a:endParaRPr>
           </a:p>
           <a:p>
-            <a:pPr marL="216000" indent="-214920">
+            <a:pPr marL="216000" indent="-214560">
               <a:lnSpc>
                 <a:spcPct val="100000"/>
               </a:lnSpc>
@@ -6398,14 +8472,14 @@
                 <a:latin typeface="Noto Sans SemiBold"/>
                 <a:ea typeface="DejaVu Sans"/>
               </a:rPr>
-              <a:t>Traduction des mécanismes logiciels</a:t>
+              <a:t>Translate software mechanisms to material ones</a:t>
             </a:r>
             <a:endParaRPr b="0" lang="en-US" sz="1800" spc="-1" strike="noStrike">
               <a:latin typeface="Arial"/>
             </a:endParaRPr>
           </a:p>
           <a:p>
-            <a:pPr marL="216000" indent="-214920">
+            <a:pPr marL="216000" indent="-214560">
               <a:lnSpc>
                 <a:spcPct val="100000"/>
               </a:lnSpc>
@@ -6436,14 +8510,14 @@
                 <a:latin typeface="Noto Sans SemiBold"/>
                 <a:ea typeface="DejaVu Sans"/>
               </a:rPr>
-              <a:t>Implémenation des interfaces Axilite</a:t>
+              <a:t>Implement Axi/Axilite interfaces</a:t>
             </a:r>
             <a:endParaRPr b="0" lang="en-US" sz="1800" spc="-1" strike="noStrike">
               <a:latin typeface="Arial"/>
             </a:endParaRPr>
           </a:p>
           <a:p>
-            <a:pPr marL="216000" indent="-214920">
+            <a:pPr marL="216000" indent="-214560">
               <a:lnSpc>
                 <a:spcPct val="100000"/>
               </a:lnSpc>
@@ -6474,14 +8548,14 @@
                 <a:latin typeface="Noto Sans SemiBold"/>
                 <a:ea typeface="DejaVu Sans"/>
               </a:rPr>
-              <a:t>Gestion/redimensionnement des accès mémoires</a:t>
+              <a:t>Manage and reshape memory</a:t>
             </a:r>
             <a:endParaRPr b="0" lang="en-US" sz="1800" spc="-1" strike="noStrike">
               <a:latin typeface="Arial"/>
             </a:endParaRPr>
           </a:p>
           <a:p>
-            <a:pPr marL="216000" indent="-214920">
+            <a:pPr marL="216000" indent="-214560">
               <a:lnSpc>
                 <a:spcPct val="100000"/>
               </a:lnSpc>
@@ -6512,7 +8586,7 @@
                 <a:latin typeface="Noto Sans SemiBold"/>
                 <a:ea typeface="DejaVu Sans"/>
               </a:rPr>
-              <a:t>Optimisations matérielles</a:t>
+              <a:t>Automated material optimisations </a:t>
             </a:r>
             <a:endParaRPr b="0" lang="en-US" sz="1800" spc="-1" strike="noStrike">
               <a:latin typeface="Arial"/>
@@ -6571,14 +8645,14 @@
       </p:grpSpPr>
       <p:sp>
         <p:nvSpPr>
-          <p:cNvPr id="182" name="CustomShape 1"/>
+          <p:cNvPr id="228" name="CustomShape 1"/>
           <p:cNvSpPr/>
           <p:nvPr/>
         </p:nvSpPr>
         <p:spPr>
           <a:xfrm>
             <a:off x="359640" y="270000"/>
-            <a:ext cx="9356760" cy="672840"/>
+            <a:ext cx="9356400" cy="672480"/>
           </a:xfrm>
           <a:prstGeom prst="rect">
             <a:avLst/>
@@ -6610,7 +8684,7 @@
                 <a:latin typeface="Noto Sans Black"/>
                 <a:ea typeface="DejaVu Sans"/>
               </a:rPr>
-              <a:t>Sythèse Haut Niveau (HLS)</a:t>
+              <a:t>High – Level Synthesis</a:t>
             </a:r>
             <a:endParaRPr b="0" lang="en-US" sz="3200" spc="-1" strike="noStrike">
               <a:latin typeface="Arial"/>
@@ -6620,14 +8694,14 @@
       </p:sp>
       <p:sp>
         <p:nvSpPr>
-          <p:cNvPr id="183" name="CustomShape 2"/>
+          <p:cNvPr id="229" name="CustomShape 2"/>
           <p:cNvSpPr/>
           <p:nvPr/>
         </p:nvSpPr>
         <p:spPr>
           <a:xfrm>
-            <a:off x="359640" y="1485000"/>
-            <a:ext cx="9176760" cy="3507840"/>
+            <a:off x="359640" y="1809000"/>
+            <a:ext cx="9176400" cy="3507480"/>
           </a:xfrm>
           <a:prstGeom prst="rect">
             <a:avLst/>
@@ -6643,179 +8717,6 @@
           <a:effectRef idx="0"/>
           <a:fontRef idx="minor"/>
         </p:style>
-        <p:txBody>
-          <a:bodyPr lIns="0" rIns="0" tIns="0" bIns="0">
-            <a:normAutofit/>
-          </a:bodyPr>
-          <a:p>
-            <a:pPr>
-              <a:lnSpc>
-                <a:spcPct val="100000"/>
-              </a:lnSpc>
-              <a:spcAft>
-                <a:spcPts val="1140"/>
-              </a:spcAft>
-            </a:pPr>
-            <a:r>
-              <a:rPr b="1" lang="en-US" sz="1800" spc="-1" strike="noStrike">
-                <a:solidFill>
-                  <a:srgbClr val="1c1c1c"/>
-                </a:solidFill>
-                <a:latin typeface="Noto Sans SemiBold"/>
-                <a:ea typeface="DejaVu Sans"/>
-              </a:rPr>
-              <a:t>Adaptation :</a:t>
-            </a:r>
-            <a:endParaRPr b="0" lang="en-US" sz="1800" spc="-1" strike="noStrike">
-              <a:latin typeface="Arial"/>
-            </a:endParaRPr>
-          </a:p>
-          <a:p>
-            <a:pPr marL="216000" indent="-214560">
-              <a:lnSpc>
-                <a:spcPct val="100000"/>
-              </a:lnSpc>
-              <a:spcAft>
-                <a:spcPts val="1140"/>
-              </a:spcAft>
-              <a:buClr>
-                <a:srgbClr val="000000"/>
-              </a:buClr>
-              <a:buSzPct val="45000"/>
-              <a:buFont typeface="Wingdings" charset="2"/>
-              <a:buChar char=""/>
-            </a:pPr>
-            <a:r>
-              <a:rPr b="1" lang="en-US" sz="1800" spc="-1" strike="noStrike">
-                <a:solidFill>
-                  <a:srgbClr val="1c1c1c"/>
-                </a:solidFill>
-                <a:latin typeface="Noto Sans SemiBold"/>
-                <a:ea typeface="DejaVu Sans"/>
-              </a:rPr>
-              <a:t>Intégration des implémentations logicielles</a:t>
-            </a:r>
-            <a:endParaRPr b="0" lang="en-US" sz="1800" spc="-1" strike="noStrike">
-              <a:latin typeface="Arial"/>
-            </a:endParaRPr>
-          </a:p>
-          <a:p>
-            <a:pPr marL="216000" indent="-214560">
-              <a:lnSpc>
-                <a:spcPct val="100000"/>
-              </a:lnSpc>
-              <a:spcAft>
-                <a:spcPts val="1140"/>
-              </a:spcAft>
-              <a:buClr>
-                <a:srgbClr val="000000"/>
-              </a:buClr>
-              <a:buSzPct val="45000"/>
-              <a:buFont typeface="Wingdings" charset="2"/>
-              <a:buChar char=""/>
-            </a:pPr>
-            <a:r>
-              <a:rPr b="1" lang="en-US" sz="1800" spc="-1" strike="noStrike">
-                <a:solidFill>
-                  <a:srgbClr val="1c1c1c"/>
-                </a:solidFill>
-                <a:latin typeface="Noto Sans SemiBold"/>
-                <a:ea typeface="DejaVu Sans"/>
-              </a:rPr>
-              <a:t>Correction et modification des programmes</a:t>
-            </a:r>
-            <a:endParaRPr b="0" lang="en-US" sz="1800" spc="-1" strike="noStrike">
-              <a:latin typeface="Arial"/>
-            </a:endParaRPr>
-          </a:p>
-          <a:p>
-            <a:pPr marL="216000" indent="-214560">
-              <a:lnSpc>
-                <a:spcPct val="100000"/>
-              </a:lnSpc>
-              <a:spcAft>
-                <a:spcPts val="1140"/>
-              </a:spcAft>
-              <a:buClr>
-                <a:srgbClr val="000000"/>
-              </a:buClr>
-              <a:buSzPct val="45000"/>
-              <a:buFont typeface="Wingdings" charset="2"/>
-              <a:buChar char=""/>
-            </a:pPr>
-            <a:r>
-              <a:rPr b="1" lang="en-US" sz="1800" spc="-1" strike="noStrike">
-                <a:solidFill>
-                  <a:srgbClr val="1c1c1c"/>
-                </a:solidFill>
-                <a:latin typeface="Noto Sans SemiBold"/>
-                <a:ea typeface="DejaVu Sans"/>
-              </a:rPr>
-              <a:t>Exploration des limites du trans-compilateur</a:t>
-            </a:r>
-            <a:endParaRPr b="0" lang="en-US" sz="1800" spc="-1" strike="noStrike">
-              <a:latin typeface="Arial"/>
-            </a:endParaRPr>
-          </a:p>
-          <a:p>
-            <a:pPr marL="216000" indent="-214560">
-              <a:lnSpc>
-                <a:spcPct val="100000"/>
-              </a:lnSpc>
-              <a:spcAft>
-                <a:spcPts val="1140"/>
-              </a:spcAft>
-              <a:buClr>
-                <a:srgbClr val="000000"/>
-              </a:buClr>
-              <a:buSzPct val="45000"/>
-              <a:buFont typeface="Wingdings" charset="2"/>
-              <a:buChar char=""/>
-            </a:pPr>
-            <a:r>
-              <a:rPr b="1" lang="en-US" sz="1800" spc="-1" strike="noStrike">
-                <a:solidFill>
-                  <a:srgbClr val="1c1c1c"/>
-                </a:solidFill>
-                <a:latin typeface="Noto Sans SemiBold"/>
-                <a:ea typeface="DejaVu Sans"/>
-              </a:rPr>
-              <a:t>Analyse de la « qualité » du code VHDL produit</a:t>
-            </a:r>
-            <a:endParaRPr b="0" lang="en-US" sz="1800" spc="-1" strike="noStrike">
-              <a:latin typeface="Arial"/>
-            </a:endParaRPr>
-          </a:p>
-          <a:p>
-            <a:pPr marL="216000" indent="-214560">
-              <a:lnSpc>
-                <a:spcPct val="100000"/>
-              </a:lnSpc>
-              <a:spcAft>
-                <a:spcPts val="1140"/>
-              </a:spcAft>
-              <a:buClr>
-                <a:srgbClr val="000000"/>
-              </a:buClr>
-              <a:buSzPct val="45000"/>
-              <a:buFont typeface="Wingdings" charset="2"/>
-              <a:buChar char=""/>
-            </a:pPr>
-            <a:r>
-              <a:rPr b="1" lang="en-US" sz="1800" spc="-1" strike="noStrike">
-                <a:solidFill>
-                  <a:srgbClr val="1c1c1c"/>
-                </a:solidFill>
-                <a:latin typeface="Noto Sans SemiBold"/>
-                <a:ea typeface="DejaVu Sans"/>
-              </a:rPr>
-              <a:t>Évaluation des critères de synthèse : surface et fréquence sur le FPGA</a:t>
-            </a:r>
-            <a:endParaRPr b="0" lang="en-US" sz="1800" spc="-1" strike="noStrike">
-              <a:latin typeface="Arial"/>
-            </a:endParaRPr>
-          </a:p>
-        </p:txBody>
       </p:sp>
     </p:spTree>
   </p:cSld>
@@ -6868,14 +8769,14 @@
       </p:grpSpPr>
       <p:sp>
         <p:nvSpPr>
-          <p:cNvPr id="184" name="CustomShape 1"/>
+          <p:cNvPr id="230" name="CustomShape 1"/>
           <p:cNvSpPr/>
           <p:nvPr/>
         </p:nvSpPr>
         <p:spPr>
           <a:xfrm>
             <a:off x="359640" y="270000"/>
-            <a:ext cx="9356760" cy="672840"/>
+            <a:ext cx="9356400" cy="672480"/>
           </a:xfrm>
           <a:prstGeom prst="rect">
             <a:avLst/>
@@ -6907,7 +8808,7 @@
                 <a:latin typeface="Noto Sans Black"/>
                 <a:ea typeface="DejaVu Sans"/>
               </a:rPr>
-              <a:t>Conclusion</a:t>
+              <a:t>Sythèse Haut Niveau (HLS)</a:t>
             </a:r>
             <a:endParaRPr b="0" lang="en-US" sz="3200" spc="-1" strike="noStrike">
               <a:latin typeface="Arial"/>
@@ -6917,14 +8818,311 @@
       </p:sp>
       <p:sp>
         <p:nvSpPr>
-          <p:cNvPr id="185" name="CustomShape 2"/>
+          <p:cNvPr id="231" name="CustomShape 2"/>
           <p:cNvSpPr/>
           <p:nvPr/>
         </p:nvSpPr>
         <p:spPr>
           <a:xfrm>
-            <a:off x="359640" y="1782000"/>
-            <a:ext cx="9176760" cy="2616840"/>
+            <a:off x="359640" y="1485000"/>
+            <a:ext cx="9176400" cy="3507480"/>
+          </a:xfrm>
+          <a:prstGeom prst="rect">
+            <a:avLst/>
+          </a:prstGeom>
+          <a:noFill/>
+          <a:ln>
+            <a:noFill/>
+          </a:ln>
+        </p:spPr>
+        <p:style>
+          <a:lnRef idx="0"/>
+          <a:fillRef idx="0"/>
+          <a:effectRef idx="0"/>
+          <a:fontRef idx="minor"/>
+        </p:style>
+        <p:txBody>
+          <a:bodyPr lIns="0" rIns="0" tIns="0" bIns="0">
+            <a:normAutofit/>
+          </a:bodyPr>
+          <a:p>
+            <a:pPr>
+              <a:lnSpc>
+                <a:spcPct val="100000"/>
+              </a:lnSpc>
+              <a:spcAft>
+                <a:spcPts val="1140"/>
+              </a:spcAft>
+            </a:pPr>
+            <a:r>
+              <a:rPr b="1" lang="en-US" sz="1800" spc="-1" strike="noStrike">
+                <a:solidFill>
+                  <a:srgbClr val="1c1c1c"/>
+                </a:solidFill>
+                <a:latin typeface="Noto Sans SemiBold"/>
+                <a:ea typeface="DejaVu Sans"/>
+              </a:rPr>
+              <a:t>Adaptation :</a:t>
+            </a:r>
+            <a:endParaRPr b="0" lang="en-US" sz="1800" spc="-1" strike="noStrike">
+              <a:latin typeface="Arial"/>
+            </a:endParaRPr>
+          </a:p>
+          <a:p>
+            <a:pPr marL="216000" indent="-214200">
+              <a:lnSpc>
+                <a:spcPct val="100000"/>
+              </a:lnSpc>
+              <a:spcAft>
+                <a:spcPts val="1140"/>
+              </a:spcAft>
+              <a:buClr>
+                <a:srgbClr val="000000"/>
+              </a:buClr>
+              <a:buSzPct val="45000"/>
+              <a:buFont typeface="Wingdings" charset="2"/>
+              <a:buChar char=""/>
+            </a:pPr>
+            <a:r>
+              <a:rPr b="1" lang="en-US" sz="1800" spc="-1" strike="noStrike">
+                <a:solidFill>
+                  <a:srgbClr val="1c1c1c"/>
+                </a:solidFill>
+                <a:latin typeface="Noto Sans SemiBold"/>
+                <a:ea typeface="DejaVu Sans"/>
+              </a:rPr>
+              <a:t>Intégration des implémentations logicielles</a:t>
+            </a:r>
+            <a:endParaRPr b="0" lang="en-US" sz="1800" spc="-1" strike="noStrike">
+              <a:latin typeface="Arial"/>
+            </a:endParaRPr>
+          </a:p>
+          <a:p>
+            <a:pPr marL="216000" indent="-214200">
+              <a:lnSpc>
+                <a:spcPct val="100000"/>
+              </a:lnSpc>
+              <a:spcAft>
+                <a:spcPts val="1140"/>
+              </a:spcAft>
+              <a:buClr>
+                <a:srgbClr val="000000"/>
+              </a:buClr>
+              <a:buSzPct val="45000"/>
+              <a:buFont typeface="Wingdings" charset="2"/>
+              <a:buChar char=""/>
+            </a:pPr>
+            <a:r>
+              <a:rPr b="1" lang="en-US" sz="1800" spc="-1" strike="noStrike">
+                <a:solidFill>
+                  <a:srgbClr val="1c1c1c"/>
+                </a:solidFill>
+                <a:latin typeface="Noto Sans SemiBold"/>
+                <a:ea typeface="DejaVu Sans"/>
+              </a:rPr>
+              <a:t>Correction et modification des programmes</a:t>
+            </a:r>
+            <a:endParaRPr b="0" lang="en-US" sz="1800" spc="-1" strike="noStrike">
+              <a:latin typeface="Arial"/>
+            </a:endParaRPr>
+          </a:p>
+          <a:p>
+            <a:pPr marL="216000" indent="-214200">
+              <a:lnSpc>
+                <a:spcPct val="100000"/>
+              </a:lnSpc>
+              <a:spcAft>
+                <a:spcPts val="1140"/>
+              </a:spcAft>
+              <a:buClr>
+                <a:srgbClr val="000000"/>
+              </a:buClr>
+              <a:buSzPct val="45000"/>
+              <a:buFont typeface="Wingdings" charset="2"/>
+              <a:buChar char=""/>
+            </a:pPr>
+            <a:r>
+              <a:rPr b="1" lang="en-US" sz="1800" spc="-1" strike="noStrike">
+                <a:solidFill>
+                  <a:srgbClr val="1c1c1c"/>
+                </a:solidFill>
+                <a:latin typeface="Noto Sans SemiBold"/>
+                <a:ea typeface="DejaVu Sans"/>
+              </a:rPr>
+              <a:t>Exploration des limites du trans-compilateur</a:t>
+            </a:r>
+            <a:endParaRPr b="0" lang="en-US" sz="1800" spc="-1" strike="noStrike">
+              <a:latin typeface="Arial"/>
+            </a:endParaRPr>
+          </a:p>
+          <a:p>
+            <a:pPr marL="216000" indent="-214200">
+              <a:lnSpc>
+                <a:spcPct val="100000"/>
+              </a:lnSpc>
+              <a:spcAft>
+                <a:spcPts val="1140"/>
+              </a:spcAft>
+              <a:buClr>
+                <a:srgbClr val="000000"/>
+              </a:buClr>
+              <a:buSzPct val="45000"/>
+              <a:buFont typeface="Wingdings" charset="2"/>
+              <a:buChar char=""/>
+            </a:pPr>
+            <a:r>
+              <a:rPr b="1" lang="en-US" sz="1800" spc="-1" strike="noStrike">
+                <a:solidFill>
+                  <a:srgbClr val="1c1c1c"/>
+                </a:solidFill>
+                <a:latin typeface="Noto Sans SemiBold"/>
+                <a:ea typeface="DejaVu Sans"/>
+              </a:rPr>
+              <a:t>Analyse de la « qualité » du code VHDL produit</a:t>
+            </a:r>
+            <a:endParaRPr b="0" lang="en-US" sz="1800" spc="-1" strike="noStrike">
+              <a:latin typeface="Arial"/>
+            </a:endParaRPr>
+          </a:p>
+          <a:p>
+            <a:pPr marL="216000" indent="-214200">
+              <a:lnSpc>
+                <a:spcPct val="100000"/>
+              </a:lnSpc>
+              <a:spcAft>
+                <a:spcPts val="1140"/>
+              </a:spcAft>
+              <a:buClr>
+                <a:srgbClr val="000000"/>
+              </a:buClr>
+              <a:buSzPct val="45000"/>
+              <a:buFont typeface="Wingdings" charset="2"/>
+              <a:buChar char=""/>
+            </a:pPr>
+            <a:r>
+              <a:rPr b="1" lang="en-US" sz="1800" spc="-1" strike="noStrike">
+                <a:solidFill>
+                  <a:srgbClr val="1c1c1c"/>
+                </a:solidFill>
+                <a:latin typeface="Noto Sans SemiBold"/>
+                <a:ea typeface="DejaVu Sans"/>
+              </a:rPr>
+              <a:t>Évaluation des critères de synthèse : surface et fréquence sur le FPGA</a:t>
+            </a:r>
+            <a:endParaRPr b="0" lang="en-US" sz="1800" spc="-1" strike="noStrike">
+              <a:latin typeface="Arial"/>
+            </a:endParaRPr>
+          </a:p>
+        </p:txBody>
+      </p:sp>
+    </p:spTree>
+  </p:cSld>
+  <p:timing>
+    <p:tnLst>
+      <p:par>
+        <p:cTn id="27" dur="indefinite" restart="never" nodeType="tmRoot">
+          <p:childTnLst>
+            <p:seq>
+              <p:cTn id="28" dur="indefinite" nodeType="mainSeq"/>
+              <p:prevCondLst>
+                <p:cond delay="0" evt="onPrev">
+                  <p:tgtEl>
+                    <p:sldTgt/>
+                  </p:tgtEl>
+                </p:cond>
+              </p:prevCondLst>
+              <p:nextCondLst>
+                <p:cond delay="0" evt="onNext">
+                  <p:tgtEl>
+                    <p:sldTgt/>
+                  </p:tgtEl>
+                </p:cond>
+              </p:nextCondLst>
+            </p:seq>
+          </p:childTnLst>
+        </p:cTn>
+      </p:par>
+    </p:tnLst>
+  </p:timing>
+</p:sld>
+</file>
+
+<file path=ppt/slides/slide15.xml><?xml version="1.0" encoding="utf-8"?>
+<p:sld xmlns:a="http://schemas.openxmlformats.org/drawingml/2006/main" xmlns:p="http://schemas.openxmlformats.org/presentationml/2006/main" xmlns:r="http://schemas.openxmlformats.org/officeDocument/2006/relationships" xmlns:p14="http://schemas.microsoft.com/office/powerpoint/2010/main" xmlns:p15="http://schemas.microsoft.com/office/powerpoint/2012/main" xmlns:mc="http://schemas.openxmlformats.org/markup-compatibility/2006">
+  <p:cSld>
+    <p:spTree>
+      <p:nvGrpSpPr>
+        <p:cNvPr id="1" name=""/>
+        <p:cNvGrpSpPr/>
+        <p:nvPr/>
+      </p:nvGrpSpPr>
+      <p:grpSpPr>
+        <a:xfrm>
+          <a:off x="0" y="0"/>
+          <a:ext cx="0" cy="0"/>
+          <a:chOff x="0" y="0"/>
+          <a:chExt cx="0" cy="0"/>
+        </a:xfrm>
+      </p:grpSpPr>
+      <p:sp>
+        <p:nvSpPr>
+          <p:cNvPr id="232" name="CustomShape 1"/>
+          <p:cNvSpPr/>
+          <p:nvPr/>
+        </p:nvSpPr>
+        <p:spPr>
+          <a:xfrm>
+            <a:off x="359640" y="270000"/>
+            <a:ext cx="9356760" cy="672840"/>
+          </a:xfrm>
+          <a:prstGeom prst="rect">
+            <a:avLst/>
+          </a:prstGeom>
+          <a:noFill/>
+          <a:ln>
+            <a:noFill/>
+          </a:ln>
+        </p:spPr>
+        <p:style>
+          <a:lnRef idx="0"/>
+          <a:fillRef idx="0"/>
+          <a:effectRef idx="0"/>
+          <a:fontRef idx="minor"/>
+        </p:style>
+        <p:txBody>
+          <a:bodyPr lIns="0" rIns="0" tIns="0" bIns="0" anchor="b"/>
+          <a:p>
+            <a:pPr>
+              <a:lnSpc>
+                <a:spcPct val="100000"/>
+              </a:lnSpc>
+            </a:pPr>
+            <a:r>
+              <a:rPr b="1" lang="en-US" sz="3200" spc="-1" strike="noStrike">
+                <a:solidFill>
+                  <a:srgbClr val="ffffff"/>
+                </a:solidFill>
+                <a:latin typeface="Noto Sans Black"/>
+                <a:ea typeface="DejaVu Sans"/>
+              </a:rPr>
+              <a:t>Architecture exploration</a:t>
+            </a:r>
+            <a:endParaRPr b="0" lang="en-US" sz="3200" spc="-1" strike="noStrike">
+              <a:latin typeface="Arial"/>
+            </a:endParaRPr>
+          </a:p>
+        </p:txBody>
+      </p:sp>
+      <p:sp>
+        <p:nvSpPr>
+          <p:cNvPr id="233" name="CustomShape 2"/>
+          <p:cNvSpPr/>
+          <p:nvPr/>
+        </p:nvSpPr>
+        <p:spPr>
+          <a:xfrm>
+            <a:off x="212040" y="1526760"/>
+            <a:ext cx="4964040" cy="2616840"/>
           </a:xfrm>
           <a:prstGeom prst="rect">
             <a:avLst/>
@@ -6960,16 +9158,16 @@
               <a:buChar char=""/>
             </a:pPr>
             <a:r>
-              <a:rPr b="1" lang="en-US" sz="2800" spc="-1" strike="noStrike">
+              <a:rPr b="0" lang="en-US" sz="2400" spc="-1" strike="noStrike">
                 <a:solidFill>
-                  <a:srgbClr val="1c1c1c"/>
+                  <a:srgbClr val="000000"/>
                 </a:solidFill>
-                <a:latin typeface="Noto Sans SemiBold"/>
+                <a:latin typeface="Arial"/>
                 <a:ea typeface="DejaVu Sans"/>
               </a:rPr>
-              <a:t>Difficultés autour des environnements</a:t>
-            </a:r>
-            <a:endParaRPr b="0" lang="en-US" sz="2800" spc="-1" strike="noStrike">
+              <a:t>First design used by the SW team</a:t>
+            </a:r>
+            <a:endParaRPr b="0" lang="en-US" sz="2400" spc="-1" strike="noStrike">
               <a:latin typeface="Arial"/>
             </a:endParaRPr>
           </a:p>
@@ -6989,16 +9187,16 @@
               <a:buChar char=""/>
             </a:pPr>
             <a:r>
-              <a:rPr b="1" lang="en-US" sz="2800" spc="-1" strike="noStrike">
+              <a:rPr b="0" lang="en-US" sz="2400" spc="-1" strike="noStrike">
                 <a:solidFill>
-                  <a:srgbClr val="1c1c1c"/>
+                  <a:srgbClr val="000000"/>
                 </a:solidFill>
-                <a:latin typeface="Noto Sans SemiBold"/>
+                <a:latin typeface="Arial"/>
                 <a:ea typeface="DejaVu Sans"/>
               </a:rPr>
-              <a:t>Efforts pour un concept fonctionnel</a:t>
-            </a:r>
-            <a:endParaRPr b="0" lang="en-US" sz="2800" spc="-1" strike="noStrike">
+              <a:t>2nd design using BRAM</a:t>
+            </a:r>
+            <a:endParaRPr b="0" lang="en-US" sz="2400" spc="-1" strike="noStrike">
               <a:latin typeface="Arial"/>
             </a:endParaRPr>
           </a:p>
@@ -7018,19 +9216,192 @@
               <a:buChar char=""/>
             </a:pPr>
             <a:r>
-              <a:rPr b="1" lang="en-US" sz="2800" spc="-1" strike="noStrike">
+              <a:rPr b="0" lang="en-US" sz="2400" spc="-1" strike="noStrike">
                 <a:solidFill>
-                  <a:srgbClr val="1c1c1c"/>
+                  <a:srgbClr val="000000"/>
                 </a:solidFill>
-                <a:latin typeface="Noto Sans SemiBold"/>
+                <a:latin typeface="Arial"/>
                 <a:ea typeface="DejaVu Sans"/>
               </a:rPr>
-              <a:t>Processus de développement en pipeline</a:t>
+              <a:t>3rd design with BRAM and HLS IP  </a:t>
+            </a:r>
+            <a:br/>
+            <a:r>
+              <a:rPr b="0" lang="en-US" sz="2400" spc="-1" strike="noStrike">
+                <a:solidFill>
+                  <a:srgbClr val="000000"/>
+                </a:solidFill>
+                <a:latin typeface="Arial"/>
+                <a:ea typeface="DejaVu Sans"/>
+              </a:rPr>
+              <a:t>(still in development)</a:t>
+            </a:r>
+            <a:br/>
+            <a:r>
+              <a:rPr b="0" lang="en-US" sz="2800" spc="-1" strike="noStrike">
+                <a:solidFill>
+                  <a:srgbClr val="000000"/>
+                </a:solidFill>
+                <a:latin typeface="Arial"/>
+              </a:rPr>
+              <a:t> </a:t>
             </a:r>
             <a:endParaRPr b="0" lang="en-US" sz="2800" spc="-1" strike="noStrike">
               <a:latin typeface="Arial"/>
             </a:endParaRPr>
           </a:p>
+        </p:txBody>
+      </p:sp>
+      <p:pic>
+        <p:nvPicPr>
+          <p:cNvPr id="234" name="Image 2" descr=""/>
+          <p:cNvPicPr/>
+          <p:nvPr/>
+        </p:nvPicPr>
+        <p:blipFill>
+          <a:blip r:embed="rId1"/>
+          <a:stretch/>
+        </p:blipFill>
+        <p:spPr>
+          <a:xfrm>
+            <a:off x="5995800" y="1575360"/>
+            <a:ext cx="3148200" cy="1990800"/>
+          </a:xfrm>
+          <a:prstGeom prst="rect">
+            <a:avLst/>
+          </a:prstGeom>
+          <a:ln>
+            <a:noFill/>
+          </a:ln>
+        </p:spPr>
+      </p:pic>
+    </p:spTree>
+  </p:cSld>
+  <p:timing>
+    <p:tnLst>
+      <p:par>
+        <p:cTn id="29" dur="indefinite" restart="never" nodeType="tmRoot">
+          <p:childTnLst>
+            <p:seq>
+              <p:cTn id="30" dur="indefinite" nodeType="mainSeq"/>
+              <p:prevCondLst>
+                <p:cond delay="0" evt="onPrev">
+                  <p:tgtEl>
+                    <p:sldTgt/>
+                  </p:tgtEl>
+                </p:cond>
+              </p:prevCondLst>
+              <p:nextCondLst>
+                <p:cond delay="0" evt="onNext">
+                  <p:tgtEl>
+                    <p:sldTgt/>
+                  </p:tgtEl>
+                </p:cond>
+              </p:nextCondLst>
+            </p:seq>
+          </p:childTnLst>
+        </p:cTn>
+      </p:par>
+    </p:tnLst>
+  </p:timing>
+</p:sld>
+</file>
+
+<file path=ppt/slides/slide16.xml><?xml version="1.0" encoding="utf-8"?>
+<p:sld xmlns:a="http://schemas.openxmlformats.org/drawingml/2006/main" xmlns:p="http://schemas.openxmlformats.org/presentationml/2006/main" xmlns:r="http://schemas.openxmlformats.org/officeDocument/2006/relationships" xmlns:p14="http://schemas.microsoft.com/office/powerpoint/2010/main" xmlns:p15="http://schemas.microsoft.com/office/powerpoint/2012/main" xmlns:mc="http://schemas.openxmlformats.org/markup-compatibility/2006">
+  <p:cSld>
+    <p:spTree>
+      <p:nvGrpSpPr>
+        <p:cNvPr id="1" name=""/>
+        <p:cNvGrpSpPr/>
+        <p:nvPr/>
+      </p:nvGrpSpPr>
+      <p:grpSpPr>
+        <a:xfrm>
+          <a:off x="0" y="0"/>
+          <a:ext cx="0" cy="0"/>
+          <a:chOff x="0" y="0"/>
+          <a:chExt cx="0" cy="0"/>
+        </a:xfrm>
+      </p:grpSpPr>
+      <p:sp>
+        <p:nvSpPr>
+          <p:cNvPr id="235" name="CustomShape 1"/>
+          <p:cNvSpPr/>
+          <p:nvPr/>
+        </p:nvSpPr>
+        <p:spPr>
+          <a:xfrm>
+            <a:off x="359640" y="270000"/>
+            <a:ext cx="9356760" cy="672840"/>
+          </a:xfrm>
+          <a:prstGeom prst="rect">
+            <a:avLst/>
+          </a:prstGeom>
+          <a:noFill/>
+          <a:ln>
+            <a:noFill/>
+          </a:ln>
+        </p:spPr>
+        <p:style>
+          <a:lnRef idx="0"/>
+          <a:fillRef idx="0"/>
+          <a:effectRef idx="0"/>
+          <a:fontRef idx="minor"/>
+        </p:style>
+        <p:txBody>
+          <a:bodyPr lIns="0" rIns="0" tIns="0" bIns="0" anchor="b"/>
+          <a:p>
+            <a:pPr>
+              <a:lnSpc>
+                <a:spcPct val="100000"/>
+              </a:lnSpc>
+            </a:pPr>
+            <a:r>
+              <a:rPr b="1" lang="en-US" sz="3200" spc="-1" strike="noStrike">
+                <a:solidFill>
+                  <a:srgbClr val="ffffff"/>
+                </a:solidFill>
+                <a:latin typeface="Noto Sans Black"/>
+                <a:ea typeface="DejaVu Sans"/>
+              </a:rPr>
+              <a:t>Interfacing Zynq to HLS IP</a:t>
+            </a:r>
+            <a:endParaRPr b="0" lang="en-US" sz="3200" spc="-1" strike="noStrike">
+              <a:latin typeface="Arial"/>
+            </a:endParaRPr>
+          </a:p>
+        </p:txBody>
+      </p:sp>
+      <p:sp>
+        <p:nvSpPr>
+          <p:cNvPr id="236" name="CustomShape 2"/>
+          <p:cNvSpPr/>
+          <p:nvPr/>
+        </p:nvSpPr>
+        <p:spPr>
+          <a:xfrm>
+            <a:off x="212040" y="1526760"/>
+            <a:ext cx="4547520" cy="2616840"/>
+          </a:xfrm>
+          <a:prstGeom prst="rect">
+            <a:avLst/>
+          </a:prstGeom>
+          <a:noFill/>
+          <a:ln>
+            <a:noFill/>
+          </a:ln>
+        </p:spPr>
+        <p:style>
+          <a:lnRef idx="0"/>
+          <a:fillRef idx="0"/>
+          <a:effectRef idx="0"/>
+          <a:fontRef idx="minor"/>
+        </p:style>
+        <p:txBody>
+          <a:bodyPr lIns="0" rIns="0" tIns="0" bIns="0">
+            <a:normAutofit/>
+          </a:bodyPr>
           <a:p>
             <a:pPr marL="216000" indent="-213480">
               <a:lnSpc>
@@ -7047,14 +9418,14 @@
               <a:buChar char=""/>
             </a:pPr>
             <a:r>
-              <a:rPr b="1" lang="en-US" sz="2800" spc="-1" strike="noStrike">
+              <a:rPr b="0" lang="en-US" sz="2800" spc="-1" strike="noStrike">
                 <a:solidFill>
-                  <a:srgbClr val="1c1c1c"/>
+                  <a:srgbClr val="000000"/>
                 </a:solidFill>
-                <a:latin typeface="Noto Sans SemiBold"/>
+                <a:latin typeface="Arial"/>
                 <a:ea typeface="DejaVu Sans"/>
               </a:rPr>
-              <a:t>Parallélisation des travaux</a:t>
+              <a:t>Using ACP port =&gt; Cache coherency</a:t>
             </a:r>
             <a:endParaRPr b="0" lang="en-US" sz="2800" spc="-1" strike="noStrike">
               <a:latin typeface="Arial"/>
@@ -7076,19 +9447,228 @@
               <a:buChar char=""/>
             </a:pPr>
             <a:r>
-              <a:rPr b="1" lang="en-US" sz="2800" spc="-1" strike="noStrike">
+              <a:rPr b="0" lang="en-US" sz="2800" spc="-1" strike="noStrike">
                 <a:solidFill>
-                  <a:srgbClr val="1c1c1c"/>
+                  <a:srgbClr val="000000"/>
                 </a:solidFill>
-                <a:latin typeface="Noto Sans SemiBold"/>
+                <a:latin typeface="Arial"/>
                 <a:ea typeface="DejaVu Sans"/>
               </a:rPr>
-              <a:t>Solutions non évidentes</a:t>
+              <a:t>Having different clock domains</a:t>
+            </a:r>
+            <a:br/>
+            <a:r>
+              <a:rPr b="0" lang="en-US" sz="2800" spc="-1" strike="noStrike">
+                <a:solidFill>
+                  <a:srgbClr val="000000"/>
+                </a:solidFill>
+                <a:latin typeface="Arial"/>
+              </a:rPr>
+              <a:t> </a:t>
             </a:r>
             <a:endParaRPr b="0" lang="en-US" sz="2800" spc="-1" strike="noStrike">
               <a:latin typeface="Arial"/>
             </a:endParaRPr>
           </a:p>
+        </p:txBody>
+      </p:sp>
+      <p:pic>
+        <p:nvPicPr>
+          <p:cNvPr id="237" name="Image 4" descr=""/>
+          <p:cNvPicPr/>
+          <p:nvPr/>
+        </p:nvPicPr>
+        <p:blipFill>
+          <a:blip r:embed="rId1"/>
+          <a:stretch/>
+        </p:blipFill>
+        <p:spPr>
+          <a:xfrm>
+            <a:off x="5850000" y="1187280"/>
+            <a:ext cx="3866400" cy="1750680"/>
+          </a:xfrm>
+          <a:prstGeom prst="rect">
+            <a:avLst/>
+          </a:prstGeom>
+          <a:ln>
+            <a:noFill/>
+          </a:ln>
+        </p:spPr>
+      </p:pic>
+      <p:pic>
+        <p:nvPicPr>
+          <p:cNvPr id="238" name="Image 7" descr=""/>
+          <p:cNvPicPr/>
+          <p:nvPr/>
+        </p:nvPicPr>
+        <p:blipFill>
+          <a:blip r:embed="rId2"/>
+          <a:stretch/>
+        </p:blipFill>
+        <p:spPr>
+          <a:xfrm>
+            <a:off x="4759920" y="2768760"/>
+            <a:ext cx="5040000" cy="2123640"/>
+          </a:xfrm>
+          <a:prstGeom prst="rect">
+            <a:avLst/>
+          </a:prstGeom>
+          <a:ln>
+            <a:noFill/>
+          </a:ln>
+        </p:spPr>
+      </p:pic>
+      <p:pic>
+        <p:nvPicPr>
+          <p:cNvPr id="239" name="Image 9" descr=""/>
+          <p:cNvPicPr/>
+          <p:nvPr/>
+        </p:nvPicPr>
+        <p:blipFill>
+          <a:blip r:embed="rId3"/>
+          <a:srcRect l="0" t="46478" r="0" b="34672"/>
+          <a:stretch/>
+        </p:blipFill>
+        <p:spPr>
+          <a:xfrm>
+            <a:off x="359640" y="3690000"/>
+            <a:ext cx="5729400" cy="829440"/>
+          </a:xfrm>
+          <a:prstGeom prst="rect">
+            <a:avLst/>
+          </a:prstGeom>
+          <a:ln>
+            <a:noFill/>
+          </a:ln>
+        </p:spPr>
+      </p:pic>
+    </p:spTree>
+  </p:cSld>
+  <p:timing>
+    <p:tnLst>
+      <p:par>
+        <p:cTn id="31" dur="indefinite" restart="never" nodeType="tmRoot">
+          <p:childTnLst>
+            <p:seq>
+              <p:cTn id="32" dur="indefinite" nodeType="mainSeq"/>
+              <p:prevCondLst>
+                <p:cond delay="0" evt="onPrev">
+                  <p:tgtEl>
+                    <p:sldTgt/>
+                  </p:tgtEl>
+                </p:cond>
+              </p:prevCondLst>
+              <p:nextCondLst>
+                <p:cond delay="0" evt="onNext">
+                  <p:tgtEl>
+                    <p:sldTgt/>
+                  </p:tgtEl>
+                </p:cond>
+              </p:nextCondLst>
+            </p:seq>
+          </p:childTnLst>
+        </p:cTn>
+      </p:par>
+    </p:tnLst>
+  </p:timing>
+</p:sld>
+</file>
+
+<file path=ppt/slides/slide17.xml><?xml version="1.0" encoding="utf-8"?>
+<p:sld xmlns:a="http://schemas.openxmlformats.org/drawingml/2006/main" xmlns:p="http://schemas.openxmlformats.org/presentationml/2006/main" xmlns:r="http://schemas.openxmlformats.org/officeDocument/2006/relationships" xmlns:p14="http://schemas.microsoft.com/office/powerpoint/2010/main" xmlns:p15="http://schemas.microsoft.com/office/powerpoint/2012/main" xmlns:mc="http://schemas.openxmlformats.org/markup-compatibility/2006">
+  <p:cSld>
+    <p:spTree>
+      <p:nvGrpSpPr>
+        <p:cNvPr id="1" name=""/>
+        <p:cNvGrpSpPr/>
+        <p:nvPr/>
+      </p:nvGrpSpPr>
+      <p:grpSpPr>
+        <a:xfrm>
+          <a:off x="0" y="0"/>
+          <a:ext cx="0" cy="0"/>
+          <a:chOff x="0" y="0"/>
+          <a:chExt cx="0" cy="0"/>
+        </a:xfrm>
+      </p:grpSpPr>
+      <p:sp>
+        <p:nvSpPr>
+          <p:cNvPr id="240" name="CustomShape 1"/>
+          <p:cNvSpPr/>
+          <p:nvPr/>
+        </p:nvSpPr>
+        <p:spPr>
+          <a:xfrm>
+            <a:off x="359640" y="270000"/>
+            <a:ext cx="9356760" cy="672840"/>
+          </a:xfrm>
+          <a:prstGeom prst="rect">
+            <a:avLst/>
+          </a:prstGeom>
+          <a:noFill/>
+          <a:ln>
+            <a:noFill/>
+          </a:ln>
+        </p:spPr>
+        <p:style>
+          <a:lnRef idx="0"/>
+          <a:fillRef idx="0"/>
+          <a:effectRef idx="0"/>
+          <a:fontRef idx="minor"/>
+        </p:style>
+        <p:txBody>
+          <a:bodyPr lIns="0" rIns="0" tIns="0" bIns="0" anchor="b"/>
+          <a:p>
+            <a:pPr>
+              <a:lnSpc>
+                <a:spcPct val="100000"/>
+              </a:lnSpc>
+            </a:pPr>
+            <a:r>
+              <a:rPr b="1" lang="en-US" sz="3200" spc="-1" strike="noStrike">
+                <a:solidFill>
+                  <a:srgbClr val="ffffff"/>
+                </a:solidFill>
+                <a:latin typeface="Noto Sans Black"/>
+                <a:ea typeface="DejaVu Sans"/>
+              </a:rPr>
+              <a:t>Improving clock with timing</a:t>
+            </a:r>
+            <a:endParaRPr b="0" lang="en-US" sz="3200" spc="-1" strike="noStrike">
+              <a:latin typeface="Arial"/>
+            </a:endParaRPr>
+          </a:p>
+        </p:txBody>
+      </p:sp>
+      <p:sp>
+        <p:nvSpPr>
+          <p:cNvPr id="241" name="CustomShape 2"/>
+          <p:cNvSpPr/>
+          <p:nvPr/>
+        </p:nvSpPr>
+        <p:spPr>
+          <a:xfrm>
+            <a:off x="212040" y="1526760"/>
+            <a:ext cx="4302360" cy="2616840"/>
+          </a:xfrm>
+          <a:prstGeom prst="rect">
+            <a:avLst/>
+          </a:prstGeom>
+          <a:noFill/>
+          <a:ln>
+            <a:noFill/>
+          </a:ln>
+        </p:spPr>
+        <p:style>
+          <a:lnRef idx="0"/>
+          <a:fillRef idx="0"/>
+          <a:effectRef idx="0"/>
+          <a:fontRef idx="minor"/>
+        </p:style>
+        <p:txBody>
+          <a:bodyPr lIns="0" rIns="0" tIns="0" bIns="0">
+            <a:normAutofit/>
+          </a:bodyPr>
           <a:p>
             <a:pPr marL="216000" indent="-213480">
               <a:lnSpc>
@@ -7105,30 +9685,2199 @@
               <a:buChar char=""/>
             </a:pPr>
             <a:r>
-              <a:rPr b="1" lang="en-US" sz="2800" spc="-1" strike="noStrike">
+              <a:rPr b="0" lang="en-US" sz="2000" spc="-1" strike="noStrike">
                 <a:solidFill>
-                  <a:srgbClr val="1c1c1c"/>
+                  <a:srgbClr val="000000"/>
                 </a:solidFill>
-                <a:latin typeface="Noto Sans SemiBold"/>
+                <a:latin typeface="Arial"/>
                 <a:ea typeface="DejaVu Sans"/>
               </a:rPr>
-              <a:t>Projet en direction non précise</a:t>
-            </a:r>
-            <a:endParaRPr b="0" lang="en-US" sz="2800" spc="-1" strike="noStrike">
-              <a:latin typeface="Arial"/>
-            </a:endParaRPr>
-          </a:p>
-        </p:txBody>
-      </p:sp>
+              <a:t>Using Timing report to increase HLS clock frequency</a:t>
+            </a:r>
+            <a:endParaRPr b="0" lang="en-US" sz="2000" spc="-1" strike="noStrike">
+              <a:latin typeface="Arial"/>
+            </a:endParaRPr>
+          </a:p>
+          <a:p>
+            <a:pPr marL="216000" indent="-213480">
+              <a:lnSpc>
+                <a:spcPct val="100000"/>
+              </a:lnSpc>
+              <a:spcAft>
+                <a:spcPts val="1140"/>
+              </a:spcAft>
+              <a:buClr>
+                <a:srgbClr val="000000"/>
+              </a:buClr>
+              <a:buSzPct val="45000"/>
+              <a:buFont typeface="Wingdings" charset="2"/>
+              <a:buChar char=""/>
+            </a:pPr>
+            <a:r>
+              <a:rPr b="0" lang="en-US" sz="2000" spc="-1" strike="noStrike">
+                <a:solidFill>
+                  <a:srgbClr val="000000"/>
+                </a:solidFill>
+                <a:latin typeface="Arial"/>
+                <a:ea typeface="DejaVu Sans"/>
+              </a:rPr>
+              <a:t>Using more performance-oriented placement and synthesis strategies</a:t>
+            </a:r>
+            <a:endParaRPr b="0" lang="en-US" sz="2000" spc="-1" strike="noStrike">
+              <a:latin typeface="Arial"/>
+            </a:endParaRPr>
+          </a:p>
+          <a:p>
+            <a:pPr>
+              <a:lnSpc>
+                <a:spcPct val="100000"/>
+              </a:lnSpc>
+              <a:spcAft>
+                <a:spcPts val="1140"/>
+              </a:spcAft>
+            </a:pPr>
+            <a:endParaRPr b="0" lang="en-US" sz="2000" spc="-1" strike="noStrike">
+              <a:latin typeface="Arial"/>
+            </a:endParaRPr>
+          </a:p>
+        </p:txBody>
+      </p:sp>
+      <p:pic>
+        <p:nvPicPr>
+          <p:cNvPr id="242" name="Image 1" descr=""/>
+          <p:cNvPicPr/>
+          <p:nvPr/>
+        </p:nvPicPr>
+        <p:blipFill>
+          <a:blip r:embed="rId1"/>
+          <a:srcRect l="25773" t="9861" r="22725" b="2428"/>
+          <a:stretch/>
+        </p:blipFill>
+        <p:spPr>
+          <a:xfrm>
+            <a:off x="7372440" y="1313280"/>
+            <a:ext cx="2483640" cy="2273400"/>
+          </a:xfrm>
+          <a:prstGeom prst="rect">
+            <a:avLst/>
+          </a:prstGeom>
+          <a:ln>
+            <a:noFill/>
+          </a:ln>
+        </p:spPr>
+      </p:pic>
+      <p:pic>
+        <p:nvPicPr>
+          <p:cNvPr id="243" name="Image 2" descr=""/>
+          <p:cNvPicPr/>
+          <p:nvPr/>
+        </p:nvPicPr>
+        <p:blipFill>
+          <a:blip r:embed="rId2"/>
+          <a:srcRect l="23995" t="6446" r="23849" b="3020"/>
+          <a:stretch/>
+        </p:blipFill>
+        <p:spPr>
+          <a:xfrm>
+            <a:off x="4734360" y="1313280"/>
+            <a:ext cx="2418120" cy="2273400"/>
+          </a:xfrm>
+          <a:prstGeom prst="rect">
+            <a:avLst/>
+          </a:prstGeom>
+          <a:ln>
+            <a:noFill/>
+          </a:ln>
+        </p:spPr>
+      </p:pic>
     </p:spTree>
   </p:cSld>
   <p:timing>
     <p:tnLst>
       <p:par>
-        <p:cTn id="27" dur="indefinite" restart="never" nodeType="tmRoot">
+        <p:cTn id="33" dur="indefinite" restart="never" nodeType="tmRoot">
           <p:childTnLst>
             <p:seq>
-              <p:cTn id="28" dur="indefinite" nodeType="mainSeq"/>
+              <p:cTn id="34" dur="indefinite" nodeType="mainSeq"/>
+              <p:prevCondLst>
+                <p:cond delay="0" evt="onPrev">
+                  <p:tgtEl>
+                    <p:sldTgt/>
+                  </p:tgtEl>
+                </p:cond>
+              </p:prevCondLst>
+              <p:nextCondLst>
+                <p:cond delay="0" evt="onNext">
+                  <p:tgtEl>
+                    <p:sldTgt/>
+                  </p:tgtEl>
+                </p:cond>
+              </p:nextCondLst>
+            </p:seq>
+          </p:childTnLst>
+        </p:cTn>
+      </p:par>
+    </p:tnLst>
+  </p:timing>
+</p:sld>
+</file>
+
+<file path=ppt/slides/slide18.xml><?xml version="1.0" encoding="utf-8"?>
+<p:sld xmlns:a="http://schemas.openxmlformats.org/drawingml/2006/main" xmlns:p="http://schemas.openxmlformats.org/presentationml/2006/main" xmlns:r="http://schemas.openxmlformats.org/officeDocument/2006/relationships" xmlns:p14="http://schemas.microsoft.com/office/powerpoint/2010/main" xmlns:p15="http://schemas.microsoft.com/office/powerpoint/2012/main" xmlns:mc="http://schemas.openxmlformats.org/markup-compatibility/2006">
+  <p:cSld>
+    <p:spTree>
+      <p:nvGrpSpPr>
+        <p:cNvPr id="1" name=""/>
+        <p:cNvGrpSpPr/>
+        <p:nvPr/>
+      </p:nvGrpSpPr>
+      <p:grpSpPr>
+        <a:xfrm>
+          <a:off x="0" y="0"/>
+          <a:ext cx="0" cy="0"/>
+          <a:chOff x="0" y="0"/>
+          <a:chExt cx="0" cy="0"/>
+        </a:xfrm>
+      </p:grpSpPr>
+      <p:sp>
+        <p:nvSpPr>
+          <p:cNvPr id="244" name="CustomShape 1"/>
+          <p:cNvSpPr/>
+          <p:nvPr/>
+        </p:nvSpPr>
+        <p:spPr>
+          <a:xfrm>
+            <a:off x="359640" y="270000"/>
+            <a:ext cx="9356760" cy="672840"/>
+          </a:xfrm>
+          <a:prstGeom prst="rect">
+            <a:avLst/>
+          </a:prstGeom>
+          <a:noFill/>
+          <a:ln>
+            <a:noFill/>
+          </a:ln>
+        </p:spPr>
+        <p:style>
+          <a:lnRef idx="0"/>
+          <a:fillRef idx="0"/>
+          <a:effectRef idx="0"/>
+          <a:fontRef idx="minor"/>
+        </p:style>
+        <p:txBody>
+          <a:bodyPr lIns="0" rIns="0" tIns="0" bIns="0" anchor="b"/>
+          <a:p>
+            <a:pPr>
+              <a:lnSpc>
+                <a:spcPct val="100000"/>
+              </a:lnSpc>
+            </a:pPr>
+            <a:r>
+              <a:rPr b="1" lang="en-US" sz="3200" spc="-1" strike="noStrike">
+                <a:solidFill>
+                  <a:srgbClr val="ffffff"/>
+                </a:solidFill>
+                <a:latin typeface="Noto Sans Black"/>
+                <a:ea typeface="DejaVu Sans"/>
+              </a:rPr>
+              <a:t>Performance</a:t>
+            </a:r>
+            <a:endParaRPr b="0" lang="en-US" sz="3200" spc="-1" strike="noStrike">
+              <a:latin typeface="Arial"/>
+            </a:endParaRPr>
+          </a:p>
+        </p:txBody>
+      </p:sp>
+      <p:sp>
+        <p:nvSpPr>
+          <p:cNvPr id="245" name="CustomShape 2"/>
+          <p:cNvSpPr/>
+          <p:nvPr/>
+        </p:nvSpPr>
+        <p:spPr>
+          <a:xfrm>
+            <a:off x="212040" y="1526760"/>
+            <a:ext cx="3994200" cy="2616840"/>
+          </a:xfrm>
+          <a:prstGeom prst="rect">
+            <a:avLst/>
+          </a:prstGeom>
+          <a:noFill/>
+          <a:ln>
+            <a:noFill/>
+          </a:ln>
+        </p:spPr>
+        <p:style>
+          <a:lnRef idx="0"/>
+          <a:fillRef idx="0"/>
+          <a:effectRef idx="0"/>
+          <a:fontRef idx="minor"/>
+        </p:style>
+        <p:txBody>
+          <a:bodyPr lIns="0" rIns="0" tIns="0" bIns="0">
+            <a:normAutofit/>
+          </a:bodyPr>
+          <a:p>
+            <a:pPr marL="216000" indent="-213480">
+              <a:lnSpc>
+                <a:spcPct val="100000"/>
+              </a:lnSpc>
+              <a:spcAft>
+                <a:spcPts val="1140"/>
+              </a:spcAft>
+              <a:buClr>
+                <a:srgbClr val="000000"/>
+              </a:buClr>
+              <a:buSzPct val="45000"/>
+              <a:buFont typeface="Wingdings" charset="2"/>
+              <a:buChar char=""/>
+            </a:pPr>
+            <a:r>
+              <a:rPr b="0" lang="en-US" sz="2800" spc="-1" strike="noStrike">
+                <a:solidFill>
+                  <a:srgbClr val="000000"/>
+                </a:solidFill>
+                <a:latin typeface="Arial"/>
+                <a:ea typeface="DejaVu Sans"/>
+              </a:rPr>
+              <a:t>First time @ 100MHZ</a:t>
+            </a:r>
+            <a:endParaRPr b="0" lang="en-US" sz="2800" spc="-1" strike="noStrike">
+              <a:latin typeface="Arial"/>
+            </a:endParaRPr>
+          </a:p>
+          <a:p>
+            <a:pPr marL="216000" indent="-213480">
+              <a:lnSpc>
+                <a:spcPct val="100000"/>
+              </a:lnSpc>
+              <a:spcAft>
+                <a:spcPts val="1140"/>
+              </a:spcAft>
+              <a:buClr>
+                <a:srgbClr val="000000"/>
+              </a:buClr>
+              <a:buSzPct val="45000"/>
+              <a:buFont typeface="Wingdings" charset="2"/>
+              <a:buChar char=""/>
+            </a:pPr>
+            <a:r>
+              <a:rPr b="0" lang="en-US" sz="2800" spc="-1" strike="noStrike">
+                <a:solidFill>
+                  <a:srgbClr val="000000"/>
+                </a:solidFill>
+                <a:latin typeface="Arial"/>
+                <a:ea typeface="DejaVu Sans"/>
+              </a:rPr>
+              <a:t>Test on MUL64:</a:t>
+            </a:r>
+            <a:endParaRPr b="0" lang="en-US" sz="2800" spc="-1" strike="noStrike">
+              <a:latin typeface="Arial"/>
+            </a:endParaRPr>
+          </a:p>
+          <a:p>
+            <a:pPr lvl="1" marL="673200" indent="-213480">
+              <a:lnSpc>
+                <a:spcPct val="100000"/>
+              </a:lnSpc>
+              <a:spcAft>
+                <a:spcPts val="1140"/>
+              </a:spcAft>
+              <a:buClr>
+                <a:srgbClr val="000000"/>
+              </a:buClr>
+              <a:buSzPct val="45000"/>
+              <a:buFont typeface="Wingdings" charset="2"/>
+              <a:buChar char=""/>
+            </a:pPr>
+            <a:r>
+              <a:rPr b="0" lang="en-US" sz="2800" spc="-1" strike="noStrike">
+                <a:solidFill>
+                  <a:srgbClr val="000000"/>
+                </a:solidFill>
+                <a:latin typeface="Arial"/>
+                <a:ea typeface="DejaVu Sans"/>
+              </a:rPr>
+              <a:t>AXI@180MHZ</a:t>
+            </a:r>
+            <a:endParaRPr b="0" lang="en-US" sz="2800" spc="-1" strike="noStrike">
+              <a:latin typeface="Arial"/>
+            </a:endParaRPr>
+          </a:p>
+          <a:p>
+            <a:pPr lvl="1" marL="673200" indent="-213480">
+              <a:lnSpc>
+                <a:spcPct val="100000"/>
+              </a:lnSpc>
+              <a:spcAft>
+                <a:spcPts val="1140"/>
+              </a:spcAft>
+              <a:buClr>
+                <a:srgbClr val="000000"/>
+              </a:buClr>
+              <a:buSzPct val="45000"/>
+              <a:buFont typeface="Wingdings" charset="2"/>
+              <a:buChar char=""/>
+            </a:pPr>
+            <a:r>
+              <a:rPr b="0" lang="en-US" sz="2800" spc="-1" strike="noStrike">
+                <a:solidFill>
+                  <a:srgbClr val="000000"/>
+                </a:solidFill>
+                <a:latin typeface="Arial"/>
+                <a:ea typeface="DejaVu Sans"/>
+              </a:rPr>
+              <a:t>HLS@131MHZ</a:t>
+            </a:r>
+            <a:endParaRPr b="0" lang="en-US" sz="2800" spc="-1" strike="noStrike">
+              <a:latin typeface="Arial"/>
+            </a:endParaRPr>
+          </a:p>
+          <a:p>
+            <a:pPr lvl="1" marL="673200" indent="-213480">
+              <a:lnSpc>
+                <a:spcPct val="100000"/>
+              </a:lnSpc>
+              <a:spcAft>
+                <a:spcPts val="1140"/>
+              </a:spcAft>
+              <a:buClr>
+                <a:srgbClr val="000000"/>
+              </a:buClr>
+              <a:buSzPct val="45000"/>
+              <a:buFont typeface="Wingdings" charset="2"/>
+              <a:buChar char=""/>
+            </a:pPr>
+            <a:r>
+              <a:rPr b="0" lang="en-US" sz="2800" spc="-1" strike="noStrike">
+                <a:solidFill>
+                  <a:srgbClr val="000000"/>
+                </a:solidFill>
+                <a:latin typeface="Arial"/>
+                <a:ea typeface="DejaVu Sans"/>
+              </a:rPr>
+              <a:t>Acceleration : </a:t>
+            </a:r>
+            <a:r>
+              <a:rPr b="1" lang="en-US" sz="2800" spc="-1" strike="noStrike">
+                <a:solidFill>
+                  <a:srgbClr val="00b050"/>
+                </a:solidFill>
+                <a:latin typeface="Arial"/>
+                <a:ea typeface="DejaVu Sans"/>
+              </a:rPr>
+              <a:t>320%</a:t>
+            </a:r>
+            <a:br/>
+            <a:r>
+              <a:rPr b="0" lang="en-US" sz="2800" spc="-1" strike="noStrike">
+                <a:solidFill>
+                  <a:srgbClr val="000000"/>
+                </a:solidFill>
+                <a:latin typeface="Arial"/>
+              </a:rPr>
+              <a:t> </a:t>
+            </a:r>
+            <a:endParaRPr b="0" lang="en-US" sz="2800" spc="-1" strike="noStrike">
+              <a:latin typeface="Arial"/>
+            </a:endParaRPr>
+          </a:p>
+        </p:txBody>
+      </p:sp>
+      <p:graphicFrame>
+        <p:nvGraphicFramePr>
+          <p:cNvPr id="246" name="Table 3"/>
+          <p:cNvGraphicFramePr/>
+          <p:nvPr/>
+        </p:nvGraphicFramePr>
+        <p:xfrm>
+          <a:off x="3908160" y="1863360"/>
+          <a:ext cx="5777280" cy="2342520"/>
+        </p:xfrm>
+        <a:graphic>
+          <a:graphicData uri="http://schemas.openxmlformats.org/drawingml/2006/table">
+            <a:tbl>
+              <a:tblPr/>
+              <a:tblGrid>
+                <a:gridCol w="741960"/>
+                <a:gridCol w="834840"/>
+                <a:gridCol w="1006920"/>
+                <a:gridCol w="901080"/>
+                <a:gridCol w="1179360"/>
+                <a:gridCol w="1113480"/>
+              </a:tblGrid>
+              <a:tr h="684000">
+                <a:tc>
+                  <a:txBody>
+                    <a:bodyPr/>
+                    <a:p>
+                      <a:pPr>
+                        <a:lnSpc>
+                          <a:spcPct val="100000"/>
+                        </a:lnSpc>
+                      </a:pPr>
+                      <a:r>
+                        <a:rPr b="1" lang="en-US" sz="1200" spc="-1" strike="noStrike">
+                          <a:solidFill>
+                            <a:srgbClr val="ffffff"/>
+                          </a:solidFill>
+                          <a:latin typeface="Arial"/>
+                          <a:ea typeface="DejaVu Sans"/>
+                        </a:rPr>
+                        <a:t>IP</a:t>
+                      </a:r>
+                      <a:endParaRPr b="0" lang="en-US" sz="1200" spc="-1" strike="noStrike">
+                        <a:latin typeface="Arial"/>
+                      </a:endParaRPr>
+                    </a:p>
+                  </a:txBody>
+                  <a:tcPr marL="91440" marR="91440">
+                    <a:lnL w="12240">
+                      <a:solidFill>
+                        <a:srgbClr val="ffffff"/>
+                      </a:solidFill>
+                    </a:lnL>
+                    <a:lnR w="12240">
+                      <a:solidFill>
+                        <a:srgbClr val="ffffff"/>
+                      </a:solidFill>
+                    </a:lnR>
+                    <a:lnT w="12240">
+                      <a:solidFill>
+                        <a:srgbClr val="ffffff"/>
+                      </a:solidFill>
+                    </a:lnT>
+                    <a:lnB w="38160">
+                      <a:solidFill>
+                        <a:srgbClr val="ffffff"/>
+                      </a:solidFill>
+                    </a:lnB>
+                    <a:solidFill>
+                      <a:srgbClr val="c0504d"/>
+                    </a:solidFill>
+                  </a:tcPr>
+                </a:tc>
+                <a:tc>
+                  <a:txBody>
+                    <a:bodyPr/>
+                    <a:p>
+                      <a:pPr>
+                        <a:lnSpc>
+                          <a:spcPct val="100000"/>
+                        </a:lnSpc>
+                      </a:pPr>
+                      <a:r>
+                        <a:rPr b="1" lang="en-US" sz="1200" spc="-1" strike="noStrike">
+                          <a:solidFill>
+                            <a:srgbClr val="ffffff"/>
+                          </a:solidFill>
+                          <a:latin typeface="Arial"/>
+                          <a:ea typeface="DejaVu Sans"/>
+                        </a:rPr>
+                        <a:t>HW time (µs)</a:t>
+                      </a:r>
+                      <a:endParaRPr b="0" lang="en-US" sz="1200" spc="-1" strike="noStrike">
+                        <a:latin typeface="Arial"/>
+                      </a:endParaRPr>
+                    </a:p>
+                  </a:txBody>
+                  <a:tcPr marL="91440" marR="91440">
+                    <a:lnL w="12240">
+                      <a:solidFill>
+                        <a:srgbClr val="ffffff"/>
+                      </a:solidFill>
+                    </a:lnL>
+                    <a:lnR w="12240">
+                      <a:solidFill>
+                        <a:srgbClr val="ffffff"/>
+                      </a:solidFill>
+                    </a:lnR>
+                    <a:lnT w="12240">
+                      <a:solidFill>
+                        <a:srgbClr val="ffffff"/>
+                      </a:solidFill>
+                    </a:lnT>
+                    <a:lnB w="38160">
+                      <a:solidFill>
+                        <a:srgbClr val="ffffff"/>
+                      </a:solidFill>
+                    </a:lnB>
+                    <a:solidFill>
+                      <a:srgbClr val="c0504d"/>
+                    </a:solidFill>
+                  </a:tcPr>
+                </a:tc>
+                <a:tc>
+                  <a:txBody>
+                    <a:bodyPr/>
+                    <a:p>
+                      <a:pPr>
+                        <a:lnSpc>
+                          <a:spcPct val="100000"/>
+                        </a:lnSpc>
+                      </a:pPr>
+                      <a:r>
+                        <a:rPr b="1" lang="en-US" sz="1200" spc="-1" strike="noStrike">
+                          <a:solidFill>
+                            <a:srgbClr val="ffffff"/>
+                          </a:solidFill>
+                          <a:latin typeface="Arial"/>
+                          <a:ea typeface="DejaVu Sans"/>
+                        </a:rPr>
+                        <a:t>SW time (µs)</a:t>
+                      </a:r>
+                      <a:endParaRPr b="0" lang="en-US" sz="1200" spc="-1" strike="noStrike">
+                        <a:latin typeface="Arial"/>
+                      </a:endParaRPr>
+                    </a:p>
+                  </a:txBody>
+                  <a:tcPr marL="91440" marR="91440">
+                    <a:lnL w="12240">
+                      <a:solidFill>
+                        <a:srgbClr val="ffffff"/>
+                      </a:solidFill>
+                    </a:lnL>
+                    <a:lnR w="12240">
+                      <a:solidFill>
+                        <a:srgbClr val="ffffff"/>
+                      </a:solidFill>
+                    </a:lnR>
+                    <a:lnT w="12240">
+                      <a:solidFill>
+                        <a:srgbClr val="ffffff"/>
+                      </a:solidFill>
+                    </a:lnT>
+                    <a:lnB w="38160">
+                      <a:solidFill>
+                        <a:srgbClr val="ffffff"/>
+                      </a:solidFill>
+                    </a:lnB>
+                    <a:solidFill>
+                      <a:srgbClr val="c0504d"/>
+                    </a:solidFill>
+                  </a:tcPr>
+                </a:tc>
+                <a:tc>
+                  <a:txBody>
+                    <a:bodyPr/>
+                    <a:p>
+                      <a:pPr>
+                        <a:lnSpc>
+                          <a:spcPct val="100000"/>
+                        </a:lnSpc>
+                      </a:pPr>
+                      <a:r>
+                        <a:rPr b="1" lang="en-US" sz="1200" spc="-1" strike="noStrike">
+                          <a:solidFill>
+                            <a:srgbClr val="ffffff"/>
+                          </a:solidFill>
+                          <a:latin typeface="Arial"/>
+                          <a:ea typeface="DejaVu Sans"/>
+                        </a:rPr>
+                        <a:t>Improved clock</a:t>
+                      </a:r>
+                      <a:endParaRPr b="0" lang="en-US" sz="1200" spc="-1" strike="noStrike">
+                        <a:latin typeface="Arial"/>
+                      </a:endParaRPr>
+                    </a:p>
+                  </a:txBody>
+                  <a:tcPr marL="91440" marR="91440">
+                    <a:lnL w="12240">
+                      <a:solidFill>
+                        <a:srgbClr val="ffffff"/>
+                      </a:solidFill>
+                    </a:lnL>
+                    <a:lnR w="12240">
+                      <a:solidFill>
+                        <a:srgbClr val="ffffff"/>
+                      </a:solidFill>
+                    </a:lnR>
+                    <a:lnT w="12240">
+                      <a:solidFill>
+                        <a:srgbClr val="ffffff"/>
+                      </a:solidFill>
+                    </a:lnT>
+                    <a:lnB w="38160">
+                      <a:solidFill>
+                        <a:srgbClr val="ffffff"/>
+                      </a:solidFill>
+                    </a:lnB>
+                    <a:solidFill>
+                      <a:srgbClr val="c0504d"/>
+                    </a:solidFill>
+                  </a:tcPr>
+                </a:tc>
+                <a:tc>
+                  <a:txBody>
+                    <a:bodyPr/>
+                    <a:p>
+                      <a:pPr>
+                        <a:lnSpc>
+                          <a:spcPct val="100000"/>
+                        </a:lnSpc>
+                      </a:pPr>
+                      <a:r>
+                        <a:rPr b="1" lang="en-US" sz="1200" spc="-1" strike="noStrike">
+                          <a:solidFill>
+                            <a:srgbClr val="ffffff"/>
+                          </a:solidFill>
+                          <a:latin typeface="Arial"/>
+                          <a:ea typeface="DejaVu Sans"/>
+                        </a:rPr>
+                        <a:t>Improve HW times (µs)</a:t>
+                      </a:r>
+                      <a:endParaRPr b="0" lang="en-US" sz="1200" spc="-1" strike="noStrike">
+                        <a:latin typeface="Arial"/>
+                      </a:endParaRPr>
+                    </a:p>
+                  </a:txBody>
+                  <a:tcPr marL="91440" marR="91440">
+                    <a:lnL w="12240">
+                      <a:solidFill>
+                        <a:srgbClr val="ffffff"/>
+                      </a:solidFill>
+                    </a:lnL>
+                    <a:lnR w="12240">
+                      <a:solidFill>
+                        <a:srgbClr val="ffffff"/>
+                      </a:solidFill>
+                    </a:lnR>
+                    <a:lnT w="12240">
+                      <a:solidFill>
+                        <a:srgbClr val="ffffff"/>
+                      </a:solidFill>
+                    </a:lnT>
+                    <a:lnB w="38160">
+                      <a:solidFill>
+                        <a:srgbClr val="ffffff"/>
+                      </a:solidFill>
+                    </a:lnB>
+                    <a:solidFill>
+                      <a:srgbClr val="c0504d"/>
+                    </a:solidFill>
+                  </a:tcPr>
+                </a:tc>
+                <a:tc>
+                  <a:txBody>
+                    <a:bodyPr/>
+                    <a:p>
+                      <a:pPr>
+                        <a:lnSpc>
+                          <a:spcPct val="100000"/>
+                        </a:lnSpc>
+                      </a:pPr>
+                      <a:r>
+                        <a:rPr b="1" lang="en-US" sz="1200" spc="-1" strike="noStrike">
+                          <a:solidFill>
+                            <a:srgbClr val="ffffff"/>
+                          </a:solidFill>
+                          <a:latin typeface="Arial"/>
+                          <a:ea typeface="DejaVu Sans"/>
+                        </a:rPr>
+                        <a:t>Best</a:t>
+                      </a:r>
+                      <a:endParaRPr b="0" lang="en-US" sz="1200" spc="-1" strike="noStrike">
+                        <a:latin typeface="Arial"/>
+                      </a:endParaRPr>
+                    </a:p>
+                    <a:p>
+                      <a:pPr>
+                        <a:lnSpc>
+                          <a:spcPct val="100000"/>
+                        </a:lnSpc>
+                      </a:pPr>
+                      <a:r>
+                        <a:rPr b="1" lang="en-US" sz="1200" spc="-1" strike="noStrike">
+                          <a:solidFill>
+                            <a:srgbClr val="ffffff"/>
+                          </a:solidFill>
+                          <a:latin typeface="Arial"/>
+                          <a:ea typeface="DejaVu Sans"/>
+                        </a:rPr>
+                        <a:t>acceleration</a:t>
+                      </a:r>
+                      <a:endParaRPr b="0" lang="en-US" sz="1200" spc="-1" strike="noStrike">
+                        <a:latin typeface="Arial"/>
+                      </a:endParaRPr>
+                    </a:p>
+                  </a:txBody>
+                  <a:tcPr marL="91440" marR="91440">
+                    <a:lnL w="12240">
+                      <a:solidFill>
+                        <a:srgbClr val="ffffff"/>
+                      </a:solidFill>
+                    </a:lnL>
+                    <a:lnR w="12240">
+                      <a:solidFill>
+                        <a:srgbClr val="ffffff"/>
+                      </a:solidFill>
+                    </a:lnR>
+                    <a:lnT w="12240">
+                      <a:solidFill>
+                        <a:srgbClr val="ffffff"/>
+                      </a:solidFill>
+                    </a:lnT>
+                    <a:lnB w="38160">
+                      <a:solidFill>
+                        <a:srgbClr val="ffffff"/>
+                      </a:solidFill>
+                    </a:lnB>
+                    <a:solidFill>
+                      <a:srgbClr val="c0504d"/>
+                    </a:solidFill>
+                  </a:tcPr>
+                </a:tc>
+              </a:tr>
+              <a:tr h="414360">
+                <a:tc>
+                  <a:txBody>
+                    <a:bodyPr/>
+                    <a:p>
+                      <a:pPr>
+                        <a:lnSpc>
+                          <a:spcPct val="100000"/>
+                        </a:lnSpc>
+                      </a:pPr>
+                      <a:r>
+                        <a:rPr b="0" lang="en-US" sz="1200" spc="-1" strike="noStrike">
+                          <a:solidFill>
+                            <a:srgbClr val="000000"/>
+                          </a:solidFill>
+                          <a:latin typeface="Arial"/>
+                          <a:ea typeface="DejaVu Sans"/>
+                        </a:rPr>
+                        <a:t>mul64</a:t>
+                      </a:r>
+                      <a:endParaRPr b="0" lang="en-US" sz="1200" spc="-1" strike="noStrike">
+                        <a:latin typeface="Arial"/>
+                      </a:endParaRPr>
+                    </a:p>
+                  </a:txBody>
+                  <a:tcPr marL="91440" marR="91440">
+                    <a:lnL w="12240">
+                      <a:solidFill>
+                        <a:srgbClr val="ffffff"/>
+                      </a:solidFill>
+                    </a:lnL>
+                    <a:lnR w="12240">
+                      <a:solidFill>
+                        <a:srgbClr val="ffffff"/>
+                      </a:solidFill>
+                    </a:lnR>
+                    <a:lnT w="12240">
+                      <a:solidFill>
+                        <a:srgbClr val="ffffff"/>
+                      </a:solidFill>
+                    </a:lnT>
+                    <a:lnB w="12240">
+                      <a:solidFill>
+                        <a:srgbClr val="ffffff"/>
+                      </a:solidFill>
+                    </a:lnB>
+                    <a:solidFill>
+                      <a:srgbClr val="e8d0cf"/>
+                    </a:solidFill>
+                  </a:tcPr>
+                </a:tc>
+                <a:tc>
+                  <a:txBody>
+                    <a:bodyPr/>
+                    <a:p>
+                      <a:pPr>
+                        <a:lnSpc>
+                          <a:spcPct val="100000"/>
+                        </a:lnSpc>
+                      </a:pPr>
+                      <a:r>
+                        <a:rPr b="0" lang="en-US" sz="1200" spc="-1" strike="noStrike">
+                          <a:solidFill>
+                            <a:srgbClr val="000000"/>
+                          </a:solidFill>
+                          <a:latin typeface="Arial"/>
+                          <a:ea typeface="DejaVu Sans"/>
+                        </a:rPr>
+                        <a:t>10280</a:t>
+                      </a:r>
+                      <a:endParaRPr b="0" lang="en-US" sz="1200" spc="-1" strike="noStrike">
+                        <a:latin typeface="Arial"/>
+                      </a:endParaRPr>
+                    </a:p>
+                  </a:txBody>
+                  <a:tcPr marL="91440" marR="91440">
+                    <a:lnL w="12240">
+                      <a:solidFill>
+                        <a:srgbClr val="ffffff"/>
+                      </a:solidFill>
+                    </a:lnL>
+                    <a:lnR w="12240">
+                      <a:solidFill>
+                        <a:srgbClr val="ffffff"/>
+                      </a:solidFill>
+                    </a:lnR>
+                    <a:lnT w="12240">
+                      <a:solidFill>
+                        <a:srgbClr val="ffffff"/>
+                      </a:solidFill>
+                    </a:lnT>
+                    <a:lnB w="12240">
+                      <a:solidFill>
+                        <a:srgbClr val="ffffff"/>
+                      </a:solidFill>
+                    </a:lnB>
+                    <a:solidFill>
+                      <a:srgbClr val="e8d0cf"/>
+                    </a:solidFill>
+                  </a:tcPr>
+                </a:tc>
+                <a:tc>
+                  <a:txBody>
+                    <a:bodyPr/>
+                    <a:p>
+                      <a:pPr>
+                        <a:lnSpc>
+                          <a:spcPct val="100000"/>
+                        </a:lnSpc>
+                      </a:pPr>
+                      <a:r>
+                        <a:rPr b="0" lang="en-US" sz="1200" spc="-1" strike="noStrike">
+                          <a:solidFill>
+                            <a:srgbClr val="000000"/>
+                          </a:solidFill>
+                          <a:latin typeface="Arial"/>
+                          <a:ea typeface="DejaVu Sans"/>
+                        </a:rPr>
+                        <a:t>26132</a:t>
+                      </a:r>
+                      <a:endParaRPr b="0" lang="en-US" sz="1200" spc="-1" strike="noStrike">
+                        <a:latin typeface="Arial"/>
+                      </a:endParaRPr>
+                    </a:p>
+                  </a:txBody>
+                  <a:tcPr marL="91440" marR="91440">
+                    <a:lnL w="12240">
+                      <a:solidFill>
+                        <a:srgbClr val="ffffff"/>
+                      </a:solidFill>
+                    </a:lnL>
+                    <a:lnR w="12240">
+                      <a:solidFill>
+                        <a:srgbClr val="ffffff"/>
+                      </a:solidFill>
+                    </a:lnR>
+                    <a:lnT w="12240">
+                      <a:solidFill>
+                        <a:srgbClr val="ffffff"/>
+                      </a:solidFill>
+                    </a:lnT>
+                    <a:lnB w="12240">
+                      <a:solidFill>
+                        <a:srgbClr val="ffffff"/>
+                      </a:solidFill>
+                    </a:lnB>
+                    <a:solidFill>
+                      <a:srgbClr val="e8d0cf"/>
+                    </a:solidFill>
+                  </a:tcPr>
+                </a:tc>
+                <a:tc>
+                  <a:txBody>
+                    <a:bodyPr/>
+                    <a:p>
+                      <a:pPr>
+                        <a:lnSpc>
+                          <a:spcPct val="100000"/>
+                        </a:lnSpc>
+                      </a:pPr>
+                      <a:r>
+                        <a:rPr b="0" lang="en-US" sz="1200" spc="-1" strike="noStrike">
+                          <a:solidFill>
+                            <a:srgbClr val="000000"/>
+                          </a:solidFill>
+                          <a:latin typeface="Arial"/>
+                          <a:ea typeface="DejaVu Sans"/>
+                        </a:rPr>
+                        <a:t>130MHZ</a:t>
+                      </a:r>
+                      <a:endParaRPr b="0" lang="en-US" sz="1200" spc="-1" strike="noStrike">
+                        <a:latin typeface="Arial"/>
+                      </a:endParaRPr>
+                    </a:p>
+                  </a:txBody>
+                  <a:tcPr marL="91440" marR="91440">
+                    <a:lnL w="12240">
+                      <a:solidFill>
+                        <a:srgbClr val="ffffff"/>
+                      </a:solidFill>
+                    </a:lnL>
+                    <a:lnR w="12240">
+                      <a:solidFill>
+                        <a:srgbClr val="ffffff"/>
+                      </a:solidFill>
+                    </a:lnR>
+                    <a:lnT w="12240">
+                      <a:solidFill>
+                        <a:srgbClr val="ffffff"/>
+                      </a:solidFill>
+                    </a:lnT>
+                    <a:lnB w="12240">
+                      <a:solidFill>
+                        <a:srgbClr val="ffffff"/>
+                      </a:solidFill>
+                    </a:lnB>
+                    <a:solidFill>
+                      <a:srgbClr val="e8d0cf"/>
+                    </a:solidFill>
+                  </a:tcPr>
+                </a:tc>
+                <a:tc>
+                  <a:txBody>
+                    <a:bodyPr/>
+                    <a:p>
+                      <a:pPr>
+                        <a:lnSpc>
+                          <a:spcPct val="100000"/>
+                        </a:lnSpc>
+                      </a:pPr>
+                      <a:r>
+                        <a:rPr b="0" lang="en-US" sz="1200" spc="-1" strike="noStrike">
+                          <a:solidFill>
+                            <a:srgbClr val="000000"/>
+                          </a:solidFill>
+                          <a:latin typeface="Arial"/>
+                          <a:ea typeface="DejaVu Sans"/>
+                        </a:rPr>
+                        <a:t>7042</a:t>
+                      </a:r>
+                      <a:endParaRPr b="0" lang="en-US" sz="1200" spc="-1" strike="noStrike">
+                        <a:latin typeface="Arial"/>
+                      </a:endParaRPr>
+                    </a:p>
+                  </a:txBody>
+                  <a:tcPr marL="91440" marR="91440">
+                    <a:lnL w="12240">
+                      <a:solidFill>
+                        <a:srgbClr val="ffffff"/>
+                      </a:solidFill>
+                    </a:lnL>
+                    <a:lnR w="12240">
+                      <a:solidFill>
+                        <a:srgbClr val="ffffff"/>
+                      </a:solidFill>
+                    </a:lnR>
+                    <a:lnT w="12240">
+                      <a:solidFill>
+                        <a:srgbClr val="ffffff"/>
+                      </a:solidFill>
+                    </a:lnT>
+                    <a:lnB w="12240">
+                      <a:solidFill>
+                        <a:srgbClr val="ffffff"/>
+                      </a:solidFill>
+                    </a:lnB>
+                    <a:solidFill>
+                      <a:srgbClr val="e8d0cf"/>
+                    </a:solidFill>
+                  </a:tcPr>
+                </a:tc>
+                <a:tc>
+                  <a:txBody>
+                    <a:bodyPr/>
+                    <a:p>
+                      <a:pPr>
+                        <a:lnSpc>
+                          <a:spcPct val="100000"/>
+                        </a:lnSpc>
+                      </a:pPr>
+                      <a:r>
+                        <a:rPr b="1" lang="en-US" sz="1200" spc="-1" strike="noStrike">
+                          <a:solidFill>
+                            <a:srgbClr val="00b050"/>
+                          </a:solidFill>
+                          <a:latin typeface="Arial"/>
+                          <a:ea typeface="DejaVu Sans"/>
+                        </a:rPr>
+                        <a:t>271%</a:t>
+                      </a:r>
+                      <a:endParaRPr b="0" lang="en-US" sz="1200" spc="-1" strike="noStrike">
+                        <a:latin typeface="Arial"/>
+                      </a:endParaRPr>
+                    </a:p>
+                  </a:txBody>
+                  <a:tcPr marL="91440" marR="91440">
+                    <a:lnL w="12240">
+                      <a:solidFill>
+                        <a:srgbClr val="ffffff"/>
+                      </a:solidFill>
+                    </a:lnL>
+                    <a:lnR w="12240">
+                      <a:solidFill>
+                        <a:srgbClr val="ffffff"/>
+                      </a:solidFill>
+                    </a:lnR>
+                    <a:lnT w="12240">
+                      <a:solidFill>
+                        <a:srgbClr val="ffffff"/>
+                      </a:solidFill>
+                    </a:lnT>
+                    <a:lnB w="12240">
+                      <a:solidFill>
+                        <a:srgbClr val="ffffff"/>
+                      </a:solidFill>
+                    </a:lnB>
+                    <a:solidFill>
+                      <a:srgbClr val="e8d0cf"/>
+                    </a:solidFill>
+                  </a:tcPr>
+                </a:tc>
+              </a:tr>
+              <a:tr h="414360">
+                <a:tc>
+                  <a:txBody>
+                    <a:bodyPr/>
+                    <a:p>
+                      <a:pPr>
+                        <a:lnSpc>
+                          <a:spcPct val="100000"/>
+                        </a:lnSpc>
+                      </a:pPr>
+                      <a:r>
+                        <a:rPr b="0" lang="en-US" sz="1200" spc="-1" strike="noStrike">
+                          <a:solidFill>
+                            <a:srgbClr val="000000"/>
+                          </a:solidFill>
+                          <a:latin typeface="Arial"/>
+                          <a:ea typeface="DejaVu Sans"/>
+                        </a:rPr>
+                        <a:t>mul32</a:t>
+                      </a:r>
+                      <a:endParaRPr b="0" lang="en-US" sz="1200" spc="-1" strike="noStrike">
+                        <a:latin typeface="Arial"/>
+                      </a:endParaRPr>
+                    </a:p>
+                  </a:txBody>
+                  <a:tcPr marL="91440" marR="91440">
+                    <a:lnL w="12240">
+                      <a:solidFill>
+                        <a:srgbClr val="ffffff"/>
+                      </a:solidFill>
+                    </a:lnL>
+                    <a:lnR w="12240">
+                      <a:solidFill>
+                        <a:srgbClr val="ffffff"/>
+                      </a:solidFill>
+                    </a:lnR>
+                    <a:lnT w="12240">
+                      <a:solidFill>
+                        <a:srgbClr val="ffffff"/>
+                      </a:solidFill>
+                    </a:lnT>
+                    <a:lnB w="12240">
+                      <a:solidFill>
+                        <a:srgbClr val="ffffff"/>
+                      </a:solidFill>
+                    </a:lnB>
+                    <a:solidFill>
+                      <a:srgbClr val="f4e9e9"/>
+                    </a:solidFill>
+                  </a:tcPr>
+                </a:tc>
+                <a:tc>
+                  <a:txBody>
+                    <a:bodyPr/>
+                    <a:p>
+                      <a:pPr>
+                        <a:lnSpc>
+                          <a:spcPct val="100000"/>
+                        </a:lnSpc>
+                      </a:pPr>
+                      <a:r>
+                        <a:rPr b="0" lang="en-US" sz="1200" spc="-1" strike="noStrike">
+                          <a:solidFill>
+                            <a:srgbClr val="000000"/>
+                          </a:solidFill>
+                          <a:latin typeface="Arial"/>
+                          <a:ea typeface="DejaVu Sans"/>
+                        </a:rPr>
+                        <a:t>2412</a:t>
+                      </a:r>
+                      <a:endParaRPr b="0" lang="en-US" sz="1200" spc="-1" strike="noStrike">
+                        <a:latin typeface="Arial"/>
+                      </a:endParaRPr>
+                    </a:p>
+                  </a:txBody>
+                  <a:tcPr marL="91440" marR="91440">
+                    <a:lnL w="12240">
+                      <a:solidFill>
+                        <a:srgbClr val="ffffff"/>
+                      </a:solidFill>
+                    </a:lnL>
+                    <a:lnR w="12240">
+                      <a:solidFill>
+                        <a:srgbClr val="ffffff"/>
+                      </a:solidFill>
+                    </a:lnR>
+                    <a:lnT w="12240">
+                      <a:solidFill>
+                        <a:srgbClr val="ffffff"/>
+                      </a:solidFill>
+                    </a:lnT>
+                    <a:lnB w="12240">
+                      <a:solidFill>
+                        <a:srgbClr val="ffffff"/>
+                      </a:solidFill>
+                    </a:lnB>
+                    <a:solidFill>
+                      <a:srgbClr val="f4e9e9"/>
+                    </a:solidFill>
+                  </a:tcPr>
+                </a:tc>
+                <a:tc>
+                  <a:txBody>
+                    <a:bodyPr/>
+                    <a:p>
+                      <a:pPr>
+                        <a:lnSpc>
+                          <a:spcPct val="100000"/>
+                        </a:lnSpc>
+                      </a:pPr>
+                      <a:r>
+                        <a:rPr b="0" lang="en-US" sz="1200" spc="-1" strike="noStrike">
+                          <a:solidFill>
+                            <a:srgbClr val="000000"/>
+                          </a:solidFill>
+                          <a:latin typeface="Arial"/>
+                          <a:ea typeface="DejaVu Sans"/>
+                        </a:rPr>
+                        <a:t>3282</a:t>
+                      </a:r>
+                      <a:endParaRPr b="0" lang="en-US" sz="1200" spc="-1" strike="noStrike">
+                        <a:latin typeface="Arial"/>
+                      </a:endParaRPr>
+                    </a:p>
+                  </a:txBody>
+                  <a:tcPr marL="91440" marR="91440">
+                    <a:lnL w="12240">
+                      <a:solidFill>
+                        <a:srgbClr val="ffffff"/>
+                      </a:solidFill>
+                    </a:lnL>
+                    <a:lnR w="12240">
+                      <a:solidFill>
+                        <a:srgbClr val="ffffff"/>
+                      </a:solidFill>
+                    </a:lnR>
+                    <a:lnT w="12240">
+                      <a:solidFill>
+                        <a:srgbClr val="ffffff"/>
+                      </a:solidFill>
+                    </a:lnT>
+                    <a:lnB w="12240">
+                      <a:solidFill>
+                        <a:srgbClr val="ffffff"/>
+                      </a:solidFill>
+                    </a:lnB>
+                    <a:solidFill>
+                      <a:srgbClr val="f4e9e9"/>
+                    </a:solidFill>
+                  </a:tcPr>
+                </a:tc>
+                <a:tc>
+                  <a:txBody>
+                    <a:bodyPr/>
+                    <a:p>
+                      <a:pPr>
+                        <a:lnSpc>
+                          <a:spcPct val="100000"/>
+                        </a:lnSpc>
+                      </a:pPr>
+                      <a:r>
+                        <a:rPr b="0" lang="en-US" sz="1200" spc="-1" strike="noStrike">
+                          <a:solidFill>
+                            <a:srgbClr val="000000"/>
+                          </a:solidFill>
+                          <a:latin typeface="Arial"/>
+                          <a:ea typeface="DejaVu Sans"/>
+                        </a:rPr>
+                        <a:t>125 MHZ</a:t>
+                      </a:r>
+                      <a:endParaRPr b="0" lang="en-US" sz="1200" spc="-1" strike="noStrike">
+                        <a:latin typeface="Arial"/>
+                      </a:endParaRPr>
+                    </a:p>
+                  </a:txBody>
+                  <a:tcPr marL="91440" marR="91440">
+                    <a:lnL w="12240">
+                      <a:solidFill>
+                        <a:srgbClr val="ffffff"/>
+                      </a:solidFill>
+                    </a:lnL>
+                    <a:lnR w="12240">
+                      <a:solidFill>
+                        <a:srgbClr val="ffffff"/>
+                      </a:solidFill>
+                    </a:lnR>
+                    <a:lnT w="12240">
+                      <a:solidFill>
+                        <a:srgbClr val="ffffff"/>
+                      </a:solidFill>
+                    </a:lnT>
+                    <a:lnB w="12240">
+                      <a:solidFill>
+                        <a:srgbClr val="ffffff"/>
+                      </a:solidFill>
+                    </a:lnB>
+                    <a:solidFill>
+                      <a:srgbClr val="f4e9e9"/>
+                    </a:solidFill>
+                  </a:tcPr>
+                </a:tc>
+                <a:tc>
+                  <a:txBody>
+                    <a:bodyPr/>
+                    <a:p>
+                      <a:pPr>
+                        <a:lnSpc>
+                          <a:spcPct val="100000"/>
+                        </a:lnSpc>
+                      </a:pPr>
+                      <a:r>
+                        <a:rPr b="0" lang="en-US" sz="1200" spc="-1" strike="noStrike">
+                          <a:solidFill>
+                            <a:srgbClr val="000000"/>
+                          </a:solidFill>
+                          <a:latin typeface="Arial"/>
+                          <a:ea typeface="DejaVu Sans"/>
+                        </a:rPr>
+                        <a:t>1810</a:t>
+                      </a:r>
+                      <a:endParaRPr b="0" lang="en-US" sz="1200" spc="-1" strike="noStrike">
+                        <a:latin typeface="Arial"/>
+                      </a:endParaRPr>
+                    </a:p>
+                  </a:txBody>
+                  <a:tcPr marL="91440" marR="91440">
+                    <a:lnL w="12240">
+                      <a:solidFill>
+                        <a:srgbClr val="ffffff"/>
+                      </a:solidFill>
+                    </a:lnL>
+                    <a:lnR w="12240">
+                      <a:solidFill>
+                        <a:srgbClr val="ffffff"/>
+                      </a:solidFill>
+                    </a:lnR>
+                    <a:lnT w="12240">
+                      <a:solidFill>
+                        <a:srgbClr val="ffffff"/>
+                      </a:solidFill>
+                    </a:lnT>
+                    <a:lnB w="12240">
+                      <a:solidFill>
+                        <a:srgbClr val="ffffff"/>
+                      </a:solidFill>
+                    </a:lnB>
+                    <a:solidFill>
+                      <a:srgbClr val="f4e9e9"/>
+                    </a:solidFill>
+                  </a:tcPr>
+                </a:tc>
+                <a:tc>
+                  <a:txBody>
+                    <a:bodyPr/>
+                    <a:p>
+                      <a:pPr>
+                        <a:lnSpc>
+                          <a:spcPct val="100000"/>
+                        </a:lnSpc>
+                      </a:pPr>
+                      <a:r>
+                        <a:rPr b="0" lang="en-US" sz="1200" spc="-1" strike="noStrike">
+                          <a:solidFill>
+                            <a:srgbClr val="00b0f0"/>
+                          </a:solidFill>
+                          <a:latin typeface="Arial"/>
+                          <a:ea typeface="DejaVu Sans"/>
+                        </a:rPr>
+                        <a:t>81%</a:t>
+                      </a:r>
+                      <a:endParaRPr b="0" lang="en-US" sz="1200" spc="-1" strike="noStrike">
+                        <a:latin typeface="Arial"/>
+                      </a:endParaRPr>
+                    </a:p>
+                  </a:txBody>
+                  <a:tcPr marL="91440" marR="91440">
+                    <a:lnL w="12240">
+                      <a:solidFill>
+                        <a:srgbClr val="ffffff"/>
+                      </a:solidFill>
+                    </a:lnL>
+                    <a:lnR w="12240">
+                      <a:solidFill>
+                        <a:srgbClr val="ffffff"/>
+                      </a:solidFill>
+                    </a:lnR>
+                    <a:lnT w="12240">
+                      <a:solidFill>
+                        <a:srgbClr val="ffffff"/>
+                      </a:solidFill>
+                    </a:lnT>
+                    <a:lnB w="12240">
+                      <a:solidFill>
+                        <a:srgbClr val="ffffff"/>
+                      </a:solidFill>
+                    </a:lnB>
+                    <a:solidFill>
+                      <a:srgbClr val="f4e9e9"/>
+                    </a:solidFill>
+                  </a:tcPr>
+                </a:tc>
+              </a:tr>
+              <a:tr h="414360">
+                <a:tc>
+                  <a:txBody>
+                    <a:bodyPr/>
+                    <a:p>
+                      <a:pPr>
+                        <a:lnSpc>
+                          <a:spcPct val="100000"/>
+                        </a:lnSpc>
+                      </a:pPr>
+                      <a:r>
+                        <a:rPr b="0" lang="en-US" sz="1200" spc="-1" strike="noStrike">
+                          <a:solidFill>
+                            <a:srgbClr val="000000"/>
+                          </a:solidFill>
+                          <a:latin typeface="Arial"/>
+                          <a:ea typeface="DejaVu Sans"/>
+                        </a:rPr>
+                        <a:t>pearson</a:t>
+                      </a:r>
+                      <a:endParaRPr b="0" lang="en-US" sz="1200" spc="-1" strike="noStrike">
+                        <a:latin typeface="Arial"/>
+                      </a:endParaRPr>
+                    </a:p>
+                  </a:txBody>
+                  <a:tcPr marL="91440" marR="91440">
+                    <a:lnL w="12240">
+                      <a:solidFill>
+                        <a:srgbClr val="ffffff"/>
+                      </a:solidFill>
+                    </a:lnL>
+                    <a:lnR w="12240">
+                      <a:solidFill>
+                        <a:srgbClr val="ffffff"/>
+                      </a:solidFill>
+                    </a:lnR>
+                    <a:lnT w="12240">
+                      <a:solidFill>
+                        <a:srgbClr val="ffffff"/>
+                      </a:solidFill>
+                    </a:lnT>
+                    <a:lnB w="12240">
+                      <a:solidFill>
+                        <a:srgbClr val="ffffff"/>
+                      </a:solidFill>
+                    </a:lnB>
+                    <a:solidFill>
+                      <a:srgbClr val="e8d0cf"/>
+                    </a:solidFill>
+                  </a:tcPr>
+                </a:tc>
+                <a:tc>
+                  <a:txBody>
+                    <a:bodyPr/>
+                    <a:p>
+                      <a:pPr>
+                        <a:lnSpc>
+                          <a:spcPct val="100000"/>
+                        </a:lnSpc>
+                      </a:pPr>
+                      <a:r>
+                        <a:rPr b="0" lang="en-US" sz="1200" spc="-1" strike="noStrike">
+                          <a:solidFill>
+                            <a:srgbClr val="000000"/>
+                          </a:solidFill>
+                          <a:latin typeface="Arial"/>
+                          <a:ea typeface="DejaVu Sans"/>
+                        </a:rPr>
+                        <a:t>32</a:t>
+                      </a:r>
+                      <a:endParaRPr b="0" lang="en-US" sz="1200" spc="-1" strike="noStrike">
+                        <a:latin typeface="Arial"/>
+                      </a:endParaRPr>
+                    </a:p>
+                  </a:txBody>
+                  <a:tcPr marL="91440" marR="91440">
+                    <a:lnL w="12240">
+                      <a:solidFill>
+                        <a:srgbClr val="ffffff"/>
+                      </a:solidFill>
+                    </a:lnL>
+                    <a:lnR w="12240">
+                      <a:solidFill>
+                        <a:srgbClr val="ffffff"/>
+                      </a:solidFill>
+                    </a:lnR>
+                    <a:lnT w="12240">
+                      <a:solidFill>
+                        <a:srgbClr val="ffffff"/>
+                      </a:solidFill>
+                    </a:lnT>
+                    <a:lnB w="12240">
+                      <a:solidFill>
+                        <a:srgbClr val="ffffff"/>
+                      </a:solidFill>
+                    </a:lnB>
+                    <a:solidFill>
+                      <a:srgbClr val="e8d0cf"/>
+                    </a:solidFill>
+                  </a:tcPr>
+                </a:tc>
+                <a:tc>
+                  <a:txBody>
+                    <a:bodyPr/>
+                    <a:p>
+                      <a:pPr>
+                        <a:lnSpc>
+                          <a:spcPct val="100000"/>
+                        </a:lnSpc>
+                      </a:pPr>
+                      <a:r>
+                        <a:rPr b="0" lang="en-US" sz="1200" spc="-1" strike="noStrike">
+                          <a:solidFill>
+                            <a:srgbClr val="000000"/>
+                          </a:solidFill>
+                          <a:latin typeface="Arial"/>
+                          <a:ea typeface="DejaVu Sans"/>
+                        </a:rPr>
+                        <a:t>5</a:t>
+                      </a:r>
+                      <a:endParaRPr b="0" lang="en-US" sz="1200" spc="-1" strike="noStrike">
+                        <a:latin typeface="Arial"/>
+                      </a:endParaRPr>
+                    </a:p>
+                  </a:txBody>
+                  <a:tcPr marL="91440" marR="91440">
+                    <a:lnL w="12240">
+                      <a:solidFill>
+                        <a:srgbClr val="ffffff"/>
+                      </a:solidFill>
+                    </a:lnL>
+                    <a:lnR w="12240">
+                      <a:solidFill>
+                        <a:srgbClr val="ffffff"/>
+                      </a:solidFill>
+                    </a:lnR>
+                    <a:lnT w="12240">
+                      <a:solidFill>
+                        <a:srgbClr val="ffffff"/>
+                      </a:solidFill>
+                    </a:lnT>
+                    <a:lnB w="12240">
+                      <a:solidFill>
+                        <a:srgbClr val="ffffff"/>
+                      </a:solidFill>
+                    </a:lnB>
+                    <a:solidFill>
+                      <a:srgbClr val="e8d0cf"/>
+                    </a:solidFill>
+                  </a:tcPr>
+                </a:tc>
+                <a:tc>
+                  <a:txBody>
+                    <a:bodyPr/>
+                    <a:p>
+                      <a:pPr>
+                        <a:lnSpc>
+                          <a:spcPct val="100000"/>
+                        </a:lnSpc>
+                      </a:pPr>
+                      <a:r>
+                        <a:rPr b="0" lang="en-US" sz="1200" spc="-1" strike="noStrike">
+                          <a:solidFill>
+                            <a:srgbClr val="000000"/>
+                          </a:solidFill>
+                          <a:latin typeface="Arial"/>
+                          <a:ea typeface="DejaVu Sans"/>
+                        </a:rPr>
+                        <a:t>115 MHZ</a:t>
+                      </a:r>
+                      <a:endParaRPr b="0" lang="en-US" sz="1200" spc="-1" strike="noStrike">
+                        <a:latin typeface="Arial"/>
+                      </a:endParaRPr>
+                    </a:p>
+                  </a:txBody>
+                  <a:tcPr marL="91440" marR="91440">
+                    <a:lnL w="12240">
+                      <a:solidFill>
+                        <a:srgbClr val="ffffff"/>
+                      </a:solidFill>
+                    </a:lnL>
+                    <a:lnR w="12240">
+                      <a:solidFill>
+                        <a:srgbClr val="ffffff"/>
+                      </a:solidFill>
+                    </a:lnR>
+                    <a:lnT w="12240">
+                      <a:solidFill>
+                        <a:srgbClr val="ffffff"/>
+                      </a:solidFill>
+                    </a:lnT>
+                    <a:lnB w="12240">
+                      <a:solidFill>
+                        <a:srgbClr val="ffffff"/>
+                      </a:solidFill>
+                    </a:lnB>
+                    <a:solidFill>
+                      <a:srgbClr val="e8d0cf"/>
+                    </a:solidFill>
+                  </a:tcPr>
+                </a:tc>
+                <a:tc>
+                  <a:txBody>
+                    <a:bodyPr/>
+                    <a:p>
+                      <a:pPr>
+                        <a:lnSpc>
+                          <a:spcPct val="100000"/>
+                        </a:lnSpc>
+                      </a:pPr>
+                      <a:r>
+                        <a:rPr b="0" lang="en-US" sz="1200" spc="-1" strike="noStrike">
+                          <a:solidFill>
+                            <a:srgbClr val="000000"/>
+                          </a:solidFill>
+                          <a:latin typeface="Arial"/>
+                          <a:ea typeface="DejaVu Sans"/>
+                        </a:rPr>
+                        <a:t>21</a:t>
+                      </a:r>
+                      <a:endParaRPr b="0" lang="en-US" sz="1200" spc="-1" strike="noStrike">
+                        <a:latin typeface="Arial"/>
+                      </a:endParaRPr>
+                    </a:p>
+                  </a:txBody>
+                  <a:tcPr marL="91440" marR="91440">
+                    <a:lnL w="12240">
+                      <a:solidFill>
+                        <a:srgbClr val="ffffff"/>
+                      </a:solidFill>
+                    </a:lnL>
+                    <a:lnR w="12240">
+                      <a:solidFill>
+                        <a:srgbClr val="ffffff"/>
+                      </a:solidFill>
+                    </a:lnR>
+                    <a:lnT w="12240">
+                      <a:solidFill>
+                        <a:srgbClr val="ffffff"/>
+                      </a:solidFill>
+                    </a:lnT>
+                    <a:lnB w="12240">
+                      <a:solidFill>
+                        <a:srgbClr val="ffffff"/>
+                      </a:solidFill>
+                    </a:lnB>
+                    <a:solidFill>
+                      <a:srgbClr val="e8d0cf"/>
+                    </a:solidFill>
+                  </a:tcPr>
+                </a:tc>
+                <a:tc>
+                  <a:txBody>
+                    <a:bodyPr/>
+                    <a:p>
+                      <a:pPr>
+                        <a:lnSpc>
+                          <a:spcPct val="100000"/>
+                        </a:lnSpc>
+                      </a:pPr>
+                      <a:r>
+                        <a:rPr b="1" lang="en-US" sz="1200" spc="-1" strike="noStrike">
+                          <a:solidFill>
+                            <a:srgbClr val="ff0000"/>
+                          </a:solidFill>
+                          <a:latin typeface="Arial"/>
+                          <a:ea typeface="DejaVu Sans"/>
+                        </a:rPr>
+                        <a:t>-74%</a:t>
+                      </a:r>
+                      <a:endParaRPr b="0" lang="en-US" sz="1200" spc="-1" strike="noStrike">
+                        <a:latin typeface="Arial"/>
+                      </a:endParaRPr>
+                    </a:p>
+                  </a:txBody>
+                  <a:tcPr marL="91440" marR="91440">
+                    <a:lnL w="12240">
+                      <a:solidFill>
+                        <a:srgbClr val="ffffff"/>
+                      </a:solidFill>
+                    </a:lnL>
+                    <a:lnR w="12240">
+                      <a:solidFill>
+                        <a:srgbClr val="ffffff"/>
+                      </a:solidFill>
+                    </a:lnR>
+                    <a:lnT w="12240">
+                      <a:solidFill>
+                        <a:srgbClr val="ffffff"/>
+                      </a:solidFill>
+                    </a:lnT>
+                    <a:lnB w="12240">
+                      <a:solidFill>
+                        <a:srgbClr val="ffffff"/>
+                      </a:solidFill>
+                    </a:lnB>
+                    <a:solidFill>
+                      <a:srgbClr val="e8d0cf"/>
+                    </a:solidFill>
+                  </a:tcPr>
+                </a:tc>
+              </a:tr>
+              <a:tr h="415800">
+                <a:tc>
+                  <a:txBody>
+                    <a:bodyPr/>
+                    <a:p>
+                      <a:pPr>
+                        <a:lnSpc>
+                          <a:spcPct val="100000"/>
+                        </a:lnSpc>
+                      </a:pPr>
+                      <a:r>
+                        <a:rPr b="0" lang="en-US" sz="1200" spc="-1" strike="noStrike">
+                          <a:solidFill>
+                            <a:srgbClr val="000000"/>
+                          </a:solidFill>
+                          <a:latin typeface="Arial"/>
+                          <a:ea typeface="DejaVu Sans"/>
+                        </a:rPr>
+                        <a:t>kmeans</a:t>
+                      </a:r>
+                      <a:endParaRPr b="0" lang="en-US" sz="1200" spc="-1" strike="noStrike">
+                        <a:latin typeface="Arial"/>
+                      </a:endParaRPr>
+                    </a:p>
+                  </a:txBody>
+                  <a:tcPr marL="91440" marR="91440">
+                    <a:lnL w="12240">
+                      <a:solidFill>
+                        <a:srgbClr val="ffffff"/>
+                      </a:solidFill>
+                    </a:lnL>
+                    <a:lnR w="12240">
+                      <a:solidFill>
+                        <a:srgbClr val="ffffff"/>
+                      </a:solidFill>
+                    </a:lnR>
+                    <a:lnT w="12240">
+                      <a:solidFill>
+                        <a:srgbClr val="ffffff"/>
+                      </a:solidFill>
+                    </a:lnT>
+                    <a:lnB w="12240">
+                      <a:solidFill>
+                        <a:srgbClr val="ffffff"/>
+                      </a:solidFill>
+                    </a:lnB>
+                    <a:solidFill>
+                      <a:srgbClr val="f4e9e9"/>
+                    </a:solidFill>
+                  </a:tcPr>
+                </a:tc>
+                <a:tc>
+                  <a:txBody>
+                    <a:bodyPr/>
+                    <a:p>
+                      <a:pPr>
+                        <a:lnSpc>
+                          <a:spcPct val="100000"/>
+                        </a:lnSpc>
+                      </a:pPr>
+                      <a:r>
+                        <a:rPr b="0" lang="en-US" sz="1200" spc="-1" strike="noStrike">
+                          <a:solidFill>
+                            <a:srgbClr val="000000"/>
+                          </a:solidFill>
+                          <a:latin typeface="Arial"/>
+                          <a:ea typeface="DejaVu Sans"/>
+                        </a:rPr>
+                        <a:t>1297</a:t>
+                      </a:r>
+                      <a:endParaRPr b="0" lang="en-US" sz="1200" spc="-1" strike="noStrike">
+                        <a:latin typeface="Arial"/>
+                      </a:endParaRPr>
+                    </a:p>
+                  </a:txBody>
+                  <a:tcPr marL="91440" marR="91440">
+                    <a:lnL w="12240">
+                      <a:solidFill>
+                        <a:srgbClr val="ffffff"/>
+                      </a:solidFill>
+                    </a:lnL>
+                    <a:lnR w="12240">
+                      <a:solidFill>
+                        <a:srgbClr val="ffffff"/>
+                      </a:solidFill>
+                    </a:lnR>
+                    <a:lnT w="12240">
+                      <a:solidFill>
+                        <a:srgbClr val="ffffff"/>
+                      </a:solidFill>
+                    </a:lnT>
+                    <a:lnB w="12240">
+                      <a:solidFill>
+                        <a:srgbClr val="ffffff"/>
+                      </a:solidFill>
+                    </a:lnB>
+                    <a:solidFill>
+                      <a:srgbClr val="f4e9e9"/>
+                    </a:solidFill>
+                  </a:tcPr>
+                </a:tc>
+                <a:tc>
+                  <a:txBody>
+                    <a:bodyPr/>
+                    <a:p>
+                      <a:pPr>
+                        <a:lnSpc>
+                          <a:spcPct val="100000"/>
+                        </a:lnSpc>
+                      </a:pPr>
+                      <a:r>
+                        <a:rPr b="0" lang="en-US" sz="1200" spc="-1" strike="noStrike">
+                          <a:solidFill>
+                            <a:srgbClr val="000000"/>
+                          </a:solidFill>
+                          <a:latin typeface="Arial"/>
+                          <a:ea typeface="DejaVu Sans"/>
+                        </a:rPr>
+                        <a:t>1527</a:t>
+                      </a:r>
+                      <a:endParaRPr b="0" lang="en-US" sz="1200" spc="-1" strike="noStrike">
+                        <a:latin typeface="Arial"/>
+                      </a:endParaRPr>
+                    </a:p>
+                  </a:txBody>
+                  <a:tcPr marL="91440" marR="91440">
+                    <a:lnL w="12240">
+                      <a:solidFill>
+                        <a:srgbClr val="ffffff"/>
+                      </a:solidFill>
+                    </a:lnL>
+                    <a:lnR w="12240">
+                      <a:solidFill>
+                        <a:srgbClr val="ffffff"/>
+                      </a:solidFill>
+                    </a:lnR>
+                    <a:lnT w="12240">
+                      <a:solidFill>
+                        <a:srgbClr val="ffffff"/>
+                      </a:solidFill>
+                    </a:lnT>
+                    <a:lnB w="12240">
+                      <a:solidFill>
+                        <a:srgbClr val="ffffff"/>
+                      </a:solidFill>
+                    </a:lnB>
+                    <a:solidFill>
+                      <a:srgbClr val="f4e9e9"/>
+                    </a:solidFill>
+                  </a:tcPr>
+                </a:tc>
+                <a:tc>
+                  <a:txBody>
+                    <a:bodyPr/>
+                    <a:p>
+                      <a:pPr>
+                        <a:lnSpc>
+                          <a:spcPct val="100000"/>
+                        </a:lnSpc>
+                      </a:pPr>
+                      <a:r>
+                        <a:rPr b="0" lang="en-US" sz="1200" spc="-1" strike="noStrike">
+                          <a:solidFill>
+                            <a:srgbClr val="000000"/>
+                          </a:solidFill>
+                          <a:latin typeface="Arial"/>
+                          <a:ea typeface="DejaVu Sans"/>
+                        </a:rPr>
+                        <a:t>120MHZ</a:t>
+                      </a:r>
+                      <a:endParaRPr b="0" lang="en-US" sz="1200" spc="-1" strike="noStrike">
+                        <a:latin typeface="Arial"/>
+                      </a:endParaRPr>
+                    </a:p>
+                  </a:txBody>
+                  <a:tcPr marL="91440" marR="91440">
+                    <a:lnL w="12240">
+                      <a:solidFill>
+                        <a:srgbClr val="ffffff"/>
+                      </a:solidFill>
+                    </a:lnL>
+                    <a:lnR w="12240">
+                      <a:solidFill>
+                        <a:srgbClr val="ffffff"/>
+                      </a:solidFill>
+                    </a:lnR>
+                    <a:lnT w="12240">
+                      <a:solidFill>
+                        <a:srgbClr val="ffffff"/>
+                      </a:solidFill>
+                    </a:lnT>
+                    <a:lnB w="12240">
+                      <a:solidFill>
+                        <a:srgbClr val="ffffff"/>
+                      </a:solidFill>
+                    </a:lnB>
+                    <a:solidFill>
+                      <a:srgbClr val="f4e9e9"/>
+                    </a:solidFill>
+                  </a:tcPr>
+                </a:tc>
+                <a:tc>
+                  <a:txBody>
+                    <a:bodyPr/>
+                    <a:p>
+                      <a:pPr>
+                        <a:lnSpc>
+                          <a:spcPct val="100000"/>
+                        </a:lnSpc>
+                      </a:pPr>
+                      <a:r>
+                        <a:rPr b="0" lang="en-US" sz="1200" spc="-1" strike="noStrike">
+                          <a:solidFill>
+                            <a:srgbClr val="000000"/>
+                          </a:solidFill>
+                          <a:latin typeface="Arial"/>
+                          <a:ea typeface="DejaVu Sans"/>
+                        </a:rPr>
+                        <a:t>1082</a:t>
+                      </a:r>
+                      <a:endParaRPr b="0" lang="en-US" sz="1200" spc="-1" strike="noStrike">
+                        <a:latin typeface="Arial"/>
+                      </a:endParaRPr>
+                    </a:p>
+                  </a:txBody>
+                  <a:tcPr marL="91440" marR="91440">
+                    <a:lnL w="12240">
+                      <a:solidFill>
+                        <a:srgbClr val="ffffff"/>
+                      </a:solidFill>
+                    </a:lnL>
+                    <a:lnR w="12240">
+                      <a:solidFill>
+                        <a:srgbClr val="ffffff"/>
+                      </a:solidFill>
+                    </a:lnR>
+                    <a:lnT w="12240">
+                      <a:solidFill>
+                        <a:srgbClr val="ffffff"/>
+                      </a:solidFill>
+                    </a:lnT>
+                    <a:lnB w="12240">
+                      <a:solidFill>
+                        <a:srgbClr val="ffffff"/>
+                      </a:solidFill>
+                    </a:lnB>
+                    <a:solidFill>
+                      <a:srgbClr val="f4e9e9"/>
+                    </a:solidFill>
+                  </a:tcPr>
+                </a:tc>
+                <a:tc>
+                  <a:txBody>
+                    <a:bodyPr/>
+                    <a:p>
+                      <a:pPr>
+                        <a:lnSpc>
+                          <a:spcPct val="100000"/>
+                        </a:lnSpc>
+                      </a:pPr>
+                      <a:r>
+                        <a:rPr b="0" lang="en-US" sz="1200" spc="-1" strike="noStrike">
+                          <a:solidFill>
+                            <a:srgbClr val="00b0f0"/>
+                          </a:solidFill>
+                          <a:latin typeface="Arial"/>
+                          <a:ea typeface="DejaVu Sans"/>
+                        </a:rPr>
+                        <a:t>41%</a:t>
+                      </a:r>
+                      <a:endParaRPr b="0" lang="en-US" sz="1200" spc="-1" strike="noStrike">
+                        <a:latin typeface="Arial"/>
+                      </a:endParaRPr>
+                    </a:p>
+                  </a:txBody>
+                  <a:tcPr marL="91440" marR="91440">
+                    <a:lnL w="12240">
+                      <a:solidFill>
+                        <a:srgbClr val="ffffff"/>
+                      </a:solidFill>
+                    </a:lnL>
+                    <a:lnR w="12240">
+                      <a:solidFill>
+                        <a:srgbClr val="ffffff"/>
+                      </a:solidFill>
+                    </a:lnR>
+                    <a:lnT w="12240">
+                      <a:solidFill>
+                        <a:srgbClr val="ffffff"/>
+                      </a:solidFill>
+                    </a:lnT>
+                    <a:lnB w="12240">
+                      <a:solidFill>
+                        <a:srgbClr val="ffffff"/>
+                      </a:solidFill>
+                    </a:lnB>
+                    <a:solidFill>
+                      <a:srgbClr val="f4e9e9"/>
+                    </a:solidFill>
+                  </a:tcPr>
+                </a:tc>
+              </a:tr>
+            </a:tbl>
+          </a:graphicData>
+        </a:graphic>
+      </p:graphicFrame>
+    </p:spTree>
+  </p:cSld>
+  <p:timing>
+    <p:tnLst>
+      <p:par>
+        <p:cTn id="35" dur="indefinite" restart="never" nodeType="tmRoot">
+          <p:childTnLst>
+            <p:seq>
+              <p:cTn id="36" dur="indefinite" nodeType="mainSeq"/>
+              <p:prevCondLst>
+                <p:cond delay="0" evt="onPrev">
+                  <p:tgtEl>
+                    <p:sldTgt/>
+                  </p:tgtEl>
+                </p:cond>
+              </p:prevCondLst>
+              <p:nextCondLst>
+                <p:cond delay="0" evt="onNext">
+                  <p:tgtEl>
+                    <p:sldTgt/>
+                  </p:tgtEl>
+                </p:cond>
+              </p:nextCondLst>
+            </p:seq>
+          </p:childTnLst>
+        </p:cTn>
+      </p:par>
+    </p:tnLst>
+  </p:timing>
+</p:sld>
+</file>
+
+<file path=ppt/slides/slide19.xml><?xml version="1.0" encoding="utf-8"?>
+<p:sld xmlns:a="http://schemas.openxmlformats.org/drawingml/2006/main" xmlns:p="http://schemas.openxmlformats.org/presentationml/2006/main" xmlns:r="http://schemas.openxmlformats.org/officeDocument/2006/relationships" xmlns:p14="http://schemas.microsoft.com/office/powerpoint/2010/main" xmlns:p15="http://schemas.microsoft.com/office/powerpoint/2012/main" xmlns:mc="http://schemas.openxmlformats.org/markup-compatibility/2006">
+  <p:cSld>
+    <p:spTree>
+      <p:nvGrpSpPr>
+        <p:cNvPr id="1" name=""/>
+        <p:cNvGrpSpPr/>
+        <p:nvPr/>
+      </p:nvGrpSpPr>
+      <p:grpSpPr>
+        <a:xfrm>
+          <a:off x="0" y="0"/>
+          <a:ext cx="0" cy="0"/>
+          <a:chOff x="0" y="0"/>
+          <a:chExt cx="0" cy="0"/>
+        </a:xfrm>
+      </p:grpSpPr>
+      <p:sp>
+        <p:nvSpPr>
+          <p:cNvPr id="247" name="CustomShape 1"/>
+          <p:cNvSpPr/>
+          <p:nvPr/>
+        </p:nvSpPr>
+        <p:spPr>
+          <a:xfrm>
+            <a:off x="359640" y="270000"/>
+            <a:ext cx="9356760" cy="672840"/>
+          </a:xfrm>
+          <a:prstGeom prst="rect">
+            <a:avLst/>
+          </a:prstGeom>
+          <a:noFill/>
+          <a:ln>
+            <a:noFill/>
+          </a:ln>
+        </p:spPr>
+        <p:style>
+          <a:lnRef idx="0"/>
+          <a:fillRef idx="0"/>
+          <a:effectRef idx="0"/>
+          <a:fontRef idx="minor"/>
+        </p:style>
+        <p:txBody>
+          <a:bodyPr lIns="0" rIns="0" tIns="0" bIns="0" anchor="b"/>
+          <a:p>
+            <a:pPr>
+              <a:lnSpc>
+                <a:spcPct val="100000"/>
+              </a:lnSpc>
+            </a:pPr>
+            <a:r>
+              <a:rPr b="1" lang="en-US" sz="3200" spc="-1" strike="noStrike">
+                <a:solidFill>
+                  <a:srgbClr val="ffffff"/>
+                </a:solidFill>
+                <a:latin typeface="Noto Sans Black"/>
+                <a:ea typeface="DejaVu Sans"/>
+              </a:rPr>
+              <a:t>Future improvement</a:t>
+            </a:r>
+            <a:endParaRPr b="0" lang="en-US" sz="3200" spc="-1" strike="noStrike">
+              <a:latin typeface="Arial"/>
+            </a:endParaRPr>
+          </a:p>
+        </p:txBody>
+      </p:sp>
+      <p:sp>
+        <p:nvSpPr>
+          <p:cNvPr id="248" name="CustomShape 2"/>
+          <p:cNvSpPr/>
+          <p:nvPr/>
+        </p:nvSpPr>
+        <p:spPr>
+          <a:xfrm>
+            <a:off x="212040" y="1533960"/>
+            <a:ext cx="9389160" cy="2306520"/>
+          </a:xfrm>
+          <a:prstGeom prst="rect">
+            <a:avLst/>
+          </a:prstGeom>
+          <a:noFill/>
+          <a:ln>
+            <a:noFill/>
+          </a:ln>
+        </p:spPr>
+        <p:style>
+          <a:lnRef idx="0"/>
+          <a:fillRef idx="0"/>
+          <a:effectRef idx="0"/>
+          <a:fontRef idx="minor"/>
+        </p:style>
+        <p:txBody>
+          <a:bodyPr lIns="0" rIns="0" tIns="0" bIns="0">
+            <a:normAutofit/>
+          </a:bodyPr>
+          <a:p>
+            <a:pPr marL="216000" indent="-213480">
+              <a:lnSpc>
+                <a:spcPct val="100000"/>
+              </a:lnSpc>
+              <a:spcAft>
+                <a:spcPts val="1140"/>
+              </a:spcAft>
+              <a:buClr>
+                <a:srgbClr val="000000"/>
+              </a:buClr>
+              <a:buSzPct val="45000"/>
+              <a:buFont typeface="Wingdings" charset="2"/>
+              <a:buChar char=""/>
+            </a:pPr>
+            <a:r>
+              <a:rPr b="0" lang="en-US" sz="2800" spc="-1" strike="noStrike">
+                <a:solidFill>
+                  <a:srgbClr val="000000"/>
+                </a:solidFill>
+                <a:latin typeface="Arial"/>
+                <a:ea typeface="DejaVu Sans"/>
+              </a:rPr>
+              <a:t>Using interruption instead of polling</a:t>
+            </a:r>
+            <a:endParaRPr b="0" lang="en-US" sz="2800" spc="-1" strike="noStrike">
+              <a:latin typeface="Arial"/>
+            </a:endParaRPr>
+          </a:p>
+          <a:p>
+            <a:pPr marL="216000" indent="-213480">
+              <a:lnSpc>
+                <a:spcPct val="100000"/>
+              </a:lnSpc>
+              <a:spcAft>
+                <a:spcPts val="1140"/>
+              </a:spcAft>
+              <a:buClr>
+                <a:srgbClr val="000000"/>
+              </a:buClr>
+              <a:buSzPct val="45000"/>
+              <a:buFont typeface="Wingdings" charset="2"/>
+              <a:buChar char=""/>
+            </a:pPr>
+            <a:r>
+              <a:rPr b="0" lang="en-US" sz="2800" spc="-1" strike="noStrike">
+                <a:solidFill>
+                  <a:srgbClr val="000000"/>
+                </a:solidFill>
+                <a:latin typeface="Arial"/>
+                <a:ea typeface="DejaVu Sans"/>
+              </a:rPr>
+              <a:t>A microblaze handle every task involving IP</a:t>
+            </a:r>
+            <a:endParaRPr b="0" lang="en-US" sz="2800" spc="-1" strike="noStrike">
+              <a:latin typeface="Arial"/>
+            </a:endParaRPr>
+          </a:p>
+          <a:p>
+            <a:pPr marL="216000" indent="-213480">
+              <a:lnSpc>
+                <a:spcPct val="100000"/>
+              </a:lnSpc>
+              <a:spcAft>
+                <a:spcPts val="1140"/>
+              </a:spcAft>
+              <a:buClr>
+                <a:srgbClr val="000000"/>
+              </a:buClr>
+              <a:buSzPct val="45000"/>
+              <a:buFont typeface="Wingdings" charset="2"/>
+              <a:buChar char=""/>
+            </a:pPr>
+            <a:r>
+              <a:rPr b="0" lang="en-US" sz="2800" spc="-1" strike="noStrike">
+                <a:solidFill>
+                  <a:srgbClr val="000000"/>
+                </a:solidFill>
+                <a:latin typeface="Arial"/>
+                <a:ea typeface="DejaVu Sans"/>
+              </a:rPr>
+              <a:t>Multi-microblazes multi-IPs.</a:t>
+            </a:r>
+            <a:endParaRPr b="0" lang="en-US" sz="2800" spc="-1" strike="noStrike">
+              <a:latin typeface="Arial"/>
+            </a:endParaRPr>
+          </a:p>
+          <a:p>
+            <a:pPr marL="2160">
+              <a:lnSpc>
+                <a:spcPct val="100000"/>
+              </a:lnSpc>
+              <a:spcAft>
+                <a:spcPts val="1140"/>
+              </a:spcAft>
+            </a:pPr>
+            <a:endParaRPr b="0" lang="en-US" sz="2800" spc="-1" strike="noStrike">
+              <a:latin typeface="Arial"/>
+            </a:endParaRPr>
+          </a:p>
+        </p:txBody>
+      </p:sp>
+    </p:spTree>
+  </p:cSld>
+  <p:timing>
+    <p:tnLst>
+      <p:par>
+        <p:cTn id="37" dur="indefinite" restart="never" nodeType="tmRoot">
+          <p:childTnLst>
+            <p:seq>
+              <p:cTn id="38" dur="indefinite" nodeType="mainSeq"/>
               <p:prevCondLst>
                 <p:cond delay="0" evt="onPrev">
                   <p:tgtEl>
@@ -7171,14 +11920,14 @@
       </p:grpSpPr>
       <p:sp>
         <p:nvSpPr>
-          <p:cNvPr id="129" name="CustomShape 1"/>
+          <p:cNvPr id="175" name="CustomShape 1"/>
           <p:cNvSpPr/>
           <p:nvPr/>
         </p:nvSpPr>
         <p:spPr>
           <a:xfrm>
             <a:off x="359640" y="270000"/>
-            <a:ext cx="9356760" cy="672840"/>
+            <a:ext cx="9356400" cy="672480"/>
           </a:xfrm>
           <a:prstGeom prst="rect">
             <a:avLst/>
@@ -7220,14 +11969,14 @@
       </p:sp>
       <p:sp>
         <p:nvSpPr>
-          <p:cNvPr id="130" name="CustomShape 2"/>
+          <p:cNvPr id="176" name="CustomShape 2"/>
           <p:cNvSpPr/>
           <p:nvPr/>
         </p:nvSpPr>
         <p:spPr>
           <a:xfrm>
             <a:off x="359640" y="1485000"/>
-            <a:ext cx="9176760" cy="3507840"/>
+            <a:ext cx="9176400" cy="3507480"/>
           </a:xfrm>
           <a:prstGeom prst="rect">
             <a:avLst/>
@@ -7248,7 +11997,7 @@
             <a:normAutofit/>
           </a:bodyPr>
           <a:p>
-            <a:pPr marL="216000" indent="-213480">
+            <a:pPr marL="216000" indent="-213120">
               <a:lnSpc>
                 <a:spcPct val="100000"/>
               </a:lnSpc>
@@ -7277,7 +12026,7 @@
             </a:endParaRPr>
           </a:p>
           <a:p>
-            <a:pPr lvl="2" marL="648000" indent="-214200">
+            <a:pPr lvl="2" marL="648000" indent="-213840">
               <a:lnSpc>
                 <a:spcPct val="100000"/>
               </a:lnSpc>
@@ -7306,7 +12055,7 @@
             </a:endParaRPr>
           </a:p>
           <a:p>
-            <a:pPr lvl="2" marL="648000" indent="-214200">
+            <a:pPr lvl="2" marL="648000" indent="-213840">
               <a:lnSpc>
                 <a:spcPct val="100000"/>
               </a:lnSpc>
@@ -7335,7 +12084,7 @@
             </a:endParaRPr>
           </a:p>
           <a:p>
-            <a:pPr marL="216000" indent="-213480">
+            <a:pPr marL="216000" indent="-213120">
               <a:lnSpc>
                 <a:spcPct val="100000"/>
               </a:lnSpc>
@@ -7364,7 +12113,7 @@
             </a:endParaRPr>
           </a:p>
           <a:p>
-            <a:pPr lvl="2" marL="648000" indent="-214200">
+            <a:pPr lvl="2" marL="648000" indent="-213840">
               <a:lnSpc>
                 <a:spcPct val="100000"/>
               </a:lnSpc>
@@ -7393,7 +12142,7 @@
             </a:endParaRPr>
           </a:p>
           <a:p>
-            <a:pPr marL="216000" indent="-213480">
+            <a:pPr marL="216000" indent="-213120">
               <a:lnSpc>
                 <a:spcPct val="100000"/>
               </a:lnSpc>
@@ -7422,7 +12171,7 @@
             </a:endParaRPr>
           </a:p>
           <a:p>
-            <a:pPr lvl="2" marL="648000" indent="-214200">
+            <a:pPr lvl="2" marL="648000" indent="-213840">
               <a:lnSpc>
                 <a:spcPct val="100000"/>
               </a:lnSpc>
@@ -7461,6 +12210,309 @@
           <p:childTnLst>
             <p:seq>
               <p:cTn id="4" dur="indefinite" nodeType="mainSeq"/>
+              <p:prevCondLst>
+                <p:cond delay="0" evt="onPrev">
+                  <p:tgtEl>
+                    <p:sldTgt/>
+                  </p:tgtEl>
+                </p:cond>
+              </p:prevCondLst>
+              <p:nextCondLst>
+                <p:cond delay="0" evt="onNext">
+                  <p:tgtEl>
+                    <p:sldTgt/>
+                  </p:tgtEl>
+                </p:cond>
+              </p:nextCondLst>
+            </p:seq>
+          </p:childTnLst>
+        </p:cTn>
+      </p:par>
+    </p:tnLst>
+  </p:timing>
+</p:sld>
+</file>
+
+<file path=ppt/slides/slide20.xml><?xml version="1.0" encoding="utf-8"?>
+<p:sld xmlns:a="http://schemas.openxmlformats.org/drawingml/2006/main" xmlns:p="http://schemas.openxmlformats.org/presentationml/2006/main" xmlns:r="http://schemas.openxmlformats.org/officeDocument/2006/relationships" xmlns:p14="http://schemas.microsoft.com/office/powerpoint/2010/main" xmlns:p15="http://schemas.microsoft.com/office/powerpoint/2012/main" xmlns:mc="http://schemas.openxmlformats.org/markup-compatibility/2006">
+  <p:cSld>
+    <p:spTree>
+      <p:nvGrpSpPr>
+        <p:cNvPr id="1" name=""/>
+        <p:cNvGrpSpPr/>
+        <p:nvPr/>
+      </p:nvGrpSpPr>
+      <p:grpSpPr>
+        <a:xfrm>
+          <a:off x="0" y="0"/>
+          <a:ext cx="0" cy="0"/>
+          <a:chOff x="0" y="0"/>
+          <a:chExt cx="0" cy="0"/>
+        </a:xfrm>
+      </p:grpSpPr>
+      <p:sp>
+        <p:nvSpPr>
+          <p:cNvPr id="249" name="CustomShape 1"/>
+          <p:cNvSpPr/>
+          <p:nvPr/>
+        </p:nvSpPr>
+        <p:spPr>
+          <a:xfrm>
+            <a:off x="359640" y="270000"/>
+            <a:ext cx="9356400" cy="672480"/>
+          </a:xfrm>
+          <a:prstGeom prst="rect">
+            <a:avLst/>
+          </a:prstGeom>
+          <a:noFill/>
+          <a:ln>
+            <a:noFill/>
+          </a:ln>
+        </p:spPr>
+        <p:style>
+          <a:lnRef idx="0"/>
+          <a:fillRef idx="0"/>
+          <a:effectRef idx="0"/>
+          <a:fontRef idx="minor"/>
+        </p:style>
+        <p:txBody>
+          <a:bodyPr lIns="0" rIns="0" tIns="0" bIns="0" anchor="b"/>
+          <a:p>
+            <a:pPr>
+              <a:lnSpc>
+                <a:spcPct val="100000"/>
+              </a:lnSpc>
+            </a:pPr>
+            <a:r>
+              <a:rPr b="1" lang="en-US" sz="3200" spc="-1" strike="noStrike">
+                <a:solidFill>
+                  <a:srgbClr val="ffffff"/>
+                </a:solidFill>
+                <a:latin typeface="Noto Sans Black"/>
+                <a:ea typeface="DejaVu Sans"/>
+              </a:rPr>
+              <a:t>Conclusion</a:t>
+            </a:r>
+            <a:endParaRPr b="0" lang="en-US" sz="3200" spc="-1" strike="noStrike">
+              <a:latin typeface="Arial"/>
+            </a:endParaRPr>
+          </a:p>
+        </p:txBody>
+      </p:sp>
+      <p:sp>
+        <p:nvSpPr>
+          <p:cNvPr id="250" name="CustomShape 2"/>
+          <p:cNvSpPr/>
+          <p:nvPr/>
+        </p:nvSpPr>
+        <p:spPr>
+          <a:xfrm>
+            <a:off x="359640" y="1782000"/>
+            <a:ext cx="9176400" cy="2616480"/>
+          </a:xfrm>
+          <a:prstGeom prst="rect">
+            <a:avLst/>
+          </a:prstGeom>
+          <a:noFill/>
+          <a:ln>
+            <a:noFill/>
+          </a:ln>
+        </p:spPr>
+        <p:style>
+          <a:lnRef idx="0"/>
+          <a:fillRef idx="0"/>
+          <a:effectRef idx="0"/>
+          <a:fontRef idx="minor"/>
+        </p:style>
+        <p:txBody>
+          <a:bodyPr lIns="0" rIns="0" tIns="0" bIns="0">
+            <a:normAutofit/>
+          </a:bodyPr>
+          <a:p>
+            <a:pPr marL="216000" indent="-213120">
+              <a:lnSpc>
+                <a:spcPct val="100000"/>
+              </a:lnSpc>
+              <a:spcAft>
+                <a:spcPts val="1140"/>
+              </a:spcAft>
+              <a:buClr>
+                <a:srgbClr val="000000"/>
+              </a:buClr>
+              <a:buSzPct val="45000"/>
+              <a:buFont typeface="Wingdings" charset="2"/>
+              <a:buChar char=""/>
+            </a:pPr>
+            <a:r>
+              <a:rPr b="1" lang="en-US" sz="2800" spc="-1" strike="noStrike">
+                <a:solidFill>
+                  <a:srgbClr val="1c1c1c"/>
+                </a:solidFill>
+                <a:latin typeface="Noto Sans SemiBold"/>
+                <a:ea typeface="DejaVu Sans"/>
+              </a:rPr>
+              <a:t>Difficultés autour des environnements</a:t>
+            </a:r>
+            <a:endParaRPr b="0" lang="en-US" sz="2800" spc="-1" strike="noStrike">
+              <a:latin typeface="Arial"/>
+            </a:endParaRPr>
+          </a:p>
+          <a:p>
+            <a:pPr marL="216000" indent="-213120">
+              <a:lnSpc>
+                <a:spcPct val="100000"/>
+              </a:lnSpc>
+              <a:spcAft>
+                <a:spcPts val="1140"/>
+              </a:spcAft>
+              <a:buClr>
+                <a:srgbClr val="000000"/>
+              </a:buClr>
+              <a:buSzPct val="45000"/>
+              <a:buFont typeface="Wingdings" charset="2"/>
+              <a:buChar char=""/>
+            </a:pPr>
+            <a:r>
+              <a:rPr b="1" lang="en-US" sz="2800" spc="-1" strike="noStrike">
+                <a:solidFill>
+                  <a:srgbClr val="1c1c1c"/>
+                </a:solidFill>
+                <a:latin typeface="Noto Sans SemiBold"/>
+                <a:ea typeface="DejaVu Sans"/>
+              </a:rPr>
+              <a:t>Efforts pour un concept fonctionnel</a:t>
+            </a:r>
+            <a:endParaRPr b="0" lang="en-US" sz="2800" spc="-1" strike="noStrike">
+              <a:latin typeface="Arial"/>
+            </a:endParaRPr>
+          </a:p>
+          <a:p>
+            <a:pPr marL="216000" indent="-213120">
+              <a:lnSpc>
+                <a:spcPct val="100000"/>
+              </a:lnSpc>
+              <a:spcAft>
+                <a:spcPts val="1140"/>
+              </a:spcAft>
+              <a:buClr>
+                <a:srgbClr val="000000"/>
+              </a:buClr>
+              <a:buSzPct val="45000"/>
+              <a:buFont typeface="Wingdings" charset="2"/>
+              <a:buChar char=""/>
+            </a:pPr>
+            <a:r>
+              <a:rPr b="1" lang="en-US" sz="2800" spc="-1" strike="noStrike">
+                <a:solidFill>
+                  <a:srgbClr val="1c1c1c"/>
+                </a:solidFill>
+                <a:latin typeface="Noto Sans SemiBold"/>
+                <a:ea typeface="DejaVu Sans"/>
+              </a:rPr>
+              <a:t>Processus de développement en pipeline</a:t>
+            </a:r>
+            <a:endParaRPr b="0" lang="en-US" sz="2800" spc="-1" strike="noStrike">
+              <a:latin typeface="Arial"/>
+            </a:endParaRPr>
+          </a:p>
+          <a:p>
+            <a:pPr marL="216000" indent="-213120">
+              <a:lnSpc>
+                <a:spcPct val="100000"/>
+              </a:lnSpc>
+              <a:spcAft>
+                <a:spcPts val="1140"/>
+              </a:spcAft>
+              <a:buClr>
+                <a:srgbClr val="000000"/>
+              </a:buClr>
+              <a:buSzPct val="45000"/>
+              <a:buFont typeface="Wingdings" charset="2"/>
+              <a:buChar char=""/>
+            </a:pPr>
+            <a:r>
+              <a:rPr b="1" lang="en-US" sz="2800" spc="-1" strike="noStrike">
+                <a:solidFill>
+                  <a:srgbClr val="1c1c1c"/>
+                </a:solidFill>
+                <a:latin typeface="Noto Sans SemiBold"/>
+                <a:ea typeface="DejaVu Sans"/>
+              </a:rPr>
+              <a:t>Parallélisation des travaux</a:t>
+            </a:r>
+            <a:endParaRPr b="0" lang="en-US" sz="2800" spc="-1" strike="noStrike">
+              <a:latin typeface="Arial"/>
+            </a:endParaRPr>
+          </a:p>
+          <a:p>
+            <a:pPr marL="216000" indent="-213120">
+              <a:lnSpc>
+                <a:spcPct val="100000"/>
+              </a:lnSpc>
+              <a:spcAft>
+                <a:spcPts val="1140"/>
+              </a:spcAft>
+              <a:buClr>
+                <a:srgbClr val="000000"/>
+              </a:buClr>
+              <a:buSzPct val="45000"/>
+              <a:buFont typeface="Wingdings" charset="2"/>
+              <a:buChar char=""/>
+            </a:pPr>
+            <a:r>
+              <a:rPr b="1" lang="en-US" sz="2800" spc="-1" strike="noStrike">
+                <a:solidFill>
+                  <a:srgbClr val="1c1c1c"/>
+                </a:solidFill>
+                <a:latin typeface="Noto Sans SemiBold"/>
+                <a:ea typeface="DejaVu Sans"/>
+              </a:rPr>
+              <a:t>Solutions non évidentes</a:t>
+            </a:r>
+            <a:endParaRPr b="0" lang="en-US" sz="2800" spc="-1" strike="noStrike">
+              <a:latin typeface="Arial"/>
+            </a:endParaRPr>
+          </a:p>
+          <a:p>
+            <a:pPr marL="216000" indent="-213120">
+              <a:lnSpc>
+                <a:spcPct val="100000"/>
+              </a:lnSpc>
+              <a:spcAft>
+                <a:spcPts val="1140"/>
+              </a:spcAft>
+              <a:buClr>
+                <a:srgbClr val="000000"/>
+              </a:buClr>
+              <a:buSzPct val="45000"/>
+              <a:buFont typeface="Wingdings" charset="2"/>
+              <a:buChar char=""/>
+            </a:pPr>
+            <a:r>
+              <a:rPr b="1" lang="en-US" sz="2800" spc="-1" strike="noStrike">
+                <a:solidFill>
+                  <a:srgbClr val="1c1c1c"/>
+                </a:solidFill>
+                <a:latin typeface="Noto Sans SemiBold"/>
+                <a:ea typeface="DejaVu Sans"/>
+              </a:rPr>
+              <a:t>Projet en direction non précise</a:t>
+            </a:r>
+            <a:endParaRPr b="0" lang="en-US" sz="2800" spc="-1" strike="noStrike">
+              <a:latin typeface="Arial"/>
+            </a:endParaRPr>
+          </a:p>
+        </p:txBody>
+      </p:sp>
+    </p:spTree>
+  </p:cSld>
+  <p:timing>
+    <p:tnLst>
+      <p:par>
+        <p:cTn id="39" dur="indefinite" restart="never" nodeType="tmRoot">
+          <p:childTnLst>
+            <p:seq>
+              <p:cTn id="40" dur="indefinite" nodeType="mainSeq"/>
               <p:prevCondLst>
                 <p:cond delay="0" evt="onPrev">
                   <p:tgtEl>
@@ -7503,14 +12555,14 @@
       </p:grpSpPr>
       <p:sp>
         <p:nvSpPr>
-          <p:cNvPr id="131" name="CustomShape 1"/>
+          <p:cNvPr id="177" name="CustomShape 1"/>
           <p:cNvSpPr/>
           <p:nvPr/>
         </p:nvSpPr>
         <p:spPr>
           <a:xfrm>
             <a:off x="359640" y="270000"/>
-            <a:ext cx="9357480" cy="673560"/>
+            <a:ext cx="9357120" cy="673200"/>
           </a:xfrm>
           <a:prstGeom prst="rect">
             <a:avLst/>
@@ -7552,14 +12604,14 @@
       </p:sp>
       <p:sp>
         <p:nvSpPr>
-          <p:cNvPr id="132" name="CustomShape 2"/>
+          <p:cNvPr id="178" name="CustomShape 2"/>
           <p:cNvSpPr/>
           <p:nvPr/>
         </p:nvSpPr>
         <p:spPr>
           <a:xfrm>
             <a:off x="359280" y="1099800"/>
-            <a:ext cx="9177480" cy="4041720"/>
+            <a:ext cx="9177120" cy="4041360"/>
           </a:xfrm>
           <a:prstGeom prst="rect">
             <a:avLst/>
@@ -7629,7 +12681,7 @@
       </p:sp>
       <p:pic>
         <p:nvPicPr>
-          <p:cNvPr id="133" name="Image 4" descr=""/>
+          <p:cNvPr id="179" name="Image 4" descr=""/>
           <p:cNvPicPr/>
           <p:nvPr/>
         </p:nvPicPr>
@@ -7640,7 +12692,7 @@
         <p:spPr>
           <a:xfrm>
             <a:off x="254880" y="1263960"/>
-            <a:ext cx="2742480" cy="1393920"/>
+            <a:ext cx="2742120" cy="1393560"/>
           </a:xfrm>
           <a:prstGeom prst="rect">
             <a:avLst/>
@@ -7652,7 +12704,7 @@
       </p:pic>
       <p:pic>
         <p:nvPicPr>
-          <p:cNvPr id="134" name="Image 6" descr=""/>
+          <p:cNvPr id="180" name="Image 6" descr=""/>
           <p:cNvPicPr/>
           <p:nvPr/>
         </p:nvPicPr>
@@ -7663,7 +12715,7 @@
         <p:spPr>
           <a:xfrm>
             <a:off x="3658320" y="1386000"/>
-            <a:ext cx="3616560" cy="1137240"/>
+            <a:ext cx="3616200" cy="1136880"/>
           </a:xfrm>
           <a:prstGeom prst="rect">
             <a:avLst/>
@@ -7675,7 +12727,7 @@
       </p:pic>
       <p:pic>
         <p:nvPicPr>
-          <p:cNvPr id="135" name="Image 8" descr=""/>
+          <p:cNvPr id="181" name="Image 8" descr=""/>
           <p:cNvPicPr/>
           <p:nvPr/>
         </p:nvPicPr>
@@ -7686,7 +12738,7 @@
         <p:spPr>
           <a:xfrm>
             <a:off x="357840" y="3531960"/>
-            <a:ext cx="2742480" cy="948240"/>
+            <a:ext cx="2742120" cy="947880"/>
           </a:xfrm>
           <a:prstGeom prst="rect">
             <a:avLst/>
@@ -7698,14 +12750,14 @@
       </p:pic>
       <p:sp>
         <p:nvSpPr>
-          <p:cNvPr id="136" name="CustomShape 3"/>
+          <p:cNvPr id="182" name="CustomShape 3"/>
           <p:cNvSpPr/>
           <p:nvPr/>
         </p:nvSpPr>
         <p:spPr>
           <a:xfrm>
             <a:off x="1218240" y="4620960"/>
-            <a:ext cx="2742480" cy="334800"/>
+            <a:ext cx="2742120" cy="334440"/>
           </a:xfrm>
           <a:prstGeom prst="rect">
             <a:avLst/>
@@ -7747,7 +12799,7 @@
       </p:sp>
       <p:pic>
         <p:nvPicPr>
-          <p:cNvPr id="137" name="Image 11" descr=""/>
+          <p:cNvPr id="183" name="Image 11" descr=""/>
           <p:cNvPicPr/>
           <p:nvPr/>
         </p:nvPicPr>
@@ -7758,7 +12810,7 @@
         <p:spPr>
           <a:xfrm>
             <a:off x="3856320" y="3161880"/>
-            <a:ext cx="1914840" cy="1459800"/>
+            <a:ext cx="1914480" cy="1459440"/>
           </a:xfrm>
           <a:prstGeom prst="rect">
             <a:avLst/>
@@ -7770,14 +12822,14 @@
       </p:pic>
       <p:sp>
         <p:nvSpPr>
-          <p:cNvPr id="138" name="CustomShape 4"/>
+          <p:cNvPr id="184" name="CustomShape 4"/>
           <p:cNvSpPr/>
           <p:nvPr/>
         </p:nvSpPr>
         <p:spPr>
           <a:xfrm>
             <a:off x="4155120" y="4655160"/>
-            <a:ext cx="2742480" cy="334800"/>
+            <a:ext cx="2742120" cy="334440"/>
           </a:xfrm>
           <a:prstGeom prst="rect">
             <a:avLst/>
@@ -7819,14 +12871,14 @@
       </p:sp>
       <p:sp>
         <p:nvSpPr>
-          <p:cNvPr id="139" name="CustomShape 5"/>
+          <p:cNvPr id="185" name="CustomShape 5"/>
           <p:cNvSpPr/>
           <p:nvPr/>
         </p:nvSpPr>
         <p:spPr>
           <a:xfrm>
             <a:off x="1064160" y="2777400"/>
-            <a:ext cx="2742480" cy="334800"/>
+            <a:ext cx="2742120" cy="334440"/>
           </a:xfrm>
           <a:prstGeom prst="rect">
             <a:avLst/>
@@ -7868,14 +12920,14 @@
       </p:sp>
       <p:sp>
         <p:nvSpPr>
-          <p:cNvPr id="140" name="CustomShape 6"/>
+          <p:cNvPr id="186" name="CustomShape 6"/>
           <p:cNvSpPr/>
           <p:nvPr/>
         </p:nvSpPr>
         <p:spPr>
           <a:xfrm>
             <a:off x="5033880" y="2777400"/>
-            <a:ext cx="2742480" cy="334800"/>
+            <a:ext cx="2742120" cy="334440"/>
           </a:xfrm>
           <a:prstGeom prst="rect">
             <a:avLst/>
@@ -7917,7 +12969,7 @@
       </p:sp>
       <p:pic>
         <p:nvPicPr>
-          <p:cNvPr id="141" name="Image 13" descr=""/>
+          <p:cNvPr id="187" name="Image 13" descr=""/>
           <p:cNvPicPr/>
           <p:nvPr/>
         </p:nvPicPr>
@@ -7928,7 +12980,7 @@
         <p:spPr>
           <a:xfrm>
             <a:off x="6452280" y="2956680"/>
-            <a:ext cx="2742480" cy="1514880"/>
+            <a:ext cx="2742120" cy="1514520"/>
           </a:xfrm>
           <a:prstGeom prst="rect">
             <a:avLst/>
@@ -7940,14 +12992,14 @@
       </p:pic>
       <p:sp>
         <p:nvSpPr>
-          <p:cNvPr id="142" name="CustomShape 7"/>
+          <p:cNvPr id="188" name="CustomShape 7"/>
           <p:cNvSpPr/>
           <p:nvPr/>
         </p:nvSpPr>
         <p:spPr>
           <a:xfrm>
             <a:off x="6894360" y="4620960"/>
-            <a:ext cx="2742480" cy="334800"/>
+            <a:ext cx="2742120" cy="334440"/>
           </a:xfrm>
           <a:prstGeom prst="rect">
             <a:avLst/>
@@ -8038,14 +13090,14 @@
       </p:grpSpPr>
       <p:sp>
         <p:nvSpPr>
-          <p:cNvPr id="143" name="CustomShape 1"/>
+          <p:cNvPr id="189" name="CustomShape 1"/>
           <p:cNvSpPr/>
           <p:nvPr/>
         </p:nvSpPr>
         <p:spPr>
           <a:xfrm>
             <a:off x="359640" y="270000"/>
-            <a:ext cx="9357480" cy="673560"/>
+            <a:ext cx="9357120" cy="673200"/>
           </a:xfrm>
           <a:prstGeom prst="rect">
             <a:avLst/>
@@ -8087,14 +13139,14 @@
       </p:sp>
       <p:sp>
         <p:nvSpPr>
-          <p:cNvPr id="144" name="CustomShape 2"/>
+          <p:cNvPr id="190" name="CustomShape 2"/>
           <p:cNvSpPr/>
           <p:nvPr/>
         </p:nvSpPr>
         <p:spPr>
           <a:xfrm>
             <a:off x="359280" y="1099800"/>
-            <a:ext cx="9177480" cy="4041720"/>
+            <a:ext cx="9177120" cy="4041360"/>
           </a:xfrm>
           <a:prstGeom prst="rect">
             <a:avLst/>
@@ -8164,14 +13216,14 @@
       </p:sp>
       <p:sp>
         <p:nvSpPr>
-          <p:cNvPr id="145" name="CustomShape 3"/>
+          <p:cNvPr id="191" name="CustomShape 3"/>
           <p:cNvSpPr/>
           <p:nvPr/>
         </p:nvSpPr>
         <p:spPr>
           <a:xfrm>
             <a:off x="5033880" y="2777400"/>
-            <a:ext cx="2742480" cy="337680"/>
+            <a:ext cx="2742120" cy="337320"/>
           </a:xfrm>
           <a:prstGeom prst="rect">
             <a:avLst/>
@@ -8190,7 +13242,7 @@
       </p:sp>
       <p:pic>
         <p:nvPicPr>
-          <p:cNvPr id="146" name="" descr=""/>
+          <p:cNvPr id="192" name="" descr=""/>
           <p:cNvPicPr/>
           <p:nvPr/>
         </p:nvPicPr>
@@ -8201,7 +13253,7 @@
         <p:spPr>
           <a:xfrm>
             <a:off x="640080" y="1005840"/>
-            <a:ext cx="6766200" cy="4560480"/>
+            <a:ext cx="6765840" cy="4560120"/>
           </a:xfrm>
           <a:prstGeom prst="rect">
             <a:avLst/>
@@ -8262,7 +13314,7 @@
       </p:grpSpPr>
       <p:pic>
         <p:nvPicPr>
-          <p:cNvPr id="147" name="图片 1" descr=""/>
+          <p:cNvPr id="193" name="图片 1" descr=""/>
           <p:cNvPicPr/>
           <p:nvPr/>
         </p:nvPicPr>
@@ -8273,7 +13325,7 @@
         <p:spPr>
           <a:xfrm>
             <a:off x="359280" y="1153800"/>
-            <a:ext cx="5843160" cy="2638440"/>
+            <a:ext cx="5842800" cy="2638080"/>
           </a:xfrm>
           <a:prstGeom prst="rect">
             <a:avLst/>
@@ -8285,14 +13337,14 @@
       </p:pic>
       <p:sp>
         <p:nvSpPr>
-          <p:cNvPr id="148" name="CustomShape 1"/>
+          <p:cNvPr id="194" name="CustomShape 1"/>
           <p:cNvSpPr/>
           <p:nvPr/>
         </p:nvSpPr>
         <p:spPr>
           <a:xfrm>
             <a:off x="359640" y="270000"/>
-            <a:ext cx="9357480" cy="673560"/>
+            <a:ext cx="9357120" cy="673200"/>
           </a:xfrm>
           <a:prstGeom prst="rect">
             <a:avLst/>
@@ -8334,14 +13386,14 @@
       </p:sp>
       <p:sp>
         <p:nvSpPr>
-          <p:cNvPr id="149" name="CustomShape 2"/>
+          <p:cNvPr id="195" name="CustomShape 2"/>
           <p:cNvSpPr/>
           <p:nvPr/>
         </p:nvSpPr>
         <p:spPr>
           <a:xfrm>
             <a:off x="359280" y="1099800"/>
-            <a:ext cx="9177480" cy="4041720"/>
+            <a:ext cx="9177120" cy="4041360"/>
           </a:xfrm>
           <a:prstGeom prst="rect">
             <a:avLst/>
@@ -8522,7 +13574,7 @@
       </p:sp>
       <p:pic>
         <p:nvPicPr>
-          <p:cNvPr id="150" name="图片 2" descr=""/>
+          <p:cNvPr id="196" name="图片 2" descr=""/>
           <p:cNvPicPr/>
           <p:nvPr/>
         </p:nvPicPr>
@@ -8533,7 +13585,7 @@
         <p:spPr>
           <a:xfrm>
             <a:off x="6873840" y="1287000"/>
-            <a:ext cx="2261160" cy="2188080"/>
+            <a:ext cx="2260800" cy="2187720"/>
           </a:xfrm>
           <a:prstGeom prst="rect">
             <a:avLst/>
@@ -8545,7 +13597,7 @@
       </p:pic>
       <p:pic>
         <p:nvPicPr>
-          <p:cNvPr id="151" name="图片 4" descr=""/>
+          <p:cNvPr id="197" name="图片 4" descr=""/>
           <p:cNvPicPr/>
           <p:nvPr/>
         </p:nvPicPr>
@@ -8557,7 +13609,7 @@
         <p:spPr>
           <a:xfrm>
             <a:off x="359280" y="3971880"/>
-            <a:ext cx="4229640" cy="1119960"/>
+            <a:ext cx="4229280" cy="1119600"/>
           </a:xfrm>
           <a:prstGeom prst="rect">
             <a:avLst/>
@@ -8569,7 +13621,7 @@
       </p:pic>
       <p:pic>
         <p:nvPicPr>
-          <p:cNvPr id="152" name="图片 1" descr=""/>
+          <p:cNvPr id="198" name="图片 1" descr=""/>
           <p:cNvPicPr/>
           <p:nvPr/>
         </p:nvPicPr>
@@ -8580,7 +13632,7 @@
         <p:spPr>
           <a:xfrm>
             <a:off x="4749120" y="3650760"/>
-            <a:ext cx="4967640" cy="1441440"/>
+            <a:ext cx="4967280" cy="1441080"/>
           </a:xfrm>
           <a:prstGeom prst="rect">
             <a:avLst/>
@@ -8641,14 +13693,14 @@
       </p:grpSpPr>
       <p:sp>
         <p:nvSpPr>
-          <p:cNvPr id="153" name="CustomShape 1"/>
+          <p:cNvPr id="199" name="CustomShape 1"/>
           <p:cNvSpPr/>
           <p:nvPr/>
         </p:nvSpPr>
         <p:spPr>
           <a:xfrm>
             <a:off x="359640" y="270000"/>
-            <a:ext cx="9357480" cy="673560"/>
+            <a:ext cx="9357120" cy="673200"/>
           </a:xfrm>
           <a:prstGeom prst="rect">
             <a:avLst/>
@@ -8690,14 +13742,14 @@
       </p:sp>
       <p:sp>
         <p:nvSpPr>
-          <p:cNvPr id="154" name="CustomShape 2"/>
+          <p:cNvPr id="200" name="CustomShape 2"/>
           <p:cNvSpPr/>
           <p:nvPr/>
         </p:nvSpPr>
         <p:spPr>
           <a:xfrm>
             <a:off x="359280" y="1099800"/>
-            <a:ext cx="9177480" cy="4041720"/>
+            <a:ext cx="9177120" cy="4041360"/>
           </a:xfrm>
           <a:prstGeom prst="rect">
             <a:avLst/>
@@ -8915,21 +13967,21 @@
       </p:sp>
       <p:grpSp>
         <p:nvGrpSpPr>
-          <p:cNvPr id="155" name="Group 3"/>
+          <p:cNvPr id="201" name="Group 3"/>
           <p:cNvGrpSpPr/>
           <p:nvPr/>
         </p:nvGrpSpPr>
         <p:grpSpPr>
           <a:xfrm>
             <a:off x="4534560" y="1598400"/>
-            <a:ext cx="5182200" cy="2782440"/>
+            <a:ext cx="5181840" cy="2782080"/>
             <a:chOff x="4534560" y="1598400"/>
-            <a:chExt cx="5182200" cy="2782440"/>
+            <a:chExt cx="5181840" cy="2782080"/>
           </a:xfrm>
         </p:grpSpPr>
         <p:pic>
           <p:nvPicPr>
-            <p:cNvPr id="156" name="图片 14" descr=""/>
+            <p:cNvPr id="202" name="图片 14" descr=""/>
             <p:cNvPicPr/>
             <p:nvPr/>
           </p:nvPicPr>
@@ -8941,7 +13993,7 @@
           <p:spPr>
             <a:xfrm>
               <a:off x="4534560" y="1598400"/>
-              <a:ext cx="5182200" cy="2782440"/>
+              <a:ext cx="5181840" cy="2782080"/>
             </a:xfrm>
             <a:prstGeom prst="rect">
               <a:avLst/>
@@ -8953,14 +14005,14 @@
         </p:pic>
         <p:sp>
           <p:nvSpPr>
-            <p:cNvPr id="157" name="CustomShape 4"/>
+            <p:cNvPr id="203" name="CustomShape 4"/>
             <p:cNvSpPr/>
             <p:nvPr/>
           </p:nvSpPr>
           <p:spPr>
             <a:xfrm>
               <a:off x="7008120" y="3122640"/>
-              <a:ext cx="2131920" cy="450000"/>
+              <a:ext cx="2131560" cy="449640"/>
             </a:xfrm>
             <a:prstGeom prst="ellipse">
               <a:avLst/>
@@ -9040,7 +14092,7 @@
       </p:grpSpPr>
       <p:pic>
         <p:nvPicPr>
-          <p:cNvPr id="158" name="图片 1" descr=""/>
+          <p:cNvPr id="204" name="图片 1" descr=""/>
           <p:cNvPicPr/>
           <p:nvPr/>
         </p:nvPicPr>
@@ -9051,7 +14103,7 @@
         <p:spPr>
           <a:xfrm>
             <a:off x="1118880" y="1113120"/>
-            <a:ext cx="7393320" cy="3917160"/>
+            <a:ext cx="7392960" cy="3916800"/>
           </a:xfrm>
           <a:prstGeom prst="rect">
             <a:avLst/>
@@ -9063,14 +14115,14 @@
       </p:pic>
       <p:sp>
         <p:nvSpPr>
-          <p:cNvPr id="159" name="CustomShape 1"/>
+          <p:cNvPr id="205" name="CustomShape 1"/>
           <p:cNvSpPr/>
           <p:nvPr/>
         </p:nvSpPr>
         <p:spPr>
           <a:xfrm>
             <a:off x="359640" y="270000"/>
-            <a:ext cx="9357480" cy="673560"/>
+            <a:ext cx="9357120" cy="673200"/>
           </a:xfrm>
           <a:prstGeom prst="rect">
             <a:avLst/>
@@ -9112,14 +14164,14 @@
       </p:sp>
       <p:sp>
         <p:nvSpPr>
-          <p:cNvPr id="160" name="CustomShape 2"/>
+          <p:cNvPr id="206" name="CustomShape 2"/>
           <p:cNvSpPr/>
           <p:nvPr/>
         </p:nvSpPr>
         <p:spPr>
           <a:xfrm>
             <a:off x="358920" y="1108080"/>
-            <a:ext cx="9177480" cy="4041720"/>
+            <a:ext cx="9177120" cy="4041360"/>
           </a:xfrm>
           <a:prstGeom prst="rect">
             <a:avLst/>
@@ -9238,7 +14290,7 @@
       </p:grpSpPr>
       <p:pic>
         <p:nvPicPr>
-          <p:cNvPr id="161" name="图片 21" descr=""/>
+          <p:cNvPr id="207" name="图片 21" descr=""/>
           <p:cNvPicPr/>
           <p:nvPr/>
         </p:nvPicPr>
@@ -9249,7 +14301,7 @@
         <p:spPr>
           <a:xfrm>
             <a:off x="3601440" y="1099800"/>
-            <a:ext cx="6115680" cy="2948400"/>
+            <a:ext cx="6115320" cy="2948040"/>
           </a:xfrm>
           <a:prstGeom prst="rect">
             <a:avLst/>
@@ -9261,14 +14313,14 @@
       </p:pic>
       <p:sp>
         <p:nvSpPr>
-          <p:cNvPr id="162" name="CustomShape 1"/>
+          <p:cNvPr id="208" name="CustomShape 1"/>
           <p:cNvSpPr/>
           <p:nvPr/>
         </p:nvSpPr>
         <p:spPr>
           <a:xfrm>
             <a:off x="359640" y="270000"/>
-            <a:ext cx="9357480" cy="673560"/>
+            <a:ext cx="9357120" cy="673200"/>
           </a:xfrm>
           <a:prstGeom prst="rect">
             <a:avLst/>
@@ -9310,14 +14362,14 @@
       </p:sp>
       <p:sp>
         <p:nvSpPr>
-          <p:cNvPr id="163" name="CustomShape 2"/>
+          <p:cNvPr id="209" name="CustomShape 2"/>
           <p:cNvSpPr/>
           <p:nvPr/>
         </p:nvSpPr>
         <p:spPr>
           <a:xfrm>
             <a:off x="359280" y="1099800"/>
-            <a:ext cx="9177480" cy="4041720"/>
+            <a:ext cx="9177120" cy="4041360"/>
           </a:xfrm>
           <a:prstGeom prst="rect">
             <a:avLst/>
@@ -9746,14 +14798,14 @@
       </p:grpSpPr>
       <p:sp>
         <p:nvSpPr>
-          <p:cNvPr id="164" name="CustomShape 1"/>
+          <p:cNvPr id="210" name="CustomShape 1"/>
           <p:cNvSpPr/>
           <p:nvPr/>
         </p:nvSpPr>
         <p:spPr>
           <a:xfrm>
             <a:off x="359640" y="270000"/>
-            <a:ext cx="9357480" cy="673560"/>
+            <a:ext cx="9357120" cy="673200"/>
           </a:xfrm>
           <a:prstGeom prst="rect">
             <a:avLst/>
@@ -9795,14 +14847,14 @@
       </p:sp>
       <p:sp>
         <p:nvSpPr>
-          <p:cNvPr id="165" name="CustomShape 2"/>
+          <p:cNvPr id="211" name="CustomShape 2"/>
           <p:cNvSpPr/>
           <p:nvPr/>
         </p:nvSpPr>
         <p:spPr>
           <a:xfrm>
             <a:off x="359280" y="1099800"/>
-            <a:ext cx="9177480" cy="4041720"/>
+            <a:ext cx="9177120" cy="4041360"/>
           </a:xfrm>
           <a:prstGeom prst="rect">
             <a:avLst/>
@@ -9882,7 +14934,7 @@
       </p:sp>
       <p:pic>
         <p:nvPicPr>
-          <p:cNvPr id="166" name="图片 2" descr=""/>
+          <p:cNvPr id="212" name="图片 2" descr=""/>
           <p:cNvPicPr/>
           <p:nvPr/>
         </p:nvPicPr>
@@ -9893,7 +14945,7 @@
         <p:spPr>
           <a:xfrm>
             <a:off x="4272120" y="1496520"/>
-            <a:ext cx="5376960" cy="3020760"/>
+            <a:ext cx="5376600" cy="3020400"/>
           </a:xfrm>
           <a:prstGeom prst="rect">
             <a:avLst/>
@@ -9905,7 +14957,7 @@
       </p:pic>
       <p:pic>
         <p:nvPicPr>
-          <p:cNvPr id="167" name="图片 9" descr=""/>
+          <p:cNvPr id="213" name="图片 9" descr=""/>
           <p:cNvPicPr/>
           <p:nvPr/>
         </p:nvPicPr>
@@ -9916,7 +14968,7 @@
         <p:spPr>
           <a:xfrm>
             <a:off x="565200" y="1546920"/>
-            <a:ext cx="3393360" cy="2970360"/>
+            <a:ext cx="3393000" cy="2970000"/>
           </a:xfrm>
           <a:prstGeom prst="rect">
             <a:avLst/>
@@ -10625,4 +15677,227 @@
     </a:fmtScheme>
   </a:themeElements>
 </a:theme>
+</file>
+
+<file path=ppt/theme/theme4.xml><?xml version="1.0" encoding="utf-8"?>
+<a:theme xmlns:a="http://schemas.openxmlformats.org/drawingml/2006/main" name="Office Theme">
+  <a:themeElements>
+    <a:clrScheme name="Office">
+      <a:dk1>
+        <a:sysClr val="windowText" lastClr="000000"/>
+      </a:dk1>
+      <a:lt1>
+        <a:sysClr val="window" lastClr="FFFFFF"/>
+      </a:lt1>
+      <a:dk2>
+        <a:srgbClr val="1f497d"/>
+      </a:dk2>
+      <a:lt2>
+        <a:srgbClr val="eeece1"/>
+      </a:lt2>
+      <a:accent1>
+        <a:srgbClr val="4f81bd"/>
+      </a:accent1>
+      <a:accent2>
+        <a:srgbClr val="c0504d"/>
+      </a:accent2>
+      <a:accent3>
+        <a:srgbClr val="9bbb59"/>
+      </a:accent3>
+      <a:accent4>
+        <a:srgbClr val="8064a2"/>
+      </a:accent4>
+      <a:accent5>
+        <a:srgbClr val="4bacc6"/>
+      </a:accent5>
+      <a:accent6>
+        <a:srgbClr val="f79646"/>
+      </a:accent6>
+      <a:hlink>
+        <a:srgbClr val="0000ff"/>
+      </a:hlink>
+      <a:folHlink>
+        <a:srgbClr val="800080"/>
+      </a:folHlink>
+    </a:clrScheme>
+    <a:fontScheme name="Office">
+      <a:majorFont>
+        <a:latin typeface="Arial"/>
+        <a:ea typeface="DejaVu Sans"/>
+        <a:cs typeface="DejaVu Sans"/>
+      </a:majorFont>
+      <a:minorFont>
+        <a:latin typeface="Arial"/>
+        <a:ea typeface="DejaVu Sans"/>
+        <a:cs typeface="DejaVu Sans"/>
+      </a:minorFont>
+    </a:fontScheme>
+    <a:fmtScheme name="Office">
+      <a:fillStyleLst>
+        <a:solidFill>
+          <a:schemeClr val="phClr"/>
+        </a:solidFill>
+        <a:gradFill rotWithShape="1">
+          <a:gsLst>
+            <a:gs pos="0">
+              <a:schemeClr val="phClr">
+                <a:tint val="50000"/>
+                <a:satMod val="300000"/>
+              </a:schemeClr>
+            </a:gs>
+            <a:gs pos="35000">
+              <a:schemeClr val="phClr">
+                <a:tint val="37000"/>
+                <a:satMod val="300000"/>
+              </a:schemeClr>
+            </a:gs>
+            <a:gs pos="100000">
+              <a:schemeClr val="phClr">
+                <a:tint val="15000"/>
+                <a:satMod val="350000"/>
+              </a:schemeClr>
+            </a:gs>
+          </a:gsLst>
+          <a:lin ang="16200000" scaled="1"/>
+        </a:gradFill>
+        <a:gradFill rotWithShape="1">
+          <a:gsLst>
+            <a:gs pos="0">
+              <a:schemeClr val="phClr">
+                <a:shade val="51000"/>
+                <a:satMod val="130000"/>
+              </a:schemeClr>
+            </a:gs>
+            <a:gs pos="80000">
+              <a:schemeClr val="phClr">
+                <a:shade val="93000"/>
+                <a:satMod val="130000"/>
+              </a:schemeClr>
+            </a:gs>
+            <a:gs pos="100000">
+              <a:schemeClr val="phClr">
+                <a:shade val="94000"/>
+                <a:satMod val="135000"/>
+              </a:schemeClr>
+            </a:gs>
+          </a:gsLst>
+          <a:lin ang="16200000" scaled="0"/>
+        </a:gradFill>
+      </a:fillStyleLst>
+      <a:lnStyleLst>
+        <a:ln w="9525" cap="flat" cmpd="sng" algn="ctr">
+          <a:solidFill>
+            <a:schemeClr val="phClr">
+              <a:shade val="95000"/>
+              <a:satMod val="105000"/>
+            </a:schemeClr>
+          </a:solidFill>
+          <a:prstDash val="solid"/>
+        </a:ln>
+        <a:ln w="25400" cap="flat" cmpd="sng" algn="ctr">
+          <a:solidFill>
+            <a:schemeClr val="phClr"/>
+          </a:solidFill>
+          <a:prstDash val="solid"/>
+        </a:ln>
+        <a:ln w="38100" cap="flat" cmpd="sng" algn="ctr">
+          <a:solidFill>
+            <a:schemeClr val="phClr"/>
+          </a:solidFill>
+          <a:prstDash val="solid"/>
+        </a:ln>
+      </a:lnStyleLst>
+      <a:effectStyleLst>
+        <a:effectStyle>
+          <a:effectLst>
+            <a:outerShdw blurRad="40000" dist="20000" dir="5400000" rotWithShape="0">
+              <a:srgbClr val="000000">
+                <a:alpha val="38000"/>
+              </a:srgbClr>
+            </a:outerShdw>
+          </a:effectLst>
+        </a:effectStyle>
+        <a:effectStyle>
+          <a:effectLst>
+            <a:outerShdw blurRad="40000" dist="23000" dir="5400000" rotWithShape="0">
+              <a:srgbClr val="000000">
+                <a:alpha val="35000"/>
+              </a:srgbClr>
+            </a:outerShdw>
+          </a:effectLst>
+        </a:effectStyle>
+        <a:effectStyle>
+          <a:effectLst>
+            <a:outerShdw blurRad="40000" dist="23000" dir="5400000" rotWithShape="0">
+              <a:srgbClr val="000000">
+                <a:alpha val="35000"/>
+              </a:srgbClr>
+            </a:outerShdw>
+          </a:effectLst>
+          <a:scene3d>
+            <a:camera prst="orthographicFront">
+              <a:rot lat="0" lon="0" rev="0"/>
+            </a:camera>
+            <a:lightRig rig="threePt" dir="t">
+              <a:rot lat="0" lon="0" rev="1200000"/>
+            </a:lightRig>
+          </a:scene3d>
+          <a:sp3d>
+            <a:bevelT w="63500" h="25400"/>
+          </a:sp3d>
+        </a:effectStyle>
+      </a:effectStyleLst>
+      <a:bgFillStyleLst>
+        <a:solidFill>
+          <a:schemeClr val="phClr"/>
+        </a:solidFill>
+        <a:gradFill rotWithShape="1">
+          <a:gsLst>
+            <a:gs pos="0">
+              <a:schemeClr val="phClr">
+                <a:tint val="40000"/>
+                <a:satMod val="350000"/>
+              </a:schemeClr>
+            </a:gs>
+            <a:gs pos="40000">
+              <a:schemeClr val="phClr">
+                <a:tint val="45000"/>
+                <a:shade val="99000"/>
+                <a:satMod val="350000"/>
+              </a:schemeClr>
+            </a:gs>
+            <a:gs pos="100000">
+              <a:schemeClr val="phClr">
+                <a:shade val="20000"/>
+                <a:satMod val="255000"/>
+              </a:schemeClr>
+            </a:gs>
+          </a:gsLst>
+          <a:path path="circle">
+            <a:fillToRect l="50000" t="-80000" r="50000" b="180000"/>
+          </a:path>
+        </a:gradFill>
+        <a:gradFill rotWithShape="1">
+          <a:gsLst>
+            <a:gs pos="0">
+              <a:schemeClr val="phClr">
+                <a:tint val="80000"/>
+                <a:satMod val="300000"/>
+              </a:schemeClr>
+            </a:gs>
+            <a:gs pos="100000">
+              <a:schemeClr val="phClr">
+                <a:shade val="30000"/>
+                <a:satMod val="200000"/>
+              </a:schemeClr>
+            </a:gs>
+          </a:gsLst>
+          <a:path path="circle">
+            <a:fillToRect l="50000" t="50000" r="50000" b="50000"/>
+          </a:path>
+        </a:gradFill>
+      </a:bgFillStyleLst>
+    </a:fmtScheme>
+  </a:themeElements>
+</a:theme>
 </file>